--- a/Aplikasi Catalog Board Game.pptx
+++ b/Aplikasi Catalog Board Game.pptx
@@ -11,8 +11,11 @@
     <p:sldId id="259" r:id="rId5"/>
     <p:sldId id="260" r:id="rId6"/>
     <p:sldId id="261" r:id="rId7"/>
-    <p:sldId id="262" r:id="rId8"/>
-    <p:sldId id="263" r:id="rId9"/>
+    <p:sldId id="266" r:id="rId8"/>
+    <p:sldId id="262" r:id="rId9"/>
+    <p:sldId id="264" r:id="rId10"/>
+    <p:sldId id="265" r:id="rId11"/>
+    <p:sldId id="263" r:id="rId12"/>
   </p:sldIdLst>
   <p:sldSz cx="12192000" cy="6858000"/>
   <p:notesSz cx="6858000" cy="9144000"/>
@@ -111,7 +114,391 @@
       </a:defRPr>
     </a:lvl9pPr>
   </p:defaultTextStyle>
+  <p:extLst>
+    <p:ext uri="{521415D9-36F7-43E2-AB2F-B90AF26B5E84}">
+      <p14:sectionLst xmlns:p14="http://schemas.microsoft.com/office/powerpoint/2010/main">
+        <p14:section name="Default Section" id="{432E45A2-7FE4-4331-8C6B-F6CDA19588E3}">
+          <p14:sldIdLst>
+            <p14:sldId id="256"/>
+            <p14:sldId id="257"/>
+            <p14:sldId id="258"/>
+            <p14:sldId id="259"/>
+            <p14:sldId id="260"/>
+            <p14:sldId id="261"/>
+            <p14:sldId id="266"/>
+            <p14:sldId id="262"/>
+            <p14:sldId id="264"/>
+            <p14:sldId id="265"/>
+            <p14:sldId id="263"/>
+          </p14:sldIdLst>
+        </p14:section>
+      </p14:sectionLst>
+    </p:ext>
+    <p:ext uri="{EFAFB233-063F-42B5-8137-9DF3F51BA10A}">
+      <p15:sldGuideLst xmlns:p15="http://schemas.microsoft.com/office/powerpoint/2012/main"/>
+    </p:ext>
+  </p:extLst>
 </p:presentation>
+</file>
+
+<file path=ppt/changesInfos/changesInfo1.xml><?xml version="1.0" encoding="utf-8"?>
+<pc:chgInfo xmlns:a="http://schemas.openxmlformats.org/drawingml/2006/main" xmlns:r="http://schemas.openxmlformats.org/officeDocument/2006/relationships" xmlns:ac="http://schemas.microsoft.com/office/drawing/2013/main/command" xmlns:pc="http://schemas.microsoft.com/office/powerpoint/2013/main/command">
+  <pc:docChgLst>
+    <pc:chgData name="alful falakh" userId="48e217df925ce595" providerId="LiveId" clId="{9AD53882-7CF3-4857-ADDC-F1BAE670FA97}"/>
+    <pc:docChg chg="undo custSel addSld modSld addSection delSection">
+      <pc:chgData name="alful falakh" userId="48e217df925ce595" providerId="LiveId" clId="{9AD53882-7CF3-4857-ADDC-F1BAE670FA97}" dt="2021-04-20T11:57:46.901" v="339" actId="1076"/>
+      <pc:docMkLst>
+        <pc:docMk/>
+      </pc:docMkLst>
+      <pc:sldChg chg="modSp mod">
+        <pc:chgData name="alful falakh" userId="48e217df925ce595" providerId="LiveId" clId="{9AD53882-7CF3-4857-ADDC-F1BAE670FA97}" dt="2021-04-20T11:52:05.527" v="248" actId="123"/>
+        <pc:sldMkLst>
+          <pc:docMk/>
+          <pc:sldMk cId="389360711" sldId="257"/>
+        </pc:sldMkLst>
+        <pc:spChg chg="mod">
+          <ac:chgData name="alful falakh" userId="48e217df925ce595" providerId="LiveId" clId="{9AD53882-7CF3-4857-ADDC-F1BAE670FA97}" dt="2021-04-20T11:52:05.527" v="248" actId="123"/>
+          <ac:spMkLst>
+            <pc:docMk/>
+            <pc:sldMk cId="389360711" sldId="257"/>
+            <ac:spMk id="3" creationId="{664902A1-062D-4E4C-8AD0-8D6926812962}"/>
+          </ac:spMkLst>
+        </pc:spChg>
+      </pc:sldChg>
+      <pc:sldChg chg="modSp mod">
+        <pc:chgData name="alful falakh" userId="48e217df925ce595" providerId="LiveId" clId="{9AD53882-7CF3-4857-ADDC-F1BAE670FA97}" dt="2021-04-20T11:53:14.622" v="277" actId="123"/>
+        <pc:sldMkLst>
+          <pc:docMk/>
+          <pc:sldMk cId="1273568111" sldId="258"/>
+        </pc:sldMkLst>
+        <pc:spChg chg="mod">
+          <ac:chgData name="alful falakh" userId="48e217df925ce595" providerId="LiveId" clId="{9AD53882-7CF3-4857-ADDC-F1BAE670FA97}" dt="2021-04-20T11:53:14.622" v="277" actId="123"/>
+          <ac:spMkLst>
+            <pc:docMk/>
+            <pc:sldMk cId="1273568111" sldId="258"/>
+            <ac:spMk id="3" creationId="{999B197F-9F03-4B54-A879-B1F438A0F281}"/>
+          </ac:spMkLst>
+        </pc:spChg>
+      </pc:sldChg>
+      <pc:sldChg chg="modSp mod">
+        <pc:chgData name="alful falakh" userId="48e217df925ce595" providerId="LiveId" clId="{9AD53882-7CF3-4857-ADDC-F1BAE670FA97}" dt="2021-04-20T11:53:58.639" v="286" actId="14100"/>
+        <pc:sldMkLst>
+          <pc:docMk/>
+          <pc:sldMk cId="1419492776" sldId="261"/>
+        </pc:sldMkLst>
+        <pc:spChg chg="mod">
+          <ac:chgData name="alful falakh" userId="48e217df925ce595" providerId="LiveId" clId="{9AD53882-7CF3-4857-ADDC-F1BAE670FA97}" dt="2021-04-20T11:53:49.820" v="283" actId="20577"/>
+          <ac:spMkLst>
+            <pc:docMk/>
+            <pc:sldMk cId="1419492776" sldId="261"/>
+            <ac:spMk id="2" creationId="{602C162F-EDD6-4BF2-8339-3EAA34E06F29}"/>
+          </ac:spMkLst>
+        </pc:spChg>
+        <pc:spChg chg="mod">
+          <ac:chgData name="alful falakh" userId="48e217df925ce595" providerId="LiveId" clId="{9AD53882-7CF3-4857-ADDC-F1BAE670FA97}" dt="2021-04-20T11:53:54.971" v="285" actId="27636"/>
+          <ac:spMkLst>
+            <pc:docMk/>
+            <pc:sldMk cId="1419492776" sldId="261"/>
+            <ac:spMk id="3" creationId="{5147FEA4-B9C0-4C15-9856-2831442A1BE6}"/>
+          </ac:spMkLst>
+        </pc:spChg>
+        <pc:picChg chg="mod">
+          <ac:chgData name="alful falakh" userId="48e217df925ce595" providerId="LiveId" clId="{9AD53882-7CF3-4857-ADDC-F1BAE670FA97}" dt="2021-04-20T11:53:58.639" v="286" actId="14100"/>
+          <ac:picMkLst>
+            <pc:docMk/>
+            <pc:sldMk cId="1419492776" sldId="261"/>
+            <ac:picMk id="4" creationId="{E2A289EB-4469-4327-B32B-22B3CC10107A}"/>
+          </ac:picMkLst>
+        </pc:picChg>
+      </pc:sldChg>
+      <pc:sldChg chg="addSp delSp modSp new mod">
+        <pc:chgData name="alful falakh" userId="48e217df925ce595" providerId="LiveId" clId="{9AD53882-7CF3-4857-ADDC-F1BAE670FA97}" dt="2021-04-20T11:46:07.427" v="41" actId="1076"/>
+        <pc:sldMkLst>
+          <pc:docMk/>
+          <pc:sldMk cId="3609264760" sldId="264"/>
+        </pc:sldMkLst>
+        <pc:spChg chg="mod">
+          <ac:chgData name="alful falakh" userId="48e217df925ce595" providerId="LiveId" clId="{9AD53882-7CF3-4857-ADDC-F1BAE670FA97}" dt="2021-04-20T11:44:00.079" v="12" actId="20577"/>
+          <ac:spMkLst>
+            <pc:docMk/>
+            <pc:sldMk cId="3609264760" sldId="264"/>
+            <ac:spMk id="2" creationId="{43AF29C9-6D38-4335-B613-361E3C1E8854}"/>
+          </ac:spMkLst>
+        </pc:spChg>
+        <pc:spChg chg="add del">
+          <ac:chgData name="alful falakh" userId="48e217df925ce595" providerId="LiveId" clId="{9AD53882-7CF3-4857-ADDC-F1BAE670FA97}" dt="2021-04-20T11:44:18.043" v="15" actId="931"/>
+          <ac:spMkLst>
+            <pc:docMk/>
+            <pc:sldMk cId="3609264760" sldId="264"/>
+            <ac:spMk id="3" creationId="{2BB99A3B-A603-4438-9F71-D07EE1E68FB3}"/>
+          </ac:spMkLst>
+        </pc:spChg>
+        <pc:picChg chg="add del mod">
+          <ac:chgData name="alful falakh" userId="48e217df925ce595" providerId="LiveId" clId="{9AD53882-7CF3-4857-ADDC-F1BAE670FA97}" dt="2021-04-20T11:44:14.422" v="14" actId="931"/>
+          <ac:picMkLst>
+            <pc:docMk/>
+            <pc:sldMk cId="3609264760" sldId="264"/>
+            <ac:picMk id="5" creationId="{5745D898-589E-4069-BDFE-C2770CC494B5}"/>
+          </ac:picMkLst>
+        </pc:picChg>
+        <pc:picChg chg="add del mod">
+          <ac:chgData name="alful falakh" userId="48e217df925ce595" providerId="LiveId" clId="{9AD53882-7CF3-4857-ADDC-F1BAE670FA97}" dt="2021-04-20T11:44:14.422" v="14" actId="931"/>
+          <ac:picMkLst>
+            <pc:docMk/>
+            <pc:sldMk cId="3609264760" sldId="264"/>
+            <ac:picMk id="7" creationId="{7ABDD0BF-3891-4ED1-B622-21718A127C8A}"/>
+          </ac:picMkLst>
+        </pc:picChg>
+        <pc:picChg chg="add del mod">
+          <ac:chgData name="alful falakh" userId="48e217df925ce595" providerId="LiveId" clId="{9AD53882-7CF3-4857-ADDC-F1BAE670FA97}" dt="2021-04-20T11:44:14.422" v="14" actId="931"/>
+          <ac:picMkLst>
+            <pc:docMk/>
+            <pc:sldMk cId="3609264760" sldId="264"/>
+            <ac:picMk id="9" creationId="{20243314-87D3-496E-B8C9-4C6B5FB99CA6}"/>
+          </ac:picMkLst>
+        </pc:picChg>
+        <pc:picChg chg="add del mod">
+          <ac:chgData name="alful falakh" userId="48e217df925ce595" providerId="LiveId" clId="{9AD53882-7CF3-4857-ADDC-F1BAE670FA97}" dt="2021-04-20T11:44:14.422" v="14" actId="931"/>
+          <ac:picMkLst>
+            <pc:docMk/>
+            <pc:sldMk cId="3609264760" sldId="264"/>
+            <ac:picMk id="11" creationId="{1D592DF0-393E-4F88-ADAF-E4ECB7F8BAD5}"/>
+          </ac:picMkLst>
+        </pc:picChg>
+        <pc:picChg chg="add del mod">
+          <ac:chgData name="alful falakh" userId="48e217df925ce595" providerId="LiveId" clId="{9AD53882-7CF3-4857-ADDC-F1BAE670FA97}" dt="2021-04-20T11:44:14.422" v="14" actId="931"/>
+          <ac:picMkLst>
+            <pc:docMk/>
+            <pc:sldMk cId="3609264760" sldId="264"/>
+            <ac:picMk id="13" creationId="{1D06769A-1A32-4423-8382-9172CA9590C9}"/>
+          </ac:picMkLst>
+        </pc:picChg>
+        <pc:picChg chg="add del mod">
+          <ac:chgData name="alful falakh" userId="48e217df925ce595" providerId="LiveId" clId="{9AD53882-7CF3-4857-ADDC-F1BAE670FA97}" dt="2021-04-20T11:44:14.422" v="14" actId="931"/>
+          <ac:picMkLst>
+            <pc:docMk/>
+            <pc:sldMk cId="3609264760" sldId="264"/>
+            <ac:picMk id="15" creationId="{8217939F-BCD1-4113-AA9C-DDB832A0BF0D}"/>
+          </ac:picMkLst>
+        </pc:picChg>
+        <pc:picChg chg="add del mod">
+          <ac:chgData name="alful falakh" userId="48e217df925ce595" providerId="LiveId" clId="{9AD53882-7CF3-4857-ADDC-F1BAE670FA97}" dt="2021-04-20T11:44:14.422" v="14" actId="931"/>
+          <ac:picMkLst>
+            <pc:docMk/>
+            <pc:sldMk cId="3609264760" sldId="264"/>
+            <ac:picMk id="17" creationId="{FCC7F918-8ED8-4081-A4A0-3F1835A99FA7}"/>
+          </ac:picMkLst>
+        </pc:picChg>
+        <pc:picChg chg="add del mod">
+          <ac:chgData name="alful falakh" userId="48e217df925ce595" providerId="LiveId" clId="{9AD53882-7CF3-4857-ADDC-F1BAE670FA97}" dt="2021-04-20T11:44:14.422" v="14" actId="931"/>
+          <ac:picMkLst>
+            <pc:docMk/>
+            <pc:sldMk cId="3609264760" sldId="264"/>
+            <ac:picMk id="19" creationId="{55453479-C3CE-4AAC-A90F-49E1EC7BB611}"/>
+          </ac:picMkLst>
+        </pc:picChg>
+        <pc:picChg chg="add del mod">
+          <ac:chgData name="alful falakh" userId="48e217df925ce595" providerId="LiveId" clId="{9AD53882-7CF3-4857-ADDC-F1BAE670FA97}" dt="2021-04-20T11:44:14.422" v="14" actId="931"/>
+          <ac:picMkLst>
+            <pc:docMk/>
+            <pc:sldMk cId="3609264760" sldId="264"/>
+            <ac:picMk id="21" creationId="{3E521E0F-E5A1-4D3B-9474-F137F8A34118}"/>
+          </ac:picMkLst>
+        </pc:picChg>
+        <pc:picChg chg="add mod">
+          <ac:chgData name="alful falakh" userId="48e217df925ce595" providerId="LiveId" clId="{9AD53882-7CF3-4857-ADDC-F1BAE670FA97}" dt="2021-04-20T11:44:24.188" v="16" actId="1076"/>
+          <ac:picMkLst>
+            <pc:docMk/>
+            <pc:sldMk cId="3609264760" sldId="264"/>
+            <ac:picMk id="23" creationId="{82980EE3-FB68-4590-826E-91518A197E28}"/>
+          </ac:picMkLst>
+        </pc:picChg>
+        <pc:picChg chg="add del mod">
+          <ac:chgData name="alful falakh" userId="48e217df925ce595" providerId="LiveId" clId="{9AD53882-7CF3-4857-ADDC-F1BAE670FA97}" dt="2021-04-20T11:44:57.057" v="22" actId="478"/>
+          <ac:picMkLst>
+            <pc:docMk/>
+            <pc:sldMk cId="3609264760" sldId="264"/>
+            <ac:picMk id="25" creationId="{26B7291C-6CFB-4C2B-AE16-61C343593651}"/>
+          </ac:picMkLst>
+        </pc:picChg>
+        <pc:picChg chg="add del mod">
+          <ac:chgData name="alful falakh" userId="48e217df925ce595" providerId="LiveId" clId="{9AD53882-7CF3-4857-ADDC-F1BAE670FA97}" dt="2021-04-20T11:44:57.057" v="22" actId="478"/>
+          <ac:picMkLst>
+            <pc:docMk/>
+            <pc:sldMk cId="3609264760" sldId="264"/>
+            <ac:picMk id="27" creationId="{21E77918-21F3-4B47-BC45-5AD61F2D3C5E}"/>
+          </ac:picMkLst>
+        </pc:picChg>
+        <pc:picChg chg="add del mod">
+          <ac:chgData name="alful falakh" userId="48e217df925ce595" providerId="LiveId" clId="{9AD53882-7CF3-4857-ADDC-F1BAE670FA97}" dt="2021-04-20T11:44:57.057" v="22" actId="478"/>
+          <ac:picMkLst>
+            <pc:docMk/>
+            <pc:sldMk cId="3609264760" sldId="264"/>
+            <ac:picMk id="29" creationId="{5784CAAF-BA92-4797-9551-B612E5348430}"/>
+          </ac:picMkLst>
+        </pc:picChg>
+        <pc:picChg chg="add mod">
+          <ac:chgData name="alful falakh" userId="48e217df925ce595" providerId="LiveId" clId="{9AD53882-7CF3-4857-ADDC-F1BAE670FA97}" dt="2021-04-20T11:45:09.467" v="26" actId="14100"/>
+          <ac:picMkLst>
+            <pc:docMk/>
+            <pc:sldMk cId="3609264760" sldId="264"/>
+            <ac:picMk id="31" creationId="{F1054855-360A-4054-AAE7-69419DC779D4}"/>
+          </ac:picMkLst>
+        </pc:picChg>
+        <pc:picChg chg="add del mod">
+          <ac:chgData name="alful falakh" userId="48e217df925ce595" providerId="LiveId" clId="{9AD53882-7CF3-4857-ADDC-F1BAE670FA97}" dt="2021-04-20T11:45:18.987" v="29" actId="478"/>
+          <ac:picMkLst>
+            <pc:docMk/>
+            <pc:sldMk cId="3609264760" sldId="264"/>
+            <ac:picMk id="33" creationId="{A84CD21D-1375-4137-8E39-416D95D278D0}"/>
+          </ac:picMkLst>
+        </pc:picChg>
+        <pc:picChg chg="add mod">
+          <ac:chgData name="alful falakh" userId="48e217df925ce595" providerId="LiveId" clId="{9AD53882-7CF3-4857-ADDC-F1BAE670FA97}" dt="2021-04-20T11:45:34.297" v="33" actId="14100"/>
+          <ac:picMkLst>
+            <pc:docMk/>
+            <pc:sldMk cId="3609264760" sldId="264"/>
+            <ac:picMk id="35" creationId="{49B0AF85-5DE0-4432-8BA0-1E23129088D6}"/>
+          </ac:picMkLst>
+        </pc:picChg>
+        <pc:picChg chg="add mod">
+          <ac:chgData name="alful falakh" userId="48e217df925ce595" providerId="LiveId" clId="{9AD53882-7CF3-4857-ADDC-F1BAE670FA97}" dt="2021-04-20T11:45:51.149" v="37" actId="14100"/>
+          <ac:picMkLst>
+            <pc:docMk/>
+            <pc:sldMk cId="3609264760" sldId="264"/>
+            <ac:picMk id="37" creationId="{D9B7DC25-F3CF-4B9D-8E31-485320119F08}"/>
+          </ac:picMkLst>
+        </pc:picChg>
+        <pc:picChg chg="add mod">
+          <ac:chgData name="alful falakh" userId="48e217df925ce595" providerId="LiveId" clId="{9AD53882-7CF3-4857-ADDC-F1BAE670FA97}" dt="2021-04-20T11:46:07.427" v="41" actId="1076"/>
+          <ac:picMkLst>
+            <pc:docMk/>
+            <pc:sldMk cId="3609264760" sldId="264"/>
+            <ac:picMk id="39" creationId="{AE45290E-D5B1-4EC8-B131-4590BA5C7B56}"/>
+          </ac:picMkLst>
+        </pc:picChg>
+      </pc:sldChg>
+      <pc:sldChg chg="addSp delSp modSp new mod">
+        <pc:chgData name="alful falakh" userId="48e217df925ce595" providerId="LiveId" clId="{9AD53882-7CF3-4857-ADDC-F1BAE670FA97}" dt="2021-04-20T11:47:32.197" v="64" actId="1076"/>
+        <pc:sldMkLst>
+          <pc:docMk/>
+          <pc:sldMk cId="2633335912" sldId="265"/>
+        </pc:sldMkLst>
+        <pc:spChg chg="del">
+          <ac:chgData name="alful falakh" userId="48e217df925ce595" providerId="LiveId" clId="{9AD53882-7CF3-4857-ADDC-F1BAE670FA97}" dt="2021-04-20T11:46:22.460" v="43" actId="931"/>
+          <ac:spMkLst>
+            <pc:docMk/>
+            <pc:sldMk cId="2633335912" sldId="265"/>
+            <ac:spMk id="3" creationId="{64A6EAF8-4DEC-4184-B2FB-F9DE2C4DDC73}"/>
+          </ac:spMkLst>
+        </pc:spChg>
+        <pc:picChg chg="add mod">
+          <ac:chgData name="alful falakh" userId="48e217df925ce595" providerId="LiveId" clId="{9AD53882-7CF3-4857-ADDC-F1BAE670FA97}" dt="2021-04-20T11:46:26.979" v="44" actId="1076"/>
+          <ac:picMkLst>
+            <pc:docMk/>
+            <pc:sldMk cId="2633335912" sldId="265"/>
+            <ac:picMk id="5" creationId="{5E0AF748-6EB8-4A8F-BCFD-96EA4275BDA8}"/>
+          </ac:picMkLst>
+        </pc:picChg>
+        <pc:picChg chg="add mod">
+          <ac:chgData name="alful falakh" userId="48e217df925ce595" providerId="LiveId" clId="{9AD53882-7CF3-4857-ADDC-F1BAE670FA97}" dt="2021-04-20T11:47:32.197" v="64" actId="1076"/>
+          <ac:picMkLst>
+            <pc:docMk/>
+            <pc:sldMk cId="2633335912" sldId="265"/>
+            <ac:picMk id="7" creationId="{B4B78322-761E-4FC1-9A18-AE63B9A2FC04}"/>
+          </ac:picMkLst>
+        </pc:picChg>
+        <pc:picChg chg="add mod">
+          <ac:chgData name="alful falakh" userId="48e217df925ce595" providerId="LiveId" clId="{9AD53882-7CF3-4857-ADDC-F1BAE670FA97}" dt="2021-04-20T11:47:12.577" v="58" actId="1076"/>
+          <ac:picMkLst>
+            <pc:docMk/>
+            <pc:sldMk cId="2633335912" sldId="265"/>
+            <ac:picMk id="9" creationId="{45FAA6D1-A6CB-4BB6-8914-E95B3F3A143D}"/>
+          </ac:picMkLst>
+        </pc:picChg>
+        <pc:picChg chg="add mod">
+          <ac:chgData name="alful falakh" userId="48e217df925ce595" providerId="LiveId" clId="{9AD53882-7CF3-4857-ADDC-F1BAE670FA97}" dt="2021-04-20T11:47:28.562" v="63" actId="14100"/>
+          <ac:picMkLst>
+            <pc:docMk/>
+            <pc:sldMk cId="2633335912" sldId="265"/>
+            <ac:picMk id="11" creationId="{6B5AE630-0070-4F5D-9116-2B65116C98B4}"/>
+          </ac:picMkLst>
+        </pc:picChg>
+      </pc:sldChg>
+      <pc:sldChg chg="addSp delSp modSp new mod chgLayout">
+        <pc:chgData name="alful falakh" userId="48e217df925ce595" providerId="LiveId" clId="{9AD53882-7CF3-4857-ADDC-F1BAE670FA97}" dt="2021-04-20T11:57:46.901" v="339" actId="1076"/>
+        <pc:sldMkLst>
+          <pc:docMk/>
+          <pc:sldMk cId="1778832632" sldId="266"/>
+        </pc:sldMkLst>
+        <pc:spChg chg="mod ord">
+          <ac:chgData name="alful falakh" userId="48e217df925ce595" providerId="LiveId" clId="{9AD53882-7CF3-4857-ADDC-F1BAE670FA97}" dt="2021-04-20T11:57:12.957" v="331" actId="700"/>
+          <ac:spMkLst>
+            <pc:docMk/>
+            <pc:sldMk cId="1778832632" sldId="266"/>
+            <ac:spMk id="2" creationId="{455292C5-3699-4130-80A6-E328D765CBC4}"/>
+          </ac:spMkLst>
+        </pc:spChg>
+        <pc:spChg chg="add del">
+          <ac:chgData name="alful falakh" userId="48e217df925ce595" providerId="LiveId" clId="{9AD53882-7CF3-4857-ADDC-F1BAE670FA97}" dt="2021-04-20T11:56:03.603" v="327" actId="931"/>
+          <ac:spMkLst>
+            <pc:docMk/>
+            <pc:sldMk cId="1778832632" sldId="266"/>
+            <ac:spMk id="3" creationId="{1712A26D-AE7B-4766-A2EF-9D79D7DC470D}"/>
+          </ac:spMkLst>
+        </pc:spChg>
+        <pc:spChg chg="add del mod">
+          <ac:chgData name="alful falakh" userId="48e217df925ce595" providerId="LiveId" clId="{9AD53882-7CF3-4857-ADDC-F1BAE670FA97}" dt="2021-04-20T11:57:07.407" v="330" actId="6264"/>
+          <ac:spMkLst>
+            <pc:docMk/>
+            <pc:sldMk cId="1778832632" sldId="266"/>
+            <ac:spMk id="3" creationId="{23025F82-1767-45B6-BB6C-8A7D524DF665}"/>
+          </ac:spMkLst>
+        </pc:spChg>
+        <pc:spChg chg="add del mod">
+          <ac:chgData name="alful falakh" userId="48e217df925ce595" providerId="LiveId" clId="{9AD53882-7CF3-4857-ADDC-F1BAE670FA97}" dt="2021-04-20T11:57:07.407" v="330" actId="6264"/>
+          <ac:spMkLst>
+            <pc:docMk/>
+            <pc:sldMk cId="1778832632" sldId="266"/>
+            <ac:spMk id="4" creationId="{2A0FFAB0-0EA8-4E87-BC9C-8006032BD508}"/>
+          </ac:spMkLst>
+        </pc:spChg>
+        <pc:spChg chg="add mod">
+          <ac:chgData name="alful falakh" userId="48e217df925ce595" providerId="LiveId" clId="{9AD53882-7CF3-4857-ADDC-F1BAE670FA97}" dt="2021-04-20T11:57:22.004" v="335" actId="14100"/>
+          <ac:spMkLst>
+            <pc:docMk/>
+            <pc:sldMk cId="1778832632" sldId="266"/>
+            <ac:spMk id="6" creationId="{DC4E54E9-C4DE-4CD7-99EB-F29C49456BB6}"/>
+          </ac:spMkLst>
+        </pc:spChg>
+        <pc:picChg chg="add del mod">
+          <ac:chgData name="alful falakh" userId="48e217df925ce595" providerId="LiveId" clId="{9AD53882-7CF3-4857-ADDC-F1BAE670FA97}" dt="2021-04-20T11:55:45.158" v="326" actId="931"/>
+          <ac:picMkLst>
+            <pc:docMk/>
+            <pc:sldMk cId="1778832632" sldId="266"/>
+            <ac:picMk id="5" creationId="{43A33A50-1A5F-4977-80B0-BDEAED1B7ACC}"/>
+          </ac:picMkLst>
+        </pc:picChg>
+        <pc:picChg chg="add del mod ord">
+          <ac:chgData name="alful falakh" userId="48e217df925ce595" providerId="LiveId" clId="{9AD53882-7CF3-4857-ADDC-F1BAE670FA97}" dt="2021-04-20T11:57:14.929" v="332" actId="478"/>
+          <ac:picMkLst>
+            <pc:docMk/>
+            <pc:sldMk cId="1778832632" sldId="266"/>
+            <ac:picMk id="7" creationId="{8FC6D6F5-0337-4D22-B79C-30D3CEB6EBA4}"/>
+          </ac:picMkLst>
+        </pc:picChg>
+        <pc:picChg chg="add mod">
+          <ac:chgData name="alful falakh" userId="48e217df925ce595" providerId="LiveId" clId="{9AD53882-7CF3-4857-ADDC-F1BAE670FA97}" dt="2021-04-20T11:57:46.901" v="339" actId="1076"/>
+          <ac:picMkLst>
+            <pc:docMk/>
+            <pc:sldMk cId="1778832632" sldId="266"/>
+            <ac:picMk id="9" creationId="{3B3CB111-0C89-484F-B7A3-EAA78B0A5929}"/>
+          </ac:picMkLst>
+        </pc:picChg>
+      </pc:sldChg>
+    </pc:docChg>
+  </pc:docChgLst>
+</pc:chgInfo>
 </file>
 
 <file path=ppt/slideLayouts/slideLayout1.xml><?xml version="1.0" encoding="utf-8"?>
@@ -263,7 +650,7 @@
           <a:p>
             <a:fld id="{8F3A6B12-AECD-4200-AD56-B1EAEE23C800}" type="datetimeFigureOut">
               <a:rPr lang="en-ID" smtClean="0"/>
-              <a:t>17/04/2021</a:t>
+              <a:t>20/04/2021</a:t>
             </a:fld>
             <a:endParaRPr lang="en-ID"/>
           </a:p>
@@ -463,7 +850,7 @@
           <a:p>
             <a:fld id="{8F3A6B12-AECD-4200-AD56-B1EAEE23C800}" type="datetimeFigureOut">
               <a:rPr lang="en-ID" smtClean="0"/>
-              <a:t>17/04/2021</a:t>
+              <a:t>20/04/2021</a:t>
             </a:fld>
             <a:endParaRPr lang="en-ID"/>
           </a:p>
@@ -673,7 +1060,7 @@
           <a:p>
             <a:fld id="{8F3A6B12-AECD-4200-AD56-B1EAEE23C800}" type="datetimeFigureOut">
               <a:rPr lang="en-ID" smtClean="0"/>
-              <a:t>17/04/2021</a:t>
+              <a:t>20/04/2021</a:t>
             </a:fld>
             <a:endParaRPr lang="en-ID"/>
           </a:p>
@@ -873,7 +1260,7 @@
           <a:p>
             <a:fld id="{8F3A6B12-AECD-4200-AD56-B1EAEE23C800}" type="datetimeFigureOut">
               <a:rPr lang="en-ID" smtClean="0"/>
-              <a:t>17/04/2021</a:t>
+              <a:t>20/04/2021</a:t>
             </a:fld>
             <a:endParaRPr lang="en-ID"/>
           </a:p>
@@ -1149,7 +1536,7 @@
           <a:p>
             <a:fld id="{8F3A6B12-AECD-4200-AD56-B1EAEE23C800}" type="datetimeFigureOut">
               <a:rPr lang="en-ID" smtClean="0"/>
-              <a:t>17/04/2021</a:t>
+              <a:t>20/04/2021</a:t>
             </a:fld>
             <a:endParaRPr lang="en-ID"/>
           </a:p>
@@ -1417,7 +1804,7 @@
           <a:p>
             <a:fld id="{8F3A6B12-AECD-4200-AD56-B1EAEE23C800}" type="datetimeFigureOut">
               <a:rPr lang="en-ID" smtClean="0"/>
-              <a:t>17/04/2021</a:t>
+              <a:t>20/04/2021</a:t>
             </a:fld>
             <a:endParaRPr lang="en-ID"/>
           </a:p>
@@ -1832,7 +2219,7 @@
           <a:p>
             <a:fld id="{8F3A6B12-AECD-4200-AD56-B1EAEE23C800}" type="datetimeFigureOut">
               <a:rPr lang="en-ID" smtClean="0"/>
-              <a:t>17/04/2021</a:t>
+              <a:t>20/04/2021</a:t>
             </a:fld>
             <a:endParaRPr lang="en-ID"/>
           </a:p>
@@ -1974,7 +2361,7 @@
           <a:p>
             <a:fld id="{8F3A6B12-AECD-4200-AD56-B1EAEE23C800}" type="datetimeFigureOut">
               <a:rPr lang="en-ID" smtClean="0"/>
-              <a:t>17/04/2021</a:t>
+              <a:t>20/04/2021</a:t>
             </a:fld>
             <a:endParaRPr lang="en-ID"/>
           </a:p>
@@ -2087,7 +2474,7 @@
           <a:p>
             <a:fld id="{8F3A6B12-AECD-4200-AD56-B1EAEE23C800}" type="datetimeFigureOut">
               <a:rPr lang="en-ID" smtClean="0"/>
-              <a:t>17/04/2021</a:t>
+              <a:t>20/04/2021</a:t>
             </a:fld>
             <a:endParaRPr lang="en-ID"/>
           </a:p>
@@ -2400,7 +2787,7 @@
           <a:p>
             <a:fld id="{8F3A6B12-AECD-4200-AD56-B1EAEE23C800}" type="datetimeFigureOut">
               <a:rPr lang="en-ID" smtClean="0"/>
-              <a:t>17/04/2021</a:t>
+              <a:t>20/04/2021</a:t>
             </a:fld>
             <a:endParaRPr lang="en-ID"/>
           </a:p>
@@ -2689,7 +3076,7 @@
           <a:p>
             <a:fld id="{8F3A6B12-AECD-4200-AD56-B1EAEE23C800}" type="datetimeFigureOut">
               <a:rPr lang="en-ID" smtClean="0"/>
-              <a:t>17/04/2021</a:t>
+              <a:t>20/04/2021</a:t>
             </a:fld>
             <a:endParaRPr lang="en-ID"/>
           </a:p>
@@ -2932,7 +3319,7 @@
           <a:p>
             <a:fld id="{8F3A6B12-AECD-4200-AD56-B1EAEE23C800}" type="datetimeFigureOut">
               <a:rPr lang="en-ID" smtClean="0"/>
-              <a:t>17/04/2021</a:t>
+              <a:t>20/04/2021</a:t>
             </a:fld>
             <a:endParaRPr lang="en-ID"/>
           </a:p>
@@ -3574,6 +3961,263 @@
 </p:sld>
 </file>
 
+<file path=ppt/slides/slide10.xml><?xml version="1.0" encoding="utf-8"?>
+<p:sld xmlns:a="http://schemas.openxmlformats.org/drawingml/2006/main" xmlns:r="http://schemas.openxmlformats.org/officeDocument/2006/relationships" xmlns:p="http://schemas.openxmlformats.org/presentationml/2006/main">
+  <p:cSld>
+    <p:spTree>
+      <p:nvGrpSpPr>
+        <p:cNvPr id="1" name=""/>
+        <p:cNvGrpSpPr/>
+        <p:nvPr/>
+      </p:nvGrpSpPr>
+      <p:grpSpPr>
+        <a:xfrm>
+          <a:off x="0" y="0"/>
+          <a:ext cx="0" cy="0"/>
+          <a:chOff x="0" y="0"/>
+          <a:chExt cx="0" cy="0"/>
+        </a:xfrm>
+      </p:grpSpPr>
+      <p:sp>
+        <p:nvSpPr>
+          <p:cNvPr id="2" name="Title 1">
+            <a:extLst>
+              <a:ext uri="{FF2B5EF4-FFF2-40B4-BE49-F238E27FC236}">
+                <a16:creationId xmlns:a16="http://schemas.microsoft.com/office/drawing/2014/main" id="{CD1559FC-B825-4B23-AC04-201E22B52DD0}"/>
+              </a:ext>
+            </a:extLst>
+          </p:cNvPr>
+          <p:cNvSpPr>
+            <a:spLocks noGrp="1"/>
+          </p:cNvSpPr>
+          <p:nvPr>
+            <p:ph type="title"/>
+          </p:nvPr>
+        </p:nvSpPr>
+        <p:spPr/>
+        <p:txBody>
+          <a:bodyPr/>
+          <a:lstStyle/>
+          <a:p>
+            <a:endParaRPr lang="id-ID"/>
+          </a:p>
+        </p:txBody>
+      </p:sp>
+      <p:pic>
+        <p:nvPicPr>
+          <p:cNvPr id="5" name="Content Placeholder 4">
+            <a:extLst>
+              <a:ext uri="{FF2B5EF4-FFF2-40B4-BE49-F238E27FC236}">
+                <a16:creationId xmlns:a16="http://schemas.microsoft.com/office/drawing/2014/main" id="{5E0AF748-6EB8-4A8F-BCFD-96EA4275BDA8}"/>
+              </a:ext>
+            </a:extLst>
+          </p:cNvPr>
+          <p:cNvPicPr>
+            <a:picLocks noGrp="1" noChangeAspect="1"/>
+          </p:cNvPicPr>
+          <p:nvPr>
+            <p:ph idx="1"/>
+          </p:nvPr>
+        </p:nvPicPr>
+        <p:blipFill>
+          <a:blip r:embed="rId2">
+            <a:extLst>
+              <a:ext uri="{28A0092B-C50C-407E-A947-70E740481C1C}">
+                <a14:useLocalDpi xmlns:a14="http://schemas.microsoft.com/office/drawing/2010/main" val="0"/>
+              </a:ext>
+            </a:extLst>
+          </a:blip>
+          <a:stretch>
+            <a:fillRect/>
+          </a:stretch>
+        </p:blipFill>
+        <p:spPr>
+          <a:xfrm>
+            <a:off x="1229441" y="1690688"/>
+            <a:ext cx="2009546" cy="4351338"/>
+          </a:xfrm>
+        </p:spPr>
+      </p:pic>
+      <p:pic>
+        <p:nvPicPr>
+          <p:cNvPr id="7" name="Picture 6">
+            <a:extLst>
+              <a:ext uri="{FF2B5EF4-FFF2-40B4-BE49-F238E27FC236}">
+                <a16:creationId xmlns:a16="http://schemas.microsoft.com/office/drawing/2014/main" id="{B4B78322-761E-4FC1-9A18-AE63B9A2FC04}"/>
+              </a:ext>
+            </a:extLst>
+          </p:cNvPr>
+          <p:cNvPicPr>
+            <a:picLocks noChangeAspect="1"/>
+          </p:cNvPicPr>
+          <p:nvPr/>
+        </p:nvPicPr>
+        <p:blipFill>
+          <a:blip r:embed="rId3">
+            <a:extLst>
+              <a:ext uri="{28A0092B-C50C-407E-A947-70E740481C1C}">
+                <a14:useLocalDpi xmlns:a14="http://schemas.microsoft.com/office/drawing/2010/main" val="0"/>
+              </a:ext>
+            </a:extLst>
+          </a:blip>
+          <a:stretch>
+            <a:fillRect/>
+          </a:stretch>
+        </p:blipFill>
+        <p:spPr>
+          <a:xfrm>
+            <a:off x="8313819" y="1690688"/>
+            <a:ext cx="2009547" cy="4351338"/>
+          </a:xfrm>
+          <a:prstGeom prst="rect">
+            <a:avLst/>
+          </a:prstGeom>
+        </p:spPr>
+      </p:pic>
+      <p:pic>
+        <p:nvPicPr>
+          <p:cNvPr id="9" name="Picture 8">
+            <a:extLst>
+              <a:ext uri="{FF2B5EF4-FFF2-40B4-BE49-F238E27FC236}">
+                <a16:creationId xmlns:a16="http://schemas.microsoft.com/office/drawing/2014/main" id="{45FAA6D1-A6CB-4BB6-8914-E95B3F3A143D}"/>
+              </a:ext>
+            </a:extLst>
+          </p:cNvPr>
+          <p:cNvPicPr>
+            <a:picLocks noChangeAspect="1"/>
+          </p:cNvPicPr>
+          <p:nvPr/>
+        </p:nvPicPr>
+        <p:blipFill>
+          <a:blip r:embed="rId4">
+            <a:extLst>
+              <a:ext uri="{28A0092B-C50C-407E-A947-70E740481C1C}">
+                <a14:useLocalDpi xmlns:a14="http://schemas.microsoft.com/office/drawing/2010/main" val="0"/>
+              </a:ext>
+            </a:extLst>
+          </a:blip>
+          <a:stretch>
+            <a:fillRect/>
+          </a:stretch>
+        </p:blipFill>
+        <p:spPr>
+          <a:xfrm>
+            <a:off x="3620897" y="1690688"/>
+            <a:ext cx="2009547" cy="4351338"/>
+          </a:xfrm>
+          <a:prstGeom prst="rect">
+            <a:avLst/>
+          </a:prstGeom>
+        </p:spPr>
+      </p:pic>
+      <p:pic>
+        <p:nvPicPr>
+          <p:cNvPr id="11" name="Picture 10">
+            <a:extLst>
+              <a:ext uri="{FF2B5EF4-FFF2-40B4-BE49-F238E27FC236}">
+                <a16:creationId xmlns:a16="http://schemas.microsoft.com/office/drawing/2014/main" id="{6B5AE630-0070-4F5D-9116-2B65116C98B4}"/>
+              </a:ext>
+            </a:extLst>
+          </p:cNvPr>
+          <p:cNvPicPr>
+            <a:picLocks noChangeAspect="1"/>
+          </p:cNvPicPr>
+          <p:nvPr/>
+        </p:nvPicPr>
+        <p:blipFill>
+          <a:blip r:embed="rId5">
+            <a:extLst>
+              <a:ext uri="{28A0092B-C50C-407E-A947-70E740481C1C}">
+                <a14:useLocalDpi xmlns:a14="http://schemas.microsoft.com/office/drawing/2010/main" val="0"/>
+              </a:ext>
+            </a:extLst>
+          </a:blip>
+          <a:stretch>
+            <a:fillRect/>
+          </a:stretch>
+        </p:blipFill>
+        <p:spPr>
+          <a:xfrm>
+            <a:off x="6096000" y="1690688"/>
+            <a:ext cx="2009547" cy="4351338"/>
+          </a:xfrm>
+          <a:prstGeom prst="rect">
+            <a:avLst/>
+          </a:prstGeom>
+        </p:spPr>
+      </p:pic>
+    </p:spTree>
+    <p:extLst>
+      <p:ext uri="{BB962C8B-B14F-4D97-AF65-F5344CB8AC3E}">
+        <p14:creationId xmlns:p14="http://schemas.microsoft.com/office/powerpoint/2010/main" val="2633335912"/>
+      </p:ext>
+    </p:extLst>
+  </p:cSld>
+  <p:clrMapOvr>
+    <a:masterClrMapping/>
+  </p:clrMapOvr>
+</p:sld>
+</file>
+
+<file path=ppt/slides/slide11.xml><?xml version="1.0" encoding="utf-8"?>
+<p:sld xmlns:a="http://schemas.openxmlformats.org/drawingml/2006/main" xmlns:r="http://schemas.openxmlformats.org/officeDocument/2006/relationships" xmlns:p="http://schemas.openxmlformats.org/presentationml/2006/main">
+  <p:cSld>
+    <p:spTree>
+      <p:nvGrpSpPr>
+        <p:cNvPr id="1" name=""/>
+        <p:cNvGrpSpPr/>
+        <p:nvPr/>
+      </p:nvGrpSpPr>
+      <p:grpSpPr>
+        <a:xfrm>
+          <a:off x="0" y="0"/>
+          <a:ext cx="0" cy="0"/>
+          <a:chOff x="0" y="0"/>
+          <a:chExt cx="0" cy="0"/>
+        </a:xfrm>
+      </p:grpSpPr>
+      <p:sp>
+        <p:nvSpPr>
+          <p:cNvPr id="2" name="Title 1">
+            <a:extLst>
+              <a:ext uri="{FF2B5EF4-FFF2-40B4-BE49-F238E27FC236}">
+                <a16:creationId xmlns:a16="http://schemas.microsoft.com/office/drawing/2014/main" id="{ADC5F6C1-9F73-44BC-8D6D-C90690CC2BEE}"/>
+              </a:ext>
+            </a:extLst>
+          </p:cNvPr>
+          <p:cNvSpPr>
+            <a:spLocks noGrp="1"/>
+          </p:cNvSpPr>
+          <p:nvPr>
+            <p:ph type="title"/>
+          </p:nvPr>
+        </p:nvSpPr>
+        <p:spPr/>
+        <p:txBody>
+          <a:bodyPr/>
+          <a:lstStyle/>
+          <a:p>
+            <a:r>
+              <a:rPr lang="id-ID" dirty="0"/>
+              <a:t>Terima Kasih</a:t>
+            </a:r>
+            <a:endParaRPr lang="en-ID" dirty="0"/>
+          </a:p>
+        </p:txBody>
+      </p:sp>
+    </p:spTree>
+    <p:extLst>
+      <p:ext uri="{BB962C8B-B14F-4D97-AF65-F5344CB8AC3E}">
+        <p14:creationId xmlns:p14="http://schemas.microsoft.com/office/powerpoint/2010/main" val="1322703857"/>
+      </p:ext>
+    </p:extLst>
+  </p:cSld>
+  <p:clrMapOvr>
+    <a:masterClrMapping/>
+  </p:clrMapOvr>
+</p:sld>
+</file>
+
 <file path=ppt/slides/slide2.xml><?xml version="1.0" encoding="utf-8"?>
 <p:sld xmlns:a="http://schemas.openxmlformats.org/drawingml/2006/main" xmlns:r="http://schemas.openxmlformats.org/officeDocument/2006/relationships" xmlns:p="http://schemas.openxmlformats.org/presentationml/2006/main">
   <p:cSld>
@@ -3646,534 +4290,1432 @@
         </p:spPr>
         <p:txBody>
           <a:bodyPr>
-            <a:normAutofit/>
+            <a:noAutofit/>
           </a:bodyPr>
           <a:lstStyle/>
           <a:p>
-            <a:pPr marL="457200" lvl="1" indent="0">
+            <a:pPr marL="457200" lvl="1" indent="0" algn="just">
               <a:buNone/>
             </a:pPr>
             <a:r>
-              <a:rPr lang="en-US" b="1" dirty="0"/>
+              <a:rPr lang="en-US" sz="1900" b="1" dirty="0">
+                <a:latin typeface="Calibri (Body)"/>
+              </a:rPr>
               <a:t>Nama </a:t>
             </a:r>
             <a:r>
-              <a:rPr lang="en-US" b="1" dirty="0" err="1"/>
+              <a:rPr lang="en-US" sz="1900" b="1" dirty="0" err="1">
+                <a:latin typeface="Calibri (Body)"/>
+              </a:rPr>
               <a:t>Proyek</a:t>
             </a:r>
             <a:r>
-              <a:rPr lang="id-ID" b="1" dirty="0"/>
+              <a:rPr lang="id-ID" sz="1900" b="1" dirty="0">
+                <a:latin typeface="Calibri (Body)"/>
+              </a:rPr>
               <a:t>		</a:t>
             </a:r>
             <a:r>
-              <a:rPr lang="en-US" dirty="0"/>
+              <a:rPr lang="en-US" sz="1900" b="1" dirty="0">
+                <a:latin typeface="Calibri (Body)"/>
+              </a:rPr>
+              <a:t>	: </a:t>
+            </a:r>
+            <a:r>
+              <a:rPr lang="en-US" sz="1900" dirty="0">
+                <a:latin typeface="Calibri (Body)"/>
+              </a:rPr>
               <a:t>“</a:t>
             </a:r>
             <a:r>
-              <a:rPr lang="en-US" dirty="0" err="1"/>
+              <a:rPr lang="en-US" sz="1900" dirty="0" err="1">
+                <a:latin typeface="Calibri (Body)"/>
+              </a:rPr>
               <a:t>Aplikasi</a:t>
             </a:r>
             <a:r>
-              <a:rPr lang="en-US" dirty="0"/>
+              <a:rPr lang="en-US" sz="1900" dirty="0">
+                <a:latin typeface="Calibri (Body)"/>
+              </a:rPr>
               <a:t> Catalog Board Game” </a:t>
             </a:r>
-            <a:endParaRPr lang="en-ID" dirty="0"/>
-          </a:p>
-          <a:p>
-            <a:pPr marL="457200" lvl="1" indent="0">
+            <a:endParaRPr lang="en-ID" sz="1900" dirty="0">
+              <a:latin typeface="Calibri (Body)"/>
+            </a:endParaRPr>
+          </a:p>
+          <a:p>
+            <a:pPr marL="457200" lvl="1" indent="0" algn="just">
               <a:buNone/>
             </a:pPr>
             <a:r>
-              <a:rPr lang="en-US" b="1" dirty="0"/>
+              <a:rPr lang="en-US" sz="1900" b="1" dirty="0">
+                <a:latin typeface="Calibri (Body)"/>
+              </a:rPr>
               <a:t>Nama Tim		</a:t>
             </a:r>
             <a:r>
-              <a:rPr lang="id-ID" b="1" dirty="0"/>
+              <a:rPr lang="id-ID" sz="1900" b="1" dirty="0">
+                <a:latin typeface="Calibri (Body)"/>
+              </a:rPr>
               <a:t>	</a:t>
             </a:r>
             <a:r>
-              <a:rPr lang="en-US" dirty="0" err="1"/>
+              <a:rPr lang="en-US" sz="1900" b="1" dirty="0">
+                <a:latin typeface="Calibri (Body)"/>
+              </a:rPr>
+              <a:t>: </a:t>
+            </a:r>
+            <a:r>
+              <a:rPr lang="en-US" sz="1900" dirty="0" err="1">
+                <a:latin typeface="Calibri (Body)"/>
+              </a:rPr>
               <a:t>Kelompok</a:t>
             </a:r>
             <a:r>
-              <a:rPr lang="en-US" dirty="0"/>
+              <a:rPr lang="en-US" sz="1900" dirty="0">
+                <a:latin typeface="Calibri (Body)"/>
+              </a:rPr>
               <a:t> 4</a:t>
             </a:r>
-            <a:endParaRPr lang="id-ID" dirty="0"/>
-          </a:p>
-          <a:p>
-            <a:pPr marL="457200" lvl="1" indent="0">
+            <a:endParaRPr lang="id-ID" sz="1900" dirty="0">
+              <a:latin typeface="Calibri (Body)"/>
+            </a:endParaRPr>
+          </a:p>
+          <a:p>
+            <a:pPr marL="457200" lvl="1" indent="0" algn="just">
               <a:buNone/>
             </a:pPr>
             <a:r>
-              <a:rPr lang="en-US" b="1" dirty="0" err="1"/>
+              <a:rPr lang="en-US" sz="1900" b="1" dirty="0" err="1">
+                <a:latin typeface="Calibri (Body)"/>
+              </a:rPr>
               <a:t>Tanggal</a:t>
             </a:r>
             <a:r>
-              <a:rPr lang="en-US" b="1" dirty="0"/>
-              <a:t> </a:t>
-            </a:r>
-            <a:r>
-              <a:rPr lang="en-US" b="1" dirty="0" err="1"/>
+              <a:rPr lang="en-US" sz="1900" b="1" dirty="0">
+                <a:latin typeface="Calibri (Body)"/>
+              </a:rPr>
+              <a:t> </a:t>
+            </a:r>
+            <a:r>
+              <a:rPr lang="en-US" sz="1900" b="1" dirty="0" err="1">
+                <a:latin typeface="Calibri (Body)"/>
+              </a:rPr>
               <a:t>Mulai</a:t>
             </a:r>
             <a:r>
-              <a:rPr lang="en-US" b="1" dirty="0"/>
-              <a:t> </a:t>
-            </a:r>
-            <a:r>
-              <a:rPr lang="en-US" b="1" dirty="0" err="1"/>
+              <a:rPr lang="en-US" sz="1900" b="1" dirty="0">
+                <a:latin typeface="Calibri (Body)"/>
+              </a:rPr>
+              <a:t> </a:t>
+            </a:r>
+            <a:r>
+              <a:rPr lang="en-US" sz="1900" b="1" dirty="0" err="1">
+                <a:latin typeface="Calibri (Body)"/>
+              </a:rPr>
               <a:t>Proyek</a:t>
             </a:r>
             <a:r>
-              <a:rPr lang="en-US" b="1" dirty="0"/>
-              <a:t> 	</a:t>
-            </a:r>
-            <a:r>
-              <a:rPr lang="en-US" dirty="0"/>
+              <a:rPr lang="en-US" sz="1900" b="1" dirty="0">
+                <a:latin typeface="Calibri (Body)"/>
+              </a:rPr>
+              <a:t> 		: </a:t>
+            </a:r>
+            <a:r>
+              <a:rPr lang="en-US" sz="1900" dirty="0">
+                <a:latin typeface="Calibri (Body)"/>
+              </a:rPr>
               <a:t>3 </a:t>
             </a:r>
             <a:r>
-              <a:rPr lang="en-US" dirty="0" err="1"/>
+              <a:rPr lang="en-US" sz="1900" dirty="0" err="1">
+                <a:latin typeface="Calibri (Body)"/>
+              </a:rPr>
               <a:t>Maret</a:t>
             </a:r>
             <a:r>
-              <a:rPr lang="en-US" dirty="0"/>
+              <a:rPr lang="en-US" sz="1900" dirty="0">
+                <a:latin typeface="Calibri (Body)"/>
+              </a:rPr>
               <a:t> 2020</a:t>
             </a:r>
-            <a:endParaRPr lang="en-ID" dirty="0"/>
-          </a:p>
-          <a:p>
-            <a:pPr marL="457200" lvl="1" indent="0">
+            <a:endParaRPr lang="en-ID" sz="1900" dirty="0">
+              <a:latin typeface="Calibri (Body)"/>
+            </a:endParaRPr>
+          </a:p>
+          <a:p>
+            <a:pPr marL="457200" lvl="1" indent="0" algn="just">
               <a:buNone/>
             </a:pPr>
             <a:r>
-              <a:rPr lang="en-US" b="1" dirty="0" err="1"/>
+              <a:rPr lang="en-US" sz="1900" b="1" dirty="0" err="1">
+                <a:latin typeface="Calibri (Body)"/>
+              </a:rPr>
               <a:t>Tanggal</a:t>
             </a:r>
             <a:r>
-              <a:rPr lang="en-US" b="1" dirty="0"/>
-              <a:t> </a:t>
-            </a:r>
-            <a:r>
-              <a:rPr lang="en-US" b="1" dirty="0" err="1"/>
+              <a:rPr lang="en-US" sz="1900" b="1" dirty="0">
+                <a:latin typeface="Calibri (Body)"/>
+              </a:rPr>
+              <a:t> </a:t>
+            </a:r>
+            <a:r>
+              <a:rPr lang="en-US" sz="1900" b="1" dirty="0" err="1">
+                <a:latin typeface="Calibri (Body)"/>
+              </a:rPr>
               <a:t>Berakhir</a:t>
             </a:r>
             <a:r>
-              <a:rPr lang="en-US" b="1" dirty="0"/>
-              <a:t> </a:t>
-            </a:r>
-            <a:r>
-              <a:rPr lang="en-US" b="1" dirty="0" err="1"/>
+              <a:rPr lang="en-US" sz="1900" b="1" dirty="0">
+                <a:latin typeface="Calibri (Body)"/>
+              </a:rPr>
+              <a:t> </a:t>
+            </a:r>
+            <a:r>
+              <a:rPr lang="en-US" sz="1900" b="1" dirty="0" err="1">
+                <a:latin typeface="Calibri (Body)"/>
+              </a:rPr>
               <a:t>Proyek</a:t>
             </a:r>
             <a:r>
-              <a:rPr lang="en-US" b="1" dirty="0"/>
-              <a:t> </a:t>
-            </a:r>
-            <a:r>
-              <a:rPr lang="id-ID" b="1" dirty="0"/>
+              <a:rPr lang="en-US" sz="1900" b="1" dirty="0">
+                <a:latin typeface="Calibri (Body)"/>
+              </a:rPr>
+              <a:t> </a:t>
+            </a:r>
+            <a:r>
+              <a:rPr lang="id-ID" sz="1900" b="1" dirty="0">
+                <a:latin typeface="Calibri (Body)"/>
+              </a:rPr>
               <a:t>	</a:t>
             </a:r>
             <a:r>
-              <a:rPr lang="en-US" dirty="0"/>
+              <a:rPr lang="en-US" sz="1900" b="1" dirty="0">
+                <a:latin typeface="Calibri (Body)"/>
+              </a:rPr>
+              <a:t>: </a:t>
+            </a:r>
+            <a:r>
+              <a:rPr lang="en-US" sz="1900" dirty="0">
+                <a:latin typeface="Calibri (Body)"/>
+              </a:rPr>
               <a:t>24 </a:t>
             </a:r>
             <a:r>
-              <a:rPr lang="en-US" dirty="0" err="1"/>
+              <a:rPr lang="en-US" sz="1900" dirty="0" err="1">
+                <a:latin typeface="Calibri (Body)"/>
+              </a:rPr>
               <a:t>Juli</a:t>
             </a:r>
             <a:r>
-              <a:rPr lang="en-US" dirty="0"/>
+              <a:rPr lang="en-US" sz="1900" dirty="0">
+                <a:latin typeface="Calibri (Body)"/>
+              </a:rPr>
               <a:t> 2020</a:t>
             </a:r>
-            <a:endParaRPr lang="en-ID" dirty="0"/>
-          </a:p>
-          <a:p>
-            <a:pPr marL="457200" lvl="1" indent="0">
+            <a:endParaRPr lang="en-ID" sz="1900" dirty="0">
+              <a:latin typeface="Calibri (Body)"/>
+            </a:endParaRPr>
+          </a:p>
+          <a:p>
+            <a:pPr marL="457200" lvl="1" indent="0" algn="just">
               <a:buNone/>
             </a:pPr>
             <a:r>
-              <a:rPr lang="en-US" b="1" dirty="0" err="1"/>
+              <a:rPr lang="en-US" sz="1900" b="1" dirty="0" err="1">
+                <a:latin typeface="Calibri (Body)"/>
+              </a:rPr>
               <a:t>Deskripsi</a:t>
             </a:r>
             <a:r>
-              <a:rPr lang="en-US" b="1" dirty="0"/>
-              <a:t> </a:t>
-            </a:r>
-            <a:r>
-              <a:rPr lang="en-US" b="1" dirty="0" err="1"/>
+              <a:rPr lang="en-US" sz="1900" b="1" dirty="0">
+                <a:latin typeface="Calibri (Body)"/>
+              </a:rPr>
+              <a:t> </a:t>
+            </a:r>
+            <a:r>
+              <a:rPr lang="en-US" sz="1900" b="1" dirty="0" err="1">
+                <a:latin typeface="Calibri (Body)"/>
+              </a:rPr>
               <a:t>Proyek</a:t>
             </a:r>
             <a:r>
-              <a:rPr lang="id-ID" b="1" dirty="0"/>
+              <a:rPr lang="id-ID" sz="1900" b="1" dirty="0">
+                <a:latin typeface="Calibri (Body)"/>
+              </a:rPr>
               <a:t>		</a:t>
             </a:r>
             <a:r>
-              <a:rPr lang="en-US" dirty="0"/>
+              <a:rPr lang="en-US" sz="1900" b="1" dirty="0">
+                <a:latin typeface="Calibri (Body)"/>
+              </a:rPr>
+              <a:t>: </a:t>
+            </a:r>
+            <a:r>
+              <a:rPr lang="en-US" sz="1900" dirty="0">
+                <a:effectLst/>
+                <a:latin typeface="Calibri (Body)"/>
+                <a:ea typeface="DengXian" panose="02010600030101010101" pitchFamily="2" charset="-122"/>
+                <a:cs typeface="Times New Roman" panose="02020603050405020304" pitchFamily="18" charset="0"/>
+              </a:rPr>
               <a:t>Board game </a:t>
             </a:r>
             <a:r>
-              <a:rPr lang="en-US" dirty="0" err="1"/>
+              <a:rPr lang="en-US" sz="1900" dirty="0" err="1">
+                <a:effectLst/>
+                <a:latin typeface="Calibri (Body)"/>
+                <a:ea typeface="DengXian" panose="02010600030101010101" pitchFamily="2" charset="-122"/>
+                <a:cs typeface="Times New Roman" panose="02020603050405020304" pitchFamily="18" charset="0"/>
+              </a:rPr>
               <a:t>merupakan</a:t>
             </a:r>
             <a:r>
-              <a:rPr lang="en-US" dirty="0"/>
+              <a:rPr lang="en-US" sz="1900" dirty="0">
+                <a:effectLst/>
+                <a:latin typeface="Calibri (Body)"/>
+                <a:ea typeface="DengXian" panose="02010600030101010101" pitchFamily="2" charset="-122"/>
+                <a:cs typeface="Times New Roman" panose="02020603050405020304" pitchFamily="18" charset="0"/>
+              </a:rPr>
               <a:t> game yang </a:t>
             </a:r>
             <a:r>
-              <a:rPr lang="en-US" dirty="0" err="1"/>
+              <a:rPr lang="en-US" sz="1900" dirty="0" err="1">
+                <a:effectLst/>
+                <a:latin typeface="Calibri (Body)"/>
+                <a:ea typeface="DengXian" panose="02010600030101010101" pitchFamily="2" charset="-122"/>
+                <a:cs typeface="Times New Roman" panose="02020603050405020304" pitchFamily="18" charset="0"/>
+              </a:rPr>
               <a:t>dimainkan</a:t>
             </a:r>
             <a:r>
-              <a:rPr lang="en-US" dirty="0"/>
-              <a:t> </a:t>
-            </a:r>
-            <a:r>
-              <a:rPr lang="en-US" dirty="0" err="1"/>
+              <a:rPr lang="en-US" sz="1900" dirty="0">
+                <a:effectLst/>
+                <a:latin typeface="Calibri (Body)"/>
+                <a:ea typeface="DengXian" panose="02010600030101010101" pitchFamily="2" charset="-122"/>
+                <a:cs typeface="Times New Roman" panose="02020603050405020304" pitchFamily="18" charset="0"/>
+              </a:rPr>
+              <a:t> </a:t>
+            </a:r>
+            <a:r>
+              <a:rPr lang="en-US" sz="1900" dirty="0" err="1">
+                <a:effectLst/>
+                <a:latin typeface="Calibri (Body)"/>
+                <a:ea typeface="DengXian" panose="02010600030101010101" pitchFamily="2" charset="-122"/>
+                <a:cs typeface="Times New Roman" panose="02020603050405020304" pitchFamily="18" charset="0"/>
+              </a:rPr>
               <a:t>dengan</a:t>
             </a:r>
             <a:r>
-              <a:rPr lang="en-US" dirty="0"/>
-              <a:t> </a:t>
-            </a:r>
-            <a:r>
-              <a:rPr lang="en-US" dirty="0" err="1"/>
+              <a:rPr lang="en-US" sz="1900" dirty="0">
+                <a:effectLst/>
+                <a:latin typeface="Calibri (Body)"/>
+                <a:ea typeface="DengXian" panose="02010600030101010101" pitchFamily="2" charset="-122"/>
+                <a:cs typeface="Times New Roman" panose="02020603050405020304" pitchFamily="18" charset="0"/>
+              </a:rPr>
+              <a:t> </a:t>
+            </a:r>
+            <a:r>
+              <a:rPr lang="en-US" sz="1900" dirty="0" err="1">
+                <a:effectLst/>
+                <a:latin typeface="Calibri (Body)"/>
+                <a:ea typeface="DengXian" panose="02010600030101010101" pitchFamily="2" charset="-122"/>
+                <a:cs typeface="Times New Roman" panose="02020603050405020304" pitchFamily="18" charset="0"/>
+              </a:rPr>
               <a:t>menggunakan</a:t>
             </a:r>
             <a:r>
-              <a:rPr lang="en-US" dirty="0"/>
-              <a:t> </a:t>
-            </a:r>
-            <a:r>
-              <a:rPr lang="en-US" dirty="0" err="1"/>
+              <a:rPr lang="en-US" sz="1900" dirty="0">
+                <a:effectLst/>
+                <a:latin typeface="Calibri (Body)"/>
+                <a:ea typeface="DengXian" panose="02010600030101010101" pitchFamily="2" charset="-122"/>
+                <a:cs typeface="Times New Roman" panose="02020603050405020304" pitchFamily="18" charset="0"/>
+              </a:rPr>
+              <a:t> </a:t>
+            </a:r>
+            <a:r>
+              <a:rPr lang="en-US" sz="1900" dirty="0" err="1">
+                <a:effectLst/>
+                <a:latin typeface="Calibri (Body)"/>
+                <a:ea typeface="DengXian" panose="02010600030101010101" pitchFamily="2" charset="-122"/>
+                <a:cs typeface="Times New Roman" panose="02020603050405020304" pitchFamily="18" charset="0"/>
+              </a:rPr>
               <a:t>papan</a:t>
             </a:r>
             <a:r>
-              <a:rPr lang="en-US" dirty="0"/>
+              <a:rPr lang="en-US" sz="1900" dirty="0">
+                <a:effectLst/>
+                <a:latin typeface="Calibri (Body)"/>
+                <a:ea typeface="DengXian" panose="02010600030101010101" pitchFamily="2" charset="-122"/>
+                <a:cs typeface="Times New Roman" panose="02020603050405020304" pitchFamily="18" charset="0"/>
+              </a:rPr>
               <a:t>. Game </a:t>
             </a:r>
             <a:r>
-              <a:rPr lang="en-US" dirty="0" err="1"/>
+              <a:rPr lang="en-US" sz="1900" dirty="0" err="1">
+                <a:effectLst/>
+                <a:latin typeface="Calibri (Body)"/>
+                <a:ea typeface="DengXian" panose="02010600030101010101" pitchFamily="2" charset="-122"/>
+                <a:cs typeface="Times New Roman" panose="02020603050405020304" pitchFamily="18" charset="0"/>
+              </a:rPr>
               <a:t>ini</a:t>
             </a:r>
             <a:r>
-              <a:rPr lang="en-US" dirty="0"/>
-              <a:t> </a:t>
-            </a:r>
-            <a:r>
-              <a:rPr lang="en-US" dirty="0" err="1"/>
+              <a:rPr lang="en-US" sz="1900" dirty="0">
+                <a:effectLst/>
+                <a:latin typeface="Calibri (Body)"/>
+                <a:ea typeface="DengXian" panose="02010600030101010101" pitchFamily="2" charset="-122"/>
+                <a:cs typeface="Times New Roman" panose="02020603050405020304" pitchFamily="18" charset="0"/>
+              </a:rPr>
+              <a:t> </a:t>
+            </a:r>
+            <a:r>
+              <a:rPr lang="en-US" sz="1900" dirty="0" err="1">
+                <a:effectLst/>
+                <a:latin typeface="Calibri (Body)"/>
+                <a:ea typeface="DengXian" panose="02010600030101010101" pitchFamily="2" charset="-122"/>
+                <a:cs typeface="Times New Roman" panose="02020603050405020304" pitchFamily="18" charset="0"/>
+              </a:rPr>
               <a:t>dapat</a:t>
             </a:r>
             <a:r>
-              <a:rPr lang="en-US" dirty="0"/>
-              <a:t> </a:t>
-            </a:r>
-            <a:r>
-              <a:rPr lang="en-US" dirty="0" err="1"/>
+              <a:rPr lang="en-US" sz="1900" dirty="0">
+                <a:effectLst/>
+                <a:latin typeface="Calibri (Body)"/>
+                <a:ea typeface="DengXian" panose="02010600030101010101" pitchFamily="2" charset="-122"/>
+                <a:cs typeface="Times New Roman" panose="02020603050405020304" pitchFamily="18" charset="0"/>
+              </a:rPr>
+              <a:t> </a:t>
+            </a:r>
+            <a:r>
+              <a:rPr lang="en-US" sz="1900" dirty="0" err="1">
+                <a:effectLst/>
+                <a:latin typeface="Calibri (Body)"/>
+                <a:ea typeface="DengXian" panose="02010600030101010101" pitchFamily="2" charset="-122"/>
+                <a:cs typeface="Times New Roman" panose="02020603050405020304" pitchFamily="18" charset="0"/>
+              </a:rPr>
               <a:t>dimainkan</a:t>
             </a:r>
             <a:r>
-              <a:rPr lang="en-US" dirty="0"/>
-              <a:t> </a:t>
-            </a:r>
-            <a:r>
-              <a:rPr lang="en-US" dirty="0" err="1"/>
+              <a:rPr lang="en-US" sz="1900" dirty="0">
+                <a:effectLst/>
+                <a:latin typeface="Calibri (Body)"/>
+                <a:ea typeface="DengXian" panose="02010600030101010101" pitchFamily="2" charset="-122"/>
+                <a:cs typeface="Times New Roman" panose="02020603050405020304" pitchFamily="18" charset="0"/>
+              </a:rPr>
+              <a:t> </a:t>
+            </a:r>
+            <a:r>
+              <a:rPr lang="en-US" sz="1900" dirty="0" err="1">
+                <a:effectLst/>
+                <a:latin typeface="Calibri (Body)"/>
+                <a:ea typeface="DengXian" panose="02010600030101010101" pitchFamily="2" charset="-122"/>
+                <a:cs typeface="Times New Roman" panose="02020603050405020304" pitchFamily="18" charset="0"/>
+              </a:rPr>
               <a:t>dengan</a:t>
             </a:r>
             <a:r>
-              <a:rPr lang="en-US" dirty="0"/>
-              <a:t> </a:t>
-            </a:r>
-            <a:r>
-              <a:rPr lang="en-US" dirty="0" err="1"/>
+              <a:rPr lang="en-US" sz="1900" dirty="0">
+                <a:effectLst/>
+                <a:latin typeface="Calibri (Body)"/>
+                <a:ea typeface="DengXian" panose="02010600030101010101" pitchFamily="2" charset="-122"/>
+                <a:cs typeface="Times New Roman" panose="02020603050405020304" pitchFamily="18" charset="0"/>
+              </a:rPr>
+              <a:t> </a:t>
+            </a:r>
+            <a:r>
+              <a:rPr lang="en-US" sz="1900" dirty="0" err="1">
+                <a:effectLst/>
+                <a:latin typeface="Calibri (Body)"/>
+                <a:ea typeface="DengXian" panose="02010600030101010101" pitchFamily="2" charset="-122"/>
+                <a:cs typeface="Times New Roman" panose="02020603050405020304" pitchFamily="18" charset="0"/>
+              </a:rPr>
               <a:t>lebih</a:t>
             </a:r>
             <a:r>
-              <a:rPr lang="en-US" dirty="0"/>
-              <a:t> </a:t>
-            </a:r>
-            <a:r>
-              <a:rPr lang="en-US" dirty="0" err="1"/>
+              <a:rPr lang="en-US" sz="1900" dirty="0">
+                <a:effectLst/>
+                <a:latin typeface="Calibri (Body)"/>
+                <a:ea typeface="DengXian" panose="02010600030101010101" pitchFamily="2" charset="-122"/>
+                <a:cs typeface="Times New Roman" panose="02020603050405020304" pitchFamily="18" charset="0"/>
+              </a:rPr>
+              <a:t> </a:t>
+            </a:r>
+            <a:r>
+              <a:rPr lang="en-US" sz="1900" dirty="0" err="1">
+                <a:effectLst/>
+                <a:latin typeface="Calibri (Body)"/>
+                <a:ea typeface="DengXian" panose="02010600030101010101" pitchFamily="2" charset="-122"/>
+                <a:cs typeface="Times New Roman" panose="02020603050405020304" pitchFamily="18" charset="0"/>
+              </a:rPr>
               <a:t>dari</a:t>
             </a:r>
             <a:r>
-              <a:rPr lang="en-US" dirty="0"/>
+              <a:rPr lang="en-US" sz="1900" dirty="0">
+                <a:effectLst/>
+                <a:latin typeface="Calibri (Body)"/>
+                <a:ea typeface="DengXian" panose="02010600030101010101" pitchFamily="2" charset="-122"/>
+                <a:cs typeface="Times New Roman" panose="02020603050405020304" pitchFamily="18" charset="0"/>
+              </a:rPr>
               <a:t> 2 orang. </a:t>
             </a:r>
             <a:r>
-              <a:rPr lang="en-US" dirty="0" err="1"/>
+              <a:rPr lang="en-US" sz="1900" dirty="0" err="1">
+                <a:effectLst/>
+                <a:latin typeface="Calibri (Body)"/>
+                <a:ea typeface="DengXian" panose="02010600030101010101" pitchFamily="2" charset="-122"/>
+                <a:cs typeface="Times New Roman" panose="02020603050405020304" pitchFamily="18" charset="0"/>
+              </a:rPr>
+              <a:t>Sulitnya</a:t>
+            </a:r>
+            <a:r>
+              <a:rPr lang="en-US" sz="1900" dirty="0">
+                <a:effectLst/>
+                <a:latin typeface="Calibri (Body)"/>
+                <a:ea typeface="DengXian" panose="02010600030101010101" pitchFamily="2" charset="-122"/>
+                <a:cs typeface="Times New Roman" panose="02020603050405020304" pitchFamily="18" charset="0"/>
+              </a:rPr>
+              <a:t> </a:t>
+            </a:r>
+            <a:r>
+              <a:rPr lang="en-US" sz="1900" dirty="0" err="1">
+                <a:effectLst/>
+                <a:latin typeface="Calibri (Body)"/>
+                <a:ea typeface="DengXian" panose="02010600030101010101" pitchFamily="2" charset="-122"/>
+                <a:cs typeface="Times New Roman" panose="02020603050405020304" pitchFamily="18" charset="0"/>
+              </a:rPr>
+              <a:t>mendata</a:t>
+            </a:r>
+            <a:r>
+              <a:rPr lang="en-US" sz="1900" dirty="0">
+                <a:effectLst/>
+                <a:latin typeface="Calibri (Body)"/>
+                <a:ea typeface="DengXian" panose="02010600030101010101" pitchFamily="2" charset="-122"/>
+                <a:cs typeface="Times New Roman" panose="02020603050405020304" pitchFamily="18" charset="0"/>
+              </a:rPr>
+              <a:t> </a:t>
+            </a:r>
+            <a:r>
+              <a:rPr lang="en-US" sz="1900" dirty="0" err="1">
+                <a:effectLst/>
+                <a:latin typeface="Calibri (Body)"/>
+                <a:ea typeface="DengXian" panose="02010600030101010101" pitchFamily="2" charset="-122"/>
+                <a:cs typeface="Times New Roman" panose="02020603050405020304" pitchFamily="18" charset="0"/>
+              </a:rPr>
+              <a:t>pemain</a:t>
+            </a:r>
+            <a:r>
+              <a:rPr lang="en-US" sz="1900" dirty="0">
+                <a:effectLst/>
+                <a:latin typeface="Calibri (Body)"/>
+                <a:ea typeface="DengXian" panose="02010600030101010101" pitchFamily="2" charset="-122"/>
+                <a:cs typeface="Times New Roman" panose="02020603050405020304" pitchFamily="18" charset="0"/>
+              </a:rPr>
+              <a:t> dan history </a:t>
+            </a:r>
+            <a:r>
+              <a:rPr lang="en-US" sz="1900" dirty="0" err="1">
+                <a:effectLst/>
+                <a:latin typeface="Calibri (Body)"/>
+                <a:ea typeface="DengXian" panose="02010600030101010101" pitchFamily="2" charset="-122"/>
+                <a:cs typeface="Times New Roman" panose="02020603050405020304" pitchFamily="18" charset="0"/>
+              </a:rPr>
+              <a:t>dari</a:t>
+            </a:r>
+            <a:r>
+              <a:rPr lang="en-US" sz="1900" dirty="0">
+                <a:effectLst/>
+                <a:latin typeface="Calibri (Body)"/>
+                <a:ea typeface="DengXian" panose="02010600030101010101" pitchFamily="2" charset="-122"/>
+                <a:cs typeface="Times New Roman" panose="02020603050405020304" pitchFamily="18" charset="0"/>
+              </a:rPr>
+              <a:t> </a:t>
+            </a:r>
+            <a:r>
+              <a:rPr lang="en-US" sz="1900" dirty="0" err="1">
+                <a:effectLst/>
+                <a:latin typeface="Calibri (Body)"/>
+                <a:ea typeface="DengXian" panose="02010600030101010101" pitchFamily="2" charset="-122"/>
+                <a:cs typeface="Times New Roman" panose="02020603050405020304" pitchFamily="18" charset="0"/>
+              </a:rPr>
+              <a:t>pemain</a:t>
+            </a:r>
+            <a:r>
+              <a:rPr lang="en-US" sz="1900" dirty="0">
+                <a:effectLst/>
+                <a:latin typeface="Calibri (Body)"/>
+                <a:ea typeface="DengXian" panose="02010600030101010101" pitchFamily="2" charset="-122"/>
+                <a:cs typeface="Times New Roman" panose="02020603050405020304" pitchFamily="18" charset="0"/>
+              </a:rPr>
+              <a:t> board game </a:t>
+            </a:r>
+            <a:r>
+              <a:rPr lang="en-US" sz="1900" dirty="0" err="1">
+                <a:effectLst/>
+                <a:latin typeface="Calibri (Body)"/>
+                <a:ea typeface="DengXian" panose="02010600030101010101" pitchFamily="2" charset="-122"/>
+                <a:cs typeface="Times New Roman" panose="02020603050405020304" pitchFamily="18" charset="0"/>
+              </a:rPr>
+              <a:t>ini</a:t>
+            </a:r>
+            <a:r>
+              <a:rPr lang="en-US" sz="1900" dirty="0">
+                <a:effectLst/>
+                <a:latin typeface="Calibri (Body)"/>
+                <a:ea typeface="DengXian" panose="02010600030101010101" pitchFamily="2" charset="-122"/>
+                <a:cs typeface="Times New Roman" panose="02020603050405020304" pitchFamily="18" charset="0"/>
+              </a:rPr>
+              <a:t> </a:t>
+            </a:r>
+            <a:r>
+              <a:rPr lang="en-US" sz="1900" dirty="0" err="1">
+                <a:effectLst/>
+                <a:latin typeface="Calibri (Body)"/>
+                <a:ea typeface="DengXian" panose="02010600030101010101" pitchFamily="2" charset="-122"/>
+                <a:cs typeface="Times New Roman" panose="02020603050405020304" pitchFamily="18" charset="0"/>
+              </a:rPr>
+              <a:t>menjadi</a:t>
+            </a:r>
+            <a:r>
+              <a:rPr lang="en-US" sz="1900" dirty="0">
+                <a:effectLst/>
+                <a:latin typeface="Calibri (Body)"/>
+                <a:ea typeface="DengXian" panose="02010600030101010101" pitchFamily="2" charset="-122"/>
+                <a:cs typeface="Times New Roman" panose="02020603050405020304" pitchFamily="18" charset="0"/>
+              </a:rPr>
+              <a:t> </a:t>
+            </a:r>
+            <a:r>
+              <a:rPr lang="en-US" sz="1900" dirty="0" err="1">
+                <a:effectLst/>
+                <a:latin typeface="Calibri (Body)"/>
+                <a:ea typeface="DengXian" panose="02010600030101010101" pitchFamily="2" charset="-122"/>
+                <a:cs typeface="Times New Roman" panose="02020603050405020304" pitchFamily="18" charset="0"/>
+              </a:rPr>
+              <a:t>inspirasi</a:t>
+            </a:r>
+            <a:r>
+              <a:rPr lang="en-US" sz="1900" dirty="0">
+                <a:effectLst/>
+                <a:latin typeface="Calibri (Body)"/>
+                <a:ea typeface="DengXian" panose="02010600030101010101" pitchFamily="2" charset="-122"/>
+                <a:cs typeface="Times New Roman" panose="02020603050405020304" pitchFamily="18" charset="0"/>
+              </a:rPr>
+              <a:t> </a:t>
+            </a:r>
+            <a:r>
+              <a:rPr lang="en-US" sz="1900" dirty="0" err="1">
+                <a:effectLst/>
+                <a:latin typeface="Calibri (Body)"/>
+                <a:ea typeface="DengXian" panose="02010600030101010101" pitchFamily="2" charset="-122"/>
+                <a:cs typeface="Times New Roman" panose="02020603050405020304" pitchFamily="18" charset="0"/>
+              </a:rPr>
+              <a:t>aplikasi</a:t>
+            </a:r>
+            <a:r>
+              <a:rPr lang="en-US" sz="1900" dirty="0">
+                <a:effectLst/>
+                <a:latin typeface="Calibri (Body)"/>
+                <a:ea typeface="DengXian" panose="02010600030101010101" pitchFamily="2" charset="-122"/>
+                <a:cs typeface="Times New Roman" panose="02020603050405020304" pitchFamily="18" charset="0"/>
+              </a:rPr>
+              <a:t> </a:t>
+            </a:r>
+            <a:r>
+              <a:rPr lang="en-US" sz="1900" dirty="0" err="1">
+                <a:effectLst/>
+                <a:latin typeface="Calibri (Body)"/>
+                <a:ea typeface="DengXian" panose="02010600030101010101" pitchFamily="2" charset="-122"/>
+                <a:cs typeface="Times New Roman" panose="02020603050405020304" pitchFamily="18" charset="0"/>
+              </a:rPr>
+              <a:t>ini</a:t>
+            </a:r>
+            <a:r>
+              <a:rPr lang="en-US" sz="1900" dirty="0">
+                <a:effectLst/>
+                <a:latin typeface="Calibri (Body)"/>
+                <a:ea typeface="DengXian" panose="02010600030101010101" pitchFamily="2" charset="-122"/>
+                <a:cs typeface="Times New Roman" panose="02020603050405020304" pitchFamily="18" charset="0"/>
+              </a:rPr>
+              <a:t>. </a:t>
+            </a:r>
+            <a:r>
+              <a:rPr lang="en-US" sz="1900" dirty="0" err="1">
+                <a:effectLst/>
+                <a:latin typeface="Calibri (Body)"/>
+                <a:ea typeface="DengXian" panose="02010600030101010101" pitchFamily="2" charset="-122"/>
+                <a:cs typeface="Times New Roman" panose="02020603050405020304" pitchFamily="18" charset="0"/>
+              </a:rPr>
               <a:t>Aplikasi</a:t>
             </a:r>
             <a:r>
-              <a:rPr lang="en-US" dirty="0"/>
-              <a:t> </a:t>
-            </a:r>
-            <a:r>
-              <a:rPr lang="en-US" dirty="0" err="1"/>
+              <a:rPr lang="en-US" sz="1900" dirty="0">
+                <a:effectLst/>
+                <a:latin typeface="Calibri (Body)"/>
+                <a:ea typeface="DengXian" panose="02010600030101010101" pitchFamily="2" charset="-122"/>
+                <a:cs typeface="Times New Roman" panose="02020603050405020304" pitchFamily="18" charset="0"/>
+              </a:rPr>
+              <a:t> </a:t>
+            </a:r>
+            <a:r>
+              <a:rPr lang="en-US" sz="1900" dirty="0" err="1">
+                <a:effectLst/>
+                <a:latin typeface="Calibri (Body)"/>
+                <a:ea typeface="DengXian" panose="02010600030101010101" pitchFamily="2" charset="-122"/>
+                <a:cs typeface="Times New Roman" panose="02020603050405020304" pitchFamily="18" charset="0"/>
+              </a:rPr>
               <a:t>ini</a:t>
             </a:r>
             <a:r>
-              <a:rPr lang="en-US" dirty="0"/>
-              <a:t> </a:t>
-            </a:r>
-            <a:r>
-              <a:rPr lang="en-US" dirty="0" err="1"/>
+              <a:rPr lang="en-US" sz="1900" dirty="0">
+                <a:effectLst/>
+                <a:latin typeface="Calibri (Body)"/>
+                <a:ea typeface="DengXian" panose="02010600030101010101" pitchFamily="2" charset="-122"/>
+                <a:cs typeface="Times New Roman" panose="02020603050405020304" pitchFamily="18" charset="0"/>
+              </a:rPr>
+              <a:t> </a:t>
+            </a:r>
+            <a:r>
+              <a:rPr lang="en-US" sz="1900" dirty="0" err="1">
+                <a:effectLst/>
+                <a:latin typeface="Calibri (Body)"/>
+                <a:ea typeface="DengXian" panose="02010600030101010101" pitchFamily="2" charset="-122"/>
+                <a:cs typeface="Times New Roman" panose="02020603050405020304" pitchFamily="18" charset="0"/>
+              </a:rPr>
+              <a:t>akan</a:t>
+            </a:r>
+            <a:r>
+              <a:rPr lang="en-US" sz="1900" dirty="0">
+                <a:effectLst/>
+                <a:latin typeface="Calibri (Body)"/>
+                <a:ea typeface="DengXian" panose="02010600030101010101" pitchFamily="2" charset="-122"/>
+                <a:cs typeface="Times New Roman" panose="02020603050405020304" pitchFamily="18" charset="0"/>
+              </a:rPr>
+              <a:t> </a:t>
+            </a:r>
+            <a:r>
+              <a:rPr lang="en-US" sz="1900" dirty="0" err="1">
+                <a:effectLst/>
+                <a:latin typeface="Calibri (Body)"/>
+                <a:ea typeface="DengXian" panose="02010600030101010101" pitchFamily="2" charset="-122"/>
+                <a:cs typeface="Times New Roman" panose="02020603050405020304" pitchFamily="18" charset="0"/>
+              </a:rPr>
               <a:t>digunakan</a:t>
             </a:r>
             <a:r>
-              <a:rPr lang="en-US" dirty="0"/>
-              <a:t> </a:t>
-            </a:r>
-            <a:r>
-              <a:rPr lang="en-US" dirty="0" err="1"/>
+              <a:rPr lang="en-US" sz="1900" dirty="0">
+                <a:effectLst/>
+                <a:latin typeface="Calibri (Body)"/>
+                <a:ea typeface="DengXian" panose="02010600030101010101" pitchFamily="2" charset="-122"/>
+                <a:cs typeface="Times New Roman" panose="02020603050405020304" pitchFamily="18" charset="0"/>
+              </a:rPr>
+              <a:t> </a:t>
+            </a:r>
+            <a:r>
+              <a:rPr lang="en-US" sz="1900" dirty="0" err="1">
+                <a:effectLst/>
+                <a:latin typeface="Calibri (Body)"/>
+                <a:ea typeface="DengXian" panose="02010600030101010101" pitchFamily="2" charset="-122"/>
+                <a:cs typeface="Times New Roman" panose="02020603050405020304" pitchFamily="18" charset="0"/>
+              </a:rPr>
               <a:t>untuk</a:t>
             </a:r>
             <a:r>
-              <a:rPr lang="en-US" dirty="0"/>
-              <a:t> </a:t>
-            </a:r>
-            <a:r>
-              <a:rPr lang="en-US" dirty="0" err="1"/>
+              <a:rPr lang="en-US" sz="1900" dirty="0">
+                <a:effectLst/>
+                <a:latin typeface="Calibri (Body)"/>
+                <a:ea typeface="DengXian" panose="02010600030101010101" pitchFamily="2" charset="-122"/>
+                <a:cs typeface="Times New Roman" panose="02020603050405020304" pitchFamily="18" charset="0"/>
+              </a:rPr>
+              <a:t> </a:t>
+            </a:r>
+            <a:r>
+              <a:rPr lang="en-US" sz="1900" dirty="0" err="1">
+                <a:effectLst/>
+                <a:latin typeface="Calibri (Body)"/>
+                <a:ea typeface="DengXian" panose="02010600030101010101" pitchFamily="2" charset="-122"/>
+                <a:cs typeface="Times New Roman" panose="02020603050405020304" pitchFamily="18" charset="0"/>
+              </a:rPr>
               <a:t>membuat</a:t>
             </a:r>
             <a:r>
-              <a:rPr lang="en-US" dirty="0"/>
-              <a:t> </a:t>
-            </a:r>
-            <a:r>
-              <a:rPr lang="en-US" dirty="0" err="1"/>
+              <a:rPr lang="en-US" sz="1900" dirty="0">
+                <a:effectLst/>
+                <a:latin typeface="Calibri (Body)"/>
+                <a:ea typeface="DengXian" panose="02010600030101010101" pitchFamily="2" charset="-122"/>
+                <a:cs typeface="Times New Roman" panose="02020603050405020304" pitchFamily="18" charset="0"/>
+              </a:rPr>
+              <a:t> </a:t>
+            </a:r>
+            <a:r>
+              <a:rPr lang="en-US" sz="1900" dirty="0" err="1">
+                <a:effectLst/>
+                <a:latin typeface="Calibri (Body)"/>
+                <a:ea typeface="DengXian" panose="02010600030101010101" pitchFamily="2" charset="-122"/>
+                <a:cs typeface="Times New Roman" panose="02020603050405020304" pitchFamily="18" charset="0"/>
+              </a:rPr>
               <a:t>katalog</a:t>
             </a:r>
             <a:r>
-              <a:rPr lang="en-US" dirty="0"/>
+              <a:rPr lang="en-US" sz="1900" dirty="0">
+                <a:effectLst/>
+                <a:latin typeface="Calibri (Body)"/>
+                <a:ea typeface="DengXian" panose="02010600030101010101" pitchFamily="2" charset="-122"/>
+                <a:cs typeface="Times New Roman" panose="02020603050405020304" pitchFamily="18" charset="0"/>
+              </a:rPr>
               <a:t> yang </a:t>
             </a:r>
             <a:r>
-              <a:rPr lang="en-US" dirty="0" err="1"/>
+              <a:rPr lang="en-US" sz="1900" dirty="0" err="1">
+                <a:effectLst/>
+                <a:latin typeface="Calibri (Body)"/>
+                <a:ea typeface="DengXian" panose="02010600030101010101" pitchFamily="2" charset="-122"/>
+                <a:cs typeface="Times New Roman" panose="02020603050405020304" pitchFamily="18" charset="0"/>
+              </a:rPr>
               <a:t>berisikan</a:t>
             </a:r>
             <a:r>
-              <a:rPr lang="en-US" dirty="0"/>
-              <a:t> </a:t>
-            </a:r>
-            <a:r>
-              <a:rPr lang="en-US" dirty="0" err="1"/>
+              <a:rPr lang="en-US" sz="1900" dirty="0">
+                <a:effectLst/>
+                <a:latin typeface="Calibri (Body)"/>
+                <a:ea typeface="DengXian" panose="02010600030101010101" pitchFamily="2" charset="-122"/>
+                <a:cs typeface="Times New Roman" panose="02020603050405020304" pitchFamily="18" charset="0"/>
+              </a:rPr>
+              <a:t> </a:t>
+            </a:r>
+            <a:r>
+              <a:rPr lang="en-US" sz="1900" dirty="0" err="1">
+                <a:effectLst/>
+                <a:latin typeface="Calibri (Body)"/>
+                <a:ea typeface="DengXian" panose="02010600030101010101" pitchFamily="2" charset="-122"/>
+                <a:cs typeface="Times New Roman" panose="02020603050405020304" pitchFamily="18" charset="0"/>
+              </a:rPr>
               <a:t>deskripsi</a:t>
             </a:r>
             <a:r>
-              <a:rPr lang="en-US" dirty="0"/>
+              <a:rPr lang="en-US" sz="1900" dirty="0">
+                <a:effectLst/>
+                <a:latin typeface="Calibri (Body)"/>
+                <a:ea typeface="DengXian" panose="02010600030101010101" pitchFamily="2" charset="-122"/>
+                <a:cs typeface="Times New Roman" panose="02020603050405020304" pitchFamily="18" charset="0"/>
+              </a:rPr>
               <a:t> board game, leaderboard dan </a:t>
             </a:r>
             <a:r>
-              <a:rPr lang="en-US" dirty="0" err="1"/>
+              <a:rPr lang="en-US" sz="1900" dirty="0" err="1">
+                <a:effectLst/>
+                <a:latin typeface="Calibri (Body)"/>
+                <a:ea typeface="DengXian" panose="02010600030101010101" pitchFamily="2" charset="-122"/>
+                <a:cs typeface="Times New Roman" panose="02020603050405020304" pitchFamily="18" charset="0"/>
+              </a:rPr>
               <a:t>tingkat</a:t>
             </a:r>
             <a:r>
-              <a:rPr lang="en-US" dirty="0"/>
-              <a:t> </a:t>
-            </a:r>
-            <a:r>
-              <a:rPr lang="en-US" dirty="0" err="1"/>
+              <a:rPr lang="en-US" sz="1900" dirty="0">
+                <a:effectLst/>
+                <a:latin typeface="Calibri (Body)"/>
+                <a:ea typeface="DengXian" panose="02010600030101010101" pitchFamily="2" charset="-122"/>
+                <a:cs typeface="Times New Roman" panose="02020603050405020304" pitchFamily="18" charset="0"/>
+              </a:rPr>
+              <a:t> </a:t>
+            </a:r>
+            <a:r>
+              <a:rPr lang="en-US" sz="1900" dirty="0" err="1">
+                <a:effectLst/>
+                <a:latin typeface="Calibri (Body)"/>
+                <a:ea typeface="DengXian" panose="02010600030101010101" pitchFamily="2" charset="-122"/>
+                <a:cs typeface="Times New Roman" panose="02020603050405020304" pitchFamily="18" charset="0"/>
+              </a:rPr>
               <a:t>kesulitan</a:t>
             </a:r>
             <a:r>
-              <a:rPr lang="en-US" dirty="0"/>
-              <a:t> </a:t>
-            </a:r>
-            <a:r>
-              <a:rPr lang="en-US" dirty="0" err="1"/>
+              <a:rPr lang="en-US" sz="1900" dirty="0">
+                <a:effectLst/>
+                <a:latin typeface="Calibri (Body)"/>
+                <a:ea typeface="DengXian" panose="02010600030101010101" pitchFamily="2" charset="-122"/>
+                <a:cs typeface="Times New Roman" panose="02020603050405020304" pitchFamily="18" charset="0"/>
+              </a:rPr>
+              <a:t> </a:t>
+            </a:r>
+            <a:r>
+              <a:rPr lang="en-US" sz="1900" dirty="0" err="1">
+                <a:effectLst/>
+                <a:latin typeface="Calibri (Body)"/>
+                <a:ea typeface="DengXian" panose="02010600030101010101" pitchFamily="2" charset="-122"/>
+                <a:cs typeface="Times New Roman" panose="02020603050405020304" pitchFamily="18" charset="0"/>
+              </a:rPr>
               <a:t>serta</a:t>
             </a:r>
             <a:r>
-              <a:rPr lang="en-US" dirty="0"/>
+              <a:rPr lang="en-US" sz="1900" dirty="0">
+                <a:effectLst/>
+                <a:latin typeface="Calibri (Body)"/>
+                <a:ea typeface="DengXian" panose="02010600030101010101" pitchFamily="2" charset="-122"/>
+                <a:cs typeface="Times New Roman" panose="02020603050405020304" pitchFamily="18" charset="0"/>
+              </a:rPr>
               <a:t> history </a:t>
             </a:r>
             <a:r>
-              <a:rPr lang="en-US" dirty="0" err="1"/>
+              <a:rPr lang="en-US" sz="1900" dirty="0" err="1">
+                <a:effectLst/>
+                <a:latin typeface="Calibri (Body)"/>
+                <a:ea typeface="DengXian" panose="02010600030101010101" pitchFamily="2" charset="-122"/>
+                <a:cs typeface="Times New Roman" panose="02020603050405020304" pitchFamily="18" charset="0"/>
+              </a:rPr>
               <a:t>dari</a:t>
             </a:r>
             <a:r>
-              <a:rPr lang="en-US" dirty="0"/>
+              <a:rPr lang="en-US" sz="1900" dirty="0">
+                <a:effectLst/>
+                <a:latin typeface="Calibri (Body)"/>
+                <a:ea typeface="DengXian" panose="02010600030101010101" pitchFamily="2" charset="-122"/>
+                <a:cs typeface="Times New Roman" panose="02020603050405020304" pitchFamily="18" charset="0"/>
+              </a:rPr>
               <a:t> game yang </a:t>
             </a:r>
             <a:r>
-              <a:rPr lang="en-US" dirty="0" err="1"/>
+              <a:rPr lang="en-US" sz="1900" dirty="0" err="1">
+                <a:effectLst/>
+                <a:latin typeface="Calibri (Body)"/>
+                <a:ea typeface="DengXian" panose="02010600030101010101" pitchFamily="2" charset="-122"/>
+                <a:cs typeface="Times New Roman" panose="02020603050405020304" pitchFamily="18" charset="0"/>
+              </a:rPr>
               <a:t>ada</a:t>
             </a:r>
             <a:r>
-              <a:rPr lang="en-US" dirty="0"/>
+              <a:rPr lang="en-US" sz="1900" dirty="0">
+                <a:effectLst/>
+                <a:latin typeface="Calibri (Body)"/>
+                <a:ea typeface="DengXian" panose="02010600030101010101" pitchFamily="2" charset="-122"/>
+                <a:cs typeface="Times New Roman" panose="02020603050405020304" pitchFamily="18" charset="0"/>
+              </a:rPr>
               <a:t> di </a:t>
             </a:r>
             <a:r>
-              <a:rPr lang="en-US" dirty="0" err="1"/>
+              <a:rPr lang="en-US" sz="1900" dirty="0" err="1">
+                <a:effectLst/>
+                <a:latin typeface="Calibri (Body)"/>
+                <a:ea typeface="DengXian" panose="02010600030101010101" pitchFamily="2" charset="-122"/>
+                <a:cs typeface="Times New Roman" panose="02020603050405020304" pitchFamily="18" charset="0"/>
+              </a:rPr>
               <a:t>katalog</a:t>
             </a:r>
             <a:r>
-              <a:rPr lang="en-US" dirty="0"/>
+              <a:rPr lang="en-US" sz="1900" dirty="0">
+                <a:effectLst/>
+                <a:latin typeface="Calibri (Body)"/>
+                <a:ea typeface="DengXian" panose="02010600030101010101" pitchFamily="2" charset="-122"/>
+                <a:cs typeface="Times New Roman" panose="02020603050405020304" pitchFamily="18" charset="0"/>
+              </a:rPr>
               <a:t>. </a:t>
             </a:r>
             <a:r>
-              <a:rPr lang="en-US" dirty="0" err="1"/>
+              <a:rPr lang="en-US" sz="1900" dirty="0" err="1">
+                <a:effectLst/>
+                <a:latin typeface="Calibri (Body)"/>
+                <a:ea typeface="DengXian" panose="02010600030101010101" pitchFamily="2" charset="-122"/>
+                <a:cs typeface="Times New Roman" panose="02020603050405020304" pitchFamily="18" charset="0"/>
+              </a:rPr>
               <a:t>Kemudian</a:t>
             </a:r>
             <a:r>
-              <a:rPr lang="en-US" dirty="0"/>
-              <a:t> </a:t>
-            </a:r>
-            <a:r>
-              <a:rPr lang="en-US" dirty="0" err="1"/>
+              <a:rPr lang="en-US" sz="1900" dirty="0">
+                <a:effectLst/>
+                <a:latin typeface="Calibri (Body)"/>
+                <a:ea typeface="DengXian" panose="02010600030101010101" pitchFamily="2" charset="-122"/>
+                <a:cs typeface="Times New Roman" panose="02020603050405020304" pitchFamily="18" charset="0"/>
+              </a:rPr>
+              <a:t> </a:t>
+            </a:r>
+            <a:r>
+              <a:rPr lang="en-US" sz="1900" dirty="0" err="1">
+                <a:effectLst/>
+                <a:latin typeface="Calibri (Body)"/>
+                <a:ea typeface="DengXian" panose="02010600030101010101" pitchFamily="2" charset="-122"/>
+                <a:cs typeface="Times New Roman" panose="02020603050405020304" pitchFamily="18" charset="0"/>
+              </a:rPr>
               <a:t>hasil</a:t>
             </a:r>
             <a:r>
-              <a:rPr lang="en-US" dirty="0"/>
-              <a:t> </a:t>
-            </a:r>
-            <a:r>
-              <a:rPr lang="en-US" dirty="0" err="1"/>
+              <a:rPr lang="en-US" sz="1900" dirty="0">
+                <a:effectLst/>
+                <a:latin typeface="Calibri (Body)"/>
+                <a:ea typeface="DengXian" panose="02010600030101010101" pitchFamily="2" charset="-122"/>
+                <a:cs typeface="Times New Roman" panose="02020603050405020304" pitchFamily="18" charset="0"/>
+              </a:rPr>
+              <a:t> </a:t>
+            </a:r>
+            <a:r>
+              <a:rPr lang="en-US" sz="1900" dirty="0" err="1">
+                <a:effectLst/>
+                <a:latin typeface="Calibri (Body)"/>
+                <a:ea typeface="DengXian" panose="02010600030101010101" pitchFamily="2" charset="-122"/>
+                <a:cs typeface="Times New Roman" panose="02020603050405020304" pitchFamily="18" charset="0"/>
+              </a:rPr>
               <a:t>dari</a:t>
             </a:r>
             <a:r>
-              <a:rPr lang="en-US" dirty="0"/>
-              <a:t> </a:t>
-            </a:r>
-            <a:r>
-              <a:rPr lang="en-US" dirty="0" err="1"/>
+              <a:rPr lang="en-US" sz="1900" dirty="0">
+                <a:effectLst/>
+                <a:latin typeface="Calibri (Body)"/>
+                <a:ea typeface="DengXian" panose="02010600030101010101" pitchFamily="2" charset="-122"/>
+                <a:cs typeface="Times New Roman" panose="02020603050405020304" pitchFamily="18" charset="0"/>
+              </a:rPr>
+              <a:t> </a:t>
+            </a:r>
+            <a:r>
+              <a:rPr lang="en-US" sz="1900" dirty="0" err="1">
+                <a:effectLst/>
+                <a:latin typeface="Calibri (Body)"/>
+                <a:ea typeface="DengXian" panose="02010600030101010101" pitchFamily="2" charset="-122"/>
+                <a:cs typeface="Times New Roman" panose="02020603050405020304" pitchFamily="18" charset="0"/>
+              </a:rPr>
               <a:t>katalog</a:t>
             </a:r>
             <a:r>
-              <a:rPr lang="en-US" dirty="0"/>
-              <a:t> </a:t>
-            </a:r>
-            <a:r>
-              <a:rPr lang="en-US" dirty="0" err="1"/>
+              <a:rPr lang="en-US" sz="1900" dirty="0">
+                <a:effectLst/>
+                <a:latin typeface="Calibri (Body)"/>
+                <a:ea typeface="DengXian" panose="02010600030101010101" pitchFamily="2" charset="-122"/>
+                <a:cs typeface="Times New Roman" panose="02020603050405020304" pitchFamily="18" charset="0"/>
+              </a:rPr>
+              <a:t> </a:t>
+            </a:r>
+            <a:r>
+              <a:rPr lang="en-US" sz="1900" dirty="0" err="1">
+                <a:effectLst/>
+                <a:latin typeface="Calibri (Body)"/>
+                <a:ea typeface="DengXian" panose="02010600030101010101" pitchFamily="2" charset="-122"/>
+                <a:cs typeface="Times New Roman" panose="02020603050405020304" pitchFamily="18" charset="0"/>
+              </a:rPr>
               <a:t>ini</a:t>
             </a:r>
             <a:r>
-              <a:rPr lang="en-US" dirty="0"/>
-              <a:t> </a:t>
-            </a:r>
-            <a:r>
-              <a:rPr lang="en-US" dirty="0" err="1"/>
+              <a:rPr lang="en-US" sz="1900" dirty="0">
+                <a:effectLst/>
+                <a:latin typeface="Calibri (Body)"/>
+                <a:ea typeface="DengXian" panose="02010600030101010101" pitchFamily="2" charset="-122"/>
+                <a:cs typeface="Times New Roman" panose="02020603050405020304" pitchFamily="18" charset="0"/>
+              </a:rPr>
+              <a:t> </a:t>
+            </a:r>
+            <a:r>
+              <a:rPr lang="en-US" sz="1900" dirty="0" err="1">
+                <a:effectLst/>
+                <a:latin typeface="Calibri (Body)"/>
+                <a:ea typeface="DengXian" panose="02010600030101010101" pitchFamily="2" charset="-122"/>
+                <a:cs typeface="Times New Roman" panose="02020603050405020304" pitchFamily="18" charset="0"/>
+              </a:rPr>
               <a:t>kemudian</a:t>
             </a:r>
             <a:r>
-              <a:rPr lang="en-US" dirty="0"/>
-              <a:t> </a:t>
-            </a:r>
-            <a:r>
-              <a:rPr lang="en-US" dirty="0" err="1"/>
+              <a:rPr lang="en-US" sz="1900" dirty="0">
+                <a:effectLst/>
+                <a:latin typeface="Calibri (Body)"/>
+                <a:ea typeface="DengXian" panose="02010600030101010101" pitchFamily="2" charset="-122"/>
+                <a:cs typeface="Times New Roman" panose="02020603050405020304" pitchFamily="18" charset="0"/>
+              </a:rPr>
+              <a:t> </a:t>
+            </a:r>
+            <a:r>
+              <a:rPr lang="en-US" sz="1900" dirty="0" err="1">
+                <a:effectLst/>
+                <a:latin typeface="Calibri (Body)"/>
+                <a:ea typeface="DengXian" panose="02010600030101010101" pitchFamily="2" charset="-122"/>
+                <a:cs typeface="Times New Roman" panose="02020603050405020304" pitchFamily="18" charset="0"/>
+              </a:rPr>
               <a:t>dapat</a:t>
             </a:r>
             <a:r>
-              <a:rPr lang="en-US" dirty="0"/>
-              <a:t> </a:t>
-            </a:r>
-            <a:r>
-              <a:rPr lang="en-US" dirty="0" err="1"/>
+              <a:rPr lang="en-US" sz="1900" dirty="0">
+                <a:effectLst/>
+                <a:latin typeface="Calibri (Body)"/>
+                <a:ea typeface="DengXian" panose="02010600030101010101" pitchFamily="2" charset="-122"/>
+                <a:cs typeface="Times New Roman" panose="02020603050405020304" pitchFamily="18" charset="0"/>
+              </a:rPr>
+              <a:t> </a:t>
+            </a:r>
+            <a:r>
+              <a:rPr lang="en-US" sz="1900" dirty="0" err="1">
+                <a:effectLst/>
+                <a:latin typeface="Calibri (Body)"/>
+                <a:ea typeface="DengXian" panose="02010600030101010101" pitchFamily="2" charset="-122"/>
+                <a:cs typeface="Times New Roman" panose="02020603050405020304" pitchFamily="18" charset="0"/>
+              </a:rPr>
               <a:t>diexport</a:t>
             </a:r>
             <a:r>
-              <a:rPr lang="en-US" dirty="0"/>
-              <a:t> </a:t>
-            </a:r>
-            <a:r>
-              <a:rPr lang="en-US" dirty="0" err="1"/>
+              <a:rPr lang="en-US" sz="1900" dirty="0">
+                <a:effectLst/>
+                <a:latin typeface="Calibri (Body)"/>
+                <a:ea typeface="DengXian" panose="02010600030101010101" pitchFamily="2" charset="-122"/>
+                <a:cs typeface="Times New Roman" panose="02020603050405020304" pitchFamily="18" charset="0"/>
+              </a:rPr>
+              <a:t> </a:t>
+            </a:r>
+            <a:r>
+              <a:rPr lang="en-US" sz="1900" dirty="0" err="1">
+                <a:effectLst/>
+                <a:latin typeface="Calibri (Body)"/>
+                <a:ea typeface="DengXian" panose="02010600030101010101" pitchFamily="2" charset="-122"/>
+                <a:cs typeface="Times New Roman" panose="02020603050405020304" pitchFamily="18" charset="0"/>
+              </a:rPr>
               <a:t>kedalam</a:t>
             </a:r>
             <a:r>
-              <a:rPr lang="en-US" dirty="0"/>
-              <a:t> </a:t>
-            </a:r>
-            <a:r>
-              <a:rPr lang="en-US" dirty="0" err="1"/>
+              <a:rPr lang="en-US" sz="1900" dirty="0">
+                <a:effectLst/>
+                <a:latin typeface="Calibri (Body)"/>
+                <a:ea typeface="DengXian" panose="02010600030101010101" pitchFamily="2" charset="-122"/>
+                <a:cs typeface="Times New Roman" panose="02020603050405020304" pitchFamily="18" charset="0"/>
+              </a:rPr>
+              <a:t> </a:t>
+            </a:r>
+            <a:r>
+              <a:rPr lang="en-US" sz="1900" dirty="0" err="1">
+                <a:effectLst/>
+                <a:latin typeface="Calibri (Body)"/>
+                <a:ea typeface="DengXian" panose="02010600030101010101" pitchFamily="2" charset="-122"/>
+                <a:cs typeface="Times New Roman" panose="02020603050405020304" pitchFamily="18" charset="0"/>
+              </a:rPr>
               <a:t>bentuk</a:t>
             </a:r>
             <a:r>
-              <a:rPr lang="en-US" dirty="0"/>
+              <a:rPr lang="en-US" sz="1900" dirty="0">
+                <a:effectLst/>
+                <a:latin typeface="Calibri (Body)"/>
+                <a:ea typeface="DengXian" panose="02010600030101010101" pitchFamily="2" charset="-122"/>
+                <a:cs typeface="Times New Roman" panose="02020603050405020304" pitchFamily="18" charset="0"/>
+              </a:rPr>
               <a:t> csv.</a:t>
             </a:r>
-            <a:endParaRPr lang="id-ID" dirty="0"/>
-          </a:p>
-          <a:p>
-            <a:pPr marL="457200" lvl="1" indent="0">
+            <a:endParaRPr lang="id-ID" sz="1900" dirty="0">
+              <a:latin typeface="Calibri (Body)"/>
+            </a:endParaRPr>
+          </a:p>
+          <a:p>
+            <a:pPr marL="457200" lvl="1" indent="0" algn="just">
               <a:buNone/>
             </a:pPr>
             <a:r>
-              <a:rPr lang="en-US" b="1" dirty="0"/>
+              <a:rPr lang="en-US" sz="1900" b="1" dirty="0">
+                <a:latin typeface="Calibri (Body)"/>
+              </a:rPr>
               <a:t>Stakeholder</a:t>
             </a:r>
             <a:r>
-              <a:rPr lang="id-ID" b="1" dirty="0"/>
+              <a:rPr lang="id-ID" sz="1900" b="1" dirty="0">
+                <a:latin typeface="Calibri (Body)"/>
+              </a:rPr>
               <a:t>		</a:t>
             </a:r>
             <a:r>
-              <a:rPr lang="en-US" dirty="0" err="1"/>
+              <a:rPr lang="en-US" sz="1900" dirty="0" err="1">
+                <a:latin typeface="Calibri (Body)"/>
+              </a:rPr>
               <a:t>Pemilik</a:t>
             </a:r>
             <a:r>
-              <a:rPr lang="en-US" dirty="0"/>
+              <a:rPr lang="en-US" sz="1900" dirty="0">
+                <a:latin typeface="Calibri (Body)"/>
+              </a:rPr>
               <a:t>	</a:t>
             </a:r>
             <a:r>
-              <a:rPr lang="id-ID" dirty="0"/>
+              <a:rPr lang="id-ID" sz="1900" dirty="0">
+                <a:latin typeface="Calibri (Body)"/>
+              </a:rPr>
               <a:t>	</a:t>
             </a:r>
             <a:r>
-              <a:rPr lang="en-US" dirty="0"/>
+              <a:rPr lang="en-US" sz="1900" dirty="0">
+                <a:latin typeface="Calibri (Body)"/>
+              </a:rPr>
               <a:t>: </a:t>
             </a:r>
             <a:r>
-              <a:rPr lang="en-US" dirty="0" err="1"/>
+              <a:rPr lang="en-US" sz="1900" dirty="0" err="1">
+                <a:latin typeface="Calibri (Body)"/>
+              </a:rPr>
               <a:t>Kelompok</a:t>
             </a:r>
             <a:r>
-              <a:rPr lang="en-US" dirty="0"/>
+              <a:rPr lang="en-US" sz="1900" dirty="0">
+                <a:latin typeface="Calibri (Body)"/>
+              </a:rPr>
               <a:t> 4</a:t>
             </a:r>
-            <a:endParaRPr lang="id-ID" dirty="0"/>
-          </a:p>
-          <a:p>
-            <a:pPr marL="457200" lvl="1" indent="0">
+          </a:p>
+          <a:p>
+            <a:pPr marL="457200" lvl="1" indent="0" algn="just">
               <a:buNone/>
             </a:pPr>
             <a:r>
-              <a:rPr lang="id-ID" dirty="0"/>
+              <a:rPr lang="en-US" sz="1900" dirty="0">
+                <a:effectLst/>
+                <a:latin typeface="Calibri (Body)"/>
+                <a:ea typeface="DengXian" panose="02010600030101010101" pitchFamily="2" charset="-122"/>
+                <a:cs typeface="Times New Roman" panose="02020603050405020304" pitchFamily="18" charset="0"/>
+              </a:rPr>
+              <a:t>			</a:t>
+            </a:r>
+            <a:r>
+              <a:rPr lang="en-US" sz="1900" dirty="0" err="1">
+                <a:effectLst/>
+                <a:latin typeface="Calibri (Body)"/>
+                <a:ea typeface="DengXian" panose="02010600030101010101" pitchFamily="2" charset="-122"/>
+                <a:cs typeface="Times New Roman" panose="02020603050405020304" pitchFamily="18" charset="0"/>
+              </a:rPr>
+              <a:t>Ketua</a:t>
+            </a:r>
+            <a:r>
+              <a:rPr lang="en-US" sz="1900" dirty="0">
+                <a:effectLst/>
+                <a:latin typeface="Calibri (Body)"/>
+                <a:ea typeface="DengXian" panose="02010600030101010101" pitchFamily="2" charset="-122"/>
+                <a:cs typeface="Times New Roman" panose="02020603050405020304" pitchFamily="18" charset="0"/>
+              </a:rPr>
+              <a:t> </a:t>
+            </a:r>
+            <a:r>
+              <a:rPr lang="en-US" sz="1900" dirty="0" err="1">
+                <a:effectLst/>
+                <a:latin typeface="Calibri (Body)"/>
+                <a:ea typeface="DengXian" panose="02010600030101010101" pitchFamily="2" charset="-122"/>
+                <a:cs typeface="Times New Roman" panose="02020603050405020304" pitchFamily="18" charset="0"/>
+              </a:rPr>
+              <a:t>Proyek</a:t>
+            </a:r>
+            <a:r>
+              <a:rPr lang="en-US" sz="1900" dirty="0">
+                <a:effectLst/>
+                <a:latin typeface="Calibri (Body)"/>
+                <a:ea typeface="DengXian" panose="02010600030101010101" pitchFamily="2" charset="-122"/>
+                <a:cs typeface="Times New Roman" panose="02020603050405020304" pitchFamily="18" charset="0"/>
+              </a:rPr>
+              <a:t>	: </a:t>
+            </a:r>
+            <a:r>
+              <a:rPr lang="en-US" sz="1900" dirty="0" err="1">
+                <a:effectLst/>
+                <a:latin typeface="Calibri (Body)"/>
+                <a:ea typeface="DengXian" panose="02010600030101010101" pitchFamily="2" charset="-122"/>
+                <a:cs typeface="Times New Roman" panose="02020603050405020304" pitchFamily="18" charset="0"/>
+              </a:rPr>
+              <a:t>Maheswara</a:t>
+            </a:r>
+            <a:r>
+              <a:rPr lang="en-US" sz="1900" dirty="0">
+                <a:effectLst/>
+                <a:latin typeface="Calibri (Body)"/>
+                <a:ea typeface="DengXian" panose="02010600030101010101" pitchFamily="2" charset="-122"/>
+                <a:cs typeface="Times New Roman" panose="02020603050405020304" pitchFamily="18" charset="0"/>
+              </a:rPr>
+              <a:t> </a:t>
+            </a:r>
+            <a:r>
+              <a:rPr lang="en-US" sz="1900" dirty="0" err="1">
+                <a:effectLst/>
+                <a:latin typeface="Calibri (Body)"/>
+                <a:ea typeface="DengXian" panose="02010600030101010101" pitchFamily="2" charset="-122"/>
+                <a:cs typeface="Times New Roman" panose="02020603050405020304" pitchFamily="18" charset="0"/>
+              </a:rPr>
+              <a:t>Athallah</a:t>
+            </a:r>
+            <a:r>
+              <a:rPr lang="en-US" sz="1900" dirty="0">
+                <a:effectLst/>
+                <a:latin typeface="Calibri (Body)"/>
+                <a:ea typeface="DengXian" panose="02010600030101010101" pitchFamily="2" charset="-122"/>
+                <a:cs typeface="Times New Roman" panose="02020603050405020304" pitchFamily="18" charset="0"/>
+              </a:rPr>
+              <a:t> </a:t>
+            </a:r>
+            <a:r>
+              <a:rPr lang="en-US" sz="1900" dirty="0" err="1">
+                <a:effectLst/>
+                <a:latin typeface="Calibri (Body)"/>
+                <a:ea typeface="DengXian" panose="02010600030101010101" pitchFamily="2" charset="-122"/>
+                <a:cs typeface="Times New Roman" panose="02020603050405020304" pitchFamily="18" charset="0"/>
+              </a:rPr>
+              <a:t>Wijanarko</a:t>
+            </a:r>
+            <a:endParaRPr lang="en-US" sz="1900" dirty="0">
+              <a:latin typeface="Calibri (Body)"/>
+              <a:ea typeface="DengXian" panose="02010600030101010101" pitchFamily="2" charset="-122"/>
+              <a:cs typeface="Times New Roman" panose="02020603050405020304" pitchFamily="18" charset="0"/>
+            </a:endParaRPr>
+          </a:p>
+          <a:p>
+            <a:pPr marL="457200" lvl="1" indent="0" algn="just">
+              <a:buNone/>
+            </a:pPr>
+            <a:r>
+              <a:rPr lang="en-US" sz="1900" dirty="0">
+                <a:effectLst/>
+                <a:latin typeface="Calibri (Body)"/>
+                <a:ea typeface="DengXian" panose="02010600030101010101" pitchFamily="2" charset="-122"/>
+                <a:cs typeface="Times New Roman" panose="02020603050405020304" pitchFamily="18" charset="0"/>
+              </a:rPr>
+              <a:t>			Programmer	: </a:t>
+            </a:r>
+            <a:r>
+              <a:rPr lang="en-US" sz="1900" dirty="0" err="1">
+                <a:effectLst/>
+                <a:latin typeface="Calibri (Body)"/>
+                <a:ea typeface="DengXian" panose="02010600030101010101" pitchFamily="2" charset="-122"/>
+                <a:cs typeface="Times New Roman" panose="02020603050405020304" pitchFamily="18" charset="0"/>
+              </a:rPr>
+              <a:t>Habiib</a:t>
+            </a:r>
+            <a:r>
+              <a:rPr lang="en-US" sz="1900" dirty="0">
+                <a:effectLst/>
+                <a:latin typeface="Calibri (Body)"/>
+                <a:ea typeface="DengXian" panose="02010600030101010101" pitchFamily="2" charset="-122"/>
+                <a:cs typeface="Times New Roman" panose="02020603050405020304" pitchFamily="18" charset="0"/>
+              </a:rPr>
+              <a:t> Iqbal </a:t>
+            </a:r>
+            <a:r>
+              <a:rPr lang="en-US" sz="1900" dirty="0" err="1">
+                <a:effectLst/>
+                <a:latin typeface="Calibri (Body)"/>
+                <a:ea typeface="DengXian" panose="02010600030101010101" pitchFamily="2" charset="-122"/>
+                <a:cs typeface="Times New Roman" panose="02020603050405020304" pitchFamily="18" charset="0"/>
+              </a:rPr>
+              <a:t>Sobari</a:t>
+            </a:r>
+            <a:endParaRPr lang="en-US" sz="1900" dirty="0">
+              <a:effectLst/>
+              <a:latin typeface="Calibri (Body)"/>
+              <a:ea typeface="DengXian" panose="02010600030101010101" pitchFamily="2" charset="-122"/>
+              <a:cs typeface="Times New Roman" panose="02020603050405020304" pitchFamily="18" charset="0"/>
+            </a:endParaRPr>
+          </a:p>
+          <a:p>
+            <a:pPr marL="457200" lvl="1" indent="0" algn="just">
+              <a:buNone/>
+            </a:pPr>
+            <a:r>
+              <a:rPr lang="en-US" sz="1900" dirty="0">
+                <a:effectLst/>
+                <a:latin typeface="Calibri (Body)"/>
+                <a:ea typeface="DengXian" panose="02010600030101010101" pitchFamily="2" charset="-122"/>
+                <a:cs typeface="Times New Roman" panose="02020603050405020304" pitchFamily="18" charset="0"/>
+              </a:rPr>
+              <a:t>					  Muhammad Alful Falakh</a:t>
+            </a:r>
+          </a:p>
+          <a:p>
+            <a:pPr marL="457200" lvl="1" indent="0" algn="just">
+              <a:buNone/>
+            </a:pPr>
+            <a:r>
+              <a:rPr lang="en-US" sz="1900" dirty="0">
+                <a:effectLst/>
+                <a:latin typeface="Calibri (Body)"/>
+                <a:ea typeface="DengXian" panose="02010600030101010101" pitchFamily="2" charset="-122"/>
+                <a:cs typeface="Times New Roman" panose="02020603050405020304" pitchFamily="18" charset="0"/>
+              </a:rPr>
+              <a:t>					  </a:t>
+            </a:r>
+            <a:r>
+              <a:rPr lang="en-US" sz="1900" dirty="0" err="1">
+                <a:effectLst/>
+                <a:latin typeface="Calibri (Body)"/>
+                <a:ea typeface="DengXian" panose="02010600030101010101" pitchFamily="2" charset="-122"/>
+                <a:cs typeface="Times New Roman" panose="02020603050405020304" pitchFamily="18" charset="0"/>
+              </a:rPr>
+              <a:t>Kurnia</a:t>
+            </a:r>
+            <a:r>
+              <a:rPr lang="en-US" sz="1900" dirty="0">
+                <a:effectLst/>
+                <a:latin typeface="Calibri (Body)"/>
+                <a:ea typeface="DengXian" panose="02010600030101010101" pitchFamily="2" charset="-122"/>
+                <a:cs typeface="Times New Roman" panose="02020603050405020304" pitchFamily="18" charset="0"/>
+              </a:rPr>
+              <a:t> </a:t>
+            </a:r>
+            <a:r>
+              <a:rPr lang="en-US" sz="1900" dirty="0" err="1">
+                <a:effectLst/>
+                <a:latin typeface="Calibri (Body)"/>
+                <a:ea typeface="DengXian" panose="02010600030101010101" pitchFamily="2" charset="-122"/>
+                <a:cs typeface="Times New Roman" panose="02020603050405020304" pitchFamily="18" charset="0"/>
+              </a:rPr>
+              <a:t>Rizqi</a:t>
+            </a:r>
+            <a:r>
+              <a:rPr lang="en-US" sz="1900" dirty="0">
+                <a:effectLst/>
+                <a:latin typeface="Calibri (Body)"/>
+                <a:ea typeface="DengXian" panose="02010600030101010101" pitchFamily="2" charset="-122"/>
+                <a:cs typeface="Times New Roman" panose="02020603050405020304" pitchFamily="18" charset="0"/>
+              </a:rPr>
+              <a:t> Nur </a:t>
+            </a:r>
+            <a:r>
+              <a:rPr lang="en-US" sz="1900" dirty="0" err="1">
+                <a:effectLst/>
+                <a:latin typeface="Calibri (Body)"/>
+                <a:ea typeface="DengXian" panose="02010600030101010101" pitchFamily="2" charset="-122"/>
+                <a:cs typeface="Times New Roman" panose="02020603050405020304" pitchFamily="18" charset="0"/>
+              </a:rPr>
+              <a:t>Hasani</a:t>
+            </a:r>
+            <a:endParaRPr lang="en-US" sz="1900" dirty="0">
+              <a:effectLst/>
+              <a:latin typeface="Calibri (Body)"/>
+              <a:ea typeface="DengXian" panose="02010600030101010101" pitchFamily="2" charset="-122"/>
+              <a:cs typeface="Times New Roman" panose="02020603050405020304" pitchFamily="18" charset="0"/>
+            </a:endParaRPr>
+          </a:p>
+          <a:p>
+            <a:pPr marL="457200" lvl="1" indent="0" algn="just">
+              <a:buNone/>
+            </a:pPr>
+            <a:r>
+              <a:rPr lang="en-US" sz="1900" dirty="0">
+                <a:effectLst/>
+                <a:latin typeface="Calibri (Body)"/>
+                <a:ea typeface="DengXian" panose="02010600030101010101" pitchFamily="2" charset="-122"/>
+                <a:cs typeface="Times New Roman" panose="02020603050405020304" pitchFamily="18" charset="0"/>
+              </a:rPr>
               <a:t>				</a:t>
             </a:r>
             <a:r>
-              <a:rPr lang="en-US" dirty="0" err="1"/>
-              <a:t>Ketua</a:t>
-            </a:r>
-            <a:r>
-              <a:rPr lang="en-US" dirty="0"/>
-              <a:t> </a:t>
-            </a:r>
-            <a:r>
-              <a:rPr lang="en-US" dirty="0" err="1"/>
-              <a:t>Proyek</a:t>
-            </a:r>
-            <a:r>
-              <a:rPr lang="en-US" dirty="0"/>
-              <a:t>	: </a:t>
-            </a:r>
-            <a:r>
-              <a:rPr lang="en-US" dirty="0" err="1"/>
-              <a:t>Maheswara</a:t>
-            </a:r>
-            <a:r>
-              <a:rPr lang="en-US" dirty="0"/>
-              <a:t> </a:t>
-            </a:r>
-            <a:r>
-              <a:rPr lang="en-US" dirty="0" err="1"/>
-              <a:t>Athallah</a:t>
-            </a:r>
-            <a:r>
-              <a:rPr lang="en-US" dirty="0"/>
-              <a:t> W.</a:t>
-            </a:r>
-            <a:endParaRPr lang="en-ID" dirty="0"/>
+              <a:rPr lang="en-US" sz="1900" dirty="0">
+                <a:latin typeface="Calibri (Body)"/>
+                <a:ea typeface="DengXian" panose="02010600030101010101" pitchFamily="2" charset="-122"/>
+                <a:cs typeface="Times New Roman" panose="02020603050405020304" pitchFamily="18" charset="0"/>
+              </a:rPr>
+              <a:t> 	  </a:t>
+            </a:r>
+            <a:r>
+              <a:rPr lang="en-US" sz="1900" dirty="0" err="1">
+                <a:effectLst/>
+                <a:latin typeface="Calibri (Body)"/>
+                <a:ea typeface="DengXian" panose="02010600030101010101" pitchFamily="2" charset="-122"/>
+                <a:cs typeface="Times New Roman" panose="02020603050405020304" pitchFamily="18" charset="0"/>
+              </a:rPr>
+              <a:t>Angga</a:t>
+            </a:r>
+            <a:r>
+              <a:rPr lang="en-US" sz="1900" dirty="0">
+                <a:effectLst/>
+                <a:latin typeface="Calibri (Body)"/>
+                <a:ea typeface="DengXian" panose="02010600030101010101" pitchFamily="2" charset="-122"/>
+                <a:cs typeface="Times New Roman" panose="02020603050405020304" pitchFamily="18" charset="0"/>
+              </a:rPr>
+              <a:t> Pala Raja</a:t>
+            </a:r>
+            <a:endParaRPr lang="id-ID" sz="1900" dirty="0">
+              <a:effectLst/>
+              <a:latin typeface="Calibri (Body)"/>
+              <a:ea typeface="DengXian" panose="02010600030101010101" pitchFamily="2" charset="-122"/>
+              <a:cs typeface="Times New Roman" panose="02020603050405020304" pitchFamily="18" charset="0"/>
+            </a:endParaRPr>
           </a:p>
         </p:txBody>
       </p:sp>
@@ -4265,7 +5807,7 @@
         </p:spPr>
         <p:txBody>
           <a:bodyPr>
-            <a:normAutofit fontScale="85000" lnSpcReduction="20000"/>
+            <a:normAutofit fontScale="92500" lnSpcReduction="20000"/>
           </a:bodyPr>
           <a:lstStyle/>
           <a:p>
@@ -4276,247 +5818,710 @@
               <a:rPr lang="id-ID" b="1" dirty="0"/>
               <a:t>Ruang Lingkup</a:t>
             </a:r>
+            <a:endParaRPr lang="en-US" b="1" dirty="0"/>
+          </a:p>
+          <a:p>
+            <a:pPr marL="457200" lvl="1" indent="0" algn="just">
+              <a:buNone/>
+            </a:pPr>
+            <a:r>
+              <a:rPr lang="en-US" sz="2100" dirty="0" err="1">
+                <a:effectLst/>
+                <a:latin typeface="Calibri (Body)"/>
+                <a:ea typeface="DengXian" panose="02010600030101010101" pitchFamily="2" charset="-122"/>
+                <a:cs typeface="Times New Roman" panose="02020603050405020304" pitchFamily="18" charset="0"/>
+              </a:rPr>
+              <a:t>Aplikasi</a:t>
+            </a:r>
+            <a:r>
+              <a:rPr lang="en-US" sz="2100" dirty="0">
+                <a:effectLst/>
+                <a:latin typeface="Calibri (Body)"/>
+                <a:ea typeface="DengXian" panose="02010600030101010101" pitchFamily="2" charset="-122"/>
+                <a:cs typeface="Times New Roman" panose="02020603050405020304" pitchFamily="18" charset="0"/>
+              </a:rPr>
+              <a:t> Board Game Catalog </a:t>
+            </a:r>
+            <a:r>
+              <a:rPr lang="en-US" sz="2100" dirty="0" err="1">
+                <a:effectLst/>
+                <a:latin typeface="Calibri (Body)"/>
+                <a:ea typeface="DengXian" panose="02010600030101010101" pitchFamily="2" charset="-122"/>
+                <a:cs typeface="Times New Roman" panose="02020603050405020304" pitchFamily="18" charset="0"/>
+              </a:rPr>
+              <a:t>adalah</a:t>
+            </a:r>
+            <a:r>
+              <a:rPr lang="en-US" sz="2100" dirty="0">
+                <a:effectLst/>
+                <a:latin typeface="Calibri (Body)"/>
+                <a:ea typeface="DengXian" panose="02010600030101010101" pitchFamily="2" charset="-122"/>
+                <a:cs typeface="Times New Roman" panose="02020603050405020304" pitchFamily="18" charset="0"/>
+              </a:rPr>
+              <a:t> </a:t>
+            </a:r>
+            <a:r>
+              <a:rPr lang="en-US" sz="2100" dirty="0" err="1">
+                <a:effectLst/>
+                <a:latin typeface="Calibri (Body)"/>
+                <a:ea typeface="DengXian" panose="02010600030101010101" pitchFamily="2" charset="-122"/>
+                <a:cs typeface="Times New Roman" panose="02020603050405020304" pitchFamily="18" charset="0"/>
+              </a:rPr>
+              <a:t>aplikasi</a:t>
+            </a:r>
+            <a:r>
+              <a:rPr lang="en-US" sz="2100" dirty="0">
+                <a:effectLst/>
+                <a:latin typeface="Calibri (Body)"/>
+                <a:ea typeface="DengXian" panose="02010600030101010101" pitchFamily="2" charset="-122"/>
+                <a:cs typeface="Times New Roman" panose="02020603050405020304" pitchFamily="18" charset="0"/>
+              </a:rPr>
+              <a:t> yang </a:t>
+            </a:r>
+            <a:r>
+              <a:rPr lang="en-US" sz="2100" dirty="0" err="1">
+                <a:effectLst/>
+                <a:latin typeface="Calibri (Body)"/>
+                <a:ea typeface="DengXian" panose="02010600030101010101" pitchFamily="2" charset="-122"/>
+                <a:cs typeface="Times New Roman" panose="02020603050405020304" pitchFamily="18" charset="0"/>
+              </a:rPr>
+              <a:t>digunakan</a:t>
+            </a:r>
+            <a:r>
+              <a:rPr lang="en-US" sz="2100" dirty="0">
+                <a:effectLst/>
+                <a:latin typeface="Calibri (Body)"/>
+                <a:ea typeface="DengXian" panose="02010600030101010101" pitchFamily="2" charset="-122"/>
+                <a:cs typeface="Times New Roman" panose="02020603050405020304" pitchFamily="18" charset="0"/>
+              </a:rPr>
+              <a:t> </a:t>
+            </a:r>
+            <a:r>
+              <a:rPr lang="en-US" sz="2100" dirty="0" err="1">
+                <a:effectLst/>
+                <a:latin typeface="Calibri (Body)"/>
+                <a:ea typeface="DengXian" panose="02010600030101010101" pitchFamily="2" charset="-122"/>
+                <a:cs typeface="Times New Roman" panose="02020603050405020304" pitchFamily="18" charset="0"/>
+              </a:rPr>
+              <a:t>untuk</a:t>
+            </a:r>
+            <a:r>
+              <a:rPr lang="en-US" sz="2100" dirty="0">
+                <a:effectLst/>
+                <a:latin typeface="Calibri (Body)"/>
+                <a:ea typeface="DengXian" panose="02010600030101010101" pitchFamily="2" charset="-122"/>
+                <a:cs typeface="Times New Roman" panose="02020603050405020304" pitchFamily="18" charset="0"/>
+              </a:rPr>
+              <a:t> </a:t>
+            </a:r>
+            <a:r>
+              <a:rPr lang="en-US" sz="2100" dirty="0" err="1">
+                <a:effectLst/>
+                <a:latin typeface="Calibri (Body)"/>
+                <a:ea typeface="DengXian" panose="02010600030101010101" pitchFamily="2" charset="-122"/>
+                <a:cs typeface="Times New Roman" panose="02020603050405020304" pitchFamily="18" charset="0"/>
+              </a:rPr>
+              <a:t>mendata</a:t>
+            </a:r>
+            <a:r>
+              <a:rPr lang="en-US" sz="2100" dirty="0">
+                <a:effectLst/>
+                <a:latin typeface="Calibri (Body)"/>
+                <a:ea typeface="DengXian" panose="02010600030101010101" pitchFamily="2" charset="-122"/>
+                <a:cs typeface="Times New Roman" panose="02020603050405020304" pitchFamily="18" charset="0"/>
+              </a:rPr>
+              <a:t> history </a:t>
+            </a:r>
+            <a:r>
+              <a:rPr lang="en-US" sz="2100" dirty="0" err="1">
+                <a:effectLst/>
+                <a:latin typeface="Calibri (Body)"/>
+                <a:ea typeface="DengXian" panose="02010600030101010101" pitchFamily="2" charset="-122"/>
+                <a:cs typeface="Times New Roman" panose="02020603050405020304" pitchFamily="18" charset="0"/>
+              </a:rPr>
+              <a:t>dari</a:t>
+            </a:r>
+            <a:r>
+              <a:rPr lang="en-US" sz="2100" dirty="0">
+                <a:effectLst/>
+                <a:latin typeface="Calibri (Body)"/>
+                <a:ea typeface="DengXian" panose="02010600030101010101" pitchFamily="2" charset="-122"/>
+                <a:cs typeface="Times New Roman" panose="02020603050405020304" pitchFamily="18" charset="0"/>
+              </a:rPr>
+              <a:t> </a:t>
+            </a:r>
+            <a:r>
+              <a:rPr lang="en-US" sz="2100" dirty="0" err="1">
+                <a:effectLst/>
+                <a:latin typeface="Calibri (Body)"/>
+                <a:ea typeface="DengXian" panose="02010600030101010101" pitchFamily="2" charset="-122"/>
+                <a:cs typeface="Times New Roman" panose="02020603050405020304" pitchFamily="18" charset="0"/>
+              </a:rPr>
+              <a:t>permainan</a:t>
+            </a:r>
+            <a:r>
+              <a:rPr lang="en-US" sz="2100" dirty="0">
+                <a:effectLst/>
+                <a:latin typeface="Calibri (Body)"/>
+                <a:ea typeface="DengXian" panose="02010600030101010101" pitchFamily="2" charset="-122"/>
+                <a:cs typeface="Times New Roman" panose="02020603050405020304" pitchFamily="18" charset="0"/>
+              </a:rPr>
+              <a:t> board game yang </a:t>
+            </a:r>
+            <a:r>
+              <a:rPr lang="en-US" sz="2100" dirty="0" err="1">
+                <a:effectLst/>
+                <a:latin typeface="Calibri (Body)"/>
+                <a:ea typeface="DengXian" panose="02010600030101010101" pitchFamily="2" charset="-122"/>
+                <a:cs typeface="Times New Roman" panose="02020603050405020304" pitchFamily="18" charset="0"/>
+              </a:rPr>
+              <a:t>dilakukan</a:t>
+            </a:r>
+            <a:r>
+              <a:rPr lang="en-US" sz="2100" dirty="0">
+                <a:effectLst/>
+                <a:latin typeface="Calibri (Body)"/>
+                <a:ea typeface="DengXian" panose="02010600030101010101" pitchFamily="2" charset="-122"/>
+                <a:cs typeface="Times New Roman" panose="02020603050405020304" pitchFamily="18" charset="0"/>
+              </a:rPr>
+              <a:t> user </a:t>
+            </a:r>
+            <a:r>
+              <a:rPr lang="en-US" sz="2100" dirty="0" err="1">
+                <a:effectLst/>
+                <a:latin typeface="Calibri (Body)"/>
+                <a:ea typeface="DengXian" panose="02010600030101010101" pitchFamily="2" charset="-122"/>
+                <a:cs typeface="Times New Roman" panose="02020603050405020304" pitchFamily="18" charset="0"/>
+              </a:rPr>
+              <a:t>berdasarkan</a:t>
+            </a:r>
+            <a:r>
+              <a:rPr lang="en-US" sz="2100" dirty="0">
+                <a:effectLst/>
+                <a:latin typeface="Calibri (Body)"/>
+                <a:ea typeface="DengXian" panose="02010600030101010101" pitchFamily="2" charset="-122"/>
+                <a:cs typeface="Times New Roman" panose="02020603050405020304" pitchFamily="18" charset="0"/>
+              </a:rPr>
+              <a:t> game yang </a:t>
+            </a:r>
+            <a:r>
+              <a:rPr lang="en-US" sz="2100" dirty="0" err="1">
+                <a:effectLst/>
+                <a:latin typeface="Calibri (Body)"/>
+                <a:ea typeface="DengXian" panose="02010600030101010101" pitchFamily="2" charset="-122"/>
+                <a:cs typeface="Times New Roman" panose="02020603050405020304" pitchFamily="18" charset="0"/>
+              </a:rPr>
+              <a:t>ditentukan</a:t>
+            </a:r>
+            <a:r>
+              <a:rPr lang="en-US" sz="2100" dirty="0">
+                <a:effectLst/>
+                <a:latin typeface="Calibri (Body)"/>
+                <a:ea typeface="DengXian" panose="02010600030101010101" pitchFamily="2" charset="-122"/>
+                <a:cs typeface="Times New Roman" panose="02020603050405020304" pitchFamily="18" charset="0"/>
+              </a:rPr>
+              <a:t> admin dan </a:t>
+            </a:r>
+            <a:r>
+              <a:rPr lang="en-US" sz="2100" dirty="0" err="1">
+                <a:effectLst/>
+                <a:latin typeface="Calibri (Body)"/>
+                <a:ea typeface="DengXian" panose="02010600030101010101" pitchFamily="2" charset="-122"/>
+                <a:cs typeface="Times New Roman" panose="02020603050405020304" pitchFamily="18" charset="0"/>
+              </a:rPr>
+              <a:t>dipilih</a:t>
+            </a:r>
+            <a:r>
+              <a:rPr lang="en-US" sz="2100" dirty="0">
+                <a:effectLst/>
+                <a:latin typeface="Calibri (Body)"/>
+                <a:ea typeface="DengXian" panose="02010600030101010101" pitchFamily="2" charset="-122"/>
+                <a:cs typeface="Times New Roman" panose="02020603050405020304" pitchFamily="18" charset="0"/>
+              </a:rPr>
+              <a:t> user. </a:t>
+            </a:r>
+            <a:r>
+              <a:rPr lang="en-US" sz="2100" dirty="0" err="1">
+                <a:effectLst/>
+                <a:latin typeface="Calibri (Body)"/>
+                <a:ea typeface="DengXian" panose="02010600030101010101" pitchFamily="2" charset="-122"/>
+                <a:cs typeface="Times New Roman" panose="02020603050405020304" pitchFamily="18" charset="0"/>
+              </a:rPr>
+              <a:t>Aplikasi</a:t>
+            </a:r>
+            <a:r>
+              <a:rPr lang="en-US" sz="2100" dirty="0">
+                <a:effectLst/>
+                <a:latin typeface="Calibri (Body)"/>
+                <a:ea typeface="DengXian" panose="02010600030101010101" pitchFamily="2" charset="-122"/>
+                <a:cs typeface="Times New Roman" panose="02020603050405020304" pitchFamily="18" charset="0"/>
+              </a:rPr>
+              <a:t> </a:t>
+            </a:r>
+            <a:r>
+              <a:rPr lang="en-US" sz="2100" dirty="0" err="1">
+                <a:effectLst/>
+                <a:latin typeface="Calibri (Body)"/>
+                <a:ea typeface="DengXian" panose="02010600030101010101" pitchFamily="2" charset="-122"/>
+                <a:cs typeface="Times New Roman" panose="02020603050405020304" pitchFamily="18" charset="0"/>
+              </a:rPr>
+              <a:t>ini</a:t>
+            </a:r>
+            <a:r>
+              <a:rPr lang="en-US" sz="2100" dirty="0">
+                <a:effectLst/>
+                <a:latin typeface="Calibri (Body)"/>
+                <a:ea typeface="DengXian" panose="02010600030101010101" pitchFamily="2" charset="-122"/>
+                <a:cs typeface="Times New Roman" panose="02020603050405020304" pitchFamily="18" charset="0"/>
+              </a:rPr>
+              <a:t> </a:t>
+            </a:r>
+            <a:r>
+              <a:rPr lang="en-US" sz="2100" dirty="0" err="1">
+                <a:effectLst/>
+                <a:latin typeface="Calibri (Body)"/>
+                <a:ea typeface="DengXian" panose="02010600030101010101" pitchFamily="2" charset="-122"/>
+                <a:cs typeface="Times New Roman" panose="02020603050405020304" pitchFamily="18" charset="0"/>
+              </a:rPr>
+              <a:t>dapat</a:t>
+            </a:r>
+            <a:r>
+              <a:rPr lang="en-US" sz="2100" dirty="0">
+                <a:effectLst/>
+                <a:latin typeface="Calibri (Body)"/>
+                <a:ea typeface="DengXian" panose="02010600030101010101" pitchFamily="2" charset="-122"/>
+                <a:cs typeface="Times New Roman" panose="02020603050405020304" pitchFamily="18" charset="0"/>
+              </a:rPr>
+              <a:t> </a:t>
+            </a:r>
+            <a:r>
+              <a:rPr lang="en-US" sz="2100" dirty="0" err="1">
+                <a:effectLst/>
+                <a:latin typeface="Calibri (Body)"/>
+                <a:ea typeface="DengXian" panose="02010600030101010101" pitchFamily="2" charset="-122"/>
+                <a:cs typeface="Times New Roman" panose="02020603050405020304" pitchFamily="18" charset="0"/>
+              </a:rPr>
+              <a:t>mendata</a:t>
+            </a:r>
+            <a:r>
+              <a:rPr lang="en-US" sz="2100" dirty="0">
+                <a:effectLst/>
+                <a:latin typeface="Calibri (Body)"/>
+                <a:ea typeface="DengXian" panose="02010600030101010101" pitchFamily="2" charset="-122"/>
+                <a:cs typeface="Times New Roman" panose="02020603050405020304" pitchFamily="18" charset="0"/>
+              </a:rPr>
+              <a:t> leaderboard </a:t>
+            </a:r>
+            <a:r>
+              <a:rPr lang="en-US" sz="2100" dirty="0" err="1">
+                <a:effectLst/>
+                <a:latin typeface="Calibri (Body)"/>
+                <a:ea typeface="DengXian" panose="02010600030101010101" pitchFamily="2" charset="-122"/>
+                <a:cs typeface="Times New Roman" panose="02020603050405020304" pitchFamily="18" charset="0"/>
+              </a:rPr>
+              <a:t>berdasarkan</a:t>
+            </a:r>
+            <a:r>
+              <a:rPr lang="en-US" sz="2100" dirty="0">
+                <a:effectLst/>
+                <a:latin typeface="Calibri (Body)"/>
+                <a:ea typeface="DengXian" panose="02010600030101010101" pitchFamily="2" charset="-122"/>
+                <a:cs typeface="Times New Roman" panose="02020603050405020304" pitchFamily="18" charset="0"/>
+              </a:rPr>
+              <a:t> data yang </a:t>
+            </a:r>
+            <a:r>
+              <a:rPr lang="en-US" sz="2100" dirty="0" err="1">
+                <a:effectLst/>
+                <a:latin typeface="Calibri (Body)"/>
+                <a:ea typeface="DengXian" panose="02010600030101010101" pitchFamily="2" charset="-122"/>
+                <a:cs typeface="Times New Roman" panose="02020603050405020304" pitchFamily="18" charset="0"/>
+              </a:rPr>
+              <a:t>telah</a:t>
+            </a:r>
+            <a:r>
+              <a:rPr lang="en-US" sz="2100" dirty="0">
+                <a:effectLst/>
+                <a:latin typeface="Calibri (Body)"/>
+                <a:ea typeface="DengXian" panose="02010600030101010101" pitchFamily="2" charset="-122"/>
+                <a:cs typeface="Times New Roman" panose="02020603050405020304" pitchFamily="18" charset="0"/>
+              </a:rPr>
+              <a:t> </a:t>
+            </a:r>
+            <a:r>
+              <a:rPr lang="en-US" sz="2100" dirty="0" err="1">
+                <a:effectLst/>
+                <a:latin typeface="Calibri (Body)"/>
+                <a:ea typeface="DengXian" panose="02010600030101010101" pitchFamily="2" charset="-122"/>
+                <a:cs typeface="Times New Roman" panose="02020603050405020304" pitchFamily="18" charset="0"/>
+              </a:rPr>
+              <a:t>diberikan</a:t>
+            </a:r>
+            <a:r>
+              <a:rPr lang="en-US" sz="2100" dirty="0">
+                <a:effectLst/>
+                <a:latin typeface="Calibri (Body)"/>
+                <a:ea typeface="DengXian" panose="02010600030101010101" pitchFamily="2" charset="-122"/>
+                <a:cs typeface="Times New Roman" panose="02020603050405020304" pitchFamily="18" charset="0"/>
+              </a:rPr>
+              <a:t> </a:t>
+            </a:r>
+            <a:r>
+              <a:rPr lang="en-US" sz="2100" dirty="0" err="1">
+                <a:effectLst/>
+                <a:latin typeface="Calibri (Body)"/>
+                <a:ea typeface="DengXian" panose="02010600030101010101" pitchFamily="2" charset="-122"/>
+                <a:cs typeface="Times New Roman" panose="02020603050405020304" pitchFamily="18" charset="0"/>
+              </a:rPr>
+              <a:t>kepada</a:t>
+            </a:r>
+            <a:r>
+              <a:rPr lang="en-US" sz="2100" dirty="0">
+                <a:effectLst/>
+                <a:latin typeface="Calibri (Body)"/>
+                <a:ea typeface="DengXian" panose="02010600030101010101" pitchFamily="2" charset="-122"/>
+                <a:cs typeface="Times New Roman" panose="02020603050405020304" pitchFamily="18" charset="0"/>
+              </a:rPr>
+              <a:t> user. Admin </a:t>
+            </a:r>
+            <a:r>
+              <a:rPr lang="en-US" sz="2100" dirty="0" err="1">
+                <a:effectLst/>
+                <a:latin typeface="Calibri (Body)"/>
+                <a:ea typeface="DengXian" panose="02010600030101010101" pitchFamily="2" charset="-122"/>
+                <a:cs typeface="Times New Roman" panose="02020603050405020304" pitchFamily="18" charset="0"/>
+              </a:rPr>
+              <a:t>dapat</a:t>
+            </a:r>
+            <a:r>
+              <a:rPr lang="en-US" sz="2100" dirty="0">
+                <a:effectLst/>
+                <a:latin typeface="Calibri (Body)"/>
+                <a:ea typeface="DengXian" panose="02010600030101010101" pitchFamily="2" charset="-122"/>
+                <a:cs typeface="Times New Roman" panose="02020603050405020304" pitchFamily="18" charset="0"/>
+              </a:rPr>
+              <a:t> </a:t>
+            </a:r>
+            <a:r>
+              <a:rPr lang="en-US" sz="2100" dirty="0" err="1">
+                <a:effectLst/>
+                <a:latin typeface="Calibri (Body)"/>
+                <a:ea typeface="DengXian" panose="02010600030101010101" pitchFamily="2" charset="-122"/>
+                <a:cs typeface="Times New Roman" panose="02020603050405020304" pitchFamily="18" charset="0"/>
+              </a:rPr>
+              <a:t>menambah</a:t>
+            </a:r>
+            <a:r>
+              <a:rPr lang="en-US" sz="2100" dirty="0">
+                <a:effectLst/>
+                <a:latin typeface="Calibri (Body)"/>
+                <a:ea typeface="DengXian" panose="02010600030101010101" pitchFamily="2" charset="-122"/>
+                <a:cs typeface="Times New Roman" panose="02020603050405020304" pitchFamily="18" charset="0"/>
+              </a:rPr>
+              <a:t> game, dan </a:t>
+            </a:r>
+            <a:r>
+              <a:rPr lang="en-US" sz="2100" dirty="0" err="1">
+                <a:effectLst/>
+                <a:latin typeface="Calibri (Body)"/>
+                <a:ea typeface="DengXian" panose="02010600030101010101" pitchFamily="2" charset="-122"/>
+                <a:cs typeface="Times New Roman" panose="02020603050405020304" pitchFamily="18" charset="0"/>
+              </a:rPr>
+              <a:t>membuat</a:t>
+            </a:r>
+            <a:r>
+              <a:rPr lang="en-US" sz="2100" dirty="0">
+                <a:effectLst/>
+                <a:latin typeface="Calibri (Body)"/>
+                <a:ea typeface="DengXian" panose="02010600030101010101" pitchFamily="2" charset="-122"/>
+                <a:cs typeface="Times New Roman" panose="02020603050405020304" pitchFamily="18" charset="0"/>
+              </a:rPr>
+              <a:t> </a:t>
+            </a:r>
+            <a:r>
+              <a:rPr lang="en-US" sz="2100" dirty="0" err="1">
+                <a:effectLst/>
+                <a:latin typeface="Calibri (Body)"/>
+                <a:ea typeface="DengXian" panose="02010600030101010101" pitchFamily="2" charset="-122"/>
+                <a:cs typeface="Times New Roman" panose="02020603050405020304" pitchFamily="18" charset="0"/>
+              </a:rPr>
+              <a:t>laporan</a:t>
+            </a:r>
+            <a:r>
+              <a:rPr lang="en-US" sz="2100" dirty="0">
+                <a:effectLst/>
+                <a:latin typeface="Calibri (Body)"/>
+                <a:ea typeface="DengXian" panose="02010600030101010101" pitchFamily="2" charset="-122"/>
+                <a:cs typeface="Times New Roman" panose="02020603050405020304" pitchFamily="18" charset="0"/>
+              </a:rPr>
+              <a:t> </a:t>
+            </a:r>
+            <a:r>
+              <a:rPr lang="en-US" sz="2100" dirty="0" err="1">
+                <a:effectLst/>
+                <a:latin typeface="Calibri (Body)"/>
+                <a:ea typeface="DengXian" panose="02010600030101010101" pitchFamily="2" charset="-122"/>
+                <a:cs typeface="Times New Roman" panose="02020603050405020304" pitchFamily="18" charset="0"/>
+              </a:rPr>
+              <a:t>berdasarkan</a:t>
+            </a:r>
+            <a:r>
+              <a:rPr lang="en-US" sz="2100" dirty="0">
+                <a:effectLst/>
+                <a:latin typeface="Calibri (Body)"/>
+                <a:ea typeface="DengXian" panose="02010600030101010101" pitchFamily="2" charset="-122"/>
+                <a:cs typeface="Times New Roman" panose="02020603050405020304" pitchFamily="18" charset="0"/>
+              </a:rPr>
+              <a:t> data yang </a:t>
+            </a:r>
+            <a:r>
+              <a:rPr lang="en-US" sz="2100" dirty="0" err="1">
+                <a:effectLst/>
+                <a:latin typeface="Calibri (Body)"/>
+                <a:ea typeface="DengXian" panose="02010600030101010101" pitchFamily="2" charset="-122"/>
+                <a:cs typeface="Times New Roman" panose="02020603050405020304" pitchFamily="18" charset="0"/>
+              </a:rPr>
+              <a:t>diperoleh</a:t>
+            </a:r>
+            <a:r>
+              <a:rPr lang="en-US" sz="2100" dirty="0">
+                <a:effectLst/>
+                <a:latin typeface="Calibri (Body)"/>
+                <a:ea typeface="DengXian" panose="02010600030101010101" pitchFamily="2" charset="-122"/>
+                <a:cs typeface="Times New Roman" panose="02020603050405020304" pitchFamily="18" charset="0"/>
+              </a:rPr>
+              <a:t> </a:t>
+            </a:r>
+            <a:r>
+              <a:rPr lang="en-US" sz="2100" dirty="0" err="1">
+                <a:effectLst/>
+                <a:latin typeface="Calibri (Body)"/>
+                <a:ea typeface="DengXian" panose="02010600030101010101" pitchFamily="2" charset="-122"/>
+                <a:cs typeface="Times New Roman" panose="02020603050405020304" pitchFamily="18" charset="0"/>
+              </a:rPr>
+              <a:t>dari</a:t>
+            </a:r>
+            <a:r>
+              <a:rPr lang="en-US" sz="2100" dirty="0">
+                <a:effectLst/>
+                <a:latin typeface="Calibri (Body)"/>
+                <a:ea typeface="DengXian" panose="02010600030101010101" pitchFamily="2" charset="-122"/>
+                <a:cs typeface="Times New Roman" panose="02020603050405020304" pitchFamily="18" charset="0"/>
+              </a:rPr>
+              <a:t> </a:t>
+            </a:r>
+            <a:r>
+              <a:rPr lang="en-US" sz="2100" dirty="0" err="1">
+                <a:effectLst/>
+                <a:latin typeface="Calibri (Body)"/>
+                <a:ea typeface="DengXian" panose="02010600030101010101" pitchFamily="2" charset="-122"/>
+                <a:cs typeface="Times New Roman" panose="02020603050405020304" pitchFamily="18" charset="0"/>
+              </a:rPr>
+              <a:t>aplikasi</a:t>
+            </a:r>
+            <a:r>
+              <a:rPr lang="en-US" sz="2100" dirty="0">
+                <a:effectLst/>
+                <a:latin typeface="Calibri (Body)"/>
+                <a:ea typeface="DengXian" panose="02010600030101010101" pitchFamily="2" charset="-122"/>
+                <a:cs typeface="Times New Roman" panose="02020603050405020304" pitchFamily="18" charset="0"/>
+              </a:rPr>
+              <a:t> </a:t>
+            </a:r>
+            <a:r>
+              <a:rPr lang="en-US" sz="2100" dirty="0" err="1">
+                <a:effectLst/>
+                <a:latin typeface="Calibri (Body)"/>
+                <a:ea typeface="DengXian" panose="02010600030101010101" pitchFamily="2" charset="-122"/>
+                <a:cs typeface="Times New Roman" panose="02020603050405020304" pitchFamily="18" charset="0"/>
+              </a:rPr>
+              <a:t>ke</a:t>
+            </a:r>
+            <a:r>
+              <a:rPr lang="en-US" sz="2100" dirty="0">
+                <a:effectLst/>
+                <a:latin typeface="Calibri (Body)"/>
+                <a:ea typeface="DengXian" panose="02010600030101010101" pitchFamily="2" charset="-122"/>
+                <a:cs typeface="Times New Roman" panose="02020603050405020304" pitchFamily="18" charset="0"/>
+              </a:rPr>
+              <a:t> </a:t>
+            </a:r>
+            <a:r>
+              <a:rPr lang="en-US" sz="2100" dirty="0" err="1">
+                <a:effectLst/>
+                <a:latin typeface="Calibri (Body)"/>
+                <a:ea typeface="DengXian" panose="02010600030101010101" pitchFamily="2" charset="-122"/>
+                <a:cs typeface="Times New Roman" panose="02020603050405020304" pitchFamily="18" charset="0"/>
+              </a:rPr>
+              <a:t>bentuk</a:t>
+            </a:r>
+            <a:r>
+              <a:rPr lang="en-US" sz="2100" dirty="0">
+                <a:effectLst/>
+                <a:latin typeface="Calibri (Body)"/>
+                <a:ea typeface="DengXian" panose="02010600030101010101" pitchFamily="2" charset="-122"/>
+                <a:cs typeface="Times New Roman" panose="02020603050405020304" pitchFamily="18" charset="0"/>
+              </a:rPr>
+              <a:t> csv. </a:t>
+            </a:r>
+            <a:r>
+              <a:rPr lang="en-US" sz="2100" dirty="0" err="1">
+                <a:effectLst/>
+                <a:latin typeface="Calibri (Body)"/>
+                <a:ea typeface="DengXian" panose="02010600030101010101" pitchFamily="2" charset="-122"/>
+                <a:cs typeface="Times New Roman" panose="02020603050405020304" pitchFamily="18" charset="0"/>
+              </a:rPr>
+              <a:t>Aplikasi</a:t>
+            </a:r>
+            <a:r>
+              <a:rPr lang="en-US" sz="2100" dirty="0">
+                <a:effectLst/>
+                <a:latin typeface="Calibri (Body)"/>
+                <a:ea typeface="DengXian" panose="02010600030101010101" pitchFamily="2" charset="-122"/>
+                <a:cs typeface="Times New Roman" panose="02020603050405020304" pitchFamily="18" charset="0"/>
+              </a:rPr>
+              <a:t> </a:t>
+            </a:r>
+            <a:r>
+              <a:rPr lang="en-US" sz="2100" dirty="0" err="1">
+                <a:effectLst/>
+                <a:latin typeface="Calibri (Body)"/>
+                <a:ea typeface="DengXian" panose="02010600030101010101" pitchFamily="2" charset="-122"/>
+                <a:cs typeface="Times New Roman" panose="02020603050405020304" pitchFamily="18" charset="0"/>
+              </a:rPr>
+              <a:t>ini</a:t>
+            </a:r>
+            <a:r>
+              <a:rPr lang="en-US" sz="2100" dirty="0">
+                <a:effectLst/>
+                <a:latin typeface="Calibri (Body)"/>
+                <a:ea typeface="DengXian" panose="02010600030101010101" pitchFamily="2" charset="-122"/>
+                <a:cs typeface="Times New Roman" panose="02020603050405020304" pitchFamily="18" charset="0"/>
+              </a:rPr>
+              <a:t> </a:t>
+            </a:r>
+            <a:r>
+              <a:rPr lang="en-US" sz="2100" dirty="0" err="1">
+                <a:effectLst/>
+                <a:latin typeface="Calibri (Body)"/>
+                <a:ea typeface="DengXian" panose="02010600030101010101" pitchFamily="2" charset="-122"/>
+                <a:cs typeface="Times New Roman" panose="02020603050405020304" pitchFamily="18" charset="0"/>
+              </a:rPr>
+              <a:t>dibuat</a:t>
+            </a:r>
+            <a:r>
+              <a:rPr lang="en-US" sz="2100" dirty="0">
+                <a:effectLst/>
+                <a:latin typeface="Calibri (Body)"/>
+                <a:ea typeface="DengXian" panose="02010600030101010101" pitchFamily="2" charset="-122"/>
+                <a:cs typeface="Times New Roman" panose="02020603050405020304" pitchFamily="18" charset="0"/>
+              </a:rPr>
+              <a:t> </a:t>
+            </a:r>
+            <a:r>
+              <a:rPr lang="en-US" sz="2100" dirty="0" err="1">
+                <a:effectLst/>
+                <a:latin typeface="Calibri (Body)"/>
+                <a:ea typeface="DengXian" panose="02010600030101010101" pitchFamily="2" charset="-122"/>
+                <a:cs typeface="Times New Roman" panose="02020603050405020304" pitchFamily="18" charset="0"/>
+              </a:rPr>
+              <a:t>dengan</a:t>
+            </a:r>
+            <a:r>
+              <a:rPr lang="en-US" sz="2100" dirty="0">
+                <a:effectLst/>
+                <a:latin typeface="Calibri (Body)"/>
+                <a:ea typeface="DengXian" panose="02010600030101010101" pitchFamily="2" charset="-122"/>
+                <a:cs typeface="Times New Roman" panose="02020603050405020304" pitchFamily="18" charset="0"/>
+              </a:rPr>
+              <a:t> </a:t>
+            </a:r>
+            <a:r>
+              <a:rPr lang="en-US" sz="2100" dirty="0" err="1">
+                <a:effectLst/>
+                <a:latin typeface="Calibri (Body)"/>
+                <a:ea typeface="DengXian" panose="02010600030101010101" pitchFamily="2" charset="-122"/>
+                <a:cs typeface="Times New Roman" panose="02020603050405020304" pitchFamily="18" charset="0"/>
+              </a:rPr>
+              <a:t>menggunakan</a:t>
+            </a:r>
+            <a:r>
+              <a:rPr lang="en-US" sz="2100" dirty="0">
+                <a:effectLst/>
+                <a:latin typeface="Calibri (Body)"/>
+                <a:ea typeface="DengXian" panose="02010600030101010101" pitchFamily="2" charset="-122"/>
+                <a:cs typeface="Times New Roman" panose="02020603050405020304" pitchFamily="18" charset="0"/>
+              </a:rPr>
+              <a:t> Bahasa </a:t>
+            </a:r>
+            <a:r>
+              <a:rPr lang="en-US" sz="2100" dirty="0" err="1">
+                <a:effectLst/>
+                <a:latin typeface="Calibri (Body)"/>
+                <a:ea typeface="DengXian" panose="02010600030101010101" pitchFamily="2" charset="-122"/>
+                <a:cs typeface="Times New Roman" panose="02020603050405020304" pitchFamily="18" charset="0"/>
+              </a:rPr>
+              <a:t>pemrograman</a:t>
+            </a:r>
+            <a:r>
+              <a:rPr lang="en-US" sz="2100" dirty="0">
+                <a:effectLst/>
+                <a:latin typeface="Calibri (Body)"/>
+                <a:ea typeface="DengXian" panose="02010600030101010101" pitchFamily="2" charset="-122"/>
+                <a:cs typeface="Times New Roman" panose="02020603050405020304" pitchFamily="18" charset="0"/>
+              </a:rPr>
+              <a:t> java dan </a:t>
+            </a:r>
+            <a:r>
+              <a:rPr lang="en-US" sz="2100" dirty="0" err="1">
+                <a:effectLst/>
+                <a:latin typeface="Calibri (Body)"/>
+                <a:ea typeface="DengXian" panose="02010600030101010101" pitchFamily="2" charset="-122"/>
+                <a:cs typeface="Times New Roman" panose="02020603050405020304" pitchFamily="18" charset="0"/>
+              </a:rPr>
+              <a:t>dibuat</a:t>
+            </a:r>
+            <a:r>
+              <a:rPr lang="en-US" sz="2100" dirty="0">
+                <a:effectLst/>
+                <a:latin typeface="Calibri (Body)"/>
+                <a:ea typeface="DengXian" panose="02010600030101010101" pitchFamily="2" charset="-122"/>
+                <a:cs typeface="Times New Roman" panose="02020603050405020304" pitchFamily="18" charset="0"/>
+              </a:rPr>
+              <a:t> </a:t>
+            </a:r>
+            <a:r>
+              <a:rPr lang="en-US" sz="2100" dirty="0" err="1">
+                <a:effectLst/>
+                <a:latin typeface="Calibri (Body)"/>
+                <a:ea typeface="DengXian" panose="02010600030101010101" pitchFamily="2" charset="-122"/>
+                <a:cs typeface="Times New Roman" panose="02020603050405020304" pitchFamily="18" charset="0"/>
+              </a:rPr>
+              <a:t>untuk</a:t>
+            </a:r>
+            <a:r>
+              <a:rPr lang="en-US" sz="2100" dirty="0">
+                <a:effectLst/>
+                <a:latin typeface="Calibri (Body)"/>
+                <a:ea typeface="DengXian" panose="02010600030101010101" pitchFamily="2" charset="-122"/>
+                <a:cs typeface="Times New Roman" panose="02020603050405020304" pitchFamily="18" charset="0"/>
+              </a:rPr>
+              <a:t> OS Android.</a:t>
+            </a:r>
+            <a:endParaRPr lang="id-ID" sz="2100" dirty="0">
+              <a:effectLst/>
+              <a:latin typeface="Calibri (Body)"/>
+              <a:ea typeface="DengXian" panose="02010600030101010101" pitchFamily="2" charset="-122"/>
+              <a:cs typeface="Times New Roman" panose="02020603050405020304" pitchFamily="18" charset="0"/>
+            </a:endParaRPr>
           </a:p>
           <a:p>
             <a:pPr marL="457200" lvl="1" indent="0">
               <a:buNone/>
             </a:pPr>
             <a:r>
-              <a:rPr lang="en-US" dirty="0" err="1"/>
-              <a:t>Aplikasi</a:t>
-            </a:r>
-            <a:r>
-              <a:rPr lang="en-US" dirty="0"/>
-              <a:t> Board Game Catalog </a:t>
-            </a:r>
-            <a:r>
-              <a:rPr lang="en-US" dirty="0" err="1"/>
-              <a:t>adalah</a:t>
-            </a:r>
-            <a:r>
-              <a:rPr lang="en-US" dirty="0"/>
-              <a:t> </a:t>
-            </a:r>
-            <a:r>
-              <a:rPr lang="en-US" dirty="0" err="1"/>
-              <a:t>aplikasi</a:t>
-            </a:r>
-            <a:r>
-              <a:rPr lang="en-US" dirty="0"/>
-              <a:t> yang </a:t>
-            </a:r>
-            <a:r>
-              <a:rPr lang="en-US" dirty="0" err="1"/>
-              <a:t>digunakan</a:t>
-            </a:r>
-            <a:r>
-              <a:rPr lang="en-US" dirty="0"/>
-              <a:t> </a:t>
-            </a:r>
-            <a:r>
-              <a:rPr lang="en-US" dirty="0" err="1"/>
-              <a:t>untuk</a:t>
-            </a:r>
-            <a:r>
-              <a:rPr lang="en-US" dirty="0"/>
-              <a:t> </a:t>
-            </a:r>
-            <a:r>
-              <a:rPr lang="en-US" dirty="0" err="1"/>
-              <a:t>mendata</a:t>
-            </a:r>
-            <a:r>
-              <a:rPr lang="en-US" dirty="0"/>
-              <a:t> history </a:t>
-            </a:r>
-            <a:r>
-              <a:rPr lang="en-US" dirty="0" err="1"/>
-              <a:t>dari</a:t>
-            </a:r>
-            <a:r>
-              <a:rPr lang="en-US" dirty="0"/>
-              <a:t> </a:t>
-            </a:r>
-            <a:r>
-              <a:rPr lang="en-US" dirty="0" err="1"/>
-              <a:t>permainan</a:t>
-            </a:r>
-            <a:r>
-              <a:rPr lang="en-US" dirty="0"/>
-              <a:t> board game yang </a:t>
-            </a:r>
-            <a:r>
-              <a:rPr lang="en-US" dirty="0" err="1"/>
-              <a:t>dilakukan</a:t>
-            </a:r>
-            <a:r>
-              <a:rPr lang="en-US" dirty="0"/>
-              <a:t> user </a:t>
-            </a:r>
-            <a:r>
-              <a:rPr lang="en-US" dirty="0" err="1"/>
-              <a:t>berdasarkan</a:t>
-            </a:r>
-            <a:r>
-              <a:rPr lang="en-US" dirty="0"/>
-              <a:t> game yang </a:t>
-            </a:r>
-            <a:r>
-              <a:rPr lang="en-US" dirty="0" err="1"/>
-              <a:t>telah</a:t>
-            </a:r>
-            <a:r>
-              <a:rPr lang="en-US" dirty="0"/>
-              <a:t> </a:t>
-            </a:r>
-            <a:r>
-              <a:rPr lang="en-US" dirty="0" err="1"/>
-              <a:t>ditentukan</a:t>
-            </a:r>
-            <a:r>
-              <a:rPr lang="en-US" dirty="0"/>
-              <a:t> oleh admin. </a:t>
-            </a:r>
-            <a:r>
-              <a:rPr lang="en-US" dirty="0" err="1"/>
-              <a:t>Aplikasi</a:t>
-            </a:r>
-            <a:r>
-              <a:rPr lang="en-US" dirty="0"/>
-              <a:t> </a:t>
-            </a:r>
-            <a:r>
-              <a:rPr lang="en-US" dirty="0" err="1"/>
-              <a:t>ini</a:t>
-            </a:r>
-            <a:r>
-              <a:rPr lang="en-US" dirty="0"/>
-              <a:t> </a:t>
-            </a:r>
-            <a:r>
-              <a:rPr lang="en-US" dirty="0" err="1"/>
-              <a:t>dapat</a:t>
-            </a:r>
-            <a:r>
-              <a:rPr lang="en-US" dirty="0"/>
-              <a:t> </a:t>
-            </a:r>
-            <a:r>
-              <a:rPr lang="en-US" dirty="0" err="1"/>
-              <a:t>mendata</a:t>
-            </a:r>
-            <a:r>
-              <a:rPr lang="en-US" dirty="0"/>
-              <a:t> leaderboard </a:t>
-            </a:r>
-            <a:r>
-              <a:rPr lang="en-US" dirty="0" err="1"/>
-              <a:t>berdasarkan</a:t>
-            </a:r>
-            <a:r>
-              <a:rPr lang="en-US" dirty="0"/>
-              <a:t> data yang </a:t>
-            </a:r>
-            <a:r>
-              <a:rPr lang="en-US" dirty="0" err="1"/>
-              <a:t>telah</a:t>
-            </a:r>
-            <a:r>
-              <a:rPr lang="en-US" dirty="0"/>
-              <a:t> </a:t>
-            </a:r>
-            <a:r>
-              <a:rPr lang="en-US" dirty="0" err="1"/>
-              <a:t>diberikan</a:t>
-            </a:r>
-            <a:r>
-              <a:rPr lang="en-US" dirty="0"/>
-              <a:t> </a:t>
-            </a:r>
-            <a:r>
-              <a:rPr lang="en-US" dirty="0" err="1"/>
-              <a:t>kepada</a:t>
-            </a:r>
-            <a:r>
-              <a:rPr lang="en-US" dirty="0"/>
-              <a:t> user. </a:t>
-            </a:r>
-            <a:r>
-              <a:rPr lang="en-US" dirty="0" err="1"/>
-              <a:t>Aplikasi</a:t>
-            </a:r>
-            <a:r>
-              <a:rPr lang="en-US" dirty="0"/>
-              <a:t> </a:t>
-            </a:r>
-            <a:r>
-              <a:rPr lang="en-US" dirty="0" err="1"/>
-              <a:t>ini</a:t>
-            </a:r>
-            <a:r>
-              <a:rPr lang="en-US" dirty="0"/>
-              <a:t> </a:t>
-            </a:r>
-            <a:r>
-              <a:rPr lang="en-US" dirty="0" err="1"/>
-              <a:t>dibuat</a:t>
-            </a:r>
-            <a:r>
-              <a:rPr lang="en-US" dirty="0"/>
-              <a:t> </a:t>
-            </a:r>
-            <a:r>
-              <a:rPr lang="en-US" dirty="0" err="1"/>
-              <a:t>dengan</a:t>
-            </a:r>
-            <a:r>
-              <a:rPr lang="en-US" dirty="0"/>
-              <a:t> </a:t>
-            </a:r>
-            <a:r>
-              <a:rPr lang="en-US" dirty="0" err="1"/>
-              <a:t>menggunakan</a:t>
-            </a:r>
-            <a:r>
-              <a:rPr lang="en-US" dirty="0"/>
-              <a:t> Bahasa </a:t>
-            </a:r>
-            <a:r>
-              <a:rPr lang="en-US" dirty="0" err="1"/>
-              <a:t>pemrograman</a:t>
-            </a:r>
-            <a:r>
-              <a:rPr lang="en-US" dirty="0"/>
-              <a:t> java dan </a:t>
-            </a:r>
-            <a:r>
-              <a:rPr lang="en-US" dirty="0" err="1"/>
-              <a:t>dibuat</a:t>
-            </a:r>
-            <a:r>
-              <a:rPr lang="en-US" dirty="0"/>
-              <a:t> </a:t>
-            </a:r>
-            <a:r>
-              <a:rPr lang="en-US" dirty="0" err="1"/>
-              <a:t>untuk</a:t>
-            </a:r>
-            <a:r>
-              <a:rPr lang="en-US" dirty="0"/>
-              <a:t> OS Android.</a:t>
-            </a:r>
-            <a:r>
-              <a:rPr lang="id-ID" b="1" dirty="0"/>
-              <a:t>	</a:t>
-            </a:r>
-          </a:p>
-          <a:p>
-            <a:pPr marL="457200" lvl="1" indent="0">
-              <a:buNone/>
-            </a:pPr>
-            <a:r>
               <a:rPr lang="en-US" b="1" dirty="0" err="1"/>
-              <a:t>Deskkripsi</a:t>
+              <a:t>Deskripsi</a:t>
             </a:r>
             <a:r>
               <a:rPr lang="en-US" b="1" dirty="0"/>
@@ -4859,7 +6864,27 @@
           <a:p>
             <a:r>
               <a:rPr lang="id-ID" dirty="0"/>
-              <a:t>Project Management Tools</a:t>
+              <a:t>Project </a:t>
+            </a:r>
+            <a:r>
+              <a:rPr lang="id-ID" dirty="0" err="1"/>
+              <a:t>Management</a:t>
+            </a:r>
+            <a:r>
+              <a:rPr lang="id-ID" dirty="0"/>
+              <a:t> </a:t>
+            </a:r>
+            <a:r>
+              <a:rPr lang="id-ID" dirty="0" err="1"/>
+              <a:t>Tools</a:t>
+            </a:r>
+            <a:r>
+              <a:rPr lang="en-US" dirty="0"/>
+              <a:t> : </a:t>
+            </a:r>
+            <a:r>
+              <a:rPr lang="id-ID" dirty="0" err="1"/>
+              <a:t>Notion</a:t>
             </a:r>
             <a:endParaRPr lang="en-ID" dirty="0"/>
           </a:p>
@@ -4888,16 +6913,299 @@
           </a:xfrm>
         </p:spPr>
         <p:txBody>
-          <a:bodyPr/>
+          <a:bodyPr>
+            <a:normAutofit lnSpcReduction="10000"/>
+          </a:bodyPr>
           <a:lstStyle/>
           <a:p>
-            <a:pPr marL="0" indent="0" algn="ctr">
+            <a:pPr marL="0" indent="0">
               <a:buNone/>
             </a:pPr>
             <a:r>
-              <a:rPr lang="id-ID" dirty="0"/>
-              <a:t>Notion</a:t>
-            </a:r>
+              <a:rPr lang="en-US" sz="1800" dirty="0">
+                <a:effectLst/>
+                <a:latin typeface="Times New Roman" panose="02020603050405020304" pitchFamily="18" charset="0"/>
+                <a:ea typeface="DengXian" panose="02010600030101010101" pitchFamily="2" charset="-122"/>
+                <a:cs typeface="Times New Roman" panose="02020603050405020304" pitchFamily="18" charset="0"/>
+              </a:rPr>
+              <a:t>Tools </a:t>
+            </a:r>
+            <a:r>
+              <a:rPr lang="en-US" sz="1800" dirty="0" err="1">
+                <a:effectLst/>
+                <a:latin typeface="Times New Roman" panose="02020603050405020304" pitchFamily="18" charset="0"/>
+                <a:ea typeface="DengXian" panose="02010600030101010101" pitchFamily="2" charset="-122"/>
+                <a:cs typeface="Times New Roman" panose="02020603050405020304" pitchFamily="18" charset="0"/>
+              </a:rPr>
+              <a:t>ini</a:t>
+            </a:r>
+            <a:r>
+              <a:rPr lang="en-US" sz="1800" dirty="0">
+                <a:effectLst/>
+                <a:latin typeface="Times New Roman" panose="02020603050405020304" pitchFamily="18" charset="0"/>
+                <a:ea typeface="DengXian" panose="02010600030101010101" pitchFamily="2" charset="-122"/>
+                <a:cs typeface="Times New Roman" panose="02020603050405020304" pitchFamily="18" charset="0"/>
+              </a:rPr>
+              <a:t> </a:t>
+            </a:r>
+            <a:r>
+              <a:rPr lang="en-US" sz="1800" dirty="0" err="1">
+                <a:effectLst/>
+                <a:latin typeface="Times New Roman" panose="02020603050405020304" pitchFamily="18" charset="0"/>
+                <a:ea typeface="DengXian" panose="02010600030101010101" pitchFamily="2" charset="-122"/>
+                <a:cs typeface="Times New Roman" panose="02020603050405020304" pitchFamily="18" charset="0"/>
+              </a:rPr>
+              <a:t>dipilih</a:t>
+            </a:r>
+            <a:r>
+              <a:rPr lang="en-US" sz="1800" dirty="0">
+                <a:effectLst/>
+                <a:latin typeface="Times New Roman" panose="02020603050405020304" pitchFamily="18" charset="0"/>
+                <a:ea typeface="DengXian" panose="02010600030101010101" pitchFamily="2" charset="-122"/>
+                <a:cs typeface="Times New Roman" panose="02020603050405020304" pitchFamily="18" charset="0"/>
+              </a:rPr>
+              <a:t> </a:t>
+            </a:r>
+            <a:r>
+              <a:rPr lang="en-US" sz="1800" dirty="0" err="1">
+                <a:effectLst/>
+                <a:latin typeface="Times New Roman" panose="02020603050405020304" pitchFamily="18" charset="0"/>
+                <a:ea typeface="DengXian" panose="02010600030101010101" pitchFamily="2" charset="-122"/>
+                <a:cs typeface="Times New Roman" panose="02020603050405020304" pitchFamily="18" charset="0"/>
+              </a:rPr>
+              <a:t>karena</a:t>
+            </a:r>
+            <a:r>
+              <a:rPr lang="en-US" sz="1800" dirty="0">
+                <a:effectLst/>
+                <a:latin typeface="Times New Roman" panose="02020603050405020304" pitchFamily="18" charset="0"/>
+                <a:ea typeface="DengXian" panose="02010600030101010101" pitchFamily="2" charset="-122"/>
+                <a:cs typeface="Times New Roman" panose="02020603050405020304" pitchFamily="18" charset="0"/>
+              </a:rPr>
+              <a:t> </a:t>
+            </a:r>
+            <a:r>
+              <a:rPr lang="en-US" sz="1800" dirty="0" err="1">
+                <a:effectLst/>
+                <a:latin typeface="Times New Roman" panose="02020603050405020304" pitchFamily="18" charset="0"/>
+                <a:ea typeface="DengXian" panose="02010600030101010101" pitchFamily="2" charset="-122"/>
+                <a:cs typeface="Times New Roman" panose="02020603050405020304" pitchFamily="18" charset="0"/>
+              </a:rPr>
+              <a:t>kemudahan</a:t>
+            </a:r>
+            <a:r>
+              <a:rPr lang="en-US" sz="1800" dirty="0">
+                <a:effectLst/>
+                <a:latin typeface="Times New Roman" panose="02020603050405020304" pitchFamily="18" charset="0"/>
+                <a:ea typeface="DengXian" panose="02010600030101010101" pitchFamily="2" charset="-122"/>
+                <a:cs typeface="Times New Roman" panose="02020603050405020304" pitchFamily="18" charset="0"/>
+              </a:rPr>
+              <a:t> </a:t>
+            </a:r>
+            <a:r>
+              <a:rPr lang="en-US" sz="1800" dirty="0" err="1">
+                <a:effectLst/>
+                <a:latin typeface="Times New Roman" panose="02020603050405020304" pitchFamily="18" charset="0"/>
+                <a:ea typeface="DengXian" panose="02010600030101010101" pitchFamily="2" charset="-122"/>
+                <a:cs typeface="Times New Roman" panose="02020603050405020304" pitchFamily="18" charset="0"/>
+              </a:rPr>
+              <a:t>penggunaan</a:t>
+            </a:r>
+            <a:r>
+              <a:rPr lang="en-US" sz="1800" dirty="0">
+                <a:effectLst/>
+                <a:latin typeface="Times New Roman" panose="02020603050405020304" pitchFamily="18" charset="0"/>
+                <a:ea typeface="DengXian" panose="02010600030101010101" pitchFamily="2" charset="-122"/>
+                <a:cs typeface="Times New Roman" panose="02020603050405020304" pitchFamily="18" charset="0"/>
+              </a:rPr>
+              <a:t> </a:t>
+            </a:r>
+            <a:r>
+              <a:rPr lang="en-US" sz="1800" dirty="0" err="1">
+                <a:effectLst/>
+                <a:latin typeface="Times New Roman" panose="02020603050405020304" pitchFamily="18" charset="0"/>
+                <a:ea typeface="DengXian" panose="02010600030101010101" pitchFamily="2" charset="-122"/>
+                <a:cs typeface="Times New Roman" panose="02020603050405020304" pitchFamily="18" charset="0"/>
+              </a:rPr>
+              <a:t>bagi</a:t>
+            </a:r>
+            <a:r>
+              <a:rPr lang="en-US" sz="1800" dirty="0">
+                <a:effectLst/>
+                <a:latin typeface="Times New Roman" panose="02020603050405020304" pitchFamily="18" charset="0"/>
+                <a:ea typeface="DengXian" panose="02010600030101010101" pitchFamily="2" charset="-122"/>
+                <a:cs typeface="Times New Roman" panose="02020603050405020304" pitchFamily="18" charset="0"/>
+              </a:rPr>
+              <a:t> user. Tools </a:t>
+            </a:r>
+            <a:r>
+              <a:rPr lang="en-US" sz="1800" dirty="0" err="1">
+                <a:effectLst/>
+                <a:latin typeface="Times New Roman" panose="02020603050405020304" pitchFamily="18" charset="0"/>
+                <a:ea typeface="DengXian" panose="02010600030101010101" pitchFamily="2" charset="-122"/>
+                <a:cs typeface="Times New Roman" panose="02020603050405020304" pitchFamily="18" charset="0"/>
+              </a:rPr>
+              <a:t>ini</a:t>
+            </a:r>
+            <a:r>
+              <a:rPr lang="en-US" sz="1800" dirty="0">
+                <a:effectLst/>
+                <a:latin typeface="Times New Roman" panose="02020603050405020304" pitchFamily="18" charset="0"/>
+                <a:ea typeface="DengXian" panose="02010600030101010101" pitchFamily="2" charset="-122"/>
+                <a:cs typeface="Times New Roman" panose="02020603050405020304" pitchFamily="18" charset="0"/>
+              </a:rPr>
+              <a:t> juga </a:t>
+            </a:r>
+            <a:r>
+              <a:rPr lang="en-US" sz="1800" dirty="0" err="1">
+                <a:effectLst/>
+                <a:latin typeface="Times New Roman" panose="02020603050405020304" pitchFamily="18" charset="0"/>
+                <a:ea typeface="DengXian" panose="02010600030101010101" pitchFamily="2" charset="-122"/>
+                <a:cs typeface="Times New Roman" panose="02020603050405020304" pitchFamily="18" charset="0"/>
+              </a:rPr>
+              <a:t>dapat</a:t>
+            </a:r>
+            <a:r>
+              <a:rPr lang="en-US" sz="1800" dirty="0">
+                <a:effectLst/>
+                <a:latin typeface="Times New Roman" panose="02020603050405020304" pitchFamily="18" charset="0"/>
+                <a:ea typeface="DengXian" panose="02010600030101010101" pitchFamily="2" charset="-122"/>
+                <a:cs typeface="Times New Roman" panose="02020603050405020304" pitchFamily="18" charset="0"/>
+              </a:rPr>
+              <a:t> </a:t>
+            </a:r>
+            <a:r>
+              <a:rPr lang="en-US" sz="1800" dirty="0" err="1">
+                <a:effectLst/>
+                <a:latin typeface="Times New Roman" panose="02020603050405020304" pitchFamily="18" charset="0"/>
+                <a:ea typeface="DengXian" panose="02010600030101010101" pitchFamily="2" charset="-122"/>
+                <a:cs typeface="Times New Roman" panose="02020603050405020304" pitchFamily="18" charset="0"/>
+              </a:rPr>
+              <a:t>diinstall</a:t>
+            </a:r>
+            <a:r>
+              <a:rPr lang="en-US" sz="1800" dirty="0">
+                <a:effectLst/>
+                <a:latin typeface="Times New Roman" panose="02020603050405020304" pitchFamily="18" charset="0"/>
+                <a:ea typeface="DengXian" panose="02010600030101010101" pitchFamily="2" charset="-122"/>
+                <a:cs typeface="Times New Roman" panose="02020603050405020304" pitchFamily="18" charset="0"/>
+              </a:rPr>
+              <a:t> di android, </a:t>
+            </a:r>
+            <a:r>
+              <a:rPr lang="en-US" sz="1800" dirty="0" err="1">
+                <a:effectLst/>
+                <a:latin typeface="Times New Roman" panose="02020603050405020304" pitchFamily="18" charset="0"/>
+                <a:ea typeface="DengXian" panose="02010600030101010101" pitchFamily="2" charset="-122"/>
+                <a:cs typeface="Times New Roman" panose="02020603050405020304" pitchFamily="18" charset="0"/>
+              </a:rPr>
+              <a:t>sehingga</a:t>
+            </a:r>
+            <a:r>
+              <a:rPr lang="en-US" sz="1800" dirty="0">
+                <a:effectLst/>
+                <a:latin typeface="Times New Roman" panose="02020603050405020304" pitchFamily="18" charset="0"/>
+                <a:ea typeface="DengXian" panose="02010600030101010101" pitchFamily="2" charset="-122"/>
+                <a:cs typeface="Times New Roman" panose="02020603050405020304" pitchFamily="18" charset="0"/>
+              </a:rPr>
+              <a:t> </a:t>
+            </a:r>
+            <a:r>
+              <a:rPr lang="en-US" sz="1800" dirty="0" err="1">
+                <a:effectLst/>
+                <a:latin typeface="Times New Roman" panose="02020603050405020304" pitchFamily="18" charset="0"/>
+                <a:ea typeface="DengXian" panose="02010600030101010101" pitchFamily="2" charset="-122"/>
+                <a:cs typeface="Times New Roman" panose="02020603050405020304" pitchFamily="18" charset="0"/>
+              </a:rPr>
+              <a:t>memudahkan</a:t>
+            </a:r>
+            <a:r>
+              <a:rPr lang="en-US" sz="1800" dirty="0">
+                <a:effectLst/>
+                <a:latin typeface="Times New Roman" panose="02020603050405020304" pitchFamily="18" charset="0"/>
+                <a:ea typeface="DengXian" panose="02010600030101010101" pitchFamily="2" charset="-122"/>
+                <a:cs typeface="Times New Roman" panose="02020603050405020304" pitchFamily="18" charset="0"/>
+              </a:rPr>
+              <a:t> </a:t>
+            </a:r>
+            <a:r>
+              <a:rPr lang="en-US" sz="1800" dirty="0" err="1">
+                <a:effectLst/>
+                <a:latin typeface="Times New Roman" panose="02020603050405020304" pitchFamily="18" charset="0"/>
+                <a:ea typeface="DengXian" panose="02010600030101010101" pitchFamily="2" charset="-122"/>
+                <a:cs typeface="Times New Roman" panose="02020603050405020304" pitchFamily="18" charset="0"/>
+              </a:rPr>
+              <a:t>pengguna</a:t>
+            </a:r>
+            <a:r>
+              <a:rPr lang="en-US" sz="1800" dirty="0">
+                <a:effectLst/>
+                <a:latin typeface="Times New Roman" panose="02020603050405020304" pitchFamily="18" charset="0"/>
+                <a:ea typeface="DengXian" panose="02010600030101010101" pitchFamily="2" charset="-122"/>
+                <a:cs typeface="Times New Roman" panose="02020603050405020304" pitchFamily="18" charset="0"/>
+              </a:rPr>
+              <a:t> </a:t>
+            </a:r>
+            <a:r>
+              <a:rPr lang="en-US" sz="1800" dirty="0" err="1">
+                <a:effectLst/>
+                <a:latin typeface="Times New Roman" panose="02020603050405020304" pitchFamily="18" charset="0"/>
+                <a:ea typeface="DengXian" panose="02010600030101010101" pitchFamily="2" charset="-122"/>
+                <a:cs typeface="Times New Roman" panose="02020603050405020304" pitchFamily="18" charset="0"/>
+              </a:rPr>
+              <a:t>dalam</a:t>
+            </a:r>
+            <a:r>
+              <a:rPr lang="en-US" sz="1800" dirty="0">
+                <a:effectLst/>
+                <a:latin typeface="Times New Roman" panose="02020603050405020304" pitchFamily="18" charset="0"/>
+                <a:ea typeface="DengXian" panose="02010600030101010101" pitchFamily="2" charset="-122"/>
+                <a:cs typeface="Times New Roman" panose="02020603050405020304" pitchFamily="18" charset="0"/>
+              </a:rPr>
+              <a:t> </a:t>
+            </a:r>
+            <a:r>
+              <a:rPr lang="en-US" sz="1800" dirty="0" err="1">
+                <a:effectLst/>
+                <a:latin typeface="Times New Roman" panose="02020603050405020304" pitchFamily="18" charset="0"/>
+                <a:ea typeface="DengXian" panose="02010600030101010101" pitchFamily="2" charset="-122"/>
+                <a:cs typeface="Times New Roman" panose="02020603050405020304" pitchFamily="18" charset="0"/>
+              </a:rPr>
+              <a:t>melihat</a:t>
+            </a:r>
+            <a:r>
+              <a:rPr lang="en-US" sz="1800" dirty="0">
+                <a:effectLst/>
+                <a:latin typeface="Times New Roman" panose="02020603050405020304" pitchFamily="18" charset="0"/>
+                <a:ea typeface="DengXian" panose="02010600030101010101" pitchFamily="2" charset="-122"/>
+                <a:cs typeface="Times New Roman" panose="02020603050405020304" pitchFamily="18" charset="0"/>
+              </a:rPr>
+              <a:t> progress dan </a:t>
+            </a:r>
+            <a:r>
+              <a:rPr lang="en-US" sz="1800" dirty="0" err="1">
+                <a:effectLst/>
+                <a:latin typeface="Times New Roman" panose="02020603050405020304" pitchFamily="18" charset="0"/>
+                <a:ea typeface="DengXian" panose="02010600030101010101" pitchFamily="2" charset="-122"/>
+                <a:cs typeface="Times New Roman" panose="02020603050405020304" pitchFamily="18" charset="0"/>
+              </a:rPr>
+              <a:t>mengupdatenya</a:t>
+            </a:r>
+            <a:r>
+              <a:rPr lang="en-US" sz="1800" dirty="0">
+                <a:effectLst/>
+                <a:latin typeface="Times New Roman" panose="02020603050405020304" pitchFamily="18" charset="0"/>
+                <a:ea typeface="DengXian" panose="02010600030101010101" pitchFamily="2" charset="-122"/>
+                <a:cs typeface="Times New Roman" panose="02020603050405020304" pitchFamily="18" charset="0"/>
+              </a:rPr>
+              <a:t>.</a:t>
+            </a:r>
+            <a:endParaRPr lang="id-ID" sz="1800" dirty="0">
+              <a:effectLst/>
+              <a:latin typeface="Times New Roman" panose="02020603050405020304" pitchFamily="18" charset="0"/>
+              <a:ea typeface="DengXian" panose="02010600030101010101" pitchFamily="2" charset="-122"/>
+              <a:cs typeface="Times New Roman" panose="02020603050405020304" pitchFamily="18" charset="0"/>
+            </a:endParaRPr>
           </a:p>
           <a:p>
             <a:pPr marL="0" indent="0">
@@ -4933,8 +7241,8 @@
         </p:blipFill>
         <p:spPr>
           <a:xfrm>
-            <a:off x="1494971" y="2011362"/>
-            <a:ext cx="9405257" cy="4481513"/>
+            <a:off x="1494971" y="2091872"/>
+            <a:ext cx="9405257" cy="4401003"/>
           </a:xfrm>
           <a:prstGeom prst="rect">
             <a:avLst/>
@@ -4976,7 +7284,7 @@
           <p:cNvPr id="2" name="Title 1">
             <a:extLst>
               <a:ext uri="{FF2B5EF4-FFF2-40B4-BE49-F238E27FC236}">
-                <a16:creationId xmlns:a16="http://schemas.microsoft.com/office/drawing/2014/main" id="{0E8755E2-1B2C-4A56-AE48-B76DD6D13845}"/>
+                <a16:creationId xmlns:a16="http://schemas.microsoft.com/office/drawing/2014/main" id="{455292C5-3699-4130-80A6-E328D765CBC4}"/>
               </a:ext>
             </a:extLst>
           </p:cNvPr>
@@ -4987,10 +7295,41 @@
             <p:ph type="title"/>
           </p:nvPr>
         </p:nvSpPr>
+        <p:spPr/>
+        <p:txBody>
+          <a:bodyPr>
+            <a:normAutofit/>
+          </a:bodyPr>
+          <a:lstStyle/>
+          <a:p>
+            <a:r>
+              <a:rPr lang="en-US" dirty="0"/>
+              <a:t>Diagram : Draw.io</a:t>
+            </a:r>
+            <a:endParaRPr lang="id-ID" dirty="0"/>
+          </a:p>
+        </p:txBody>
+      </p:sp>
+      <p:sp>
+        <p:nvSpPr>
+          <p:cNvPr id="6" name="Content Placeholder 5">
+            <a:extLst>
+              <a:ext uri="{FF2B5EF4-FFF2-40B4-BE49-F238E27FC236}">
+                <a16:creationId xmlns:a16="http://schemas.microsoft.com/office/drawing/2014/main" id="{DC4E54E9-C4DE-4CD7-99EB-F29C49456BB6}"/>
+              </a:ext>
+            </a:extLst>
+          </p:cNvPr>
+          <p:cNvSpPr>
+            <a:spLocks noGrp="1"/>
+          </p:cNvSpPr>
+          <p:nvPr>
+            <p:ph idx="1"/>
+          </p:nvPr>
+        </p:nvSpPr>
         <p:spPr>
           <a:xfrm>
-            <a:off x="838200" y="365125"/>
-            <a:ext cx="10515600" cy="839561"/>
+            <a:off x="838200" y="1825625"/>
+            <a:ext cx="10515600" cy="402670"/>
           </a:xfrm>
         </p:spPr>
         <p:txBody>
@@ -4998,19 +7337,224 @@
           <a:lstStyle/>
           <a:p>
             <a:r>
-              <a:rPr lang="id-ID" dirty="0"/>
-              <a:t>Wireframe</a:t>
-            </a:r>
-            <a:endParaRPr lang="en-ID" dirty="0"/>
+              <a:rPr lang="en-US" sz="1800" dirty="0" err="1">
+                <a:effectLst/>
+                <a:latin typeface="Times New Roman" panose="02020603050405020304" pitchFamily="18" charset="0"/>
+                <a:ea typeface="DengXian" panose="02010600030101010101" pitchFamily="2" charset="-122"/>
+                <a:cs typeface="Times New Roman" panose="02020603050405020304" pitchFamily="18" charset="0"/>
+              </a:rPr>
+              <a:t>Aplikasi</a:t>
+            </a:r>
+            <a:r>
+              <a:rPr lang="en-US" sz="1800" dirty="0">
+                <a:effectLst/>
+                <a:latin typeface="Times New Roman" panose="02020603050405020304" pitchFamily="18" charset="0"/>
+                <a:ea typeface="DengXian" panose="02010600030101010101" pitchFamily="2" charset="-122"/>
+                <a:cs typeface="Times New Roman" panose="02020603050405020304" pitchFamily="18" charset="0"/>
+              </a:rPr>
+              <a:t> </a:t>
+            </a:r>
+            <a:r>
+              <a:rPr lang="en-US" sz="1800" dirty="0" err="1">
+                <a:effectLst/>
+                <a:latin typeface="Times New Roman" panose="02020603050405020304" pitchFamily="18" charset="0"/>
+                <a:ea typeface="DengXian" panose="02010600030101010101" pitchFamily="2" charset="-122"/>
+                <a:cs typeface="Times New Roman" panose="02020603050405020304" pitchFamily="18" charset="0"/>
+              </a:rPr>
+              <a:t>ini</a:t>
+            </a:r>
+            <a:r>
+              <a:rPr lang="en-US" sz="1800" dirty="0">
+                <a:effectLst/>
+                <a:latin typeface="Times New Roman" panose="02020603050405020304" pitchFamily="18" charset="0"/>
+                <a:ea typeface="DengXian" panose="02010600030101010101" pitchFamily="2" charset="-122"/>
+                <a:cs typeface="Times New Roman" panose="02020603050405020304" pitchFamily="18" charset="0"/>
+              </a:rPr>
+              <a:t> </a:t>
+            </a:r>
+            <a:r>
+              <a:rPr lang="en-US" sz="1800" dirty="0" err="1">
+                <a:effectLst/>
+                <a:latin typeface="Times New Roman" panose="02020603050405020304" pitchFamily="18" charset="0"/>
+                <a:ea typeface="DengXian" panose="02010600030101010101" pitchFamily="2" charset="-122"/>
+                <a:cs typeface="Times New Roman" panose="02020603050405020304" pitchFamily="18" charset="0"/>
+              </a:rPr>
+              <a:t>dipilih</a:t>
+            </a:r>
+            <a:r>
+              <a:rPr lang="en-US" sz="1800" dirty="0">
+                <a:effectLst/>
+                <a:latin typeface="Times New Roman" panose="02020603050405020304" pitchFamily="18" charset="0"/>
+                <a:ea typeface="DengXian" panose="02010600030101010101" pitchFamily="2" charset="-122"/>
+                <a:cs typeface="Times New Roman" panose="02020603050405020304" pitchFamily="18" charset="0"/>
+              </a:rPr>
+              <a:t> </a:t>
+            </a:r>
+            <a:r>
+              <a:rPr lang="en-US" sz="1800" dirty="0" err="1">
+                <a:effectLst/>
+                <a:latin typeface="Times New Roman" panose="02020603050405020304" pitchFamily="18" charset="0"/>
+                <a:ea typeface="DengXian" panose="02010600030101010101" pitchFamily="2" charset="-122"/>
+                <a:cs typeface="Times New Roman" panose="02020603050405020304" pitchFamily="18" charset="0"/>
+              </a:rPr>
+              <a:t>karena</a:t>
+            </a:r>
+            <a:r>
+              <a:rPr lang="en-US" sz="1800" dirty="0">
+                <a:effectLst/>
+                <a:latin typeface="Times New Roman" panose="02020603050405020304" pitchFamily="18" charset="0"/>
+                <a:ea typeface="DengXian" panose="02010600030101010101" pitchFamily="2" charset="-122"/>
+                <a:cs typeface="Times New Roman" panose="02020603050405020304" pitchFamily="18" charset="0"/>
+              </a:rPr>
+              <a:t> </a:t>
+            </a:r>
+            <a:r>
+              <a:rPr lang="en-US" sz="1800" dirty="0" err="1">
+                <a:effectLst/>
+                <a:latin typeface="Times New Roman" panose="02020603050405020304" pitchFamily="18" charset="0"/>
+                <a:ea typeface="DengXian" panose="02010600030101010101" pitchFamily="2" charset="-122"/>
+                <a:cs typeface="Times New Roman" panose="02020603050405020304" pitchFamily="18" charset="0"/>
+              </a:rPr>
+              <a:t>mudah</a:t>
+            </a:r>
+            <a:r>
+              <a:rPr lang="en-US" sz="1800" dirty="0">
+                <a:effectLst/>
+                <a:latin typeface="Times New Roman" panose="02020603050405020304" pitchFamily="18" charset="0"/>
+                <a:ea typeface="DengXian" panose="02010600030101010101" pitchFamily="2" charset="-122"/>
+                <a:cs typeface="Times New Roman" panose="02020603050405020304" pitchFamily="18" charset="0"/>
+              </a:rPr>
+              <a:t> </a:t>
+            </a:r>
+            <a:r>
+              <a:rPr lang="en-US" sz="1800" dirty="0" err="1">
+                <a:effectLst/>
+                <a:latin typeface="Times New Roman" panose="02020603050405020304" pitchFamily="18" charset="0"/>
+                <a:ea typeface="DengXian" panose="02010600030101010101" pitchFamily="2" charset="-122"/>
+                <a:cs typeface="Times New Roman" panose="02020603050405020304" pitchFamily="18" charset="0"/>
+              </a:rPr>
+              <a:t>diakses</a:t>
+            </a:r>
+            <a:r>
+              <a:rPr lang="en-US" sz="1800" dirty="0">
+                <a:effectLst/>
+                <a:latin typeface="Times New Roman" panose="02020603050405020304" pitchFamily="18" charset="0"/>
+                <a:ea typeface="DengXian" panose="02010600030101010101" pitchFamily="2" charset="-122"/>
+                <a:cs typeface="Times New Roman" panose="02020603050405020304" pitchFamily="18" charset="0"/>
+              </a:rPr>
+              <a:t> dan </a:t>
+            </a:r>
+            <a:r>
+              <a:rPr lang="en-US" sz="1800" dirty="0" err="1">
+                <a:effectLst/>
+                <a:latin typeface="Times New Roman" panose="02020603050405020304" pitchFamily="18" charset="0"/>
+                <a:ea typeface="DengXian" panose="02010600030101010101" pitchFamily="2" charset="-122"/>
+                <a:cs typeface="Times New Roman" panose="02020603050405020304" pitchFamily="18" charset="0"/>
+              </a:rPr>
+              <a:t>memiliki</a:t>
+            </a:r>
+            <a:r>
+              <a:rPr lang="en-US" sz="1800" dirty="0">
+                <a:effectLst/>
+                <a:latin typeface="Times New Roman" panose="02020603050405020304" pitchFamily="18" charset="0"/>
+                <a:ea typeface="DengXian" panose="02010600030101010101" pitchFamily="2" charset="-122"/>
+                <a:cs typeface="Times New Roman" panose="02020603050405020304" pitchFamily="18" charset="0"/>
+              </a:rPr>
+              <a:t> </a:t>
+            </a:r>
+            <a:r>
+              <a:rPr lang="en-US" sz="1800" dirty="0" err="1">
+                <a:effectLst/>
+                <a:latin typeface="Times New Roman" panose="02020603050405020304" pitchFamily="18" charset="0"/>
+                <a:ea typeface="DengXian" panose="02010600030101010101" pitchFamily="2" charset="-122"/>
+                <a:cs typeface="Times New Roman" panose="02020603050405020304" pitchFamily="18" charset="0"/>
+              </a:rPr>
+              <a:t>banyak</a:t>
+            </a:r>
+            <a:r>
+              <a:rPr lang="en-US" sz="1800" dirty="0">
+                <a:effectLst/>
+                <a:latin typeface="Times New Roman" panose="02020603050405020304" pitchFamily="18" charset="0"/>
+                <a:ea typeface="DengXian" panose="02010600030101010101" pitchFamily="2" charset="-122"/>
+                <a:cs typeface="Times New Roman" panose="02020603050405020304" pitchFamily="18" charset="0"/>
+              </a:rPr>
+              <a:t> </a:t>
+            </a:r>
+            <a:r>
+              <a:rPr lang="en-US" sz="1800" dirty="0" err="1">
+                <a:effectLst/>
+                <a:latin typeface="Times New Roman" panose="02020603050405020304" pitchFamily="18" charset="0"/>
+                <a:ea typeface="DengXian" panose="02010600030101010101" pitchFamily="2" charset="-122"/>
+                <a:cs typeface="Times New Roman" panose="02020603050405020304" pitchFamily="18" charset="0"/>
+              </a:rPr>
+              <a:t>jenis</a:t>
+            </a:r>
+            <a:r>
+              <a:rPr lang="en-US" sz="1800" dirty="0">
+                <a:effectLst/>
+                <a:latin typeface="Times New Roman" panose="02020603050405020304" pitchFamily="18" charset="0"/>
+                <a:ea typeface="DengXian" panose="02010600030101010101" pitchFamily="2" charset="-122"/>
+                <a:cs typeface="Times New Roman" panose="02020603050405020304" pitchFamily="18" charset="0"/>
+              </a:rPr>
+              <a:t> </a:t>
+            </a:r>
+            <a:r>
+              <a:rPr lang="en-US" sz="1800" dirty="0" err="1">
+                <a:effectLst/>
+                <a:latin typeface="Times New Roman" panose="02020603050405020304" pitchFamily="18" charset="0"/>
+                <a:ea typeface="DengXian" panose="02010600030101010101" pitchFamily="2" charset="-122"/>
+                <a:cs typeface="Times New Roman" panose="02020603050405020304" pitchFamily="18" charset="0"/>
+              </a:rPr>
+              <a:t>uml</a:t>
+            </a:r>
+            <a:r>
+              <a:rPr lang="en-US" sz="1800" dirty="0">
+                <a:effectLst/>
+                <a:latin typeface="Times New Roman" panose="02020603050405020304" pitchFamily="18" charset="0"/>
+                <a:ea typeface="DengXian" panose="02010600030101010101" pitchFamily="2" charset="-122"/>
+                <a:cs typeface="Times New Roman" panose="02020603050405020304" pitchFamily="18" charset="0"/>
+              </a:rPr>
+              <a:t> yang </a:t>
+            </a:r>
+            <a:r>
+              <a:rPr lang="en-US" sz="1800" dirty="0" err="1">
+                <a:effectLst/>
+                <a:latin typeface="Times New Roman" panose="02020603050405020304" pitchFamily="18" charset="0"/>
+                <a:ea typeface="DengXian" panose="02010600030101010101" pitchFamily="2" charset="-122"/>
+                <a:cs typeface="Times New Roman" panose="02020603050405020304" pitchFamily="18" charset="0"/>
+              </a:rPr>
+              <a:t>disediakan</a:t>
+            </a:r>
+            <a:r>
+              <a:rPr lang="en-US" sz="1800" dirty="0">
+                <a:effectLst/>
+                <a:latin typeface="Times New Roman" panose="02020603050405020304" pitchFamily="18" charset="0"/>
+                <a:ea typeface="DengXian" panose="02010600030101010101" pitchFamily="2" charset="-122"/>
+                <a:cs typeface="Times New Roman" panose="02020603050405020304" pitchFamily="18" charset="0"/>
+              </a:rPr>
+              <a:t>.</a:t>
+            </a:r>
+            <a:endParaRPr lang="id-ID" sz="1800" dirty="0">
+              <a:effectLst/>
+              <a:latin typeface="Times New Roman" panose="02020603050405020304" pitchFamily="18" charset="0"/>
+              <a:ea typeface="DengXian" panose="02010600030101010101" pitchFamily="2" charset="-122"/>
+              <a:cs typeface="Times New Roman" panose="02020603050405020304" pitchFamily="18" charset="0"/>
+            </a:endParaRPr>
+          </a:p>
+          <a:p>
+            <a:pPr marL="0" indent="0">
+              <a:buNone/>
+            </a:pPr>
+            <a:endParaRPr lang="id-ID" dirty="0"/>
           </a:p>
         </p:txBody>
       </p:sp>
       <p:pic>
         <p:nvPicPr>
-          <p:cNvPr id="7" name="Content Placeholder 4">
-            <a:extLst>
-              <a:ext uri="{FF2B5EF4-FFF2-40B4-BE49-F238E27FC236}">
-                <a16:creationId xmlns:a16="http://schemas.microsoft.com/office/drawing/2014/main" id="{18BEED84-6110-40DA-822D-9040E274E62D}"/>
+          <p:cNvPr id="9" name="Picture 8">
+            <a:extLst>
+              <a:ext uri="{FF2B5EF4-FFF2-40B4-BE49-F238E27FC236}">
+                <a16:creationId xmlns:a16="http://schemas.microsoft.com/office/drawing/2014/main" id="{3B3CB111-0C89-484F-B7A3-EAA78B0A5929}"/>
               </a:ext>
             </a:extLst>
           </p:cNvPr>
@@ -5033,8 +7577,8 @@
         </p:blipFill>
         <p:spPr>
           <a:xfrm>
-            <a:off x="174171" y="1079336"/>
-            <a:ext cx="11887199" cy="5778664"/>
+            <a:off x="2265285" y="2228295"/>
+            <a:ext cx="7661429" cy="4309554"/>
           </a:xfrm>
           <a:prstGeom prst="rect">
             <a:avLst/>
@@ -5044,7 +7588,7 @@
     </p:spTree>
     <p:extLst>
       <p:ext uri="{BB962C8B-B14F-4D97-AF65-F5344CB8AC3E}">
-        <p14:creationId xmlns:p14="http://schemas.microsoft.com/office/powerpoint/2010/main" val="1017706826"/>
+        <p14:creationId xmlns:p14="http://schemas.microsoft.com/office/powerpoint/2010/main" val="1778832632"/>
       </p:ext>
     </p:extLst>
   </p:cSld>
@@ -5076,7 +7620,107 @@
           <p:cNvPr id="2" name="Title 1">
             <a:extLst>
               <a:ext uri="{FF2B5EF4-FFF2-40B4-BE49-F238E27FC236}">
-                <a16:creationId xmlns:a16="http://schemas.microsoft.com/office/drawing/2014/main" id="{ADC5F6C1-9F73-44BC-8D6D-C90690CC2BEE}"/>
+                <a16:creationId xmlns:a16="http://schemas.microsoft.com/office/drawing/2014/main" id="{0E8755E2-1B2C-4A56-AE48-B76DD6D13845}"/>
+              </a:ext>
+            </a:extLst>
+          </p:cNvPr>
+          <p:cNvSpPr>
+            <a:spLocks noGrp="1"/>
+          </p:cNvSpPr>
+          <p:nvPr>
+            <p:ph type="title"/>
+          </p:nvPr>
+        </p:nvSpPr>
+        <p:spPr>
+          <a:xfrm>
+            <a:off x="838200" y="365125"/>
+            <a:ext cx="10515600" cy="839561"/>
+          </a:xfrm>
+        </p:spPr>
+        <p:txBody>
+          <a:bodyPr/>
+          <a:lstStyle/>
+          <a:p>
+            <a:r>
+              <a:rPr lang="id-ID" dirty="0"/>
+              <a:t>Wireframe</a:t>
+            </a:r>
+            <a:endParaRPr lang="en-ID" dirty="0"/>
+          </a:p>
+        </p:txBody>
+      </p:sp>
+      <p:pic>
+        <p:nvPicPr>
+          <p:cNvPr id="7" name="Content Placeholder 4">
+            <a:extLst>
+              <a:ext uri="{FF2B5EF4-FFF2-40B4-BE49-F238E27FC236}">
+                <a16:creationId xmlns:a16="http://schemas.microsoft.com/office/drawing/2014/main" id="{18BEED84-6110-40DA-822D-9040E274E62D}"/>
+              </a:ext>
+            </a:extLst>
+          </p:cNvPr>
+          <p:cNvPicPr>
+            <a:picLocks noChangeAspect="1"/>
+          </p:cNvPicPr>
+          <p:nvPr/>
+        </p:nvPicPr>
+        <p:blipFill>
+          <a:blip r:embed="rId2">
+            <a:extLst>
+              <a:ext uri="{28A0092B-C50C-407E-A947-70E740481C1C}">
+                <a14:useLocalDpi xmlns:a14="http://schemas.microsoft.com/office/drawing/2010/main" val="0"/>
+              </a:ext>
+            </a:extLst>
+          </a:blip>
+          <a:stretch>
+            <a:fillRect/>
+          </a:stretch>
+        </p:blipFill>
+        <p:spPr>
+          <a:xfrm>
+            <a:off x="174171" y="1079336"/>
+            <a:ext cx="11887199" cy="5778664"/>
+          </a:xfrm>
+          <a:prstGeom prst="rect">
+            <a:avLst/>
+          </a:prstGeom>
+        </p:spPr>
+      </p:pic>
+    </p:spTree>
+    <p:extLst>
+      <p:ext uri="{BB962C8B-B14F-4D97-AF65-F5344CB8AC3E}">
+        <p14:creationId xmlns:p14="http://schemas.microsoft.com/office/powerpoint/2010/main" val="1017706826"/>
+      </p:ext>
+    </p:extLst>
+  </p:cSld>
+  <p:clrMapOvr>
+    <a:masterClrMapping/>
+  </p:clrMapOvr>
+</p:sld>
+</file>
+
+<file path=ppt/slides/slide9.xml><?xml version="1.0" encoding="utf-8"?>
+<p:sld xmlns:a="http://schemas.openxmlformats.org/drawingml/2006/main" xmlns:r="http://schemas.openxmlformats.org/officeDocument/2006/relationships" xmlns:p="http://schemas.openxmlformats.org/presentationml/2006/main">
+  <p:cSld>
+    <p:spTree>
+      <p:nvGrpSpPr>
+        <p:cNvPr id="1" name=""/>
+        <p:cNvGrpSpPr/>
+        <p:nvPr/>
+      </p:nvGrpSpPr>
+      <p:grpSpPr>
+        <a:xfrm>
+          <a:off x="0" y="0"/>
+          <a:ext cx="0" cy="0"/>
+          <a:chOff x="0" y="0"/>
+          <a:chExt cx="0" cy="0"/>
+        </a:xfrm>
+      </p:grpSpPr>
+      <p:sp>
+        <p:nvSpPr>
+          <p:cNvPr id="2" name="Title 1">
+            <a:extLst>
+              <a:ext uri="{FF2B5EF4-FFF2-40B4-BE49-F238E27FC236}">
+                <a16:creationId xmlns:a16="http://schemas.microsoft.com/office/drawing/2014/main" id="{43AF29C9-6D38-4335-B613-361E3C1E8854}"/>
               </a:ext>
             </a:extLst>
           </p:cNvPr>
@@ -5093,17 +7737,196 @@
           <a:lstStyle/>
           <a:p>
             <a:r>
-              <a:rPr lang="id-ID" dirty="0"/>
-              <a:t>Terima Kasih</a:t>
-            </a:r>
-            <a:endParaRPr lang="en-ID" dirty="0"/>
+              <a:rPr lang="en-US" dirty="0"/>
+              <a:t>Mockup</a:t>
+            </a:r>
+            <a:endParaRPr lang="id-ID" dirty="0"/>
           </a:p>
         </p:txBody>
       </p:sp>
+      <p:pic>
+        <p:nvPicPr>
+          <p:cNvPr id="23" name="Content Placeholder 22">
+            <a:extLst>
+              <a:ext uri="{FF2B5EF4-FFF2-40B4-BE49-F238E27FC236}">
+                <a16:creationId xmlns:a16="http://schemas.microsoft.com/office/drawing/2014/main" id="{82980EE3-FB68-4590-826E-91518A197E28}"/>
+              </a:ext>
+            </a:extLst>
+          </p:cNvPr>
+          <p:cNvPicPr>
+            <a:picLocks noGrp="1" noChangeAspect="1"/>
+          </p:cNvPicPr>
+          <p:nvPr>
+            <p:ph idx="1"/>
+          </p:nvPr>
+        </p:nvPicPr>
+        <p:blipFill>
+          <a:blip r:embed="rId2">
+            <a:extLst>
+              <a:ext uri="{28A0092B-C50C-407E-A947-70E740481C1C}">
+                <a14:useLocalDpi xmlns:a14="http://schemas.microsoft.com/office/drawing/2010/main" val="0"/>
+              </a:ext>
+            </a:extLst>
+          </a:blip>
+          <a:stretch>
+            <a:fillRect/>
+          </a:stretch>
+        </p:blipFill>
+        <p:spPr>
+          <a:xfrm>
+            <a:off x="838200" y="1690688"/>
+            <a:ext cx="2009546" cy="4351338"/>
+          </a:xfrm>
+        </p:spPr>
+      </p:pic>
+      <p:pic>
+        <p:nvPicPr>
+          <p:cNvPr id="31" name="Picture 30">
+            <a:extLst>
+              <a:ext uri="{FF2B5EF4-FFF2-40B4-BE49-F238E27FC236}">
+                <a16:creationId xmlns:a16="http://schemas.microsoft.com/office/drawing/2014/main" id="{F1054855-360A-4054-AAE7-69419DC779D4}"/>
+              </a:ext>
+            </a:extLst>
+          </p:cNvPr>
+          <p:cNvPicPr>
+            <a:picLocks noChangeAspect="1"/>
+          </p:cNvPicPr>
+          <p:nvPr/>
+        </p:nvPicPr>
+        <p:blipFill>
+          <a:blip r:embed="rId3">
+            <a:extLst>
+              <a:ext uri="{28A0092B-C50C-407E-A947-70E740481C1C}">
+                <a14:useLocalDpi xmlns:a14="http://schemas.microsoft.com/office/drawing/2010/main" val="0"/>
+              </a:ext>
+            </a:extLst>
+          </a:blip>
+          <a:stretch>
+            <a:fillRect/>
+          </a:stretch>
+        </p:blipFill>
+        <p:spPr>
+          <a:xfrm>
+            <a:off x="2914429" y="1690688"/>
+            <a:ext cx="2009546" cy="4351338"/>
+          </a:xfrm>
+          <a:prstGeom prst="rect">
+            <a:avLst/>
+          </a:prstGeom>
+        </p:spPr>
+      </p:pic>
+      <p:pic>
+        <p:nvPicPr>
+          <p:cNvPr id="35" name="Picture 34">
+            <a:extLst>
+              <a:ext uri="{FF2B5EF4-FFF2-40B4-BE49-F238E27FC236}">
+                <a16:creationId xmlns:a16="http://schemas.microsoft.com/office/drawing/2014/main" id="{49B0AF85-5DE0-4432-8BA0-1E23129088D6}"/>
+              </a:ext>
+            </a:extLst>
+          </p:cNvPr>
+          <p:cNvPicPr>
+            <a:picLocks noChangeAspect="1"/>
+          </p:cNvPicPr>
+          <p:nvPr/>
+        </p:nvPicPr>
+        <p:blipFill>
+          <a:blip r:embed="rId4">
+            <a:extLst>
+              <a:ext uri="{28A0092B-C50C-407E-A947-70E740481C1C}">
+                <a14:useLocalDpi xmlns:a14="http://schemas.microsoft.com/office/drawing/2010/main" val="0"/>
+              </a:ext>
+            </a:extLst>
+          </a:blip>
+          <a:stretch>
+            <a:fillRect/>
+          </a:stretch>
+        </p:blipFill>
+        <p:spPr>
+          <a:xfrm>
+            <a:off x="4990658" y="1690688"/>
+            <a:ext cx="2009547" cy="4351338"/>
+          </a:xfrm>
+          <a:prstGeom prst="rect">
+            <a:avLst/>
+          </a:prstGeom>
+        </p:spPr>
+      </p:pic>
+      <p:pic>
+        <p:nvPicPr>
+          <p:cNvPr id="37" name="Picture 36">
+            <a:extLst>
+              <a:ext uri="{FF2B5EF4-FFF2-40B4-BE49-F238E27FC236}">
+                <a16:creationId xmlns:a16="http://schemas.microsoft.com/office/drawing/2014/main" id="{D9B7DC25-F3CF-4B9D-8E31-485320119F08}"/>
+              </a:ext>
+            </a:extLst>
+          </p:cNvPr>
+          <p:cNvPicPr>
+            <a:picLocks noChangeAspect="1"/>
+          </p:cNvPicPr>
+          <p:nvPr/>
+        </p:nvPicPr>
+        <p:blipFill>
+          <a:blip r:embed="rId5">
+            <a:extLst>
+              <a:ext uri="{28A0092B-C50C-407E-A947-70E740481C1C}">
+                <a14:useLocalDpi xmlns:a14="http://schemas.microsoft.com/office/drawing/2010/main" val="0"/>
+              </a:ext>
+            </a:extLst>
+          </a:blip>
+          <a:stretch>
+            <a:fillRect/>
+          </a:stretch>
+        </p:blipFill>
+        <p:spPr>
+          <a:xfrm>
+            <a:off x="7140200" y="1690688"/>
+            <a:ext cx="2009546" cy="4351338"/>
+          </a:xfrm>
+          <a:prstGeom prst="rect">
+            <a:avLst/>
+          </a:prstGeom>
+        </p:spPr>
+      </p:pic>
+      <p:pic>
+        <p:nvPicPr>
+          <p:cNvPr id="39" name="Picture 38">
+            <a:extLst>
+              <a:ext uri="{FF2B5EF4-FFF2-40B4-BE49-F238E27FC236}">
+                <a16:creationId xmlns:a16="http://schemas.microsoft.com/office/drawing/2014/main" id="{AE45290E-D5B1-4EC8-B131-4590BA5C7B56}"/>
+              </a:ext>
+            </a:extLst>
+          </p:cNvPr>
+          <p:cNvPicPr>
+            <a:picLocks noChangeAspect="1"/>
+          </p:cNvPicPr>
+          <p:nvPr/>
+        </p:nvPicPr>
+        <p:blipFill>
+          <a:blip r:embed="rId6">
+            <a:extLst>
+              <a:ext uri="{28A0092B-C50C-407E-A947-70E740481C1C}">
+                <a14:useLocalDpi xmlns:a14="http://schemas.microsoft.com/office/drawing/2010/main" val="0"/>
+              </a:ext>
+            </a:extLst>
+          </a:blip>
+          <a:stretch>
+            <a:fillRect/>
+          </a:stretch>
+        </p:blipFill>
+        <p:spPr>
+          <a:xfrm>
+            <a:off x="9277571" y="1690688"/>
+            <a:ext cx="2009547" cy="4351338"/>
+          </a:xfrm>
+          <a:prstGeom prst="rect">
+            <a:avLst/>
+          </a:prstGeom>
+        </p:spPr>
+      </p:pic>
     </p:spTree>
     <p:extLst>
       <p:ext uri="{BB962C8B-B14F-4D97-AF65-F5344CB8AC3E}">
-        <p14:creationId xmlns:p14="http://schemas.microsoft.com/office/powerpoint/2010/main" val="1322703857"/>
+        <p14:creationId xmlns:p14="http://schemas.microsoft.com/office/powerpoint/2010/main" val="3609264760"/>
       </p:ext>
     </p:extLst>
   </p:cSld>

--- a/Aplikasi Catalog Board Game.pptx
+++ b/Aplikasi Catalog Board Game.pptx
@@ -7,15 +7,16 @@
   <p:sldIdLst>
     <p:sldId id="256" r:id="rId2"/>
     <p:sldId id="257" r:id="rId3"/>
-    <p:sldId id="258" r:id="rId4"/>
-    <p:sldId id="259" r:id="rId5"/>
-    <p:sldId id="260" r:id="rId6"/>
-    <p:sldId id="261" r:id="rId7"/>
-    <p:sldId id="266" r:id="rId8"/>
-    <p:sldId id="262" r:id="rId9"/>
-    <p:sldId id="264" r:id="rId10"/>
-    <p:sldId id="265" r:id="rId11"/>
-    <p:sldId id="263" r:id="rId12"/>
+    <p:sldId id="267" r:id="rId4"/>
+    <p:sldId id="258" r:id="rId5"/>
+    <p:sldId id="259" r:id="rId6"/>
+    <p:sldId id="260" r:id="rId7"/>
+    <p:sldId id="261" r:id="rId8"/>
+    <p:sldId id="266" r:id="rId9"/>
+    <p:sldId id="262" r:id="rId10"/>
+    <p:sldId id="264" r:id="rId11"/>
+    <p:sldId id="265" r:id="rId12"/>
+    <p:sldId id="263" r:id="rId13"/>
   </p:sldIdLst>
   <p:sldSz cx="12192000" cy="6858000"/>
   <p:notesSz cx="6858000" cy="9144000"/>
@@ -121,6 +122,7 @@
           <p14:sldIdLst>
             <p14:sldId id="256"/>
             <p14:sldId id="257"/>
+            <p14:sldId id="267"/>
             <p14:sldId id="258"/>
             <p14:sldId id="259"/>
             <p14:sldId id="260"/>
@@ -145,8 +147,8 @@
 <pc:chgInfo xmlns:a="http://schemas.openxmlformats.org/drawingml/2006/main" xmlns:r="http://schemas.openxmlformats.org/officeDocument/2006/relationships" xmlns:ac="http://schemas.microsoft.com/office/drawing/2013/main/command" xmlns:pc="http://schemas.microsoft.com/office/powerpoint/2013/main/command">
   <pc:docChgLst>
     <pc:chgData name="alful falakh" userId="48e217df925ce595" providerId="LiveId" clId="{9AD53882-7CF3-4857-ADDC-F1BAE670FA97}"/>
-    <pc:docChg chg="undo custSel addSld modSld addSection delSection">
-      <pc:chgData name="alful falakh" userId="48e217df925ce595" providerId="LiveId" clId="{9AD53882-7CF3-4857-ADDC-F1BAE670FA97}" dt="2021-04-20T11:57:46.901" v="339" actId="1076"/>
+    <pc:docChg chg="undo custSel addSld modSld addSection delSection modSection">
+      <pc:chgData name="alful falakh" userId="48e217df925ce595" providerId="LiveId" clId="{9AD53882-7CF3-4857-ADDC-F1BAE670FA97}" dt="2021-04-20T12:42:59.026" v="355" actId="1076"/>
       <pc:docMkLst>
         <pc:docMk/>
       </pc:docMkLst>
@@ -496,6 +498,69 @@
           </ac:picMkLst>
         </pc:picChg>
       </pc:sldChg>
+      <pc:sldChg chg="addSp delSp modSp new mod">
+        <pc:chgData name="alful falakh" userId="48e217df925ce595" providerId="LiveId" clId="{9AD53882-7CF3-4857-ADDC-F1BAE670FA97}" dt="2021-04-20T12:42:59.026" v="355" actId="1076"/>
+        <pc:sldMkLst>
+          <pc:docMk/>
+          <pc:sldMk cId="514511977" sldId="267"/>
+        </pc:sldMkLst>
+        <pc:spChg chg="mod">
+          <ac:chgData name="alful falakh" userId="48e217df925ce595" providerId="LiveId" clId="{9AD53882-7CF3-4857-ADDC-F1BAE670FA97}" dt="2021-04-20T12:41:25.035" v="344" actId="20577"/>
+          <ac:spMkLst>
+            <pc:docMk/>
+            <pc:sldMk cId="514511977" sldId="267"/>
+            <ac:spMk id="2" creationId="{9AC91289-DECB-43A4-BCC0-B96DE4B78BAF}"/>
+          </ac:spMkLst>
+        </pc:spChg>
+        <pc:spChg chg="del">
+          <ac:chgData name="alful falakh" userId="48e217df925ce595" providerId="LiveId" clId="{9AD53882-7CF3-4857-ADDC-F1BAE670FA97}" dt="2021-04-20T12:41:30.580" v="345" actId="931"/>
+          <ac:spMkLst>
+            <pc:docMk/>
+            <pc:sldMk cId="514511977" sldId="267"/>
+            <ac:spMk id="3" creationId="{3EB0EB68-99AE-426C-8B86-ED1EB72E4BA6}"/>
+          </ac:spMkLst>
+        </pc:spChg>
+        <pc:spChg chg="add del mod">
+          <ac:chgData name="alful falakh" userId="48e217df925ce595" providerId="LiveId" clId="{9AD53882-7CF3-4857-ADDC-F1BAE670FA97}" dt="2021-04-20T12:42:41.854" v="350" actId="931"/>
+          <ac:spMkLst>
+            <pc:docMk/>
+            <pc:sldMk cId="514511977" sldId="267"/>
+            <ac:spMk id="7" creationId="{9D5569D3-8C2C-4F1A-87CF-09806F75A957}"/>
+          </ac:spMkLst>
+        </pc:spChg>
+        <pc:spChg chg="add del mod">
+          <ac:chgData name="alful falakh" userId="48e217df925ce595" providerId="LiveId" clId="{9AD53882-7CF3-4857-ADDC-F1BAE670FA97}" dt="2021-04-20T12:42:51.949" v="352" actId="931"/>
+          <ac:spMkLst>
+            <pc:docMk/>
+            <pc:sldMk cId="514511977" sldId="267"/>
+            <ac:spMk id="11" creationId="{C0E9C218-B637-488B-8A0A-21EDF58E338D}"/>
+          </ac:spMkLst>
+        </pc:spChg>
+        <pc:picChg chg="add del mod">
+          <ac:chgData name="alful falakh" userId="48e217df925ce595" providerId="LiveId" clId="{9AD53882-7CF3-4857-ADDC-F1BAE670FA97}" dt="2021-04-20T12:42:39.207" v="349" actId="478"/>
+          <ac:picMkLst>
+            <pc:docMk/>
+            <pc:sldMk cId="514511977" sldId="267"/>
+            <ac:picMk id="5" creationId="{3203B0D9-2146-4199-8D3D-7DAE59A5C067}"/>
+          </ac:picMkLst>
+        </pc:picChg>
+        <pc:picChg chg="add del mod">
+          <ac:chgData name="alful falakh" userId="48e217df925ce595" providerId="LiveId" clId="{9AD53882-7CF3-4857-ADDC-F1BAE670FA97}" dt="2021-04-20T12:42:44.556" v="351" actId="478"/>
+          <ac:picMkLst>
+            <pc:docMk/>
+            <pc:sldMk cId="514511977" sldId="267"/>
+            <ac:picMk id="9" creationId="{638F52B8-A397-4ECD-8372-0D6DA9FDAB04}"/>
+          </ac:picMkLst>
+        </pc:picChg>
+        <pc:picChg chg="add mod">
+          <ac:chgData name="alful falakh" userId="48e217df925ce595" providerId="LiveId" clId="{9AD53882-7CF3-4857-ADDC-F1BAE670FA97}" dt="2021-04-20T12:42:59.026" v="355" actId="1076"/>
+          <ac:picMkLst>
+            <pc:docMk/>
+            <pc:sldMk cId="514511977" sldId="267"/>
+            <ac:picMk id="13" creationId="{99998C77-9CA2-4CC2-AF57-BEBC572358CC}"/>
+          </ac:picMkLst>
+        </pc:picChg>
+      </pc:sldChg>
     </pc:docChg>
   </pc:docChgLst>
 </pc:chgInfo>
@@ -3983,6 +4048,244 @@
           <p:cNvPr id="2" name="Title 1">
             <a:extLst>
               <a:ext uri="{FF2B5EF4-FFF2-40B4-BE49-F238E27FC236}">
+                <a16:creationId xmlns:a16="http://schemas.microsoft.com/office/drawing/2014/main" id="{43AF29C9-6D38-4335-B613-361E3C1E8854}"/>
+              </a:ext>
+            </a:extLst>
+          </p:cNvPr>
+          <p:cNvSpPr>
+            <a:spLocks noGrp="1"/>
+          </p:cNvSpPr>
+          <p:nvPr>
+            <p:ph type="title"/>
+          </p:nvPr>
+        </p:nvSpPr>
+        <p:spPr/>
+        <p:txBody>
+          <a:bodyPr/>
+          <a:lstStyle/>
+          <a:p>
+            <a:r>
+              <a:rPr lang="en-US" dirty="0"/>
+              <a:t>Mockup</a:t>
+            </a:r>
+            <a:endParaRPr lang="id-ID" dirty="0"/>
+          </a:p>
+        </p:txBody>
+      </p:sp>
+      <p:pic>
+        <p:nvPicPr>
+          <p:cNvPr id="23" name="Content Placeholder 22">
+            <a:extLst>
+              <a:ext uri="{FF2B5EF4-FFF2-40B4-BE49-F238E27FC236}">
+                <a16:creationId xmlns:a16="http://schemas.microsoft.com/office/drawing/2014/main" id="{82980EE3-FB68-4590-826E-91518A197E28}"/>
+              </a:ext>
+            </a:extLst>
+          </p:cNvPr>
+          <p:cNvPicPr>
+            <a:picLocks noGrp="1" noChangeAspect="1"/>
+          </p:cNvPicPr>
+          <p:nvPr>
+            <p:ph idx="1"/>
+          </p:nvPr>
+        </p:nvPicPr>
+        <p:blipFill>
+          <a:blip r:embed="rId2">
+            <a:extLst>
+              <a:ext uri="{28A0092B-C50C-407E-A947-70E740481C1C}">
+                <a14:useLocalDpi xmlns:a14="http://schemas.microsoft.com/office/drawing/2010/main" val="0"/>
+              </a:ext>
+            </a:extLst>
+          </a:blip>
+          <a:stretch>
+            <a:fillRect/>
+          </a:stretch>
+        </p:blipFill>
+        <p:spPr>
+          <a:xfrm>
+            <a:off x="838200" y="1690688"/>
+            <a:ext cx="2009546" cy="4351338"/>
+          </a:xfrm>
+        </p:spPr>
+      </p:pic>
+      <p:pic>
+        <p:nvPicPr>
+          <p:cNvPr id="31" name="Picture 30">
+            <a:extLst>
+              <a:ext uri="{FF2B5EF4-FFF2-40B4-BE49-F238E27FC236}">
+                <a16:creationId xmlns:a16="http://schemas.microsoft.com/office/drawing/2014/main" id="{F1054855-360A-4054-AAE7-69419DC779D4}"/>
+              </a:ext>
+            </a:extLst>
+          </p:cNvPr>
+          <p:cNvPicPr>
+            <a:picLocks noChangeAspect="1"/>
+          </p:cNvPicPr>
+          <p:nvPr/>
+        </p:nvPicPr>
+        <p:blipFill>
+          <a:blip r:embed="rId3">
+            <a:extLst>
+              <a:ext uri="{28A0092B-C50C-407E-A947-70E740481C1C}">
+                <a14:useLocalDpi xmlns:a14="http://schemas.microsoft.com/office/drawing/2010/main" val="0"/>
+              </a:ext>
+            </a:extLst>
+          </a:blip>
+          <a:stretch>
+            <a:fillRect/>
+          </a:stretch>
+        </p:blipFill>
+        <p:spPr>
+          <a:xfrm>
+            <a:off x="2914429" y="1690688"/>
+            <a:ext cx="2009546" cy="4351338"/>
+          </a:xfrm>
+          <a:prstGeom prst="rect">
+            <a:avLst/>
+          </a:prstGeom>
+        </p:spPr>
+      </p:pic>
+      <p:pic>
+        <p:nvPicPr>
+          <p:cNvPr id="35" name="Picture 34">
+            <a:extLst>
+              <a:ext uri="{FF2B5EF4-FFF2-40B4-BE49-F238E27FC236}">
+                <a16:creationId xmlns:a16="http://schemas.microsoft.com/office/drawing/2014/main" id="{49B0AF85-5DE0-4432-8BA0-1E23129088D6}"/>
+              </a:ext>
+            </a:extLst>
+          </p:cNvPr>
+          <p:cNvPicPr>
+            <a:picLocks noChangeAspect="1"/>
+          </p:cNvPicPr>
+          <p:nvPr/>
+        </p:nvPicPr>
+        <p:blipFill>
+          <a:blip r:embed="rId4">
+            <a:extLst>
+              <a:ext uri="{28A0092B-C50C-407E-A947-70E740481C1C}">
+                <a14:useLocalDpi xmlns:a14="http://schemas.microsoft.com/office/drawing/2010/main" val="0"/>
+              </a:ext>
+            </a:extLst>
+          </a:blip>
+          <a:stretch>
+            <a:fillRect/>
+          </a:stretch>
+        </p:blipFill>
+        <p:spPr>
+          <a:xfrm>
+            <a:off x="4990658" y="1690688"/>
+            <a:ext cx="2009547" cy="4351338"/>
+          </a:xfrm>
+          <a:prstGeom prst="rect">
+            <a:avLst/>
+          </a:prstGeom>
+        </p:spPr>
+      </p:pic>
+      <p:pic>
+        <p:nvPicPr>
+          <p:cNvPr id="37" name="Picture 36">
+            <a:extLst>
+              <a:ext uri="{FF2B5EF4-FFF2-40B4-BE49-F238E27FC236}">
+                <a16:creationId xmlns:a16="http://schemas.microsoft.com/office/drawing/2014/main" id="{D9B7DC25-F3CF-4B9D-8E31-485320119F08}"/>
+              </a:ext>
+            </a:extLst>
+          </p:cNvPr>
+          <p:cNvPicPr>
+            <a:picLocks noChangeAspect="1"/>
+          </p:cNvPicPr>
+          <p:nvPr/>
+        </p:nvPicPr>
+        <p:blipFill>
+          <a:blip r:embed="rId5">
+            <a:extLst>
+              <a:ext uri="{28A0092B-C50C-407E-A947-70E740481C1C}">
+                <a14:useLocalDpi xmlns:a14="http://schemas.microsoft.com/office/drawing/2010/main" val="0"/>
+              </a:ext>
+            </a:extLst>
+          </a:blip>
+          <a:stretch>
+            <a:fillRect/>
+          </a:stretch>
+        </p:blipFill>
+        <p:spPr>
+          <a:xfrm>
+            <a:off x="7140200" y="1690688"/>
+            <a:ext cx="2009546" cy="4351338"/>
+          </a:xfrm>
+          <a:prstGeom prst="rect">
+            <a:avLst/>
+          </a:prstGeom>
+        </p:spPr>
+      </p:pic>
+      <p:pic>
+        <p:nvPicPr>
+          <p:cNvPr id="39" name="Picture 38">
+            <a:extLst>
+              <a:ext uri="{FF2B5EF4-FFF2-40B4-BE49-F238E27FC236}">
+                <a16:creationId xmlns:a16="http://schemas.microsoft.com/office/drawing/2014/main" id="{AE45290E-D5B1-4EC8-B131-4590BA5C7B56}"/>
+              </a:ext>
+            </a:extLst>
+          </p:cNvPr>
+          <p:cNvPicPr>
+            <a:picLocks noChangeAspect="1"/>
+          </p:cNvPicPr>
+          <p:nvPr/>
+        </p:nvPicPr>
+        <p:blipFill>
+          <a:blip r:embed="rId6">
+            <a:extLst>
+              <a:ext uri="{28A0092B-C50C-407E-A947-70E740481C1C}">
+                <a14:useLocalDpi xmlns:a14="http://schemas.microsoft.com/office/drawing/2010/main" val="0"/>
+              </a:ext>
+            </a:extLst>
+          </a:blip>
+          <a:stretch>
+            <a:fillRect/>
+          </a:stretch>
+        </p:blipFill>
+        <p:spPr>
+          <a:xfrm>
+            <a:off x="9277571" y="1690688"/>
+            <a:ext cx="2009547" cy="4351338"/>
+          </a:xfrm>
+          <a:prstGeom prst="rect">
+            <a:avLst/>
+          </a:prstGeom>
+        </p:spPr>
+      </p:pic>
+    </p:spTree>
+    <p:extLst>
+      <p:ext uri="{BB962C8B-B14F-4D97-AF65-F5344CB8AC3E}">
+        <p14:creationId xmlns:p14="http://schemas.microsoft.com/office/powerpoint/2010/main" val="3609264760"/>
+      </p:ext>
+    </p:extLst>
+  </p:cSld>
+  <p:clrMapOvr>
+    <a:masterClrMapping/>
+  </p:clrMapOvr>
+</p:sld>
+</file>
+
+<file path=ppt/slides/slide11.xml><?xml version="1.0" encoding="utf-8"?>
+<p:sld xmlns:a="http://schemas.openxmlformats.org/drawingml/2006/main" xmlns:r="http://schemas.openxmlformats.org/officeDocument/2006/relationships" xmlns:p="http://schemas.openxmlformats.org/presentationml/2006/main">
+  <p:cSld>
+    <p:spTree>
+      <p:nvGrpSpPr>
+        <p:cNvPr id="1" name=""/>
+        <p:cNvGrpSpPr/>
+        <p:nvPr/>
+      </p:nvGrpSpPr>
+      <p:grpSpPr>
+        <a:xfrm>
+          <a:off x="0" y="0"/>
+          <a:ext cx="0" cy="0"/>
+          <a:chOff x="0" y="0"/>
+          <a:chExt cx="0" cy="0"/>
+        </a:xfrm>
+      </p:grpSpPr>
+      <p:sp>
+        <p:nvSpPr>
+          <p:cNvPr id="2" name="Title 1">
+            <a:extLst>
+              <a:ext uri="{FF2B5EF4-FFF2-40B4-BE49-F238E27FC236}">
                 <a16:creationId xmlns:a16="http://schemas.microsoft.com/office/drawing/2014/main" id="{CD1559FC-B825-4B23-AC04-201E22B52DD0}"/>
               </a:ext>
             </a:extLst>
@@ -4159,7 +4462,7 @@
 </p:sld>
 </file>
 
-<file path=ppt/slides/slide11.xml><?xml version="1.0" encoding="utf-8"?>
+<file path=ppt/slides/slide12.xml><?xml version="1.0" encoding="utf-8"?>
 <p:sld xmlns:a="http://schemas.openxmlformats.org/drawingml/2006/main" xmlns:r="http://schemas.openxmlformats.org/officeDocument/2006/relationships" xmlns:p="http://schemas.openxmlformats.org/presentationml/2006/main">
   <p:cSld>
     <p:spTree>
@@ -5754,7 +6057,7 @@
           <p:cNvPr id="2" name="Title 1">
             <a:extLst>
               <a:ext uri="{FF2B5EF4-FFF2-40B4-BE49-F238E27FC236}">
-                <a16:creationId xmlns:a16="http://schemas.microsoft.com/office/drawing/2014/main" id="{22D05F4A-8803-496C-98FE-396E8C262790}"/>
+                <a16:creationId xmlns:a16="http://schemas.microsoft.com/office/drawing/2014/main" id="{9AC91289-DECB-43A4-BCC0-B96DE4B78BAF}"/>
               </a:ext>
             </a:extLst>
           </p:cNvPr>
@@ -5765,868 +6068,58 @@
             <p:ph type="title"/>
           </p:nvPr>
         </p:nvSpPr>
-        <p:spPr>
-          <a:xfrm>
-            <a:off x="838200" y="365125"/>
-            <a:ext cx="10515600" cy="1269711"/>
-          </a:xfrm>
-        </p:spPr>
+        <p:spPr/>
         <p:txBody>
           <a:bodyPr/>
           <a:lstStyle/>
           <a:p>
             <a:r>
-              <a:rPr lang="en-US" b="1" dirty="0"/>
-              <a:t>PROJECT SCOPE STATEMENT</a:t>
-            </a:r>
-            <a:endParaRPr lang="en-ID" dirty="0"/>
+              <a:rPr lang="en-US" dirty="0"/>
+              <a:t>Logo</a:t>
+            </a:r>
+            <a:endParaRPr lang="id-ID" dirty="0"/>
           </a:p>
         </p:txBody>
       </p:sp>
-      <p:sp>
-        <p:nvSpPr>
-          <p:cNvPr id="3" name="Content Placeholder 2">
-            <a:extLst>
-              <a:ext uri="{FF2B5EF4-FFF2-40B4-BE49-F238E27FC236}">
-                <a16:creationId xmlns:a16="http://schemas.microsoft.com/office/drawing/2014/main" id="{999B197F-9F03-4B54-A879-B1F438A0F281}"/>
-              </a:ext>
-            </a:extLst>
-          </p:cNvPr>
-          <p:cNvSpPr>
-            <a:spLocks noGrp="1"/>
-          </p:cNvSpPr>
+      <p:pic>
+        <p:nvPicPr>
+          <p:cNvPr id="13" name="Content Placeholder 12">
+            <a:extLst>
+              <a:ext uri="{FF2B5EF4-FFF2-40B4-BE49-F238E27FC236}">
+                <a16:creationId xmlns:a16="http://schemas.microsoft.com/office/drawing/2014/main" id="{99998C77-9CA2-4CC2-AF57-BEBC572358CC}"/>
+              </a:ext>
+            </a:extLst>
+          </p:cNvPr>
+          <p:cNvPicPr>
+            <a:picLocks noGrp="1" noChangeAspect="1"/>
+          </p:cNvPicPr>
           <p:nvPr>
             <p:ph idx="1"/>
           </p:nvPr>
-        </p:nvSpPr>
+        </p:nvPicPr>
+        <p:blipFill>
+          <a:blip r:embed="rId2">
+            <a:extLst>
+              <a:ext uri="{28A0092B-C50C-407E-A947-70E740481C1C}">
+                <a14:useLocalDpi xmlns:a14="http://schemas.microsoft.com/office/drawing/2010/main" val="0"/>
+              </a:ext>
+            </a:extLst>
+          </a:blip>
+          <a:stretch>
+            <a:fillRect/>
+          </a:stretch>
+        </p:blipFill>
         <p:spPr>
           <a:xfrm>
-            <a:off x="838198" y="1825625"/>
-            <a:ext cx="10515601" cy="4351338"/>
+            <a:off x="4504056" y="1837056"/>
+            <a:ext cx="3183887" cy="3183887"/>
           </a:xfrm>
         </p:spPr>
-        <p:txBody>
-          <a:bodyPr>
-            <a:normAutofit fontScale="92500" lnSpcReduction="20000"/>
-          </a:bodyPr>
-          <a:lstStyle/>
-          <a:p>
-            <a:pPr marL="457200" lvl="1" indent="0">
-              <a:buNone/>
-            </a:pPr>
-            <a:r>
-              <a:rPr lang="id-ID" b="1" dirty="0"/>
-              <a:t>Ruang Lingkup</a:t>
-            </a:r>
-            <a:endParaRPr lang="en-US" b="1" dirty="0"/>
-          </a:p>
-          <a:p>
-            <a:pPr marL="457200" lvl="1" indent="0" algn="just">
-              <a:buNone/>
-            </a:pPr>
-            <a:r>
-              <a:rPr lang="en-US" sz="2100" dirty="0" err="1">
-                <a:effectLst/>
-                <a:latin typeface="Calibri (Body)"/>
-                <a:ea typeface="DengXian" panose="02010600030101010101" pitchFamily="2" charset="-122"/>
-                <a:cs typeface="Times New Roman" panose="02020603050405020304" pitchFamily="18" charset="0"/>
-              </a:rPr>
-              <a:t>Aplikasi</a:t>
-            </a:r>
-            <a:r>
-              <a:rPr lang="en-US" sz="2100" dirty="0">
-                <a:effectLst/>
-                <a:latin typeface="Calibri (Body)"/>
-                <a:ea typeface="DengXian" panose="02010600030101010101" pitchFamily="2" charset="-122"/>
-                <a:cs typeface="Times New Roman" panose="02020603050405020304" pitchFamily="18" charset="0"/>
-              </a:rPr>
-              <a:t> Board Game Catalog </a:t>
-            </a:r>
-            <a:r>
-              <a:rPr lang="en-US" sz="2100" dirty="0" err="1">
-                <a:effectLst/>
-                <a:latin typeface="Calibri (Body)"/>
-                <a:ea typeface="DengXian" panose="02010600030101010101" pitchFamily="2" charset="-122"/>
-                <a:cs typeface="Times New Roman" panose="02020603050405020304" pitchFamily="18" charset="0"/>
-              </a:rPr>
-              <a:t>adalah</a:t>
-            </a:r>
-            <a:r>
-              <a:rPr lang="en-US" sz="2100" dirty="0">
-                <a:effectLst/>
-                <a:latin typeface="Calibri (Body)"/>
-                <a:ea typeface="DengXian" panose="02010600030101010101" pitchFamily="2" charset="-122"/>
-                <a:cs typeface="Times New Roman" panose="02020603050405020304" pitchFamily="18" charset="0"/>
-              </a:rPr>
-              <a:t> </a:t>
-            </a:r>
-            <a:r>
-              <a:rPr lang="en-US" sz="2100" dirty="0" err="1">
-                <a:effectLst/>
-                <a:latin typeface="Calibri (Body)"/>
-                <a:ea typeface="DengXian" panose="02010600030101010101" pitchFamily="2" charset="-122"/>
-                <a:cs typeface="Times New Roman" panose="02020603050405020304" pitchFamily="18" charset="0"/>
-              </a:rPr>
-              <a:t>aplikasi</a:t>
-            </a:r>
-            <a:r>
-              <a:rPr lang="en-US" sz="2100" dirty="0">
-                <a:effectLst/>
-                <a:latin typeface="Calibri (Body)"/>
-                <a:ea typeface="DengXian" panose="02010600030101010101" pitchFamily="2" charset="-122"/>
-                <a:cs typeface="Times New Roman" panose="02020603050405020304" pitchFamily="18" charset="0"/>
-              </a:rPr>
-              <a:t> yang </a:t>
-            </a:r>
-            <a:r>
-              <a:rPr lang="en-US" sz="2100" dirty="0" err="1">
-                <a:effectLst/>
-                <a:latin typeface="Calibri (Body)"/>
-                <a:ea typeface="DengXian" panose="02010600030101010101" pitchFamily="2" charset="-122"/>
-                <a:cs typeface="Times New Roman" panose="02020603050405020304" pitchFamily="18" charset="0"/>
-              </a:rPr>
-              <a:t>digunakan</a:t>
-            </a:r>
-            <a:r>
-              <a:rPr lang="en-US" sz="2100" dirty="0">
-                <a:effectLst/>
-                <a:latin typeface="Calibri (Body)"/>
-                <a:ea typeface="DengXian" panose="02010600030101010101" pitchFamily="2" charset="-122"/>
-                <a:cs typeface="Times New Roman" panose="02020603050405020304" pitchFamily="18" charset="0"/>
-              </a:rPr>
-              <a:t> </a:t>
-            </a:r>
-            <a:r>
-              <a:rPr lang="en-US" sz="2100" dirty="0" err="1">
-                <a:effectLst/>
-                <a:latin typeface="Calibri (Body)"/>
-                <a:ea typeface="DengXian" panose="02010600030101010101" pitchFamily="2" charset="-122"/>
-                <a:cs typeface="Times New Roman" panose="02020603050405020304" pitchFamily="18" charset="0"/>
-              </a:rPr>
-              <a:t>untuk</a:t>
-            </a:r>
-            <a:r>
-              <a:rPr lang="en-US" sz="2100" dirty="0">
-                <a:effectLst/>
-                <a:latin typeface="Calibri (Body)"/>
-                <a:ea typeface="DengXian" panose="02010600030101010101" pitchFamily="2" charset="-122"/>
-                <a:cs typeface="Times New Roman" panose="02020603050405020304" pitchFamily="18" charset="0"/>
-              </a:rPr>
-              <a:t> </a:t>
-            </a:r>
-            <a:r>
-              <a:rPr lang="en-US" sz="2100" dirty="0" err="1">
-                <a:effectLst/>
-                <a:latin typeface="Calibri (Body)"/>
-                <a:ea typeface="DengXian" panose="02010600030101010101" pitchFamily="2" charset="-122"/>
-                <a:cs typeface="Times New Roman" panose="02020603050405020304" pitchFamily="18" charset="0"/>
-              </a:rPr>
-              <a:t>mendata</a:t>
-            </a:r>
-            <a:r>
-              <a:rPr lang="en-US" sz="2100" dirty="0">
-                <a:effectLst/>
-                <a:latin typeface="Calibri (Body)"/>
-                <a:ea typeface="DengXian" panose="02010600030101010101" pitchFamily="2" charset="-122"/>
-                <a:cs typeface="Times New Roman" panose="02020603050405020304" pitchFamily="18" charset="0"/>
-              </a:rPr>
-              <a:t> history </a:t>
-            </a:r>
-            <a:r>
-              <a:rPr lang="en-US" sz="2100" dirty="0" err="1">
-                <a:effectLst/>
-                <a:latin typeface="Calibri (Body)"/>
-                <a:ea typeface="DengXian" panose="02010600030101010101" pitchFamily="2" charset="-122"/>
-                <a:cs typeface="Times New Roman" panose="02020603050405020304" pitchFamily="18" charset="0"/>
-              </a:rPr>
-              <a:t>dari</a:t>
-            </a:r>
-            <a:r>
-              <a:rPr lang="en-US" sz="2100" dirty="0">
-                <a:effectLst/>
-                <a:latin typeface="Calibri (Body)"/>
-                <a:ea typeface="DengXian" panose="02010600030101010101" pitchFamily="2" charset="-122"/>
-                <a:cs typeface="Times New Roman" panose="02020603050405020304" pitchFamily="18" charset="0"/>
-              </a:rPr>
-              <a:t> </a:t>
-            </a:r>
-            <a:r>
-              <a:rPr lang="en-US" sz="2100" dirty="0" err="1">
-                <a:effectLst/>
-                <a:latin typeface="Calibri (Body)"/>
-                <a:ea typeface="DengXian" panose="02010600030101010101" pitchFamily="2" charset="-122"/>
-                <a:cs typeface="Times New Roman" panose="02020603050405020304" pitchFamily="18" charset="0"/>
-              </a:rPr>
-              <a:t>permainan</a:t>
-            </a:r>
-            <a:r>
-              <a:rPr lang="en-US" sz="2100" dirty="0">
-                <a:effectLst/>
-                <a:latin typeface="Calibri (Body)"/>
-                <a:ea typeface="DengXian" panose="02010600030101010101" pitchFamily="2" charset="-122"/>
-                <a:cs typeface="Times New Roman" panose="02020603050405020304" pitchFamily="18" charset="0"/>
-              </a:rPr>
-              <a:t> board game yang </a:t>
-            </a:r>
-            <a:r>
-              <a:rPr lang="en-US" sz="2100" dirty="0" err="1">
-                <a:effectLst/>
-                <a:latin typeface="Calibri (Body)"/>
-                <a:ea typeface="DengXian" panose="02010600030101010101" pitchFamily="2" charset="-122"/>
-                <a:cs typeface="Times New Roman" panose="02020603050405020304" pitchFamily="18" charset="0"/>
-              </a:rPr>
-              <a:t>dilakukan</a:t>
-            </a:r>
-            <a:r>
-              <a:rPr lang="en-US" sz="2100" dirty="0">
-                <a:effectLst/>
-                <a:latin typeface="Calibri (Body)"/>
-                <a:ea typeface="DengXian" panose="02010600030101010101" pitchFamily="2" charset="-122"/>
-                <a:cs typeface="Times New Roman" panose="02020603050405020304" pitchFamily="18" charset="0"/>
-              </a:rPr>
-              <a:t> user </a:t>
-            </a:r>
-            <a:r>
-              <a:rPr lang="en-US" sz="2100" dirty="0" err="1">
-                <a:effectLst/>
-                <a:latin typeface="Calibri (Body)"/>
-                <a:ea typeface="DengXian" panose="02010600030101010101" pitchFamily="2" charset="-122"/>
-                <a:cs typeface="Times New Roman" panose="02020603050405020304" pitchFamily="18" charset="0"/>
-              </a:rPr>
-              <a:t>berdasarkan</a:t>
-            </a:r>
-            <a:r>
-              <a:rPr lang="en-US" sz="2100" dirty="0">
-                <a:effectLst/>
-                <a:latin typeface="Calibri (Body)"/>
-                <a:ea typeface="DengXian" panose="02010600030101010101" pitchFamily="2" charset="-122"/>
-                <a:cs typeface="Times New Roman" panose="02020603050405020304" pitchFamily="18" charset="0"/>
-              </a:rPr>
-              <a:t> game yang </a:t>
-            </a:r>
-            <a:r>
-              <a:rPr lang="en-US" sz="2100" dirty="0" err="1">
-                <a:effectLst/>
-                <a:latin typeface="Calibri (Body)"/>
-                <a:ea typeface="DengXian" panose="02010600030101010101" pitchFamily="2" charset="-122"/>
-                <a:cs typeface="Times New Roman" panose="02020603050405020304" pitchFamily="18" charset="0"/>
-              </a:rPr>
-              <a:t>ditentukan</a:t>
-            </a:r>
-            <a:r>
-              <a:rPr lang="en-US" sz="2100" dirty="0">
-                <a:effectLst/>
-                <a:latin typeface="Calibri (Body)"/>
-                <a:ea typeface="DengXian" panose="02010600030101010101" pitchFamily="2" charset="-122"/>
-                <a:cs typeface="Times New Roman" panose="02020603050405020304" pitchFamily="18" charset="0"/>
-              </a:rPr>
-              <a:t> admin dan </a:t>
-            </a:r>
-            <a:r>
-              <a:rPr lang="en-US" sz="2100" dirty="0" err="1">
-                <a:effectLst/>
-                <a:latin typeface="Calibri (Body)"/>
-                <a:ea typeface="DengXian" panose="02010600030101010101" pitchFamily="2" charset="-122"/>
-                <a:cs typeface="Times New Roman" panose="02020603050405020304" pitchFamily="18" charset="0"/>
-              </a:rPr>
-              <a:t>dipilih</a:t>
-            </a:r>
-            <a:r>
-              <a:rPr lang="en-US" sz="2100" dirty="0">
-                <a:effectLst/>
-                <a:latin typeface="Calibri (Body)"/>
-                <a:ea typeface="DengXian" panose="02010600030101010101" pitchFamily="2" charset="-122"/>
-                <a:cs typeface="Times New Roman" panose="02020603050405020304" pitchFamily="18" charset="0"/>
-              </a:rPr>
-              <a:t> user. </a:t>
-            </a:r>
-            <a:r>
-              <a:rPr lang="en-US" sz="2100" dirty="0" err="1">
-                <a:effectLst/>
-                <a:latin typeface="Calibri (Body)"/>
-                <a:ea typeface="DengXian" panose="02010600030101010101" pitchFamily="2" charset="-122"/>
-                <a:cs typeface="Times New Roman" panose="02020603050405020304" pitchFamily="18" charset="0"/>
-              </a:rPr>
-              <a:t>Aplikasi</a:t>
-            </a:r>
-            <a:r>
-              <a:rPr lang="en-US" sz="2100" dirty="0">
-                <a:effectLst/>
-                <a:latin typeface="Calibri (Body)"/>
-                <a:ea typeface="DengXian" panose="02010600030101010101" pitchFamily="2" charset="-122"/>
-                <a:cs typeface="Times New Roman" panose="02020603050405020304" pitchFamily="18" charset="0"/>
-              </a:rPr>
-              <a:t> </a:t>
-            </a:r>
-            <a:r>
-              <a:rPr lang="en-US" sz="2100" dirty="0" err="1">
-                <a:effectLst/>
-                <a:latin typeface="Calibri (Body)"/>
-                <a:ea typeface="DengXian" panose="02010600030101010101" pitchFamily="2" charset="-122"/>
-                <a:cs typeface="Times New Roman" panose="02020603050405020304" pitchFamily="18" charset="0"/>
-              </a:rPr>
-              <a:t>ini</a:t>
-            </a:r>
-            <a:r>
-              <a:rPr lang="en-US" sz="2100" dirty="0">
-                <a:effectLst/>
-                <a:latin typeface="Calibri (Body)"/>
-                <a:ea typeface="DengXian" panose="02010600030101010101" pitchFamily="2" charset="-122"/>
-                <a:cs typeface="Times New Roman" panose="02020603050405020304" pitchFamily="18" charset="0"/>
-              </a:rPr>
-              <a:t> </a:t>
-            </a:r>
-            <a:r>
-              <a:rPr lang="en-US" sz="2100" dirty="0" err="1">
-                <a:effectLst/>
-                <a:latin typeface="Calibri (Body)"/>
-                <a:ea typeface="DengXian" panose="02010600030101010101" pitchFamily="2" charset="-122"/>
-                <a:cs typeface="Times New Roman" panose="02020603050405020304" pitchFamily="18" charset="0"/>
-              </a:rPr>
-              <a:t>dapat</a:t>
-            </a:r>
-            <a:r>
-              <a:rPr lang="en-US" sz="2100" dirty="0">
-                <a:effectLst/>
-                <a:latin typeface="Calibri (Body)"/>
-                <a:ea typeface="DengXian" panose="02010600030101010101" pitchFamily="2" charset="-122"/>
-                <a:cs typeface="Times New Roman" panose="02020603050405020304" pitchFamily="18" charset="0"/>
-              </a:rPr>
-              <a:t> </a:t>
-            </a:r>
-            <a:r>
-              <a:rPr lang="en-US" sz="2100" dirty="0" err="1">
-                <a:effectLst/>
-                <a:latin typeface="Calibri (Body)"/>
-                <a:ea typeface="DengXian" panose="02010600030101010101" pitchFamily="2" charset="-122"/>
-                <a:cs typeface="Times New Roman" panose="02020603050405020304" pitchFamily="18" charset="0"/>
-              </a:rPr>
-              <a:t>mendata</a:t>
-            </a:r>
-            <a:r>
-              <a:rPr lang="en-US" sz="2100" dirty="0">
-                <a:effectLst/>
-                <a:latin typeface="Calibri (Body)"/>
-                <a:ea typeface="DengXian" panose="02010600030101010101" pitchFamily="2" charset="-122"/>
-                <a:cs typeface="Times New Roman" panose="02020603050405020304" pitchFamily="18" charset="0"/>
-              </a:rPr>
-              <a:t> leaderboard </a:t>
-            </a:r>
-            <a:r>
-              <a:rPr lang="en-US" sz="2100" dirty="0" err="1">
-                <a:effectLst/>
-                <a:latin typeface="Calibri (Body)"/>
-                <a:ea typeface="DengXian" panose="02010600030101010101" pitchFamily="2" charset="-122"/>
-                <a:cs typeface="Times New Roman" panose="02020603050405020304" pitchFamily="18" charset="0"/>
-              </a:rPr>
-              <a:t>berdasarkan</a:t>
-            </a:r>
-            <a:r>
-              <a:rPr lang="en-US" sz="2100" dirty="0">
-                <a:effectLst/>
-                <a:latin typeface="Calibri (Body)"/>
-                <a:ea typeface="DengXian" panose="02010600030101010101" pitchFamily="2" charset="-122"/>
-                <a:cs typeface="Times New Roman" panose="02020603050405020304" pitchFamily="18" charset="0"/>
-              </a:rPr>
-              <a:t> data yang </a:t>
-            </a:r>
-            <a:r>
-              <a:rPr lang="en-US" sz="2100" dirty="0" err="1">
-                <a:effectLst/>
-                <a:latin typeface="Calibri (Body)"/>
-                <a:ea typeface="DengXian" panose="02010600030101010101" pitchFamily="2" charset="-122"/>
-                <a:cs typeface="Times New Roman" panose="02020603050405020304" pitchFamily="18" charset="0"/>
-              </a:rPr>
-              <a:t>telah</a:t>
-            </a:r>
-            <a:r>
-              <a:rPr lang="en-US" sz="2100" dirty="0">
-                <a:effectLst/>
-                <a:latin typeface="Calibri (Body)"/>
-                <a:ea typeface="DengXian" panose="02010600030101010101" pitchFamily="2" charset="-122"/>
-                <a:cs typeface="Times New Roman" panose="02020603050405020304" pitchFamily="18" charset="0"/>
-              </a:rPr>
-              <a:t> </a:t>
-            </a:r>
-            <a:r>
-              <a:rPr lang="en-US" sz="2100" dirty="0" err="1">
-                <a:effectLst/>
-                <a:latin typeface="Calibri (Body)"/>
-                <a:ea typeface="DengXian" panose="02010600030101010101" pitchFamily="2" charset="-122"/>
-                <a:cs typeface="Times New Roman" panose="02020603050405020304" pitchFamily="18" charset="0"/>
-              </a:rPr>
-              <a:t>diberikan</a:t>
-            </a:r>
-            <a:r>
-              <a:rPr lang="en-US" sz="2100" dirty="0">
-                <a:effectLst/>
-                <a:latin typeface="Calibri (Body)"/>
-                <a:ea typeface="DengXian" panose="02010600030101010101" pitchFamily="2" charset="-122"/>
-                <a:cs typeface="Times New Roman" panose="02020603050405020304" pitchFamily="18" charset="0"/>
-              </a:rPr>
-              <a:t> </a:t>
-            </a:r>
-            <a:r>
-              <a:rPr lang="en-US" sz="2100" dirty="0" err="1">
-                <a:effectLst/>
-                <a:latin typeface="Calibri (Body)"/>
-                <a:ea typeface="DengXian" panose="02010600030101010101" pitchFamily="2" charset="-122"/>
-                <a:cs typeface="Times New Roman" panose="02020603050405020304" pitchFamily="18" charset="0"/>
-              </a:rPr>
-              <a:t>kepada</a:t>
-            </a:r>
-            <a:r>
-              <a:rPr lang="en-US" sz="2100" dirty="0">
-                <a:effectLst/>
-                <a:latin typeface="Calibri (Body)"/>
-                <a:ea typeface="DengXian" panose="02010600030101010101" pitchFamily="2" charset="-122"/>
-                <a:cs typeface="Times New Roman" panose="02020603050405020304" pitchFamily="18" charset="0"/>
-              </a:rPr>
-              <a:t> user. Admin </a:t>
-            </a:r>
-            <a:r>
-              <a:rPr lang="en-US" sz="2100" dirty="0" err="1">
-                <a:effectLst/>
-                <a:latin typeface="Calibri (Body)"/>
-                <a:ea typeface="DengXian" panose="02010600030101010101" pitchFamily="2" charset="-122"/>
-                <a:cs typeface="Times New Roman" panose="02020603050405020304" pitchFamily="18" charset="0"/>
-              </a:rPr>
-              <a:t>dapat</a:t>
-            </a:r>
-            <a:r>
-              <a:rPr lang="en-US" sz="2100" dirty="0">
-                <a:effectLst/>
-                <a:latin typeface="Calibri (Body)"/>
-                <a:ea typeface="DengXian" panose="02010600030101010101" pitchFamily="2" charset="-122"/>
-                <a:cs typeface="Times New Roman" panose="02020603050405020304" pitchFamily="18" charset="0"/>
-              </a:rPr>
-              <a:t> </a:t>
-            </a:r>
-            <a:r>
-              <a:rPr lang="en-US" sz="2100" dirty="0" err="1">
-                <a:effectLst/>
-                <a:latin typeface="Calibri (Body)"/>
-                <a:ea typeface="DengXian" panose="02010600030101010101" pitchFamily="2" charset="-122"/>
-                <a:cs typeface="Times New Roman" panose="02020603050405020304" pitchFamily="18" charset="0"/>
-              </a:rPr>
-              <a:t>menambah</a:t>
-            </a:r>
-            <a:r>
-              <a:rPr lang="en-US" sz="2100" dirty="0">
-                <a:effectLst/>
-                <a:latin typeface="Calibri (Body)"/>
-                <a:ea typeface="DengXian" panose="02010600030101010101" pitchFamily="2" charset="-122"/>
-                <a:cs typeface="Times New Roman" panose="02020603050405020304" pitchFamily="18" charset="0"/>
-              </a:rPr>
-              <a:t> game, dan </a:t>
-            </a:r>
-            <a:r>
-              <a:rPr lang="en-US" sz="2100" dirty="0" err="1">
-                <a:effectLst/>
-                <a:latin typeface="Calibri (Body)"/>
-                <a:ea typeface="DengXian" panose="02010600030101010101" pitchFamily="2" charset="-122"/>
-                <a:cs typeface="Times New Roman" panose="02020603050405020304" pitchFamily="18" charset="0"/>
-              </a:rPr>
-              <a:t>membuat</a:t>
-            </a:r>
-            <a:r>
-              <a:rPr lang="en-US" sz="2100" dirty="0">
-                <a:effectLst/>
-                <a:latin typeface="Calibri (Body)"/>
-                <a:ea typeface="DengXian" panose="02010600030101010101" pitchFamily="2" charset="-122"/>
-                <a:cs typeface="Times New Roman" panose="02020603050405020304" pitchFamily="18" charset="0"/>
-              </a:rPr>
-              <a:t> </a:t>
-            </a:r>
-            <a:r>
-              <a:rPr lang="en-US" sz="2100" dirty="0" err="1">
-                <a:effectLst/>
-                <a:latin typeface="Calibri (Body)"/>
-                <a:ea typeface="DengXian" panose="02010600030101010101" pitchFamily="2" charset="-122"/>
-                <a:cs typeface="Times New Roman" panose="02020603050405020304" pitchFamily="18" charset="0"/>
-              </a:rPr>
-              <a:t>laporan</a:t>
-            </a:r>
-            <a:r>
-              <a:rPr lang="en-US" sz="2100" dirty="0">
-                <a:effectLst/>
-                <a:latin typeface="Calibri (Body)"/>
-                <a:ea typeface="DengXian" panose="02010600030101010101" pitchFamily="2" charset="-122"/>
-                <a:cs typeface="Times New Roman" panose="02020603050405020304" pitchFamily="18" charset="0"/>
-              </a:rPr>
-              <a:t> </a:t>
-            </a:r>
-            <a:r>
-              <a:rPr lang="en-US" sz="2100" dirty="0" err="1">
-                <a:effectLst/>
-                <a:latin typeface="Calibri (Body)"/>
-                <a:ea typeface="DengXian" panose="02010600030101010101" pitchFamily="2" charset="-122"/>
-                <a:cs typeface="Times New Roman" panose="02020603050405020304" pitchFamily="18" charset="0"/>
-              </a:rPr>
-              <a:t>berdasarkan</a:t>
-            </a:r>
-            <a:r>
-              <a:rPr lang="en-US" sz="2100" dirty="0">
-                <a:effectLst/>
-                <a:latin typeface="Calibri (Body)"/>
-                <a:ea typeface="DengXian" panose="02010600030101010101" pitchFamily="2" charset="-122"/>
-                <a:cs typeface="Times New Roman" panose="02020603050405020304" pitchFamily="18" charset="0"/>
-              </a:rPr>
-              <a:t> data yang </a:t>
-            </a:r>
-            <a:r>
-              <a:rPr lang="en-US" sz="2100" dirty="0" err="1">
-                <a:effectLst/>
-                <a:latin typeface="Calibri (Body)"/>
-                <a:ea typeface="DengXian" panose="02010600030101010101" pitchFamily="2" charset="-122"/>
-                <a:cs typeface="Times New Roman" panose="02020603050405020304" pitchFamily="18" charset="0"/>
-              </a:rPr>
-              <a:t>diperoleh</a:t>
-            </a:r>
-            <a:r>
-              <a:rPr lang="en-US" sz="2100" dirty="0">
-                <a:effectLst/>
-                <a:latin typeface="Calibri (Body)"/>
-                <a:ea typeface="DengXian" panose="02010600030101010101" pitchFamily="2" charset="-122"/>
-                <a:cs typeface="Times New Roman" panose="02020603050405020304" pitchFamily="18" charset="0"/>
-              </a:rPr>
-              <a:t> </a:t>
-            </a:r>
-            <a:r>
-              <a:rPr lang="en-US" sz="2100" dirty="0" err="1">
-                <a:effectLst/>
-                <a:latin typeface="Calibri (Body)"/>
-                <a:ea typeface="DengXian" panose="02010600030101010101" pitchFamily="2" charset="-122"/>
-                <a:cs typeface="Times New Roman" panose="02020603050405020304" pitchFamily="18" charset="0"/>
-              </a:rPr>
-              <a:t>dari</a:t>
-            </a:r>
-            <a:r>
-              <a:rPr lang="en-US" sz="2100" dirty="0">
-                <a:effectLst/>
-                <a:latin typeface="Calibri (Body)"/>
-                <a:ea typeface="DengXian" panose="02010600030101010101" pitchFamily="2" charset="-122"/>
-                <a:cs typeface="Times New Roman" panose="02020603050405020304" pitchFamily="18" charset="0"/>
-              </a:rPr>
-              <a:t> </a:t>
-            </a:r>
-            <a:r>
-              <a:rPr lang="en-US" sz="2100" dirty="0" err="1">
-                <a:effectLst/>
-                <a:latin typeface="Calibri (Body)"/>
-                <a:ea typeface="DengXian" panose="02010600030101010101" pitchFamily="2" charset="-122"/>
-                <a:cs typeface="Times New Roman" panose="02020603050405020304" pitchFamily="18" charset="0"/>
-              </a:rPr>
-              <a:t>aplikasi</a:t>
-            </a:r>
-            <a:r>
-              <a:rPr lang="en-US" sz="2100" dirty="0">
-                <a:effectLst/>
-                <a:latin typeface="Calibri (Body)"/>
-                <a:ea typeface="DengXian" panose="02010600030101010101" pitchFamily="2" charset="-122"/>
-                <a:cs typeface="Times New Roman" panose="02020603050405020304" pitchFamily="18" charset="0"/>
-              </a:rPr>
-              <a:t> </a:t>
-            </a:r>
-            <a:r>
-              <a:rPr lang="en-US" sz="2100" dirty="0" err="1">
-                <a:effectLst/>
-                <a:latin typeface="Calibri (Body)"/>
-                <a:ea typeface="DengXian" panose="02010600030101010101" pitchFamily="2" charset="-122"/>
-                <a:cs typeface="Times New Roman" panose="02020603050405020304" pitchFamily="18" charset="0"/>
-              </a:rPr>
-              <a:t>ke</a:t>
-            </a:r>
-            <a:r>
-              <a:rPr lang="en-US" sz="2100" dirty="0">
-                <a:effectLst/>
-                <a:latin typeface="Calibri (Body)"/>
-                <a:ea typeface="DengXian" panose="02010600030101010101" pitchFamily="2" charset="-122"/>
-                <a:cs typeface="Times New Roman" panose="02020603050405020304" pitchFamily="18" charset="0"/>
-              </a:rPr>
-              <a:t> </a:t>
-            </a:r>
-            <a:r>
-              <a:rPr lang="en-US" sz="2100" dirty="0" err="1">
-                <a:effectLst/>
-                <a:latin typeface="Calibri (Body)"/>
-                <a:ea typeface="DengXian" panose="02010600030101010101" pitchFamily="2" charset="-122"/>
-                <a:cs typeface="Times New Roman" panose="02020603050405020304" pitchFamily="18" charset="0"/>
-              </a:rPr>
-              <a:t>bentuk</a:t>
-            </a:r>
-            <a:r>
-              <a:rPr lang="en-US" sz="2100" dirty="0">
-                <a:effectLst/>
-                <a:latin typeface="Calibri (Body)"/>
-                <a:ea typeface="DengXian" panose="02010600030101010101" pitchFamily="2" charset="-122"/>
-                <a:cs typeface="Times New Roman" panose="02020603050405020304" pitchFamily="18" charset="0"/>
-              </a:rPr>
-              <a:t> csv. </a:t>
-            </a:r>
-            <a:r>
-              <a:rPr lang="en-US" sz="2100" dirty="0" err="1">
-                <a:effectLst/>
-                <a:latin typeface="Calibri (Body)"/>
-                <a:ea typeface="DengXian" panose="02010600030101010101" pitchFamily="2" charset="-122"/>
-                <a:cs typeface="Times New Roman" panose="02020603050405020304" pitchFamily="18" charset="0"/>
-              </a:rPr>
-              <a:t>Aplikasi</a:t>
-            </a:r>
-            <a:r>
-              <a:rPr lang="en-US" sz="2100" dirty="0">
-                <a:effectLst/>
-                <a:latin typeface="Calibri (Body)"/>
-                <a:ea typeface="DengXian" panose="02010600030101010101" pitchFamily="2" charset="-122"/>
-                <a:cs typeface="Times New Roman" panose="02020603050405020304" pitchFamily="18" charset="0"/>
-              </a:rPr>
-              <a:t> </a:t>
-            </a:r>
-            <a:r>
-              <a:rPr lang="en-US" sz="2100" dirty="0" err="1">
-                <a:effectLst/>
-                <a:latin typeface="Calibri (Body)"/>
-                <a:ea typeface="DengXian" panose="02010600030101010101" pitchFamily="2" charset="-122"/>
-                <a:cs typeface="Times New Roman" panose="02020603050405020304" pitchFamily="18" charset="0"/>
-              </a:rPr>
-              <a:t>ini</a:t>
-            </a:r>
-            <a:r>
-              <a:rPr lang="en-US" sz="2100" dirty="0">
-                <a:effectLst/>
-                <a:latin typeface="Calibri (Body)"/>
-                <a:ea typeface="DengXian" panose="02010600030101010101" pitchFamily="2" charset="-122"/>
-                <a:cs typeface="Times New Roman" panose="02020603050405020304" pitchFamily="18" charset="0"/>
-              </a:rPr>
-              <a:t> </a:t>
-            </a:r>
-            <a:r>
-              <a:rPr lang="en-US" sz="2100" dirty="0" err="1">
-                <a:effectLst/>
-                <a:latin typeface="Calibri (Body)"/>
-                <a:ea typeface="DengXian" panose="02010600030101010101" pitchFamily="2" charset="-122"/>
-                <a:cs typeface="Times New Roman" panose="02020603050405020304" pitchFamily="18" charset="0"/>
-              </a:rPr>
-              <a:t>dibuat</a:t>
-            </a:r>
-            <a:r>
-              <a:rPr lang="en-US" sz="2100" dirty="0">
-                <a:effectLst/>
-                <a:latin typeface="Calibri (Body)"/>
-                <a:ea typeface="DengXian" panose="02010600030101010101" pitchFamily="2" charset="-122"/>
-                <a:cs typeface="Times New Roman" panose="02020603050405020304" pitchFamily="18" charset="0"/>
-              </a:rPr>
-              <a:t> </a:t>
-            </a:r>
-            <a:r>
-              <a:rPr lang="en-US" sz="2100" dirty="0" err="1">
-                <a:effectLst/>
-                <a:latin typeface="Calibri (Body)"/>
-                <a:ea typeface="DengXian" panose="02010600030101010101" pitchFamily="2" charset="-122"/>
-                <a:cs typeface="Times New Roman" panose="02020603050405020304" pitchFamily="18" charset="0"/>
-              </a:rPr>
-              <a:t>dengan</a:t>
-            </a:r>
-            <a:r>
-              <a:rPr lang="en-US" sz="2100" dirty="0">
-                <a:effectLst/>
-                <a:latin typeface="Calibri (Body)"/>
-                <a:ea typeface="DengXian" panose="02010600030101010101" pitchFamily="2" charset="-122"/>
-                <a:cs typeface="Times New Roman" panose="02020603050405020304" pitchFamily="18" charset="0"/>
-              </a:rPr>
-              <a:t> </a:t>
-            </a:r>
-            <a:r>
-              <a:rPr lang="en-US" sz="2100" dirty="0" err="1">
-                <a:effectLst/>
-                <a:latin typeface="Calibri (Body)"/>
-                <a:ea typeface="DengXian" panose="02010600030101010101" pitchFamily="2" charset="-122"/>
-                <a:cs typeface="Times New Roman" panose="02020603050405020304" pitchFamily="18" charset="0"/>
-              </a:rPr>
-              <a:t>menggunakan</a:t>
-            </a:r>
-            <a:r>
-              <a:rPr lang="en-US" sz="2100" dirty="0">
-                <a:effectLst/>
-                <a:latin typeface="Calibri (Body)"/>
-                <a:ea typeface="DengXian" panose="02010600030101010101" pitchFamily="2" charset="-122"/>
-                <a:cs typeface="Times New Roman" panose="02020603050405020304" pitchFamily="18" charset="0"/>
-              </a:rPr>
-              <a:t> Bahasa </a:t>
-            </a:r>
-            <a:r>
-              <a:rPr lang="en-US" sz="2100" dirty="0" err="1">
-                <a:effectLst/>
-                <a:latin typeface="Calibri (Body)"/>
-                <a:ea typeface="DengXian" panose="02010600030101010101" pitchFamily="2" charset="-122"/>
-                <a:cs typeface="Times New Roman" panose="02020603050405020304" pitchFamily="18" charset="0"/>
-              </a:rPr>
-              <a:t>pemrograman</a:t>
-            </a:r>
-            <a:r>
-              <a:rPr lang="en-US" sz="2100" dirty="0">
-                <a:effectLst/>
-                <a:latin typeface="Calibri (Body)"/>
-                <a:ea typeface="DengXian" panose="02010600030101010101" pitchFamily="2" charset="-122"/>
-                <a:cs typeface="Times New Roman" panose="02020603050405020304" pitchFamily="18" charset="0"/>
-              </a:rPr>
-              <a:t> java dan </a:t>
-            </a:r>
-            <a:r>
-              <a:rPr lang="en-US" sz="2100" dirty="0" err="1">
-                <a:effectLst/>
-                <a:latin typeface="Calibri (Body)"/>
-                <a:ea typeface="DengXian" panose="02010600030101010101" pitchFamily="2" charset="-122"/>
-                <a:cs typeface="Times New Roman" panose="02020603050405020304" pitchFamily="18" charset="0"/>
-              </a:rPr>
-              <a:t>dibuat</a:t>
-            </a:r>
-            <a:r>
-              <a:rPr lang="en-US" sz="2100" dirty="0">
-                <a:effectLst/>
-                <a:latin typeface="Calibri (Body)"/>
-                <a:ea typeface="DengXian" panose="02010600030101010101" pitchFamily="2" charset="-122"/>
-                <a:cs typeface="Times New Roman" panose="02020603050405020304" pitchFamily="18" charset="0"/>
-              </a:rPr>
-              <a:t> </a:t>
-            </a:r>
-            <a:r>
-              <a:rPr lang="en-US" sz="2100" dirty="0" err="1">
-                <a:effectLst/>
-                <a:latin typeface="Calibri (Body)"/>
-                <a:ea typeface="DengXian" panose="02010600030101010101" pitchFamily="2" charset="-122"/>
-                <a:cs typeface="Times New Roman" panose="02020603050405020304" pitchFamily="18" charset="0"/>
-              </a:rPr>
-              <a:t>untuk</a:t>
-            </a:r>
-            <a:r>
-              <a:rPr lang="en-US" sz="2100" dirty="0">
-                <a:effectLst/>
-                <a:latin typeface="Calibri (Body)"/>
-                <a:ea typeface="DengXian" panose="02010600030101010101" pitchFamily="2" charset="-122"/>
-                <a:cs typeface="Times New Roman" panose="02020603050405020304" pitchFamily="18" charset="0"/>
-              </a:rPr>
-              <a:t> OS Android.</a:t>
-            </a:r>
-            <a:endParaRPr lang="id-ID" sz="2100" dirty="0">
-              <a:effectLst/>
-              <a:latin typeface="Calibri (Body)"/>
-              <a:ea typeface="DengXian" panose="02010600030101010101" pitchFamily="2" charset="-122"/>
-              <a:cs typeface="Times New Roman" panose="02020603050405020304" pitchFamily="18" charset="0"/>
-            </a:endParaRPr>
-          </a:p>
-          <a:p>
-            <a:pPr marL="457200" lvl="1" indent="0">
-              <a:buNone/>
-            </a:pPr>
-            <a:r>
-              <a:rPr lang="en-US" b="1" dirty="0" err="1"/>
-              <a:t>Deskripsi</a:t>
-            </a:r>
-            <a:r>
-              <a:rPr lang="en-US" b="1" dirty="0"/>
-              <a:t> </a:t>
-            </a:r>
-            <a:r>
-              <a:rPr lang="en-US" b="1" dirty="0" err="1"/>
-              <a:t>Fungsionalitas</a:t>
-            </a:r>
-            <a:endParaRPr lang="en-ID" b="1" dirty="0"/>
-          </a:p>
-          <a:p>
-            <a:pPr lvl="1"/>
-            <a:r>
-              <a:rPr lang="en-US" dirty="0"/>
-              <a:t>Login admin dan login user</a:t>
-            </a:r>
-            <a:endParaRPr lang="en-ID" dirty="0"/>
-          </a:p>
-          <a:p>
-            <a:pPr lvl="1"/>
-            <a:r>
-              <a:rPr lang="en-US" dirty="0"/>
-              <a:t>Daftar user</a:t>
-            </a:r>
-            <a:endParaRPr lang="en-ID" dirty="0"/>
-          </a:p>
-          <a:p>
-            <a:pPr lvl="1"/>
-            <a:r>
-              <a:rPr lang="en-US" dirty="0" err="1"/>
-              <a:t>Katalog</a:t>
-            </a:r>
-            <a:r>
-              <a:rPr lang="en-US" dirty="0"/>
-              <a:t> board game</a:t>
-            </a:r>
-            <a:endParaRPr lang="en-ID" dirty="0"/>
-          </a:p>
-          <a:p>
-            <a:pPr lvl="1"/>
-            <a:r>
-              <a:rPr lang="en-US" dirty="0" err="1"/>
-              <a:t>Kategori</a:t>
-            </a:r>
-            <a:r>
-              <a:rPr lang="en-US" dirty="0"/>
-              <a:t> game</a:t>
-            </a:r>
-            <a:endParaRPr lang="en-ID" dirty="0"/>
-          </a:p>
-          <a:p>
-            <a:pPr lvl="1"/>
-            <a:r>
-              <a:rPr lang="en-US" dirty="0" err="1"/>
-              <a:t>Membuat</a:t>
-            </a:r>
-            <a:r>
-              <a:rPr lang="en-US" dirty="0"/>
-              <a:t> data history</a:t>
-            </a:r>
-            <a:endParaRPr lang="en-ID" dirty="0"/>
-          </a:p>
-          <a:p>
-            <a:pPr lvl="1"/>
-            <a:r>
-              <a:rPr lang="en-US" dirty="0" err="1"/>
-              <a:t>Menambah</a:t>
-            </a:r>
-            <a:r>
-              <a:rPr lang="en-US" dirty="0"/>
-              <a:t> data game</a:t>
-            </a:r>
-            <a:endParaRPr lang="en-ID" dirty="0"/>
-          </a:p>
-          <a:p>
-            <a:pPr lvl="1"/>
-            <a:r>
-              <a:rPr lang="en-US" dirty="0" err="1"/>
-              <a:t>Mengganti</a:t>
-            </a:r>
-            <a:r>
-              <a:rPr lang="en-US" dirty="0"/>
-              <a:t> leaderboard</a:t>
-            </a:r>
-            <a:endParaRPr lang="en-ID" dirty="0"/>
-          </a:p>
-          <a:p>
-            <a:pPr lvl="1"/>
-            <a:r>
-              <a:rPr lang="en-US" dirty="0" err="1"/>
-              <a:t>Mengexport</a:t>
-            </a:r>
-            <a:r>
-              <a:rPr lang="en-US" dirty="0"/>
-              <a:t> data</a:t>
-            </a:r>
-            <a:endParaRPr lang="en-ID" dirty="0"/>
-          </a:p>
-        </p:txBody>
-      </p:sp>
+      </p:pic>
     </p:spTree>
     <p:extLst>
       <p:ext uri="{BB962C8B-B14F-4D97-AF65-F5344CB8AC3E}">
-        <p14:creationId xmlns:p14="http://schemas.microsoft.com/office/powerpoint/2010/main" val="1273568111"/>
+        <p14:creationId xmlns:p14="http://schemas.microsoft.com/office/powerpoint/2010/main" val="514511977"/>
       </p:ext>
     </p:extLst>
   </p:cSld>
@@ -6658,7 +6151,7 @@
           <p:cNvPr id="2" name="Title 1">
             <a:extLst>
               <a:ext uri="{FF2B5EF4-FFF2-40B4-BE49-F238E27FC236}">
-                <a16:creationId xmlns:a16="http://schemas.microsoft.com/office/drawing/2014/main" id="{EBFBC61D-34FE-44F3-8A25-5E5B2638F249}"/>
+                <a16:creationId xmlns:a16="http://schemas.microsoft.com/office/drawing/2014/main" id="{22D05F4A-8803-496C-98FE-396E8C262790}"/>
               </a:ext>
             </a:extLst>
           </p:cNvPr>
@@ -6669,58 +6162,868 @@
             <p:ph type="title"/>
           </p:nvPr>
         </p:nvSpPr>
-        <p:spPr/>
+        <p:spPr>
+          <a:xfrm>
+            <a:off x="838200" y="365125"/>
+            <a:ext cx="10515600" cy="1269711"/>
+          </a:xfrm>
+        </p:spPr>
         <p:txBody>
           <a:bodyPr/>
           <a:lstStyle/>
           <a:p>
             <a:r>
-              <a:rPr lang="en-US" dirty="0"/>
-              <a:t>Work Breakdown Structure</a:t>
+              <a:rPr lang="en-US" b="1" dirty="0"/>
+              <a:t>PROJECT SCOPE STATEMENT</a:t>
             </a:r>
             <a:endParaRPr lang="en-ID" dirty="0"/>
           </a:p>
         </p:txBody>
       </p:sp>
-      <p:pic>
-        <p:nvPicPr>
-          <p:cNvPr id="29" name="Content Placeholder 28">
-            <a:extLst>
-              <a:ext uri="{FF2B5EF4-FFF2-40B4-BE49-F238E27FC236}">
-                <a16:creationId xmlns:a16="http://schemas.microsoft.com/office/drawing/2014/main" id="{FEDAF3F4-3EB5-4B0D-910B-4F3909E7BD1E}"/>
-              </a:ext>
-            </a:extLst>
-          </p:cNvPr>
-          <p:cNvPicPr>
-            <a:picLocks noGrp="1" noChangeAspect="1"/>
-          </p:cNvPicPr>
+      <p:sp>
+        <p:nvSpPr>
+          <p:cNvPr id="3" name="Content Placeholder 2">
+            <a:extLst>
+              <a:ext uri="{FF2B5EF4-FFF2-40B4-BE49-F238E27FC236}">
+                <a16:creationId xmlns:a16="http://schemas.microsoft.com/office/drawing/2014/main" id="{999B197F-9F03-4B54-A879-B1F438A0F281}"/>
+              </a:ext>
+            </a:extLst>
+          </p:cNvPr>
+          <p:cNvSpPr>
+            <a:spLocks noGrp="1"/>
+          </p:cNvSpPr>
           <p:nvPr>
             <p:ph idx="1"/>
           </p:nvPr>
-        </p:nvPicPr>
-        <p:blipFill>
-          <a:blip r:embed="rId2">
-            <a:extLst>
-              <a:ext uri="{28A0092B-C50C-407E-A947-70E740481C1C}">
-                <a14:useLocalDpi xmlns:a14="http://schemas.microsoft.com/office/drawing/2010/main" val="0"/>
-              </a:ext>
-            </a:extLst>
-          </a:blip>
-          <a:stretch>
-            <a:fillRect/>
-          </a:stretch>
-        </p:blipFill>
+        </p:nvSpPr>
         <p:spPr>
           <a:xfrm>
-            <a:off x="1898073" y="1801092"/>
-            <a:ext cx="8437418" cy="3948284"/>
+            <a:off x="838198" y="1825625"/>
+            <a:ext cx="10515601" cy="4351338"/>
           </a:xfrm>
         </p:spPr>
-      </p:pic>
+        <p:txBody>
+          <a:bodyPr>
+            <a:normAutofit fontScale="92500" lnSpcReduction="20000"/>
+          </a:bodyPr>
+          <a:lstStyle/>
+          <a:p>
+            <a:pPr marL="457200" lvl="1" indent="0">
+              <a:buNone/>
+            </a:pPr>
+            <a:r>
+              <a:rPr lang="id-ID" b="1" dirty="0"/>
+              <a:t>Ruang Lingkup</a:t>
+            </a:r>
+            <a:endParaRPr lang="en-US" b="1" dirty="0"/>
+          </a:p>
+          <a:p>
+            <a:pPr marL="457200" lvl="1" indent="0" algn="just">
+              <a:buNone/>
+            </a:pPr>
+            <a:r>
+              <a:rPr lang="en-US" sz="2100" dirty="0" err="1">
+                <a:effectLst/>
+                <a:latin typeface="Calibri (Body)"/>
+                <a:ea typeface="DengXian" panose="02010600030101010101" pitchFamily="2" charset="-122"/>
+                <a:cs typeface="Times New Roman" panose="02020603050405020304" pitchFamily="18" charset="0"/>
+              </a:rPr>
+              <a:t>Aplikasi</a:t>
+            </a:r>
+            <a:r>
+              <a:rPr lang="en-US" sz="2100" dirty="0">
+                <a:effectLst/>
+                <a:latin typeface="Calibri (Body)"/>
+                <a:ea typeface="DengXian" panose="02010600030101010101" pitchFamily="2" charset="-122"/>
+                <a:cs typeface="Times New Roman" panose="02020603050405020304" pitchFamily="18" charset="0"/>
+              </a:rPr>
+              <a:t> Board Game Catalog </a:t>
+            </a:r>
+            <a:r>
+              <a:rPr lang="en-US" sz="2100" dirty="0" err="1">
+                <a:effectLst/>
+                <a:latin typeface="Calibri (Body)"/>
+                <a:ea typeface="DengXian" panose="02010600030101010101" pitchFamily="2" charset="-122"/>
+                <a:cs typeface="Times New Roman" panose="02020603050405020304" pitchFamily="18" charset="0"/>
+              </a:rPr>
+              <a:t>adalah</a:t>
+            </a:r>
+            <a:r>
+              <a:rPr lang="en-US" sz="2100" dirty="0">
+                <a:effectLst/>
+                <a:latin typeface="Calibri (Body)"/>
+                <a:ea typeface="DengXian" panose="02010600030101010101" pitchFamily="2" charset="-122"/>
+                <a:cs typeface="Times New Roman" panose="02020603050405020304" pitchFamily="18" charset="0"/>
+              </a:rPr>
+              <a:t> </a:t>
+            </a:r>
+            <a:r>
+              <a:rPr lang="en-US" sz="2100" dirty="0" err="1">
+                <a:effectLst/>
+                <a:latin typeface="Calibri (Body)"/>
+                <a:ea typeface="DengXian" panose="02010600030101010101" pitchFamily="2" charset="-122"/>
+                <a:cs typeface="Times New Roman" panose="02020603050405020304" pitchFamily="18" charset="0"/>
+              </a:rPr>
+              <a:t>aplikasi</a:t>
+            </a:r>
+            <a:r>
+              <a:rPr lang="en-US" sz="2100" dirty="0">
+                <a:effectLst/>
+                <a:latin typeface="Calibri (Body)"/>
+                <a:ea typeface="DengXian" panose="02010600030101010101" pitchFamily="2" charset="-122"/>
+                <a:cs typeface="Times New Roman" panose="02020603050405020304" pitchFamily="18" charset="0"/>
+              </a:rPr>
+              <a:t> yang </a:t>
+            </a:r>
+            <a:r>
+              <a:rPr lang="en-US" sz="2100" dirty="0" err="1">
+                <a:effectLst/>
+                <a:latin typeface="Calibri (Body)"/>
+                <a:ea typeface="DengXian" panose="02010600030101010101" pitchFamily="2" charset="-122"/>
+                <a:cs typeface="Times New Roman" panose="02020603050405020304" pitchFamily="18" charset="0"/>
+              </a:rPr>
+              <a:t>digunakan</a:t>
+            </a:r>
+            <a:r>
+              <a:rPr lang="en-US" sz="2100" dirty="0">
+                <a:effectLst/>
+                <a:latin typeface="Calibri (Body)"/>
+                <a:ea typeface="DengXian" panose="02010600030101010101" pitchFamily="2" charset="-122"/>
+                <a:cs typeface="Times New Roman" panose="02020603050405020304" pitchFamily="18" charset="0"/>
+              </a:rPr>
+              <a:t> </a:t>
+            </a:r>
+            <a:r>
+              <a:rPr lang="en-US" sz="2100" dirty="0" err="1">
+                <a:effectLst/>
+                <a:latin typeface="Calibri (Body)"/>
+                <a:ea typeface="DengXian" panose="02010600030101010101" pitchFamily="2" charset="-122"/>
+                <a:cs typeface="Times New Roman" panose="02020603050405020304" pitchFamily="18" charset="0"/>
+              </a:rPr>
+              <a:t>untuk</a:t>
+            </a:r>
+            <a:r>
+              <a:rPr lang="en-US" sz="2100" dirty="0">
+                <a:effectLst/>
+                <a:latin typeface="Calibri (Body)"/>
+                <a:ea typeface="DengXian" panose="02010600030101010101" pitchFamily="2" charset="-122"/>
+                <a:cs typeface="Times New Roman" panose="02020603050405020304" pitchFamily="18" charset="0"/>
+              </a:rPr>
+              <a:t> </a:t>
+            </a:r>
+            <a:r>
+              <a:rPr lang="en-US" sz="2100" dirty="0" err="1">
+                <a:effectLst/>
+                <a:latin typeface="Calibri (Body)"/>
+                <a:ea typeface="DengXian" panose="02010600030101010101" pitchFamily="2" charset="-122"/>
+                <a:cs typeface="Times New Roman" panose="02020603050405020304" pitchFamily="18" charset="0"/>
+              </a:rPr>
+              <a:t>mendata</a:t>
+            </a:r>
+            <a:r>
+              <a:rPr lang="en-US" sz="2100" dirty="0">
+                <a:effectLst/>
+                <a:latin typeface="Calibri (Body)"/>
+                <a:ea typeface="DengXian" panose="02010600030101010101" pitchFamily="2" charset="-122"/>
+                <a:cs typeface="Times New Roman" panose="02020603050405020304" pitchFamily="18" charset="0"/>
+              </a:rPr>
+              <a:t> history </a:t>
+            </a:r>
+            <a:r>
+              <a:rPr lang="en-US" sz="2100" dirty="0" err="1">
+                <a:effectLst/>
+                <a:latin typeface="Calibri (Body)"/>
+                <a:ea typeface="DengXian" panose="02010600030101010101" pitchFamily="2" charset="-122"/>
+                <a:cs typeface="Times New Roman" panose="02020603050405020304" pitchFamily="18" charset="0"/>
+              </a:rPr>
+              <a:t>dari</a:t>
+            </a:r>
+            <a:r>
+              <a:rPr lang="en-US" sz="2100" dirty="0">
+                <a:effectLst/>
+                <a:latin typeface="Calibri (Body)"/>
+                <a:ea typeface="DengXian" panose="02010600030101010101" pitchFamily="2" charset="-122"/>
+                <a:cs typeface="Times New Roman" panose="02020603050405020304" pitchFamily="18" charset="0"/>
+              </a:rPr>
+              <a:t> </a:t>
+            </a:r>
+            <a:r>
+              <a:rPr lang="en-US" sz="2100" dirty="0" err="1">
+                <a:effectLst/>
+                <a:latin typeface="Calibri (Body)"/>
+                <a:ea typeface="DengXian" panose="02010600030101010101" pitchFamily="2" charset="-122"/>
+                <a:cs typeface="Times New Roman" panose="02020603050405020304" pitchFamily="18" charset="0"/>
+              </a:rPr>
+              <a:t>permainan</a:t>
+            </a:r>
+            <a:r>
+              <a:rPr lang="en-US" sz="2100" dirty="0">
+                <a:effectLst/>
+                <a:latin typeface="Calibri (Body)"/>
+                <a:ea typeface="DengXian" panose="02010600030101010101" pitchFamily="2" charset="-122"/>
+                <a:cs typeface="Times New Roman" panose="02020603050405020304" pitchFamily="18" charset="0"/>
+              </a:rPr>
+              <a:t> board game yang </a:t>
+            </a:r>
+            <a:r>
+              <a:rPr lang="en-US" sz="2100" dirty="0" err="1">
+                <a:effectLst/>
+                <a:latin typeface="Calibri (Body)"/>
+                <a:ea typeface="DengXian" panose="02010600030101010101" pitchFamily="2" charset="-122"/>
+                <a:cs typeface="Times New Roman" panose="02020603050405020304" pitchFamily="18" charset="0"/>
+              </a:rPr>
+              <a:t>dilakukan</a:t>
+            </a:r>
+            <a:r>
+              <a:rPr lang="en-US" sz="2100" dirty="0">
+                <a:effectLst/>
+                <a:latin typeface="Calibri (Body)"/>
+                <a:ea typeface="DengXian" panose="02010600030101010101" pitchFamily="2" charset="-122"/>
+                <a:cs typeface="Times New Roman" panose="02020603050405020304" pitchFamily="18" charset="0"/>
+              </a:rPr>
+              <a:t> user </a:t>
+            </a:r>
+            <a:r>
+              <a:rPr lang="en-US" sz="2100" dirty="0" err="1">
+                <a:effectLst/>
+                <a:latin typeface="Calibri (Body)"/>
+                <a:ea typeface="DengXian" panose="02010600030101010101" pitchFamily="2" charset="-122"/>
+                <a:cs typeface="Times New Roman" panose="02020603050405020304" pitchFamily="18" charset="0"/>
+              </a:rPr>
+              <a:t>berdasarkan</a:t>
+            </a:r>
+            <a:r>
+              <a:rPr lang="en-US" sz="2100" dirty="0">
+                <a:effectLst/>
+                <a:latin typeface="Calibri (Body)"/>
+                <a:ea typeface="DengXian" panose="02010600030101010101" pitchFamily="2" charset="-122"/>
+                <a:cs typeface="Times New Roman" panose="02020603050405020304" pitchFamily="18" charset="0"/>
+              </a:rPr>
+              <a:t> game yang </a:t>
+            </a:r>
+            <a:r>
+              <a:rPr lang="en-US" sz="2100" dirty="0" err="1">
+                <a:effectLst/>
+                <a:latin typeface="Calibri (Body)"/>
+                <a:ea typeface="DengXian" panose="02010600030101010101" pitchFamily="2" charset="-122"/>
+                <a:cs typeface="Times New Roman" panose="02020603050405020304" pitchFamily="18" charset="0"/>
+              </a:rPr>
+              <a:t>ditentukan</a:t>
+            </a:r>
+            <a:r>
+              <a:rPr lang="en-US" sz="2100" dirty="0">
+                <a:effectLst/>
+                <a:latin typeface="Calibri (Body)"/>
+                <a:ea typeface="DengXian" panose="02010600030101010101" pitchFamily="2" charset="-122"/>
+                <a:cs typeface="Times New Roman" panose="02020603050405020304" pitchFamily="18" charset="0"/>
+              </a:rPr>
+              <a:t> admin dan </a:t>
+            </a:r>
+            <a:r>
+              <a:rPr lang="en-US" sz="2100" dirty="0" err="1">
+                <a:effectLst/>
+                <a:latin typeface="Calibri (Body)"/>
+                <a:ea typeface="DengXian" panose="02010600030101010101" pitchFamily="2" charset="-122"/>
+                <a:cs typeface="Times New Roman" panose="02020603050405020304" pitchFamily="18" charset="0"/>
+              </a:rPr>
+              <a:t>dipilih</a:t>
+            </a:r>
+            <a:r>
+              <a:rPr lang="en-US" sz="2100" dirty="0">
+                <a:effectLst/>
+                <a:latin typeface="Calibri (Body)"/>
+                <a:ea typeface="DengXian" panose="02010600030101010101" pitchFamily="2" charset="-122"/>
+                <a:cs typeface="Times New Roman" panose="02020603050405020304" pitchFamily="18" charset="0"/>
+              </a:rPr>
+              <a:t> user. </a:t>
+            </a:r>
+            <a:r>
+              <a:rPr lang="en-US" sz="2100" dirty="0" err="1">
+                <a:effectLst/>
+                <a:latin typeface="Calibri (Body)"/>
+                <a:ea typeface="DengXian" panose="02010600030101010101" pitchFamily="2" charset="-122"/>
+                <a:cs typeface="Times New Roman" panose="02020603050405020304" pitchFamily="18" charset="0"/>
+              </a:rPr>
+              <a:t>Aplikasi</a:t>
+            </a:r>
+            <a:r>
+              <a:rPr lang="en-US" sz="2100" dirty="0">
+                <a:effectLst/>
+                <a:latin typeface="Calibri (Body)"/>
+                <a:ea typeface="DengXian" panose="02010600030101010101" pitchFamily="2" charset="-122"/>
+                <a:cs typeface="Times New Roman" panose="02020603050405020304" pitchFamily="18" charset="0"/>
+              </a:rPr>
+              <a:t> </a:t>
+            </a:r>
+            <a:r>
+              <a:rPr lang="en-US" sz="2100" dirty="0" err="1">
+                <a:effectLst/>
+                <a:latin typeface="Calibri (Body)"/>
+                <a:ea typeface="DengXian" panose="02010600030101010101" pitchFamily="2" charset="-122"/>
+                <a:cs typeface="Times New Roman" panose="02020603050405020304" pitchFamily="18" charset="0"/>
+              </a:rPr>
+              <a:t>ini</a:t>
+            </a:r>
+            <a:r>
+              <a:rPr lang="en-US" sz="2100" dirty="0">
+                <a:effectLst/>
+                <a:latin typeface="Calibri (Body)"/>
+                <a:ea typeface="DengXian" panose="02010600030101010101" pitchFamily="2" charset="-122"/>
+                <a:cs typeface="Times New Roman" panose="02020603050405020304" pitchFamily="18" charset="0"/>
+              </a:rPr>
+              <a:t> </a:t>
+            </a:r>
+            <a:r>
+              <a:rPr lang="en-US" sz="2100" dirty="0" err="1">
+                <a:effectLst/>
+                <a:latin typeface="Calibri (Body)"/>
+                <a:ea typeface="DengXian" panose="02010600030101010101" pitchFamily="2" charset="-122"/>
+                <a:cs typeface="Times New Roman" panose="02020603050405020304" pitchFamily="18" charset="0"/>
+              </a:rPr>
+              <a:t>dapat</a:t>
+            </a:r>
+            <a:r>
+              <a:rPr lang="en-US" sz="2100" dirty="0">
+                <a:effectLst/>
+                <a:latin typeface="Calibri (Body)"/>
+                <a:ea typeface="DengXian" panose="02010600030101010101" pitchFamily="2" charset="-122"/>
+                <a:cs typeface="Times New Roman" panose="02020603050405020304" pitchFamily="18" charset="0"/>
+              </a:rPr>
+              <a:t> </a:t>
+            </a:r>
+            <a:r>
+              <a:rPr lang="en-US" sz="2100" dirty="0" err="1">
+                <a:effectLst/>
+                <a:latin typeface="Calibri (Body)"/>
+                <a:ea typeface="DengXian" panose="02010600030101010101" pitchFamily="2" charset="-122"/>
+                <a:cs typeface="Times New Roman" panose="02020603050405020304" pitchFamily="18" charset="0"/>
+              </a:rPr>
+              <a:t>mendata</a:t>
+            </a:r>
+            <a:r>
+              <a:rPr lang="en-US" sz="2100" dirty="0">
+                <a:effectLst/>
+                <a:latin typeface="Calibri (Body)"/>
+                <a:ea typeface="DengXian" panose="02010600030101010101" pitchFamily="2" charset="-122"/>
+                <a:cs typeface="Times New Roman" panose="02020603050405020304" pitchFamily="18" charset="0"/>
+              </a:rPr>
+              <a:t> leaderboard </a:t>
+            </a:r>
+            <a:r>
+              <a:rPr lang="en-US" sz="2100" dirty="0" err="1">
+                <a:effectLst/>
+                <a:latin typeface="Calibri (Body)"/>
+                <a:ea typeface="DengXian" panose="02010600030101010101" pitchFamily="2" charset="-122"/>
+                <a:cs typeface="Times New Roman" panose="02020603050405020304" pitchFamily="18" charset="0"/>
+              </a:rPr>
+              <a:t>berdasarkan</a:t>
+            </a:r>
+            <a:r>
+              <a:rPr lang="en-US" sz="2100" dirty="0">
+                <a:effectLst/>
+                <a:latin typeface="Calibri (Body)"/>
+                <a:ea typeface="DengXian" panose="02010600030101010101" pitchFamily="2" charset="-122"/>
+                <a:cs typeface="Times New Roman" panose="02020603050405020304" pitchFamily="18" charset="0"/>
+              </a:rPr>
+              <a:t> data yang </a:t>
+            </a:r>
+            <a:r>
+              <a:rPr lang="en-US" sz="2100" dirty="0" err="1">
+                <a:effectLst/>
+                <a:latin typeface="Calibri (Body)"/>
+                <a:ea typeface="DengXian" panose="02010600030101010101" pitchFamily="2" charset="-122"/>
+                <a:cs typeface="Times New Roman" panose="02020603050405020304" pitchFamily="18" charset="0"/>
+              </a:rPr>
+              <a:t>telah</a:t>
+            </a:r>
+            <a:r>
+              <a:rPr lang="en-US" sz="2100" dirty="0">
+                <a:effectLst/>
+                <a:latin typeface="Calibri (Body)"/>
+                <a:ea typeface="DengXian" panose="02010600030101010101" pitchFamily="2" charset="-122"/>
+                <a:cs typeface="Times New Roman" panose="02020603050405020304" pitchFamily="18" charset="0"/>
+              </a:rPr>
+              <a:t> </a:t>
+            </a:r>
+            <a:r>
+              <a:rPr lang="en-US" sz="2100" dirty="0" err="1">
+                <a:effectLst/>
+                <a:latin typeface="Calibri (Body)"/>
+                <a:ea typeface="DengXian" panose="02010600030101010101" pitchFamily="2" charset="-122"/>
+                <a:cs typeface="Times New Roman" panose="02020603050405020304" pitchFamily="18" charset="0"/>
+              </a:rPr>
+              <a:t>diberikan</a:t>
+            </a:r>
+            <a:r>
+              <a:rPr lang="en-US" sz="2100" dirty="0">
+                <a:effectLst/>
+                <a:latin typeface="Calibri (Body)"/>
+                <a:ea typeface="DengXian" panose="02010600030101010101" pitchFamily="2" charset="-122"/>
+                <a:cs typeface="Times New Roman" panose="02020603050405020304" pitchFamily="18" charset="0"/>
+              </a:rPr>
+              <a:t> </a:t>
+            </a:r>
+            <a:r>
+              <a:rPr lang="en-US" sz="2100" dirty="0" err="1">
+                <a:effectLst/>
+                <a:latin typeface="Calibri (Body)"/>
+                <a:ea typeface="DengXian" panose="02010600030101010101" pitchFamily="2" charset="-122"/>
+                <a:cs typeface="Times New Roman" panose="02020603050405020304" pitchFamily="18" charset="0"/>
+              </a:rPr>
+              <a:t>kepada</a:t>
+            </a:r>
+            <a:r>
+              <a:rPr lang="en-US" sz="2100" dirty="0">
+                <a:effectLst/>
+                <a:latin typeface="Calibri (Body)"/>
+                <a:ea typeface="DengXian" panose="02010600030101010101" pitchFamily="2" charset="-122"/>
+                <a:cs typeface="Times New Roman" panose="02020603050405020304" pitchFamily="18" charset="0"/>
+              </a:rPr>
+              <a:t> user. Admin </a:t>
+            </a:r>
+            <a:r>
+              <a:rPr lang="en-US" sz="2100" dirty="0" err="1">
+                <a:effectLst/>
+                <a:latin typeface="Calibri (Body)"/>
+                <a:ea typeface="DengXian" panose="02010600030101010101" pitchFamily="2" charset="-122"/>
+                <a:cs typeface="Times New Roman" panose="02020603050405020304" pitchFamily="18" charset="0"/>
+              </a:rPr>
+              <a:t>dapat</a:t>
+            </a:r>
+            <a:r>
+              <a:rPr lang="en-US" sz="2100" dirty="0">
+                <a:effectLst/>
+                <a:latin typeface="Calibri (Body)"/>
+                <a:ea typeface="DengXian" panose="02010600030101010101" pitchFamily="2" charset="-122"/>
+                <a:cs typeface="Times New Roman" panose="02020603050405020304" pitchFamily="18" charset="0"/>
+              </a:rPr>
+              <a:t> </a:t>
+            </a:r>
+            <a:r>
+              <a:rPr lang="en-US" sz="2100" dirty="0" err="1">
+                <a:effectLst/>
+                <a:latin typeface="Calibri (Body)"/>
+                <a:ea typeface="DengXian" panose="02010600030101010101" pitchFamily="2" charset="-122"/>
+                <a:cs typeface="Times New Roman" panose="02020603050405020304" pitchFamily="18" charset="0"/>
+              </a:rPr>
+              <a:t>menambah</a:t>
+            </a:r>
+            <a:r>
+              <a:rPr lang="en-US" sz="2100" dirty="0">
+                <a:effectLst/>
+                <a:latin typeface="Calibri (Body)"/>
+                <a:ea typeface="DengXian" panose="02010600030101010101" pitchFamily="2" charset="-122"/>
+                <a:cs typeface="Times New Roman" panose="02020603050405020304" pitchFamily="18" charset="0"/>
+              </a:rPr>
+              <a:t> game, dan </a:t>
+            </a:r>
+            <a:r>
+              <a:rPr lang="en-US" sz="2100" dirty="0" err="1">
+                <a:effectLst/>
+                <a:latin typeface="Calibri (Body)"/>
+                <a:ea typeface="DengXian" panose="02010600030101010101" pitchFamily="2" charset="-122"/>
+                <a:cs typeface="Times New Roman" panose="02020603050405020304" pitchFamily="18" charset="0"/>
+              </a:rPr>
+              <a:t>membuat</a:t>
+            </a:r>
+            <a:r>
+              <a:rPr lang="en-US" sz="2100" dirty="0">
+                <a:effectLst/>
+                <a:latin typeface="Calibri (Body)"/>
+                <a:ea typeface="DengXian" panose="02010600030101010101" pitchFamily="2" charset="-122"/>
+                <a:cs typeface="Times New Roman" panose="02020603050405020304" pitchFamily="18" charset="0"/>
+              </a:rPr>
+              <a:t> </a:t>
+            </a:r>
+            <a:r>
+              <a:rPr lang="en-US" sz="2100" dirty="0" err="1">
+                <a:effectLst/>
+                <a:latin typeface="Calibri (Body)"/>
+                <a:ea typeface="DengXian" panose="02010600030101010101" pitchFamily="2" charset="-122"/>
+                <a:cs typeface="Times New Roman" panose="02020603050405020304" pitchFamily="18" charset="0"/>
+              </a:rPr>
+              <a:t>laporan</a:t>
+            </a:r>
+            <a:r>
+              <a:rPr lang="en-US" sz="2100" dirty="0">
+                <a:effectLst/>
+                <a:latin typeface="Calibri (Body)"/>
+                <a:ea typeface="DengXian" panose="02010600030101010101" pitchFamily="2" charset="-122"/>
+                <a:cs typeface="Times New Roman" panose="02020603050405020304" pitchFamily="18" charset="0"/>
+              </a:rPr>
+              <a:t> </a:t>
+            </a:r>
+            <a:r>
+              <a:rPr lang="en-US" sz="2100" dirty="0" err="1">
+                <a:effectLst/>
+                <a:latin typeface="Calibri (Body)"/>
+                <a:ea typeface="DengXian" panose="02010600030101010101" pitchFamily="2" charset="-122"/>
+                <a:cs typeface="Times New Roman" panose="02020603050405020304" pitchFamily="18" charset="0"/>
+              </a:rPr>
+              <a:t>berdasarkan</a:t>
+            </a:r>
+            <a:r>
+              <a:rPr lang="en-US" sz="2100" dirty="0">
+                <a:effectLst/>
+                <a:latin typeface="Calibri (Body)"/>
+                <a:ea typeface="DengXian" panose="02010600030101010101" pitchFamily="2" charset="-122"/>
+                <a:cs typeface="Times New Roman" panose="02020603050405020304" pitchFamily="18" charset="0"/>
+              </a:rPr>
+              <a:t> data yang </a:t>
+            </a:r>
+            <a:r>
+              <a:rPr lang="en-US" sz="2100" dirty="0" err="1">
+                <a:effectLst/>
+                <a:latin typeface="Calibri (Body)"/>
+                <a:ea typeface="DengXian" panose="02010600030101010101" pitchFamily="2" charset="-122"/>
+                <a:cs typeface="Times New Roman" panose="02020603050405020304" pitchFamily="18" charset="0"/>
+              </a:rPr>
+              <a:t>diperoleh</a:t>
+            </a:r>
+            <a:r>
+              <a:rPr lang="en-US" sz="2100" dirty="0">
+                <a:effectLst/>
+                <a:latin typeface="Calibri (Body)"/>
+                <a:ea typeface="DengXian" panose="02010600030101010101" pitchFamily="2" charset="-122"/>
+                <a:cs typeface="Times New Roman" panose="02020603050405020304" pitchFamily="18" charset="0"/>
+              </a:rPr>
+              <a:t> </a:t>
+            </a:r>
+            <a:r>
+              <a:rPr lang="en-US" sz="2100" dirty="0" err="1">
+                <a:effectLst/>
+                <a:latin typeface="Calibri (Body)"/>
+                <a:ea typeface="DengXian" panose="02010600030101010101" pitchFamily="2" charset="-122"/>
+                <a:cs typeface="Times New Roman" panose="02020603050405020304" pitchFamily="18" charset="0"/>
+              </a:rPr>
+              <a:t>dari</a:t>
+            </a:r>
+            <a:r>
+              <a:rPr lang="en-US" sz="2100" dirty="0">
+                <a:effectLst/>
+                <a:latin typeface="Calibri (Body)"/>
+                <a:ea typeface="DengXian" panose="02010600030101010101" pitchFamily="2" charset="-122"/>
+                <a:cs typeface="Times New Roman" panose="02020603050405020304" pitchFamily="18" charset="0"/>
+              </a:rPr>
+              <a:t> </a:t>
+            </a:r>
+            <a:r>
+              <a:rPr lang="en-US" sz="2100" dirty="0" err="1">
+                <a:effectLst/>
+                <a:latin typeface="Calibri (Body)"/>
+                <a:ea typeface="DengXian" panose="02010600030101010101" pitchFamily="2" charset="-122"/>
+                <a:cs typeface="Times New Roman" panose="02020603050405020304" pitchFamily="18" charset="0"/>
+              </a:rPr>
+              <a:t>aplikasi</a:t>
+            </a:r>
+            <a:r>
+              <a:rPr lang="en-US" sz="2100" dirty="0">
+                <a:effectLst/>
+                <a:latin typeface="Calibri (Body)"/>
+                <a:ea typeface="DengXian" panose="02010600030101010101" pitchFamily="2" charset="-122"/>
+                <a:cs typeface="Times New Roman" panose="02020603050405020304" pitchFamily="18" charset="0"/>
+              </a:rPr>
+              <a:t> </a:t>
+            </a:r>
+            <a:r>
+              <a:rPr lang="en-US" sz="2100" dirty="0" err="1">
+                <a:effectLst/>
+                <a:latin typeface="Calibri (Body)"/>
+                <a:ea typeface="DengXian" panose="02010600030101010101" pitchFamily="2" charset="-122"/>
+                <a:cs typeface="Times New Roman" panose="02020603050405020304" pitchFamily="18" charset="0"/>
+              </a:rPr>
+              <a:t>ke</a:t>
+            </a:r>
+            <a:r>
+              <a:rPr lang="en-US" sz="2100" dirty="0">
+                <a:effectLst/>
+                <a:latin typeface="Calibri (Body)"/>
+                <a:ea typeface="DengXian" panose="02010600030101010101" pitchFamily="2" charset="-122"/>
+                <a:cs typeface="Times New Roman" panose="02020603050405020304" pitchFamily="18" charset="0"/>
+              </a:rPr>
+              <a:t> </a:t>
+            </a:r>
+            <a:r>
+              <a:rPr lang="en-US" sz="2100" dirty="0" err="1">
+                <a:effectLst/>
+                <a:latin typeface="Calibri (Body)"/>
+                <a:ea typeface="DengXian" panose="02010600030101010101" pitchFamily="2" charset="-122"/>
+                <a:cs typeface="Times New Roman" panose="02020603050405020304" pitchFamily="18" charset="0"/>
+              </a:rPr>
+              <a:t>bentuk</a:t>
+            </a:r>
+            <a:r>
+              <a:rPr lang="en-US" sz="2100" dirty="0">
+                <a:effectLst/>
+                <a:latin typeface="Calibri (Body)"/>
+                <a:ea typeface="DengXian" panose="02010600030101010101" pitchFamily="2" charset="-122"/>
+                <a:cs typeface="Times New Roman" panose="02020603050405020304" pitchFamily="18" charset="0"/>
+              </a:rPr>
+              <a:t> csv. </a:t>
+            </a:r>
+            <a:r>
+              <a:rPr lang="en-US" sz="2100" dirty="0" err="1">
+                <a:effectLst/>
+                <a:latin typeface="Calibri (Body)"/>
+                <a:ea typeface="DengXian" panose="02010600030101010101" pitchFamily="2" charset="-122"/>
+                <a:cs typeface="Times New Roman" panose="02020603050405020304" pitchFamily="18" charset="0"/>
+              </a:rPr>
+              <a:t>Aplikasi</a:t>
+            </a:r>
+            <a:r>
+              <a:rPr lang="en-US" sz="2100" dirty="0">
+                <a:effectLst/>
+                <a:latin typeface="Calibri (Body)"/>
+                <a:ea typeface="DengXian" panose="02010600030101010101" pitchFamily="2" charset="-122"/>
+                <a:cs typeface="Times New Roman" panose="02020603050405020304" pitchFamily="18" charset="0"/>
+              </a:rPr>
+              <a:t> </a:t>
+            </a:r>
+            <a:r>
+              <a:rPr lang="en-US" sz="2100" dirty="0" err="1">
+                <a:effectLst/>
+                <a:latin typeface="Calibri (Body)"/>
+                <a:ea typeface="DengXian" panose="02010600030101010101" pitchFamily="2" charset="-122"/>
+                <a:cs typeface="Times New Roman" panose="02020603050405020304" pitchFamily="18" charset="0"/>
+              </a:rPr>
+              <a:t>ini</a:t>
+            </a:r>
+            <a:r>
+              <a:rPr lang="en-US" sz="2100" dirty="0">
+                <a:effectLst/>
+                <a:latin typeface="Calibri (Body)"/>
+                <a:ea typeface="DengXian" panose="02010600030101010101" pitchFamily="2" charset="-122"/>
+                <a:cs typeface="Times New Roman" panose="02020603050405020304" pitchFamily="18" charset="0"/>
+              </a:rPr>
+              <a:t> </a:t>
+            </a:r>
+            <a:r>
+              <a:rPr lang="en-US" sz="2100" dirty="0" err="1">
+                <a:effectLst/>
+                <a:latin typeface="Calibri (Body)"/>
+                <a:ea typeface="DengXian" panose="02010600030101010101" pitchFamily="2" charset="-122"/>
+                <a:cs typeface="Times New Roman" panose="02020603050405020304" pitchFamily="18" charset="0"/>
+              </a:rPr>
+              <a:t>dibuat</a:t>
+            </a:r>
+            <a:r>
+              <a:rPr lang="en-US" sz="2100" dirty="0">
+                <a:effectLst/>
+                <a:latin typeface="Calibri (Body)"/>
+                <a:ea typeface="DengXian" panose="02010600030101010101" pitchFamily="2" charset="-122"/>
+                <a:cs typeface="Times New Roman" panose="02020603050405020304" pitchFamily="18" charset="0"/>
+              </a:rPr>
+              <a:t> </a:t>
+            </a:r>
+            <a:r>
+              <a:rPr lang="en-US" sz="2100" dirty="0" err="1">
+                <a:effectLst/>
+                <a:latin typeface="Calibri (Body)"/>
+                <a:ea typeface="DengXian" panose="02010600030101010101" pitchFamily="2" charset="-122"/>
+                <a:cs typeface="Times New Roman" panose="02020603050405020304" pitchFamily="18" charset="0"/>
+              </a:rPr>
+              <a:t>dengan</a:t>
+            </a:r>
+            <a:r>
+              <a:rPr lang="en-US" sz="2100" dirty="0">
+                <a:effectLst/>
+                <a:latin typeface="Calibri (Body)"/>
+                <a:ea typeface="DengXian" panose="02010600030101010101" pitchFamily="2" charset="-122"/>
+                <a:cs typeface="Times New Roman" panose="02020603050405020304" pitchFamily="18" charset="0"/>
+              </a:rPr>
+              <a:t> </a:t>
+            </a:r>
+            <a:r>
+              <a:rPr lang="en-US" sz="2100" dirty="0" err="1">
+                <a:effectLst/>
+                <a:latin typeface="Calibri (Body)"/>
+                <a:ea typeface="DengXian" panose="02010600030101010101" pitchFamily="2" charset="-122"/>
+                <a:cs typeface="Times New Roman" panose="02020603050405020304" pitchFamily="18" charset="0"/>
+              </a:rPr>
+              <a:t>menggunakan</a:t>
+            </a:r>
+            <a:r>
+              <a:rPr lang="en-US" sz="2100" dirty="0">
+                <a:effectLst/>
+                <a:latin typeface="Calibri (Body)"/>
+                <a:ea typeface="DengXian" panose="02010600030101010101" pitchFamily="2" charset="-122"/>
+                <a:cs typeface="Times New Roman" panose="02020603050405020304" pitchFamily="18" charset="0"/>
+              </a:rPr>
+              <a:t> Bahasa </a:t>
+            </a:r>
+            <a:r>
+              <a:rPr lang="en-US" sz="2100" dirty="0" err="1">
+                <a:effectLst/>
+                <a:latin typeface="Calibri (Body)"/>
+                <a:ea typeface="DengXian" panose="02010600030101010101" pitchFamily="2" charset="-122"/>
+                <a:cs typeface="Times New Roman" panose="02020603050405020304" pitchFamily="18" charset="0"/>
+              </a:rPr>
+              <a:t>pemrograman</a:t>
+            </a:r>
+            <a:r>
+              <a:rPr lang="en-US" sz="2100" dirty="0">
+                <a:effectLst/>
+                <a:latin typeface="Calibri (Body)"/>
+                <a:ea typeface="DengXian" panose="02010600030101010101" pitchFamily="2" charset="-122"/>
+                <a:cs typeface="Times New Roman" panose="02020603050405020304" pitchFamily="18" charset="0"/>
+              </a:rPr>
+              <a:t> java dan </a:t>
+            </a:r>
+            <a:r>
+              <a:rPr lang="en-US" sz="2100" dirty="0" err="1">
+                <a:effectLst/>
+                <a:latin typeface="Calibri (Body)"/>
+                <a:ea typeface="DengXian" panose="02010600030101010101" pitchFamily="2" charset="-122"/>
+                <a:cs typeface="Times New Roman" panose="02020603050405020304" pitchFamily="18" charset="0"/>
+              </a:rPr>
+              <a:t>dibuat</a:t>
+            </a:r>
+            <a:r>
+              <a:rPr lang="en-US" sz="2100" dirty="0">
+                <a:effectLst/>
+                <a:latin typeface="Calibri (Body)"/>
+                <a:ea typeface="DengXian" panose="02010600030101010101" pitchFamily="2" charset="-122"/>
+                <a:cs typeface="Times New Roman" panose="02020603050405020304" pitchFamily="18" charset="0"/>
+              </a:rPr>
+              <a:t> </a:t>
+            </a:r>
+            <a:r>
+              <a:rPr lang="en-US" sz="2100" dirty="0" err="1">
+                <a:effectLst/>
+                <a:latin typeface="Calibri (Body)"/>
+                <a:ea typeface="DengXian" panose="02010600030101010101" pitchFamily="2" charset="-122"/>
+                <a:cs typeface="Times New Roman" panose="02020603050405020304" pitchFamily="18" charset="0"/>
+              </a:rPr>
+              <a:t>untuk</a:t>
+            </a:r>
+            <a:r>
+              <a:rPr lang="en-US" sz="2100" dirty="0">
+                <a:effectLst/>
+                <a:latin typeface="Calibri (Body)"/>
+                <a:ea typeface="DengXian" panose="02010600030101010101" pitchFamily="2" charset="-122"/>
+                <a:cs typeface="Times New Roman" panose="02020603050405020304" pitchFamily="18" charset="0"/>
+              </a:rPr>
+              <a:t> OS Android.</a:t>
+            </a:r>
+            <a:endParaRPr lang="id-ID" sz="2100" dirty="0">
+              <a:effectLst/>
+              <a:latin typeface="Calibri (Body)"/>
+              <a:ea typeface="DengXian" panose="02010600030101010101" pitchFamily="2" charset="-122"/>
+              <a:cs typeface="Times New Roman" panose="02020603050405020304" pitchFamily="18" charset="0"/>
+            </a:endParaRPr>
+          </a:p>
+          <a:p>
+            <a:pPr marL="457200" lvl="1" indent="0">
+              <a:buNone/>
+            </a:pPr>
+            <a:r>
+              <a:rPr lang="en-US" b="1" dirty="0" err="1"/>
+              <a:t>Deskripsi</a:t>
+            </a:r>
+            <a:r>
+              <a:rPr lang="en-US" b="1" dirty="0"/>
+              <a:t> </a:t>
+            </a:r>
+            <a:r>
+              <a:rPr lang="en-US" b="1" dirty="0" err="1"/>
+              <a:t>Fungsionalitas</a:t>
+            </a:r>
+            <a:endParaRPr lang="en-ID" b="1" dirty="0"/>
+          </a:p>
+          <a:p>
+            <a:pPr lvl="1"/>
+            <a:r>
+              <a:rPr lang="en-US" dirty="0"/>
+              <a:t>Login admin dan login user</a:t>
+            </a:r>
+            <a:endParaRPr lang="en-ID" dirty="0"/>
+          </a:p>
+          <a:p>
+            <a:pPr lvl="1"/>
+            <a:r>
+              <a:rPr lang="en-US" dirty="0"/>
+              <a:t>Daftar user</a:t>
+            </a:r>
+            <a:endParaRPr lang="en-ID" dirty="0"/>
+          </a:p>
+          <a:p>
+            <a:pPr lvl="1"/>
+            <a:r>
+              <a:rPr lang="en-US" dirty="0" err="1"/>
+              <a:t>Katalog</a:t>
+            </a:r>
+            <a:r>
+              <a:rPr lang="en-US" dirty="0"/>
+              <a:t> board game</a:t>
+            </a:r>
+            <a:endParaRPr lang="en-ID" dirty="0"/>
+          </a:p>
+          <a:p>
+            <a:pPr lvl="1"/>
+            <a:r>
+              <a:rPr lang="en-US" dirty="0" err="1"/>
+              <a:t>Kategori</a:t>
+            </a:r>
+            <a:r>
+              <a:rPr lang="en-US" dirty="0"/>
+              <a:t> game</a:t>
+            </a:r>
+            <a:endParaRPr lang="en-ID" dirty="0"/>
+          </a:p>
+          <a:p>
+            <a:pPr lvl="1"/>
+            <a:r>
+              <a:rPr lang="en-US" dirty="0" err="1"/>
+              <a:t>Membuat</a:t>
+            </a:r>
+            <a:r>
+              <a:rPr lang="en-US" dirty="0"/>
+              <a:t> data history</a:t>
+            </a:r>
+            <a:endParaRPr lang="en-ID" dirty="0"/>
+          </a:p>
+          <a:p>
+            <a:pPr lvl="1"/>
+            <a:r>
+              <a:rPr lang="en-US" dirty="0" err="1"/>
+              <a:t>Menambah</a:t>
+            </a:r>
+            <a:r>
+              <a:rPr lang="en-US" dirty="0"/>
+              <a:t> data game</a:t>
+            </a:r>
+            <a:endParaRPr lang="en-ID" dirty="0"/>
+          </a:p>
+          <a:p>
+            <a:pPr lvl="1"/>
+            <a:r>
+              <a:rPr lang="en-US" dirty="0" err="1"/>
+              <a:t>Mengganti</a:t>
+            </a:r>
+            <a:r>
+              <a:rPr lang="en-US" dirty="0"/>
+              <a:t> leaderboard</a:t>
+            </a:r>
+            <a:endParaRPr lang="en-ID" dirty="0"/>
+          </a:p>
+          <a:p>
+            <a:pPr lvl="1"/>
+            <a:r>
+              <a:rPr lang="en-US" dirty="0" err="1"/>
+              <a:t>Mengexport</a:t>
+            </a:r>
+            <a:r>
+              <a:rPr lang="en-US" dirty="0"/>
+              <a:t> data</a:t>
+            </a:r>
+            <a:endParaRPr lang="en-ID" dirty="0"/>
+          </a:p>
+        </p:txBody>
+      </p:sp>
     </p:spTree>
     <p:extLst>
       <p:ext uri="{BB962C8B-B14F-4D97-AF65-F5344CB8AC3E}">
-        <p14:creationId xmlns:p14="http://schemas.microsoft.com/office/powerpoint/2010/main" val="1447738250"/>
+        <p14:creationId xmlns:p14="http://schemas.microsoft.com/office/powerpoint/2010/main" val="1273568111"/>
       </p:ext>
     </p:extLst>
   </p:cSld>
@@ -6752,7 +7055,7 @@
           <p:cNvPr id="2" name="Title 1">
             <a:extLst>
               <a:ext uri="{FF2B5EF4-FFF2-40B4-BE49-F238E27FC236}">
-                <a16:creationId xmlns:a16="http://schemas.microsoft.com/office/drawing/2014/main" id="{0339D75E-8F97-4AC3-9378-EF73ECFED220}"/>
+                <a16:creationId xmlns:a16="http://schemas.microsoft.com/office/drawing/2014/main" id="{EBFBC61D-34FE-44F3-8A25-5E5B2638F249}"/>
               </a:ext>
             </a:extLst>
           </p:cNvPr>
@@ -6769,8 +7072,8 @@
           <a:lstStyle/>
           <a:p>
             <a:r>
-              <a:rPr lang="en-US" b="1" dirty="0"/>
-              <a:t>Gantt Chart</a:t>
+              <a:rPr lang="en-US" dirty="0"/>
+              <a:t>Work Breakdown Structure</a:t>
             </a:r>
             <a:endParaRPr lang="en-ID" dirty="0"/>
           </a:p>
@@ -6778,10 +7081,10 @@
       </p:sp>
       <p:pic>
         <p:nvPicPr>
-          <p:cNvPr id="5" name="Content Placeholder 4">
-            <a:extLst>
-              <a:ext uri="{FF2B5EF4-FFF2-40B4-BE49-F238E27FC236}">
-                <a16:creationId xmlns:a16="http://schemas.microsoft.com/office/drawing/2014/main" id="{567006A6-D088-46AD-BC7D-01C3297CE5F1}"/>
+          <p:cNvPr id="29" name="Content Placeholder 28">
+            <a:extLst>
+              <a:ext uri="{FF2B5EF4-FFF2-40B4-BE49-F238E27FC236}">
+                <a16:creationId xmlns:a16="http://schemas.microsoft.com/office/drawing/2014/main" id="{FEDAF3F4-3EB5-4B0D-910B-4F3909E7BD1E}"/>
               </a:ext>
             </a:extLst>
           </p:cNvPr>
@@ -6806,15 +7109,15 @@
         </p:blipFill>
         <p:spPr>
           <a:xfrm>
-            <a:off x="1219199" y="1828800"/>
-            <a:ext cx="9878292" cy="3768436"/>
+            <a:off x="1898073" y="1801092"/>
+            <a:ext cx="8437418" cy="3948284"/>
           </a:xfrm>
         </p:spPr>
       </p:pic>
     </p:spTree>
     <p:extLst>
       <p:ext uri="{BB962C8B-B14F-4D97-AF65-F5344CB8AC3E}">
-        <p14:creationId xmlns:p14="http://schemas.microsoft.com/office/powerpoint/2010/main" val="540108133"/>
+        <p14:creationId xmlns:p14="http://schemas.microsoft.com/office/powerpoint/2010/main" val="1447738250"/>
       </p:ext>
     </p:extLst>
   </p:cSld>
@@ -6846,7 +7149,7 @@
           <p:cNvPr id="2" name="Title 1">
             <a:extLst>
               <a:ext uri="{FF2B5EF4-FFF2-40B4-BE49-F238E27FC236}">
-                <a16:creationId xmlns:a16="http://schemas.microsoft.com/office/drawing/2014/main" id="{602C162F-EDD6-4BF2-8339-3EAA34E06F29}"/>
+                <a16:creationId xmlns:a16="http://schemas.microsoft.com/office/drawing/2014/main" id="{0339D75E-8F97-4AC3-9378-EF73ECFED220}"/>
               </a:ext>
             </a:extLst>
           </p:cNvPr>
@@ -6863,372 +7166,31 @@
           <a:lstStyle/>
           <a:p>
             <a:r>
-              <a:rPr lang="id-ID" dirty="0"/>
-              <a:t>Project </a:t>
-            </a:r>
-            <a:r>
-              <a:rPr lang="id-ID" dirty="0" err="1"/>
-              <a:t>Management</a:t>
-            </a:r>
-            <a:r>
-              <a:rPr lang="id-ID" dirty="0"/>
-              <a:t> </a:t>
-            </a:r>
-            <a:r>
-              <a:rPr lang="id-ID" dirty="0" err="1"/>
-              <a:t>Tools</a:t>
-            </a:r>
-            <a:r>
-              <a:rPr lang="en-US" dirty="0"/>
-              <a:t> : </a:t>
-            </a:r>
-            <a:r>
-              <a:rPr lang="id-ID" dirty="0" err="1"/>
-              <a:t>Notion</a:t>
-            </a:r>
-            <a:endParaRPr lang="en-ID" dirty="0"/>
-          </a:p>
-        </p:txBody>
-      </p:sp>
-      <p:sp>
-        <p:nvSpPr>
-          <p:cNvPr id="3" name="Content Placeholder 2">
-            <a:extLst>
-              <a:ext uri="{FF2B5EF4-FFF2-40B4-BE49-F238E27FC236}">
-                <a16:creationId xmlns:a16="http://schemas.microsoft.com/office/drawing/2014/main" id="{5147FEA4-B9C0-4C15-9856-2831442A1BE6}"/>
-              </a:ext>
-            </a:extLst>
-          </p:cNvPr>
-          <p:cNvSpPr>
-            <a:spLocks noGrp="1"/>
-          </p:cNvSpPr>
-          <p:nvPr>
-            <p:ph idx="1"/>
-          </p:nvPr>
-        </p:nvSpPr>
-        <p:spPr>
-          <a:xfrm>
-            <a:off x="838200" y="1508126"/>
-            <a:ext cx="10515600" cy="583746"/>
-          </a:xfrm>
-        </p:spPr>
-        <p:txBody>
-          <a:bodyPr>
-            <a:normAutofit lnSpcReduction="10000"/>
-          </a:bodyPr>
-          <a:lstStyle/>
-          <a:p>
-            <a:pPr marL="0" indent="0">
-              <a:buNone/>
-            </a:pPr>
-            <a:r>
-              <a:rPr lang="en-US" sz="1800" dirty="0">
-                <a:effectLst/>
-                <a:latin typeface="Times New Roman" panose="02020603050405020304" pitchFamily="18" charset="0"/>
-                <a:ea typeface="DengXian" panose="02010600030101010101" pitchFamily="2" charset="-122"/>
-                <a:cs typeface="Times New Roman" panose="02020603050405020304" pitchFamily="18" charset="0"/>
-              </a:rPr>
-              <a:t>Tools </a:t>
-            </a:r>
-            <a:r>
-              <a:rPr lang="en-US" sz="1800" dirty="0" err="1">
-                <a:effectLst/>
-                <a:latin typeface="Times New Roman" panose="02020603050405020304" pitchFamily="18" charset="0"/>
-                <a:ea typeface="DengXian" panose="02010600030101010101" pitchFamily="2" charset="-122"/>
-                <a:cs typeface="Times New Roman" panose="02020603050405020304" pitchFamily="18" charset="0"/>
-              </a:rPr>
-              <a:t>ini</a:t>
-            </a:r>
-            <a:r>
-              <a:rPr lang="en-US" sz="1800" dirty="0">
-                <a:effectLst/>
-                <a:latin typeface="Times New Roman" panose="02020603050405020304" pitchFamily="18" charset="0"/>
-                <a:ea typeface="DengXian" panose="02010600030101010101" pitchFamily="2" charset="-122"/>
-                <a:cs typeface="Times New Roman" panose="02020603050405020304" pitchFamily="18" charset="0"/>
-              </a:rPr>
-              <a:t> </a:t>
-            </a:r>
-            <a:r>
-              <a:rPr lang="en-US" sz="1800" dirty="0" err="1">
-                <a:effectLst/>
-                <a:latin typeface="Times New Roman" panose="02020603050405020304" pitchFamily="18" charset="0"/>
-                <a:ea typeface="DengXian" panose="02010600030101010101" pitchFamily="2" charset="-122"/>
-                <a:cs typeface="Times New Roman" panose="02020603050405020304" pitchFamily="18" charset="0"/>
-              </a:rPr>
-              <a:t>dipilih</a:t>
-            </a:r>
-            <a:r>
-              <a:rPr lang="en-US" sz="1800" dirty="0">
-                <a:effectLst/>
-                <a:latin typeface="Times New Roman" panose="02020603050405020304" pitchFamily="18" charset="0"/>
-                <a:ea typeface="DengXian" panose="02010600030101010101" pitchFamily="2" charset="-122"/>
-                <a:cs typeface="Times New Roman" panose="02020603050405020304" pitchFamily="18" charset="0"/>
-              </a:rPr>
-              <a:t> </a:t>
-            </a:r>
-            <a:r>
-              <a:rPr lang="en-US" sz="1800" dirty="0" err="1">
-                <a:effectLst/>
-                <a:latin typeface="Times New Roman" panose="02020603050405020304" pitchFamily="18" charset="0"/>
-                <a:ea typeface="DengXian" panose="02010600030101010101" pitchFamily="2" charset="-122"/>
-                <a:cs typeface="Times New Roman" panose="02020603050405020304" pitchFamily="18" charset="0"/>
-              </a:rPr>
-              <a:t>karena</a:t>
-            </a:r>
-            <a:r>
-              <a:rPr lang="en-US" sz="1800" dirty="0">
-                <a:effectLst/>
-                <a:latin typeface="Times New Roman" panose="02020603050405020304" pitchFamily="18" charset="0"/>
-                <a:ea typeface="DengXian" panose="02010600030101010101" pitchFamily="2" charset="-122"/>
-                <a:cs typeface="Times New Roman" panose="02020603050405020304" pitchFamily="18" charset="0"/>
-              </a:rPr>
-              <a:t> </a:t>
-            </a:r>
-            <a:r>
-              <a:rPr lang="en-US" sz="1800" dirty="0" err="1">
-                <a:effectLst/>
-                <a:latin typeface="Times New Roman" panose="02020603050405020304" pitchFamily="18" charset="0"/>
-                <a:ea typeface="DengXian" panose="02010600030101010101" pitchFamily="2" charset="-122"/>
-                <a:cs typeface="Times New Roman" panose="02020603050405020304" pitchFamily="18" charset="0"/>
-              </a:rPr>
-              <a:t>kemudahan</a:t>
-            </a:r>
-            <a:r>
-              <a:rPr lang="en-US" sz="1800" dirty="0">
-                <a:effectLst/>
-                <a:latin typeface="Times New Roman" panose="02020603050405020304" pitchFamily="18" charset="0"/>
-                <a:ea typeface="DengXian" panose="02010600030101010101" pitchFamily="2" charset="-122"/>
-                <a:cs typeface="Times New Roman" panose="02020603050405020304" pitchFamily="18" charset="0"/>
-              </a:rPr>
-              <a:t> </a:t>
-            </a:r>
-            <a:r>
-              <a:rPr lang="en-US" sz="1800" dirty="0" err="1">
-                <a:effectLst/>
-                <a:latin typeface="Times New Roman" panose="02020603050405020304" pitchFamily="18" charset="0"/>
-                <a:ea typeface="DengXian" panose="02010600030101010101" pitchFamily="2" charset="-122"/>
-                <a:cs typeface="Times New Roman" panose="02020603050405020304" pitchFamily="18" charset="0"/>
-              </a:rPr>
-              <a:t>penggunaan</a:t>
-            </a:r>
-            <a:r>
-              <a:rPr lang="en-US" sz="1800" dirty="0">
-                <a:effectLst/>
-                <a:latin typeface="Times New Roman" panose="02020603050405020304" pitchFamily="18" charset="0"/>
-                <a:ea typeface="DengXian" panose="02010600030101010101" pitchFamily="2" charset="-122"/>
-                <a:cs typeface="Times New Roman" panose="02020603050405020304" pitchFamily="18" charset="0"/>
-              </a:rPr>
-              <a:t> </a:t>
-            </a:r>
-            <a:r>
-              <a:rPr lang="en-US" sz="1800" dirty="0" err="1">
-                <a:effectLst/>
-                <a:latin typeface="Times New Roman" panose="02020603050405020304" pitchFamily="18" charset="0"/>
-                <a:ea typeface="DengXian" panose="02010600030101010101" pitchFamily="2" charset="-122"/>
-                <a:cs typeface="Times New Roman" panose="02020603050405020304" pitchFamily="18" charset="0"/>
-              </a:rPr>
-              <a:t>bagi</a:t>
-            </a:r>
-            <a:r>
-              <a:rPr lang="en-US" sz="1800" dirty="0">
-                <a:effectLst/>
-                <a:latin typeface="Times New Roman" panose="02020603050405020304" pitchFamily="18" charset="0"/>
-                <a:ea typeface="DengXian" panose="02010600030101010101" pitchFamily="2" charset="-122"/>
-                <a:cs typeface="Times New Roman" panose="02020603050405020304" pitchFamily="18" charset="0"/>
-              </a:rPr>
-              <a:t> user. Tools </a:t>
-            </a:r>
-            <a:r>
-              <a:rPr lang="en-US" sz="1800" dirty="0" err="1">
-                <a:effectLst/>
-                <a:latin typeface="Times New Roman" panose="02020603050405020304" pitchFamily="18" charset="0"/>
-                <a:ea typeface="DengXian" panose="02010600030101010101" pitchFamily="2" charset="-122"/>
-                <a:cs typeface="Times New Roman" panose="02020603050405020304" pitchFamily="18" charset="0"/>
-              </a:rPr>
-              <a:t>ini</a:t>
-            </a:r>
-            <a:r>
-              <a:rPr lang="en-US" sz="1800" dirty="0">
-                <a:effectLst/>
-                <a:latin typeface="Times New Roman" panose="02020603050405020304" pitchFamily="18" charset="0"/>
-                <a:ea typeface="DengXian" panose="02010600030101010101" pitchFamily="2" charset="-122"/>
-                <a:cs typeface="Times New Roman" panose="02020603050405020304" pitchFamily="18" charset="0"/>
-              </a:rPr>
-              <a:t> juga </a:t>
-            </a:r>
-            <a:r>
-              <a:rPr lang="en-US" sz="1800" dirty="0" err="1">
-                <a:effectLst/>
-                <a:latin typeface="Times New Roman" panose="02020603050405020304" pitchFamily="18" charset="0"/>
-                <a:ea typeface="DengXian" panose="02010600030101010101" pitchFamily="2" charset="-122"/>
-                <a:cs typeface="Times New Roman" panose="02020603050405020304" pitchFamily="18" charset="0"/>
-              </a:rPr>
-              <a:t>dapat</a:t>
-            </a:r>
-            <a:r>
-              <a:rPr lang="en-US" sz="1800" dirty="0">
-                <a:effectLst/>
-                <a:latin typeface="Times New Roman" panose="02020603050405020304" pitchFamily="18" charset="0"/>
-                <a:ea typeface="DengXian" panose="02010600030101010101" pitchFamily="2" charset="-122"/>
-                <a:cs typeface="Times New Roman" panose="02020603050405020304" pitchFamily="18" charset="0"/>
-              </a:rPr>
-              <a:t> </a:t>
-            </a:r>
-            <a:r>
-              <a:rPr lang="en-US" sz="1800" dirty="0" err="1">
-                <a:effectLst/>
-                <a:latin typeface="Times New Roman" panose="02020603050405020304" pitchFamily="18" charset="0"/>
-                <a:ea typeface="DengXian" panose="02010600030101010101" pitchFamily="2" charset="-122"/>
-                <a:cs typeface="Times New Roman" panose="02020603050405020304" pitchFamily="18" charset="0"/>
-              </a:rPr>
-              <a:t>diinstall</a:t>
-            </a:r>
-            <a:r>
-              <a:rPr lang="en-US" sz="1800" dirty="0">
-                <a:effectLst/>
-                <a:latin typeface="Times New Roman" panose="02020603050405020304" pitchFamily="18" charset="0"/>
-                <a:ea typeface="DengXian" panose="02010600030101010101" pitchFamily="2" charset="-122"/>
-                <a:cs typeface="Times New Roman" panose="02020603050405020304" pitchFamily="18" charset="0"/>
-              </a:rPr>
-              <a:t> di android, </a:t>
-            </a:r>
-            <a:r>
-              <a:rPr lang="en-US" sz="1800" dirty="0" err="1">
-                <a:effectLst/>
-                <a:latin typeface="Times New Roman" panose="02020603050405020304" pitchFamily="18" charset="0"/>
-                <a:ea typeface="DengXian" panose="02010600030101010101" pitchFamily="2" charset="-122"/>
-                <a:cs typeface="Times New Roman" panose="02020603050405020304" pitchFamily="18" charset="0"/>
-              </a:rPr>
-              <a:t>sehingga</a:t>
-            </a:r>
-            <a:r>
-              <a:rPr lang="en-US" sz="1800" dirty="0">
-                <a:effectLst/>
-                <a:latin typeface="Times New Roman" panose="02020603050405020304" pitchFamily="18" charset="0"/>
-                <a:ea typeface="DengXian" panose="02010600030101010101" pitchFamily="2" charset="-122"/>
-                <a:cs typeface="Times New Roman" panose="02020603050405020304" pitchFamily="18" charset="0"/>
-              </a:rPr>
-              <a:t> </a:t>
-            </a:r>
-            <a:r>
-              <a:rPr lang="en-US" sz="1800" dirty="0" err="1">
-                <a:effectLst/>
-                <a:latin typeface="Times New Roman" panose="02020603050405020304" pitchFamily="18" charset="0"/>
-                <a:ea typeface="DengXian" panose="02010600030101010101" pitchFamily="2" charset="-122"/>
-                <a:cs typeface="Times New Roman" panose="02020603050405020304" pitchFamily="18" charset="0"/>
-              </a:rPr>
-              <a:t>memudahkan</a:t>
-            </a:r>
-            <a:r>
-              <a:rPr lang="en-US" sz="1800" dirty="0">
-                <a:effectLst/>
-                <a:latin typeface="Times New Roman" panose="02020603050405020304" pitchFamily="18" charset="0"/>
-                <a:ea typeface="DengXian" panose="02010600030101010101" pitchFamily="2" charset="-122"/>
-                <a:cs typeface="Times New Roman" panose="02020603050405020304" pitchFamily="18" charset="0"/>
-              </a:rPr>
-              <a:t> </a:t>
-            </a:r>
-            <a:r>
-              <a:rPr lang="en-US" sz="1800" dirty="0" err="1">
-                <a:effectLst/>
-                <a:latin typeface="Times New Roman" panose="02020603050405020304" pitchFamily="18" charset="0"/>
-                <a:ea typeface="DengXian" panose="02010600030101010101" pitchFamily="2" charset="-122"/>
-                <a:cs typeface="Times New Roman" panose="02020603050405020304" pitchFamily="18" charset="0"/>
-              </a:rPr>
-              <a:t>pengguna</a:t>
-            </a:r>
-            <a:r>
-              <a:rPr lang="en-US" sz="1800" dirty="0">
-                <a:effectLst/>
-                <a:latin typeface="Times New Roman" panose="02020603050405020304" pitchFamily="18" charset="0"/>
-                <a:ea typeface="DengXian" panose="02010600030101010101" pitchFamily="2" charset="-122"/>
-                <a:cs typeface="Times New Roman" panose="02020603050405020304" pitchFamily="18" charset="0"/>
-              </a:rPr>
-              <a:t> </a:t>
-            </a:r>
-            <a:r>
-              <a:rPr lang="en-US" sz="1800" dirty="0" err="1">
-                <a:effectLst/>
-                <a:latin typeface="Times New Roman" panose="02020603050405020304" pitchFamily="18" charset="0"/>
-                <a:ea typeface="DengXian" panose="02010600030101010101" pitchFamily="2" charset="-122"/>
-                <a:cs typeface="Times New Roman" panose="02020603050405020304" pitchFamily="18" charset="0"/>
-              </a:rPr>
-              <a:t>dalam</a:t>
-            </a:r>
-            <a:r>
-              <a:rPr lang="en-US" sz="1800" dirty="0">
-                <a:effectLst/>
-                <a:latin typeface="Times New Roman" panose="02020603050405020304" pitchFamily="18" charset="0"/>
-                <a:ea typeface="DengXian" panose="02010600030101010101" pitchFamily="2" charset="-122"/>
-                <a:cs typeface="Times New Roman" panose="02020603050405020304" pitchFamily="18" charset="0"/>
-              </a:rPr>
-              <a:t> </a:t>
-            </a:r>
-            <a:r>
-              <a:rPr lang="en-US" sz="1800" dirty="0" err="1">
-                <a:effectLst/>
-                <a:latin typeface="Times New Roman" panose="02020603050405020304" pitchFamily="18" charset="0"/>
-                <a:ea typeface="DengXian" panose="02010600030101010101" pitchFamily="2" charset="-122"/>
-                <a:cs typeface="Times New Roman" panose="02020603050405020304" pitchFamily="18" charset="0"/>
-              </a:rPr>
-              <a:t>melihat</a:t>
-            </a:r>
-            <a:r>
-              <a:rPr lang="en-US" sz="1800" dirty="0">
-                <a:effectLst/>
-                <a:latin typeface="Times New Roman" panose="02020603050405020304" pitchFamily="18" charset="0"/>
-                <a:ea typeface="DengXian" panose="02010600030101010101" pitchFamily="2" charset="-122"/>
-                <a:cs typeface="Times New Roman" panose="02020603050405020304" pitchFamily="18" charset="0"/>
-              </a:rPr>
-              <a:t> progress dan </a:t>
-            </a:r>
-            <a:r>
-              <a:rPr lang="en-US" sz="1800" dirty="0" err="1">
-                <a:effectLst/>
-                <a:latin typeface="Times New Roman" panose="02020603050405020304" pitchFamily="18" charset="0"/>
-                <a:ea typeface="DengXian" panose="02010600030101010101" pitchFamily="2" charset="-122"/>
-                <a:cs typeface="Times New Roman" panose="02020603050405020304" pitchFamily="18" charset="0"/>
-              </a:rPr>
-              <a:t>mengupdatenya</a:t>
-            </a:r>
-            <a:r>
-              <a:rPr lang="en-US" sz="1800" dirty="0">
-                <a:effectLst/>
-                <a:latin typeface="Times New Roman" panose="02020603050405020304" pitchFamily="18" charset="0"/>
-                <a:ea typeface="DengXian" panose="02010600030101010101" pitchFamily="2" charset="-122"/>
-                <a:cs typeface="Times New Roman" panose="02020603050405020304" pitchFamily="18" charset="0"/>
-              </a:rPr>
-              <a:t>.</a:t>
-            </a:r>
-            <a:endParaRPr lang="id-ID" sz="1800" dirty="0">
-              <a:effectLst/>
-              <a:latin typeface="Times New Roman" panose="02020603050405020304" pitchFamily="18" charset="0"/>
-              <a:ea typeface="DengXian" panose="02010600030101010101" pitchFamily="2" charset="-122"/>
-              <a:cs typeface="Times New Roman" panose="02020603050405020304" pitchFamily="18" charset="0"/>
-            </a:endParaRPr>
-          </a:p>
-          <a:p>
-            <a:pPr marL="0" indent="0">
-              <a:buNone/>
-            </a:pPr>
+              <a:rPr lang="en-US" b="1" dirty="0"/>
+              <a:t>Gantt Chart</a:t>
+            </a:r>
             <a:endParaRPr lang="en-ID" dirty="0"/>
           </a:p>
         </p:txBody>
       </p:sp>
       <p:pic>
         <p:nvPicPr>
-          <p:cNvPr id="4" name="Picture 3">
-            <a:extLst>
-              <a:ext uri="{FF2B5EF4-FFF2-40B4-BE49-F238E27FC236}">
-                <a16:creationId xmlns:a16="http://schemas.microsoft.com/office/drawing/2014/main" id="{E2A289EB-4469-4327-B32B-22B3CC10107A}"/>
-              </a:ext>
-            </a:extLst>
-          </p:cNvPr>
-          <p:cNvPicPr/>
-          <p:nvPr/>
+          <p:cNvPr id="5" name="Content Placeholder 4">
+            <a:extLst>
+              <a:ext uri="{FF2B5EF4-FFF2-40B4-BE49-F238E27FC236}">
+                <a16:creationId xmlns:a16="http://schemas.microsoft.com/office/drawing/2014/main" id="{567006A6-D088-46AD-BC7D-01C3297CE5F1}"/>
+              </a:ext>
+            </a:extLst>
+          </p:cNvPr>
+          <p:cNvPicPr>
+            <a:picLocks noGrp="1" noChangeAspect="1"/>
+          </p:cNvPicPr>
+          <p:nvPr>
+            <p:ph idx="1"/>
+          </p:nvPr>
         </p:nvPicPr>
         <p:blipFill>
-          <a:blip r:embed="rId2" cstate="print">
+          <a:blip r:embed="rId2">
             <a:extLst>
               <a:ext uri="{28A0092B-C50C-407E-A947-70E740481C1C}">
                 <a14:useLocalDpi xmlns:a14="http://schemas.microsoft.com/office/drawing/2010/main" val="0"/>
@@ -7241,18 +7203,15 @@
         </p:blipFill>
         <p:spPr>
           <a:xfrm>
-            <a:off x="1494971" y="2091872"/>
-            <a:ext cx="9405257" cy="4401003"/>
+            <a:off x="1219199" y="1828800"/>
+            <a:ext cx="9878292" cy="3768436"/>
           </a:xfrm>
-          <a:prstGeom prst="rect">
-            <a:avLst/>
-          </a:prstGeom>
         </p:spPr>
       </p:pic>
     </p:spTree>
     <p:extLst>
       <p:ext uri="{BB962C8B-B14F-4D97-AF65-F5344CB8AC3E}">
-        <p14:creationId xmlns:p14="http://schemas.microsoft.com/office/powerpoint/2010/main" val="1419492776"/>
+        <p14:creationId xmlns:p14="http://schemas.microsoft.com/office/powerpoint/2010/main" val="540108133"/>
       </p:ext>
     </p:extLst>
   </p:cSld>
@@ -7284,7 +7243,7 @@
           <p:cNvPr id="2" name="Title 1">
             <a:extLst>
               <a:ext uri="{FF2B5EF4-FFF2-40B4-BE49-F238E27FC236}">
-                <a16:creationId xmlns:a16="http://schemas.microsoft.com/office/drawing/2014/main" id="{455292C5-3699-4130-80A6-E328D765CBC4}"/>
+                <a16:creationId xmlns:a16="http://schemas.microsoft.com/office/drawing/2014/main" id="{602C162F-EDD6-4BF2-8339-3EAA34E06F29}"/>
               </a:ext>
             </a:extLst>
           </p:cNvPr>
@@ -7297,25 +7256,43 @@
         </p:nvSpPr>
         <p:spPr/>
         <p:txBody>
-          <a:bodyPr>
-            <a:normAutofit/>
-          </a:bodyPr>
+          <a:bodyPr/>
           <a:lstStyle/>
           <a:p>
             <a:r>
+              <a:rPr lang="id-ID" dirty="0"/>
+              <a:t>Project </a:t>
+            </a:r>
+            <a:r>
+              <a:rPr lang="id-ID" dirty="0" err="1"/>
+              <a:t>Management</a:t>
+            </a:r>
+            <a:r>
+              <a:rPr lang="id-ID" dirty="0"/>
+              <a:t> </a:t>
+            </a:r>
+            <a:r>
+              <a:rPr lang="id-ID" dirty="0" err="1"/>
+              <a:t>Tools</a:t>
+            </a:r>
+            <a:r>
               <a:rPr lang="en-US" dirty="0"/>
-              <a:t>Diagram : Draw.io</a:t>
-            </a:r>
-            <a:endParaRPr lang="id-ID" dirty="0"/>
+              <a:t> : </a:t>
+            </a:r>
+            <a:r>
+              <a:rPr lang="id-ID" dirty="0" err="1"/>
+              <a:t>Notion</a:t>
+            </a:r>
+            <a:endParaRPr lang="en-ID" dirty="0"/>
           </a:p>
         </p:txBody>
       </p:sp>
       <p:sp>
         <p:nvSpPr>
-          <p:cNvPr id="6" name="Content Placeholder 5">
-            <a:extLst>
-              <a:ext uri="{FF2B5EF4-FFF2-40B4-BE49-F238E27FC236}">
-                <a16:creationId xmlns:a16="http://schemas.microsoft.com/office/drawing/2014/main" id="{DC4E54E9-C4DE-4CD7-99EB-F29C49456BB6}"/>
+          <p:cNvPr id="3" name="Content Placeholder 2">
+            <a:extLst>
+              <a:ext uri="{FF2B5EF4-FFF2-40B4-BE49-F238E27FC236}">
+                <a16:creationId xmlns:a16="http://schemas.microsoft.com/office/drawing/2014/main" id="{5147FEA4-B9C0-4C15-9856-2831442A1BE6}"/>
               </a:ext>
             </a:extLst>
           </p:cNvPr>
@@ -7328,14 +7305,28 @@
         </p:nvSpPr>
         <p:spPr>
           <a:xfrm>
-            <a:off x="838200" y="1825625"/>
-            <a:ext cx="10515600" cy="402670"/>
+            <a:off x="838200" y="1508126"/>
+            <a:ext cx="10515600" cy="583746"/>
           </a:xfrm>
         </p:spPr>
         <p:txBody>
-          <a:bodyPr/>
+          <a:bodyPr>
+            <a:normAutofit lnSpcReduction="10000"/>
+          </a:bodyPr>
           <a:lstStyle/>
           <a:p>
+            <a:pPr marL="0" indent="0">
+              <a:buNone/>
+            </a:pPr>
+            <a:r>
+              <a:rPr lang="en-US" sz="1800" dirty="0">
+                <a:effectLst/>
+                <a:latin typeface="Times New Roman" panose="02020603050405020304" pitchFamily="18" charset="0"/>
+                <a:ea typeface="DengXian" panose="02010600030101010101" pitchFamily="2" charset="-122"/>
+                <a:cs typeface="Times New Roman" panose="02020603050405020304" pitchFamily="18" charset="0"/>
+              </a:rPr>
+              <a:t>Tools </a:t>
+            </a:r>
             <a:r>
               <a:rPr lang="en-US" sz="1800" dirty="0" err="1">
                 <a:effectLst/>
@@ -7343,7 +7334,7 @@
                 <a:ea typeface="DengXian" panose="02010600030101010101" pitchFamily="2" charset="-122"/>
                 <a:cs typeface="Times New Roman" panose="02020603050405020304" pitchFamily="18" charset="0"/>
               </a:rPr>
-              <a:t>Aplikasi</a:t>
+              <a:t>ini</a:t>
             </a:r>
             <a:r>
               <a:rPr lang="en-US" sz="1800" dirty="0">
@@ -7361,6 +7352,96 @@
                 <a:ea typeface="DengXian" panose="02010600030101010101" pitchFamily="2" charset="-122"/>
                 <a:cs typeface="Times New Roman" panose="02020603050405020304" pitchFamily="18" charset="0"/>
               </a:rPr>
+              <a:t>dipilih</a:t>
+            </a:r>
+            <a:r>
+              <a:rPr lang="en-US" sz="1800" dirty="0">
+                <a:effectLst/>
+                <a:latin typeface="Times New Roman" panose="02020603050405020304" pitchFamily="18" charset="0"/>
+                <a:ea typeface="DengXian" panose="02010600030101010101" pitchFamily="2" charset="-122"/>
+                <a:cs typeface="Times New Roman" panose="02020603050405020304" pitchFamily="18" charset="0"/>
+              </a:rPr>
+              <a:t> </a:t>
+            </a:r>
+            <a:r>
+              <a:rPr lang="en-US" sz="1800" dirty="0" err="1">
+                <a:effectLst/>
+                <a:latin typeface="Times New Roman" panose="02020603050405020304" pitchFamily="18" charset="0"/>
+                <a:ea typeface="DengXian" panose="02010600030101010101" pitchFamily="2" charset="-122"/>
+                <a:cs typeface="Times New Roman" panose="02020603050405020304" pitchFamily="18" charset="0"/>
+              </a:rPr>
+              <a:t>karena</a:t>
+            </a:r>
+            <a:r>
+              <a:rPr lang="en-US" sz="1800" dirty="0">
+                <a:effectLst/>
+                <a:latin typeface="Times New Roman" panose="02020603050405020304" pitchFamily="18" charset="0"/>
+                <a:ea typeface="DengXian" panose="02010600030101010101" pitchFamily="2" charset="-122"/>
+                <a:cs typeface="Times New Roman" panose="02020603050405020304" pitchFamily="18" charset="0"/>
+              </a:rPr>
+              <a:t> </a:t>
+            </a:r>
+            <a:r>
+              <a:rPr lang="en-US" sz="1800" dirty="0" err="1">
+                <a:effectLst/>
+                <a:latin typeface="Times New Roman" panose="02020603050405020304" pitchFamily="18" charset="0"/>
+                <a:ea typeface="DengXian" panose="02010600030101010101" pitchFamily="2" charset="-122"/>
+                <a:cs typeface="Times New Roman" panose="02020603050405020304" pitchFamily="18" charset="0"/>
+              </a:rPr>
+              <a:t>kemudahan</a:t>
+            </a:r>
+            <a:r>
+              <a:rPr lang="en-US" sz="1800" dirty="0">
+                <a:effectLst/>
+                <a:latin typeface="Times New Roman" panose="02020603050405020304" pitchFamily="18" charset="0"/>
+                <a:ea typeface="DengXian" panose="02010600030101010101" pitchFamily="2" charset="-122"/>
+                <a:cs typeface="Times New Roman" panose="02020603050405020304" pitchFamily="18" charset="0"/>
+              </a:rPr>
+              <a:t> </a:t>
+            </a:r>
+            <a:r>
+              <a:rPr lang="en-US" sz="1800" dirty="0" err="1">
+                <a:effectLst/>
+                <a:latin typeface="Times New Roman" panose="02020603050405020304" pitchFamily="18" charset="0"/>
+                <a:ea typeface="DengXian" panose="02010600030101010101" pitchFamily="2" charset="-122"/>
+                <a:cs typeface="Times New Roman" panose="02020603050405020304" pitchFamily="18" charset="0"/>
+              </a:rPr>
+              <a:t>penggunaan</a:t>
+            </a:r>
+            <a:r>
+              <a:rPr lang="en-US" sz="1800" dirty="0">
+                <a:effectLst/>
+                <a:latin typeface="Times New Roman" panose="02020603050405020304" pitchFamily="18" charset="0"/>
+                <a:ea typeface="DengXian" panose="02010600030101010101" pitchFamily="2" charset="-122"/>
+                <a:cs typeface="Times New Roman" panose="02020603050405020304" pitchFamily="18" charset="0"/>
+              </a:rPr>
+              <a:t> </a:t>
+            </a:r>
+            <a:r>
+              <a:rPr lang="en-US" sz="1800" dirty="0" err="1">
+                <a:effectLst/>
+                <a:latin typeface="Times New Roman" panose="02020603050405020304" pitchFamily="18" charset="0"/>
+                <a:ea typeface="DengXian" panose="02010600030101010101" pitchFamily="2" charset="-122"/>
+                <a:cs typeface="Times New Roman" panose="02020603050405020304" pitchFamily="18" charset="0"/>
+              </a:rPr>
+              <a:t>bagi</a:t>
+            </a:r>
+            <a:r>
+              <a:rPr lang="en-US" sz="1800" dirty="0">
+                <a:effectLst/>
+                <a:latin typeface="Times New Roman" panose="02020603050405020304" pitchFamily="18" charset="0"/>
+                <a:ea typeface="DengXian" panose="02010600030101010101" pitchFamily="2" charset="-122"/>
+                <a:cs typeface="Times New Roman" panose="02020603050405020304" pitchFamily="18" charset="0"/>
+              </a:rPr>
+              <a:t> user. Tools </a:t>
+            </a:r>
+            <a:r>
+              <a:rPr lang="en-US" sz="1800" dirty="0" err="1">
+                <a:effectLst/>
+                <a:latin typeface="Times New Roman" panose="02020603050405020304" pitchFamily="18" charset="0"/>
+                <a:ea typeface="DengXian" panose="02010600030101010101" pitchFamily="2" charset="-122"/>
+                <a:cs typeface="Times New Roman" panose="02020603050405020304" pitchFamily="18" charset="0"/>
+              </a:rPr>
               <a:t>ini</a:t>
             </a:r>
             <a:r>
@@ -7370,7 +7451,7 @@
                 <a:ea typeface="DengXian" panose="02010600030101010101" pitchFamily="2" charset="-122"/>
                 <a:cs typeface="Times New Roman" panose="02020603050405020304" pitchFamily="18" charset="0"/>
               </a:rPr>
-              <a:t> </a:t>
+              <a:t> juga </a:t>
             </a:r>
             <a:r>
               <a:rPr lang="en-US" sz="1800" dirty="0" err="1">
@@ -7379,7 +7460,7 @@
                 <a:ea typeface="DengXian" panose="02010600030101010101" pitchFamily="2" charset="-122"/>
                 <a:cs typeface="Times New Roman" panose="02020603050405020304" pitchFamily="18" charset="0"/>
               </a:rPr>
-              <a:t>dipilih</a:t>
+              <a:t>dapat</a:t>
             </a:r>
             <a:r>
               <a:rPr lang="en-US" sz="1800" dirty="0">
@@ -7397,7 +7478,7 @@
                 <a:ea typeface="DengXian" panose="02010600030101010101" pitchFamily="2" charset="-122"/>
                 <a:cs typeface="Times New Roman" panose="02020603050405020304" pitchFamily="18" charset="0"/>
               </a:rPr>
-              <a:t>karena</a:t>
+              <a:t>diinstall</a:t>
             </a:r>
             <a:r>
               <a:rPr lang="en-US" sz="1800" dirty="0">
@@ -7406,7 +7487,7 @@
                 <a:ea typeface="DengXian" panose="02010600030101010101" pitchFamily="2" charset="-122"/>
                 <a:cs typeface="Times New Roman" panose="02020603050405020304" pitchFamily="18" charset="0"/>
               </a:rPr>
-              <a:t> </a:t>
+              <a:t> di android, </a:t>
             </a:r>
             <a:r>
               <a:rPr lang="en-US" sz="1800" dirty="0" err="1">
@@ -7415,7 +7496,7 @@
                 <a:ea typeface="DengXian" panose="02010600030101010101" pitchFamily="2" charset="-122"/>
                 <a:cs typeface="Times New Roman" panose="02020603050405020304" pitchFamily="18" charset="0"/>
               </a:rPr>
-              <a:t>mudah</a:t>
+              <a:t>sehingga</a:t>
             </a:r>
             <a:r>
               <a:rPr lang="en-US" sz="1800" dirty="0">
@@ -7433,7 +7514,7 @@
                 <a:ea typeface="DengXian" panose="02010600030101010101" pitchFamily="2" charset="-122"/>
                 <a:cs typeface="Times New Roman" panose="02020603050405020304" pitchFamily="18" charset="0"/>
               </a:rPr>
-              <a:t>diakses</a:t>
+              <a:t>memudahkan</a:t>
             </a:r>
             <a:r>
               <a:rPr lang="en-US" sz="1800" dirty="0">
@@ -7442,7 +7523,7 @@
                 <a:ea typeface="DengXian" panose="02010600030101010101" pitchFamily="2" charset="-122"/>
                 <a:cs typeface="Times New Roman" panose="02020603050405020304" pitchFamily="18" charset="0"/>
               </a:rPr>
-              <a:t> dan </a:t>
+              <a:t> </a:t>
             </a:r>
             <a:r>
               <a:rPr lang="en-US" sz="1800" dirty="0" err="1">
@@ -7451,7 +7532,7 @@
                 <a:ea typeface="DengXian" panose="02010600030101010101" pitchFamily="2" charset="-122"/>
                 <a:cs typeface="Times New Roman" panose="02020603050405020304" pitchFamily="18" charset="0"/>
               </a:rPr>
-              <a:t>memiliki</a:t>
+              <a:t>pengguna</a:t>
             </a:r>
             <a:r>
               <a:rPr lang="en-US" sz="1800" dirty="0">
@@ -7469,7 +7550,7 @@
                 <a:ea typeface="DengXian" panose="02010600030101010101" pitchFamily="2" charset="-122"/>
                 <a:cs typeface="Times New Roman" panose="02020603050405020304" pitchFamily="18" charset="0"/>
               </a:rPr>
-              <a:t>banyak</a:t>
+              <a:t>dalam</a:t>
             </a:r>
             <a:r>
               <a:rPr lang="en-US" sz="1800" dirty="0">
@@ -7487,7 +7568,7 @@
                 <a:ea typeface="DengXian" panose="02010600030101010101" pitchFamily="2" charset="-122"/>
                 <a:cs typeface="Times New Roman" panose="02020603050405020304" pitchFamily="18" charset="0"/>
               </a:rPr>
-              <a:t>jenis</a:t>
+              <a:t>melihat</a:t>
             </a:r>
             <a:r>
               <a:rPr lang="en-US" sz="1800" dirty="0">
@@ -7496,7 +7577,7 @@
                 <a:ea typeface="DengXian" panose="02010600030101010101" pitchFamily="2" charset="-122"/>
                 <a:cs typeface="Times New Roman" panose="02020603050405020304" pitchFamily="18" charset="0"/>
               </a:rPr>
-              <a:t> </a:t>
+              <a:t> progress dan </a:t>
             </a:r>
             <a:r>
               <a:rPr lang="en-US" sz="1800" dirty="0" err="1">
@@ -7505,25 +7586,7 @@
                 <a:ea typeface="DengXian" panose="02010600030101010101" pitchFamily="2" charset="-122"/>
                 <a:cs typeface="Times New Roman" panose="02020603050405020304" pitchFamily="18" charset="0"/>
               </a:rPr>
-              <a:t>uml</a:t>
-            </a:r>
-            <a:r>
-              <a:rPr lang="en-US" sz="1800" dirty="0">
-                <a:effectLst/>
-                <a:latin typeface="Times New Roman" panose="02020603050405020304" pitchFamily="18" charset="0"/>
-                <a:ea typeface="DengXian" panose="02010600030101010101" pitchFamily="2" charset="-122"/>
-                <a:cs typeface="Times New Roman" panose="02020603050405020304" pitchFamily="18" charset="0"/>
-              </a:rPr>
-              <a:t> yang </a:t>
-            </a:r>
-            <a:r>
-              <a:rPr lang="en-US" sz="1800" dirty="0" err="1">
-                <a:effectLst/>
-                <a:latin typeface="Times New Roman" panose="02020603050405020304" pitchFamily="18" charset="0"/>
-                <a:ea typeface="DengXian" panose="02010600030101010101" pitchFamily="2" charset="-122"/>
-                <a:cs typeface="Times New Roman" panose="02020603050405020304" pitchFamily="18" charset="0"/>
-              </a:rPr>
-              <a:t>disediakan</a:t>
+              <a:t>mengupdatenya</a:t>
             </a:r>
             <a:r>
               <a:rPr lang="en-US" sz="1800" dirty="0">
@@ -7545,26 +7608,24 @@
             <a:pPr marL="0" indent="0">
               <a:buNone/>
             </a:pPr>
-            <a:endParaRPr lang="id-ID" dirty="0"/>
+            <a:endParaRPr lang="en-ID" dirty="0"/>
           </a:p>
         </p:txBody>
       </p:sp>
       <p:pic>
         <p:nvPicPr>
-          <p:cNvPr id="9" name="Picture 8">
-            <a:extLst>
-              <a:ext uri="{FF2B5EF4-FFF2-40B4-BE49-F238E27FC236}">
-                <a16:creationId xmlns:a16="http://schemas.microsoft.com/office/drawing/2014/main" id="{3B3CB111-0C89-484F-B7A3-EAA78B0A5929}"/>
-              </a:ext>
-            </a:extLst>
-          </p:cNvPr>
-          <p:cNvPicPr>
-            <a:picLocks noChangeAspect="1"/>
-          </p:cNvPicPr>
+          <p:cNvPr id="4" name="Picture 3">
+            <a:extLst>
+              <a:ext uri="{FF2B5EF4-FFF2-40B4-BE49-F238E27FC236}">
+                <a16:creationId xmlns:a16="http://schemas.microsoft.com/office/drawing/2014/main" id="{E2A289EB-4469-4327-B32B-22B3CC10107A}"/>
+              </a:ext>
+            </a:extLst>
+          </p:cNvPr>
+          <p:cNvPicPr/>
           <p:nvPr/>
         </p:nvPicPr>
         <p:blipFill>
-          <a:blip r:embed="rId2">
+          <a:blip r:embed="rId2" cstate="print">
             <a:extLst>
               <a:ext uri="{28A0092B-C50C-407E-A947-70E740481C1C}">
                 <a14:useLocalDpi xmlns:a14="http://schemas.microsoft.com/office/drawing/2010/main" val="0"/>
@@ -7577,8 +7638,8 @@
         </p:blipFill>
         <p:spPr>
           <a:xfrm>
-            <a:off x="2265285" y="2228295"/>
-            <a:ext cx="7661429" cy="4309554"/>
+            <a:off x="1494971" y="2091872"/>
+            <a:ext cx="9405257" cy="4401003"/>
           </a:xfrm>
           <a:prstGeom prst="rect">
             <a:avLst/>
@@ -7588,7 +7649,7 @@
     </p:spTree>
     <p:extLst>
       <p:ext uri="{BB962C8B-B14F-4D97-AF65-F5344CB8AC3E}">
-        <p14:creationId xmlns:p14="http://schemas.microsoft.com/office/powerpoint/2010/main" val="1778832632"/>
+        <p14:creationId xmlns:p14="http://schemas.microsoft.com/office/powerpoint/2010/main" val="1419492776"/>
       </p:ext>
     </p:extLst>
   </p:cSld>
@@ -7620,7 +7681,7 @@
           <p:cNvPr id="2" name="Title 1">
             <a:extLst>
               <a:ext uri="{FF2B5EF4-FFF2-40B4-BE49-F238E27FC236}">
-                <a16:creationId xmlns:a16="http://schemas.microsoft.com/office/drawing/2014/main" id="{0E8755E2-1B2C-4A56-AE48-B76DD6D13845}"/>
+                <a16:creationId xmlns:a16="http://schemas.microsoft.com/office/drawing/2014/main" id="{455292C5-3699-4130-80A6-E328D765CBC4}"/>
               </a:ext>
             </a:extLst>
           </p:cNvPr>
@@ -7631,10 +7692,41 @@
             <p:ph type="title"/>
           </p:nvPr>
         </p:nvSpPr>
+        <p:spPr/>
+        <p:txBody>
+          <a:bodyPr>
+            <a:normAutofit/>
+          </a:bodyPr>
+          <a:lstStyle/>
+          <a:p>
+            <a:r>
+              <a:rPr lang="en-US" dirty="0"/>
+              <a:t>Diagram : Draw.io</a:t>
+            </a:r>
+            <a:endParaRPr lang="id-ID" dirty="0"/>
+          </a:p>
+        </p:txBody>
+      </p:sp>
+      <p:sp>
+        <p:nvSpPr>
+          <p:cNvPr id="6" name="Content Placeholder 5">
+            <a:extLst>
+              <a:ext uri="{FF2B5EF4-FFF2-40B4-BE49-F238E27FC236}">
+                <a16:creationId xmlns:a16="http://schemas.microsoft.com/office/drawing/2014/main" id="{DC4E54E9-C4DE-4CD7-99EB-F29C49456BB6}"/>
+              </a:ext>
+            </a:extLst>
+          </p:cNvPr>
+          <p:cNvSpPr>
+            <a:spLocks noGrp="1"/>
+          </p:cNvSpPr>
+          <p:nvPr>
+            <p:ph idx="1"/>
+          </p:nvPr>
+        </p:nvSpPr>
         <p:spPr>
           <a:xfrm>
-            <a:off x="838200" y="365125"/>
-            <a:ext cx="10515600" cy="839561"/>
+            <a:off x="838200" y="1825625"/>
+            <a:ext cx="10515600" cy="402670"/>
           </a:xfrm>
         </p:spPr>
         <p:txBody>
@@ -7642,19 +7734,224 @@
           <a:lstStyle/>
           <a:p>
             <a:r>
-              <a:rPr lang="id-ID" dirty="0"/>
-              <a:t>Wireframe</a:t>
-            </a:r>
-            <a:endParaRPr lang="en-ID" dirty="0"/>
+              <a:rPr lang="en-US" sz="1800" dirty="0" err="1">
+                <a:effectLst/>
+                <a:latin typeface="Times New Roman" panose="02020603050405020304" pitchFamily="18" charset="0"/>
+                <a:ea typeface="DengXian" panose="02010600030101010101" pitchFamily="2" charset="-122"/>
+                <a:cs typeface="Times New Roman" panose="02020603050405020304" pitchFamily="18" charset="0"/>
+              </a:rPr>
+              <a:t>Aplikasi</a:t>
+            </a:r>
+            <a:r>
+              <a:rPr lang="en-US" sz="1800" dirty="0">
+                <a:effectLst/>
+                <a:latin typeface="Times New Roman" panose="02020603050405020304" pitchFamily="18" charset="0"/>
+                <a:ea typeface="DengXian" panose="02010600030101010101" pitchFamily="2" charset="-122"/>
+                <a:cs typeface="Times New Roman" panose="02020603050405020304" pitchFamily="18" charset="0"/>
+              </a:rPr>
+              <a:t> </a:t>
+            </a:r>
+            <a:r>
+              <a:rPr lang="en-US" sz="1800" dirty="0" err="1">
+                <a:effectLst/>
+                <a:latin typeface="Times New Roman" panose="02020603050405020304" pitchFamily="18" charset="0"/>
+                <a:ea typeface="DengXian" panose="02010600030101010101" pitchFamily="2" charset="-122"/>
+                <a:cs typeface="Times New Roman" panose="02020603050405020304" pitchFamily="18" charset="0"/>
+              </a:rPr>
+              <a:t>ini</a:t>
+            </a:r>
+            <a:r>
+              <a:rPr lang="en-US" sz="1800" dirty="0">
+                <a:effectLst/>
+                <a:latin typeface="Times New Roman" panose="02020603050405020304" pitchFamily="18" charset="0"/>
+                <a:ea typeface="DengXian" panose="02010600030101010101" pitchFamily="2" charset="-122"/>
+                <a:cs typeface="Times New Roman" panose="02020603050405020304" pitchFamily="18" charset="0"/>
+              </a:rPr>
+              <a:t> </a:t>
+            </a:r>
+            <a:r>
+              <a:rPr lang="en-US" sz="1800" dirty="0" err="1">
+                <a:effectLst/>
+                <a:latin typeface="Times New Roman" panose="02020603050405020304" pitchFamily="18" charset="0"/>
+                <a:ea typeface="DengXian" panose="02010600030101010101" pitchFamily="2" charset="-122"/>
+                <a:cs typeface="Times New Roman" panose="02020603050405020304" pitchFamily="18" charset="0"/>
+              </a:rPr>
+              <a:t>dipilih</a:t>
+            </a:r>
+            <a:r>
+              <a:rPr lang="en-US" sz="1800" dirty="0">
+                <a:effectLst/>
+                <a:latin typeface="Times New Roman" panose="02020603050405020304" pitchFamily="18" charset="0"/>
+                <a:ea typeface="DengXian" panose="02010600030101010101" pitchFamily="2" charset="-122"/>
+                <a:cs typeface="Times New Roman" panose="02020603050405020304" pitchFamily="18" charset="0"/>
+              </a:rPr>
+              <a:t> </a:t>
+            </a:r>
+            <a:r>
+              <a:rPr lang="en-US" sz="1800" dirty="0" err="1">
+                <a:effectLst/>
+                <a:latin typeface="Times New Roman" panose="02020603050405020304" pitchFamily="18" charset="0"/>
+                <a:ea typeface="DengXian" panose="02010600030101010101" pitchFamily="2" charset="-122"/>
+                <a:cs typeface="Times New Roman" panose="02020603050405020304" pitchFamily="18" charset="0"/>
+              </a:rPr>
+              <a:t>karena</a:t>
+            </a:r>
+            <a:r>
+              <a:rPr lang="en-US" sz="1800" dirty="0">
+                <a:effectLst/>
+                <a:latin typeface="Times New Roman" panose="02020603050405020304" pitchFamily="18" charset="0"/>
+                <a:ea typeface="DengXian" panose="02010600030101010101" pitchFamily="2" charset="-122"/>
+                <a:cs typeface="Times New Roman" panose="02020603050405020304" pitchFamily="18" charset="0"/>
+              </a:rPr>
+              <a:t> </a:t>
+            </a:r>
+            <a:r>
+              <a:rPr lang="en-US" sz="1800" dirty="0" err="1">
+                <a:effectLst/>
+                <a:latin typeface="Times New Roman" panose="02020603050405020304" pitchFamily="18" charset="0"/>
+                <a:ea typeface="DengXian" panose="02010600030101010101" pitchFamily="2" charset="-122"/>
+                <a:cs typeface="Times New Roman" panose="02020603050405020304" pitchFamily="18" charset="0"/>
+              </a:rPr>
+              <a:t>mudah</a:t>
+            </a:r>
+            <a:r>
+              <a:rPr lang="en-US" sz="1800" dirty="0">
+                <a:effectLst/>
+                <a:latin typeface="Times New Roman" panose="02020603050405020304" pitchFamily="18" charset="0"/>
+                <a:ea typeface="DengXian" panose="02010600030101010101" pitchFamily="2" charset="-122"/>
+                <a:cs typeface="Times New Roman" panose="02020603050405020304" pitchFamily="18" charset="0"/>
+              </a:rPr>
+              <a:t> </a:t>
+            </a:r>
+            <a:r>
+              <a:rPr lang="en-US" sz="1800" dirty="0" err="1">
+                <a:effectLst/>
+                <a:latin typeface="Times New Roman" panose="02020603050405020304" pitchFamily="18" charset="0"/>
+                <a:ea typeface="DengXian" panose="02010600030101010101" pitchFamily="2" charset="-122"/>
+                <a:cs typeface="Times New Roman" panose="02020603050405020304" pitchFamily="18" charset="0"/>
+              </a:rPr>
+              <a:t>diakses</a:t>
+            </a:r>
+            <a:r>
+              <a:rPr lang="en-US" sz="1800" dirty="0">
+                <a:effectLst/>
+                <a:latin typeface="Times New Roman" panose="02020603050405020304" pitchFamily="18" charset="0"/>
+                <a:ea typeface="DengXian" panose="02010600030101010101" pitchFamily="2" charset="-122"/>
+                <a:cs typeface="Times New Roman" panose="02020603050405020304" pitchFamily="18" charset="0"/>
+              </a:rPr>
+              <a:t> dan </a:t>
+            </a:r>
+            <a:r>
+              <a:rPr lang="en-US" sz="1800" dirty="0" err="1">
+                <a:effectLst/>
+                <a:latin typeface="Times New Roman" panose="02020603050405020304" pitchFamily="18" charset="0"/>
+                <a:ea typeface="DengXian" panose="02010600030101010101" pitchFamily="2" charset="-122"/>
+                <a:cs typeface="Times New Roman" panose="02020603050405020304" pitchFamily="18" charset="0"/>
+              </a:rPr>
+              <a:t>memiliki</a:t>
+            </a:r>
+            <a:r>
+              <a:rPr lang="en-US" sz="1800" dirty="0">
+                <a:effectLst/>
+                <a:latin typeface="Times New Roman" panose="02020603050405020304" pitchFamily="18" charset="0"/>
+                <a:ea typeface="DengXian" panose="02010600030101010101" pitchFamily="2" charset="-122"/>
+                <a:cs typeface="Times New Roman" panose="02020603050405020304" pitchFamily="18" charset="0"/>
+              </a:rPr>
+              <a:t> </a:t>
+            </a:r>
+            <a:r>
+              <a:rPr lang="en-US" sz="1800" dirty="0" err="1">
+                <a:effectLst/>
+                <a:latin typeface="Times New Roman" panose="02020603050405020304" pitchFamily="18" charset="0"/>
+                <a:ea typeface="DengXian" panose="02010600030101010101" pitchFamily="2" charset="-122"/>
+                <a:cs typeface="Times New Roman" panose="02020603050405020304" pitchFamily="18" charset="0"/>
+              </a:rPr>
+              <a:t>banyak</a:t>
+            </a:r>
+            <a:r>
+              <a:rPr lang="en-US" sz="1800" dirty="0">
+                <a:effectLst/>
+                <a:latin typeface="Times New Roman" panose="02020603050405020304" pitchFamily="18" charset="0"/>
+                <a:ea typeface="DengXian" panose="02010600030101010101" pitchFamily="2" charset="-122"/>
+                <a:cs typeface="Times New Roman" panose="02020603050405020304" pitchFamily="18" charset="0"/>
+              </a:rPr>
+              <a:t> </a:t>
+            </a:r>
+            <a:r>
+              <a:rPr lang="en-US" sz="1800" dirty="0" err="1">
+                <a:effectLst/>
+                <a:latin typeface="Times New Roman" panose="02020603050405020304" pitchFamily="18" charset="0"/>
+                <a:ea typeface="DengXian" panose="02010600030101010101" pitchFamily="2" charset="-122"/>
+                <a:cs typeface="Times New Roman" panose="02020603050405020304" pitchFamily="18" charset="0"/>
+              </a:rPr>
+              <a:t>jenis</a:t>
+            </a:r>
+            <a:r>
+              <a:rPr lang="en-US" sz="1800" dirty="0">
+                <a:effectLst/>
+                <a:latin typeface="Times New Roman" panose="02020603050405020304" pitchFamily="18" charset="0"/>
+                <a:ea typeface="DengXian" panose="02010600030101010101" pitchFamily="2" charset="-122"/>
+                <a:cs typeface="Times New Roman" panose="02020603050405020304" pitchFamily="18" charset="0"/>
+              </a:rPr>
+              <a:t> </a:t>
+            </a:r>
+            <a:r>
+              <a:rPr lang="en-US" sz="1800" dirty="0" err="1">
+                <a:effectLst/>
+                <a:latin typeface="Times New Roman" panose="02020603050405020304" pitchFamily="18" charset="0"/>
+                <a:ea typeface="DengXian" panose="02010600030101010101" pitchFamily="2" charset="-122"/>
+                <a:cs typeface="Times New Roman" panose="02020603050405020304" pitchFamily="18" charset="0"/>
+              </a:rPr>
+              <a:t>uml</a:t>
+            </a:r>
+            <a:r>
+              <a:rPr lang="en-US" sz="1800" dirty="0">
+                <a:effectLst/>
+                <a:latin typeface="Times New Roman" panose="02020603050405020304" pitchFamily="18" charset="0"/>
+                <a:ea typeface="DengXian" panose="02010600030101010101" pitchFamily="2" charset="-122"/>
+                <a:cs typeface="Times New Roman" panose="02020603050405020304" pitchFamily="18" charset="0"/>
+              </a:rPr>
+              <a:t> yang </a:t>
+            </a:r>
+            <a:r>
+              <a:rPr lang="en-US" sz="1800" dirty="0" err="1">
+                <a:effectLst/>
+                <a:latin typeface="Times New Roman" panose="02020603050405020304" pitchFamily="18" charset="0"/>
+                <a:ea typeface="DengXian" panose="02010600030101010101" pitchFamily="2" charset="-122"/>
+                <a:cs typeface="Times New Roman" panose="02020603050405020304" pitchFamily="18" charset="0"/>
+              </a:rPr>
+              <a:t>disediakan</a:t>
+            </a:r>
+            <a:r>
+              <a:rPr lang="en-US" sz="1800" dirty="0">
+                <a:effectLst/>
+                <a:latin typeface="Times New Roman" panose="02020603050405020304" pitchFamily="18" charset="0"/>
+                <a:ea typeface="DengXian" panose="02010600030101010101" pitchFamily="2" charset="-122"/>
+                <a:cs typeface="Times New Roman" panose="02020603050405020304" pitchFamily="18" charset="0"/>
+              </a:rPr>
+              <a:t>.</a:t>
+            </a:r>
+            <a:endParaRPr lang="id-ID" sz="1800" dirty="0">
+              <a:effectLst/>
+              <a:latin typeface="Times New Roman" panose="02020603050405020304" pitchFamily="18" charset="0"/>
+              <a:ea typeface="DengXian" panose="02010600030101010101" pitchFamily="2" charset="-122"/>
+              <a:cs typeface="Times New Roman" panose="02020603050405020304" pitchFamily="18" charset="0"/>
+            </a:endParaRPr>
+          </a:p>
+          <a:p>
+            <a:pPr marL="0" indent="0">
+              <a:buNone/>
+            </a:pPr>
+            <a:endParaRPr lang="id-ID" dirty="0"/>
           </a:p>
         </p:txBody>
       </p:sp>
       <p:pic>
         <p:nvPicPr>
-          <p:cNvPr id="7" name="Content Placeholder 4">
-            <a:extLst>
-              <a:ext uri="{FF2B5EF4-FFF2-40B4-BE49-F238E27FC236}">
-                <a16:creationId xmlns:a16="http://schemas.microsoft.com/office/drawing/2014/main" id="{18BEED84-6110-40DA-822D-9040E274E62D}"/>
+          <p:cNvPr id="9" name="Picture 8">
+            <a:extLst>
+              <a:ext uri="{FF2B5EF4-FFF2-40B4-BE49-F238E27FC236}">
+                <a16:creationId xmlns:a16="http://schemas.microsoft.com/office/drawing/2014/main" id="{3B3CB111-0C89-484F-B7A3-EAA78B0A5929}"/>
               </a:ext>
             </a:extLst>
           </p:cNvPr>
@@ -7677,8 +7974,8 @@
         </p:blipFill>
         <p:spPr>
           <a:xfrm>
-            <a:off x="174171" y="1079336"/>
-            <a:ext cx="11887199" cy="5778664"/>
+            <a:off x="2265285" y="2228295"/>
+            <a:ext cx="7661429" cy="4309554"/>
           </a:xfrm>
           <a:prstGeom prst="rect">
             <a:avLst/>
@@ -7688,7 +7985,7 @@
     </p:spTree>
     <p:extLst>
       <p:ext uri="{BB962C8B-B14F-4D97-AF65-F5344CB8AC3E}">
-        <p14:creationId xmlns:p14="http://schemas.microsoft.com/office/powerpoint/2010/main" val="1017706826"/>
+        <p14:creationId xmlns:p14="http://schemas.microsoft.com/office/powerpoint/2010/main" val="1778832632"/>
       </p:ext>
     </p:extLst>
   </p:cSld>
@@ -7720,7 +8017,7 @@
           <p:cNvPr id="2" name="Title 1">
             <a:extLst>
               <a:ext uri="{FF2B5EF4-FFF2-40B4-BE49-F238E27FC236}">
-                <a16:creationId xmlns:a16="http://schemas.microsoft.com/office/drawing/2014/main" id="{43AF29C9-6D38-4335-B613-361E3C1E8854}"/>
+                <a16:creationId xmlns:a16="http://schemas.microsoft.com/office/drawing/2014/main" id="{0E8755E2-1B2C-4A56-AE48-B76DD6D13845}"/>
               </a:ext>
             </a:extLst>
           </p:cNvPr>
@@ -7731,34 +8028,37 @@
             <p:ph type="title"/>
           </p:nvPr>
         </p:nvSpPr>
-        <p:spPr/>
+        <p:spPr>
+          <a:xfrm>
+            <a:off x="838200" y="365125"/>
+            <a:ext cx="10515600" cy="839561"/>
+          </a:xfrm>
+        </p:spPr>
         <p:txBody>
           <a:bodyPr/>
           <a:lstStyle/>
           <a:p>
             <a:r>
-              <a:rPr lang="en-US" dirty="0"/>
-              <a:t>Mockup</a:t>
-            </a:r>
-            <a:endParaRPr lang="id-ID" dirty="0"/>
+              <a:rPr lang="id-ID" dirty="0"/>
+              <a:t>Wireframe</a:t>
+            </a:r>
+            <a:endParaRPr lang="en-ID" dirty="0"/>
           </a:p>
         </p:txBody>
       </p:sp>
       <p:pic>
         <p:nvPicPr>
-          <p:cNvPr id="23" name="Content Placeholder 22">
-            <a:extLst>
-              <a:ext uri="{FF2B5EF4-FFF2-40B4-BE49-F238E27FC236}">
-                <a16:creationId xmlns:a16="http://schemas.microsoft.com/office/drawing/2014/main" id="{82980EE3-FB68-4590-826E-91518A197E28}"/>
+          <p:cNvPr id="7" name="Content Placeholder 4">
+            <a:extLst>
+              <a:ext uri="{FF2B5EF4-FFF2-40B4-BE49-F238E27FC236}">
+                <a16:creationId xmlns:a16="http://schemas.microsoft.com/office/drawing/2014/main" id="{18BEED84-6110-40DA-822D-9040E274E62D}"/>
               </a:ext>
             </a:extLst>
           </p:cNvPr>
           <p:cNvPicPr>
-            <a:picLocks noGrp="1" noChangeAspect="1"/>
+            <a:picLocks noChangeAspect="1"/>
           </p:cNvPicPr>
-          <p:nvPr>
-            <p:ph idx="1"/>
-          </p:nvPr>
+          <p:nvPr/>
         </p:nvPicPr>
         <p:blipFill>
           <a:blip r:embed="rId2">
@@ -7774,149 +8074,8 @@
         </p:blipFill>
         <p:spPr>
           <a:xfrm>
-            <a:off x="838200" y="1690688"/>
-            <a:ext cx="2009546" cy="4351338"/>
-          </a:xfrm>
-        </p:spPr>
-      </p:pic>
-      <p:pic>
-        <p:nvPicPr>
-          <p:cNvPr id="31" name="Picture 30">
-            <a:extLst>
-              <a:ext uri="{FF2B5EF4-FFF2-40B4-BE49-F238E27FC236}">
-                <a16:creationId xmlns:a16="http://schemas.microsoft.com/office/drawing/2014/main" id="{F1054855-360A-4054-AAE7-69419DC779D4}"/>
-              </a:ext>
-            </a:extLst>
-          </p:cNvPr>
-          <p:cNvPicPr>
-            <a:picLocks noChangeAspect="1"/>
-          </p:cNvPicPr>
-          <p:nvPr/>
-        </p:nvPicPr>
-        <p:blipFill>
-          <a:blip r:embed="rId3">
-            <a:extLst>
-              <a:ext uri="{28A0092B-C50C-407E-A947-70E740481C1C}">
-                <a14:useLocalDpi xmlns:a14="http://schemas.microsoft.com/office/drawing/2010/main" val="0"/>
-              </a:ext>
-            </a:extLst>
-          </a:blip>
-          <a:stretch>
-            <a:fillRect/>
-          </a:stretch>
-        </p:blipFill>
-        <p:spPr>
-          <a:xfrm>
-            <a:off x="2914429" y="1690688"/>
-            <a:ext cx="2009546" cy="4351338"/>
-          </a:xfrm>
-          <a:prstGeom prst="rect">
-            <a:avLst/>
-          </a:prstGeom>
-        </p:spPr>
-      </p:pic>
-      <p:pic>
-        <p:nvPicPr>
-          <p:cNvPr id="35" name="Picture 34">
-            <a:extLst>
-              <a:ext uri="{FF2B5EF4-FFF2-40B4-BE49-F238E27FC236}">
-                <a16:creationId xmlns:a16="http://schemas.microsoft.com/office/drawing/2014/main" id="{49B0AF85-5DE0-4432-8BA0-1E23129088D6}"/>
-              </a:ext>
-            </a:extLst>
-          </p:cNvPr>
-          <p:cNvPicPr>
-            <a:picLocks noChangeAspect="1"/>
-          </p:cNvPicPr>
-          <p:nvPr/>
-        </p:nvPicPr>
-        <p:blipFill>
-          <a:blip r:embed="rId4">
-            <a:extLst>
-              <a:ext uri="{28A0092B-C50C-407E-A947-70E740481C1C}">
-                <a14:useLocalDpi xmlns:a14="http://schemas.microsoft.com/office/drawing/2010/main" val="0"/>
-              </a:ext>
-            </a:extLst>
-          </a:blip>
-          <a:stretch>
-            <a:fillRect/>
-          </a:stretch>
-        </p:blipFill>
-        <p:spPr>
-          <a:xfrm>
-            <a:off x="4990658" y="1690688"/>
-            <a:ext cx="2009547" cy="4351338"/>
-          </a:xfrm>
-          <a:prstGeom prst="rect">
-            <a:avLst/>
-          </a:prstGeom>
-        </p:spPr>
-      </p:pic>
-      <p:pic>
-        <p:nvPicPr>
-          <p:cNvPr id="37" name="Picture 36">
-            <a:extLst>
-              <a:ext uri="{FF2B5EF4-FFF2-40B4-BE49-F238E27FC236}">
-                <a16:creationId xmlns:a16="http://schemas.microsoft.com/office/drawing/2014/main" id="{D9B7DC25-F3CF-4B9D-8E31-485320119F08}"/>
-              </a:ext>
-            </a:extLst>
-          </p:cNvPr>
-          <p:cNvPicPr>
-            <a:picLocks noChangeAspect="1"/>
-          </p:cNvPicPr>
-          <p:nvPr/>
-        </p:nvPicPr>
-        <p:blipFill>
-          <a:blip r:embed="rId5">
-            <a:extLst>
-              <a:ext uri="{28A0092B-C50C-407E-A947-70E740481C1C}">
-                <a14:useLocalDpi xmlns:a14="http://schemas.microsoft.com/office/drawing/2010/main" val="0"/>
-              </a:ext>
-            </a:extLst>
-          </a:blip>
-          <a:stretch>
-            <a:fillRect/>
-          </a:stretch>
-        </p:blipFill>
-        <p:spPr>
-          <a:xfrm>
-            <a:off x="7140200" y="1690688"/>
-            <a:ext cx="2009546" cy="4351338"/>
-          </a:xfrm>
-          <a:prstGeom prst="rect">
-            <a:avLst/>
-          </a:prstGeom>
-        </p:spPr>
-      </p:pic>
-      <p:pic>
-        <p:nvPicPr>
-          <p:cNvPr id="39" name="Picture 38">
-            <a:extLst>
-              <a:ext uri="{FF2B5EF4-FFF2-40B4-BE49-F238E27FC236}">
-                <a16:creationId xmlns:a16="http://schemas.microsoft.com/office/drawing/2014/main" id="{AE45290E-D5B1-4EC8-B131-4590BA5C7B56}"/>
-              </a:ext>
-            </a:extLst>
-          </p:cNvPr>
-          <p:cNvPicPr>
-            <a:picLocks noChangeAspect="1"/>
-          </p:cNvPicPr>
-          <p:nvPr/>
-        </p:nvPicPr>
-        <p:blipFill>
-          <a:blip r:embed="rId6">
-            <a:extLst>
-              <a:ext uri="{28A0092B-C50C-407E-A947-70E740481C1C}">
-                <a14:useLocalDpi xmlns:a14="http://schemas.microsoft.com/office/drawing/2010/main" val="0"/>
-              </a:ext>
-            </a:extLst>
-          </a:blip>
-          <a:stretch>
-            <a:fillRect/>
-          </a:stretch>
-        </p:blipFill>
-        <p:spPr>
-          <a:xfrm>
-            <a:off x="9277571" y="1690688"/>
-            <a:ext cx="2009547" cy="4351338"/>
+            <a:off x="174171" y="1079336"/>
+            <a:ext cx="11887199" cy="5778664"/>
           </a:xfrm>
           <a:prstGeom prst="rect">
             <a:avLst/>
@@ -7926,7 +8085,7 @@
     </p:spTree>
     <p:extLst>
       <p:ext uri="{BB962C8B-B14F-4D97-AF65-F5344CB8AC3E}">
-        <p14:creationId xmlns:p14="http://schemas.microsoft.com/office/powerpoint/2010/main" val="3609264760"/>
+        <p14:creationId xmlns:p14="http://schemas.microsoft.com/office/powerpoint/2010/main" val="1017706826"/>
       </p:ext>
     </p:extLst>
   </p:cSld>

--- a/Aplikasi Catalog Board Game.pptx
+++ b/Aplikasi Catalog Board Game.pptx
@@ -14,9 +14,10 @@
     <p:sldId id="261" r:id="rId8"/>
     <p:sldId id="266" r:id="rId9"/>
     <p:sldId id="262" r:id="rId10"/>
-    <p:sldId id="264" r:id="rId11"/>
-    <p:sldId id="265" r:id="rId12"/>
-    <p:sldId id="263" r:id="rId13"/>
+    <p:sldId id="268" r:id="rId11"/>
+    <p:sldId id="264" r:id="rId12"/>
+    <p:sldId id="265" r:id="rId13"/>
+    <p:sldId id="263" r:id="rId14"/>
   </p:sldIdLst>
   <p:sldSz cx="12192000" cy="6858000"/>
   <p:notesSz cx="6858000" cy="9144000"/>
@@ -129,6 +130,7 @@
             <p14:sldId id="261"/>
             <p14:sldId id="266"/>
             <p14:sldId id="262"/>
+            <p14:sldId id="268"/>
             <p14:sldId id="264"/>
             <p14:sldId id="265"/>
             <p14:sldId id="263"/>
@@ -715,7 +717,7 @@
           <a:p>
             <a:fld id="{8F3A6B12-AECD-4200-AD56-B1EAEE23C800}" type="datetimeFigureOut">
               <a:rPr lang="en-ID" smtClean="0"/>
-              <a:t>20/04/2021</a:t>
+              <a:t>21/04/2021</a:t>
             </a:fld>
             <a:endParaRPr lang="en-ID"/>
           </a:p>
@@ -915,7 +917,7 @@
           <a:p>
             <a:fld id="{8F3A6B12-AECD-4200-AD56-B1EAEE23C800}" type="datetimeFigureOut">
               <a:rPr lang="en-ID" smtClean="0"/>
-              <a:t>20/04/2021</a:t>
+              <a:t>21/04/2021</a:t>
             </a:fld>
             <a:endParaRPr lang="en-ID"/>
           </a:p>
@@ -1125,7 +1127,7 @@
           <a:p>
             <a:fld id="{8F3A6B12-AECD-4200-AD56-B1EAEE23C800}" type="datetimeFigureOut">
               <a:rPr lang="en-ID" smtClean="0"/>
-              <a:t>20/04/2021</a:t>
+              <a:t>21/04/2021</a:t>
             </a:fld>
             <a:endParaRPr lang="en-ID"/>
           </a:p>
@@ -1325,7 +1327,7 @@
           <a:p>
             <a:fld id="{8F3A6B12-AECD-4200-AD56-B1EAEE23C800}" type="datetimeFigureOut">
               <a:rPr lang="en-ID" smtClean="0"/>
-              <a:t>20/04/2021</a:t>
+              <a:t>21/04/2021</a:t>
             </a:fld>
             <a:endParaRPr lang="en-ID"/>
           </a:p>
@@ -1601,7 +1603,7 @@
           <a:p>
             <a:fld id="{8F3A6B12-AECD-4200-AD56-B1EAEE23C800}" type="datetimeFigureOut">
               <a:rPr lang="en-ID" smtClean="0"/>
-              <a:t>20/04/2021</a:t>
+              <a:t>21/04/2021</a:t>
             </a:fld>
             <a:endParaRPr lang="en-ID"/>
           </a:p>
@@ -1869,7 +1871,7 @@
           <a:p>
             <a:fld id="{8F3A6B12-AECD-4200-AD56-B1EAEE23C800}" type="datetimeFigureOut">
               <a:rPr lang="en-ID" smtClean="0"/>
-              <a:t>20/04/2021</a:t>
+              <a:t>21/04/2021</a:t>
             </a:fld>
             <a:endParaRPr lang="en-ID"/>
           </a:p>
@@ -2284,7 +2286,7 @@
           <a:p>
             <a:fld id="{8F3A6B12-AECD-4200-AD56-B1EAEE23C800}" type="datetimeFigureOut">
               <a:rPr lang="en-ID" smtClean="0"/>
-              <a:t>20/04/2021</a:t>
+              <a:t>21/04/2021</a:t>
             </a:fld>
             <a:endParaRPr lang="en-ID"/>
           </a:p>
@@ -2426,7 +2428,7 @@
           <a:p>
             <a:fld id="{8F3A6B12-AECD-4200-AD56-B1EAEE23C800}" type="datetimeFigureOut">
               <a:rPr lang="en-ID" smtClean="0"/>
-              <a:t>20/04/2021</a:t>
+              <a:t>21/04/2021</a:t>
             </a:fld>
             <a:endParaRPr lang="en-ID"/>
           </a:p>
@@ -2539,7 +2541,7 @@
           <a:p>
             <a:fld id="{8F3A6B12-AECD-4200-AD56-B1EAEE23C800}" type="datetimeFigureOut">
               <a:rPr lang="en-ID" smtClean="0"/>
-              <a:t>20/04/2021</a:t>
+              <a:t>21/04/2021</a:t>
             </a:fld>
             <a:endParaRPr lang="en-ID"/>
           </a:p>
@@ -2852,7 +2854,7 @@
           <a:p>
             <a:fld id="{8F3A6B12-AECD-4200-AD56-B1EAEE23C800}" type="datetimeFigureOut">
               <a:rPr lang="en-ID" smtClean="0"/>
-              <a:t>20/04/2021</a:t>
+              <a:t>21/04/2021</a:t>
             </a:fld>
             <a:endParaRPr lang="en-ID"/>
           </a:p>
@@ -3141,7 +3143,7 @@
           <a:p>
             <a:fld id="{8F3A6B12-AECD-4200-AD56-B1EAEE23C800}" type="datetimeFigureOut">
               <a:rPr lang="en-ID" smtClean="0"/>
-              <a:t>20/04/2021</a:t>
+              <a:t>21/04/2021</a:t>
             </a:fld>
             <a:endParaRPr lang="en-ID"/>
           </a:p>
@@ -3384,7 +3386,7 @@
           <a:p>
             <a:fld id="{8F3A6B12-AECD-4200-AD56-B1EAEE23C800}" type="datetimeFigureOut">
               <a:rPr lang="en-ID" smtClean="0"/>
-              <a:t>20/04/2021</a:t>
+              <a:t>21/04/2021</a:t>
             </a:fld>
             <a:endParaRPr lang="en-ID"/>
           </a:p>
@@ -4048,7 +4050,7 @@
           <p:cNvPr id="2" name="Title 1">
             <a:extLst>
               <a:ext uri="{FF2B5EF4-FFF2-40B4-BE49-F238E27FC236}">
-                <a16:creationId xmlns:a16="http://schemas.microsoft.com/office/drawing/2014/main" id="{43AF29C9-6D38-4335-B613-361E3C1E8854}"/>
+                <a16:creationId xmlns:a16="http://schemas.microsoft.com/office/drawing/2014/main" id="{2224CC44-A963-4A1E-A1C7-3ABB1A8E1F77}"/>
               </a:ext>
             </a:extLst>
           </p:cNvPr>
@@ -4059,34 +4061,37 @@
             <p:ph type="title"/>
           </p:nvPr>
         </p:nvSpPr>
-        <p:spPr/>
+        <p:spPr>
+          <a:xfrm>
+            <a:off x="0" y="0"/>
+            <a:ext cx="10515600" cy="909493"/>
+          </a:xfrm>
+        </p:spPr>
         <p:txBody>
           <a:bodyPr/>
           <a:lstStyle/>
           <a:p>
             <a:r>
-              <a:rPr lang="en-US" dirty="0"/>
-              <a:t>Mockup</a:t>
-            </a:r>
-            <a:endParaRPr lang="id-ID" dirty="0"/>
+              <a:rPr lang="id-ID" dirty="0"/>
+              <a:t>Wireframe Client</a:t>
+            </a:r>
+            <a:endParaRPr lang="en-ID" dirty="0"/>
           </a:p>
         </p:txBody>
       </p:sp>
       <p:pic>
         <p:nvPicPr>
-          <p:cNvPr id="23" name="Content Placeholder 22">
-            <a:extLst>
-              <a:ext uri="{FF2B5EF4-FFF2-40B4-BE49-F238E27FC236}">
-                <a16:creationId xmlns:a16="http://schemas.microsoft.com/office/drawing/2014/main" id="{82980EE3-FB68-4590-826E-91518A197E28}"/>
+          <p:cNvPr id="5" name="Picture 4">
+            <a:extLst>
+              <a:ext uri="{FF2B5EF4-FFF2-40B4-BE49-F238E27FC236}">
+                <a16:creationId xmlns:a16="http://schemas.microsoft.com/office/drawing/2014/main" id="{5019BAA8-A96A-4ACD-B560-7494801BEFCA}"/>
               </a:ext>
             </a:extLst>
           </p:cNvPr>
           <p:cNvPicPr>
-            <a:picLocks noGrp="1" noChangeAspect="1"/>
+            <a:picLocks noChangeAspect="1"/>
           </p:cNvPicPr>
-          <p:nvPr>
-            <p:ph idx="1"/>
-          </p:nvPr>
+          <p:nvPr/>
         </p:nvPicPr>
         <p:blipFill>
           <a:blip r:embed="rId2">
@@ -4102,149 +4107,8 @@
         </p:blipFill>
         <p:spPr>
           <a:xfrm>
-            <a:off x="838200" y="1690688"/>
-            <a:ext cx="2009546" cy="4351338"/>
-          </a:xfrm>
-        </p:spPr>
-      </p:pic>
-      <p:pic>
-        <p:nvPicPr>
-          <p:cNvPr id="31" name="Picture 30">
-            <a:extLst>
-              <a:ext uri="{FF2B5EF4-FFF2-40B4-BE49-F238E27FC236}">
-                <a16:creationId xmlns:a16="http://schemas.microsoft.com/office/drawing/2014/main" id="{F1054855-360A-4054-AAE7-69419DC779D4}"/>
-              </a:ext>
-            </a:extLst>
-          </p:cNvPr>
-          <p:cNvPicPr>
-            <a:picLocks noChangeAspect="1"/>
-          </p:cNvPicPr>
-          <p:nvPr/>
-        </p:nvPicPr>
-        <p:blipFill>
-          <a:blip r:embed="rId3">
-            <a:extLst>
-              <a:ext uri="{28A0092B-C50C-407E-A947-70E740481C1C}">
-                <a14:useLocalDpi xmlns:a14="http://schemas.microsoft.com/office/drawing/2010/main" val="0"/>
-              </a:ext>
-            </a:extLst>
-          </a:blip>
-          <a:stretch>
-            <a:fillRect/>
-          </a:stretch>
-        </p:blipFill>
-        <p:spPr>
-          <a:xfrm>
-            <a:off x="2914429" y="1690688"/>
-            <a:ext cx="2009546" cy="4351338"/>
-          </a:xfrm>
-          <a:prstGeom prst="rect">
-            <a:avLst/>
-          </a:prstGeom>
-        </p:spPr>
-      </p:pic>
-      <p:pic>
-        <p:nvPicPr>
-          <p:cNvPr id="35" name="Picture 34">
-            <a:extLst>
-              <a:ext uri="{FF2B5EF4-FFF2-40B4-BE49-F238E27FC236}">
-                <a16:creationId xmlns:a16="http://schemas.microsoft.com/office/drawing/2014/main" id="{49B0AF85-5DE0-4432-8BA0-1E23129088D6}"/>
-              </a:ext>
-            </a:extLst>
-          </p:cNvPr>
-          <p:cNvPicPr>
-            <a:picLocks noChangeAspect="1"/>
-          </p:cNvPicPr>
-          <p:nvPr/>
-        </p:nvPicPr>
-        <p:blipFill>
-          <a:blip r:embed="rId4">
-            <a:extLst>
-              <a:ext uri="{28A0092B-C50C-407E-A947-70E740481C1C}">
-                <a14:useLocalDpi xmlns:a14="http://schemas.microsoft.com/office/drawing/2010/main" val="0"/>
-              </a:ext>
-            </a:extLst>
-          </a:blip>
-          <a:stretch>
-            <a:fillRect/>
-          </a:stretch>
-        </p:blipFill>
-        <p:spPr>
-          <a:xfrm>
-            <a:off x="4990658" y="1690688"/>
-            <a:ext cx="2009547" cy="4351338"/>
-          </a:xfrm>
-          <a:prstGeom prst="rect">
-            <a:avLst/>
-          </a:prstGeom>
-        </p:spPr>
-      </p:pic>
-      <p:pic>
-        <p:nvPicPr>
-          <p:cNvPr id="37" name="Picture 36">
-            <a:extLst>
-              <a:ext uri="{FF2B5EF4-FFF2-40B4-BE49-F238E27FC236}">
-                <a16:creationId xmlns:a16="http://schemas.microsoft.com/office/drawing/2014/main" id="{D9B7DC25-F3CF-4B9D-8E31-485320119F08}"/>
-              </a:ext>
-            </a:extLst>
-          </p:cNvPr>
-          <p:cNvPicPr>
-            <a:picLocks noChangeAspect="1"/>
-          </p:cNvPicPr>
-          <p:nvPr/>
-        </p:nvPicPr>
-        <p:blipFill>
-          <a:blip r:embed="rId5">
-            <a:extLst>
-              <a:ext uri="{28A0092B-C50C-407E-A947-70E740481C1C}">
-                <a14:useLocalDpi xmlns:a14="http://schemas.microsoft.com/office/drawing/2010/main" val="0"/>
-              </a:ext>
-            </a:extLst>
-          </a:blip>
-          <a:stretch>
-            <a:fillRect/>
-          </a:stretch>
-        </p:blipFill>
-        <p:spPr>
-          <a:xfrm>
-            <a:off x="7140200" y="1690688"/>
-            <a:ext cx="2009546" cy="4351338"/>
-          </a:xfrm>
-          <a:prstGeom prst="rect">
-            <a:avLst/>
-          </a:prstGeom>
-        </p:spPr>
-      </p:pic>
-      <p:pic>
-        <p:nvPicPr>
-          <p:cNvPr id="39" name="Picture 38">
-            <a:extLst>
-              <a:ext uri="{FF2B5EF4-FFF2-40B4-BE49-F238E27FC236}">
-                <a16:creationId xmlns:a16="http://schemas.microsoft.com/office/drawing/2014/main" id="{AE45290E-D5B1-4EC8-B131-4590BA5C7B56}"/>
-              </a:ext>
-            </a:extLst>
-          </p:cNvPr>
-          <p:cNvPicPr>
-            <a:picLocks noChangeAspect="1"/>
-          </p:cNvPicPr>
-          <p:nvPr/>
-        </p:nvPicPr>
-        <p:blipFill>
-          <a:blip r:embed="rId6">
-            <a:extLst>
-              <a:ext uri="{28A0092B-C50C-407E-A947-70E740481C1C}">
-                <a14:useLocalDpi xmlns:a14="http://schemas.microsoft.com/office/drawing/2010/main" val="0"/>
-              </a:ext>
-            </a:extLst>
-          </a:blip>
-          <a:stretch>
-            <a:fillRect/>
-          </a:stretch>
-        </p:blipFill>
-        <p:spPr>
-          <a:xfrm>
-            <a:off x="9277571" y="1690688"/>
-            <a:ext cx="2009547" cy="4351338"/>
+            <a:off x="0" y="909493"/>
+            <a:ext cx="12191999" cy="5948507"/>
           </a:xfrm>
           <a:prstGeom prst="rect">
             <a:avLst/>
@@ -4254,7 +4118,7 @@
     </p:spTree>
     <p:extLst>
       <p:ext uri="{BB962C8B-B14F-4D97-AF65-F5344CB8AC3E}">
-        <p14:creationId xmlns:p14="http://schemas.microsoft.com/office/powerpoint/2010/main" val="3609264760"/>
+        <p14:creationId xmlns:p14="http://schemas.microsoft.com/office/powerpoint/2010/main" val="2838398589"/>
       </p:ext>
     </p:extLst>
   </p:cSld>
@@ -4286,6 +4150,244 @@
           <p:cNvPr id="2" name="Title 1">
             <a:extLst>
               <a:ext uri="{FF2B5EF4-FFF2-40B4-BE49-F238E27FC236}">
+                <a16:creationId xmlns:a16="http://schemas.microsoft.com/office/drawing/2014/main" id="{43AF29C9-6D38-4335-B613-361E3C1E8854}"/>
+              </a:ext>
+            </a:extLst>
+          </p:cNvPr>
+          <p:cNvSpPr>
+            <a:spLocks noGrp="1"/>
+          </p:cNvSpPr>
+          <p:nvPr>
+            <p:ph type="title"/>
+          </p:nvPr>
+        </p:nvSpPr>
+        <p:spPr/>
+        <p:txBody>
+          <a:bodyPr/>
+          <a:lstStyle/>
+          <a:p>
+            <a:r>
+              <a:rPr lang="en-US" dirty="0"/>
+              <a:t>Mockup</a:t>
+            </a:r>
+            <a:endParaRPr lang="id-ID" dirty="0"/>
+          </a:p>
+        </p:txBody>
+      </p:sp>
+      <p:pic>
+        <p:nvPicPr>
+          <p:cNvPr id="23" name="Content Placeholder 22">
+            <a:extLst>
+              <a:ext uri="{FF2B5EF4-FFF2-40B4-BE49-F238E27FC236}">
+                <a16:creationId xmlns:a16="http://schemas.microsoft.com/office/drawing/2014/main" id="{82980EE3-FB68-4590-826E-91518A197E28}"/>
+              </a:ext>
+            </a:extLst>
+          </p:cNvPr>
+          <p:cNvPicPr>
+            <a:picLocks noGrp="1" noChangeAspect="1"/>
+          </p:cNvPicPr>
+          <p:nvPr>
+            <p:ph idx="1"/>
+          </p:nvPr>
+        </p:nvPicPr>
+        <p:blipFill>
+          <a:blip r:embed="rId2">
+            <a:extLst>
+              <a:ext uri="{28A0092B-C50C-407E-A947-70E740481C1C}">
+                <a14:useLocalDpi xmlns:a14="http://schemas.microsoft.com/office/drawing/2010/main" val="0"/>
+              </a:ext>
+            </a:extLst>
+          </a:blip>
+          <a:stretch>
+            <a:fillRect/>
+          </a:stretch>
+        </p:blipFill>
+        <p:spPr>
+          <a:xfrm>
+            <a:off x="838200" y="1690688"/>
+            <a:ext cx="2009546" cy="4351338"/>
+          </a:xfrm>
+        </p:spPr>
+      </p:pic>
+      <p:pic>
+        <p:nvPicPr>
+          <p:cNvPr id="31" name="Picture 30">
+            <a:extLst>
+              <a:ext uri="{FF2B5EF4-FFF2-40B4-BE49-F238E27FC236}">
+                <a16:creationId xmlns:a16="http://schemas.microsoft.com/office/drawing/2014/main" id="{F1054855-360A-4054-AAE7-69419DC779D4}"/>
+              </a:ext>
+            </a:extLst>
+          </p:cNvPr>
+          <p:cNvPicPr>
+            <a:picLocks noChangeAspect="1"/>
+          </p:cNvPicPr>
+          <p:nvPr/>
+        </p:nvPicPr>
+        <p:blipFill>
+          <a:blip r:embed="rId3">
+            <a:extLst>
+              <a:ext uri="{28A0092B-C50C-407E-A947-70E740481C1C}">
+                <a14:useLocalDpi xmlns:a14="http://schemas.microsoft.com/office/drawing/2010/main" val="0"/>
+              </a:ext>
+            </a:extLst>
+          </a:blip>
+          <a:stretch>
+            <a:fillRect/>
+          </a:stretch>
+        </p:blipFill>
+        <p:spPr>
+          <a:xfrm>
+            <a:off x="2914429" y="1690688"/>
+            <a:ext cx="2009546" cy="4351338"/>
+          </a:xfrm>
+          <a:prstGeom prst="rect">
+            <a:avLst/>
+          </a:prstGeom>
+        </p:spPr>
+      </p:pic>
+      <p:pic>
+        <p:nvPicPr>
+          <p:cNvPr id="35" name="Picture 34">
+            <a:extLst>
+              <a:ext uri="{FF2B5EF4-FFF2-40B4-BE49-F238E27FC236}">
+                <a16:creationId xmlns:a16="http://schemas.microsoft.com/office/drawing/2014/main" id="{49B0AF85-5DE0-4432-8BA0-1E23129088D6}"/>
+              </a:ext>
+            </a:extLst>
+          </p:cNvPr>
+          <p:cNvPicPr>
+            <a:picLocks noChangeAspect="1"/>
+          </p:cNvPicPr>
+          <p:nvPr/>
+        </p:nvPicPr>
+        <p:blipFill>
+          <a:blip r:embed="rId4">
+            <a:extLst>
+              <a:ext uri="{28A0092B-C50C-407E-A947-70E740481C1C}">
+                <a14:useLocalDpi xmlns:a14="http://schemas.microsoft.com/office/drawing/2010/main" val="0"/>
+              </a:ext>
+            </a:extLst>
+          </a:blip>
+          <a:stretch>
+            <a:fillRect/>
+          </a:stretch>
+        </p:blipFill>
+        <p:spPr>
+          <a:xfrm>
+            <a:off x="4990658" y="1690688"/>
+            <a:ext cx="2009547" cy="4351338"/>
+          </a:xfrm>
+          <a:prstGeom prst="rect">
+            <a:avLst/>
+          </a:prstGeom>
+        </p:spPr>
+      </p:pic>
+      <p:pic>
+        <p:nvPicPr>
+          <p:cNvPr id="37" name="Picture 36">
+            <a:extLst>
+              <a:ext uri="{FF2B5EF4-FFF2-40B4-BE49-F238E27FC236}">
+                <a16:creationId xmlns:a16="http://schemas.microsoft.com/office/drawing/2014/main" id="{D9B7DC25-F3CF-4B9D-8E31-485320119F08}"/>
+              </a:ext>
+            </a:extLst>
+          </p:cNvPr>
+          <p:cNvPicPr>
+            <a:picLocks noChangeAspect="1"/>
+          </p:cNvPicPr>
+          <p:nvPr/>
+        </p:nvPicPr>
+        <p:blipFill>
+          <a:blip r:embed="rId5">
+            <a:extLst>
+              <a:ext uri="{28A0092B-C50C-407E-A947-70E740481C1C}">
+                <a14:useLocalDpi xmlns:a14="http://schemas.microsoft.com/office/drawing/2010/main" val="0"/>
+              </a:ext>
+            </a:extLst>
+          </a:blip>
+          <a:stretch>
+            <a:fillRect/>
+          </a:stretch>
+        </p:blipFill>
+        <p:spPr>
+          <a:xfrm>
+            <a:off x="7140200" y="1690688"/>
+            <a:ext cx="2009546" cy="4351338"/>
+          </a:xfrm>
+          <a:prstGeom prst="rect">
+            <a:avLst/>
+          </a:prstGeom>
+        </p:spPr>
+      </p:pic>
+      <p:pic>
+        <p:nvPicPr>
+          <p:cNvPr id="39" name="Picture 38">
+            <a:extLst>
+              <a:ext uri="{FF2B5EF4-FFF2-40B4-BE49-F238E27FC236}">
+                <a16:creationId xmlns:a16="http://schemas.microsoft.com/office/drawing/2014/main" id="{AE45290E-D5B1-4EC8-B131-4590BA5C7B56}"/>
+              </a:ext>
+            </a:extLst>
+          </p:cNvPr>
+          <p:cNvPicPr>
+            <a:picLocks noChangeAspect="1"/>
+          </p:cNvPicPr>
+          <p:nvPr/>
+        </p:nvPicPr>
+        <p:blipFill>
+          <a:blip r:embed="rId6">
+            <a:extLst>
+              <a:ext uri="{28A0092B-C50C-407E-A947-70E740481C1C}">
+                <a14:useLocalDpi xmlns:a14="http://schemas.microsoft.com/office/drawing/2010/main" val="0"/>
+              </a:ext>
+            </a:extLst>
+          </a:blip>
+          <a:stretch>
+            <a:fillRect/>
+          </a:stretch>
+        </p:blipFill>
+        <p:spPr>
+          <a:xfrm>
+            <a:off x="9277571" y="1690688"/>
+            <a:ext cx="2009547" cy="4351338"/>
+          </a:xfrm>
+          <a:prstGeom prst="rect">
+            <a:avLst/>
+          </a:prstGeom>
+        </p:spPr>
+      </p:pic>
+    </p:spTree>
+    <p:extLst>
+      <p:ext uri="{BB962C8B-B14F-4D97-AF65-F5344CB8AC3E}">
+        <p14:creationId xmlns:p14="http://schemas.microsoft.com/office/powerpoint/2010/main" val="3609264760"/>
+      </p:ext>
+    </p:extLst>
+  </p:cSld>
+  <p:clrMapOvr>
+    <a:masterClrMapping/>
+  </p:clrMapOvr>
+</p:sld>
+</file>
+
+<file path=ppt/slides/slide12.xml><?xml version="1.0" encoding="utf-8"?>
+<p:sld xmlns:a="http://schemas.openxmlformats.org/drawingml/2006/main" xmlns:r="http://schemas.openxmlformats.org/officeDocument/2006/relationships" xmlns:p="http://schemas.openxmlformats.org/presentationml/2006/main">
+  <p:cSld>
+    <p:spTree>
+      <p:nvGrpSpPr>
+        <p:cNvPr id="1" name=""/>
+        <p:cNvGrpSpPr/>
+        <p:nvPr/>
+      </p:nvGrpSpPr>
+      <p:grpSpPr>
+        <a:xfrm>
+          <a:off x="0" y="0"/>
+          <a:ext cx="0" cy="0"/>
+          <a:chOff x="0" y="0"/>
+          <a:chExt cx="0" cy="0"/>
+        </a:xfrm>
+      </p:grpSpPr>
+      <p:sp>
+        <p:nvSpPr>
+          <p:cNvPr id="2" name="Title 1">
+            <a:extLst>
+              <a:ext uri="{FF2B5EF4-FFF2-40B4-BE49-F238E27FC236}">
                 <a16:creationId xmlns:a16="http://schemas.microsoft.com/office/drawing/2014/main" id="{CD1559FC-B825-4B23-AC04-201E22B52DD0}"/>
               </a:ext>
             </a:extLst>
@@ -4462,7 +4564,7 @@
 </p:sld>
 </file>
 
-<file path=ppt/slides/slide12.xml><?xml version="1.0" encoding="utf-8"?>
+<file path=ppt/slides/slide13.xml><?xml version="1.0" encoding="utf-8"?>
 <p:sld xmlns:a="http://schemas.openxmlformats.org/drawingml/2006/main" xmlns:r="http://schemas.openxmlformats.org/officeDocument/2006/relationships" xmlns:p="http://schemas.openxmlformats.org/presentationml/2006/main">
   <p:cSld>
     <p:spTree>
@@ -8030,7 +8132,7 @@
         </p:nvSpPr>
         <p:spPr>
           <a:xfrm>
-            <a:off x="838200" y="365125"/>
+            <a:off x="0" y="0"/>
             <a:ext cx="10515600" cy="839561"/>
           </a:xfrm>
         </p:spPr>
@@ -8040,7 +8142,7 @@
           <a:p>
             <a:r>
               <a:rPr lang="id-ID" dirty="0"/>
-              <a:t>Wireframe</a:t>
+              <a:t>Wireframe Admin</a:t>
             </a:r>
             <a:endParaRPr lang="en-ID" dirty="0"/>
           </a:p>
@@ -8048,10 +8150,10 @@
       </p:sp>
       <p:pic>
         <p:nvPicPr>
-          <p:cNvPr id="7" name="Content Placeholder 4">
-            <a:extLst>
-              <a:ext uri="{FF2B5EF4-FFF2-40B4-BE49-F238E27FC236}">
-                <a16:creationId xmlns:a16="http://schemas.microsoft.com/office/drawing/2014/main" id="{18BEED84-6110-40DA-822D-9040E274E62D}"/>
+          <p:cNvPr id="4" name="Picture 3">
+            <a:extLst>
+              <a:ext uri="{FF2B5EF4-FFF2-40B4-BE49-F238E27FC236}">
+                <a16:creationId xmlns:a16="http://schemas.microsoft.com/office/drawing/2014/main" id="{109BDD53-8C62-4367-B686-629CF127F7A0}"/>
               </a:ext>
             </a:extLst>
           </p:cNvPr>
@@ -8074,8 +8176,8 @@
         </p:blipFill>
         <p:spPr>
           <a:xfrm>
-            <a:off x="174171" y="1079336"/>
-            <a:ext cx="11887199" cy="5778664"/>
+            <a:off x="0" y="839561"/>
+            <a:ext cx="12192000" cy="5943463"/>
           </a:xfrm>
           <a:prstGeom prst="rect">
             <a:avLst/>

--- a/Aplikasi Catalog Board Game.pptx
+++ b/Aplikasi Catalog Board Game.pptx
@@ -149,8 +149,8 @@
 <pc:chgInfo xmlns:a="http://schemas.openxmlformats.org/drawingml/2006/main" xmlns:r="http://schemas.openxmlformats.org/officeDocument/2006/relationships" xmlns:ac="http://schemas.microsoft.com/office/drawing/2013/main/command" xmlns:pc="http://schemas.microsoft.com/office/powerpoint/2013/main/command">
   <pc:docChgLst>
     <pc:chgData name="alful falakh" userId="48e217df925ce595" providerId="LiveId" clId="{9AD53882-7CF3-4857-ADDC-F1BAE670FA97}"/>
-    <pc:docChg chg="undo custSel addSld modSld addSection delSection modSection">
-      <pc:chgData name="alful falakh" userId="48e217df925ce595" providerId="LiveId" clId="{9AD53882-7CF3-4857-ADDC-F1BAE670FA97}" dt="2021-04-20T12:42:59.026" v="355" actId="1076"/>
+    <pc:docChg chg="undo custSel addSld modSld sldOrd addSection delSection modSection">
+      <pc:chgData name="alful falakh" userId="48e217df925ce595" providerId="LiveId" clId="{9AD53882-7CF3-4857-ADDC-F1BAE670FA97}" dt="2021-04-21T08:42:41.271" v="357"/>
       <pc:docMkLst>
         <pc:docMk/>
       </pc:docMkLst>
@@ -500,8 +500,8 @@
           </ac:picMkLst>
         </pc:picChg>
       </pc:sldChg>
-      <pc:sldChg chg="addSp delSp modSp new mod">
-        <pc:chgData name="alful falakh" userId="48e217df925ce595" providerId="LiveId" clId="{9AD53882-7CF3-4857-ADDC-F1BAE670FA97}" dt="2021-04-20T12:42:59.026" v="355" actId="1076"/>
+      <pc:sldChg chg="addSp delSp modSp new mod ord">
+        <pc:chgData name="alful falakh" userId="48e217df925ce595" providerId="LiveId" clId="{9AD53882-7CF3-4857-ADDC-F1BAE670FA97}" dt="2021-04-21T08:42:41.271" v="357"/>
         <pc:sldMkLst>
           <pc:docMk/>
           <pc:sldMk cId="514511977" sldId="267"/>

--- a/Aplikasi Catalog Board Game.pptx
+++ b/Aplikasi Catalog Board Game.pptx
@@ -7,17 +7,16 @@
   <p:sldIdLst>
     <p:sldId id="256" r:id="rId2"/>
     <p:sldId id="257" r:id="rId3"/>
-    <p:sldId id="267" r:id="rId4"/>
-    <p:sldId id="258" r:id="rId5"/>
-    <p:sldId id="259" r:id="rId6"/>
-    <p:sldId id="260" r:id="rId7"/>
-    <p:sldId id="261" r:id="rId8"/>
-    <p:sldId id="266" r:id="rId9"/>
-    <p:sldId id="262" r:id="rId10"/>
-    <p:sldId id="268" r:id="rId11"/>
-    <p:sldId id="264" r:id="rId12"/>
-    <p:sldId id="265" r:id="rId13"/>
-    <p:sldId id="263" r:id="rId14"/>
+    <p:sldId id="258" r:id="rId4"/>
+    <p:sldId id="259" r:id="rId5"/>
+    <p:sldId id="260" r:id="rId6"/>
+    <p:sldId id="261" r:id="rId7"/>
+    <p:sldId id="266" r:id="rId8"/>
+    <p:sldId id="262" r:id="rId9"/>
+    <p:sldId id="268" r:id="rId10"/>
+    <p:sldId id="264" r:id="rId11"/>
+    <p:sldId id="265" r:id="rId12"/>
+    <p:sldId id="263" r:id="rId13"/>
   </p:sldIdLst>
   <p:sldSz cx="12192000" cy="6858000"/>
   <p:notesSz cx="6858000" cy="9144000"/>
@@ -123,7 +122,6 @@
           <p14:sldIdLst>
             <p14:sldId id="256"/>
             <p14:sldId id="257"/>
-            <p14:sldId id="267"/>
             <p14:sldId id="258"/>
             <p14:sldId id="259"/>
             <p14:sldId id="260"/>
@@ -149,8 +147,8 @@
 <pc:chgInfo xmlns:a="http://schemas.openxmlformats.org/drawingml/2006/main" xmlns:r="http://schemas.openxmlformats.org/officeDocument/2006/relationships" xmlns:ac="http://schemas.microsoft.com/office/drawing/2013/main/command" xmlns:pc="http://schemas.microsoft.com/office/powerpoint/2013/main/command">
   <pc:docChgLst>
     <pc:chgData name="alful falakh" userId="48e217df925ce595" providerId="LiveId" clId="{9AD53882-7CF3-4857-ADDC-F1BAE670FA97}"/>
-    <pc:docChg chg="undo custSel addSld modSld sldOrd addSection delSection modSection">
-      <pc:chgData name="alful falakh" userId="48e217df925ce595" providerId="LiveId" clId="{9AD53882-7CF3-4857-ADDC-F1BAE670FA97}" dt="2021-04-21T08:42:41.271" v="357"/>
+    <pc:docChg chg="undo custSel addSld delSld modSld sldOrd addSection delSection modSection">
+      <pc:chgData name="alful falakh" userId="48e217df925ce595" providerId="LiveId" clId="{9AD53882-7CF3-4857-ADDC-F1BAE670FA97}" dt="2021-04-21T12:38:18.518" v="360" actId="2696"/>
       <pc:docMkLst>
         <pc:docMk/>
       </pc:docMkLst>
@@ -500,8 +498,8 @@
           </ac:picMkLst>
         </pc:picChg>
       </pc:sldChg>
-      <pc:sldChg chg="addSp delSp modSp new mod ord">
-        <pc:chgData name="alful falakh" userId="48e217df925ce595" providerId="LiveId" clId="{9AD53882-7CF3-4857-ADDC-F1BAE670FA97}" dt="2021-04-21T08:42:41.271" v="357"/>
+      <pc:sldChg chg="addSp delSp modSp new del mod ord">
+        <pc:chgData name="alful falakh" userId="48e217df925ce595" providerId="LiveId" clId="{9AD53882-7CF3-4857-ADDC-F1BAE670FA97}" dt="2021-04-21T12:38:18.518" v="360" actId="2696"/>
         <pc:sldMkLst>
           <pc:docMk/>
           <pc:sldMk cId="514511977" sldId="267"/>
@@ -520,6 +518,14 @@
             <pc:docMk/>
             <pc:sldMk cId="514511977" sldId="267"/>
             <ac:spMk id="3" creationId="{3EB0EB68-99AE-426C-8B86-ED1EB72E4BA6}"/>
+          </ac:spMkLst>
+        </pc:spChg>
+        <pc:spChg chg="add del mod">
+          <ac:chgData name="alful falakh" userId="48e217df925ce595" providerId="LiveId" clId="{9AD53882-7CF3-4857-ADDC-F1BAE670FA97}" dt="2021-04-21T12:38:16.047" v="359" actId="478"/>
+          <ac:spMkLst>
+            <pc:docMk/>
+            <pc:sldMk cId="514511977" sldId="267"/>
+            <ac:spMk id="4" creationId="{492A62C2-9CBD-453E-9C2C-87F5A019F8DA}"/>
           </ac:spMkLst>
         </pc:spChg>
         <pc:spChg chg="add del mod">
@@ -554,8 +560,8 @@
             <ac:picMk id="9" creationId="{638F52B8-A397-4ECD-8372-0D6DA9FDAB04}"/>
           </ac:picMkLst>
         </pc:picChg>
-        <pc:picChg chg="add mod">
-          <ac:chgData name="alful falakh" userId="48e217df925ce595" providerId="LiveId" clId="{9AD53882-7CF3-4857-ADDC-F1BAE670FA97}" dt="2021-04-20T12:42:59.026" v="355" actId="1076"/>
+        <pc:picChg chg="add del mod">
+          <ac:chgData name="alful falakh" userId="48e217df925ce595" providerId="LiveId" clId="{9AD53882-7CF3-4857-ADDC-F1BAE670FA97}" dt="2021-04-21T12:38:16.047" v="359" actId="478"/>
           <ac:picMkLst>
             <pc:docMk/>
             <pc:sldMk cId="514511977" sldId="267"/>
@@ -4050,7 +4056,7 @@
           <p:cNvPr id="2" name="Title 1">
             <a:extLst>
               <a:ext uri="{FF2B5EF4-FFF2-40B4-BE49-F238E27FC236}">
-                <a16:creationId xmlns:a16="http://schemas.microsoft.com/office/drawing/2014/main" id="{2224CC44-A963-4A1E-A1C7-3ABB1A8E1F77}"/>
+                <a16:creationId xmlns:a16="http://schemas.microsoft.com/office/drawing/2014/main" id="{43AF29C9-6D38-4335-B613-361E3C1E8854}"/>
               </a:ext>
             </a:extLst>
           </p:cNvPr>
@@ -4061,37 +4067,34 @@
             <p:ph type="title"/>
           </p:nvPr>
         </p:nvSpPr>
-        <p:spPr>
-          <a:xfrm>
-            <a:off x="0" y="0"/>
-            <a:ext cx="10515600" cy="909493"/>
-          </a:xfrm>
-        </p:spPr>
+        <p:spPr/>
         <p:txBody>
           <a:bodyPr/>
           <a:lstStyle/>
           <a:p>
             <a:r>
-              <a:rPr lang="id-ID" dirty="0"/>
-              <a:t>Wireframe Client</a:t>
-            </a:r>
-            <a:endParaRPr lang="en-ID" dirty="0"/>
+              <a:rPr lang="en-US" dirty="0"/>
+              <a:t>Mockup</a:t>
+            </a:r>
+            <a:endParaRPr lang="id-ID" dirty="0"/>
           </a:p>
         </p:txBody>
       </p:sp>
       <p:pic>
         <p:nvPicPr>
-          <p:cNvPr id="5" name="Picture 4">
-            <a:extLst>
-              <a:ext uri="{FF2B5EF4-FFF2-40B4-BE49-F238E27FC236}">
-                <a16:creationId xmlns:a16="http://schemas.microsoft.com/office/drawing/2014/main" id="{5019BAA8-A96A-4ACD-B560-7494801BEFCA}"/>
+          <p:cNvPr id="23" name="Content Placeholder 22">
+            <a:extLst>
+              <a:ext uri="{FF2B5EF4-FFF2-40B4-BE49-F238E27FC236}">
+                <a16:creationId xmlns:a16="http://schemas.microsoft.com/office/drawing/2014/main" id="{82980EE3-FB68-4590-826E-91518A197E28}"/>
               </a:ext>
             </a:extLst>
           </p:cNvPr>
           <p:cNvPicPr>
-            <a:picLocks noChangeAspect="1"/>
+            <a:picLocks noGrp="1" noChangeAspect="1"/>
           </p:cNvPicPr>
-          <p:nvPr/>
+          <p:nvPr>
+            <p:ph idx="1"/>
+          </p:nvPr>
         </p:nvPicPr>
         <p:blipFill>
           <a:blip r:embed="rId2">
@@ -4107,8 +4110,149 @@
         </p:blipFill>
         <p:spPr>
           <a:xfrm>
-            <a:off x="0" y="909493"/>
-            <a:ext cx="12191999" cy="5948507"/>
+            <a:off x="838200" y="1690688"/>
+            <a:ext cx="2009546" cy="4351338"/>
+          </a:xfrm>
+        </p:spPr>
+      </p:pic>
+      <p:pic>
+        <p:nvPicPr>
+          <p:cNvPr id="31" name="Picture 30">
+            <a:extLst>
+              <a:ext uri="{FF2B5EF4-FFF2-40B4-BE49-F238E27FC236}">
+                <a16:creationId xmlns:a16="http://schemas.microsoft.com/office/drawing/2014/main" id="{F1054855-360A-4054-AAE7-69419DC779D4}"/>
+              </a:ext>
+            </a:extLst>
+          </p:cNvPr>
+          <p:cNvPicPr>
+            <a:picLocks noChangeAspect="1"/>
+          </p:cNvPicPr>
+          <p:nvPr/>
+        </p:nvPicPr>
+        <p:blipFill>
+          <a:blip r:embed="rId3">
+            <a:extLst>
+              <a:ext uri="{28A0092B-C50C-407E-A947-70E740481C1C}">
+                <a14:useLocalDpi xmlns:a14="http://schemas.microsoft.com/office/drawing/2010/main" val="0"/>
+              </a:ext>
+            </a:extLst>
+          </a:blip>
+          <a:stretch>
+            <a:fillRect/>
+          </a:stretch>
+        </p:blipFill>
+        <p:spPr>
+          <a:xfrm>
+            <a:off x="2914429" y="1690688"/>
+            <a:ext cx="2009546" cy="4351338"/>
+          </a:xfrm>
+          <a:prstGeom prst="rect">
+            <a:avLst/>
+          </a:prstGeom>
+        </p:spPr>
+      </p:pic>
+      <p:pic>
+        <p:nvPicPr>
+          <p:cNvPr id="35" name="Picture 34">
+            <a:extLst>
+              <a:ext uri="{FF2B5EF4-FFF2-40B4-BE49-F238E27FC236}">
+                <a16:creationId xmlns:a16="http://schemas.microsoft.com/office/drawing/2014/main" id="{49B0AF85-5DE0-4432-8BA0-1E23129088D6}"/>
+              </a:ext>
+            </a:extLst>
+          </p:cNvPr>
+          <p:cNvPicPr>
+            <a:picLocks noChangeAspect="1"/>
+          </p:cNvPicPr>
+          <p:nvPr/>
+        </p:nvPicPr>
+        <p:blipFill>
+          <a:blip r:embed="rId4">
+            <a:extLst>
+              <a:ext uri="{28A0092B-C50C-407E-A947-70E740481C1C}">
+                <a14:useLocalDpi xmlns:a14="http://schemas.microsoft.com/office/drawing/2010/main" val="0"/>
+              </a:ext>
+            </a:extLst>
+          </a:blip>
+          <a:stretch>
+            <a:fillRect/>
+          </a:stretch>
+        </p:blipFill>
+        <p:spPr>
+          <a:xfrm>
+            <a:off x="4990658" y="1690688"/>
+            <a:ext cx="2009547" cy="4351338"/>
+          </a:xfrm>
+          <a:prstGeom prst="rect">
+            <a:avLst/>
+          </a:prstGeom>
+        </p:spPr>
+      </p:pic>
+      <p:pic>
+        <p:nvPicPr>
+          <p:cNvPr id="37" name="Picture 36">
+            <a:extLst>
+              <a:ext uri="{FF2B5EF4-FFF2-40B4-BE49-F238E27FC236}">
+                <a16:creationId xmlns:a16="http://schemas.microsoft.com/office/drawing/2014/main" id="{D9B7DC25-F3CF-4B9D-8E31-485320119F08}"/>
+              </a:ext>
+            </a:extLst>
+          </p:cNvPr>
+          <p:cNvPicPr>
+            <a:picLocks noChangeAspect="1"/>
+          </p:cNvPicPr>
+          <p:nvPr/>
+        </p:nvPicPr>
+        <p:blipFill>
+          <a:blip r:embed="rId5">
+            <a:extLst>
+              <a:ext uri="{28A0092B-C50C-407E-A947-70E740481C1C}">
+                <a14:useLocalDpi xmlns:a14="http://schemas.microsoft.com/office/drawing/2010/main" val="0"/>
+              </a:ext>
+            </a:extLst>
+          </a:blip>
+          <a:stretch>
+            <a:fillRect/>
+          </a:stretch>
+        </p:blipFill>
+        <p:spPr>
+          <a:xfrm>
+            <a:off x="7140200" y="1690688"/>
+            <a:ext cx="2009546" cy="4351338"/>
+          </a:xfrm>
+          <a:prstGeom prst="rect">
+            <a:avLst/>
+          </a:prstGeom>
+        </p:spPr>
+      </p:pic>
+      <p:pic>
+        <p:nvPicPr>
+          <p:cNvPr id="39" name="Picture 38">
+            <a:extLst>
+              <a:ext uri="{FF2B5EF4-FFF2-40B4-BE49-F238E27FC236}">
+                <a16:creationId xmlns:a16="http://schemas.microsoft.com/office/drawing/2014/main" id="{AE45290E-D5B1-4EC8-B131-4590BA5C7B56}"/>
+              </a:ext>
+            </a:extLst>
+          </p:cNvPr>
+          <p:cNvPicPr>
+            <a:picLocks noChangeAspect="1"/>
+          </p:cNvPicPr>
+          <p:nvPr/>
+        </p:nvPicPr>
+        <p:blipFill>
+          <a:blip r:embed="rId6">
+            <a:extLst>
+              <a:ext uri="{28A0092B-C50C-407E-A947-70E740481C1C}">
+                <a14:useLocalDpi xmlns:a14="http://schemas.microsoft.com/office/drawing/2010/main" val="0"/>
+              </a:ext>
+            </a:extLst>
+          </a:blip>
+          <a:stretch>
+            <a:fillRect/>
+          </a:stretch>
+        </p:blipFill>
+        <p:spPr>
+          <a:xfrm>
+            <a:off x="9277571" y="1690688"/>
+            <a:ext cx="2009547" cy="4351338"/>
           </a:xfrm>
           <a:prstGeom prst="rect">
             <a:avLst/>
@@ -4118,7 +4262,7 @@
     </p:spTree>
     <p:extLst>
       <p:ext uri="{BB962C8B-B14F-4D97-AF65-F5344CB8AC3E}">
-        <p14:creationId xmlns:p14="http://schemas.microsoft.com/office/powerpoint/2010/main" val="2838398589"/>
+        <p14:creationId xmlns:p14="http://schemas.microsoft.com/office/powerpoint/2010/main" val="3609264760"/>
       </p:ext>
     </p:extLst>
   </p:cSld>
@@ -4150,244 +4294,6 @@
           <p:cNvPr id="2" name="Title 1">
             <a:extLst>
               <a:ext uri="{FF2B5EF4-FFF2-40B4-BE49-F238E27FC236}">
-                <a16:creationId xmlns:a16="http://schemas.microsoft.com/office/drawing/2014/main" id="{43AF29C9-6D38-4335-B613-361E3C1E8854}"/>
-              </a:ext>
-            </a:extLst>
-          </p:cNvPr>
-          <p:cNvSpPr>
-            <a:spLocks noGrp="1"/>
-          </p:cNvSpPr>
-          <p:nvPr>
-            <p:ph type="title"/>
-          </p:nvPr>
-        </p:nvSpPr>
-        <p:spPr/>
-        <p:txBody>
-          <a:bodyPr/>
-          <a:lstStyle/>
-          <a:p>
-            <a:r>
-              <a:rPr lang="en-US" dirty="0"/>
-              <a:t>Mockup</a:t>
-            </a:r>
-            <a:endParaRPr lang="id-ID" dirty="0"/>
-          </a:p>
-        </p:txBody>
-      </p:sp>
-      <p:pic>
-        <p:nvPicPr>
-          <p:cNvPr id="23" name="Content Placeholder 22">
-            <a:extLst>
-              <a:ext uri="{FF2B5EF4-FFF2-40B4-BE49-F238E27FC236}">
-                <a16:creationId xmlns:a16="http://schemas.microsoft.com/office/drawing/2014/main" id="{82980EE3-FB68-4590-826E-91518A197E28}"/>
-              </a:ext>
-            </a:extLst>
-          </p:cNvPr>
-          <p:cNvPicPr>
-            <a:picLocks noGrp="1" noChangeAspect="1"/>
-          </p:cNvPicPr>
-          <p:nvPr>
-            <p:ph idx="1"/>
-          </p:nvPr>
-        </p:nvPicPr>
-        <p:blipFill>
-          <a:blip r:embed="rId2">
-            <a:extLst>
-              <a:ext uri="{28A0092B-C50C-407E-A947-70E740481C1C}">
-                <a14:useLocalDpi xmlns:a14="http://schemas.microsoft.com/office/drawing/2010/main" val="0"/>
-              </a:ext>
-            </a:extLst>
-          </a:blip>
-          <a:stretch>
-            <a:fillRect/>
-          </a:stretch>
-        </p:blipFill>
-        <p:spPr>
-          <a:xfrm>
-            <a:off x="838200" y="1690688"/>
-            <a:ext cx="2009546" cy="4351338"/>
-          </a:xfrm>
-        </p:spPr>
-      </p:pic>
-      <p:pic>
-        <p:nvPicPr>
-          <p:cNvPr id="31" name="Picture 30">
-            <a:extLst>
-              <a:ext uri="{FF2B5EF4-FFF2-40B4-BE49-F238E27FC236}">
-                <a16:creationId xmlns:a16="http://schemas.microsoft.com/office/drawing/2014/main" id="{F1054855-360A-4054-AAE7-69419DC779D4}"/>
-              </a:ext>
-            </a:extLst>
-          </p:cNvPr>
-          <p:cNvPicPr>
-            <a:picLocks noChangeAspect="1"/>
-          </p:cNvPicPr>
-          <p:nvPr/>
-        </p:nvPicPr>
-        <p:blipFill>
-          <a:blip r:embed="rId3">
-            <a:extLst>
-              <a:ext uri="{28A0092B-C50C-407E-A947-70E740481C1C}">
-                <a14:useLocalDpi xmlns:a14="http://schemas.microsoft.com/office/drawing/2010/main" val="0"/>
-              </a:ext>
-            </a:extLst>
-          </a:blip>
-          <a:stretch>
-            <a:fillRect/>
-          </a:stretch>
-        </p:blipFill>
-        <p:spPr>
-          <a:xfrm>
-            <a:off x="2914429" y="1690688"/>
-            <a:ext cx="2009546" cy="4351338"/>
-          </a:xfrm>
-          <a:prstGeom prst="rect">
-            <a:avLst/>
-          </a:prstGeom>
-        </p:spPr>
-      </p:pic>
-      <p:pic>
-        <p:nvPicPr>
-          <p:cNvPr id="35" name="Picture 34">
-            <a:extLst>
-              <a:ext uri="{FF2B5EF4-FFF2-40B4-BE49-F238E27FC236}">
-                <a16:creationId xmlns:a16="http://schemas.microsoft.com/office/drawing/2014/main" id="{49B0AF85-5DE0-4432-8BA0-1E23129088D6}"/>
-              </a:ext>
-            </a:extLst>
-          </p:cNvPr>
-          <p:cNvPicPr>
-            <a:picLocks noChangeAspect="1"/>
-          </p:cNvPicPr>
-          <p:nvPr/>
-        </p:nvPicPr>
-        <p:blipFill>
-          <a:blip r:embed="rId4">
-            <a:extLst>
-              <a:ext uri="{28A0092B-C50C-407E-A947-70E740481C1C}">
-                <a14:useLocalDpi xmlns:a14="http://schemas.microsoft.com/office/drawing/2010/main" val="0"/>
-              </a:ext>
-            </a:extLst>
-          </a:blip>
-          <a:stretch>
-            <a:fillRect/>
-          </a:stretch>
-        </p:blipFill>
-        <p:spPr>
-          <a:xfrm>
-            <a:off x="4990658" y="1690688"/>
-            <a:ext cx="2009547" cy="4351338"/>
-          </a:xfrm>
-          <a:prstGeom prst="rect">
-            <a:avLst/>
-          </a:prstGeom>
-        </p:spPr>
-      </p:pic>
-      <p:pic>
-        <p:nvPicPr>
-          <p:cNvPr id="37" name="Picture 36">
-            <a:extLst>
-              <a:ext uri="{FF2B5EF4-FFF2-40B4-BE49-F238E27FC236}">
-                <a16:creationId xmlns:a16="http://schemas.microsoft.com/office/drawing/2014/main" id="{D9B7DC25-F3CF-4B9D-8E31-485320119F08}"/>
-              </a:ext>
-            </a:extLst>
-          </p:cNvPr>
-          <p:cNvPicPr>
-            <a:picLocks noChangeAspect="1"/>
-          </p:cNvPicPr>
-          <p:nvPr/>
-        </p:nvPicPr>
-        <p:blipFill>
-          <a:blip r:embed="rId5">
-            <a:extLst>
-              <a:ext uri="{28A0092B-C50C-407E-A947-70E740481C1C}">
-                <a14:useLocalDpi xmlns:a14="http://schemas.microsoft.com/office/drawing/2010/main" val="0"/>
-              </a:ext>
-            </a:extLst>
-          </a:blip>
-          <a:stretch>
-            <a:fillRect/>
-          </a:stretch>
-        </p:blipFill>
-        <p:spPr>
-          <a:xfrm>
-            <a:off x="7140200" y="1690688"/>
-            <a:ext cx="2009546" cy="4351338"/>
-          </a:xfrm>
-          <a:prstGeom prst="rect">
-            <a:avLst/>
-          </a:prstGeom>
-        </p:spPr>
-      </p:pic>
-      <p:pic>
-        <p:nvPicPr>
-          <p:cNvPr id="39" name="Picture 38">
-            <a:extLst>
-              <a:ext uri="{FF2B5EF4-FFF2-40B4-BE49-F238E27FC236}">
-                <a16:creationId xmlns:a16="http://schemas.microsoft.com/office/drawing/2014/main" id="{AE45290E-D5B1-4EC8-B131-4590BA5C7B56}"/>
-              </a:ext>
-            </a:extLst>
-          </p:cNvPr>
-          <p:cNvPicPr>
-            <a:picLocks noChangeAspect="1"/>
-          </p:cNvPicPr>
-          <p:nvPr/>
-        </p:nvPicPr>
-        <p:blipFill>
-          <a:blip r:embed="rId6">
-            <a:extLst>
-              <a:ext uri="{28A0092B-C50C-407E-A947-70E740481C1C}">
-                <a14:useLocalDpi xmlns:a14="http://schemas.microsoft.com/office/drawing/2010/main" val="0"/>
-              </a:ext>
-            </a:extLst>
-          </a:blip>
-          <a:stretch>
-            <a:fillRect/>
-          </a:stretch>
-        </p:blipFill>
-        <p:spPr>
-          <a:xfrm>
-            <a:off x="9277571" y="1690688"/>
-            <a:ext cx="2009547" cy="4351338"/>
-          </a:xfrm>
-          <a:prstGeom prst="rect">
-            <a:avLst/>
-          </a:prstGeom>
-        </p:spPr>
-      </p:pic>
-    </p:spTree>
-    <p:extLst>
-      <p:ext uri="{BB962C8B-B14F-4D97-AF65-F5344CB8AC3E}">
-        <p14:creationId xmlns:p14="http://schemas.microsoft.com/office/powerpoint/2010/main" val="3609264760"/>
-      </p:ext>
-    </p:extLst>
-  </p:cSld>
-  <p:clrMapOvr>
-    <a:masterClrMapping/>
-  </p:clrMapOvr>
-</p:sld>
-</file>
-
-<file path=ppt/slides/slide12.xml><?xml version="1.0" encoding="utf-8"?>
-<p:sld xmlns:a="http://schemas.openxmlformats.org/drawingml/2006/main" xmlns:r="http://schemas.openxmlformats.org/officeDocument/2006/relationships" xmlns:p="http://schemas.openxmlformats.org/presentationml/2006/main">
-  <p:cSld>
-    <p:spTree>
-      <p:nvGrpSpPr>
-        <p:cNvPr id="1" name=""/>
-        <p:cNvGrpSpPr/>
-        <p:nvPr/>
-      </p:nvGrpSpPr>
-      <p:grpSpPr>
-        <a:xfrm>
-          <a:off x="0" y="0"/>
-          <a:ext cx="0" cy="0"/>
-          <a:chOff x="0" y="0"/>
-          <a:chExt cx="0" cy="0"/>
-        </a:xfrm>
-      </p:grpSpPr>
-      <p:sp>
-        <p:nvSpPr>
-          <p:cNvPr id="2" name="Title 1">
-            <a:extLst>
-              <a:ext uri="{FF2B5EF4-FFF2-40B4-BE49-F238E27FC236}">
                 <a16:creationId xmlns:a16="http://schemas.microsoft.com/office/drawing/2014/main" id="{CD1559FC-B825-4B23-AC04-201E22B52DD0}"/>
               </a:ext>
             </a:extLst>
@@ -4564,7 +4470,7 @@
 </p:sld>
 </file>
 
-<file path=ppt/slides/slide13.xml><?xml version="1.0" encoding="utf-8"?>
+<file path=ppt/slides/slide12.xml><?xml version="1.0" encoding="utf-8"?>
 <p:sld xmlns:a="http://schemas.openxmlformats.org/drawingml/2006/main" xmlns:r="http://schemas.openxmlformats.org/officeDocument/2006/relationships" xmlns:p="http://schemas.openxmlformats.org/presentationml/2006/main">
   <p:cSld>
     <p:spTree>
@@ -6159,7 +6065,7 @@
           <p:cNvPr id="2" name="Title 1">
             <a:extLst>
               <a:ext uri="{FF2B5EF4-FFF2-40B4-BE49-F238E27FC236}">
-                <a16:creationId xmlns:a16="http://schemas.microsoft.com/office/drawing/2014/main" id="{9AC91289-DECB-43A4-BCC0-B96DE4B78BAF}"/>
+                <a16:creationId xmlns:a16="http://schemas.microsoft.com/office/drawing/2014/main" id="{22D05F4A-8803-496C-98FE-396E8C262790}"/>
               </a:ext>
             </a:extLst>
           </p:cNvPr>
@@ -6170,58 +6076,868 @@
             <p:ph type="title"/>
           </p:nvPr>
         </p:nvSpPr>
-        <p:spPr/>
+        <p:spPr>
+          <a:xfrm>
+            <a:off x="838200" y="365125"/>
+            <a:ext cx="10515600" cy="1269711"/>
+          </a:xfrm>
+        </p:spPr>
         <p:txBody>
           <a:bodyPr/>
           <a:lstStyle/>
           <a:p>
             <a:r>
-              <a:rPr lang="en-US" dirty="0"/>
-              <a:t>Logo</a:t>
-            </a:r>
-            <a:endParaRPr lang="id-ID" dirty="0"/>
+              <a:rPr lang="en-US" b="1" dirty="0"/>
+              <a:t>PROJECT SCOPE STATEMENT</a:t>
+            </a:r>
+            <a:endParaRPr lang="en-ID" dirty="0"/>
           </a:p>
         </p:txBody>
       </p:sp>
-      <p:pic>
-        <p:nvPicPr>
-          <p:cNvPr id="13" name="Content Placeholder 12">
-            <a:extLst>
-              <a:ext uri="{FF2B5EF4-FFF2-40B4-BE49-F238E27FC236}">
-                <a16:creationId xmlns:a16="http://schemas.microsoft.com/office/drawing/2014/main" id="{99998C77-9CA2-4CC2-AF57-BEBC572358CC}"/>
-              </a:ext>
-            </a:extLst>
-          </p:cNvPr>
-          <p:cNvPicPr>
-            <a:picLocks noGrp="1" noChangeAspect="1"/>
-          </p:cNvPicPr>
+      <p:sp>
+        <p:nvSpPr>
+          <p:cNvPr id="3" name="Content Placeholder 2">
+            <a:extLst>
+              <a:ext uri="{FF2B5EF4-FFF2-40B4-BE49-F238E27FC236}">
+                <a16:creationId xmlns:a16="http://schemas.microsoft.com/office/drawing/2014/main" id="{999B197F-9F03-4B54-A879-B1F438A0F281}"/>
+              </a:ext>
+            </a:extLst>
+          </p:cNvPr>
+          <p:cNvSpPr>
+            <a:spLocks noGrp="1"/>
+          </p:cNvSpPr>
           <p:nvPr>
             <p:ph idx="1"/>
           </p:nvPr>
-        </p:nvPicPr>
-        <p:blipFill>
-          <a:blip r:embed="rId2">
-            <a:extLst>
-              <a:ext uri="{28A0092B-C50C-407E-A947-70E740481C1C}">
-                <a14:useLocalDpi xmlns:a14="http://schemas.microsoft.com/office/drawing/2010/main" val="0"/>
-              </a:ext>
-            </a:extLst>
-          </a:blip>
-          <a:stretch>
-            <a:fillRect/>
-          </a:stretch>
-        </p:blipFill>
+        </p:nvSpPr>
         <p:spPr>
           <a:xfrm>
-            <a:off x="4504056" y="1837056"/>
-            <a:ext cx="3183887" cy="3183887"/>
+            <a:off x="838198" y="1825625"/>
+            <a:ext cx="10515601" cy="4351338"/>
           </a:xfrm>
         </p:spPr>
-      </p:pic>
+        <p:txBody>
+          <a:bodyPr>
+            <a:normAutofit fontScale="92500" lnSpcReduction="20000"/>
+          </a:bodyPr>
+          <a:lstStyle/>
+          <a:p>
+            <a:pPr marL="457200" lvl="1" indent="0">
+              <a:buNone/>
+            </a:pPr>
+            <a:r>
+              <a:rPr lang="id-ID" b="1" dirty="0"/>
+              <a:t>Ruang Lingkup</a:t>
+            </a:r>
+            <a:endParaRPr lang="en-US" b="1" dirty="0"/>
+          </a:p>
+          <a:p>
+            <a:pPr marL="457200" lvl="1" indent="0" algn="just">
+              <a:buNone/>
+            </a:pPr>
+            <a:r>
+              <a:rPr lang="en-US" sz="2100" dirty="0" err="1">
+                <a:effectLst/>
+                <a:latin typeface="Calibri (Body)"/>
+                <a:ea typeface="DengXian" panose="02010600030101010101" pitchFamily="2" charset="-122"/>
+                <a:cs typeface="Times New Roman" panose="02020603050405020304" pitchFamily="18" charset="0"/>
+              </a:rPr>
+              <a:t>Aplikasi</a:t>
+            </a:r>
+            <a:r>
+              <a:rPr lang="en-US" sz="2100" dirty="0">
+                <a:effectLst/>
+                <a:latin typeface="Calibri (Body)"/>
+                <a:ea typeface="DengXian" panose="02010600030101010101" pitchFamily="2" charset="-122"/>
+                <a:cs typeface="Times New Roman" panose="02020603050405020304" pitchFamily="18" charset="0"/>
+              </a:rPr>
+              <a:t> Board Game Catalog </a:t>
+            </a:r>
+            <a:r>
+              <a:rPr lang="en-US" sz="2100" dirty="0" err="1">
+                <a:effectLst/>
+                <a:latin typeface="Calibri (Body)"/>
+                <a:ea typeface="DengXian" panose="02010600030101010101" pitchFamily="2" charset="-122"/>
+                <a:cs typeface="Times New Roman" panose="02020603050405020304" pitchFamily="18" charset="0"/>
+              </a:rPr>
+              <a:t>adalah</a:t>
+            </a:r>
+            <a:r>
+              <a:rPr lang="en-US" sz="2100" dirty="0">
+                <a:effectLst/>
+                <a:latin typeface="Calibri (Body)"/>
+                <a:ea typeface="DengXian" panose="02010600030101010101" pitchFamily="2" charset="-122"/>
+                <a:cs typeface="Times New Roman" panose="02020603050405020304" pitchFamily="18" charset="0"/>
+              </a:rPr>
+              <a:t> </a:t>
+            </a:r>
+            <a:r>
+              <a:rPr lang="en-US" sz="2100" dirty="0" err="1">
+                <a:effectLst/>
+                <a:latin typeface="Calibri (Body)"/>
+                <a:ea typeface="DengXian" panose="02010600030101010101" pitchFamily="2" charset="-122"/>
+                <a:cs typeface="Times New Roman" panose="02020603050405020304" pitchFamily="18" charset="0"/>
+              </a:rPr>
+              <a:t>aplikasi</a:t>
+            </a:r>
+            <a:r>
+              <a:rPr lang="en-US" sz="2100" dirty="0">
+                <a:effectLst/>
+                <a:latin typeface="Calibri (Body)"/>
+                <a:ea typeface="DengXian" panose="02010600030101010101" pitchFamily="2" charset="-122"/>
+                <a:cs typeface="Times New Roman" panose="02020603050405020304" pitchFamily="18" charset="0"/>
+              </a:rPr>
+              <a:t> yang </a:t>
+            </a:r>
+            <a:r>
+              <a:rPr lang="en-US" sz="2100" dirty="0" err="1">
+                <a:effectLst/>
+                <a:latin typeface="Calibri (Body)"/>
+                <a:ea typeface="DengXian" panose="02010600030101010101" pitchFamily="2" charset="-122"/>
+                <a:cs typeface="Times New Roman" panose="02020603050405020304" pitchFamily="18" charset="0"/>
+              </a:rPr>
+              <a:t>digunakan</a:t>
+            </a:r>
+            <a:r>
+              <a:rPr lang="en-US" sz="2100" dirty="0">
+                <a:effectLst/>
+                <a:latin typeface="Calibri (Body)"/>
+                <a:ea typeface="DengXian" panose="02010600030101010101" pitchFamily="2" charset="-122"/>
+                <a:cs typeface="Times New Roman" panose="02020603050405020304" pitchFamily="18" charset="0"/>
+              </a:rPr>
+              <a:t> </a:t>
+            </a:r>
+            <a:r>
+              <a:rPr lang="en-US" sz="2100" dirty="0" err="1">
+                <a:effectLst/>
+                <a:latin typeface="Calibri (Body)"/>
+                <a:ea typeface="DengXian" panose="02010600030101010101" pitchFamily="2" charset="-122"/>
+                <a:cs typeface="Times New Roman" panose="02020603050405020304" pitchFamily="18" charset="0"/>
+              </a:rPr>
+              <a:t>untuk</a:t>
+            </a:r>
+            <a:r>
+              <a:rPr lang="en-US" sz="2100" dirty="0">
+                <a:effectLst/>
+                <a:latin typeface="Calibri (Body)"/>
+                <a:ea typeface="DengXian" panose="02010600030101010101" pitchFamily="2" charset="-122"/>
+                <a:cs typeface="Times New Roman" panose="02020603050405020304" pitchFamily="18" charset="0"/>
+              </a:rPr>
+              <a:t> </a:t>
+            </a:r>
+            <a:r>
+              <a:rPr lang="en-US" sz="2100" dirty="0" err="1">
+                <a:effectLst/>
+                <a:latin typeface="Calibri (Body)"/>
+                <a:ea typeface="DengXian" panose="02010600030101010101" pitchFamily="2" charset="-122"/>
+                <a:cs typeface="Times New Roman" panose="02020603050405020304" pitchFamily="18" charset="0"/>
+              </a:rPr>
+              <a:t>mendata</a:t>
+            </a:r>
+            <a:r>
+              <a:rPr lang="en-US" sz="2100" dirty="0">
+                <a:effectLst/>
+                <a:latin typeface="Calibri (Body)"/>
+                <a:ea typeface="DengXian" panose="02010600030101010101" pitchFamily="2" charset="-122"/>
+                <a:cs typeface="Times New Roman" panose="02020603050405020304" pitchFamily="18" charset="0"/>
+              </a:rPr>
+              <a:t> history </a:t>
+            </a:r>
+            <a:r>
+              <a:rPr lang="en-US" sz="2100" dirty="0" err="1">
+                <a:effectLst/>
+                <a:latin typeface="Calibri (Body)"/>
+                <a:ea typeface="DengXian" panose="02010600030101010101" pitchFamily="2" charset="-122"/>
+                <a:cs typeface="Times New Roman" panose="02020603050405020304" pitchFamily="18" charset="0"/>
+              </a:rPr>
+              <a:t>dari</a:t>
+            </a:r>
+            <a:r>
+              <a:rPr lang="en-US" sz="2100" dirty="0">
+                <a:effectLst/>
+                <a:latin typeface="Calibri (Body)"/>
+                <a:ea typeface="DengXian" panose="02010600030101010101" pitchFamily="2" charset="-122"/>
+                <a:cs typeface="Times New Roman" panose="02020603050405020304" pitchFamily="18" charset="0"/>
+              </a:rPr>
+              <a:t> </a:t>
+            </a:r>
+            <a:r>
+              <a:rPr lang="en-US" sz="2100" dirty="0" err="1">
+                <a:effectLst/>
+                <a:latin typeface="Calibri (Body)"/>
+                <a:ea typeface="DengXian" panose="02010600030101010101" pitchFamily="2" charset="-122"/>
+                <a:cs typeface="Times New Roman" panose="02020603050405020304" pitchFamily="18" charset="0"/>
+              </a:rPr>
+              <a:t>permainan</a:t>
+            </a:r>
+            <a:r>
+              <a:rPr lang="en-US" sz="2100" dirty="0">
+                <a:effectLst/>
+                <a:latin typeface="Calibri (Body)"/>
+                <a:ea typeface="DengXian" panose="02010600030101010101" pitchFamily="2" charset="-122"/>
+                <a:cs typeface="Times New Roman" panose="02020603050405020304" pitchFamily="18" charset="0"/>
+              </a:rPr>
+              <a:t> board game yang </a:t>
+            </a:r>
+            <a:r>
+              <a:rPr lang="en-US" sz="2100" dirty="0" err="1">
+                <a:effectLst/>
+                <a:latin typeface="Calibri (Body)"/>
+                <a:ea typeface="DengXian" panose="02010600030101010101" pitchFamily="2" charset="-122"/>
+                <a:cs typeface="Times New Roman" panose="02020603050405020304" pitchFamily="18" charset="0"/>
+              </a:rPr>
+              <a:t>dilakukan</a:t>
+            </a:r>
+            <a:r>
+              <a:rPr lang="en-US" sz="2100" dirty="0">
+                <a:effectLst/>
+                <a:latin typeface="Calibri (Body)"/>
+                <a:ea typeface="DengXian" panose="02010600030101010101" pitchFamily="2" charset="-122"/>
+                <a:cs typeface="Times New Roman" panose="02020603050405020304" pitchFamily="18" charset="0"/>
+              </a:rPr>
+              <a:t> user </a:t>
+            </a:r>
+            <a:r>
+              <a:rPr lang="en-US" sz="2100" dirty="0" err="1">
+                <a:effectLst/>
+                <a:latin typeface="Calibri (Body)"/>
+                <a:ea typeface="DengXian" panose="02010600030101010101" pitchFamily="2" charset="-122"/>
+                <a:cs typeface="Times New Roman" panose="02020603050405020304" pitchFamily="18" charset="0"/>
+              </a:rPr>
+              <a:t>berdasarkan</a:t>
+            </a:r>
+            <a:r>
+              <a:rPr lang="en-US" sz="2100" dirty="0">
+                <a:effectLst/>
+                <a:latin typeface="Calibri (Body)"/>
+                <a:ea typeface="DengXian" panose="02010600030101010101" pitchFamily="2" charset="-122"/>
+                <a:cs typeface="Times New Roman" panose="02020603050405020304" pitchFamily="18" charset="0"/>
+              </a:rPr>
+              <a:t> game yang </a:t>
+            </a:r>
+            <a:r>
+              <a:rPr lang="en-US" sz="2100" dirty="0" err="1">
+                <a:effectLst/>
+                <a:latin typeface="Calibri (Body)"/>
+                <a:ea typeface="DengXian" panose="02010600030101010101" pitchFamily="2" charset="-122"/>
+                <a:cs typeface="Times New Roman" panose="02020603050405020304" pitchFamily="18" charset="0"/>
+              </a:rPr>
+              <a:t>ditentukan</a:t>
+            </a:r>
+            <a:r>
+              <a:rPr lang="en-US" sz="2100" dirty="0">
+                <a:effectLst/>
+                <a:latin typeface="Calibri (Body)"/>
+                <a:ea typeface="DengXian" panose="02010600030101010101" pitchFamily="2" charset="-122"/>
+                <a:cs typeface="Times New Roman" panose="02020603050405020304" pitchFamily="18" charset="0"/>
+              </a:rPr>
+              <a:t> admin dan </a:t>
+            </a:r>
+            <a:r>
+              <a:rPr lang="en-US" sz="2100" dirty="0" err="1">
+                <a:effectLst/>
+                <a:latin typeface="Calibri (Body)"/>
+                <a:ea typeface="DengXian" panose="02010600030101010101" pitchFamily="2" charset="-122"/>
+                <a:cs typeface="Times New Roman" panose="02020603050405020304" pitchFamily="18" charset="0"/>
+              </a:rPr>
+              <a:t>dipilih</a:t>
+            </a:r>
+            <a:r>
+              <a:rPr lang="en-US" sz="2100" dirty="0">
+                <a:effectLst/>
+                <a:latin typeface="Calibri (Body)"/>
+                <a:ea typeface="DengXian" panose="02010600030101010101" pitchFamily="2" charset="-122"/>
+                <a:cs typeface="Times New Roman" panose="02020603050405020304" pitchFamily="18" charset="0"/>
+              </a:rPr>
+              <a:t> user. </a:t>
+            </a:r>
+            <a:r>
+              <a:rPr lang="en-US" sz="2100" dirty="0" err="1">
+                <a:effectLst/>
+                <a:latin typeface="Calibri (Body)"/>
+                <a:ea typeface="DengXian" panose="02010600030101010101" pitchFamily="2" charset="-122"/>
+                <a:cs typeface="Times New Roman" panose="02020603050405020304" pitchFamily="18" charset="0"/>
+              </a:rPr>
+              <a:t>Aplikasi</a:t>
+            </a:r>
+            <a:r>
+              <a:rPr lang="en-US" sz="2100" dirty="0">
+                <a:effectLst/>
+                <a:latin typeface="Calibri (Body)"/>
+                <a:ea typeface="DengXian" panose="02010600030101010101" pitchFamily="2" charset="-122"/>
+                <a:cs typeface="Times New Roman" panose="02020603050405020304" pitchFamily="18" charset="0"/>
+              </a:rPr>
+              <a:t> </a:t>
+            </a:r>
+            <a:r>
+              <a:rPr lang="en-US" sz="2100" dirty="0" err="1">
+                <a:effectLst/>
+                <a:latin typeface="Calibri (Body)"/>
+                <a:ea typeface="DengXian" panose="02010600030101010101" pitchFamily="2" charset="-122"/>
+                <a:cs typeface="Times New Roman" panose="02020603050405020304" pitchFamily="18" charset="0"/>
+              </a:rPr>
+              <a:t>ini</a:t>
+            </a:r>
+            <a:r>
+              <a:rPr lang="en-US" sz="2100" dirty="0">
+                <a:effectLst/>
+                <a:latin typeface="Calibri (Body)"/>
+                <a:ea typeface="DengXian" panose="02010600030101010101" pitchFamily="2" charset="-122"/>
+                <a:cs typeface="Times New Roman" panose="02020603050405020304" pitchFamily="18" charset="0"/>
+              </a:rPr>
+              <a:t> </a:t>
+            </a:r>
+            <a:r>
+              <a:rPr lang="en-US" sz="2100" dirty="0" err="1">
+                <a:effectLst/>
+                <a:latin typeface="Calibri (Body)"/>
+                <a:ea typeface="DengXian" panose="02010600030101010101" pitchFamily="2" charset="-122"/>
+                <a:cs typeface="Times New Roman" panose="02020603050405020304" pitchFamily="18" charset="0"/>
+              </a:rPr>
+              <a:t>dapat</a:t>
+            </a:r>
+            <a:r>
+              <a:rPr lang="en-US" sz="2100" dirty="0">
+                <a:effectLst/>
+                <a:latin typeface="Calibri (Body)"/>
+                <a:ea typeface="DengXian" panose="02010600030101010101" pitchFamily="2" charset="-122"/>
+                <a:cs typeface="Times New Roman" panose="02020603050405020304" pitchFamily="18" charset="0"/>
+              </a:rPr>
+              <a:t> </a:t>
+            </a:r>
+            <a:r>
+              <a:rPr lang="en-US" sz="2100" dirty="0" err="1">
+                <a:effectLst/>
+                <a:latin typeface="Calibri (Body)"/>
+                <a:ea typeface="DengXian" panose="02010600030101010101" pitchFamily="2" charset="-122"/>
+                <a:cs typeface="Times New Roman" panose="02020603050405020304" pitchFamily="18" charset="0"/>
+              </a:rPr>
+              <a:t>mendata</a:t>
+            </a:r>
+            <a:r>
+              <a:rPr lang="en-US" sz="2100" dirty="0">
+                <a:effectLst/>
+                <a:latin typeface="Calibri (Body)"/>
+                <a:ea typeface="DengXian" panose="02010600030101010101" pitchFamily="2" charset="-122"/>
+                <a:cs typeface="Times New Roman" panose="02020603050405020304" pitchFamily="18" charset="0"/>
+              </a:rPr>
+              <a:t> leaderboard </a:t>
+            </a:r>
+            <a:r>
+              <a:rPr lang="en-US" sz="2100" dirty="0" err="1">
+                <a:effectLst/>
+                <a:latin typeface="Calibri (Body)"/>
+                <a:ea typeface="DengXian" panose="02010600030101010101" pitchFamily="2" charset="-122"/>
+                <a:cs typeface="Times New Roman" panose="02020603050405020304" pitchFamily="18" charset="0"/>
+              </a:rPr>
+              <a:t>berdasarkan</a:t>
+            </a:r>
+            <a:r>
+              <a:rPr lang="en-US" sz="2100" dirty="0">
+                <a:effectLst/>
+                <a:latin typeface="Calibri (Body)"/>
+                <a:ea typeface="DengXian" panose="02010600030101010101" pitchFamily="2" charset="-122"/>
+                <a:cs typeface="Times New Roman" panose="02020603050405020304" pitchFamily="18" charset="0"/>
+              </a:rPr>
+              <a:t> data yang </a:t>
+            </a:r>
+            <a:r>
+              <a:rPr lang="en-US" sz="2100" dirty="0" err="1">
+                <a:effectLst/>
+                <a:latin typeface="Calibri (Body)"/>
+                <a:ea typeface="DengXian" panose="02010600030101010101" pitchFamily="2" charset="-122"/>
+                <a:cs typeface="Times New Roman" panose="02020603050405020304" pitchFamily="18" charset="0"/>
+              </a:rPr>
+              <a:t>telah</a:t>
+            </a:r>
+            <a:r>
+              <a:rPr lang="en-US" sz="2100" dirty="0">
+                <a:effectLst/>
+                <a:latin typeface="Calibri (Body)"/>
+                <a:ea typeface="DengXian" panose="02010600030101010101" pitchFamily="2" charset="-122"/>
+                <a:cs typeface="Times New Roman" panose="02020603050405020304" pitchFamily="18" charset="0"/>
+              </a:rPr>
+              <a:t> </a:t>
+            </a:r>
+            <a:r>
+              <a:rPr lang="en-US" sz="2100" dirty="0" err="1">
+                <a:effectLst/>
+                <a:latin typeface="Calibri (Body)"/>
+                <a:ea typeface="DengXian" panose="02010600030101010101" pitchFamily="2" charset="-122"/>
+                <a:cs typeface="Times New Roman" panose="02020603050405020304" pitchFamily="18" charset="0"/>
+              </a:rPr>
+              <a:t>diberikan</a:t>
+            </a:r>
+            <a:r>
+              <a:rPr lang="en-US" sz="2100" dirty="0">
+                <a:effectLst/>
+                <a:latin typeface="Calibri (Body)"/>
+                <a:ea typeface="DengXian" panose="02010600030101010101" pitchFamily="2" charset="-122"/>
+                <a:cs typeface="Times New Roman" panose="02020603050405020304" pitchFamily="18" charset="0"/>
+              </a:rPr>
+              <a:t> </a:t>
+            </a:r>
+            <a:r>
+              <a:rPr lang="en-US" sz="2100" dirty="0" err="1">
+                <a:effectLst/>
+                <a:latin typeface="Calibri (Body)"/>
+                <a:ea typeface="DengXian" panose="02010600030101010101" pitchFamily="2" charset="-122"/>
+                <a:cs typeface="Times New Roman" panose="02020603050405020304" pitchFamily="18" charset="0"/>
+              </a:rPr>
+              <a:t>kepada</a:t>
+            </a:r>
+            <a:r>
+              <a:rPr lang="en-US" sz="2100" dirty="0">
+                <a:effectLst/>
+                <a:latin typeface="Calibri (Body)"/>
+                <a:ea typeface="DengXian" panose="02010600030101010101" pitchFamily="2" charset="-122"/>
+                <a:cs typeface="Times New Roman" panose="02020603050405020304" pitchFamily="18" charset="0"/>
+              </a:rPr>
+              <a:t> user. Admin </a:t>
+            </a:r>
+            <a:r>
+              <a:rPr lang="en-US" sz="2100" dirty="0" err="1">
+                <a:effectLst/>
+                <a:latin typeface="Calibri (Body)"/>
+                <a:ea typeface="DengXian" panose="02010600030101010101" pitchFamily="2" charset="-122"/>
+                <a:cs typeface="Times New Roman" panose="02020603050405020304" pitchFamily="18" charset="0"/>
+              </a:rPr>
+              <a:t>dapat</a:t>
+            </a:r>
+            <a:r>
+              <a:rPr lang="en-US" sz="2100" dirty="0">
+                <a:effectLst/>
+                <a:latin typeface="Calibri (Body)"/>
+                <a:ea typeface="DengXian" panose="02010600030101010101" pitchFamily="2" charset="-122"/>
+                <a:cs typeface="Times New Roman" panose="02020603050405020304" pitchFamily="18" charset="0"/>
+              </a:rPr>
+              <a:t> </a:t>
+            </a:r>
+            <a:r>
+              <a:rPr lang="en-US" sz="2100" dirty="0" err="1">
+                <a:effectLst/>
+                <a:latin typeface="Calibri (Body)"/>
+                <a:ea typeface="DengXian" panose="02010600030101010101" pitchFamily="2" charset="-122"/>
+                <a:cs typeface="Times New Roman" panose="02020603050405020304" pitchFamily="18" charset="0"/>
+              </a:rPr>
+              <a:t>menambah</a:t>
+            </a:r>
+            <a:r>
+              <a:rPr lang="en-US" sz="2100" dirty="0">
+                <a:effectLst/>
+                <a:latin typeface="Calibri (Body)"/>
+                <a:ea typeface="DengXian" panose="02010600030101010101" pitchFamily="2" charset="-122"/>
+                <a:cs typeface="Times New Roman" panose="02020603050405020304" pitchFamily="18" charset="0"/>
+              </a:rPr>
+              <a:t> game, dan </a:t>
+            </a:r>
+            <a:r>
+              <a:rPr lang="en-US" sz="2100" dirty="0" err="1">
+                <a:effectLst/>
+                <a:latin typeface="Calibri (Body)"/>
+                <a:ea typeface="DengXian" panose="02010600030101010101" pitchFamily="2" charset="-122"/>
+                <a:cs typeface="Times New Roman" panose="02020603050405020304" pitchFamily="18" charset="0"/>
+              </a:rPr>
+              <a:t>membuat</a:t>
+            </a:r>
+            <a:r>
+              <a:rPr lang="en-US" sz="2100" dirty="0">
+                <a:effectLst/>
+                <a:latin typeface="Calibri (Body)"/>
+                <a:ea typeface="DengXian" panose="02010600030101010101" pitchFamily="2" charset="-122"/>
+                <a:cs typeface="Times New Roman" panose="02020603050405020304" pitchFamily="18" charset="0"/>
+              </a:rPr>
+              <a:t> </a:t>
+            </a:r>
+            <a:r>
+              <a:rPr lang="en-US" sz="2100" dirty="0" err="1">
+                <a:effectLst/>
+                <a:latin typeface="Calibri (Body)"/>
+                <a:ea typeface="DengXian" panose="02010600030101010101" pitchFamily="2" charset="-122"/>
+                <a:cs typeface="Times New Roman" panose="02020603050405020304" pitchFamily="18" charset="0"/>
+              </a:rPr>
+              <a:t>laporan</a:t>
+            </a:r>
+            <a:r>
+              <a:rPr lang="en-US" sz="2100" dirty="0">
+                <a:effectLst/>
+                <a:latin typeface="Calibri (Body)"/>
+                <a:ea typeface="DengXian" panose="02010600030101010101" pitchFamily="2" charset="-122"/>
+                <a:cs typeface="Times New Roman" panose="02020603050405020304" pitchFamily="18" charset="0"/>
+              </a:rPr>
+              <a:t> </a:t>
+            </a:r>
+            <a:r>
+              <a:rPr lang="en-US" sz="2100" dirty="0" err="1">
+                <a:effectLst/>
+                <a:latin typeface="Calibri (Body)"/>
+                <a:ea typeface="DengXian" panose="02010600030101010101" pitchFamily="2" charset="-122"/>
+                <a:cs typeface="Times New Roman" panose="02020603050405020304" pitchFamily="18" charset="0"/>
+              </a:rPr>
+              <a:t>berdasarkan</a:t>
+            </a:r>
+            <a:r>
+              <a:rPr lang="en-US" sz="2100" dirty="0">
+                <a:effectLst/>
+                <a:latin typeface="Calibri (Body)"/>
+                <a:ea typeface="DengXian" panose="02010600030101010101" pitchFamily="2" charset="-122"/>
+                <a:cs typeface="Times New Roman" panose="02020603050405020304" pitchFamily="18" charset="0"/>
+              </a:rPr>
+              <a:t> data yang </a:t>
+            </a:r>
+            <a:r>
+              <a:rPr lang="en-US" sz="2100" dirty="0" err="1">
+                <a:effectLst/>
+                <a:latin typeface="Calibri (Body)"/>
+                <a:ea typeface="DengXian" panose="02010600030101010101" pitchFamily="2" charset="-122"/>
+                <a:cs typeface="Times New Roman" panose="02020603050405020304" pitchFamily="18" charset="0"/>
+              </a:rPr>
+              <a:t>diperoleh</a:t>
+            </a:r>
+            <a:r>
+              <a:rPr lang="en-US" sz="2100" dirty="0">
+                <a:effectLst/>
+                <a:latin typeface="Calibri (Body)"/>
+                <a:ea typeface="DengXian" panose="02010600030101010101" pitchFamily="2" charset="-122"/>
+                <a:cs typeface="Times New Roman" panose="02020603050405020304" pitchFamily="18" charset="0"/>
+              </a:rPr>
+              <a:t> </a:t>
+            </a:r>
+            <a:r>
+              <a:rPr lang="en-US" sz="2100" dirty="0" err="1">
+                <a:effectLst/>
+                <a:latin typeface="Calibri (Body)"/>
+                <a:ea typeface="DengXian" panose="02010600030101010101" pitchFamily="2" charset="-122"/>
+                <a:cs typeface="Times New Roman" panose="02020603050405020304" pitchFamily="18" charset="0"/>
+              </a:rPr>
+              <a:t>dari</a:t>
+            </a:r>
+            <a:r>
+              <a:rPr lang="en-US" sz="2100" dirty="0">
+                <a:effectLst/>
+                <a:latin typeface="Calibri (Body)"/>
+                <a:ea typeface="DengXian" panose="02010600030101010101" pitchFamily="2" charset="-122"/>
+                <a:cs typeface="Times New Roman" panose="02020603050405020304" pitchFamily="18" charset="0"/>
+              </a:rPr>
+              <a:t> </a:t>
+            </a:r>
+            <a:r>
+              <a:rPr lang="en-US" sz="2100" dirty="0" err="1">
+                <a:effectLst/>
+                <a:latin typeface="Calibri (Body)"/>
+                <a:ea typeface="DengXian" panose="02010600030101010101" pitchFamily="2" charset="-122"/>
+                <a:cs typeface="Times New Roman" panose="02020603050405020304" pitchFamily="18" charset="0"/>
+              </a:rPr>
+              <a:t>aplikasi</a:t>
+            </a:r>
+            <a:r>
+              <a:rPr lang="en-US" sz="2100" dirty="0">
+                <a:effectLst/>
+                <a:latin typeface="Calibri (Body)"/>
+                <a:ea typeface="DengXian" panose="02010600030101010101" pitchFamily="2" charset="-122"/>
+                <a:cs typeface="Times New Roman" panose="02020603050405020304" pitchFamily="18" charset="0"/>
+              </a:rPr>
+              <a:t> </a:t>
+            </a:r>
+            <a:r>
+              <a:rPr lang="en-US" sz="2100" dirty="0" err="1">
+                <a:effectLst/>
+                <a:latin typeface="Calibri (Body)"/>
+                <a:ea typeface="DengXian" panose="02010600030101010101" pitchFamily="2" charset="-122"/>
+                <a:cs typeface="Times New Roman" panose="02020603050405020304" pitchFamily="18" charset="0"/>
+              </a:rPr>
+              <a:t>ke</a:t>
+            </a:r>
+            <a:r>
+              <a:rPr lang="en-US" sz="2100" dirty="0">
+                <a:effectLst/>
+                <a:latin typeface="Calibri (Body)"/>
+                <a:ea typeface="DengXian" panose="02010600030101010101" pitchFamily="2" charset="-122"/>
+                <a:cs typeface="Times New Roman" panose="02020603050405020304" pitchFamily="18" charset="0"/>
+              </a:rPr>
+              <a:t> </a:t>
+            </a:r>
+            <a:r>
+              <a:rPr lang="en-US" sz="2100" dirty="0" err="1">
+                <a:effectLst/>
+                <a:latin typeface="Calibri (Body)"/>
+                <a:ea typeface="DengXian" panose="02010600030101010101" pitchFamily="2" charset="-122"/>
+                <a:cs typeface="Times New Roman" panose="02020603050405020304" pitchFamily="18" charset="0"/>
+              </a:rPr>
+              <a:t>bentuk</a:t>
+            </a:r>
+            <a:r>
+              <a:rPr lang="en-US" sz="2100" dirty="0">
+                <a:effectLst/>
+                <a:latin typeface="Calibri (Body)"/>
+                <a:ea typeface="DengXian" panose="02010600030101010101" pitchFamily="2" charset="-122"/>
+                <a:cs typeface="Times New Roman" panose="02020603050405020304" pitchFamily="18" charset="0"/>
+              </a:rPr>
+              <a:t> csv. </a:t>
+            </a:r>
+            <a:r>
+              <a:rPr lang="en-US" sz="2100" dirty="0" err="1">
+                <a:effectLst/>
+                <a:latin typeface="Calibri (Body)"/>
+                <a:ea typeface="DengXian" panose="02010600030101010101" pitchFamily="2" charset="-122"/>
+                <a:cs typeface="Times New Roman" panose="02020603050405020304" pitchFamily="18" charset="0"/>
+              </a:rPr>
+              <a:t>Aplikasi</a:t>
+            </a:r>
+            <a:r>
+              <a:rPr lang="en-US" sz="2100" dirty="0">
+                <a:effectLst/>
+                <a:latin typeface="Calibri (Body)"/>
+                <a:ea typeface="DengXian" panose="02010600030101010101" pitchFamily="2" charset="-122"/>
+                <a:cs typeface="Times New Roman" panose="02020603050405020304" pitchFamily="18" charset="0"/>
+              </a:rPr>
+              <a:t> </a:t>
+            </a:r>
+            <a:r>
+              <a:rPr lang="en-US" sz="2100" dirty="0" err="1">
+                <a:effectLst/>
+                <a:latin typeface="Calibri (Body)"/>
+                <a:ea typeface="DengXian" panose="02010600030101010101" pitchFamily="2" charset="-122"/>
+                <a:cs typeface="Times New Roman" panose="02020603050405020304" pitchFamily="18" charset="0"/>
+              </a:rPr>
+              <a:t>ini</a:t>
+            </a:r>
+            <a:r>
+              <a:rPr lang="en-US" sz="2100" dirty="0">
+                <a:effectLst/>
+                <a:latin typeface="Calibri (Body)"/>
+                <a:ea typeface="DengXian" panose="02010600030101010101" pitchFamily="2" charset="-122"/>
+                <a:cs typeface="Times New Roman" panose="02020603050405020304" pitchFamily="18" charset="0"/>
+              </a:rPr>
+              <a:t> </a:t>
+            </a:r>
+            <a:r>
+              <a:rPr lang="en-US" sz="2100" dirty="0" err="1">
+                <a:effectLst/>
+                <a:latin typeface="Calibri (Body)"/>
+                <a:ea typeface="DengXian" panose="02010600030101010101" pitchFamily="2" charset="-122"/>
+                <a:cs typeface="Times New Roman" panose="02020603050405020304" pitchFamily="18" charset="0"/>
+              </a:rPr>
+              <a:t>dibuat</a:t>
+            </a:r>
+            <a:r>
+              <a:rPr lang="en-US" sz="2100" dirty="0">
+                <a:effectLst/>
+                <a:latin typeface="Calibri (Body)"/>
+                <a:ea typeface="DengXian" panose="02010600030101010101" pitchFamily="2" charset="-122"/>
+                <a:cs typeface="Times New Roman" panose="02020603050405020304" pitchFamily="18" charset="0"/>
+              </a:rPr>
+              <a:t> </a:t>
+            </a:r>
+            <a:r>
+              <a:rPr lang="en-US" sz="2100" dirty="0" err="1">
+                <a:effectLst/>
+                <a:latin typeface="Calibri (Body)"/>
+                <a:ea typeface="DengXian" panose="02010600030101010101" pitchFamily="2" charset="-122"/>
+                <a:cs typeface="Times New Roman" panose="02020603050405020304" pitchFamily="18" charset="0"/>
+              </a:rPr>
+              <a:t>dengan</a:t>
+            </a:r>
+            <a:r>
+              <a:rPr lang="en-US" sz="2100" dirty="0">
+                <a:effectLst/>
+                <a:latin typeface="Calibri (Body)"/>
+                <a:ea typeface="DengXian" panose="02010600030101010101" pitchFamily="2" charset="-122"/>
+                <a:cs typeface="Times New Roman" panose="02020603050405020304" pitchFamily="18" charset="0"/>
+              </a:rPr>
+              <a:t> </a:t>
+            </a:r>
+            <a:r>
+              <a:rPr lang="en-US" sz="2100" dirty="0" err="1">
+                <a:effectLst/>
+                <a:latin typeface="Calibri (Body)"/>
+                <a:ea typeface="DengXian" panose="02010600030101010101" pitchFamily="2" charset="-122"/>
+                <a:cs typeface="Times New Roman" panose="02020603050405020304" pitchFamily="18" charset="0"/>
+              </a:rPr>
+              <a:t>menggunakan</a:t>
+            </a:r>
+            <a:r>
+              <a:rPr lang="en-US" sz="2100" dirty="0">
+                <a:effectLst/>
+                <a:latin typeface="Calibri (Body)"/>
+                <a:ea typeface="DengXian" panose="02010600030101010101" pitchFamily="2" charset="-122"/>
+                <a:cs typeface="Times New Roman" panose="02020603050405020304" pitchFamily="18" charset="0"/>
+              </a:rPr>
+              <a:t> Bahasa </a:t>
+            </a:r>
+            <a:r>
+              <a:rPr lang="en-US" sz="2100" dirty="0" err="1">
+                <a:effectLst/>
+                <a:latin typeface="Calibri (Body)"/>
+                <a:ea typeface="DengXian" panose="02010600030101010101" pitchFamily="2" charset="-122"/>
+                <a:cs typeface="Times New Roman" panose="02020603050405020304" pitchFamily="18" charset="0"/>
+              </a:rPr>
+              <a:t>pemrograman</a:t>
+            </a:r>
+            <a:r>
+              <a:rPr lang="en-US" sz="2100" dirty="0">
+                <a:effectLst/>
+                <a:latin typeface="Calibri (Body)"/>
+                <a:ea typeface="DengXian" panose="02010600030101010101" pitchFamily="2" charset="-122"/>
+                <a:cs typeface="Times New Roman" panose="02020603050405020304" pitchFamily="18" charset="0"/>
+              </a:rPr>
+              <a:t> java dan </a:t>
+            </a:r>
+            <a:r>
+              <a:rPr lang="en-US" sz="2100" dirty="0" err="1">
+                <a:effectLst/>
+                <a:latin typeface="Calibri (Body)"/>
+                <a:ea typeface="DengXian" panose="02010600030101010101" pitchFamily="2" charset="-122"/>
+                <a:cs typeface="Times New Roman" panose="02020603050405020304" pitchFamily="18" charset="0"/>
+              </a:rPr>
+              <a:t>dibuat</a:t>
+            </a:r>
+            <a:r>
+              <a:rPr lang="en-US" sz="2100" dirty="0">
+                <a:effectLst/>
+                <a:latin typeface="Calibri (Body)"/>
+                <a:ea typeface="DengXian" panose="02010600030101010101" pitchFamily="2" charset="-122"/>
+                <a:cs typeface="Times New Roman" panose="02020603050405020304" pitchFamily="18" charset="0"/>
+              </a:rPr>
+              <a:t> </a:t>
+            </a:r>
+            <a:r>
+              <a:rPr lang="en-US" sz="2100" dirty="0" err="1">
+                <a:effectLst/>
+                <a:latin typeface="Calibri (Body)"/>
+                <a:ea typeface="DengXian" panose="02010600030101010101" pitchFamily="2" charset="-122"/>
+                <a:cs typeface="Times New Roman" panose="02020603050405020304" pitchFamily="18" charset="0"/>
+              </a:rPr>
+              <a:t>untuk</a:t>
+            </a:r>
+            <a:r>
+              <a:rPr lang="en-US" sz="2100" dirty="0">
+                <a:effectLst/>
+                <a:latin typeface="Calibri (Body)"/>
+                <a:ea typeface="DengXian" panose="02010600030101010101" pitchFamily="2" charset="-122"/>
+                <a:cs typeface="Times New Roman" panose="02020603050405020304" pitchFamily="18" charset="0"/>
+              </a:rPr>
+              <a:t> OS Android.</a:t>
+            </a:r>
+            <a:endParaRPr lang="id-ID" sz="2100" dirty="0">
+              <a:effectLst/>
+              <a:latin typeface="Calibri (Body)"/>
+              <a:ea typeface="DengXian" panose="02010600030101010101" pitchFamily="2" charset="-122"/>
+              <a:cs typeface="Times New Roman" panose="02020603050405020304" pitchFamily="18" charset="0"/>
+            </a:endParaRPr>
+          </a:p>
+          <a:p>
+            <a:pPr marL="457200" lvl="1" indent="0">
+              <a:buNone/>
+            </a:pPr>
+            <a:r>
+              <a:rPr lang="en-US" b="1" dirty="0" err="1"/>
+              <a:t>Deskripsi</a:t>
+            </a:r>
+            <a:r>
+              <a:rPr lang="en-US" b="1" dirty="0"/>
+              <a:t> </a:t>
+            </a:r>
+            <a:r>
+              <a:rPr lang="en-US" b="1" dirty="0" err="1"/>
+              <a:t>Fungsionalitas</a:t>
+            </a:r>
+            <a:endParaRPr lang="en-ID" b="1" dirty="0"/>
+          </a:p>
+          <a:p>
+            <a:pPr lvl="1"/>
+            <a:r>
+              <a:rPr lang="en-US" dirty="0"/>
+              <a:t>Login admin dan login user</a:t>
+            </a:r>
+            <a:endParaRPr lang="en-ID" dirty="0"/>
+          </a:p>
+          <a:p>
+            <a:pPr lvl="1"/>
+            <a:r>
+              <a:rPr lang="en-US" dirty="0"/>
+              <a:t>Daftar user</a:t>
+            </a:r>
+            <a:endParaRPr lang="en-ID" dirty="0"/>
+          </a:p>
+          <a:p>
+            <a:pPr lvl="1"/>
+            <a:r>
+              <a:rPr lang="en-US" dirty="0" err="1"/>
+              <a:t>Katalog</a:t>
+            </a:r>
+            <a:r>
+              <a:rPr lang="en-US" dirty="0"/>
+              <a:t> board game</a:t>
+            </a:r>
+            <a:endParaRPr lang="en-ID" dirty="0"/>
+          </a:p>
+          <a:p>
+            <a:pPr lvl="1"/>
+            <a:r>
+              <a:rPr lang="en-US" dirty="0" err="1"/>
+              <a:t>Kategori</a:t>
+            </a:r>
+            <a:r>
+              <a:rPr lang="en-US" dirty="0"/>
+              <a:t> game</a:t>
+            </a:r>
+            <a:endParaRPr lang="en-ID" dirty="0"/>
+          </a:p>
+          <a:p>
+            <a:pPr lvl="1"/>
+            <a:r>
+              <a:rPr lang="en-US" dirty="0" err="1"/>
+              <a:t>Membuat</a:t>
+            </a:r>
+            <a:r>
+              <a:rPr lang="en-US" dirty="0"/>
+              <a:t> data history</a:t>
+            </a:r>
+            <a:endParaRPr lang="en-ID" dirty="0"/>
+          </a:p>
+          <a:p>
+            <a:pPr lvl="1"/>
+            <a:r>
+              <a:rPr lang="en-US" dirty="0" err="1"/>
+              <a:t>Menambah</a:t>
+            </a:r>
+            <a:r>
+              <a:rPr lang="en-US" dirty="0"/>
+              <a:t> data game</a:t>
+            </a:r>
+            <a:endParaRPr lang="en-ID" dirty="0"/>
+          </a:p>
+          <a:p>
+            <a:pPr lvl="1"/>
+            <a:r>
+              <a:rPr lang="en-US" dirty="0" err="1"/>
+              <a:t>Mengganti</a:t>
+            </a:r>
+            <a:r>
+              <a:rPr lang="en-US" dirty="0"/>
+              <a:t> leaderboard</a:t>
+            </a:r>
+            <a:endParaRPr lang="en-ID" dirty="0"/>
+          </a:p>
+          <a:p>
+            <a:pPr lvl="1"/>
+            <a:r>
+              <a:rPr lang="en-US" dirty="0" err="1"/>
+              <a:t>Mengexport</a:t>
+            </a:r>
+            <a:r>
+              <a:rPr lang="en-US" dirty="0"/>
+              <a:t> data</a:t>
+            </a:r>
+            <a:endParaRPr lang="en-ID" dirty="0"/>
+          </a:p>
+        </p:txBody>
+      </p:sp>
     </p:spTree>
     <p:extLst>
       <p:ext uri="{BB962C8B-B14F-4D97-AF65-F5344CB8AC3E}">
-        <p14:creationId xmlns:p14="http://schemas.microsoft.com/office/powerpoint/2010/main" val="514511977"/>
+        <p14:creationId xmlns:p14="http://schemas.microsoft.com/office/powerpoint/2010/main" val="1273568111"/>
       </p:ext>
     </p:extLst>
   </p:cSld>
@@ -6253,7 +6969,7 @@
           <p:cNvPr id="2" name="Title 1">
             <a:extLst>
               <a:ext uri="{FF2B5EF4-FFF2-40B4-BE49-F238E27FC236}">
-                <a16:creationId xmlns:a16="http://schemas.microsoft.com/office/drawing/2014/main" id="{22D05F4A-8803-496C-98FE-396E8C262790}"/>
+                <a16:creationId xmlns:a16="http://schemas.microsoft.com/office/drawing/2014/main" id="{EBFBC61D-34FE-44F3-8A25-5E5B2638F249}"/>
               </a:ext>
             </a:extLst>
           </p:cNvPr>
@@ -6264,868 +6980,58 @@
             <p:ph type="title"/>
           </p:nvPr>
         </p:nvSpPr>
-        <p:spPr>
-          <a:xfrm>
-            <a:off x="838200" y="365125"/>
-            <a:ext cx="10515600" cy="1269711"/>
-          </a:xfrm>
-        </p:spPr>
+        <p:spPr/>
         <p:txBody>
           <a:bodyPr/>
           <a:lstStyle/>
           <a:p>
             <a:r>
-              <a:rPr lang="en-US" b="1" dirty="0"/>
-              <a:t>PROJECT SCOPE STATEMENT</a:t>
+              <a:rPr lang="en-US" dirty="0"/>
+              <a:t>Work Breakdown Structure</a:t>
             </a:r>
             <a:endParaRPr lang="en-ID" dirty="0"/>
           </a:p>
         </p:txBody>
       </p:sp>
-      <p:sp>
-        <p:nvSpPr>
-          <p:cNvPr id="3" name="Content Placeholder 2">
-            <a:extLst>
-              <a:ext uri="{FF2B5EF4-FFF2-40B4-BE49-F238E27FC236}">
-                <a16:creationId xmlns:a16="http://schemas.microsoft.com/office/drawing/2014/main" id="{999B197F-9F03-4B54-A879-B1F438A0F281}"/>
-              </a:ext>
-            </a:extLst>
-          </p:cNvPr>
-          <p:cNvSpPr>
-            <a:spLocks noGrp="1"/>
-          </p:cNvSpPr>
+      <p:pic>
+        <p:nvPicPr>
+          <p:cNvPr id="29" name="Content Placeholder 28">
+            <a:extLst>
+              <a:ext uri="{FF2B5EF4-FFF2-40B4-BE49-F238E27FC236}">
+                <a16:creationId xmlns:a16="http://schemas.microsoft.com/office/drawing/2014/main" id="{FEDAF3F4-3EB5-4B0D-910B-4F3909E7BD1E}"/>
+              </a:ext>
+            </a:extLst>
+          </p:cNvPr>
+          <p:cNvPicPr>
+            <a:picLocks noGrp="1" noChangeAspect="1"/>
+          </p:cNvPicPr>
           <p:nvPr>
             <p:ph idx="1"/>
           </p:nvPr>
-        </p:nvSpPr>
+        </p:nvPicPr>
+        <p:blipFill>
+          <a:blip r:embed="rId2">
+            <a:extLst>
+              <a:ext uri="{28A0092B-C50C-407E-A947-70E740481C1C}">
+                <a14:useLocalDpi xmlns:a14="http://schemas.microsoft.com/office/drawing/2010/main" val="0"/>
+              </a:ext>
+            </a:extLst>
+          </a:blip>
+          <a:stretch>
+            <a:fillRect/>
+          </a:stretch>
+        </p:blipFill>
         <p:spPr>
           <a:xfrm>
-            <a:off x="838198" y="1825625"/>
-            <a:ext cx="10515601" cy="4351338"/>
+            <a:off x="1898073" y="1801092"/>
+            <a:ext cx="8437418" cy="3948284"/>
           </a:xfrm>
         </p:spPr>
-        <p:txBody>
-          <a:bodyPr>
-            <a:normAutofit fontScale="92500" lnSpcReduction="20000"/>
-          </a:bodyPr>
-          <a:lstStyle/>
-          <a:p>
-            <a:pPr marL="457200" lvl="1" indent="0">
-              <a:buNone/>
-            </a:pPr>
-            <a:r>
-              <a:rPr lang="id-ID" b="1" dirty="0"/>
-              <a:t>Ruang Lingkup</a:t>
-            </a:r>
-            <a:endParaRPr lang="en-US" b="1" dirty="0"/>
-          </a:p>
-          <a:p>
-            <a:pPr marL="457200" lvl="1" indent="0" algn="just">
-              <a:buNone/>
-            </a:pPr>
-            <a:r>
-              <a:rPr lang="en-US" sz="2100" dirty="0" err="1">
-                <a:effectLst/>
-                <a:latin typeface="Calibri (Body)"/>
-                <a:ea typeface="DengXian" panose="02010600030101010101" pitchFamily="2" charset="-122"/>
-                <a:cs typeface="Times New Roman" panose="02020603050405020304" pitchFamily="18" charset="0"/>
-              </a:rPr>
-              <a:t>Aplikasi</a:t>
-            </a:r>
-            <a:r>
-              <a:rPr lang="en-US" sz="2100" dirty="0">
-                <a:effectLst/>
-                <a:latin typeface="Calibri (Body)"/>
-                <a:ea typeface="DengXian" panose="02010600030101010101" pitchFamily="2" charset="-122"/>
-                <a:cs typeface="Times New Roman" panose="02020603050405020304" pitchFamily="18" charset="0"/>
-              </a:rPr>
-              <a:t> Board Game Catalog </a:t>
-            </a:r>
-            <a:r>
-              <a:rPr lang="en-US" sz="2100" dirty="0" err="1">
-                <a:effectLst/>
-                <a:latin typeface="Calibri (Body)"/>
-                <a:ea typeface="DengXian" panose="02010600030101010101" pitchFamily="2" charset="-122"/>
-                <a:cs typeface="Times New Roman" panose="02020603050405020304" pitchFamily="18" charset="0"/>
-              </a:rPr>
-              <a:t>adalah</a:t>
-            </a:r>
-            <a:r>
-              <a:rPr lang="en-US" sz="2100" dirty="0">
-                <a:effectLst/>
-                <a:latin typeface="Calibri (Body)"/>
-                <a:ea typeface="DengXian" panose="02010600030101010101" pitchFamily="2" charset="-122"/>
-                <a:cs typeface="Times New Roman" panose="02020603050405020304" pitchFamily="18" charset="0"/>
-              </a:rPr>
-              <a:t> </a:t>
-            </a:r>
-            <a:r>
-              <a:rPr lang="en-US" sz="2100" dirty="0" err="1">
-                <a:effectLst/>
-                <a:latin typeface="Calibri (Body)"/>
-                <a:ea typeface="DengXian" panose="02010600030101010101" pitchFamily="2" charset="-122"/>
-                <a:cs typeface="Times New Roman" panose="02020603050405020304" pitchFamily="18" charset="0"/>
-              </a:rPr>
-              <a:t>aplikasi</a:t>
-            </a:r>
-            <a:r>
-              <a:rPr lang="en-US" sz="2100" dirty="0">
-                <a:effectLst/>
-                <a:latin typeface="Calibri (Body)"/>
-                <a:ea typeface="DengXian" panose="02010600030101010101" pitchFamily="2" charset="-122"/>
-                <a:cs typeface="Times New Roman" panose="02020603050405020304" pitchFamily="18" charset="0"/>
-              </a:rPr>
-              <a:t> yang </a:t>
-            </a:r>
-            <a:r>
-              <a:rPr lang="en-US" sz="2100" dirty="0" err="1">
-                <a:effectLst/>
-                <a:latin typeface="Calibri (Body)"/>
-                <a:ea typeface="DengXian" panose="02010600030101010101" pitchFamily="2" charset="-122"/>
-                <a:cs typeface="Times New Roman" panose="02020603050405020304" pitchFamily="18" charset="0"/>
-              </a:rPr>
-              <a:t>digunakan</a:t>
-            </a:r>
-            <a:r>
-              <a:rPr lang="en-US" sz="2100" dirty="0">
-                <a:effectLst/>
-                <a:latin typeface="Calibri (Body)"/>
-                <a:ea typeface="DengXian" panose="02010600030101010101" pitchFamily="2" charset="-122"/>
-                <a:cs typeface="Times New Roman" panose="02020603050405020304" pitchFamily="18" charset="0"/>
-              </a:rPr>
-              <a:t> </a:t>
-            </a:r>
-            <a:r>
-              <a:rPr lang="en-US" sz="2100" dirty="0" err="1">
-                <a:effectLst/>
-                <a:latin typeface="Calibri (Body)"/>
-                <a:ea typeface="DengXian" panose="02010600030101010101" pitchFamily="2" charset="-122"/>
-                <a:cs typeface="Times New Roman" panose="02020603050405020304" pitchFamily="18" charset="0"/>
-              </a:rPr>
-              <a:t>untuk</a:t>
-            </a:r>
-            <a:r>
-              <a:rPr lang="en-US" sz="2100" dirty="0">
-                <a:effectLst/>
-                <a:latin typeface="Calibri (Body)"/>
-                <a:ea typeface="DengXian" panose="02010600030101010101" pitchFamily="2" charset="-122"/>
-                <a:cs typeface="Times New Roman" panose="02020603050405020304" pitchFamily="18" charset="0"/>
-              </a:rPr>
-              <a:t> </a:t>
-            </a:r>
-            <a:r>
-              <a:rPr lang="en-US" sz="2100" dirty="0" err="1">
-                <a:effectLst/>
-                <a:latin typeface="Calibri (Body)"/>
-                <a:ea typeface="DengXian" panose="02010600030101010101" pitchFamily="2" charset="-122"/>
-                <a:cs typeface="Times New Roman" panose="02020603050405020304" pitchFamily="18" charset="0"/>
-              </a:rPr>
-              <a:t>mendata</a:t>
-            </a:r>
-            <a:r>
-              <a:rPr lang="en-US" sz="2100" dirty="0">
-                <a:effectLst/>
-                <a:latin typeface="Calibri (Body)"/>
-                <a:ea typeface="DengXian" panose="02010600030101010101" pitchFamily="2" charset="-122"/>
-                <a:cs typeface="Times New Roman" panose="02020603050405020304" pitchFamily="18" charset="0"/>
-              </a:rPr>
-              <a:t> history </a:t>
-            </a:r>
-            <a:r>
-              <a:rPr lang="en-US" sz="2100" dirty="0" err="1">
-                <a:effectLst/>
-                <a:latin typeface="Calibri (Body)"/>
-                <a:ea typeface="DengXian" panose="02010600030101010101" pitchFamily="2" charset="-122"/>
-                <a:cs typeface="Times New Roman" panose="02020603050405020304" pitchFamily="18" charset="0"/>
-              </a:rPr>
-              <a:t>dari</a:t>
-            </a:r>
-            <a:r>
-              <a:rPr lang="en-US" sz="2100" dirty="0">
-                <a:effectLst/>
-                <a:latin typeface="Calibri (Body)"/>
-                <a:ea typeface="DengXian" panose="02010600030101010101" pitchFamily="2" charset="-122"/>
-                <a:cs typeface="Times New Roman" panose="02020603050405020304" pitchFamily="18" charset="0"/>
-              </a:rPr>
-              <a:t> </a:t>
-            </a:r>
-            <a:r>
-              <a:rPr lang="en-US" sz="2100" dirty="0" err="1">
-                <a:effectLst/>
-                <a:latin typeface="Calibri (Body)"/>
-                <a:ea typeface="DengXian" panose="02010600030101010101" pitchFamily="2" charset="-122"/>
-                <a:cs typeface="Times New Roman" panose="02020603050405020304" pitchFamily="18" charset="0"/>
-              </a:rPr>
-              <a:t>permainan</a:t>
-            </a:r>
-            <a:r>
-              <a:rPr lang="en-US" sz="2100" dirty="0">
-                <a:effectLst/>
-                <a:latin typeface="Calibri (Body)"/>
-                <a:ea typeface="DengXian" panose="02010600030101010101" pitchFamily="2" charset="-122"/>
-                <a:cs typeface="Times New Roman" panose="02020603050405020304" pitchFamily="18" charset="0"/>
-              </a:rPr>
-              <a:t> board game yang </a:t>
-            </a:r>
-            <a:r>
-              <a:rPr lang="en-US" sz="2100" dirty="0" err="1">
-                <a:effectLst/>
-                <a:latin typeface="Calibri (Body)"/>
-                <a:ea typeface="DengXian" panose="02010600030101010101" pitchFamily="2" charset="-122"/>
-                <a:cs typeface="Times New Roman" panose="02020603050405020304" pitchFamily="18" charset="0"/>
-              </a:rPr>
-              <a:t>dilakukan</a:t>
-            </a:r>
-            <a:r>
-              <a:rPr lang="en-US" sz="2100" dirty="0">
-                <a:effectLst/>
-                <a:latin typeface="Calibri (Body)"/>
-                <a:ea typeface="DengXian" panose="02010600030101010101" pitchFamily="2" charset="-122"/>
-                <a:cs typeface="Times New Roman" panose="02020603050405020304" pitchFamily="18" charset="0"/>
-              </a:rPr>
-              <a:t> user </a:t>
-            </a:r>
-            <a:r>
-              <a:rPr lang="en-US" sz="2100" dirty="0" err="1">
-                <a:effectLst/>
-                <a:latin typeface="Calibri (Body)"/>
-                <a:ea typeface="DengXian" panose="02010600030101010101" pitchFamily="2" charset="-122"/>
-                <a:cs typeface="Times New Roman" panose="02020603050405020304" pitchFamily="18" charset="0"/>
-              </a:rPr>
-              <a:t>berdasarkan</a:t>
-            </a:r>
-            <a:r>
-              <a:rPr lang="en-US" sz="2100" dirty="0">
-                <a:effectLst/>
-                <a:latin typeface="Calibri (Body)"/>
-                <a:ea typeface="DengXian" panose="02010600030101010101" pitchFamily="2" charset="-122"/>
-                <a:cs typeface="Times New Roman" panose="02020603050405020304" pitchFamily="18" charset="0"/>
-              </a:rPr>
-              <a:t> game yang </a:t>
-            </a:r>
-            <a:r>
-              <a:rPr lang="en-US" sz="2100" dirty="0" err="1">
-                <a:effectLst/>
-                <a:latin typeface="Calibri (Body)"/>
-                <a:ea typeface="DengXian" panose="02010600030101010101" pitchFamily="2" charset="-122"/>
-                <a:cs typeface="Times New Roman" panose="02020603050405020304" pitchFamily="18" charset="0"/>
-              </a:rPr>
-              <a:t>ditentukan</a:t>
-            </a:r>
-            <a:r>
-              <a:rPr lang="en-US" sz="2100" dirty="0">
-                <a:effectLst/>
-                <a:latin typeface="Calibri (Body)"/>
-                <a:ea typeface="DengXian" panose="02010600030101010101" pitchFamily="2" charset="-122"/>
-                <a:cs typeface="Times New Roman" panose="02020603050405020304" pitchFamily="18" charset="0"/>
-              </a:rPr>
-              <a:t> admin dan </a:t>
-            </a:r>
-            <a:r>
-              <a:rPr lang="en-US" sz="2100" dirty="0" err="1">
-                <a:effectLst/>
-                <a:latin typeface="Calibri (Body)"/>
-                <a:ea typeface="DengXian" panose="02010600030101010101" pitchFamily="2" charset="-122"/>
-                <a:cs typeface="Times New Roman" panose="02020603050405020304" pitchFamily="18" charset="0"/>
-              </a:rPr>
-              <a:t>dipilih</a:t>
-            </a:r>
-            <a:r>
-              <a:rPr lang="en-US" sz="2100" dirty="0">
-                <a:effectLst/>
-                <a:latin typeface="Calibri (Body)"/>
-                <a:ea typeface="DengXian" panose="02010600030101010101" pitchFamily="2" charset="-122"/>
-                <a:cs typeface="Times New Roman" panose="02020603050405020304" pitchFamily="18" charset="0"/>
-              </a:rPr>
-              <a:t> user. </a:t>
-            </a:r>
-            <a:r>
-              <a:rPr lang="en-US" sz="2100" dirty="0" err="1">
-                <a:effectLst/>
-                <a:latin typeface="Calibri (Body)"/>
-                <a:ea typeface="DengXian" panose="02010600030101010101" pitchFamily="2" charset="-122"/>
-                <a:cs typeface="Times New Roman" panose="02020603050405020304" pitchFamily="18" charset="0"/>
-              </a:rPr>
-              <a:t>Aplikasi</a:t>
-            </a:r>
-            <a:r>
-              <a:rPr lang="en-US" sz="2100" dirty="0">
-                <a:effectLst/>
-                <a:latin typeface="Calibri (Body)"/>
-                <a:ea typeface="DengXian" panose="02010600030101010101" pitchFamily="2" charset="-122"/>
-                <a:cs typeface="Times New Roman" panose="02020603050405020304" pitchFamily="18" charset="0"/>
-              </a:rPr>
-              <a:t> </a:t>
-            </a:r>
-            <a:r>
-              <a:rPr lang="en-US" sz="2100" dirty="0" err="1">
-                <a:effectLst/>
-                <a:latin typeface="Calibri (Body)"/>
-                <a:ea typeface="DengXian" panose="02010600030101010101" pitchFamily="2" charset="-122"/>
-                <a:cs typeface="Times New Roman" panose="02020603050405020304" pitchFamily="18" charset="0"/>
-              </a:rPr>
-              <a:t>ini</a:t>
-            </a:r>
-            <a:r>
-              <a:rPr lang="en-US" sz="2100" dirty="0">
-                <a:effectLst/>
-                <a:latin typeface="Calibri (Body)"/>
-                <a:ea typeface="DengXian" panose="02010600030101010101" pitchFamily="2" charset="-122"/>
-                <a:cs typeface="Times New Roman" panose="02020603050405020304" pitchFamily="18" charset="0"/>
-              </a:rPr>
-              <a:t> </a:t>
-            </a:r>
-            <a:r>
-              <a:rPr lang="en-US" sz="2100" dirty="0" err="1">
-                <a:effectLst/>
-                <a:latin typeface="Calibri (Body)"/>
-                <a:ea typeface="DengXian" panose="02010600030101010101" pitchFamily="2" charset="-122"/>
-                <a:cs typeface="Times New Roman" panose="02020603050405020304" pitchFamily="18" charset="0"/>
-              </a:rPr>
-              <a:t>dapat</a:t>
-            </a:r>
-            <a:r>
-              <a:rPr lang="en-US" sz="2100" dirty="0">
-                <a:effectLst/>
-                <a:latin typeface="Calibri (Body)"/>
-                <a:ea typeface="DengXian" panose="02010600030101010101" pitchFamily="2" charset="-122"/>
-                <a:cs typeface="Times New Roman" panose="02020603050405020304" pitchFamily="18" charset="0"/>
-              </a:rPr>
-              <a:t> </a:t>
-            </a:r>
-            <a:r>
-              <a:rPr lang="en-US" sz="2100" dirty="0" err="1">
-                <a:effectLst/>
-                <a:latin typeface="Calibri (Body)"/>
-                <a:ea typeface="DengXian" panose="02010600030101010101" pitchFamily="2" charset="-122"/>
-                <a:cs typeface="Times New Roman" panose="02020603050405020304" pitchFamily="18" charset="0"/>
-              </a:rPr>
-              <a:t>mendata</a:t>
-            </a:r>
-            <a:r>
-              <a:rPr lang="en-US" sz="2100" dirty="0">
-                <a:effectLst/>
-                <a:latin typeface="Calibri (Body)"/>
-                <a:ea typeface="DengXian" panose="02010600030101010101" pitchFamily="2" charset="-122"/>
-                <a:cs typeface="Times New Roman" panose="02020603050405020304" pitchFamily="18" charset="0"/>
-              </a:rPr>
-              <a:t> leaderboard </a:t>
-            </a:r>
-            <a:r>
-              <a:rPr lang="en-US" sz="2100" dirty="0" err="1">
-                <a:effectLst/>
-                <a:latin typeface="Calibri (Body)"/>
-                <a:ea typeface="DengXian" panose="02010600030101010101" pitchFamily="2" charset="-122"/>
-                <a:cs typeface="Times New Roman" panose="02020603050405020304" pitchFamily="18" charset="0"/>
-              </a:rPr>
-              <a:t>berdasarkan</a:t>
-            </a:r>
-            <a:r>
-              <a:rPr lang="en-US" sz="2100" dirty="0">
-                <a:effectLst/>
-                <a:latin typeface="Calibri (Body)"/>
-                <a:ea typeface="DengXian" panose="02010600030101010101" pitchFamily="2" charset="-122"/>
-                <a:cs typeface="Times New Roman" panose="02020603050405020304" pitchFamily="18" charset="0"/>
-              </a:rPr>
-              <a:t> data yang </a:t>
-            </a:r>
-            <a:r>
-              <a:rPr lang="en-US" sz="2100" dirty="0" err="1">
-                <a:effectLst/>
-                <a:latin typeface="Calibri (Body)"/>
-                <a:ea typeface="DengXian" panose="02010600030101010101" pitchFamily="2" charset="-122"/>
-                <a:cs typeface="Times New Roman" panose="02020603050405020304" pitchFamily="18" charset="0"/>
-              </a:rPr>
-              <a:t>telah</a:t>
-            </a:r>
-            <a:r>
-              <a:rPr lang="en-US" sz="2100" dirty="0">
-                <a:effectLst/>
-                <a:latin typeface="Calibri (Body)"/>
-                <a:ea typeface="DengXian" panose="02010600030101010101" pitchFamily="2" charset="-122"/>
-                <a:cs typeface="Times New Roman" panose="02020603050405020304" pitchFamily="18" charset="0"/>
-              </a:rPr>
-              <a:t> </a:t>
-            </a:r>
-            <a:r>
-              <a:rPr lang="en-US" sz="2100" dirty="0" err="1">
-                <a:effectLst/>
-                <a:latin typeface="Calibri (Body)"/>
-                <a:ea typeface="DengXian" panose="02010600030101010101" pitchFamily="2" charset="-122"/>
-                <a:cs typeface="Times New Roman" panose="02020603050405020304" pitchFamily="18" charset="0"/>
-              </a:rPr>
-              <a:t>diberikan</a:t>
-            </a:r>
-            <a:r>
-              <a:rPr lang="en-US" sz="2100" dirty="0">
-                <a:effectLst/>
-                <a:latin typeface="Calibri (Body)"/>
-                <a:ea typeface="DengXian" panose="02010600030101010101" pitchFamily="2" charset="-122"/>
-                <a:cs typeface="Times New Roman" panose="02020603050405020304" pitchFamily="18" charset="0"/>
-              </a:rPr>
-              <a:t> </a:t>
-            </a:r>
-            <a:r>
-              <a:rPr lang="en-US" sz="2100" dirty="0" err="1">
-                <a:effectLst/>
-                <a:latin typeface="Calibri (Body)"/>
-                <a:ea typeface="DengXian" panose="02010600030101010101" pitchFamily="2" charset="-122"/>
-                <a:cs typeface="Times New Roman" panose="02020603050405020304" pitchFamily="18" charset="0"/>
-              </a:rPr>
-              <a:t>kepada</a:t>
-            </a:r>
-            <a:r>
-              <a:rPr lang="en-US" sz="2100" dirty="0">
-                <a:effectLst/>
-                <a:latin typeface="Calibri (Body)"/>
-                <a:ea typeface="DengXian" panose="02010600030101010101" pitchFamily="2" charset="-122"/>
-                <a:cs typeface="Times New Roman" panose="02020603050405020304" pitchFamily="18" charset="0"/>
-              </a:rPr>
-              <a:t> user. Admin </a:t>
-            </a:r>
-            <a:r>
-              <a:rPr lang="en-US" sz="2100" dirty="0" err="1">
-                <a:effectLst/>
-                <a:latin typeface="Calibri (Body)"/>
-                <a:ea typeface="DengXian" panose="02010600030101010101" pitchFamily="2" charset="-122"/>
-                <a:cs typeface="Times New Roman" panose="02020603050405020304" pitchFamily="18" charset="0"/>
-              </a:rPr>
-              <a:t>dapat</a:t>
-            </a:r>
-            <a:r>
-              <a:rPr lang="en-US" sz="2100" dirty="0">
-                <a:effectLst/>
-                <a:latin typeface="Calibri (Body)"/>
-                <a:ea typeface="DengXian" panose="02010600030101010101" pitchFamily="2" charset="-122"/>
-                <a:cs typeface="Times New Roman" panose="02020603050405020304" pitchFamily="18" charset="0"/>
-              </a:rPr>
-              <a:t> </a:t>
-            </a:r>
-            <a:r>
-              <a:rPr lang="en-US" sz="2100" dirty="0" err="1">
-                <a:effectLst/>
-                <a:latin typeface="Calibri (Body)"/>
-                <a:ea typeface="DengXian" panose="02010600030101010101" pitchFamily="2" charset="-122"/>
-                <a:cs typeface="Times New Roman" panose="02020603050405020304" pitchFamily="18" charset="0"/>
-              </a:rPr>
-              <a:t>menambah</a:t>
-            </a:r>
-            <a:r>
-              <a:rPr lang="en-US" sz="2100" dirty="0">
-                <a:effectLst/>
-                <a:latin typeface="Calibri (Body)"/>
-                <a:ea typeface="DengXian" panose="02010600030101010101" pitchFamily="2" charset="-122"/>
-                <a:cs typeface="Times New Roman" panose="02020603050405020304" pitchFamily="18" charset="0"/>
-              </a:rPr>
-              <a:t> game, dan </a:t>
-            </a:r>
-            <a:r>
-              <a:rPr lang="en-US" sz="2100" dirty="0" err="1">
-                <a:effectLst/>
-                <a:latin typeface="Calibri (Body)"/>
-                <a:ea typeface="DengXian" panose="02010600030101010101" pitchFamily="2" charset="-122"/>
-                <a:cs typeface="Times New Roman" panose="02020603050405020304" pitchFamily="18" charset="0"/>
-              </a:rPr>
-              <a:t>membuat</a:t>
-            </a:r>
-            <a:r>
-              <a:rPr lang="en-US" sz="2100" dirty="0">
-                <a:effectLst/>
-                <a:latin typeface="Calibri (Body)"/>
-                <a:ea typeface="DengXian" panose="02010600030101010101" pitchFamily="2" charset="-122"/>
-                <a:cs typeface="Times New Roman" panose="02020603050405020304" pitchFamily="18" charset="0"/>
-              </a:rPr>
-              <a:t> </a:t>
-            </a:r>
-            <a:r>
-              <a:rPr lang="en-US" sz="2100" dirty="0" err="1">
-                <a:effectLst/>
-                <a:latin typeface="Calibri (Body)"/>
-                <a:ea typeface="DengXian" panose="02010600030101010101" pitchFamily="2" charset="-122"/>
-                <a:cs typeface="Times New Roman" panose="02020603050405020304" pitchFamily="18" charset="0"/>
-              </a:rPr>
-              <a:t>laporan</a:t>
-            </a:r>
-            <a:r>
-              <a:rPr lang="en-US" sz="2100" dirty="0">
-                <a:effectLst/>
-                <a:latin typeface="Calibri (Body)"/>
-                <a:ea typeface="DengXian" panose="02010600030101010101" pitchFamily="2" charset="-122"/>
-                <a:cs typeface="Times New Roman" panose="02020603050405020304" pitchFamily="18" charset="0"/>
-              </a:rPr>
-              <a:t> </a:t>
-            </a:r>
-            <a:r>
-              <a:rPr lang="en-US" sz="2100" dirty="0" err="1">
-                <a:effectLst/>
-                <a:latin typeface="Calibri (Body)"/>
-                <a:ea typeface="DengXian" panose="02010600030101010101" pitchFamily="2" charset="-122"/>
-                <a:cs typeface="Times New Roman" panose="02020603050405020304" pitchFamily="18" charset="0"/>
-              </a:rPr>
-              <a:t>berdasarkan</a:t>
-            </a:r>
-            <a:r>
-              <a:rPr lang="en-US" sz="2100" dirty="0">
-                <a:effectLst/>
-                <a:latin typeface="Calibri (Body)"/>
-                <a:ea typeface="DengXian" panose="02010600030101010101" pitchFamily="2" charset="-122"/>
-                <a:cs typeface="Times New Roman" panose="02020603050405020304" pitchFamily="18" charset="0"/>
-              </a:rPr>
-              <a:t> data yang </a:t>
-            </a:r>
-            <a:r>
-              <a:rPr lang="en-US" sz="2100" dirty="0" err="1">
-                <a:effectLst/>
-                <a:latin typeface="Calibri (Body)"/>
-                <a:ea typeface="DengXian" panose="02010600030101010101" pitchFamily="2" charset="-122"/>
-                <a:cs typeface="Times New Roman" panose="02020603050405020304" pitchFamily="18" charset="0"/>
-              </a:rPr>
-              <a:t>diperoleh</a:t>
-            </a:r>
-            <a:r>
-              <a:rPr lang="en-US" sz="2100" dirty="0">
-                <a:effectLst/>
-                <a:latin typeface="Calibri (Body)"/>
-                <a:ea typeface="DengXian" panose="02010600030101010101" pitchFamily="2" charset="-122"/>
-                <a:cs typeface="Times New Roman" panose="02020603050405020304" pitchFamily="18" charset="0"/>
-              </a:rPr>
-              <a:t> </a:t>
-            </a:r>
-            <a:r>
-              <a:rPr lang="en-US" sz="2100" dirty="0" err="1">
-                <a:effectLst/>
-                <a:latin typeface="Calibri (Body)"/>
-                <a:ea typeface="DengXian" panose="02010600030101010101" pitchFamily="2" charset="-122"/>
-                <a:cs typeface="Times New Roman" panose="02020603050405020304" pitchFamily="18" charset="0"/>
-              </a:rPr>
-              <a:t>dari</a:t>
-            </a:r>
-            <a:r>
-              <a:rPr lang="en-US" sz="2100" dirty="0">
-                <a:effectLst/>
-                <a:latin typeface="Calibri (Body)"/>
-                <a:ea typeface="DengXian" panose="02010600030101010101" pitchFamily="2" charset="-122"/>
-                <a:cs typeface="Times New Roman" panose="02020603050405020304" pitchFamily="18" charset="0"/>
-              </a:rPr>
-              <a:t> </a:t>
-            </a:r>
-            <a:r>
-              <a:rPr lang="en-US" sz="2100" dirty="0" err="1">
-                <a:effectLst/>
-                <a:latin typeface="Calibri (Body)"/>
-                <a:ea typeface="DengXian" panose="02010600030101010101" pitchFamily="2" charset="-122"/>
-                <a:cs typeface="Times New Roman" panose="02020603050405020304" pitchFamily="18" charset="0"/>
-              </a:rPr>
-              <a:t>aplikasi</a:t>
-            </a:r>
-            <a:r>
-              <a:rPr lang="en-US" sz="2100" dirty="0">
-                <a:effectLst/>
-                <a:latin typeface="Calibri (Body)"/>
-                <a:ea typeface="DengXian" panose="02010600030101010101" pitchFamily="2" charset="-122"/>
-                <a:cs typeface="Times New Roman" panose="02020603050405020304" pitchFamily="18" charset="0"/>
-              </a:rPr>
-              <a:t> </a:t>
-            </a:r>
-            <a:r>
-              <a:rPr lang="en-US" sz="2100" dirty="0" err="1">
-                <a:effectLst/>
-                <a:latin typeface="Calibri (Body)"/>
-                <a:ea typeface="DengXian" panose="02010600030101010101" pitchFamily="2" charset="-122"/>
-                <a:cs typeface="Times New Roman" panose="02020603050405020304" pitchFamily="18" charset="0"/>
-              </a:rPr>
-              <a:t>ke</a:t>
-            </a:r>
-            <a:r>
-              <a:rPr lang="en-US" sz="2100" dirty="0">
-                <a:effectLst/>
-                <a:latin typeface="Calibri (Body)"/>
-                <a:ea typeface="DengXian" panose="02010600030101010101" pitchFamily="2" charset="-122"/>
-                <a:cs typeface="Times New Roman" panose="02020603050405020304" pitchFamily="18" charset="0"/>
-              </a:rPr>
-              <a:t> </a:t>
-            </a:r>
-            <a:r>
-              <a:rPr lang="en-US" sz="2100" dirty="0" err="1">
-                <a:effectLst/>
-                <a:latin typeface="Calibri (Body)"/>
-                <a:ea typeface="DengXian" panose="02010600030101010101" pitchFamily="2" charset="-122"/>
-                <a:cs typeface="Times New Roman" panose="02020603050405020304" pitchFamily="18" charset="0"/>
-              </a:rPr>
-              <a:t>bentuk</a:t>
-            </a:r>
-            <a:r>
-              <a:rPr lang="en-US" sz="2100" dirty="0">
-                <a:effectLst/>
-                <a:latin typeface="Calibri (Body)"/>
-                <a:ea typeface="DengXian" panose="02010600030101010101" pitchFamily="2" charset="-122"/>
-                <a:cs typeface="Times New Roman" panose="02020603050405020304" pitchFamily="18" charset="0"/>
-              </a:rPr>
-              <a:t> csv. </a:t>
-            </a:r>
-            <a:r>
-              <a:rPr lang="en-US" sz="2100" dirty="0" err="1">
-                <a:effectLst/>
-                <a:latin typeface="Calibri (Body)"/>
-                <a:ea typeface="DengXian" panose="02010600030101010101" pitchFamily="2" charset="-122"/>
-                <a:cs typeface="Times New Roman" panose="02020603050405020304" pitchFamily="18" charset="0"/>
-              </a:rPr>
-              <a:t>Aplikasi</a:t>
-            </a:r>
-            <a:r>
-              <a:rPr lang="en-US" sz="2100" dirty="0">
-                <a:effectLst/>
-                <a:latin typeface="Calibri (Body)"/>
-                <a:ea typeface="DengXian" panose="02010600030101010101" pitchFamily="2" charset="-122"/>
-                <a:cs typeface="Times New Roman" panose="02020603050405020304" pitchFamily="18" charset="0"/>
-              </a:rPr>
-              <a:t> </a:t>
-            </a:r>
-            <a:r>
-              <a:rPr lang="en-US" sz="2100" dirty="0" err="1">
-                <a:effectLst/>
-                <a:latin typeface="Calibri (Body)"/>
-                <a:ea typeface="DengXian" panose="02010600030101010101" pitchFamily="2" charset="-122"/>
-                <a:cs typeface="Times New Roman" panose="02020603050405020304" pitchFamily="18" charset="0"/>
-              </a:rPr>
-              <a:t>ini</a:t>
-            </a:r>
-            <a:r>
-              <a:rPr lang="en-US" sz="2100" dirty="0">
-                <a:effectLst/>
-                <a:latin typeface="Calibri (Body)"/>
-                <a:ea typeface="DengXian" panose="02010600030101010101" pitchFamily="2" charset="-122"/>
-                <a:cs typeface="Times New Roman" panose="02020603050405020304" pitchFamily="18" charset="0"/>
-              </a:rPr>
-              <a:t> </a:t>
-            </a:r>
-            <a:r>
-              <a:rPr lang="en-US" sz="2100" dirty="0" err="1">
-                <a:effectLst/>
-                <a:latin typeface="Calibri (Body)"/>
-                <a:ea typeface="DengXian" panose="02010600030101010101" pitchFamily="2" charset="-122"/>
-                <a:cs typeface="Times New Roman" panose="02020603050405020304" pitchFamily="18" charset="0"/>
-              </a:rPr>
-              <a:t>dibuat</a:t>
-            </a:r>
-            <a:r>
-              <a:rPr lang="en-US" sz="2100" dirty="0">
-                <a:effectLst/>
-                <a:latin typeface="Calibri (Body)"/>
-                <a:ea typeface="DengXian" panose="02010600030101010101" pitchFamily="2" charset="-122"/>
-                <a:cs typeface="Times New Roman" panose="02020603050405020304" pitchFamily="18" charset="0"/>
-              </a:rPr>
-              <a:t> </a:t>
-            </a:r>
-            <a:r>
-              <a:rPr lang="en-US" sz="2100" dirty="0" err="1">
-                <a:effectLst/>
-                <a:latin typeface="Calibri (Body)"/>
-                <a:ea typeface="DengXian" panose="02010600030101010101" pitchFamily="2" charset="-122"/>
-                <a:cs typeface="Times New Roman" panose="02020603050405020304" pitchFamily="18" charset="0"/>
-              </a:rPr>
-              <a:t>dengan</a:t>
-            </a:r>
-            <a:r>
-              <a:rPr lang="en-US" sz="2100" dirty="0">
-                <a:effectLst/>
-                <a:latin typeface="Calibri (Body)"/>
-                <a:ea typeface="DengXian" panose="02010600030101010101" pitchFamily="2" charset="-122"/>
-                <a:cs typeface="Times New Roman" panose="02020603050405020304" pitchFamily="18" charset="0"/>
-              </a:rPr>
-              <a:t> </a:t>
-            </a:r>
-            <a:r>
-              <a:rPr lang="en-US" sz="2100" dirty="0" err="1">
-                <a:effectLst/>
-                <a:latin typeface="Calibri (Body)"/>
-                <a:ea typeface="DengXian" panose="02010600030101010101" pitchFamily="2" charset="-122"/>
-                <a:cs typeface="Times New Roman" panose="02020603050405020304" pitchFamily="18" charset="0"/>
-              </a:rPr>
-              <a:t>menggunakan</a:t>
-            </a:r>
-            <a:r>
-              <a:rPr lang="en-US" sz="2100" dirty="0">
-                <a:effectLst/>
-                <a:latin typeface="Calibri (Body)"/>
-                <a:ea typeface="DengXian" panose="02010600030101010101" pitchFamily="2" charset="-122"/>
-                <a:cs typeface="Times New Roman" panose="02020603050405020304" pitchFamily="18" charset="0"/>
-              </a:rPr>
-              <a:t> Bahasa </a:t>
-            </a:r>
-            <a:r>
-              <a:rPr lang="en-US" sz="2100" dirty="0" err="1">
-                <a:effectLst/>
-                <a:latin typeface="Calibri (Body)"/>
-                <a:ea typeface="DengXian" panose="02010600030101010101" pitchFamily="2" charset="-122"/>
-                <a:cs typeface="Times New Roman" panose="02020603050405020304" pitchFamily="18" charset="0"/>
-              </a:rPr>
-              <a:t>pemrograman</a:t>
-            </a:r>
-            <a:r>
-              <a:rPr lang="en-US" sz="2100" dirty="0">
-                <a:effectLst/>
-                <a:latin typeface="Calibri (Body)"/>
-                <a:ea typeface="DengXian" panose="02010600030101010101" pitchFamily="2" charset="-122"/>
-                <a:cs typeface="Times New Roman" panose="02020603050405020304" pitchFamily="18" charset="0"/>
-              </a:rPr>
-              <a:t> java dan </a:t>
-            </a:r>
-            <a:r>
-              <a:rPr lang="en-US" sz="2100" dirty="0" err="1">
-                <a:effectLst/>
-                <a:latin typeface="Calibri (Body)"/>
-                <a:ea typeface="DengXian" panose="02010600030101010101" pitchFamily="2" charset="-122"/>
-                <a:cs typeface="Times New Roman" panose="02020603050405020304" pitchFamily="18" charset="0"/>
-              </a:rPr>
-              <a:t>dibuat</a:t>
-            </a:r>
-            <a:r>
-              <a:rPr lang="en-US" sz="2100" dirty="0">
-                <a:effectLst/>
-                <a:latin typeface="Calibri (Body)"/>
-                <a:ea typeface="DengXian" panose="02010600030101010101" pitchFamily="2" charset="-122"/>
-                <a:cs typeface="Times New Roman" panose="02020603050405020304" pitchFamily="18" charset="0"/>
-              </a:rPr>
-              <a:t> </a:t>
-            </a:r>
-            <a:r>
-              <a:rPr lang="en-US" sz="2100" dirty="0" err="1">
-                <a:effectLst/>
-                <a:latin typeface="Calibri (Body)"/>
-                <a:ea typeface="DengXian" panose="02010600030101010101" pitchFamily="2" charset="-122"/>
-                <a:cs typeface="Times New Roman" panose="02020603050405020304" pitchFamily="18" charset="0"/>
-              </a:rPr>
-              <a:t>untuk</a:t>
-            </a:r>
-            <a:r>
-              <a:rPr lang="en-US" sz="2100" dirty="0">
-                <a:effectLst/>
-                <a:latin typeface="Calibri (Body)"/>
-                <a:ea typeface="DengXian" panose="02010600030101010101" pitchFamily="2" charset="-122"/>
-                <a:cs typeface="Times New Roman" panose="02020603050405020304" pitchFamily="18" charset="0"/>
-              </a:rPr>
-              <a:t> OS Android.</a:t>
-            </a:r>
-            <a:endParaRPr lang="id-ID" sz="2100" dirty="0">
-              <a:effectLst/>
-              <a:latin typeface="Calibri (Body)"/>
-              <a:ea typeface="DengXian" panose="02010600030101010101" pitchFamily="2" charset="-122"/>
-              <a:cs typeface="Times New Roman" panose="02020603050405020304" pitchFamily="18" charset="0"/>
-            </a:endParaRPr>
-          </a:p>
-          <a:p>
-            <a:pPr marL="457200" lvl="1" indent="0">
-              <a:buNone/>
-            </a:pPr>
-            <a:r>
-              <a:rPr lang="en-US" b="1" dirty="0" err="1"/>
-              <a:t>Deskripsi</a:t>
-            </a:r>
-            <a:r>
-              <a:rPr lang="en-US" b="1" dirty="0"/>
-              <a:t> </a:t>
-            </a:r>
-            <a:r>
-              <a:rPr lang="en-US" b="1" dirty="0" err="1"/>
-              <a:t>Fungsionalitas</a:t>
-            </a:r>
-            <a:endParaRPr lang="en-ID" b="1" dirty="0"/>
-          </a:p>
-          <a:p>
-            <a:pPr lvl="1"/>
-            <a:r>
-              <a:rPr lang="en-US" dirty="0"/>
-              <a:t>Login admin dan login user</a:t>
-            </a:r>
-            <a:endParaRPr lang="en-ID" dirty="0"/>
-          </a:p>
-          <a:p>
-            <a:pPr lvl="1"/>
-            <a:r>
-              <a:rPr lang="en-US" dirty="0"/>
-              <a:t>Daftar user</a:t>
-            </a:r>
-            <a:endParaRPr lang="en-ID" dirty="0"/>
-          </a:p>
-          <a:p>
-            <a:pPr lvl="1"/>
-            <a:r>
-              <a:rPr lang="en-US" dirty="0" err="1"/>
-              <a:t>Katalog</a:t>
-            </a:r>
-            <a:r>
-              <a:rPr lang="en-US" dirty="0"/>
-              <a:t> board game</a:t>
-            </a:r>
-            <a:endParaRPr lang="en-ID" dirty="0"/>
-          </a:p>
-          <a:p>
-            <a:pPr lvl="1"/>
-            <a:r>
-              <a:rPr lang="en-US" dirty="0" err="1"/>
-              <a:t>Kategori</a:t>
-            </a:r>
-            <a:r>
-              <a:rPr lang="en-US" dirty="0"/>
-              <a:t> game</a:t>
-            </a:r>
-            <a:endParaRPr lang="en-ID" dirty="0"/>
-          </a:p>
-          <a:p>
-            <a:pPr lvl="1"/>
-            <a:r>
-              <a:rPr lang="en-US" dirty="0" err="1"/>
-              <a:t>Membuat</a:t>
-            </a:r>
-            <a:r>
-              <a:rPr lang="en-US" dirty="0"/>
-              <a:t> data history</a:t>
-            </a:r>
-            <a:endParaRPr lang="en-ID" dirty="0"/>
-          </a:p>
-          <a:p>
-            <a:pPr lvl="1"/>
-            <a:r>
-              <a:rPr lang="en-US" dirty="0" err="1"/>
-              <a:t>Menambah</a:t>
-            </a:r>
-            <a:r>
-              <a:rPr lang="en-US" dirty="0"/>
-              <a:t> data game</a:t>
-            </a:r>
-            <a:endParaRPr lang="en-ID" dirty="0"/>
-          </a:p>
-          <a:p>
-            <a:pPr lvl="1"/>
-            <a:r>
-              <a:rPr lang="en-US" dirty="0" err="1"/>
-              <a:t>Mengganti</a:t>
-            </a:r>
-            <a:r>
-              <a:rPr lang="en-US" dirty="0"/>
-              <a:t> leaderboard</a:t>
-            </a:r>
-            <a:endParaRPr lang="en-ID" dirty="0"/>
-          </a:p>
-          <a:p>
-            <a:pPr lvl="1"/>
-            <a:r>
-              <a:rPr lang="en-US" dirty="0" err="1"/>
-              <a:t>Mengexport</a:t>
-            </a:r>
-            <a:r>
-              <a:rPr lang="en-US" dirty="0"/>
-              <a:t> data</a:t>
-            </a:r>
-            <a:endParaRPr lang="en-ID" dirty="0"/>
-          </a:p>
-        </p:txBody>
-      </p:sp>
+      </p:pic>
     </p:spTree>
     <p:extLst>
       <p:ext uri="{BB962C8B-B14F-4D97-AF65-F5344CB8AC3E}">
-        <p14:creationId xmlns:p14="http://schemas.microsoft.com/office/powerpoint/2010/main" val="1273568111"/>
+        <p14:creationId xmlns:p14="http://schemas.microsoft.com/office/powerpoint/2010/main" val="1447738250"/>
       </p:ext>
     </p:extLst>
   </p:cSld>
@@ -7157,7 +7063,7 @@
           <p:cNvPr id="2" name="Title 1">
             <a:extLst>
               <a:ext uri="{FF2B5EF4-FFF2-40B4-BE49-F238E27FC236}">
-                <a16:creationId xmlns:a16="http://schemas.microsoft.com/office/drawing/2014/main" id="{EBFBC61D-34FE-44F3-8A25-5E5B2638F249}"/>
+                <a16:creationId xmlns:a16="http://schemas.microsoft.com/office/drawing/2014/main" id="{0339D75E-8F97-4AC3-9378-EF73ECFED220}"/>
               </a:ext>
             </a:extLst>
           </p:cNvPr>
@@ -7174,8 +7080,8 @@
           <a:lstStyle/>
           <a:p>
             <a:r>
-              <a:rPr lang="en-US" dirty="0"/>
-              <a:t>Work Breakdown Structure</a:t>
+              <a:rPr lang="en-US" b="1" dirty="0"/>
+              <a:t>Gantt Chart</a:t>
             </a:r>
             <a:endParaRPr lang="en-ID" dirty="0"/>
           </a:p>
@@ -7183,10 +7089,10 @@
       </p:sp>
       <p:pic>
         <p:nvPicPr>
-          <p:cNvPr id="29" name="Content Placeholder 28">
-            <a:extLst>
-              <a:ext uri="{FF2B5EF4-FFF2-40B4-BE49-F238E27FC236}">
-                <a16:creationId xmlns:a16="http://schemas.microsoft.com/office/drawing/2014/main" id="{FEDAF3F4-3EB5-4B0D-910B-4F3909E7BD1E}"/>
+          <p:cNvPr id="5" name="Content Placeholder 4">
+            <a:extLst>
+              <a:ext uri="{FF2B5EF4-FFF2-40B4-BE49-F238E27FC236}">
+                <a16:creationId xmlns:a16="http://schemas.microsoft.com/office/drawing/2014/main" id="{567006A6-D088-46AD-BC7D-01C3297CE5F1}"/>
               </a:ext>
             </a:extLst>
           </p:cNvPr>
@@ -7211,15 +7117,15 @@
         </p:blipFill>
         <p:spPr>
           <a:xfrm>
-            <a:off x="1898073" y="1801092"/>
-            <a:ext cx="8437418" cy="3948284"/>
+            <a:off x="1219199" y="1828800"/>
+            <a:ext cx="9878292" cy="3768436"/>
           </a:xfrm>
         </p:spPr>
       </p:pic>
     </p:spTree>
     <p:extLst>
       <p:ext uri="{BB962C8B-B14F-4D97-AF65-F5344CB8AC3E}">
-        <p14:creationId xmlns:p14="http://schemas.microsoft.com/office/powerpoint/2010/main" val="1447738250"/>
+        <p14:creationId xmlns:p14="http://schemas.microsoft.com/office/powerpoint/2010/main" val="540108133"/>
       </p:ext>
     </p:extLst>
   </p:cSld>
@@ -7251,7 +7157,7 @@
           <p:cNvPr id="2" name="Title 1">
             <a:extLst>
               <a:ext uri="{FF2B5EF4-FFF2-40B4-BE49-F238E27FC236}">
-                <a16:creationId xmlns:a16="http://schemas.microsoft.com/office/drawing/2014/main" id="{0339D75E-8F97-4AC3-9378-EF73ECFED220}"/>
+                <a16:creationId xmlns:a16="http://schemas.microsoft.com/office/drawing/2014/main" id="{602C162F-EDD6-4BF2-8339-3EAA34E06F29}"/>
               </a:ext>
             </a:extLst>
           </p:cNvPr>
@@ -7268,31 +7174,372 @@
           <a:lstStyle/>
           <a:p>
             <a:r>
-              <a:rPr lang="en-US" b="1" dirty="0"/>
-              <a:t>Gantt Chart</a:t>
-            </a:r>
+              <a:rPr lang="id-ID" dirty="0"/>
+              <a:t>Project </a:t>
+            </a:r>
+            <a:r>
+              <a:rPr lang="id-ID" dirty="0" err="1"/>
+              <a:t>Management</a:t>
+            </a:r>
+            <a:r>
+              <a:rPr lang="id-ID" dirty="0"/>
+              <a:t> </a:t>
+            </a:r>
+            <a:r>
+              <a:rPr lang="id-ID" dirty="0" err="1"/>
+              <a:t>Tools</a:t>
+            </a:r>
+            <a:r>
+              <a:rPr lang="en-US" dirty="0"/>
+              <a:t> : </a:t>
+            </a:r>
+            <a:r>
+              <a:rPr lang="id-ID" dirty="0" err="1"/>
+              <a:t>Notion</a:t>
+            </a:r>
+            <a:endParaRPr lang="en-ID" dirty="0"/>
+          </a:p>
+        </p:txBody>
+      </p:sp>
+      <p:sp>
+        <p:nvSpPr>
+          <p:cNvPr id="3" name="Content Placeholder 2">
+            <a:extLst>
+              <a:ext uri="{FF2B5EF4-FFF2-40B4-BE49-F238E27FC236}">
+                <a16:creationId xmlns:a16="http://schemas.microsoft.com/office/drawing/2014/main" id="{5147FEA4-B9C0-4C15-9856-2831442A1BE6}"/>
+              </a:ext>
+            </a:extLst>
+          </p:cNvPr>
+          <p:cNvSpPr>
+            <a:spLocks noGrp="1"/>
+          </p:cNvSpPr>
+          <p:nvPr>
+            <p:ph idx="1"/>
+          </p:nvPr>
+        </p:nvSpPr>
+        <p:spPr>
+          <a:xfrm>
+            <a:off x="838200" y="1508126"/>
+            <a:ext cx="10515600" cy="583746"/>
+          </a:xfrm>
+        </p:spPr>
+        <p:txBody>
+          <a:bodyPr>
+            <a:normAutofit lnSpcReduction="10000"/>
+          </a:bodyPr>
+          <a:lstStyle/>
+          <a:p>
+            <a:pPr marL="0" indent="0">
+              <a:buNone/>
+            </a:pPr>
+            <a:r>
+              <a:rPr lang="en-US" sz="1800" dirty="0">
+                <a:effectLst/>
+                <a:latin typeface="Times New Roman" panose="02020603050405020304" pitchFamily="18" charset="0"/>
+                <a:ea typeface="DengXian" panose="02010600030101010101" pitchFamily="2" charset="-122"/>
+                <a:cs typeface="Times New Roman" panose="02020603050405020304" pitchFamily="18" charset="0"/>
+              </a:rPr>
+              <a:t>Tools </a:t>
+            </a:r>
+            <a:r>
+              <a:rPr lang="en-US" sz="1800" dirty="0" err="1">
+                <a:effectLst/>
+                <a:latin typeface="Times New Roman" panose="02020603050405020304" pitchFamily="18" charset="0"/>
+                <a:ea typeface="DengXian" panose="02010600030101010101" pitchFamily="2" charset="-122"/>
+                <a:cs typeface="Times New Roman" panose="02020603050405020304" pitchFamily="18" charset="0"/>
+              </a:rPr>
+              <a:t>ini</a:t>
+            </a:r>
+            <a:r>
+              <a:rPr lang="en-US" sz="1800" dirty="0">
+                <a:effectLst/>
+                <a:latin typeface="Times New Roman" panose="02020603050405020304" pitchFamily="18" charset="0"/>
+                <a:ea typeface="DengXian" panose="02010600030101010101" pitchFamily="2" charset="-122"/>
+                <a:cs typeface="Times New Roman" panose="02020603050405020304" pitchFamily="18" charset="0"/>
+              </a:rPr>
+              <a:t> </a:t>
+            </a:r>
+            <a:r>
+              <a:rPr lang="en-US" sz="1800" dirty="0" err="1">
+                <a:effectLst/>
+                <a:latin typeface="Times New Roman" panose="02020603050405020304" pitchFamily="18" charset="0"/>
+                <a:ea typeface="DengXian" panose="02010600030101010101" pitchFamily="2" charset="-122"/>
+                <a:cs typeface="Times New Roman" panose="02020603050405020304" pitchFamily="18" charset="0"/>
+              </a:rPr>
+              <a:t>dipilih</a:t>
+            </a:r>
+            <a:r>
+              <a:rPr lang="en-US" sz="1800" dirty="0">
+                <a:effectLst/>
+                <a:latin typeface="Times New Roman" panose="02020603050405020304" pitchFamily="18" charset="0"/>
+                <a:ea typeface="DengXian" panose="02010600030101010101" pitchFamily="2" charset="-122"/>
+                <a:cs typeface="Times New Roman" panose="02020603050405020304" pitchFamily="18" charset="0"/>
+              </a:rPr>
+              <a:t> </a:t>
+            </a:r>
+            <a:r>
+              <a:rPr lang="en-US" sz="1800" dirty="0" err="1">
+                <a:effectLst/>
+                <a:latin typeface="Times New Roman" panose="02020603050405020304" pitchFamily="18" charset="0"/>
+                <a:ea typeface="DengXian" panose="02010600030101010101" pitchFamily="2" charset="-122"/>
+                <a:cs typeface="Times New Roman" panose="02020603050405020304" pitchFamily="18" charset="0"/>
+              </a:rPr>
+              <a:t>karena</a:t>
+            </a:r>
+            <a:r>
+              <a:rPr lang="en-US" sz="1800" dirty="0">
+                <a:effectLst/>
+                <a:latin typeface="Times New Roman" panose="02020603050405020304" pitchFamily="18" charset="0"/>
+                <a:ea typeface="DengXian" panose="02010600030101010101" pitchFamily="2" charset="-122"/>
+                <a:cs typeface="Times New Roman" panose="02020603050405020304" pitchFamily="18" charset="0"/>
+              </a:rPr>
+              <a:t> </a:t>
+            </a:r>
+            <a:r>
+              <a:rPr lang="en-US" sz="1800" dirty="0" err="1">
+                <a:effectLst/>
+                <a:latin typeface="Times New Roman" panose="02020603050405020304" pitchFamily="18" charset="0"/>
+                <a:ea typeface="DengXian" panose="02010600030101010101" pitchFamily="2" charset="-122"/>
+                <a:cs typeface="Times New Roman" panose="02020603050405020304" pitchFamily="18" charset="0"/>
+              </a:rPr>
+              <a:t>kemudahan</a:t>
+            </a:r>
+            <a:r>
+              <a:rPr lang="en-US" sz="1800" dirty="0">
+                <a:effectLst/>
+                <a:latin typeface="Times New Roman" panose="02020603050405020304" pitchFamily="18" charset="0"/>
+                <a:ea typeface="DengXian" panose="02010600030101010101" pitchFamily="2" charset="-122"/>
+                <a:cs typeface="Times New Roman" panose="02020603050405020304" pitchFamily="18" charset="0"/>
+              </a:rPr>
+              <a:t> </a:t>
+            </a:r>
+            <a:r>
+              <a:rPr lang="en-US" sz="1800" dirty="0" err="1">
+                <a:effectLst/>
+                <a:latin typeface="Times New Roman" panose="02020603050405020304" pitchFamily="18" charset="0"/>
+                <a:ea typeface="DengXian" panose="02010600030101010101" pitchFamily="2" charset="-122"/>
+                <a:cs typeface="Times New Roman" panose="02020603050405020304" pitchFamily="18" charset="0"/>
+              </a:rPr>
+              <a:t>penggunaan</a:t>
+            </a:r>
+            <a:r>
+              <a:rPr lang="en-US" sz="1800" dirty="0">
+                <a:effectLst/>
+                <a:latin typeface="Times New Roman" panose="02020603050405020304" pitchFamily="18" charset="0"/>
+                <a:ea typeface="DengXian" panose="02010600030101010101" pitchFamily="2" charset="-122"/>
+                <a:cs typeface="Times New Roman" panose="02020603050405020304" pitchFamily="18" charset="0"/>
+              </a:rPr>
+              <a:t> </a:t>
+            </a:r>
+            <a:r>
+              <a:rPr lang="en-US" sz="1800" dirty="0" err="1">
+                <a:effectLst/>
+                <a:latin typeface="Times New Roman" panose="02020603050405020304" pitchFamily="18" charset="0"/>
+                <a:ea typeface="DengXian" panose="02010600030101010101" pitchFamily="2" charset="-122"/>
+                <a:cs typeface="Times New Roman" panose="02020603050405020304" pitchFamily="18" charset="0"/>
+              </a:rPr>
+              <a:t>bagi</a:t>
+            </a:r>
+            <a:r>
+              <a:rPr lang="en-US" sz="1800" dirty="0">
+                <a:effectLst/>
+                <a:latin typeface="Times New Roman" panose="02020603050405020304" pitchFamily="18" charset="0"/>
+                <a:ea typeface="DengXian" panose="02010600030101010101" pitchFamily="2" charset="-122"/>
+                <a:cs typeface="Times New Roman" panose="02020603050405020304" pitchFamily="18" charset="0"/>
+              </a:rPr>
+              <a:t> user. Tools </a:t>
+            </a:r>
+            <a:r>
+              <a:rPr lang="en-US" sz="1800" dirty="0" err="1">
+                <a:effectLst/>
+                <a:latin typeface="Times New Roman" panose="02020603050405020304" pitchFamily="18" charset="0"/>
+                <a:ea typeface="DengXian" panose="02010600030101010101" pitchFamily="2" charset="-122"/>
+                <a:cs typeface="Times New Roman" panose="02020603050405020304" pitchFamily="18" charset="0"/>
+              </a:rPr>
+              <a:t>ini</a:t>
+            </a:r>
+            <a:r>
+              <a:rPr lang="en-US" sz="1800" dirty="0">
+                <a:effectLst/>
+                <a:latin typeface="Times New Roman" panose="02020603050405020304" pitchFamily="18" charset="0"/>
+                <a:ea typeface="DengXian" panose="02010600030101010101" pitchFamily="2" charset="-122"/>
+                <a:cs typeface="Times New Roman" panose="02020603050405020304" pitchFamily="18" charset="0"/>
+              </a:rPr>
+              <a:t> juga </a:t>
+            </a:r>
+            <a:r>
+              <a:rPr lang="en-US" sz="1800" dirty="0" err="1">
+                <a:effectLst/>
+                <a:latin typeface="Times New Roman" panose="02020603050405020304" pitchFamily="18" charset="0"/>
+                <a:ea typeface="DengXian" panose="02010600030101010101" pitchFamily="2" charset="-122"/>
+                <a:cs typeface="Times New Roman" panose="02020603050405020304" pitchFamily="18" charset="0"/>
+              </a:rPr>
+              <a:t>dapat</a:t>
+            </a:r>
+            <a:r>
+              <a:rPr lang="en-US" sz="1800" dirty="0">
+                <a:effectLst/>
+                <a:latin typeface="Times New Roman" panose="02020603050405020304" pitchFamily="18" charset="0"/>
+                <a:ea typeface="DengXian" panose="02010600030101010101" pitchFamily="2" charset="-122"/>
+                <a:cs typeface="Times New Roman" panose="02020603050405020304" pitchFamily="18" charset="0"/>
+              </a:rPr>
+              <a:t> </a:t>
+            </a:r>
+            <a:r>
+              <a:rPr lang="en-US" sz="1800" dirty="0" err="1">
+                <a:effectLst/>
+                <a:latin typeface="Times New Roman" panose="02020603050405020304" pitchFamily="18" charset="0"/>
+                <a:ea typeface="DengXian" panose="02010600030101010101" pitchFamily="2" charset="-122"/>
+                <a:cs typeface="Times New Roman" panose="02020603050405020304" pitchFamily="18" charset="0"/>
+              </a:rPr>
+              <a:t>diinstall</a:t>
+            </a:r>
+            <a:r>
+              <a:rPr lang="en-US" sz="1800" dirty="0">
+                <a:effectLst/>
+                <a:latin typeface="Times New Roman" panose="02020603050405020304" pitchFamily="18" charset="0"/>
+                <a:ea typeface="DengXian" panose="02010600030101010101" pitchFamily="2" charset="-122"/>
+                <a:cs typeface="Times New Roman" panose="02020603050405020304" pitchFamily="18" charset="0"/>
+              </a:rPr>
+              <a:t> di android, </a:t>
+            </a:r>
+            <a:r>
+              <a:rPr lang="en-US" sz="1800" dirty="0" err="1">
+                <a:effectLst/>
+                <a:latin typeface="Times New Roman" panose="02020603050405020304" pitchFamily="18" charset="0"/>
+                <a:ea typeface="DengXian" panose="02010600030101010101" pitchFamily="2" charset="-122"/>
+                <a:cs typeface="Times New Roman" panose="02020603050405020304" pitchFamily="18" charset="0"/>
+              </a:rPr>
+              <a:t>sehingga</a:t>
+            </a:r>
+            <a:r>
+              <a:rPr lang="en-US" sz="1800" dirty="0">
+                <a:effectLst/>
+                <a:latin typeface="Times New Roman" panose="02020603050405020304" pitchFamily="18" charset="0"/>
+                <a:ea typeface="DengXian" panose="02010600030101010101" pitchFamily="2" charset="-122"/>
+                <a:cs typeface="Times New Roman" panose="02020603050405020304" pitchFamily="18" charset="0"/>
+              </a:rPr>
+              <a:t> </a:t>
+            </a:r>
+            <a:r>
+              <a:rPr lang="en-US" sz="1800" dirty="0" err="1">
+                <a:effectLst/>
+                <a:latin typeface="Times New Roman" panose="02020603050405020304" pitchFamily="18" charset="0"/>
+                <a:ea typeface="DengXian" panose="02010600030101010101" pitchFamily="2" charset="-122"/>
+                <a:cs typeface="Times New Roman" panose="02020603050405020304" pitchFamily="18" charset="0"/>
+              </a:rPr>
+              <a:t>memudahkan</a:t>
+            </a:r>
+            <a:r>
+              <a:rPr lang="en-US" sz="1800" dirty="0">
+                <a:effectLst/>
+                <a:latin typeface="Times New Roman" panose="02020603050405020304" pitchFamily="18" charset="0"/>
+                <a:ea typeface="DengXian" panose="02010600030101010101" pitchFamily="2" charset="-122"/>
+                <a:cs typeface="Times New Roman" panose="02020603050405020304" pitchFamily="18" charset="0"/>
+              </a:rPr>
+              <a:t> </a:t>
+            </a:r>
+            <a:r>
+              <a:rPr lang="en-US" sz="1800" dirty="0" err="1">
+                <a:effectLst/>
+                <a:latin typeface="Times New Roman" panose="02020603050405020304" pitchFamily="18" charset="0"/>
+                <a:ea typeface="DengXian" panose="02010600030101010101" pitchFamily="2" charset="-122"/>
+                <a:cs typeface="Times New Roman" panose="02020603050405020304" pitchFamily="18" charset="0"/>
+              </a:rPr>
+              <a:t>pengguna</a:t>
+            </a:r>
+            <a:r>
+              <a:rPr lang="en-US" sz="1800" dirty="0">
+                <a:effectLst/>
+                <a:latin typeface="Times New Roman" panose="02020603050405020304" pitchFamily="18" charset="0"/>
+                <a:ea typeface="DengXian" panose="02010600030101010101" pitchFamily="2" charset="-122"/>
+                <a:cs typeface="Times New Roman" panose="02020603050405020304" pitchFamily="18" charset="0"/>
+              </a:rPr>
+              <a:t> </a:t>
+            </a:r>
+            <a:r>
+              <a:rPr lang="en-US" sz="1800" dirty="0" err="1">
+                <a:effectLst/>
+                <a:latin typeface="Times New Roman" panose="02020603050405020304" pitchFamily="18" charset="0"/>
+                <a:ea typeface="DengXian" panose="02010600030101010101" pitchFamily="2" charset="-122"/>
+                <a:cs typeface="Times New Roman" panose="02020603050405020304" pitchFamily="18" charset="0"/>
+              </a:rPr>
+              <a:t>dalam</a:t>
+            </a:r>
+            <a:r>
+              <a:rPr lang="en-US" sz="1800" dirty="0">
+                <a:effectLst/>
+                <a:latin typeface="Times New Roman" panose="02020603050405020304" pitchFamily="18" charset="0"/>
+                <a:ea typeface="DengXian" panose="02010600030101010101" pitchFamily="2" charset="-122"/>
+                <a:cs typeface="Times New Roman" panose="02020603050405020304" pitchFamily="18" charset="0"/>
+              </a:rPr>
+              <a:t> </a:t>
+            </a:r>
+            <a:r>
+              <a:rPr lang="en-US" sz="1800" dirty="0" err="1">
+                <a:effectLst/>
+                <a:latin typeface="Times New Roman" panose="02020603050405020304" pitchFamily="18" charset="0"/>
+                <a:ea typeface="DengXian" panose="02010600030101010101" pitchFamily="2" charset="-122"/>
+                <a:cs typeface="Times New Roman" panose="02020603050405020304" pitchFamily="18" charset="0"/>
+              </a:rPr>
+              <a:t>melihat</a:t>
+            </a:r>
+            <a:r>
+              <a:rPr lang="en-US" sz="1800" dirty="0">
+                <a:effectLst/>
+                <a:latin typeface="Times New Roman" panose="02020603050405020304" pitchFamily="18" charset="0"/>
+                <a:ea typeface="DengXian" panose="02010600030101010101" pitchFamily="2" charset="-122"/>
+                <a:cs typeface="Times New Roman" panose="02020603050405020304" pitchFamily="18" charset="0"/>
+              </a:rPr>
+              <a:t> progress dan </a:t>
+            </a:r>
+            <a:r>
+              <a:rPr lang="en-US" sz="1800" dirty="0" err="1">
+                <a:effectLst/>
+                <a:latin typeface="Times New Roman" panose="02020603050405020304" pitchFamily="18" charset="0"/>
+                <a:ea typeface="DengXian" panose="02010600030101010101" pitchFamily="2" charset="-122"/>
+                <a:cs typeface="Times New Roman" panose="02020603050405020304" pitchFamily="18" charset="0"/>
+              </a:rPr>
+              <a:t>mengupdatenya</a:t>
+            </a:r>
+            <a:r>
+              <a:rPr lang="en-US" sz="1800" dirty="0">
+                <a:effectLst/>
+                <a:latin typeface="Times New Roman" panose="02020603050405020304" pitchFamily="18" charset="0"/>
+                <a:ea typeface="DengXian" panose="02010600030101010101" pitchFamily="2" charset="-122"/>
+                <a:cs typeface="Times New Roman" panose="02020603050405020304" pitchFamily="18" charset="0"/>
+              </a:rPr>
+              <a:t>.</a:t>
+            </a:r>
+            <a:endParaRPr lang="id-ID" sz="1800" dirty="0">
+              <a:effectLst/>
+              <a:latin typeface="Times New Roman" panose="02020603050405020304" pitchFamily="18" charset="0"/>
+              <a:ea typeface="DengXian" panose="02010600030101010101" pitchFamily="2" charset="-122"/>
+              <a:cs typeface="Times New Roman" panose="02020603050405020304" pitchFamily="18" charset="0"/>
+            </a:endParaRPr>
+          </a:p>
+          <a:p>
+            <a:pPr marL="0" indent="0">
+              <a:buNone/>
+            </a:pPr>
             <a:endParaRPr lang="en-ID" dirty="0"/>
           </a:p>
         </p:txBody>
       </p:sp>
       <p:pic>
         <p:nvPicPr>
-          <p:cNvPr id="5" name="Content Placeholder 4">
-            <a:extLst>
-              <a:ext uri="{FF2B5EF4-FFF2-40B4-BE49-F238E27FC236}">
-                <a16:creationId xmlns:a16="http://schemas.microsoft.com/office/drawing/2014/main" id="{567006A6-D088-46AD-BC7D-01C3297CE5F1}"/>
-              </a:ext>
-            </a:extLst>
-          </p:cNvPr>
-          <p:cNvPicPr>
-            <a:picLocks noGrp="1" noChangeAspect="1"/>
-          </p:cNvPicPr>
-          <p:nvPr>
-            <p:ph idx="1"/>
-          </p:nvPr>
+          <p:cNvPr id="4" name="Picture 3">
+            <a:extLst>
+              <a:ext uri="{FF2B5EF4-FFF2-40B4-BE49-F238E27FC236}">
+                <a16:creationId xmlns:a16="http://schemas.microsoft.com/office/drawing/2014/main" id="{E2A289EB-4469-4327-B32B-22B3CC10107A}"/>
+              </a:ext>
+            </a:extLst>
+          </p:cNvPr>
+          <p:cNvPicPr/>
+          <p:nvPr/>
         </p:nvPicPr>
         <p:blipFill>
-          <a:blip r:embed="rId2">
+          <a:blip r:embed="rId2" cstate="print">
             <a:extLst>
               <a:ext uri="{28A0092B-C50C-407E-A947-70E740481C1C}">
                 <a14:useLocalDpi xmlns:a14="http://schemas.microsoft.com/office/drawing/2010/main" val="0"/>
@@ -7305,15 +7552,18 @@
         </p:blipFill>
         <p:spPr>
           <a:xfrm>
-            <a:off x="1219199" y="1828800"/>
-            <a:ext cx="9878292" cy="3768436"/>
+            <a:off x="1494971" y="2091872"/>
+            <a:ext cx="9405257" cy="4401003"/>
           </a:xfrm>
+          <a:prstGeom prst="rect">
+            <a:avLst/>
+          </a:prstGeom>
         </p:spPr>
       </p:pic>
     </p:spTree>
     <p:extLst>
       <p:ext uri="{BB962C8B-B14F-4D97-AF65-F5344CB8AC3E}">
-        <p14:creationId xmlns:p14="http://schemas.microsoft.com/office/powerpoint/2010/main" val="540108133"/>
+        <p14:creationId xmlns:p14="http://schemas.microsoft.com/office/powerpoint/2010/main" val="1419492776"/>
       </p:ext>
     </p:extLst>
   </p:cSld>
@@ -7345,7 +7595,7 @@
           <p:cNvPr id="2" name="Title 1">
             <a:extLst>
               <a:ext uri="{FF2B5EF4-FFF2-40B4-BE49-F238E27FC236}">
-                <a16:creationId xmlns:a16="http://schemas.microsoft.com/office/drawing/2014/main" id="{602C162F-EDD6-4BF2-8339-3EAA34E06F29}"/>
+                <a16:creationId xmlns:a16="http://schemas.microsoft.com/office/drawing/2014/main" id="{455292C5-3699-4130-80A6-E328D765CBC4}"/>
               </a:ext>
             </a:extLst>
           </p:cNvPr>
@@ -7358,43 +7608,25 @@
         </p:nvSpPr>
         <p:spPr/>
         <p:txBody>
-          <a:bodyPr/>
+          <a:bodyPr>
+            <a:normAutofit/>
+          </a:bodyPr>
           <a:lstStyle/>
           <a:p>
             <a:r>
-              <a:rPr lang="id-ID" dirty="0"/>
-              <a:t>Project </a:t>
-            </a:r>
-            <a:r>
-              <a:rPr lang="id-ID" dirty="0" err="1"/>
-              <a:t>Management</a:t>
-            </a:r>
-            <a:r>
-              <a:rPr lang="id-ID" dirty="0"/>
-              <a:t> </a:t>
-            </a:r>
-            <a:r>
-              <a:rPr lang="id-ID" dirty="0" err="1"/>
-              <a:t>Tools</a:t>
-            </a:r>
-            <a:r>
               <a:rPr lang="en-US" dirty="0"/>
-              <a:t> : </a:t>
-            </a:r>
-            <a:r>
-              <a:rPr lang="id-ID" dirty="0" err="1"/>
-              <a:t>Notion</a:t>
-            </a:r>
-            <a:endParaRPr lang="en-ID" dirty="0"/>
+              <a:t>Diagram : Draw.io</a:t>
+            </a:r>
+            <a:endParaRPr lang="id-ID" dirty="0"/>
           </a:p>
         </p:txBody>
       </p:sp>
       <p:sp>
         <p:nvSpPr>
-          <p:cNvPr id="3" name="Content Placeholder 2">
-            <a:extLst>
-              <a:ext uri="{FF2B5EF4-FFF2-40B4-BE49-F238E27FC236}">
-                <a16:creationId xmlns:a16="http://schemas.microsoft.com/office/drawing/2014/main" id="{5147FEA4-B9C0-4C15-9856-2831442A1BE6}"/>
+          <p:cNvPr id="6" name="Content Placeholder 5">
+            <a:extLst>
+              <a:ext uri="{FF2B5EF4-FFF2-40B4-BE49-F238E27FC236}">
+                <a16:creationId xmlns:a16="http://schemas.microsoft.com/office/drawing/2014/main" id="{DC4E54E9-C4DE-4CD7-99EB-F29C49456BB6}"/>
               </a:ext>
             </a:extLst>
           </p:cNvPr>
@@ -7407,19 +7639,23 @@
         </p:nvSpPr>
         <p:spPr>
           <a:xfrm>
-            <a:off x="838200" y="1508126"/>
-            <a:ext cx="10515600" cy="583746"/>
+            <a:off x="838200" y="1825625"/>
+            <a:ext cx="10515600" cy="402670"/>
           </a:xfrm>
         </p:spPr>
         <p:txBody>
-          <a:bodyPr>
-            <a:normAutofit lnSpcReduction="10000"/>
-          </a:bodyPr>
+          <a:bodyPr/>
           <a:lstStyle/>
           <a:p>
-            <a:pPr marL="0" indent="0">
-              <a:buNone/>
-            </a:pPr>
+            <a:r>
+              <a:rPr lang="en-US" sz="1800" dirty="0" err="1">
+                <a:effectLst/>
+                <a:latin typeface="Times New Roman" panose="02020603050405020304" pitchFamily="18" charset="0"/>
+                <a:ea typeface="DengXian" panose="02010600030101010101" pitchFamily="2" charset="-122"/>
+                <a:cs typeface="Times New Roman" panose="02020603050405020304" pitchFamily="18" charset="0"/>
+              </a:rPr>
+              <a:t>Aplikasi</a:t>
+            </a:r>
             <a:r>
               <a:rPr lang="en-US" sz="1800" dirty="0">
                 <a:effectLst/>
@@ -7427,7 +7663,7 @@
                 <a:ea typeface="DengXian" panose="02010600030101010101" pitchFamily="2" charset="-122"/>
                 <a:cs typeface="Times New Roman" panose="02020603050405020304" pitchFamily="18" charset="0"/>
               </a:rPr>
-              <a:t>Tools </a:t>
+              <a:t> </a:t>
             </a:r>
             <a:r>
               <a:rPr lang="en-US" sz="1800" dirty="0" err="1">
@@ -7490,7 +7726,7 @@
                 <a:ea typeface="DengXian" panose="02010600030101010101" pitchFamily="2" charset="-122"/>
                 <a:cs typeface="Times New Roman" panose="02020603050405020304" pitchFamily="18" charset="0"/>
               </a:rPr>
-              <a:t>kemudahan</a:t>
+              <a:t>mudah</a:t>
             </a:r>
             <a:r>
               <a:rPr lang="en-US" sz="1800" dirty="0">
@@ -7508,7 +7744,7 @@
                 <a:ea typeface="DengXian" panose="02010600030101010101" pitchFamily="2" charset="-122"/>
                 <a:cs typeface="Times New Roman" panose="02020603050405020304" pitchFamily="18" charset="0"/>
               </a:rPr>
-              <a:t>penggunaan</a:t>
+              <a:t>diakses</a:t>
             </a:r>
             <a:r>
               <a:rPr lang="en-US" sz="1800" dirty="0">
@@ -7517,7 +7753,7 @@
                 <a:ea typeface="DengXian" panose="02010600030101010101" pitchFamily="2" charset="-122"/>
                 <a:cs typeface="Times New Roman" panose="02020603050405020304" pitchFamily="18" charset="0"/>
               </a:rPr>
-              <a:t> </a:t>
+              <a:t> dan </a:t>
             </a:r>
             <a:r>
               <a:rPr lang="en-US" sz="1800" dirty="0" err="1">
@@ -7526,7 +7762,7 @@
                 <a:ea typeface="DengXian" panose="02010600030101010101" pitchFamily="2" charset="-122"/>
                 <a:cs typeface="Times New Roman" panose="02020603050405020304" pitchFamily="18" charset="0"/>
               </a:rPr>
-              <a:t>bagi</a:t>
+              <a:t>memiliki</a:t>
             </a:r>
             <a:r>
               <a:rPr lang="en-US" sz="1800" dirty="0">
@@ -7535,7 +7771,7 @@
                 <a:ea typeface="DengXian" panose="02010600030101010101" pitchFamily="2" charset="-122"/>
                 <a:cs typeface="Times New Roman" panose="02020603050405020304" pitchFamily="18" charset="0"/>
               </a:rPr>
-              <a:t> user. Tools </a:t>
+              <a:t> </a:t>
             </a:r>
             <a:r>
               <a:rPr lang="en-US" sz="1800" dirty="0" err="1">
@@ -7544,7 +7780,7 @@
                 <a:ea typeface="DengXian" panose="02010600030101010101" pitchFamily="2" charset="-122"/>
                 <a:cs typeface="Times New Roman" panose="02020603050405020304" pitchFamily="18" charset="0"/>
               </a:rPr>
-              <a:t>ini</a:t>
+              <a:t>banyak</a:t>
             </a:r>
             <a:r>
               <a:rPr lang="en-US" sz="1800" dirty="0">
@@ -7553,7 +7789,7 @@
                 <a:ea typeface="DengXian" panose="02010600030101010101" pitchFamily="2" charset="-122"/>
                 <a:cs typeface="Times New Roman" panose="02020603050405020304" pitchFamily="18" charset="0"/>
               </a:rPr>
-              <a:t> juga </a:t>
+              <a:t> </a:t>
             </a:r>
             <a:r>
               <a:rPr lang="en-US" sz="1800" dirty="0" err="1">
@@ -7562,7 +7798,7 @@
                 <a:ea typeface="DengXian" panose="02010600030101010101" pitchFamily="2" charset="-122"/>
                 <a:cs typeface="Times New Roman" panose="02020603050405020304" pitchFamily="18" charset="0"/>
               </a:rPr>
-              <a:t>dapat</a:t>
+              <a:t>jenis</a:t>
             </a:r>
             <a:r>
               <a:rPr lang="en-US" sz="1800" dirty="0">
@@ -7580,7 +7816,7 @@
                 <a:ea typeface="DengXian" panose="02010600030101010101" pitchFamily="2" charset="-122"/>
                 <a:cs typeface="Times New Roman" panose="02020603050405020304" pitchFamily="18" charset="0"/>
               </a:rPr>
-              <a:t>diinstall</a:t>
+              <a:t>uml</a:t>
             </a:r>
             <a:r>
               <a:rPr lang="en-US" sz="1800" dirty="0">
@@ -7589,7 +7825,7 @@
                 <a:ea typeface="DengXian" panose="02010600030101010101" pitchFamily="2" charset="-122"/>
                 <a:cs typeface="Times New Roman" panose="02020603050405020304" pitchFamily="18" charset="0"/>
               </a:rPr>
-              <a:t> di android, </a:t>
+              <a:t> yang </a:t>
             </a:r>
             <a:r>
               <a:rPr lang="en-US" sz="1800" dirty="0" err="1">
@@ -7598,97 +7834,7 @@
                 <a:ea typeface="DengXian" panose="02010600030101010101" pitchFamily="2" charset="-122"/>
                 <a:cs typeface="Times New Roman" panose="02020603050405020304" pitchFamily="18" charset="0"/>
               </a:rPr>
-              <a:t>sehingga</a:t>
-            </a:r>
-            <a:r>
-              <a:rPr lang="en-US" sz="1800" dirty="0">
-                <a:effectLst/>
-                <a:latin typeface="Times New Roman" panose="02020603050405020304" pitchFamily="18" charset="0"/>
-                <a:ea typeface="DengXian" panose="02010600030101010101" pitchFamily="2" charset="-122"/>
-                <a:cs typeface="Times New Roman" panose="02020603050405020304" pitchFamily="18" charset="0"/>
-              </a:rPr>
-              <a:t> </a:t>
-            </a:r>
-            <a:r>
-              <a:rPr lang="en-US" sz="1800" dirty="0" err="1">
-                <a:effectLst/>
-                <a:latin typeface="Times New Roman" panose="02020603050405020304" pitchFamily="18" charset="0"/>
-                <a:ea typeface="DengXian" panose="02010600030101010101" pitchFamily="2" charset="-122"/>
-                <a:cs typeface="Times New Roman" panose="02020603050405020304" pitchFamily="18" charset="0"/>
-              </a:rPr>
-              <a:t>memudahkan</a:t>
-            </a:r>
-            <a:r>
-              <a:rPr lang="en-US" sz="1800" dirty="0">
-                <a:effectLst/>
-                <a:latin typeface="Times New Roman" panose="02020603050405020304" pitchFamily="18" charset="0"/>
-                <a:ea typeface="DengXian" panose="02010600030101010101" pitchFamily="2" charset="-122"/>
-                <a:cs typeface="Times New Roman" panose="02020603050405020304" pitchFamily="18" charset="0"/>
-              </a:rPr>
-              <a:t> </a:t>
-            </a:r>
-            <a:r>
-              <a:rPr lang="en-US" sz="1800" dirty="0" err="1">
-                <a:effectLst/>
-                <a:latin typeface="Times New Roman" panose="02020603050405020304" pitchFamily="18" charset="0"/>
-                <a:ea typeface="DengXian" panose="02010600030101010101" pitchFamily="2" charset="-122"/>
-                <a:cs typeface="Times New Roman" panose="02020603050405020304" pitchFamily="18" charset="0"/>
-              </a:rPr>
-              <a:t>pengguna</a:t>
-            </a:r>
-            <a:r>
-              <a:rPr lang="en-US" sz="1800" dirty="0">
-                <a:effectLst/>
-                <a:latin typeface="Times New Roman" panose="02020603050405020304" pitchFamily="18" charset="0"/>
-                <a:ea typeface="DengXian" panose="02010600030101010101" pitchFamily="2" charset="-122"/>
-                <a:cs typeface="Times New Roman" panose="02020603050405020304" pitchFamily="18" charset="0"/>
-              </a:rPr>
-              <a:t> </a:t>
-            </a:r>
-            <a:r>
-              <a:rPr lang="en-US" sz="1800" dirty="0" err="1">
-                <a:effectLst/>
-                <a:latin typeface="Times New Roman" panose="02020603050405020304" pitchFamily="18" charset="0"/>
-                <a:ea typeface="DengXian" panose="02010600030101010101" pitchFamily="2" charset="-122"/>
-                <a:cs typeface="Times New Roman" panose="02020603050405020304" pitchFamily="18" charset="0"/>
-              </a:rPr>
-              <a:t>dalam</a:t>
-            </a:r>
-            <a:r>
-              <a:rPr lang="en-US" sz="1800" dirty="0">
-                <a:effectLst/>
-                <a:latin typeface="Times New Roman" panose="02020603050405020304" pitchFamily="18" charset="0"/>
-                <a:ea typeface="DengXian" panose="02010600030101010101" pitchFamily="2" charset="-122"/>
-                <a:cs typeface="Times New Roman" panose="02020603050405020304" pitchFamily="18" charset="0"/>
-              </a:rPr>
-              <a:t> </a:t>
-            </a:r>
-            <a:r>
-              <a:rPr lang="en-US" sz="1800" dirty="0" err="1">
-                <a:effectLst/>
-                <a:latin typeface="Times New Roman" panose="02020603050405020304" pitchFamily="18" charset="0"/>
-                <a:ea typeface="DengXian" panose="02010600030101010101" pitchFamily="2" charset="-122"/>
-                <a:cs typeface="Times New Roman" panose="02020603050405020304" pitchFamily="18" charset="0"/>
-              </a:rPr>
-              <a:t>melihat</a:t>
-            </a:r>
-            <a:r>
-              <a:rPr lang="en-US" sz="1800" dirty="0">
-                <a:effectLst/>
-                <a:latin typeface="Times New Roman" panose="02020603050405020304" pitchFamily="18" charset="0"/>
-                <a:ea typeface="DengXian" panose="02010600030101010101" pitchFamily="2" charset="-122"/>
-                <a:cs typeface="Times New Roman" panose="02020603050405020304" pitchFamily="18" charset="0"/>
-              </a:rPr>
-              <a:t> progress dan </a:t>
-            </a:r>
-            <a:r>
-              <a:rPr lang="en-US" sz="1800" dirty="0" err="1">
-                <a:effectLst/>
-                <a:latin typeface="Times New Roman" panose="02020603050405020304" pitchFamily="18" charset="0"/>
-                <a:ea typeface="DengXian" panose="02010600030101010101" pitchFamily="2" charset="-122"/>
-                <a:cs typeface="Times New Roman" panose="02020603050405020304" pitchFamily="18" charset="0"/>
-              </a:rPr>
-              <a:t>mengupdatenya</a:t>
+              <a:t>disediakan</a:t>
             </a:r>
             <a:r>
               <a:rPr lang="en-US" sz="1800" dirty="0">
@@ -7710,24 +7856,26 @@
             <a:pPr marL="0" indent="0">
               <a:buNone/>
             </a:pPr>
-            <a:endParaRPr lang="en-ID" dirty="0"/>
+            <a:endParaRPr lang="id-ID" dirty="0"/>
           </a:p>
         </p:txBody>
       </p:sp>
       <p:pic>
         <p:nvPicPr>
-          <p:cNvPr id="4" name="Picture 3">
-            <a:extLst>
-              <a:ext uri="{FF2B5EF4-FFF2-40B4-BE49-F238E27FC236}">
-                <a16:creationId xmlns:a16="http://schemas.microsoft.com/office/drawing/2014/main" id="{E2A289EB-4469-4327-B32B-22B3CC10107A}"/>
-              </a:ext>
-            </a:extLst>
-          </p:cNvPr>
-          <p:cNvPicPr/>
+          <p:cNvPr id="9" name="Picture 8">
+            <a:extLst>
+              <a:ext uri="{FF2B5EF4-FFF2-40B4-BE49-F238E27FC236}">
+                <a16:creationId xmlns:a16="http://schemas.microsoft.com/office/drawing/2014/main" id="{3B3CB111-0C89-484F-B7A3-EAA78B0A5929}"/>
+              </a:ext>
+            </a:extLst>
+          </p:cNvPr>
+          <p:cNvPicPr>
+            <a:picLocks noChangeAspect="1"/>
+          </p:cNvPicPr>
           <p:nvPr/>
         </p:nvPicPr>
         <p:blipFill>
-          <a:blip r:embed="rId2" cstate="print">
+          <a:blip r:embed="rId2">
             <a:extLst>
               <a:ext uri="{28A0092B-C50C-407E-A947-70E740481C1C}">
                 <a14:useLocalDpi xmlns:a14="http://schemas.microsoft.com/office/drawing/2010/main" val="0"/>
@@ -7740,8 +7888,8 @@
         </p:blipFill>
         <p:spPr>
           <a:xfrm>
-            <a:off x="1494971" y="2091872"/>
-            <a:ext cx="9405257" cy="4401003"/>
+            <a:off x="2265285" y="2228295"/>
+            <a:ext cx="7661429" cy="4309554"/>
           </a:xfrm>
           <a:prstGeom prst="rect">
             <a:avLst/>
@@ -7751,7 +7899,7 @@
     </p:spTree>
     <p:extLst>
       <p:ext uri="{BB962C8B-B14F-4D97-AF65-F5344CB8AC3E}">
-        <p14:creationId xmlns:p14="http://schemas.microsoft.com/office/powerpoint/2010/main" val="1419492776"/>
+        <p14:creationId xmlns:p14="http://schemas.microsoft.com/office/powerpoint/2010/main" val="1778832632"/>
       </p:ext>
     </p:extLst>
   </p:cSld>
@@ -7783,7 +7931,7 @@
           <p:cNvPr id="2" name="Title 1">
             <a:extLst>
               <a:ext uri="{FF2B5EF4-FFF2-40B4-BE49-F238E27FC236}">
-                <a16:creationId xmlns:a16="http://schemas.microsoft.com/office/drawing/2014/main" id="{455292C5-3699-4130-80A6-E328D765CBC4}"/>
+                <a16:creationId xmlns:a16="http://schemas.microsoft.com/office/drawing/2014/main" id="{0E8755E2-1B2C-4A56-AE48-B76DD6D13845}"/>
               </a:ext>
             </a:extLst>
           </p:cNvPr>
@@ -7794,41 +7942,10 @@
             <p:ph type="title"/>
           </p:nvPr>
         </p:nvSpPr>
-        <p:spPr/>
-        <p:txBody>
-          <a:bodyPr>
-            <a:normAutofit/>
-          </a:bodyPr>
-          <a:lstStyle/>
-          <a:p>
-            <a:r>
-              <a:rPr lang="en-US" dirty="0"/>
-              <a:t>Diagram : Draw.io</a:t>
-            </a:r>
-            <a:endParaRPr lang="id-ID" dirty="0"/>
-          </a:p>
-        </p:txBody>
-      </p:sp>
-      <p:sp>
-        <p:nvSpPr>
-          <p:cNvPr id="6" name="Content Placeholder 5">
-            <a:extLst>
-              <a:ext uri="{FF2B5EF4-FFF2-40B4-BE49-F238E27FC236}">
-                <a16:creationId xmlns:a16="http://schemas.microsoft.com/office/drawing/2014/main" id="{DC4E54E9-C4DE-4CD7-99EB-F29C49456BB6}"/>
-              </a:ext>
-            </a:extLst>
-          </p:cNvPr>
-          <p:cNvSpPr>
-            <a:spLocks noGrp="1"/>
-          </p:cNvSpPr>
-          <p:nvPr>
-            <p:ph idx="1"/>
-          </p:nvPr>
-        </p:nvSpPr>
         <p:spPr>
           <a:xfrm>
-            <a:off x="838200" y="1825625"/>
-            <a:ext cx="10515600" cy="402670"/>
+            <a:off x="0" y="0"/>
+            <a:ext cx="10515600" cy="839561"/>
           </a:xfrm>
         </p:spPr>
         <p:txBody>
@@ -7836,224 +7953,19 @@
           <a:lstStyle/>
           <a:p>
             <a:r>
-              <a:rPr lang="en-US" sz="1800" dirty="0" err="1">
-                <a:effectLst/>
-                <a:latin typeface="Times New Roman" panose="02020603050405020304" pitchFamily="18" charset="0"/>
-                <a:ea typeface="DengXian" panose="02010600030101010101" pitchFamily="2" charset="-122"/>
-                <a:cs typeface="Times New Roman" panose="02020603050405020304" pitchFamily="18" charset="0"/>
-              </a:rPr>
-              <a:t>Aplikasi</a:t>
-            </a:r>
-            <a:r>
-              <a:rPr lang="en-US" sz="1800" dirty="0">
-                <a:effectLst/>
-                <a:latin typeface="Times New Roman" panose="02020603050405020304" pitchFamily="18" charset="0"/>
-                <a:ea typeface="DengXian" panose="02010600030101010101" pitchFamily="2" charset="-122"/>
-                <a:cs typeface="Times New Roman" panose="02020603050405020304" pitchFamily="18" charset="0"/>
-              </a:rPr>
-              <a:t> </a:t>
-            </a:r>
-            <a:r>
-              <a:rPr lang="en-US" sz="1800" dirty="0" err="1">
-                <a:effectLst/>
-                <a:latin typeface="Times New Roman" panose="02020603050405020304" pitchFamily="18" charset="0"/>
-                <a:ea typeface="DengXian" panose="02010600030101010101" pitchFamily="2" charset="-122"/>
-                <a:cs typeface="Times New Roman" panose="02020603050405020304" pitchFamily="18" charset="0"/>
-              </a:rPr>
-              <a:t>ini</a:t>
-            </a:r>
-            <a:r>
-              <a:rPr lang="en-US" sz="1800" dirty="0">
-                <a:effectLst/>
-                <a:latin typeface="Times New Roman" panose="02020603050405020304" pitchFamily="18" charset="0"/>
-                <a:ea typeface="DengXian" panose="02010600030101010101" pitchFamily="2" charset="-122"/>
-                <a:cs typeface="Times New Roman" panose="02020603050405020304" pitchFamily="18" charset="0"/>
-              </a:rPr>
-              <a:t> </a:t>
-            </a:r>
-            <a:r>
-              <a:rPr lang="en-US" sz="1800" dirty="0" err="1">
-                <a:effectLst/>
-                <a:latin typeface="Times New Roman" panose="02020603050405020304" pitchFamily="18" charset="0"/>
-                <a:ea typeface="DengXian" panose="02010600030101010101" pitchFamily="2" charset="-122"/>
-                <a:cs typeface="Times New Roman" panose="02020603050405020304" pitchFamily="18" charset="0"/>
-              </a:rPr>
-              <a:t>dipilih</a:t>
-            </a:r>
-            <a:r>
-              <a:rPr lang="en-US" sz="1800" dirty="0">
-                <a:effectLst/>
-                <a:latin typeface="Times New Roman" panose="02020603050405020304" pitchFamily="18" charset="0"/>
-                <a:ea typeface="DengXian" panose="02010600030101010101" pitchFamily="2" charset="-122"/>
-                <a:cs typeface="Times New Roman" panose="02020603050405020304" pitchFamily="18" charset="0"/>
-              </a:rPr>
-              <a:t> </a:t>
-            </a:r>
-            <a:r>
-              <a:rPr lang="en-US" sz="1800" dirty="0" err="1">
-                <a:effectLst/>
-                <a:latin typeface="Times New Roman" panose="02020603050405020304" pitchFamily="18" charset="0"/>
-                <a:ea typeface="DengXian" panose="02010600030101010101" pitchFamily="2" charset="-122"/>
-                <a:cs typeface="Times New Roman" panose="02020603050405020304" pitchFamily="18" charset="0"/>
-              </a:rPr>
-              <a:t>karena</a:t>
-            </a:r>
-            <a:r>
-              <a:rPr lang="en-US" sz="1800" dirty="0">
-                <a:effectLst/>
-                <a:latin typeface="Times New Roman" panose="02020603050405020304" pitchFamily="18" charset="0"/>
-                <a:ea typeface="DengXian" panose="02010600030101010101" pitchFamily="2" charset="-122"/>
-                <a:cs typeface="Times New Roman" panose="02020603050405020304" pitchFamily="18" charset="0"/>
-              </a:rPr>
-              <a:t> </a:t>
-            </a:r>
-            <a:r>
-              <a:rPr lang="en-US" sz="1800" dirty="0" err="1">
-                <a:effectLst/>
-                <a:latin typeface="Times New Roman" panose="02020603050405020304" pitchFamily="18" charset="0"/>
-                <a:ea typeface="DengXian" panose="02010600030101010101" pitchFamily="2" charset="-122"/>
-                <a:cs typeface="Times New Roman" panose="02020603050405020304" pitchFamily="18" charset="0"/>
-              </a:rPr>
-              <a:t>mudah</a:t>
-            </a:r>
-            <a:r>
-              <a:rPr lang="en-US" sz="1800" dirty="0">
-                <a:effectLst/>
-                <a:latin typeface="Times New Roman" panose="02020603050405020304" pitchFamily="18" charset="0"/>
-                <a:ea typeface="DengXian" panose="02010600030101010101" pitchFamily="2" charset="-122"/>
-                <a:cs typeface="Times New Roman" panose="02020603050405020304" pitchFamily="18" charset="0"/>
-              </a:rPr>
-              <a:t> </a:t>
-            </a:r>
-            <a:r>
-              <a:rPr lang="en-US" sz="1800" dirty="0" err="1">
-                <a:effectLst/>
-                <a:latin typeface="Times New Roman" panose="02020603050405020304" pitchFamily="18" charset="0"/>
-                <a:ea typeface="DengXian" panose="02010600030101010101" pitchFamily="2" charset="-122"/>
-                <a:cs typeface="Times New Roman" panose="02020603050405020304" pitchFamily="18" charset="0"/>
-              </a:rPr>
-              <a:t>diakses</a:t>
-            </a:r>
-            <a:r>
-              <a:rPr lang="en-US" sz="1800" dirty="0">
-                <a:effectLst/>
-                <a:latin typeface="Times New Roman" panose="02020603050405020304" pitchFamily="18" charset="0"/>
-                <a:ea typeface="DengXian" panose="02010600030101010101" pitchFamily="2" charset="-122"/>
-                <a:cs typeface="Times New Roman" panose="02020603050405020304" pitchFamily="18" charset="0"/>
-              </a:rPr>
-              <a:t> dan </a:t>
-            </a:r>
-            <a:r>
-              <a:rPr lang="en-US" sz="1800" dirty="0" err="1">
-                <a:effectLst/>
-                <a:latin typeface="Times New Roman" panose="02020603050405020304" pitchFamily="18" charset="0"/>
-                <a:ea typeface="DengXian" panose="02010600030101010101" pitchFamily="2" charset="-122"/>
-                <a:cs typeface="Times New Roman" panose="02020603050405020304" pitchFamily="18" charset="0"/>
-              </a:rPr>
-              <a:t>memiliki</a:t>
-            </a:r>
-            <a:r>
-              <a:rPr lang="en-US" sz="1800" dirty="0">
-                <a:effectLst/>
-                <a:latin typeface="Times New Roman" panose="02020603050405020304" pitchFamily="18" charset="0"/>
-                <a:ea typeface="DengXian" panose="02010600030101010101" pitchFamily="2" charset="-122"/>
-                <a:cs typeface="Times New Roman" panose="02020603050405020304" pitchFamily="18" charset="0"/>
-              </a:rPr>
-              <a:t> </a:t>
-            </a:r>
-            <a:r>
-              <a:rPr lang="en-US" sz="1800" dirty="0" err="1">
-                <a:effectLst/>
-                <a:latin typeface="Times New Roman" panose="02020603050405020304" pitchFamily="18" charset="0"/>
-                <a:ea typeface="DengXian" panose="02010600030101010101" pitchFamily="2" charset="-122"/>
-                <a:cs typeface="Times New Roman" panose="02020603050405020304" pitchFamily="18" charset="0"/>
-              </a:rPr>
-              <a:t>banyak</a:t>
-            </a:r>
-            <a:r>
-              <a:rPr lang="en-US" sz="1800" dirty="0">
-                <a:effectLst/>
-                <a:latin typeface="Times New Roman" panose="02020603050405020304" pitchFamily="18" charset="0"/>
-                <a:ea typeface="DengXian" panose="02010600030101010101" pitchFamily="2" charset="-122"/>
-                <a:cs typeface="Times New Roman" panose="02020603050405020304" pitchFamily="18" charset="0"/>
-              </a:rPr>
-              <a:t> </a:t>
-            </a:r>
-            <a:r>
-              <a:rPr lang="en-US" sz="1800" dirty="0" err="1">
-                <a:effectLst/>
-                <a:latin typeface="Times New Roman" panose="02020603050405020304" pitchFamily="18" charset="0"/>
-                <a:ea typeface="DengXian" panose="02010600030101010101" pitchFamily="2" charset="-122"/>
-                <a:cs typeface="Times New Roman" panose="02020603050405020304" pitchFamily="18" charset="0"/>
-              </a:rPr>
-              <a:t>jenis</a:t>
-            </a:r>
-            <a:r>
-              <a:rPr lang="en-US" sz="1800" dirty="0">
-                <a:effectLst/>
-                <a:latin typeface="Times New Roman" panose="02020603050405020304" pitchFamily="18" charset="0"/>
-                <a:ea typeface="DengXian" panose="02010600030101010101" pitchFamily="2" charset="-122"/>
-                <a:cs typeface="Times New Roman" panose="02020603050405020304" pitchFamily="18" charset="0"/>
-              </a:rPr>
-              <a:t> </a:t>
-            </a:r>
-            <a:r>
-              <a:rPr lang="en-US" sz="1800" dirty="0" err="1">
-                <a:effectLst/>
-                <a:latin typeface="Times New Roman" panose="02020603050405020304" pitchFamily="18" charset="0"/>
-                <a:ea typeface="DengXian" panose="02010600030101010101" pitchFamily="2" charset="-122"/>
-                <a:cs typeface="Times New Roman" panose="02020603050405020304" pitchFamily="18" charset="0"/>
-              </a:rPr>
-              <a:t>uml</a:t>
-            </a:r>
-            <a:r>
-              <a:rPr lang="en-US" sz="1800" dirty="0">
-                <a:effectLst/>
-                <a:latin typeface="Times New Roman" panose="02020603050405020304" pitchFamily="18" charset="0"/>
-                <a:ea typeface="DengXian" panose="02010600030101010101" pitchFamily="2" charset="-122"/>
-                <a:cs typeface="Times New Roman" panose="02020603050405020304" pitchFamily="18" charset="0"/>
-              </a:rPr>
-              <a:t> yang </a:t>
-            </a:r>
-            <a:r>
-              <a:rPr lang="en-US" sz="1800" dirty="0" err="1">
-                <a:effectLst/>
-                <a:latin typeface="Times New Roman" panose="02020603050405020304" pitchFamily="18" charset="0"/>
-                <a:ea typeface="DengXian" panose="02010600030101010101" pitchFamily="2" charset="-122"/>
-                <a:cs typeface="Times New Roman" panose="02020603050405020304" pitchFamily="18" charset="0"/>
-              </a:rPr>
-              <a:t>disediakan</a:t>
-            </a:r>
-            <a:r>
-              <a:rPr lang="en-US" sz="1800" dirty="0">
-                <a:effectLst/>
-                <a:latin typeface="Times New Roman" panose="02020603050405020304" pitchFamily="18" charset="0"/>
-                <a:ea typeface="DengXian" panose="02010600030101010101" pitchFamily="2" charset="-122"/>
-                <a:cs typeface="Times New Roman" panose="02020603050405020304" pitchFamily="18" charset="0"/>
-              </a:rPr>
-              <a:t>.</a:t>
-            </a:r>
-            <a:endParaRPr lang="id-ID" sz="1800" dirty="0">
-              <a:effectLst/>
-              <a:latin typeface="Times New Roman" panose="02020603050405020304" pitchFamily="18" charset="0"/>
-              <a:ea typeface="DengXian" panose="02010600030101010101" pitchFamily="2" charset="-122"/>
-              <a:cs typeface="Times New Roman" panose="02020603050405020304" pitchFamily="18" charset="0"/>
-            </a:endParaRPr>
-          </a:p>
-          <a:p>
-            <a:pPr marL="0" indent="0">
-              <a:buNone/>
-            </a:pPr>
-            <a:endParaRPr lang="id-ID" dirty="0"/>
+              <a:rPr lang="id-ID" dirty="0"/>
+              <a:t>Wireframe Admin</a:t>
+            </a:r>
+            <a:endParaRPr lang="en-ID" dirty="0"/>
           </a:p>
         </p:txBody>
       </p:sp>
       <p:pic>
         <p:nvPicPr>
-          <p:cNvPr id="9" name="Picture 8">
-            <a:extLst>
-              <a:ext uri="{FF2B5EF4-FFF2-40B4-BE49-F238E27FC236}">
-                <a16:creationId xmlns:a16="http://schemas.microsoft.com/office/drawing/2014/main" id="{3B3CB111-0C89-484F-B7A3-EAA78B0A5929}"/>
+          <p:cNvPr id="4" name="Picture 3">
+            <a:extLst>
+              <a:ext uri="{FF2B5EF4-FFF2-40B4-BE49-F238E27FC236}">
+                <a16:creationId xmlns:a16="http://schemas.microsoft.com/office/drawing/2014/main" id="{109BDD53-8C62-4367-B686-629CF127F7A0}"/>
               </a:ext>
             </a:extLst>
           </p:cNvPr>
@@ -8076,8 +7988,8 @@
         </p:blipFill>
         <p:spPr>
           <a:xfrm>
-            <a:off x="2265285" y="2228295"/>
-            <a:ext cx="7661429" cy="4309554"/>
+            <a:off x="0" y="839561"/>
+            <a:ext cx="12192000" cy="5943463"/>
           </a:xfrm>
           <a:prstGeom prst="rect">
             <a:avLst/>
@@ -8087,7 +7999,7 @@
     </p:spTree>
     <p:extLst>
       <p:ext uri="{BB962C8B-B14F-4D97-AF65-F5344CB8AC3E}">
-        <p14:creationId xmlns:p14="http://schemas.microsoft.com/office/powerpoint/2010/main" val="1778832632"/>
+        <p14:creationId xmlns:p14="http://schemas.microsoft.com/office/powerpoint/2010/main" val="1017706826"/>
       </p:ext>
     </p:extLst>
   </p:cSld>
@@ -8119,7 +8031,7 @@
           <p:cNvPr id="2" name="Title 1">
             <a:extLst>
               <a:ext uri="{FF2B5EF4-FFF2-40B4-BE49-F238E27FC236}">
-                <a16:creationId xmlns:a16="http://schemas.microsoft.com/office/drawing/2014/main" id="{0E8755E2-1B2C-4A56-AE48-B76DD6D13845}"/>
+                <a16:creationId xmlns:a16="http://schemas.microsoft.com/office/drawing/2014/main" id="{2224CC44-A963-4A1E-A1C7-3ABB1A8E1F77}"/>
               </a:ext>
             </a:extLst>
           </p:cNvPr>
@@ -8133,7 +8045,7 @@
         <p:spPr>
           <a:xfrm>
             <a:off x="0" y="0"/>
-            <a:ext cx="10515600" cy="839561"/>
+            <a:ext cx="10515600" cy="909493"/>
           </a:xfrm>
         </p:spPr>
         <p:txBody>
@@ -8142,7 +8054,7 @@
           <a:p>
             <a:r>
               <a:rPr lang="id-ID" dirty="0"/>
-              <a:t>Wireframe Admin</a:t>
+              <a:t>Wireframe Client</a:t>
             </a:r>
             <a:endParaRPr lang="en-ID" dirty="0"/>
           </a:p>
@@ -8150,10 +8062,10 @@
       </p:sp>
       <p:pic>
         <p:nvPicPr>
-          <p:cNvPr id="4" name="Picture 3">
-            <a:extLst>
-              <a:ext uri="{FF2B5EF4-FFF2-40B4-BE49-F238E27FC236}">
-                <a16:creationId xmlns:a16="http://schemas.microsoft.com/office/drawing/2014/main" id="{109BDD53-8C62-4367-B686-629CF127F7A0}"/>
+          <p:cNvPr id="5" name="Picture 4">
+            <a:extLst>
+              <a:ext uri="{FF2B5EF4-FFF2-40B4-BE49-F238E27FC236}">
+                <a16:creationId xmlns:a16="http://schemas.microsoft.com/office/drawing/2014/main" id="{5019BAA8-A96A-4ACD-B560-7494801BEFCA}"/>
               </a:ext>
             </a:extLst>
           </p:cNvPr>
@@ -8176,8 +8088,8 @@
         </p:blipFill>
         <p:spPr>
           <a:xfrm>
-            <a:off x="0" y="839561"/>
-            <a:ext cx="12192000" cy="5943463"/>
+            <a:off x="0" y="909493"/>
+            <a:ext cx="12191999" cy="5948507"/>
           </a:xfrm>
           <a:prstGeom prst="rect">
             <a:avLst/>
@@ -8187,7 +8099,7 @@
     </p:spTree>
     <p:extLst>
       <p:ext uri="{BB962C8B-B14F-4D97-AF65-F5344CB8AC3E}">
-        <p14:creationId xmlns:p14="http://schemas.microsoft.com/office/powerpoint/2010/main" val="1017706826"/>
+        <p14:creationId xmlns:p14="http://schemas.microsoft.com/office/powerpoint/2010/main" val="2838398589"/>
       </p:ext>
     </p:extLst>
   </p:cSld>

--- a/Aplikasi Catalog Board Game.pptx
+++ b/Aplikasi Catalog Board Game.pptx
@@ -7,16 +7,17 @@
   <p:sldIdLst>
     <p:sldId id="256" r:id="rId2"/>
     <p:sldId id="257" r:id="rId3"/>
-    <p:sldId id="258" r:id="rId4"/>
-    <p:sldId id="259" r:id="rId5"/>
-    <p:sldId id="260" r:id="rId6"/>
-    <p:sldId id="261" r:id="rId7"/>
-    <p:sldId id="266" r:id="rId8"/>
-    <p:sldId id="262" r:id="rId9"/>
-    <p:sldId id="268" r:id="rId10"/>
-    <p:sldId id="264" r:id="rId11"/>
-    <p:sldId id="265" r:id="rId12"/>
-    <p:sldId id="263" r:id="rId13"/>
+    <p:sldId id="269" r:id="rId4"/>
+    <p:sldId id="258" r:id="rId5"/>
+    <p:sldId id="259" r:id="rId6"/>
+    <p:sldId id="260" r:id="rId7"/>
+    <p:sldId id="261" r:id="rId8"/>
+    <p:sldId id="266" r:id="rId9"/>
+    <p:sldId id="262" r:id="rId10"/>
+    <p:sldId id="268" r:id="rId11"/>
+    <p:sldId id="264" r:id="rId12"/>
+    <p:sldId id="265" r:id="rId13"/>
+    <p:sldId id="263" r:id="rId14"/>
   </p:sldIdLst>
   <p:sldSz cx="12192000" cy="6858000"/>
   <p:notesSz cx="6858000" cy="9144000"/>
@@ -122,6 +123,7 @@
           <p14:sldIdLst>
             <p14:sldId id="256"/>
             <p14:sldId id="257"/>
+            <p14:sldId id="269"/>
             <p14:sldId id="258"/>
             <p14:sldId id="259"/>
             <p14:sldId id="260"/>
@@ -148,7 +150,7 @@
   <pc:docChgLst>
     <pc:chgData name="alful falakh" userId="48e217df925ce595" providerId="LiveId" clId="{9AD53882-7CF3-4857-ADDC-F1BAE670FA97}"/>
     <pc:docChg chg="undo custSel addSld delSld modSld sldOrd addSection delSection modSection">
-      <pc:chgData name="alful falakh" userId="48e217df925ce595" providerId="LiveId" clId="{9AD53882-7CF3-4857-ADDC-F1BAE670FA97}" dt="2021-04-21T12:38:18.518" v="360" actId="2696"/>
+      <pc:chgData name="alful falakh" userId="48e217df925ce595" providerId="LiveId" clId="{9AD53882-7CF3-4857-ADDC-F1BAE670FA97}" dt="2021-04-21T12:43:25.704" v="370" actId="1076"/>
       <pc:docMkLst>
         <pc:docMk/>
       </pc:docMkLst>
@@ -569,6 +571,37 @@
           </ac:picMkLst>
         </pc:picChg>
       </pc:sldChg>
+      <pc:sldChg chg="addSp delSp modSp new mod">
+        <pc:chgData name="alful falakh" userId="48e217df925ce595" providerId="LiveId" clId="{9AD53882-7CF3-4857-ADDC-F1BAE670FA97}" dt="2021-04-21T12:43:25.704" v="370" actId="1076"/>
+        <pc:sldMkLst>
+          <pc:docMk/>
+          <pc:sldMk cId="2053741834" sldId="269"/>
+        </pc:sldMkLst>
+        <pc:spChg chg="mod">
+          <ac:chgData name="alful falakh" userId="48e217df925ce595" providerId="LiveId" clId="{9AD53882-7CF3-4857-ADDC-F1BAE670FA97}" dt="2021-04-21T12:42:56.860" v="365" actId="20577"/>
+          <ac:spMkLst>
+            <pc:docMk/>
+            <pc:sldMk cId="2053741834" sldId="269"/>
+            <ac:spMk id="2" creationId="{CCC57881-7A77-4FC5-9E87-10C8A30331A6}"/>
+          </ac:spMkLst>
+        </pc:spChg>
+        <pc:spChg chg="del">
+          <ac:chgData name="alful falakh" userId="48e217df925ce595" providerId="LiveId" clId="{9AD53882-7CF3-4857-ADDC-F1BAE670FA97}" dt="2021-04-21T12:43:10.305" v="366" actId="931"/>
+          <ac:spMkLst>
+            <pc:docMk/>
+            <pc:sldMk cId="2053741834" sldId="269"/>
+            <ac:spMk id="3" creationId="{D570F26C-38F7-4C52-9900-0256CFDF4AA1}"/>
+          </ac:spMkLst>
+        </pc:spChg>
+        <pc:picChg chg="add mod">
+          <ac:chgData name="alful falakh" userId="48e217df925ce595" providerId="LiveId" clId="{9AD53882-7CF3-4857-ADDC-F1BAE670FA97}" dt="2021-04-21T12:43:25.704" v="370" actId="1076"/>
+          <ac:picMkLst>
+            <pc:docMk/>
+            <pc:sldMk cId="2053741834" sldId="269"/>
+            <ac:picMk id="5" creationId="{549E2F7B-976E-4388-840F-7F567CC3CFF0}"/>
+          </ac:picMkLst>
+        </pc:picChg>
+      </pc:sldChg>
     </pc:docChg>
   </pc:docChgLst>
 </pc:chgInfo>
@@ -4056,7 +4089,7 @@
           <p:cNvPr id="2" name="Title 1">
             <a:extLst>
               <a:ext uri="{FF2B5EF4-FFF2-40B4-BE49-F238E27FC236}">
-                <a16:creationId xmlns:a16="http://schemas.microsoft.com/office/drawing/2014/main" id="{43AF29C9-6D38-4335-B613-361E3C1E8854}"/>
+                <a16:creationId xmlns:a16="http://schemas.microsoft.com/office/drawing/2014/main" id="{2224CC44-A963-4A1E-A1C7-3ABB1A8E1F77}"/>
               </a:ext>
             </a:extLst>
           </p:cNvPr>
@@ -4067,34 +4100,37 @@
             <p:ph type="title"/>
           </p:nvPr>
         </p:nvSpPr>
-        <p:spPr/>
+        <p:spPr>
+          <a:xfrm>
+            <a:off x="0" y="0"/>
+            <a:ext cx="10515600" cy="909493"/>
+          </a:xfrm>
+        </p:spPr>
         <p:txBody>
           <a:bodyPr/>
           <a:lstStyle/>
           <a:p>
             <a:r>
-              <a:rPr lang="en-US" dirty="0"/>
-              <a:t>Mockup</a:t>
-            </a:r>
-            <a:endParaRPr lang="id-ID" dirty="0"/>
+              <a:rPr lang="id-ID" dirty="0"/>
+              <a:t>Wireframe Client</a:t>
+            </a:r>
+            <a:endParaRPr lang="en-ID" dirty="0"/>
           </a:p>
         </p:txBody>
       </p:sp>
       <p:pic>
         <p:nvPicPr>
-          <p:cNvPr id="23" name="Content Placeholder 22">
-            <a:extLst>
-              <a:ext uri="{FF2B5EF4-FFF2-40B4-BE49-F238E27FC236}">
-                <a16:creationId xmlns:a16="http://schemas.microsoft.com/office/drawing/2014/main" id="{82980EE3-FB68-4590-826E-91518A197E28}"/>
+          <p:cNvPr id="5" name="Picture 4">
+            <a:extLst>
+              <a:ext uri="{FF2B5EF4-FFF2-40B4-BE49-F238E27FC236}">
+                <a16:creationId xmlns:a16="http://schemas.microsoft.com/office/drawing/2014/main" id="{5019BAA8-A96A-4ACD-B560-7494801BEFCA}"/>
               </a:ext>
             </a:extLst>
           </p:cNvPr>
           <p:cNvPicPr>
-            <a:picLocks noGrp="1" noChangeAspect="1"/>
+            <a:picLocks noChangeAspect="1"/>
           </p:cNvPicPr>
-          <p:nvPr>
-            <p:ph idx="1"/>
-          </p:nvPr>
+          <p:nvPr/>
         </p:nvPicPr>
         <p:blipFill>
           <a:blip r:embed="rId2">
@@ -4110,149 +4146,8 @@
         </p:blipFill>
         <p:spPr>
           <a:xfrm>
-            <a:off x="838200" y="1690688"/>
-            <a:ext cx="2009546" cy="4351338"/>
-          </a:xfrm>
-        </p:spPr>
-      </p:pic>
-      <p:pic>
-        <p:nvPicPr>
-          <p:cNvPr id="31" name="Picture 30">
-            <a:extLst>
-              <a:ext uri="{FF2B5EF4-FFF2-40B4-BE49-F238E27FC236}">
-                <a16:creationId xmlns:a16="http://schemas.microsoft.com/office/drawing/2014/main" id="{F1054855-360A-4054-AAE7-69419DC779D4}"/>
-              </a:ext>
-            </a:extLst>
-          </p:cNvPr>
-          <p:cNvPicPr>
-            <a:picLocks noChangeAspect="1"/>
-          </p:cNvPicPr>
-          <p:nvPr/>
-        </p:nvPicPr>
-        <p:blipFill>
-          <a:blip r:embed="rId3">
-            <a:extLst>
-              <a:ext uri="{28A0092B-C50C-407E-A947-70E740481C1C}">
-                <a14:useLocalDpi xmlns:a14="http://schemas.microsoft.com/office/drawing/2010/main" val="0"/>
-              </a:ext>
-            </a:extLst>
-          </a:blip>
-          <a:stretch>
-            <a:fillRect/>
-          </a:stretch>
-        </p:blipFill>
-        <p:spPr>
-          <a:xfrm>
-            <a:off x="2914429" y="1690688"/>
-            <a:ext cx="2009546" cy="4351338"/>
-          </a:xfrm>
-          <a:prstGeom prst="rect">
-            <a:avLst/>
-          </a:prstGeom>
-        </p:spPr>
-      </p:pic>
-      <p:pic>
-        <p:nvPicPr>
-          <p:cNvPr id="35" name="Picture 34">
-            <a:extLst>
-              <a:ext uri="{FF2B5EF4-FFF2-40B4-BE49-F238E27FC236}">
-                <a16:creationId xmlns:a16="http://schemas.microsoft.com/office/drawing/2014/main" id="{49B0AF85-5DE0-4432-8BA0-1E23129088D6}"/>
-              </a:ext>
-            </a:extLst>
-          </p:cNvPr>
-          <p:cNvPicPr>
-            <a:picLocks noChangeAspect="1"/>
-          </p:cNvPicPr>
-          <p:nvPr/>
-        </p:nvPicPr>
-        <p:blipFill>
-          <a:blip r:embed="rId4">
-            <a:extLst>
-              <a:ext uri="{28A0092B-C50C-407E-A947-70E740481C1C}">
-                <a14:useLocalDpi xmlns:a14="http://schemas.microsoft.com/office/drawing/2010/main" val="0"/>
-              </a:ext>
-            </a:extLst>
-          </a:blip>
-          <a:stretch>
-            <a:fillRect/>
-          </a:stretch>
-        </p:blipFill>
-        <p:spPr>
-          <a:xfrm>
-            <a:off x="4990658" y="1690688"/>
-            <a:ext cx="2009547" cy="4351338"/>
-          </a:xfrm>
-          <a:prstGeom prst="rect">
-            <a:avLst/>
-          </a:prstGeom>
-        </p:spPr>
-      </p:pic>
-      <p:pic>
-        <p:nvPicPr>
-          <p:cNvPr id="37" name="Picture 36">
-            <a:extLst>
-              <a:ext uri="{FF2B5EF4-FFF2-40B4-BE49-F238E27FC236}">
-                <a16:creationId xmlns:a16="http://schemas.microsoft.com/office/drawing/2014/main" id="{D9B7DC25-F3CF-4B9D-8E31-485320119F08}"/>
-              </a:ext>
-            </a:extLst>
-          </p:cNvPr>
-          <p:cNvPicPr>
-            <a:picLocks noChangeAspect="1"/>
-          </p:cNvPicPr>
-          <p:nvPr/>
-        </p:nvPicPr>
-        <p:blipFill>
-          <a:blip r:embed="rId5">
-            <a:extLst>
-              <a:ext uri="{28A0092B-C50C-407E-A947-70E740481C1C}">
-                <a14:useLocalDpi xmlns:a14="http://schemas.microsoft.com/office/drawing/2010/main" val="0"/>
-              </a:ext>
-            </a:extLst>
-          </a:blip>
-          <a:stretch>
-            <a:fillRect/>
-          </a:stretch>
-        </p:blipFill>
-        <p:spPr>
-          <a:xfrm>
-            <a:off x="7140200" y="1690688"/>
-            <a:ext cx="2009546" cy="4351338"/>
-          </a:xfrm>
-          <a:prstGeom prst="rect">
-            <a:avLst/>
-          </a:prstGeom>
-        </p:spPr>
-      </p:pic>
-      <p:pic>
-        <p:nvPicPr>
-          <p:cNvPr id="39" name="Picture 38">
-            <a:extLst>
-              <a:ext uri="{FF2B5EF4-FFF2-40B4-BE49-F238E27FC236}">
-                <a16:creationId xmlns:a16="http://schemas.microsoft.com/office/drawing/2014/main" id="{AE45290E-D5B1-4EC8-B131-4590BA5C7B56}"/>
-              </a:ext>
-            </a:extLst>
-          </p:cNvPr>
-          <p:cNvPicPr>
-            <a:picLocks noChangeAspect="1"/>
-          </p:cNvPicPr>
-          <p:nvPr/>
-        </p:nvPicPr>
-        <p:blipFill>
-          <a:blip r:embed="rId6">
-            <a:extLst>
-              <a:ext uri="{28A0092B-C50C-407E-A947-70E740481C1C}">
-                <a14:useLocalDpi xmlns:a14="http://schemas.microsoft.com/office/drawing/2010/main" val="0"/>
-              </a:ext>
-            </a:extLst>
-          </a:blip>
-          <a:stretch>
-            <a:fillRect/>
-          </a:stretch>
-        </p:blipFill>
-        <p:spPr>
-          <a:xfrm>
-            <a:off x="9277571" y="1690688"/>
-            <a:ext cx="2009547" cy="4351338"/>
+            <a:off x="0" y="909493"/>
+            <a:ext cx="12191999" cy="5948507"/>
           </a:xfrm>
           <a:prstGeom prst="rect">
             <a:avLst/>
@@ -4262,7 +4157,7 @@
     </p:spTree>
     <p:extLst>
       <p:ext uri="{BB962C8B-B14F-4D97-AF65-F5344CB8AC3E}">
-        <p14:creationId xmlns:p14="http://schemas.microsoft.com/office/powerpoint/2010/main" val="3609264760"/>
+        <p14:creationId xmlns:p14="http://schemas.microsoft.com/office/powerpoint/2010/main" val="2838398589"/>
       </p:ext>
     </p:extLst>
   </p:cSld>
@@ -4294,6 +4189,244 @@
           <p:cNvPr id="2" name="Title 1">
             <a:extLst>
               <a:ext uri="{FF2B5EF4-FFF2-40B4-BE49-F238E27FC236}">
+                <a16:creationId xmlns:a16="http://schemas.microsoft.com/office/drawing/2014/main" id="{43AF29C9-6D38-4335-B613-361E3C1E8854}"/>
+              </a:ext>
+            </a:extLst>
+          </p:cNvPr>
+          <p:cNvSpPr>
+            <a:spLocks noGrp="1"/>
+          </p:cNvSpPr>
+          <p:nvPr>
+            <p:ph type="title"/>
+          </p:nvPr>
+        </p:nvSpPr>
+        <p:spPr/>
+        <p:txBody>
+          <a:bodyPr/>
+          <a:lstStyle/>
+          <a:p>
+            <a:r>
+              <a:rPr lang="en-US" dirty="0"/>
+              <a:t>Mockup</a:t>
+            </a:r>
+            <a:endParaRPr lang="id-ID" dirty="0"/>
+          </a:p>
+        </p:txBody>
+      </p:sp>
+      <p:pic>
+        <p:nvPicPr>
+          <p:cNvPr id="23" name="Content Placeholder 22">
+            <a:extLst>
+              <a:ext uri="{FF2B5EF4-FFF2-40B4-BE49-F238E27FC236}">
+                <a16:creationId xmlns:a16="http://schemas.microsoft.com/office/drawing/2014/main" id="{82980EE3-FB68-4590-826E-91518A197E28}"/>
+              </a:ext>
+            </a:extLst>
+          </p:cNvPr>
+          <p:cNvPicPr>
+            <a:picLocks noGrp="1" noChangeAspect="1"/>
+          </p:cNvPicPr>
+          <p:nvPr>
+            <p:ph idx="1"/>
+          </p:nvPr>
+        </p:nvPicPr>
+        <p:blipFill>
+          <a:blip r:embed="rId2">
+            <a:extLst>
+              <a:ext uri="{28A0092B-C50C-407E-A947-70E740481C1C}">
+                <a14:useLocalDpi xmlns:a14="http://schemas.microsoft.com/office/drawing/2010/main" val="0"/>
+              </a:ext>
+            </a:extLst>
+          </a:blip>
+          <a:stretch>
+            <a:fillRect/>
+          </a:stretch>
+        </p:blipFill>
+        <p:spPr>
+          <a:xfrm>
+            <a:off x="838200" y="1690688"/>
+            <a:ext cx="2009546" cy="4351338"/>
+          </a:xfrm>
+        </p:spPr>
+      </p:pic>
+      <p:pic>
+        <p:nvPicPr>
+          <p:cNvPr id="31" name="Picture 30">
+            <a:extLst>
+              <a:ext uri="{FF2B5EF4-FFF2-40B4-BE49-F238E27FC236}">
+                <a16:creationId xmlns:a16="http://schemas.microsoft.com/office/drawing/2014/main" id="{F1054855-360A-4054-AAE7-69419DC779D4}"/>
+              </a:ext>
+            </a:extLst>
+          </p:cNvPr>
+          <p:cNvPicPr>
+            <a:picLocks noChangeAspect="1"/>
+          </p:cNvPicPr>
+          <p:nvPr/>
+        </p:nvPicPr>
+        <p:blipFill>
+          <a:blip r:embed="rId3">
+            <a:extLst>
+              <a:ext uri="{28A0092B-C50C-407E-A947-70E740481C1C}">
+                <a14:useLocalDpi xmlns:a14="http://schemas.microsoft.com/office/drawing/2010/main" val="0"/>
+              </a:ext>
+            </a:extLst>
+          </a:blip>
+          <a:stretch>
+            <a:fillRect/>
+          </a:stretch>
+        </p:blipFill>
+        <p:spPr>
+          <a:xfrm>
+            <a:off x="2914429" y="1690688"/>
+            <a:ext cx="2009546" cy="4351338"/>
+          </a:xfrm>
+          <a:prstGeom prst="rect">
+            <a:avLst/>
+          </a:prstGeom>
+        </p:spPr>
+      </p:pic>
+      <p:pic>
+        <p:nvPicPr>
+          <p:cNvPr id="35" name="Picture 34">
+            <a:extLst>
+              <a:ext uri="{FF2B5EF4-FFF2-40B4-BE49-F238E27FC236}">
+                <a16:creationId xmlns:a16="http://schemas.microsoft.com/office/drawing/2014/main" id="{49B0AF85-5DE0-4432-8BA0-1E23129088D6}"/>
+              </a:ext>
+            </a:extLst>
+          </p:cNvPr>
+          <p:cNvPicPr>
+            <a:picLocks noChangeAspect="1"/>
+          </p:cNvPicPr>
+          <p:nvPr/>
+        </p:nvPicPr>
+        <p:blipFill>
+          <a:blip r:embed="rId4">
+            <a:extLst>
+              <a:ext uri="{28A0092B-C50C-407E-A947-70E740481C1C}">
+                <a14:useLocalDpi xmlns:a14="http://schemas.microsoft.com/office/drawing/2010/main" val="0"/>
+              </a:ext>
+            </a:extLst>
+          </a:blip>
+          <a:stretch>
+            <a:fillRect/>
+          </a:stretch>
+        </p:blipFill>
+        <p:spPr>
+          <a:xfrm>
+            <a:off x="4990658" y="1690688"/>
+            <a:ext cx="2009547" cy="4351338"/>
+          </a:xfrm>
+          <a:prstGeom prst="rect">
+            <a:avLst/>
+          </a:prstGeom>
+        </p:spPr>
+      </p:pic>
+      <p:pic>
+        <p:nvPicPr>
+          <p:cNvPr id="37" name="Picture 36">
+            <a:extLst>
+              <a:ext uri="{FF2B5EF4-FFF2-40B4-BE49-F238E27FC236}">
+                <a16:creationId xmlns:a16="http://schemas.microsoft.com/office/drawing/2014/main" id="{D9B7DC25-F3CF-4B9D-8E31-485320119F08}"/>
+              </a:ext>
+            </a:extLst>
+          </p:cNvPr>
+          <p:cNvPicPr>
+            <a:picLocks noChangeAspect="1"/>
+          </p:cNvPicPr>
+          <p:nvPr/>
+        </p:nvPicPr>
+        <p:blipFill>
+          <a:blip r:embed="rId5">
+            <a:extLst>
+              <a:ext uri="{28A0092B-C50C-407E-A947-70E740481C1C}">
+                <a14:useLocalDpi xmlns:a14="http://schemas.microsoft.com/office/drawing/2010/main" val="0"/>
+              </a:ext>
+            </a:extLst>
+          </a:blip>
+          <a:stretch>
+            <a:fillRect/>
+          </a:stretch>
+        </p:blipFill>
+        <p:spPr>
+          <a:xfrm>
+            <a:off x="7140200" y="1690688"/>
+            <a:ext cx="2009546" cy="4351338"/>
+          </a:xfrm>
+          <a:prstGeom prst="rect">
+            <a:avLst/>
+          </a:prstGeom>
+        </p:spPr>
+      </p:pic>
+      <p:pic>
+        <p:nvPicPr>
+          <p:cNvPr id="39" name="Picture 38">
+            <a:extLst>
+              <a:ext uri="{FF2B5EF4-FFF2-40B4-BE49-F238E27FC236}">
+                <a16:creationId xmlns:a16="http://schemas.microsoft.com/office/drawing/2014/main" id="{AE45290E-D5B1-4EC8-B131-4590BA5C7B56}"/>
+              </a:ext>
+            </a:extLst>
+          </p:cNvPr>
+          <p:cNvPicPr>
+            <a:picLocks noChangeAspect="1"/>
+          </p:cNvPicPr>
+          <p:nvPr/>
+        </p:nvPicPr>
+        <p:blipFill>
+          <a:blip r:embed="rId6">
+            <a:extLst>
+              <a:ext uri="{28A0092B-C50C-407E-A947-70E740481C1C}">
+                <a14:useLocalDpi xmlns:a14="http://schemas.microsoft.com/office/drawing/2010/main" val="0"/>
+              </a:ext>
+            </a:extLst>
+          </a:blip>
+          <a:stretch>
+            <a:fillRect/>
+          </a:stretch>
+        </p:blipFill>
+        <p:spPr>
+          <a:xfrm>
+            <a:off x="9277571" y="1690688"/>
+            <a:ext cx="2009547" cy="4351338"/>
+          </a:xfrm>
+          <a:prstGeom prst="rect">
+            <a:avLst/>
+          </a:prstGeom>
+        </p:spPr>
+      </p:pic>
+    </p:spTree>
+    <p:extLst>
+      <p:ext uri="{BB962C8B-B14F-4D97-AF65-F5344CB8AC3E}">
+        <p14:creationId xmlns:p14="http://schemas.microsoft.com/office/powerpoint/2010/main" val="3609264760"/>
+      </p:ext>
+    </p:extLst>
+  </p:cSld>
+  <p:clrMapOvr>
+    <a:masterClrMapping/>
+  </p:clrMapOvr>
+</p:sld>
+</file>
+
+<file path=ppt/slides/slide12.xml><?xml version="1.0" encoding="utf-8"?>
+<p:sld xmlns:a="http://schemas.openxmlformats.org/drawingml/2006/main" xmlns:r="http://schemas.openxmlformats.org/officeDocument/2006/relationships" xmlns:p="http://schemas.openxmlformats.org/presentationml/2006/main">
+  <p:cSld>
+    <p:spTree>
+      <p:nvGrpSpPr>
+        <p:cNvPr id="1" name=""/>
+        <p:cNvGrpSpPr/>
+        <p:nvPr/>
+      </p:nvGrpSpPr>
+      <p:grpSpPr>
+        <a:xfrm>
+          <a:off x="0" y="0"/>
+          <a:ext cx="0" cy="0"/>
+          <a:chOff x="0" y="0"/>
+          <a:chExt cx="0" cy="0"/>
+        </a:xfrm>
+      </p:grpSpPr>
+      <p:sp>
+        <p:nvSpPr>
+          <p:cNvPr id="2" name="Title 1">
+            <a:extLst>
+              <a:ext uri="{FF2B5EF4-FFF2-40B4-BE49-F238E27FC236}">
                 <a16:creationId xmlns:a16="http://schemas.microsoft.com/office/drawing/2014/main" id="{CD1559FC-B825-4B23-AC04-201E22B52DD0}"/>
               </a:ext>
             </a:extLst>
@@ -4470,7 +4603,7 @@
 </p:sld>
 </file>
 
-<file path=ppt/slides/slide12.xml><?xml version="1.0" encoding="utf-8"?>
+<file path=ppt/slides/slide13.xml><?xml version="1.0" encoding="utf-8"?>
 <p:sld xmlns:a="http://schemas.openxmlformats.org/drawingml/2006/main" xmlns:r="http://schemas.openxmlformats.org/officeDocument/2006/relationships" xmlns:p="http://schemas.openxmlformats.org/presentationml/2006/main">
   <p:cSld>
     <p:spTree>
@@ -6065,7 +6198,7 @@
           <p:cNvPr id="2" name="Title 1">
             <a:extLst>
               <a:ext uri="{FF2B5EF4-FFF2-40B4-BE49-F238E27FC236}">
-                <a16:creationId xmlns:a16="http://schemas.microsoft.com/office/drawing/2014/main" id="{22D05F4A-8803-496C-98FE-396E8C262790}"/>
+                <a16:creationId xmlns:a16="http://schemas.microsoft.com/office/drawing/2014/main" id="{CCC57881-7A77-4FC5-9E87-10C8A30331A6}"/>
               </a:ext>
             </a:extLst>
           </p:cNvPr>
@@ -6076,868 +6209,58 @@
             <p:ph type="title"/>
           </p:nvPr>
         </p:nvSpPr>
-        <p:spPr>
-          <a:xfrm>
-            <a:off x="838200" y="365125"/>
-            <a:ext cx="10515600" cy="1269711"/>
-          </a:xfrm>
-        </p:spPr>
+        <p:spPr/>
         <p:txBody>
           <a:bodyPr/>
           <a:lstStyle/>
           <a:p>
             <a:r>
-              <a:rPr lang="en-US" b="1" dirty="0"/>
-              <a:t>PROJECT SCOPE STATEMENT</a:t>
-            </a:r>
-            <a:endParaRPr lang="en-ID" dirty="0"/>
+              <a:rPr lang="en-US" dirty="0"/>
+              <a:t>Logo</a:t>
+            </a:r>
+            <a:endParaRPr lang="id-ID" dirty="0"/>
           </a:p>
         </p:txBody>
       </p:sp>
-      <p:sp>
-        <p:nvSpPr>
-          <p:cNvPr id="3" name="Content Placeholder 2">
-            <a:extLst>
-              <a:ext uri="{FF2B5EF4-FFF2-40B4-BE49-F238E27FC236}">
-                <a16:creationId xmlns:a16="http://schemas.microsoft.com/office/drawing/2014/main" id="{999B197F-9F03-4B54-A879-B1F438A0F281}"/>
-              </a:ext>
-            </a:extLst>
-          </p:cNvPr>
-          <p:cNvSpPr>
-            <a:spLocks noGrp="1"/>
-          </p:cNvSpPr>
+      <p:pic>
+        <p:nvPicPr>
+          <p:cNvPr id="5" name="Content Placeholder 4">
+            <a:extLst>
+              <a:ext uri="{FF2B5EF4-FFF2-40B4-BE49-F238E27FC236}">
+                <a16:creationId xmlns:a16="http://schemas.microsoft.com/office/drawing/2014/main" id="{549E2F7B-976E-4388-840F-7F567CC3CFF0}"/>
+              </a:ext>
+            </a:extLst>
+          </p:cNvPr>
+          <p:cNvPicPr>
+            <a:picLocks noGrp="1" noChangeAspect="1"/>
+          </p:cNvPicPr>
           <p:nvPr>
             <p:ph idx="1"/>
           </p:nvPr>
-        </p:nvSpPr>
+        </p:nvPicPr>
+        <p:blipFill>
+          <a:blip r:embed="rId2">
+            <a:extLst>
+              <a:ext uri="{28A0092B-C50C-407E-A947-70E740481C1C}">
+                <a14:useLocalDpi xmlns:a14="http://schemas.microsoft.com/office/drawing/2010/main" val="0"/>
+              </a:ext>
+            </a:extLst>
+          </a:blip>
+          <a:stretch>
+            <a:fillRect/>
+          </a:stretch>
+        </p:blipFill>
         <p:spPr>
           <a:xfrm>
-            <a:off x="838198" y="1825625"/>
-            <a:ext cx="10515601" cy="4351338"/>
+            <a:off x="4216952" y="1884404"/>
+            <a:ext cx="3758095" cy="3758095"/>
           </a:xfrm>
         </p:spPr>
-        <p:txBody>
-          <a:bodyPr>
-            <a:normAutofit fontScale="92500" lnSpcReduction="20000"/>
-          </a:bodyPr>
-          <a:lstStyle/>
-          <a:p>
-            <a:pPr marL="457200" lvl="1" indent="0">
-              <a:buNone/>
-            </a:pPr>
-            <a:r>
-              <a:rPr lang="id-ID" b="1" dirty="0"/>
-              <a:t>Ruang Lingkup</a:t>
-            </a:r>
-            <a:endParaRPr lang="en-US" b="1" dirty="0"/>
-          </a:p>
-          <a:p>
-            <a:pPr marL="457200" lvl="1" indent="0" algn="just">
-              <a:buNone/>
-            </a:pPr>
-            <a:r>
-              <a:rPr lang="en-US" sz="2100" dirty="0" err="1">
-                <a:effectLst/>
-                <a:latin typeface="Calibri (Body)"/>
-                <a:ea typeface="DengXian" panose="02010600030101010101" pitchFamily="2" charset="-122"/>
-                <a:cs typeface="Times New Roman" panose="02020603050405020304" pitchFamily="18" charset="0"/>
-              </a:rPr>
-              <a:t>Aplikasi</a:t>
-            </a:r>
-            <a:r>
-              <a:rPr lang="en-US" sz="2100" dirty="0">
-                <a:effectLst/>
-                <a:latin typeface="Calibri (Body)"/>
-                <a:ea typeface="DengXian" panose="02010600030101010101" pitchFamily="2" charset="-122"/>
-                <a:cs typeface="Times New Roman" panose="02020603050405020304" pitchFamily="18" charset="0"/>
-              </a:rPr>
-              <a:t> Board Game Catalog </a:t>
-            </a:r>
-            <a:r>
-              <a:rPr lang="en-US" sz="2100" dirty="0" err="1">
-                <a:effectLst/>
-                <a:latin typeface="Calibri (Body)"/>
-                <a:ea typeface="DengXian" panose="02010600030101010101" pitchFamily="2" charset="-122"/>
-                <a:cs typeface="Times New Roman" panose="02020603050405020304" pitchFamily="18" charset="0"/>
-              </a:rPr>
-              <a:t>adalah</a:t>
-            </a:r>
-            <a:r>
-              <a:rPr lang="en-US" sz="2100" dirty="0">
-                <a:effectLst/>
-                <a:latin typeface="Calibri (Body)"/>
-                <a:ea typeface="DengXian" panose="02010600030101010101" pitchFamily="2" charset="-122"/>
-                <a:cs typeface="Times New Roman" panose="02020603050405020304" pitchFamily="18" charset="0"/>
-              </a:rPr>
-              <a:t> </a:t>
-            </a:r>
-            <a:r>
-              <a:rPr lang="en-US" sz="2100" dirty="0" err="1">
-                <a:effectLst/>
-                <a:latin typeface="Calibri (Body)"/>
-                <a:ea typeface="DengXian" panose="02010600030101010101" pitchFamily="2" charset="-122"/>
-                <a:cs typeface="Times New Roman" panose="02020603050405020304" pitchFamily="18" charset="0"/>
-              </a:rPr>
-              <a:t>aplikasi</a:t>
-            </a:r>
-            <a:r>
-              <a:rPr lang="en-US" sz="2100" dirty="0">
-                <a:effectLst/>
-                <a:latin typeface="Calibri (Body)"/>
-                <a:ea typeface="DengXian" panose="02010600030101010101" pitchFamily="2" charset="-122"/>
-                <a:cs typeface="Times New Roman" panose="02020603050405020304" pitchFamily="18" charset="0"/>
-              </a:rPr>
-              <a:t> yang </a:t>
-            </a:r>
-            <a:r>
-              <a:rPr lang="en-US" sz="2100" dirty="0" err="1">
-                <a:effectLst/>
-                <a:latin typeface="Calibri (Body)"/>
-                <a:ea typeface="DengXian" panose="02010600030101010101" pitchFamily="2" charset="-122"/>
-                <a:cs typeface="Times New Roman" panose="02020603050405020304" pitchFamily="18" charset="0"/>
-              </a:rPr>
-              <a:t>digunakan</a:t>
-            </a:r>
-            <a:r>
-              <a:rPr lang="en-US" sz="2100" dirty="0">
-                <a:effectLst/>
-                <a:latin typeface="Calibri (Body)"/>
-                <a:ea typeface="DengXian" panose="02010600030101010101" pitchFamily="2" charset="-122"/>
-                <a:cs typeface="Times New Roman" panose="02020603050405020304" pitchFamily="18" charset="0"/>
-              </a:rPr>
-              <a:t> </a:t>
-            </a:r>
-            <a:r>
-              <a:rPr lang="en-US" sz="2100" dirty="0" err="1">
-                <a:effectLst/>
-                <a:latin typeface="Calibri (Body)"/>
-                <a:ea typeface="DengXian" panose="02010600030101010101" pitchFamily="2" charset="-122"/>
-                <a:cs typeface="Times New Roman" panose="02020603050405020304" pitchFamily="18" charset="0"/>
-              </a:rPr>
-              <a:t>untuk</a:t>
-            </a:r>
-            <a:r>
-              <a:rPr lang="en-US" sz="2100" dirty="0">
-                <a:effectLst/>
-                <a:latin typeface="Calibri (Body)"/>
-                <a:ea typeface="DengXian" panose="02010600030101010101" pitchFamily="2" charset="-122"/>
-                <a:cs typeface="Times New Roman" panose="02020603050405020304" pitchFamily="18" charset="0"/>
-              </a:rPr>
-              <a:t> </a:t>
-            </a:r>
-            <a:r>
-              <a:rPr lang="en-US" sz="2100" dirty="0" err="1">
-                <a:effectLst/>
-                <a:latin typeface="Calibri (Body)"/>
-                <a:ea typeface="DengXian" panose="02010600030101010101" pitchFamily="2" charset="-122"/>
-                <a:cs typeface="Times New Roman" panose="02020603050405020304" pitchFamily="18" charset="0"/>
-              </a:rPr>
-              <a:t>mendata</a:t>
-            </a:r>
-            <a:r>
-              <a:rPr lang="en-US" sz="2100" dirty="0">
-                <a:effectLst/>
-                <a:latin typeface="Calibri (Body)"/>
-                <a:ea typeface="DengXian" panose="02010600030101010101" pitchFamily="2" charset="-122"/>
-                <a:cs typeface="Times New Roman" panose="02020603050405020304" pitchFamily="18" charset="0"/>
-              </a:rPr>
-              <a:t> history </a:t>
-            </a:r>
-            <a:r>
-              <a:rPr lang="en-US" sz="2100" dirty="0" err="1">
-                <a:effectLst/>
-                <a:latin typeface="Calibri (Body)"/>
-                <a:ea typeface="DengXian" panose="02010600030101010101" pitchFamily="2" charset="-122"/>
-                <a:cs typeface="Times New Roman" panose="02020603050405020304" pitchFamily="18" charset="0"/>
-              </a:rPr>
-              <a:t>dari</a:t>
-            </a:r>
-            <a:r>
-              <a:rPr lang="en-US" sz="2100" dirty="0">
-                <a:effectLst/>
-                <a:latin typeface="Calibri (Body)"/>
-                <a:ea typeface="DengXian" panose="02010600030101010101" pitchFamily="2" charset="-122"/>
-                <a:cs typeface="Times New Roman" panose="02020603050405020304" pitchFamily="18" charset="0"/>
-              </a:rPr>
-              <a:t> </a:t>
-            </a:r>
-            <a:r>
-              <a:rPr lang="en-US" sz="2100" dirty="0" err="1">
-                <a:effectLst/>
-                <a:latin typeface="Calibri (Body)"/>
-                <a:ea typeface="DengXian" panose="02010600030101010101" pitchFamily="2" charset="-122"/>
-                <a:cs typeface="Times New Roman" panose="02020603050405020304" pitchFamily="18" charset="0"/>
-              </a:rPr>
-              <a:t>permainan</a:t>
-            </a:r>
-            <a:r>
-              <a:rPr lang="en-US" sz="2100" dirty="0">
-                <a:effectLst/>
-                <a:latin typeface="Calibri (Body)"/>
-                <a:ea typeface="DengXian" panose="02010600030101010101" pitchFamily="2" charset="-122"/>
-                <a:cs typeface="Times New Roman" panose="02020603050405020304" pitchFamily="18" charset="0"/>
-              </a:rPr>
-              <a:t> board game yang </a:t>
-            </a:r>
-            <a:r>
-              <a:rPr lang="en-US" sz="2100" dirty="0" err="1">
-                <a:effectLst/>
-                <a:latin typeface="Calibri (Body)"/>
-                <a:ea typeface="DengXian" panose="02010600030101010101" pitchFamily="2" charset="-122"/>
-                <a:cs typeface="Times New Roman" panose="02020603050405020304" pitchFamily="18" charset="0"/>
-              </a:rPr>
-              <a:t>dilakukan</a:t>
-            </a:r>
-            <a:r>
-              <a:rPr lang="en-US" sz="2100" dirty="0">
-                <a:effectLst/>
-                <a:latin typeface="Calibri (Body)"/>
-                <a:ea typeface="DengXian" panose="02010600030101010101" pitchFamily="2" charset="-122"/>
-                <a:cs typeface="Times New Roman" panose="02020603050405020304" pitchFamily="18" charset="0"/>
-              </a:rPr>
-              <a:t> user </a:t>
-            </a:r>
-            <a:r>
-              <a:rPr lang="en-US" sz="2100" dirty="0" err="1">
-                <a:effectLst/>
-                <a:latin typeface="Calibri (Body)"/>
-                <a:ea typeface="DengXian" panose="02010600030101010101" pitchFamily="2" charset="-122"/>
-                <a:cs typeface="Times New Roman" panose="02020603050405020304" pitchFamily="18" charset="0"/>
-              </a:rPr>
-              <a:t>berdasarkan</a:t>
-            </a:r>
-            <a:r>
-              <a:rPr lang="en-US" sz="2100" dirty="0">
-                <a:effectLst/>
-                <a:latin typeface="Calibri (Body)"/>
-                <a:ea typeface="DengXian" panose="02010600030101010101" pitchFamily="2" charset="-122"/>
-                <a:cs typeface="Times New Roman" panose="02020603050405020304" pitchFamily="18" charset="0"/>
-              </a:rPr>
-              <a:t> game yang </a:t>
-            </a:r>
-            <a:r>
-              <a:rPr lang="en-US" sz="2100" dirty="0" err="1">
-                <a:effectLst/>
-                <a:latin typeface="Calibri (Body)"/>
-                <a:ea typeface="DengXian" panose="02010600030101010101" pitchFamily="2" charset="-122"/>
-                <a:cs typeface="Times New Roman" panose="02020603050405020304" pitchFamily="18" charset="0"/>
-              </a:rPr>
-              <a:t>ditentukan</a:t>
-            </a:r>
-            <a:r>
-              <a:rPr lang="en-US" sz="2100" dirty="0">
-                <a:effectLst/>
-                <a:latin typeface="Calibri (Body)"/>
-                <a:ea typeface="DengXian" panose="02010600030101010101" pitchFamily="2" charset="-122"/>
-                <a:cs typeface="Times New Roman" panose="02020603050405020304" pitchFamily="18" charset="0"/>
-              </a:rPr>
-              <a:t> admin dan </a:t>
-            </a:r>
-            <a:r>
-              <a:rPr lang="en-US" sz="2100" dirty="0" err="1">
-                <a:effectLst/>
-                <a:latin typeface="Calibri (Body)"/>
-                <a:ea typeface="DengXian" panose="02010600030101010101" pitchFamily="2" charset="-122"/>
-                <a:cs typeface="Times New Roman" panose="02020603050405020304" pitchFamily="18" charset="0"/>
-              </a:rPr>
-              <a:t>dipilih</a:t>
-            </a:r>
-            <a:r>
-              <a:rPr lang="en-US" sz="2100" dirty="0">
-                <a:effectLst/>
-                <a:latin typeface="Calibri (Body)"/>
-                <a:ea typeface="DengXian" panose="02010600030101010101" pitchFamily="2" charset="-122"/>
-                <a:cs typeface="Times New Roman" panose="02020603050405020304" pitchFamily="18" charset="0"/>
-              </a:rPr>
-              <a:t> user. </a:t>
-            </a:r>
-            <a:r>
-              <a:rPr lang="en-US" sz="2100" dirty="0" err="1">
-                <a:effectLst/>
-                <a:latin typeface="Calibri (Body)"/>
-                <a:ea typeface="DengXian" panose="02010600030101010101" pitchFamily="2" charset="-122"/>
-                <a:cs typeface="Times New Roman" panose="02020603050405020304" pitchFamily="18" charset="0"/>
-              </a:rPr>
-              <a:t>Aplikasi</a:t>
-            </a:r>
-            <a:r>
-              <a:rPr lang="en-US" sz="2100" dirty="0">
-                <a:effectLst/>
-                <a:latin typeface="Calibri (Body)"/>
-                <a:ea typeface="DengXian" panose="02010600030101010101" pitchFamily="2" charset="-122"/>
-                <a:cs typeface="Times New Roman" panose="02020603050405020304" pitchFamily="18" charset="0"/>
-              </a:rPr>
-              <a:t> </a:t>
-            </a:r>
-            <a:r>
-              <a:rPr lang="en-US" sz="2100" dirty="0" err="1">
-                <a:effectLst/>
-                <a:latin typeface="Calibri (Body)"/>
-                <a:ea typeface="DengXian" panose="02010600030101010101" pitchFamily="2" charset="-122"/>
-                <a:cs typeface="Times New Roman" panose="02020603050405020304" pitchFamily="18" charset="0"/>
-              </a:rPr>
-              <a:t>ini</a:t>
-            </a:r>
-            <a:r>
-              <a:rPr lang="en-US" sz="2100" dirty="0">
-                <a:effectLst/>
-                <a:latin typeface="Calibri (Body)"/>
-                <a:ea typeface="DengXian" panose="02010600030101010101" pitchFamily="2" charset="-122"/>
-                <a:cs typeface="Times New Roman" panose="02020603050405020304" pitchFamily="18" charset="0"/>
-              </a:rPr>
-              <a:t> </a:t>
-            </a:r>
-            <a:r>
-              <a:rPr lang="en-US" sz="2100" dirty="0" err="1">
-                <a:effectLst/>
-                <a:latin typeface="Calibri (Body)"/>
-                <a:ea typeface="DengXian" panose="02010600030101010101" pitchFamily="2" charset="-122"/>
-                <a:cs typeface="Times New Roman" panose="02020603050405020304" pitchFamily="18" charset="0"/>
-              </a:rPr>
-              <a:t>dapat</a:t>
-            </a:r>
-            <a:r>
-              <a:rPr lang="en-US" sz="2100" dirty="0">
-                <a:effectLst/>
-                <a:latin typeface="Calibri (Body)"/>
-                <a:ea typeface="DengXian" panose="02010600030101010101" pitchFamily="2" charset="-122"/>
-                <a:cs typeface="Times New Roman" panose="02020603050405020304" pitchFamily="18" charset="0"/>
-              </a:rPr>
-              <a:t> </a:t>
-            </a:r>
-            <a:r>
-              <a:rPr lang="en-US" sz="2100" dirty="0" err="1">
-                <a:effectLst/>
-                <a:latin typeface="Calibri (Body)"/>
-                <a:ea typeface="DengXian" panose="02010600030101010101" pitchFamily="2" charset="-122"/>
-                <a:cs typeface="Times New Roman" panose="02020603050405020304" pitchFamily="18" charset="0"/>
-              </a:rPr>
-              <a:t>mendata</a:t>
-            </a:r>
-            <a:r>
-              <a:rPr lang="en-US" sz="2100" dirty="0">
-                <a:effectLst/>
-                <a:latin typeface="Calibri (Body)"/>
-                <a:ea typeface="DengXian" panose="02010600030101010101" pitchFamily="2" charset="-122"/>
-                <a:cs typeface="Times New Roman" panose="02020603050405020304" pitchFamily="18" charset="0"/>
-              </a:rPr>
-              <a:t> leaderboard </a:t>
-            </a:r>
-            <a:r>
-              <a:rPr lang="en-US" sz="2100" dirty="0" err="1">
-                <a:effectLst/>
-                <a:latin typeface="Calibri (Body)"/>
-                <a:ea typeface="DengXian" panose="02010600030101010101" pitchFamily="2" charset="-122"/>
-                <a:cs typeface="Times New Roman" panose="02020603050405020304" pitchFamily="18" charset="0"/>
-              </a:rPr>
-              <a:t>berdasarkan</a:t>
-            </a:r>
-            <a:r>
-              <a:rPr lang="en-US" sz="2100" dirty="0">
-                <a:effectLst/>
-                <a:latin typeface="Calibri (Body)"/>
-                <a:ea typeface="DengXian" panose="02010600030101010101" pitchFamily="2" charset="-122"/>
-                <a:cs typeface="Times New Roman" panose="02020603050405020304" pitchFamily="18" charset="0"/>
-              </a:rPr>
-              <a:t> data yang </a:t>
-            </a:r>
-            <a:r>
-              <a:rPr lang="en-US" sz="2100" dirty="0" err="1">
-                <a:effectLst/>
-                <a:latin typeface="Calibri (Body)"/>
-                <a:ea typeface="DengXian" panose="02010600030101010101" pitchFamily="2" charset="-122"/>
-                <a:cs typeface="Times New Roman" panose="02020603050405020304" pitchFamily="18" charset="0"/>
-              </a:rPr>
-              <a:t>telah</a:t>
-            </a:r>
-            <a:r>
-              <a:rPr lang="en-US" sz="2100" dirty="0">
-                <a:effectLst/>
-                <a:latin typeface="Calibri (Body)"/>
-                <a:ea typeface="DengXian" panose="02010600030101010101" pitchFamily="2" charset="-122"/>
-                <a:cs typeface="Times New Roman" panose="02020603050405020304" pitchFamily="18" charset="0"/>
-              </a:rPr>
-              <a:t> </a:t>
-            </a:r>
-            <a:r>
-              <a:rPr lang="en-US" sz="2100" dirty="0" err="1">
-                <a:effectLst/>
-                <a:latin typeface="Calibri (Body)"/>
-                <a:ea typeface="DengXian" panose="02010600030101010101" pitchFamily="2" charset="-122"/>
-                <a:cs typeface="Times New Roman" panose="02020603050405020304" pitchFamily="18" charset="0"/>
-              </a:rPr>
-              <a:t>diberikan</a:t>
-            </a:r>
-            <a:r>
-              <a:rPr lang="en-US" sz="2100" dirty="0">
-                <a:effectLst/>
-                <a:latin typeface="Calibri (Body)"/>
-                <a:ea typeface="DengXian" panose="02010600030101010101" pitchFamily="2" charset="-122"/>
-                <a:cs typeface="Times New Roman" panose="02020603050405020304" pitchFamily="18" charset="0"/>
-              </a:rPr>
-              <a:t> </a:t>
-            </a:r>
-            <a:r>
-              <a:rPr lang="en-US" sz="2100" dirty="0" err="1">
-                <a:effectLst/>
-                <a:latin typeface="Calibri (Body)"/>
-                <a:ea typeface="DengXian" panose="02010600030101010101" pitchFamily="2" charset="-122"/>
-                <a:cs typeface="Times New Roman" panose="02020603050405020304" pitchFamily="18" charset="0"/>
-              </a:rPr>
-              <a:t>kepada</a:t>
-            </a:r>
-            <a:r>
-              <a:rPr lang="en-US" sz="2100" dirty="0">
-                <a:effectLst/>
-                <a:latin typeface="Calibri (Body)"/>
-                <a:ea typeface="DengXian" panose="02010600030101010101" pitchFamily="2" charset="-122"/>
-                <a:cs typeface="Times New Roman" panose="02020603050405020304" pitchFamily="18" charset="0"/>
-              </a:rPr>
-              <a:t> user. Admin </a:t>
-            </a:r>
-            <a:r>
-              <a:rPr lang="en-US" sz="2100" dirty="0" err="1">
-                <a:effectLst/>
-                <a:latin typeface="Calibri (Body)"/>
-                <a:ea typeface="DengXian" panose="02010600030101010101" pitchFamily="2" charset="-122"/>
-                <a:cs typeface="Times New Roman" panose="02020603050405020304" pitchFamily="18" charset="0"/>
-              </a:rPr>
-              <a:t>dapat</a:t>
-            </a:r>
-            <a:r>
-              <a:rPr lang="en-US" sz="2100" dirty="0">
-                <a:effectLst/>
-                <a:latin typeface="Calibri (Body)"/>
-                <a:ea typeface="DengXian" panose="02010600030101010101" pitchFamily="2" charset="-122"/>
-                <a:cs typeface="Times New Roman" panose="02020603050405020304" pitchFamily="18" charset="0"/>
-              </a:rPr>
-              <a:t> </a:t>
-            </a:r>
-            <a:r>
-              <a:rPr lang="en-US" sz="2100" dirty="0" err="1">
-                <a:effectLst/>
-                <a:latin typeface="Calibri (Body)"/>
-                <a:ea typeface="DengXian" panose="02010600030101010101" pitchFamily="2" charset="-122"/>
-                <a:cs typeface="Times New Roman" panose="02020603050405020304" pitchFamily="18" charset="0"/>
-              </a:rPr>
-              <a:t>menambah</a:t>
-            </a:r>
-            <a:r>
-              <a:rPr lang="en-US" sz="2100" dirty="0">
-                <a:effectLst/>
-                <a:latin typeface="Calibri (Body)"/>
-                <a:ea typeface="DengXian" panose="02010600030101010101" pitchFamily="2" charset="-122"/>
-                <a:cs typeface="Times New Roman" panose="02020603050405020304" pitchFamily="18" charset="0"/>
-              </a:rPr>
-              <a:t> game, dan </a:t>
-            </a:r>
-            <a:r>
-              <a:rPr lang="en-US" sz="2100" dirty="0" err="1">
-                <a:effectLst/>
-                <a:latin typeface="Calibri (Body)"/>
-                <a:ea typeface="DengXian" panose="02010600030101010101" pitchFamily="2" charset="-122"/>
-                <a:cs typeface="Times New Roman" panose="02020603050405020304" pitchFamily="18" charset="0"/>
-              </a:rPr>
-              <a:t>membuat</a:t>
-            </a:r>
-            <a:r>
-              <a:rPr lang="en-US" sz="2100" dirty="0">
-                <a:effectLst/>
-                <a:latin typeface="Calibri (Body)"/>
-                <a:ea typeface="DengXian" panose="02010600030101010101" pitchFamily="2" charset="-122"/>
-                <a:cs typeface="Times New Roman" panose="02020603050405020304" pitchFamily="18" charset="0"/>
-              </a:rPr>
-              <a:t> </a:t>
-            </a:r>
-            <a:r>
-              <a:rPr lang="en-US" sz="2100" dirty="0" err="1">
-                <a:effectLst/>
-                <a:latin typeface="Calibri (Body)"/>
-                <a:ea typeface="DengXian" panose="02010600030101010101" pitchFamily="2" charset="-122"/>
-                <a:cs typeface="Times New Roman" panose="02020603050405020304" pitchFamily="18" charset="0"/>
-              </a:rPr>
-              <a:t>laporan</a:t>
-            </a:r>
-            <a:r>
-              <a:rPr lang="en-US" sz="2100" dirty="0">
-                <a:effectLst/>
-                <a:latin typeface="Calibri (Body)"/>
-                <a:ea typeface="DengXian" panose="02010600030101010101" pitchFamily="2" charset="-122"/>
-                <a:cs typeface="Times New Roman" panose="02020603050405020304" pitchFamily="18" charset="0"/>
-              </a:rPr>
-              <a:t> </a:t>
-            </a:r>
-            <a:r>
-              <a:rPr lang="en-US" sz="2100" dirty="0" err="1">
-                <a:effectLst/>
-                <a:latin typeface="Calibri (Body)"/>
-                <a:ea typeface="DengXian" panose="02010600030101010101" pitchFamily="2" charset="-122"/>
-                <a:cs typeface="Times New Roman" panose="02020603050405020304" pitchFamily="18" charset="0"/>
-              </a:rPr>
-              <a:t>berdasarkan</a:t>
-            </a:r>
-            <a:r>
-              <a:rPr lang="en-US" sz="2100" dirty="0">
-                <a:effectLst/>
-                <a:latin typeface="Calibri (Body)"/>
-                <a:ea typeface="DengXian" panose="02010600030101010101" pitchFamily="2" charset="-122"/>
-                <a:cs typeface="Times New Roman" panose="02020603050405020304" pitchFamily="18" charset="0"/>
-              </a:rPr>
-              <a:t> data yang </a:t>
-            </a:r>
-            <a:r>
-              <a:rPr lang="en-US" sz="2100" dirty="0" err="1">
-                <a:effectLst/>
-                <a:latin typeface="Calibri (Body)"/>
-                <a:ea typeface="DengXian" panose="02010600030101010101" pitchFamily="2" charset="-122"/>
-                <a:cs typeface="Times New Roman" panose="02020603050405020304" pitchFamily="18" charset="0"/>
-              </a:rPr>
-              <a:t>diperoleh</a:t>
-            </a:r>
-            <a:r>
-              <a:rPr lang="en-US" sz="2100" dirty="0">
-                <a:effectLst/>
-                <a:latin typeface="Calibri (Body)"/>
-                <a:ea typeface="DengXian" panose="02010600030101010101" pitchFamily="2" charset="-122"/>
-                <a:cs typeface="Times New Roman" panose="02020603050405020304" pitchFamily="18" charset="0"/>
-              </a:rPr>
-              <a:t> </a:t>
-            </a:r>
-            <a:r>
-              <a:rPr lang="en-US" sz="2100" dirty="0" err="1">
-                <a:effectLst/>
-                <a:latin typeface="Calibri (Body)"/>
-                <a:ea typeface="DengXian" panose="02010600030101010101" pitchFamily="2" charset="-122"/>
-                <a:cs typeface="Times New Roman" panose="02020603050405020304" pitchFamily="18" charset="0"/>
-              </a:rPr>
-              <a:t>dari</a:t>
-            </a:r>
-            <a:r>
-              <a:rPr lang="en-US" sz="2100" dirty="0">
-                <a:effectLst/>
-                <a:latin typeface="Calibri (Body)"/>
-                <a:ea typeface="DengXian" panose="02010600030101010101" pitchFamily="2" charset="-122"/>
-                <a:cs typeface="Times New Roman" panose="02020603050405020304" pitchFamily="18" charset="0"/>
-              </a:rPr>
-              <a:t> </a:t>
-            </a:r>
-            <a:r>
-              <a:rPr lang="en-US" sz="2100" dirty="0" err="1">
-                <a:effectLst/>
-                <a:latin typeface="Calibri (Body)"/>
-                <a:ea typeface="DengXian" panose="02010600030101010101" pitchFamily="2" charset="-122"/>
-                <a:cs typeface="Times New Roman" panose="02020603050405020304" pitchFamily="18" charset="0"/>
-              </a:rPr>
-              <a:t>aplikasi</a:t>
-            </a:r>
-            <a:r>
-              <a:rPr lang="en-US" sz="2100" dirty="0">
-                <a:effectLst/>
-                <a:latin typeface="Calibri (Body)"/>
-                <a:ea typeface="DengXian" panose="02010600030101010101" pitchFamily="2" charset="-122"/>
-                <a:cs typeface="Times New Roman" panose="02020603050405020304" pitchFamily="18" charset="0"/>
-              </a:rPr>
-              <a:t> </a:t>
-            </a:r>
-            <a:r>
-              <a:rPr lang="en-US" sz="2100" dirty="0" err="1">
-                <a:effectLst/>
-                <a:latin typeface="Calibri (Body)"/>
-                <a:ea typeface="DengXian" panose="02010600030101010101" pitchFamily="2" charset="-122"/>
-                <a:cs typeface="Times New Roman" panose="02020603050405020304" pitchFamily="18" charset="0"/>
-              </a:rPr>
-              <a:t>ke</a:t>
-            </a:r>
-            <a:r>
-              <a:rPr lang="en-US" sz="2100" dirty="0">
-                <a:effectLst/>
-                <a:latin typeface="Calibri (Body)"/>
-                <a:ea typeface="DengXian" panose="02010600030101010101" pitchFamily="2" charset="-122"/>
-                <a:cs typeface="Times New Roman" panose="02020603050405020304" pitchFamily="18" charset="0"/>
-              </a:rPr>
-              <a:t> </a:t>
-            </a:r>
-            <a:r>
-              <a:rPr lang="en-US" sz="2100" dirty="0" err="1">
-                <a:effectLst/>
-                <a:latin typeface="Calibri (Body)"/>
-                <a:ea typeface="DengXian" panose="02010600030101010101" pitchFamily="2" charset="-122"/>
-                <a:cs typeface="Times New Roman" panose="02020603050405020304" pitchFamily="18" charset="0"/>
-              </a:rPr>
-              <a:t>bentuk</a:t>
-            </a:r>
-            <a:r>
-              <a:rPr lang="en-US" sz="2100" dirty="0">
-                <a:effectLst/>
-                <a:latin typeface="Calibri (Body)"/>
-                <a:ea typeface="DengXian" panose="02010600030101010101" pitchFamily="2" charset="-122"/>
-                <a:cs typeface="Times New Roman" panose="02020603050405020304" pitchFamily="18" charset="0"/>
-              </a:rPr>
-              <a:t> csv. </a:t>
-            </a:r>
-            <a:r>
-              <a:rPr lang="en-US" sz="2100" dirty="0" err="1">
-                <a:effectLst/>
-                <a:latin typeface="Calibri (Body)"/>
-                <a:ea typeface="DengXian" panose="02010600030101010101" pitchFamily="2" charset="-122"/>
-                <a:cs typeface="Times New Roman" panose="02020603050405020304" pitchFamily="18" charset="0"/>
-              </a:rPr>
-              <a:t>Aplikasi</a:t>
-            </a:r>
-            <a:r>
-              <a:rPr lang="en-US" sz="2100" dirty="0">
-                <a:effectLst/>
-                <a:latin typeface="Calibri (Body)"/>
-                <a:ea typeface="DengXian" panose="02010600030101010101" pitchFamily="2" charset="-122"/>
-                <a:cs typeface="Times New Roman" panose="02020603050405020304" pitchFamily="18" charset="0"/>
-              </a:rPr>
-              <a:t> </a:t>
-            </a:r>
-            <a:r>
-              <a:rPr lang="en-US" sz="2100" dirty="0" err="1">
-                <a:effectLst/>
-                <a:latin typeface="Calibri (Body)"/>
-                <a:ea typeface="DengXian" panose="02010600030101010101" pitchFamily="2" charset="-122"/>
-                <a:cs typeface="Times New Roman" panose="02020603050405020304" pitchFamily="18" charset="0"/>
-              </a:rPr>
-              <a:t>ini</a:t>
-            </a:r>
-            <a:r>
-              <a:rPr lang="en-US" sz="2100" dirty="0">
-                <a:effectLst/>
-                <a:latin typeface="Calibri (Body)"/>
-                <a:ea typeface="DengXian" panose="02010600030101010101" pitchFamily="2" charset="-122"/>
-                <a:cs typeface="Times New Roman" panose="02020603050405020304" pitchFamily="18" charset="0"/>
-              </a:rPr>
-              <a:t> </a:t>
-            </a:r>
-            <a:r>
-              <a:rPr lang="en-US" sz="2100" dirty="0" err="1">
-                <a:effectLst/>
-                <a:latin typeface="Calibri (Body)"/>
-                <a:ea typeface="DengXian" panose="02010600030101010101" pitchFamily="2" charset="-122"/>
-                <a:cs typeface="Times New Roman" panose="02020603050405020304" pitchFamily="18" charset="0"/>
-              </a:rPr>
-              <a:t>dibuat</a:t>
-            </a:r>
-            <a:r>
-              <a:rPr lang="en-US" sz="2100" dirty="0">
-                <a:effectLst/>
-                <a:latin typeface="Calibri (Body)"/>
-                <a:ea typeface="DengXian" panose="02010600030101010101" pitchFamily="2" charset="-122"/>
-                <a:cs typeface="Times New Roman" panose="02020603050405020304" pitchFamily="18" charset="0"/>
-              </a:rPr>
-              <a:t> </a:t>
-            </a:r>
-            <a:r>
-              <a:rPr lang="en-US" sz="2100" dirty="0" err="1">
-                <a:effectLst/>
-                <a:latin typeface="Calibri (Body)"/>
-                <a:ea typeface="DengXian" panose="02010600030101010101" pitchFamily="2" charset="-122"/>
-                <a:cs typeface="Times New Roman" panose="02020603050405020304" pitchFamily="18" charset="0"/>
-              </a:rPr>
-              <a:t>dengan</a:t>
-            </a:r>
-            <a:r>
-              <a:rPr lang="en-US" sz="2100" dirty="0">
-                <a:effectLst/>
-                <a:latin typeface="Calibri (Body)"/>
-                <a:ea typeface="DengXian" panose="02010600030101010101" pitchFamily="2" charset="-122"/>
-                <a:cs typeface="Times New Roman" panose="02020603050405020304" pitchFamily="18" charset="0"/>
-              </a:rPr>
-              <a:t> </a:t>
-            </a:r>
-            <a:r>
-              <a:rPr lang="en-US" sz="2100" dirty="0" err="1">
-                <a:effectLst/>
-                <a:latin typeface="Calibri (Body)"/>
-                <a:ea typeface="DengXian" panose="02010600030101010101" pitchFamily="2" charset="-122"/>
-                <a:cs typeface="Times New Roman" panose="02020603050405020304" pitchFamily="18" charset="0"/>
-              </a:rPr>
-              <a:t>menggunakan</a:t>
-            </a:r>
-            <a:r>
-              <a:rPr lang="en-US" sz="2100" dirty="0">
-                <a:effectLst/>
-                <a:latin typeface="Calibri (Body)"/>
-                <a:ea typeface="DengXian" panose="02010600030101010101" pitchFamily="2" charset="-122"/>
-                <a:cs typeface="Times New Roman" panose="02020603050405020304" pitchFamily="18" charset="0"/>
-              </a:rPr>
-              <a:t> Bahasa </a:t>
-            </a:r>
-            <a:r>
-              <a:rPr lang="en-US" sz="2100" dirty="0" err="1">
-                <a:effectLst/>
-                <a:latin typeface="Calibri (Body)"/>
-                <a:ea typeface="DengXian" panose="02010600030101010101" pitchFamily="2" charset="-122"/>
-                <a:cs typeface="Times New Roman" panose="02020603050405020304" pitchFamily="18" charset="0"/>
-              </a:rPr>
-              <a:t>pemrograman</a:t>
-            </a:r>
-            <a:r>
-              <a:rPr lang="en-US" sz="2100" dirty="0">
-                <a:effectLst/>
-                <a:latin typeface="Calibri (Body)"/>
-                <a:ea typeface="DengXian" panose="02010600030101010101" pitchFamily="2" charset="-122"/>
-                <a:cs typeface="Times New Roman" panose="02020603050405020304" pitchFamily="18" charset="0"/>
-              </a:rPr>
-              <a:t> java dan </a:t>
-            </a:r>
-            <a:r>
-              <a:rPr lang="en-US" sz="2100" dirty="0" err="1">
-                <a:effectLst/>
-                <a:latin typeface="Calibri (Body)"/>
-                <a:ea typeface="DengXian" panose="02010600030101010101" pitchFamily="2" charset="-122"/>
-                <a:cs typeface="Times New Roman" panose="02020603050405020304" pitchFamily="18" charset="0"/>
-              </a:rPr>
-              <a:t>dibuat</a:t>
-            </a:r>
-            <a:r>
-              <a:rPr lang="en-US" sz="2100" dirty="0">
-                <a:effectLst/>
-                <a:latin typeface="Calibri (Body)"/>
-                <a:ea typeface="DengXian" panose="02010600030101010101" pitchFamily="2" charset="-122"/>
-                <a:cs typeface="Times New Roman" panose="02020603050405020304" pitchFamily="18" charset="0"/>
-              </a:rPr>
-              <a:t> </a:t>
-            </a:r>
-            <a:r>
-              <a:rPr lang="en-US" sz="2100" dirty="0" err="1">
-                <a:effectLst/>
-                <a:latin typeface="Calibri (Body)"/>
-                <a:ea typeface="DengXian" panose="02010600030101010101" pitchFamily="2" charset="-122"/>
-                <a:cs typeface="Times New Roman" panose="02020603050405020304" pitchFamily="18" charset="0"/>
-              </a:rPr>
-              <a:t>untuk</a:t>
-            </a:r>
-            <a:r>
-              <a:rPr lang="en-US" sz="2100" dirty="0">
-                <a:effectLst/>
-                <a:latin typeface="Calibri (Body)"/>
-                <a:ea typeface="DengXian" panose="02010600030101010101" pitchFamily="2" charset="-122"/>
-                <a:cs typeface="Times New Roman" panose="02020603050405020304" pitchFamily="18" charset="0"/>
-              </a:rPr>
-              <a:t> OS Android.</a:t>
-            </a:r>
-            <a:endParaRPr lang="id-ID" sz="2100" dirty="0">
-              <a:effectLst/>
-              <a:latin typeface="Calibri (Body)"/>
-              <a:ea typeface="DengXian" panose="02010600030101010101" pitchFamily="2" charset="-122"/>
-              <a:cs typeface="Times New Roman" panose="02020603050405020304" pitchFamily="18" charset="0"/>
-            </a:endParaRPr>
-          </a:p>
-          <a:p>
-            <a:pPr marL="457200" lvl="1" indent="0">
-              <a:buNone/>
-            </a:pPr>
-            <a:r>
-              <a:rPr lang="en-US" b="1" dirty="0" err="1"/>
-              <a:t>Deskripsi</a:t>
-            </a:r>
-            <a:r>
-              <a:rPr lang="en-US" b="1" dirty="0"/>
-              <a:t> </a:t>
-            </a:r>
-            <a:r>
-              <a:rPr lang="en-US" b="1" dirty="0" err="1"/>
-              <a:t>Fungsionalitas</a:t>
-            </a:r>
-            <a:endParaRPr lang="en-ID" b="1" dirty="0"/>
-          </a:p>
-          <a:p>
-            <a:pPr lvl="1"/>
-            <a:r>
-              <a:rPr lang="en-US" dirty="0"/>
-              <a:t>Login admin dan login user</a:t>
-            </a:r>
-            <a:endParaRPr lang="en-ID" dirty="0"/>
-          </a:p>
-          <a:p>
-            <a:pPr lvl="1"/>
-            <a:r>
-              <a:rPr lang="en-US" dirty="0"/>
-              <a:t>Daftar user</a:t>
-            </a:r>
-            <a:endParaRPr lang="en-ID" dirty="0"/>
-          </a:p>
-          <a:p>
-            <a:pPr lvl="1"/>
-            <a:r>
-              <a:rPr lang="en-US" dirty="0" err="1"/>
-              <a:t>Katalog</a:t>
-            </a:r>
-            <a:r>
-              <a:rPr lang="en-US" dirty="0"/>
-              <a:t> board game</a:t>
-            </a:r>
-            <a:endParaRPr lang="en-ID" dirty="0"/>
-          </a:p>
-          <a:p>
-            <a:pPr lvl="1"/>
-            <a:r>
-              <a:rPr lang="en-US" dirty="0" err="1"/>
-              <a:t>Kategori</a:t>
-            </a:r>
-            <a:r>
-              <a:rPr lang="en-US" dirty="0"/>
-              <a:t> game</a:t>
-            </a:r>
-            <a:endParaRPr lang="en-ID" dirty="0"/>
-          </a:p>
-          <a:p>
-            <a:pPr lvl="1"/>
-            <a:r>
-              <a:rPr lang="en-US" dirty="0" err="1"/>
-              <a:t>Membuat</a:t>
-            </a:r>
-            <a:r>
-              <a:rPr lang="en-US" dirty="0"/>
-              <a:t> data history</a:t>
-            </a:r>
-            <a:endParaRPr lang="en-ID" dirty="0"/>
-          </a:p>
-          <a:p>
-            <a:pPr lvl="1"/>
-            <a:r>
-              <a:rPr lang="en-US" dirty="0" err="1"/>
-              <a:t>Menambah</a:t>
-            </a:r>
-            <a:r>
-              <a:rPr lang="en-US" dirty="0"/>
-              <a:t> data game</a:t>
-            </a:r>
-            <a:endParaRPr lang="en-ID" dirty="0"/>
-          </a:p>
-          <a:p>
-            <a:pPr lvl="1"/>
-            <a:r>
-              <a:rPr lang="en-US" dirty="0" err="1"/>
-              <a:t>Mengganti</a:t>
-            </a:r>
-            <a:r>
-              <a:rPr lang="en-US" dirty="0"/>
-              <a:t> leaderboard</a:t>
-            </a:r>
-            <a:endParaRPr lang="en-ID" dirty="0"/>
-          </a:p>
-          <a:p>
-            <a:pPr lvl="1"/>
-            <a:r>
-              <a:rPr lang="en-US" dirty="0" err="1"/>
-              <a:t>Mengexport</a:t>
-            </a:r>
-            <a:r>
-              <a:rPr lang="en-US" dirty="0"/>
-              <a:t> data</a:t>
-            </a:r>
-            <a:endParaRPr lang="en-ID" dirty="0"/>
-          </a:p>
-        </p:txBody>
-      </p:sp>
+      </p:pic>
     </p:spTree>
     <p:extLst>
       <p:ext uri="{BB962C8B-B14F-4D97-AF65-F5344CB8AC3E}">
-        <p14:creationId xmlns:p14="http://schemas.microsoft.com/office/powerpoint/2010/main" val="1273568111"/>
+        <p14:creationId xmlns:p14="http://schemas.microsoft.com/office/powerpoint/2010/main" val="2053741834"/>
       </p:ext>
     </p:extLst>
   </p:cSld>
@@ -6969,7 +6292,7 @@
           <p:cNvPr id="2" name="Title 1">
             <a:extLst>
               <a:ext uri="{FF2B5EF4-FFF2-40B4-BE49-F238E27FC236}">
-                <a16:creationId xmlns:a16="http://schemas.microsoft.com/office/drawing/2014/main" id="{EBFBC61D-34FE-44F3-8A25-5E5B2638F249}"/>
+                <a16:creationId xmlns:a16="http://schemas.microsoft.com/office/drawing/2014/main" id="{22D05F4A-8803-496C-98FE-396E8C262790}"/>
               </a:ext>
             </a:extLst>
           </p:cNvPr>
@@ -6980,58 +6303,868 @@
             <p:ph type="title"/>
           </p:nvPr>
         </p:nvSpPr>
-        <p:spPr/>
+        <p:spPr>
+          <a:xfrm>
+            <a:off x="838200" y="365125"/>
+            <a:ext cx="10515600" cy="1269711"/>
+          </a:xfrm>
+        </p:spPr>
         <p:txBody>
           <a:bodyPr/>
           <a:lstStyle/>
           <a:p>
             <a:r>
-              <a:rPr lang="en-US" dirty="0"/>
-              <a:t>Work Breakdown Structure</a:t>
+              <a:rPr lang="en-US" b="1" dirty="0"/>
+              <a:t>PROJECT SCOPE STATEMENT</a:t>
             </a:r>
             <a:endParaRPr lang="en-ID" dirty="0"/>
           </a:p>
         </p:txBody>
       </p:sp>
-      <p:pic>
-        <p:nvPicPr>
-          <p:cNvPr id="29" name="Content Placeholder 28">
-            <a:extLst>
-              <a:ext uri="{FF2B5EF4-FFF2-40B4-BE49-F238E27FC236}">
-                <a16:creationId xmlns:a16="http://schemas.microsoft.com/office/drawing/2014/main" id="{FEDAF3F4-3EB5-4B0D-910B-4F3909E7BD1E}"/>
-              </a:ext>
-            </a:extLst>
-          </p:cNvPr>
-          <p:cNvPicPr>
-            <a:picLocks noGrp="1" noChangeAspect="1"/>
-          </p:cNvPicPr>
+      <p:sp>
+        <p:nvSpPr>
+          <p:cNvPr id="3" name="Content Placeholder 2">
+            <a:extLst>
+              <a:ext uri="{FF2B5EF4-FFF2-40B4-BE49-F238E27FC236}">
+                <a16:creationId xmlns:a16="http://schemas.microsoft.com/office/drawing/2014/main" id="{999B197F-9F03-4B54-A879-B1F438A0F281}"/>
+              </a:ext>
+            </a:extLst>
+          </p:cNvPr>
+          <p:cNvSpPr>
+            <a:spLocks noGrp="1"/>
+          </p:cNvSpPr>
           <p:nvPr>
             <p:ph idx="1"/>
           </p:nvPr>
-        </p:nvPicPr>
-        <p:blipFill>
-          <a:blip r:embed="rId2">
-            <a:extLst>
-              <a:ext uri="{28A0092B-C50C-407E-A947-70E740481C1C}">
-                <a14:useLocalDpi xmlns:a14="http://schemas.microsoft.com/office/drawing/2010/main" val="0"/>
-              </a:ext>
-            </a:extLst>
-          </a:blip>
-          <a:stretch>
-            <a:fillRect/>
-          </a:stretch>
-        </p:blipFill>
+        </p:nvSpPr>
         <p:spPr>
           <a:xfrm>
-            <a:off x="1898073" y="1801092"/>
-            <a:ext cx="8437418" cy="3948284"/>
+            <a:off x="838198" y="1825625"/>
+            <a:ext cx="10515601" cy="4351338"/>
           </a:xfrm>
         </p:spPr>
-      </p:pic>
+        <p:txBody>
+          <a:bodyPr>
+            <a:normAutofit fontScale="92500" lnSpcReduction="20000"/>
+          </a:bodyPr>
+          <a:lstStyle/>
+          <a:p>
+            <a:pPr marL="457200" lvl="1" indent="0">
+              <a:buNone/>
+            </a:pPr>
+            <a:r>
+              <a:rPr lang="id-ID" b="1" dirty="0"/>
+              <a:t>Ruang Lingkup</a:t>
+            </a:r>
+            <a:endParaRPr lang="en-US" b="1" dirty="0"/>
+          </a:p>
+          <a:p>
+            <a:pPr marL="457200" lvl="1" indent="0" algn="just">
+              <a:buNone/>
+            </a:pPr>
+            <a:r>
+              <a:rPr lang="en-US" sz="2100" dirty="0" err="1">
+                <a:effectLst/>
+                <a:latin typeface="Calibri (Body)"/>
+                <a:ea typeface="DengXian" panose="02010600030101010101" pitchFamily="2" charset="-122"/>
+                <a:cs typeface="Times New Roman" panose="02020603050405020304" pitchFamily="18" charset="0"/>
+              </a:rPr>
+              <a:t>Aplikasi</a:t>
+            </a:r>
+            <a:r>
+              <a:rPr lang="en-US" sz="2100" dirty="0">
+                <a:effectLst/>
+                <a:latin typeface="Calibri (Body)"/>
+                <a:ea typeface="DengXian" panose="02010600030101010101" pitchFamily="2" charset="-122"/>
+                <a:cs typeface="Times New Roman" panose="02020603050405020304" pitchFamily="18" charset="0"/>
+              </a:rPr>
+              <a:t> Board Game Catalog </a:t>
+            </a:r>
+            <a:r>
+              <a:rPr lang="en-US" sz="2100" dirty="0" err="1">
+                <a:effectLst/>
+                <a:latin typeface="Calibri (Body)"/>
+                <a:ea typeface="DengXian" panose="02010600030101010101" pitchFamily="2" charset="-122"/>
+                <a:cs typeface="Times New Roman" panose="02020603050405020304" pitchFamily="18" charset="0"/>
+              </a:rPr>
+              <a:t>adalah</a:t>
+            </a:r>
+            <a:r>
+              <a:rPr lang="en-US" sz="2100" dirty="0">
+                <a:effectLst/>
+                <a:latin typeface="Calibri (Body)"/>
+                <a:ea typeface="DengXian" panose="02010600030101010101" pitchFamily="2" charset="-122"/>
+                <a:cs typeface="Times New Roman" panose="02020603050405020304" pitchFamily="18" charset="0"/>
+              </a:rPr>
+              <a:t> </a:t>
+            </a:r>
+            <a:r>
+              <a:rPr lang="en-US" sz="2100" dirty="0" err="1">
+                <a:effectLst/>
+                <a:latin typeface="Calibri (Body)"/>
+                <a:ea typeface="DengXian" panose="02010600030101010101" pitchFamily="2" charset="-122"/>
+                <a:cs typeface="Times New Roman" panose="02020603050405020304" pitchFamily="18" charset="0"/>
+              </a:rPr>
+              <a:t>aplikasi</a:t>
+            </a:r>
+            <a:r>
+              <a:rPr lang="en-US" sz="2100" dirty="0">
+                <a:effectLst/>
+                <a:latin typeface="Calibri (Body)"/>
+                <a:ea typeface="DengXian" panose="02010600030101010101" pitchFamily="2" charset="-122"/>
+                <a:cs typeface="Times New Roman" panose="02020603050405020304" pitchFamily="18" charset="0"/>
+              </a:rPr>
+              <a:t> yang </a:t>
+            </a:r>
+            <a:r>
+              <a:rPr lang="en-US" sz="2100" dirty="0" err="1">
+                <a:effectLst/>
+                <a:latin typeface="Calibri (Body)"/>
+                <a:ea typeface="DengXian" panose="02010600030101010101" pitchFamily="2" charset="-122"/>
+                <a:cs typeface="Times New Roman" panose="02020603050405020304" pitchFamily="18" charset="0"/>
+              </a:rPr>
+              <a:t>digunakan</a:t>
+            </a:r>
+            <a:r>
+              <a:rPr lang="en-US" sz="2100" dirty="0">
+                <a:effectLst/>
+                <a:latin typeface="Calibri (Body)"/>
+                <a:ea typeface="DengXian" panose="02010600030101010101" pitchFamily="2" charset="-122"/>
+                <a:cs typeface="Times New Roman" panose="02020603050405020304" pitchFamily="18" charset="0"/>
+              </a:rPr>
+              <a:t> </a:t>
+            </a:r>
+            <a:r>
+              <a:rPr lang="en-US" sz="2100" dirty="0" err="1">
+                <a:effectLst/>
+                <a:latin typeface="Calibri (Body)"/>
+                <a:ea typeface="DengXian" panose="02010600030101010101" pitchFamily="2" charset="-122"/>
+                <a:cs typeface="Times New Roman" panose="02020603050405020304" pitchFamily="18" charset="0"/>
+              </a:rPr>
+              <a:t>untuk</a:t>
+            </a:r>
+            <a:r>
+              <a:rPr lang="en-US" sz="2100" dirty="0">
+                <a:effectLst/>
+                <a:latin typeface="Calibri (Body)"/>
+                <a:ea typeface="DengXian" panose="02010600030101010101" pitchFamily="2" charset="-122"/>
+                <a:cs typeface="Times New Roman" panose="02020603050405020304" pitchFamily="18" charset="0"/>
+              </a:rPr>
+              <a:t> </a:t>
+            </a:r>
+            <a:r>
+              <a:rPr lang="en-US" sz="2100" dirty="0" err="1">
+                <a:effectLst/>
+                <a:latin typeface="Calibri (Body)"/>
+                <a:ea typeface="DengXian" panose="02010600030101010101" pitchFamily="2" charset="-122"/>
+                <a:cs typeface="Times New Roman" panose="02020603050405020304" pitchFamily="18" charset="0"/>
+              </a:rPr>
+              <a:t>mendata</a:t>
+            </a:r>
+            <a:r>
+              <a:rPr lang="en-US" sz="2100" dirty="0">
+                <a:effectLst/>
+                <a:latin typeface="Calibri (Body)"/>
+                <a:ea typeface="DengXian" panose="02010600030101010101" pitchFamily="2" charset="-122"/>
+                <a:cs typeface="Times New Roman" panose="02020603050405020304" pitchFamily="18" charset="0"/>
+              </a:rPr>
+              <a:t> history </a:t>
+            </a:r>
+            <a:r>
+              <a:rPr lang="en-US" sz="2100" dirty="0" err="1">
+                <a:effectLst/>
+                <a:latin typeface="Calibri (Body)"/>
+                <a:ea typeface="DengXian" panose="02010600030101010101" pitchFamily="2" charset="-122"/>
+                <a:cs typeface="Times New Roman" panose="02020603050405020304" pitchFamily="18" charset="0"/>
+              </a:rPr>
+              <a:t>dari</a:t>
+            </a:r>
+            <a:r>
+              <a:rPr lang="en-US" sz="2100" dirty="0">
+                <a:effectLst/>
+                <a:latin typeface="Calibri (Body)"/>
+                <a:ea typeface="DengXian" panose="02010600030101010101" pitchFamily="2" charset="-122"/>
+                <a:cs typeface="Times New Roman" panose="02020603050405020304" pitchFamily="18" charset="0"/>
+              </a:rPr>
+              <a:t> </a:t>
+            </a:r>
+            <a:r>
+              <a:rPr lang="en-US" sz="2100" dirty="0" err="1">
+                <a:effectLst/>
+                <a:latin typeface="Calibri (Body)"/>
+                <a:ea typeface="DengXian" panose="02010600030101010101" pitchFamily="2" charset="-122"/>
+                <a:cs typeface="Times New Roman" panose="02020603050405020304" pitchFamily="18" charset="0"/>
+              </a:rPr>
+              <a:t>permainan</a:t>
+            </a:r>
+            <a:r>
+              <a:rPr lang="en-US" sz="2100" dirty="0">
+                <a:effectLst/>
+                <a:latin typeface="Calibri (Body)"/>
+                <a:ea typeface="DengXian" panose="02010600030101010101" pitchFamily="2" charset="-122"/>
+                <a:cs typeface="Times New Roman" panose="02020603050405020304" pitchFamily="18" charset="0"/>
+              </a:rPr>
+              <a:t> board game yang </a:t>
+            </a:r>
+            <a:r>
+              <a:rPr lang="en-US" sz="2100" dirty="0" err="1">
+                <a:effectLst/>
+                <a:latin typeface="Calibri (Body)"/>
+                <a:ea typeface="DengXian" panose="02010600030101010101" pitchFamily="2" charset="-122"/>
+                <a:cs typeface="Times New Roman" panose="02020603050405020304" pitchFamily="18" charset="0"/>
+              </a:rPr>
+              <a:t>dilakukan</a:t>
+            </a:r>
+            <a:r>
+              <a:rPr lang="en-US" sz="2100" dirty="0">
+                <a:effectLst/>
+                <a:latin typeface="Calibri (Body)"/>
+                <a:ea typeface="DengXian" panose="02010600030101010101" pitchFamily="2" charset="-122"/>
+                <a:cs typeface="Times New Roman" panose="02020603050405020304" pitchFamily="18" charset="0"/>
+              </a:rPr>
+              <a:t> user </a:t>
+            </a:r>
+            <a:r>
+              <a:rPr lang="en-US" sz="2100" dirty="0" err="1">
+                <a:effectLst/>
+                <a:latin typeface="Calibri (Body)"/>
+                <a:ea typeface="DengXian" panose="02010600030101010101" pitchFamily="2" charset="-122"/>
+                <a:cs typeface="Times New Roman" panose="02020603050405020304" pitchFamily="18" charset="0"/>
+              </a:rPr>
+              <a:t>berdasarkan</a:t>
+            </a:r>
+            <a:r>
+              <a:rPr lang="en-US" sz="2100" dirty="0">
+                <a:effectLst/>
+                <a:latin typeface="Calibri (Body)"/>
+                <a:ea typeface="DengXian" panose="02010600030101010101" pitchFamily="2" charset="-122"/>
+                <a:cs typeface="Times New Roman" panose="02020603050405020304" pitchFamily="18" charset="0"/>
+              </a:rPr>
+              <a:t> game yang </a:t>
+            </a:r>
+            <a:r>
+              <a:rPr lang="en-US" sz="2100" dirty="0" err="1">
+                <a:effectLst/>
+                <a:latin typeface="Calibri (Body)"/>
+                <a:ea typeface="DengXian" panose="02010600030101010101" pitchFamily="2" charset="-122"/>
+                <a:cs typeface="Times New Roman" panose="02020603050405020304" pitchFamily="18" charset="0"/>
+              </a:rPr>
+              <a:t>ditentukan</a:t>
+            </a:r>
+            <a:r>
+              <a:rPr lang="en-US" sz="2100" dirty="0">
+                <a:effectLst/>
+                <a:latin typeface="Calibri (Body)"/>
+                <a:ea typeface="DengXian" panose="02010600030101010101" pitchFamily="2" charset="-122"/>
+                <a:cs typeface="Times New Roman" panose="02020603050405020304" pitchFamily="18" charset="0"/>
+              </a:rPr>
+              <a:t> admin dan </a:t>
+            </a:r>
+            <a:r>
+              <a:rPr lang="en-US" sz="2100" dirty="0" err="1">
+                <a:effectLst/>
+                <a:latin typeface="Calibri (Body)"/>
+                <a:ea typeface="DengXian" panose="02010600030101010101" pitchFamily="2" charset="-122"/>
+                <a:cs typeface="Times New Roman" panose="02020603050405020304" pitchFamily="18" charset="0"/>
+              </a:rPr>
+              <a:t>dipilih</a:t>
+            </a:r>
+            <a:r>
+              <a:rPr lang="en-US" sz="2100" dirty="0">
+                <a:effectLst/>
+                <a:latin typeface="Calibri (Body)"/>
+                <a:ea typeface="DengXian" panose="02010600030101010101" pitchFamily="2" charset="-122"/>
+                <a:cs typeface="Times New Roman" panose="02020603050405020304" pitchFamily="18" charset="0"/>
+              </a:rPr>
+              <a:t> user. </a:t>
+            </a:r>
+            <a:r>
+              <a:rPr lang="en-US" sz="2100" dirty="0" err="1">
+                <a:effectLst/>
+                <a:latin typeface="Calibri (Body)"/>
+                <a:ea typeface="DengXian" panose="02010600030101010101" pitchFamily="2" charset="-122"/>
+                <a:cs typeface="Times New Roman" panose="02020603050405020304" pitchFamily="18" charset="0"/>
+              </a:rPr>
+              <a:t>Aplikasi</a:t>
+            </a:r>
+            <a:r>
+              <a:rPr lang="en-US" sz="2100" dirty="0">
+                <a:effectLst/>
+                <a:latin typeface="Calibri (Body)"/>
+                <a:ea typeface="DengXian" panose="02010600030101010101" pitchFamily="2" charset="-122"/>
+                <a:cs typeface="Times New Roman" panose="02020603050405020304" pitchFamily="18" charset="0"/>
+              </a:rPr>
+              <a:t> </a:t>
+            </a:r>
+            <a:r>
+              <a:rPr lang="en-US" sz="2100" dirty="0" err="1">
+                <a:effectLst/>
+                <a:latin typeface="Calibri (Body)"/>
+                <a:ea typeface="DengXian" panose="02010600030101010101" pitchFamily="2" charset="-122"/>
+                <a:cs typeface="Times New Roman" panose="02020603050405020304" pitchFamily="18" charset="0"/>
+              </a:rPr>
+              <a:t>ini</a:t>
+            </a:r>
+            <a:r>
+              <a:rPr lang="en-US" sz="2100" dirty="0">
+                <a:effectLst/>
+                <a:latin typeface="Calibri (Body)"/>
+                <a:ea typeface="DengXian" panose="02010600030101010101" pitchFamily="2" charset="-122"/>
+                <a:cs typeface="Times New Roman" panose="02020603050405020304" pitchFamily="18" charset="0"/>
+              </a:rPr>
+              <a:t> </a:t>
+            </a:r>
+            <a:r>
+              <a:rPr lang="en-US" sz="2100" dirty="0" err="1">
+                <a:effectLst/>
+                <a:latin typeface="Calibri (Body)"/>
+                <a:ea typeface="DengXian" panose="02010600030101010101" pitchFamily="2" charset="-122"/>
+                <a:cs typeface="Times New Roman" panose="02020603050405020304" pitchFamily="18" charset="0"/>
+              </a:rPr>
+              <a:t>dapat</a:t>
+            </a:r>
+            <a:r>
+              <a:rPr lang="en-US" sz="2100" dirty="0">
+                <a:effectLst/>
+                <a:latin typeface="Calibri (Body)"/>
+                <a:ea typeface="DengXian" panose="02010600030101010101" pitchFamily="2" charset="-122"/>
+                <a:cs typeface="Times New Roman" panose="02020603050405020304" pitchFamily="18" charset="0"/>
+              </a:rPr>
+              <a:t> </a:t>
+            </a:r>
+            <a:r>
+              <a:rPr lang="en-US" sz="2100" dirty="0" err="1">
+                <a:effectLst/>
+                <a:latin typeface="Calibri (Body)"/>
+                <a:ea typeface="DengXian" panose="02010600030101010101" pitchFamily="2" charset="-122"/>
+                <a:cs typeface="Times New Roman" panose="02020603050405020304" pitchFamily="18" charset="0"/>
+              </a:rPr>
+              <a:t>mendata</a:t>
+            </a:r>
+            <a:r>
+              <a:rPr lang="en-US" sz="2100" dirty="0">
+                <a:effectLst/>
+                <a:latin typeface="Calibri (Body)"/>
+                <a:ea typeface="DengXian" panose="02010600030101010101" pitchFamily="2" charset="-122"/>
+                <a:cs typeface="Times New Roman" panose="02020603050405020304" pitchFamily="18" charset="0"/>
+              </a:rPr>
+              <a:t> leaderboard </a:t>
+            </a:r>
+            <a:r>
+              <a:rPr lang="en-US" sz="2100" dirty="0" err="1">
+                <a:effectLst/>
+                <a:latin typeface="Calibri (Body)"/>
+                <a:ea typeface="DengXian" panose="02010600030101010101" pitchFamily="2" charset="-122"/>
+                <a:cs typeface="Times New Roman" panose="02020603050405020304" pitchFamily="18" charset="0"/>
+              </a:rPr>
+              <a:t>berdasarkan</a:t>
+            </a:r>
+            <a:r>
+              <a:rPr lang="en-US" sz="2100" dirty="0">
+                <a:effectLst/>
+                <a:latin typeface="Calibri (Body)"/>
+                <a:ea typeface="DengXian" panose="02010600030101010101" pitchFamily="2" charset="-122"/>
+                <a:cs typeface="Times New Roman" panose="02020603050405020304" pitchFamily="18" charset="0"/>
+              </a:rPr>
+              <a:t> data yang </a:t>
+            </a:r>
+            <a:r>
+              <a:rPr lang="en-US" sz="2100" dirty="0" err="1">
+                <a:effectLst/>
+                <a:latin typeface="Calibri (Body)"/>
+                <a:ea typeface="DengXian" panose="02010600030101010101" pitchFamily="2" charset="-122"/>
+                <a:cs typeface="Times New Roman" panose="02020603050405020304" pitchFamily="18" charset="0"/>
+              </a:rPr>
+              <a:t>telah</a:t>
+            </a:r>
+            <a:r>
+              <a:rPr lang="en-US" sz="2100" dirty="0">
+                <a:effectLst/>
+                <a:latin typeface="Calibri (Body)"/>
+                <a:ea typeface="DengXian" panose="02010600030101010101" pitchFamily="2" charset="-122"/>
+                <a:cs typeface="Times New Roman" panose="02020603050405020304" pitchFamily="18" charset="0"/>
+              </a:rPr>
+              <a:t> </a:t>
+            </a:r>
+            <a:r>
+              <a:rPr lang="en-US" sz="2100" dirty="0" err="1">
+                <a:effectLst/>
+                <a:latin typeface="Calibri (Body)"/>
+                <a:ea typeface="DengXian" panose="02010600030101010101" pitchFamily="2" charset="-122"/>
+                <a:cs typeface="Times New Roman" panose="02020603050405020304" pitchFamily="18" charset="0"/>
+              </a:rPr>
+              <a:t>diberikan</a:t>
+            </a:r>
+            <a:r>
+              <a:rPr lang="en-US" sz="2100" dirty="0">
+                <a:effectLst/>
+                <a:latin typeface="Calibri (Body)"/>
+                <a:ea typeface="DengXian" panose="02010600030101010101" pitchFamily="2" charset="-122"/>
+                <a:cs typeface="Times New Roman" panose="02020603050405020304" pitchFamily="18" charset="0"/>
+              </a:rPr>
+              <a:t> </a:t>
+            </a:r>
+            <a:r>
+              <a:rPr lang="en-US" sz="2100" dirty="0" err="1">
+                <a:effectLst/>
+                <a:latin typeface="Calibri (Body)"/>
+                <a:ea typeface="DengXian" panose="02010600030101010101" pitchFamily="2" charset="-122"/>
+                <a:cs typeface="Times New Roman" panose="02020603050405020304" pitchFamily="18" charset="0"/>
+              </a:rPr>
+              <a:t>kepada</a:t>
+            </a:r>
+            <a:r>
+              <a:rPr lang="en-US" sz="2100" dirty="0">
+                <a:effectLst/>
+                <a:latin typeface="Calibri (Body)"/>
+                <a:ea typeface="DengXian" panose="02010600030101010101" pitchFamily="2" charset="-122"/>
+                <a:cs typeface="Times New Roman" panose="02020603050405020304" pitchFamily="18" charset="0"/>
+              </a:rPr>
+              <a:t> user. Admin </a:t>
+            </a:r>
+            <a:r>
+              <a:rPr lang="en-US" sz="2100" dirty="0" err="1">
+                <a:effectLst/>
+                <a:latin typeface="Calibri (Body)"/>
+                <a:ea typeface="DengXian" panose="02010600030101010101" pitchFamily="2" charset="-122"/>
+                <a:cs typeface="Times New Roman" panose="02020603050405020304" pitchFamily="18" charset="0"/>
+              </a:rPr>
+              <a:t>dapat</a:t>
+            </a:r>
+            <a:r>
+              <a:rPr lang="en-US" sz="2100" dirty="0">
+                <a:effectLst/>
+                <a:latin typeface="Calibri (Body)"/>
+                <a:ea typeface="DengXian" panose="02010600030101010101" pitchFamily="2" charset="-122"/>
+                <a:cs typeface="Times New Roman" panose="02020603050405020304" pitchFamily="18" charset="0"/>
+              </a:rPr>
+              <a:t> </a:t>
+            </a:r>
+            <a:r>
+              <a:rPr lang="en-US" sz="2100" dirty="0" err="1">
+                <a:effectLst/>
+                <a:latin typeface="Calibri (Body)"/>
+                <a:ea typeface="DengXian" panose="02010600030101010101" pitchFamily="2" charset="-122"/>
+                <a:cs typeface="Times New Roman" panose="02020603050405020304" pitchFamily="18" charset="0"/>
+              </a:rPr>
+              <a:t>menambah</a:t>
+            </a:r>
+            <a:r>
+              <a:rPr lang="en-US" sz="2100" dirty="0">
+                <a:effectLst/>
+                <a:latin typeface="Calibri (Body)"/>
+                <a:ea typeface="DengXian" panose="02010600030101010101" pitchFamily="2" charset="-122"/>
+                <a:cs typeface="Times New Roman" panose="02020603050405020304" pitchFamily="18" charset="0"/>
+              </a:rPr>
+              <a:t> game, dan </a:t>
+            </a:r>
+            <a:r>
+              <a:rPr lang="en-US" sz="2100" dirty="0" err="1">
+                <a:effectLst/>
+                <a:latin typeface="Calibri (Body)"/>
+                <a:ea typeface="DengXian" panose="02010600030101010101" pitchFamily="2" charset="-122"/>
+                <a:cs typeface="Times New Roman" panose="02020603050405020304" pitchFamily="18" charset="0"/>
+              </a:rPr>
+              <a:t>membuat</a:t>
+            </a:r>
+            <a:r>
+              <a:rPr lang="en-US" sz="2100" dirty="0">
+                <a:effectLst/>
+                <a:latin typeface="Calibri (Body)"/>
+                <a:ea typeface="DengXian" panose="02010600030101010101" pitchFamily="2" charset="-122"/>
+                <a:cs typeface="Times New Roman" panose="02020603050405020304" pitchFamily="18" charset="0"/>
+              </a:rPr>
+              <a:t> </a:t>
+            </a:r>
+            <a:r>
+              <a:rPr lang="en-US" sz="2100" dirty="0" err="1">
+                <a:effectLst/>
+                <a:latin typeface="Calibri (Body)"/>
+                <a:ea typeface="DengXian" panose="02010600030101010101" pitchFamily="2" charset="-122"/>
+                <a:cs typeface="Times New Roman" panose="02020603050405020304" pitchFamily="18" charset="0"/>
+              </a:rPr>
+              <a:t>laporan</a:t>
+            </a:r>
+            <a:r>
+              <a:rPr lang="en-US" sz="2100" dirty="0">
+                <a:effectLst/>
+                <a:latin typeface="Calibri (Body)"/>
+                <a:ea typeface="DengXian" panose="02010600030101010101" pitchFamily="2" charset="-122"/>
+                <a:cs typeface="Times New Roman" panose="02020603050405020304" pitchFamily="18" charset="0"/>
+              </a:rPr>
+              <a:t> </a:t>
+            </a:r>
+            <a:r>
+              <a:rPr lang="en-US" sz="2100" dirty="0" err="1">
+                <a:effectLst/>
+                <a:latin typeface="Calibri (Body)"/>
+                <a:ea typeface="DengXian" panose="02010600030101010101" pitchFamily="2" charset="-122"/>
+                <a:cs typeface="Times New Roman" panose="02020603050405020304" pitchFamily="18" charset="0"/>
+              </a:rPr>
+              <a:t>berdasarkan</a:t>
+            </a:r>
+            <a:r>
+              <a:rPr lang="en-US" sz="2100" dirty="0">
+                <a:effectLst/>
+                <a:latin typeface="Calibri (Body)"/>
+                <a:ea typeface="DengXian" panose="02010600030101010101" pitchFamily="2" charset="-122"/>
+                <a:cs typeface="Times New Roman" panose="02020603050405020304" pitchFamily="18" charset="0"/>
+              </a:rPr>
+              <a:t> data yang </a:t>
+            </a:r>
+            <a:r>
+              <a:rPr lang="en-US" sz="2100" dirty="0" err="1">
+                <a:effectLst/>
+                <a:latin typeface="Calibri (Body)"/>
+                <a:ea typeface="DengXian" panose="02010600030101010101" pitchFamily="2" charset="-122"/>
+                <a:cs typeface="Times New Roman" panose="02020603050405020304" pitchFamily="18" charset="0"/>
+              </a:rPr>
+              <a:t>diperoleh</a:t>
+            </a:r>
+            <a:r>
+              <a:rPr lang="en-US" sz="2100" dirty="0">
+                <a:effectLst/>
+                <a:latin typeface="Calibri (Body)"/>
+                <a:ea typeface="DengXian" panose="02010600030101010101" pitchFamily="2" charset="-122"/>
+                <a:cs typeface="Times New Roman" panose="02020603050405020304" pitchFamily="18" charset="0"/>
+              </a:rPr>
+              <a:t> </a:t>
+            </a:r>
+            <a:r>
+              <a:rPr lang="en-US" sz="2100" dirty="0" err="1">
+                <a:effectLst/>
+                <a:latin typeface="Calibri (Body)"/>
+                <a:ea typeface="DengXian" panose="02010600030101010101" pitchFamily="2" charset="-122"/>
+                <a:cs typeface="Times New Roman" panose="02020603050405020304" pitchFamily="18" charset="0"/>
+              </a:rPr>
+              <a:t>dari</a:t>
+            </a:r>
+            <a:r>
+              <a:rPr lang="en-US" sz="2100" dirty="0">
+                <a:effectLst/>
+                <a:latin typeface="Calibri (Body)"/>
+                <a:ea typeface="DengXian" panose="02010600030101010101" pitchFamily="2" charset="-122"/>
+                <a:cs typeface="Times New Roman" panose="02020603050405020304" pitchFamily="18" charset="0"/>
+              </a:rPr>
+              <a:t> </a:t>
+            </a:r>
+            <a:r>
+              <a:rPr lang="en-US" sz="2100" dirty="0" err="1">
+                <a:effectLst/>
+                <a:latin typeface="Calibri (Body)"/>
+                <a:ea typeface="DengXian" panose="02010600030101010101" pitchFamily="2" charset="-122"/>
+                <a:cs typeface="Times New Roman" panose="02020603050405020304" pitchFamily="18" charset="0"/>
+              </a:rPr>
+              <a:t>aplikasi</a:t>
+            </a:r>
+            <a:r>
+              <a:rPr lang="en-US" sz="2100" dirty="0">
+                <a:effectLst/>
+                <a:latin typeface="Calibri (Body)"/>
+                <a:ea typeface="DengXian" panose="02010600030101010101" pitchFamily="2" charset="-122"/>
+                <a:cs typeface="Times New Roman" panose="02020603050405020304" pitchFamily="18" charset="0"/>
+              </a:rPr>
+              <a:t> </a:t>
+            </a:r>
+            <a:r>
+              <a:rPr lang="en-US" sz="2100" dirty="0" err="1">
+                <a:effectLst/>
+                <a:latin typeface="Calibri (Body)"/>
+                <a:ea typeface="DengXian" panose="02010600030101010101" pitchFamily="2" charset="-122"/>
+                <a:cs typeface="Times New Roman" panose="02020603050405020304" pitchFamily="18" charset="0"/>
+              </a:rPr>
+              <a:t>ke</a:t>
+            </a:r>
+            <a:r>
+              <a:rPr lang="en-US" sz="2100" dirty="0">
+                <a:effectLst/>
+                <a:latin typeface="Calibri (Body)"/>
+                <a:ea typeface="DengXian" panose="02010600030101010101" pitchFamily="2" charset="-122"/>
+                <a:cs typeface="Times New Roman" panose="02020603050405020304" pitchFamily="18" charset="0"/>
+              </a:rPr>
+              <a:t> </a:t>
+            </a:r>
+            <a:r>
+              <a:rPr lang="en-US" sz="2100" dirty="0" err="1">
+                <a:effectLst/>
+                <a:latin typeface="Calibri (Body)"/>
+                <a:ea typeface="DengXian" panose="02010600030101010101" pitchFamily="2" charset="-122"/>
+                <a:cs typeface="Times New Roman" panose="02020603050405020304" pitchFamily="18" charset="0"/>
+              </a:rPr>
+              <a:t>bentuk</a:t>
+            </a:r>
+            <a:r>
+              <a:rPr lang="en-US" sz="2100" dirty="0">
+                <a:effectLst/>
+                <a:latin typeface="Calibri (Body)"/>
+                <a:ea typeface="DengXian" panose="02010600030101010101" pitchFamily="2" charset="-122"/>
+                <a:cs typeface="Times New Roman" panose="02020603050405020304" pitchFamily="18" charset="0"/>
+              </a:rPr>
+              <a:t> csv. </a:t>
+            </a:r>
+            <a:r>
+              <a:rPr lang="en-US" sz="2100" dirty="0" err="1">
+                <a:effectLst/>
+                <a:latin typeface="Calibri (Body)"/>
+                <a:ea typeface="DengXian" panose="02010600030101010101" pitchFamily="2" charset="-122"/>
+                <a:cs typeface="Times New Roman" panose="02020603050405020304" pitchFamily="18" charset="0"/>
+              </a:rPr>
+              <a:t>Aplikasi</a:t>
+            </a:r>
+            <a:r>
+              <a:rPr lang="en-US" sz="2100" dirty="0">
+                <a:effectLst/>
+                <a:latin typeface="Calibri (Body)"/>
+                <a:ea typeface="DengXian" panose="02010600030101010101" pitchFamily="2" charset="-122"/>
+                <a:cs typeface="Times New Roman" panose="02020603050405020304" pitchFamily="18" charset="0"/>
+              </a:rPr>
+              <a:t> </a:t>
+            </a:r>
+            <a:r>
+              <a:rPr lang="en-US" sz="2100" dirty="0" err="1">
+                <a:effectLst/>
+                <a:latin typeface="Calibri (Body)"/>
+                <a:ea typeface="DengXian" panose="02010600030101010101" pitchFamily="2" charset="-122"/>
+                <a:cs typeface="Times New Roman" panose="02020603050405020304" pitchFamily="18" charset="0"/>
+              </a:rPr>
+              <a:t>ini</a:t>
+            </a:r>
+            <a:r>
+              <a:rPr lang="en-US" sz="2100" dirty="0">
+                <a:effectLst/>
+                <a:latin typeface="Calibri (Body)"/>
+                <a:ea typeface="DengXian" panose="02010600030101010101" pitchFamily="2" charset="-122"/>
+                <a:cs typeface="Times New Roman" panose="02020603050405020304" pitchFamily="18" charset="0"/>
+              </a:rPr>
+              <a:t> </a:t>
+            </a:r>
+            <a:r>
+              <a:rPr lang="en-US" sz="2100" dirty="0" err="1">
+                <a:effectLst/>
+                <a:latin typeface="Calibri (Body)"/>
+                <a:ea typeface="DengXian" panose="02010600030101010101" pitchFamily="2" charset="-122"/>
+                <a:cs typeface="Times New Roman" panose="02020603050405020304" pitchFamily="18" charset="0"/>
+              </a:rPr>
+              <a:t>dibuat</a:t>
+            </a:r>
+            <a:r>
+              <a:rPr lang="en-US" sz="2100" dirty="0">
+                <a:effectLst/>
+                <a:latin typeface="Calibri (Body)"/>
+                <a:ea typeface="DengXian" panose="02010600030101010101" pitchFamily="2" charset="-122"/>
+                <a:cs typeface="Times New Roman" panose="02020603050405020304" pitchFamily="18" charset="0"/>
+              </a:rPr>
+              <a:t> </a:t>
+            </a:r>
+            <a:r>
+              <a:rPr lang="en-US" sz="2100" dirty="0" err="1">
+                <a:effectLst/>
+                <a:latin typeface="Calibri (Body)"/>
+                <a:ea typeface="DengXian" panose="02010600030101010101" pitchFamily="2" charset="-122"/>
+                <a:cs typeface="Times New Roman" panose="02020603050405020304" pitchFamily="18" charset="0"/>
+              </a:rPr>
+              <a:t>dengan</a:t>
+            </a:r>
+            <a:r>
+              <a:rPr lang="en-US" sz="2100" dirty="0">
+                <a:effectLst/>
+                <a:latin typeface="Calibri (Body)"/>
+                <a:ea typeface="DengXian" panose="02010600030101010101" pitchFamily="2" charset="-122"/>
+                <a:cs typeface="Times New Roman" panose="02020603050405020304" pitchFamily="18" charset="0"/>
+              </a:rPr>
+              <a:t> </a:t>
+            </a:r>
+            <a:r>
+              <a:rPr lang="en-US" sz="2100" dirty="0" err="1">
+                <a:effectLst/>
+                <a:latin typeface="Calibri (Body)"/>
+                <a:ea typeface="DengXian" panose="02010600030101010101" pitchFamily="2" charset="-122"/>
+                <a:cs typeface="Times New Roman" panose="02020603050405020304" pitchFamily="18" charset="0"/>
+              </a:rPr>
+              <a:t>menggunakan</a:t>
+            </a:r>
+            <a:r>
+              <a:rPr lang="en-US" sz="2100" dirty="0">
+                <a:effectLst/>
+                <a:latin typeface="Calibri (Body)"/>
+                <a:ea typeface="DengXian" panose="02010600030101010101" pitchFamily="2" charset="-122"/>
+                <a:cs typeface="Times New Roman" panose="02020603050405020304" pitchFamily="18" charset="0"/>
+              </a:rPr>
+              <a:t> Bahasa </a:t>
+            </a:r>
+            <a:r>
+              <a:rPr lang="en-US" sz="2100" dirty="0" err="1">
+                <a:effectLst/>
+                <a:latin typeface="Calibri (Body)"/>
+                <a:ea typeface="DengXian" panose="02010600030101010101" pitchFamily="2" charset="-122"/>
+                <a:cs typeface="Times New Roman" panose="02020603050405020304" pitchFamily="18" charset="0"/>
+              </a:rPr>
+              <a:t>pemrograman</a:t>
+            </a:r>
+            <a:r>
+              <a:rPr lang="en-US" sz="2100" dirty="0">
+                <a:effectLst/>
+                <a:latin typeface="Calibri (Body)"/>
+                <a:ea typeface="DengXian" panose="02010600030101010101" pitchFamily="2" charset="-122"/>
+                <a:cs typeface="Times New Roman" panose="02020603050405020304" pitchFamily="18" charset="0"/>
+              </a:rPr>
+              <a:t> java dan </a:t>
+            </a:r>
+            <a:r>
+              <a:rPr lang="en-US" sz="2100" dirty="0" err="1">
+                <a:effectLst/>
+                <a:latin typeface="Calibri (Body)"/>
+                <a:ea typeface="DengXian" panose="02010600030101010101" pitchFamily="2" charset="-122"/>
+                <a:cs typeface="Times New Roman" panose="02020603050405020304" pitchFamily="18" charset="0"/>
+              </a:rPr>
+              <a:t>dibuat</a:t>
+            </a:r>
+            <a:r>
+              <a:rPr lang="en-US" sz="2100" dirty="0">
+                <a:effectLst/>
+                <a:latin typeface="Calibri (Body)"/>
+                <a:ea typeface="DengXian" panose="02010600030101010101" pitchFamily="2" charset="-122"/>
+                <a:cs typeface="Times New Roman" panose="02020603050405020304" pitchFamily="18" charset="0"/>
+              </a:rPr>
+              <a:t> </a:t>
+            </a:r>
+            <a:r>
+              <a:rPr lang="en-US" sz="2100" dirty="0" err="1">
+                <a:effectLst/>
+                <a:latin typeface="Calibri (Body)"/>
+                <a:ea typeface="DengXian" panose="02010600030101010101" pitchFamily="2" charset="-122"/>
+                <a:cs typeface="Times New Roman" panose="02020603050405020304" pitchFamily="18" charset="0"/>
+              </a:rPr>
+              <a:t>untuk</a:t>
+            </a:r>
+            <a:r>
+              <a:rPr lang="en-US" sz="2100" dirty="0">
+                <a:effectLst/>
+                <a:latin typeface="Calibri (Body)"/>
+                <a:ea typeface="DengXian" panose="02010600030101010101" pitchFamily="2" charset="-122"/>
+                <a:cs typeface="Times New Roman" panose="02020603050405020304" pitchFamily="18" charset="0"/>
+              </a:rPr>
+              <a:t> OS Android.</a:t>
+            </a:r>
+            <a:endParaRPr lang="id-ID" sz="2100" dirty="0">
+              <a:effectLst/>
+              <a:latin typeface="Calibri (Body)"/>
+              <a:ea typeface="DengXian" panose="02010600030101010101" pitchFamily="2" charset="-122"/>
+              <a:cs typeface="Times New Roman" panose="02020603050405020304" pitchFamily="18" charset="0"/>
+            </a:endParaRPr>
+          </a:p>
+          <a:p>
+            <a:pPr marL="457200" lvl="1" indent="0">
+              <a:buNone/>
+            </a:pPr>
+            <a:r>
+              <a:rPr lang="en-US" b="1" dirty="0" err="1"/>
+              <a:t>Deskripsi</a:t>
+            </a:r>
+            <a:r>
+              <a:rPr lang="en-US" b="1" dirty="0"/>
+              <a:t> </a:t>
+            </a:r>
+            <a:r>
+              <a:rPr lang="en-US" b="1" dirty="0" err="1"/>
+              <a:t>Fungsionalitas</a:t>
+            </a:r>
+            <a:endParaRPr lang="en-ID" b="1" dirty="0"/>
+          </a:p>
+          <a:p>
+            <a:pPr lvl="1"/>
+            <a:r>
+              <a:rPr lang="en-US" dirty="0"/>
+              <a:t>Login admin dan login user</a:t>
+            </a:r>
+            <a:endParaRPr lang="en-ID" dirty="0"/>
+          </a:p>
+          <a:p>
+            <a:pPr lvl="1"/>
+            <a:r>
+              <a:rPr lang="en-US" dirty="0"/>
+              <a:t>Daftar user</a:t>
+            </a:r>
+            <a:endParaRPr lang="en-ID" dirty="0"/>
+          </a:p>
+          <a:p>
+            <a:pPr lvl="1"/>
+            <a:r>
+              <a:rPr lang="en-US" dirty="0" err="1"/>
+              <a:t>Katalog</a:t>
+            </a:r>
+            <a:r>
+              <a:rPr lang="en-US" dirty="0"/>
+              <a:t> board game</a:t>
+            </a:r>
+            <a:endParaRPr lang="en-ID" dirty="0"/>
+          </a:p>
+          <a:p>
+            <a:pPr lvl="1"/>
+            <a:r>
+              <a:rPr lang="en-US" dirty="0" err="1"/>
+              <a:t>Kategori</a:t>
+            </a:r>
+            <a:r>
+              <a:rPr lang="en-US" dirty="0"/>
+              <a:t> game</a:t>
+            </a:r>
+            <a:endParaRPr lang="en-ID" dirty="0"/>
+          </a:p>
+          <a:p>
+            <a:pPr lvl="1"/>
+            <a:r>
+              <a:rPr lang="en-US" dirty="0" err="1"/>
+              <a:t>Membuat</a:t>
+            </a:r>
+            <a:r>
+              <a:rPr lang="en-US" dirty="0"/>
+              <a:t> data history</a:t>
+            </a:r>
+            <a:endParaRPr lang="en-ID" dirty="0"/>
+          </a:p>
+          <a:p>
+            <a:pPr lvl="1"/>
+            <a:r>
+              <a:rPr lang="en-US" dirty="0" err="1"/>
+              <a:t>Menambah</a:t>
+            </a:r>
+            <a:r>
+              <a:rPr lang="en-US" dirty="0"/>
+              <a:t> data game</a:t>
+            </a:r>
+            <a:endParaRPr lang="en-ID" dirty="0"/>
+          </a:p>
+          <a:p>
+            <a:pPr lvl="1"/>
+            <a:r>
+              <a:rPr lang="en-US" dirty="0" err="1"/>
+              <a:t>Mengganti</a:t>
+            </a:r>
+            <a:r>
+              <a:rPr lang="en-US" dirty="0"/>
+              <a:t> leaderboard</a:t>
+            </a:r>
+            <a:endParaRPr lang="en-ID" dirty="0"/>
+          </a:p>
+          <a:p>
+            <a:pPr lvl="1"/>
+            <a:r>
+              <a:rPr lang="en-US" dirty="0" err="1"/>
+              <a:t>Mengexport</a:t>
+            </a:r>
+            <a:r>
+              <a:rPr lang="en-US" dirty="0"/>
+              <a:t> data</a:t>
+            </a:r>
+            <a:endParaRPr lang="en-ID" dirty="0"/>
+          </a:p>
+        </p:txBody>
+      </p:sp>
     </p:spTree>
     <p:extLst>
       <p:ext uri="{BB962C8B-B14F-4D97-AF65-F5344CB8AC3E}">
-        <p14:creationId xmlns:p14="http://schemas.microsoft.com/office/powerpoint/2010/main" val="1447738250"/>
+        <p14:creationId xmlns:p14="http://schemas.microsoft.com/office/powerpoint/2010/main" val="1273568111"/>
       </p:ext>
     </p:extLst>
   </p:cSld>
@@ -7063,7 +7196,7 @@
           <p:cNvPr id="2" name="Title 1">
             <a:extLst>
               <a:ext uri="{FF2B5EF4-FFF2-40B4-BE49-F238E27FC236}">
-                <a16:creationId xmlns:a16="http://schemas.microsoft.com/office/drawing/2014/main" id="{0339D75E-8F97-4AC3-9378-EF73ECFED220}"/>
+                <a16:creationId xmlns:a16="http://schemas.microsoft.com/office/drawing/2014/main" id="{EBFBC61D-34FE-44F3-8A25-5E5B2638F249}"/>
               </a:ext>
             </a:extLst>
           </p:cNvPr>
@@ -7080,8 +7213,8 @@
           <a:lstStyle/>
           <a:p>
             <a:r>
-              <a:rPr lang="en-US" b="1" dirty="0"/>
-              <a:t>Gantt Chart</a:t>
+              <a:rPr lang="en-US" dirty="0"/>
+              <a:t>Work Breakdown Structure</a:t>
             </a:r>
             <a:endParaRPr lang="en-ID" dirty="0"/>
           </a:p>
@@ -7089,10 +7222,10 @@
       </p:sp>
       <p:pic>
         <p:nvPicPr>
-          <p:cNvPr id="5" name="Content Placeholder 4">
-            <a:extLst>
-              <a:ext uri="{FF2B5EF4-FFF2-40B4-BE49-F238E27FC236}">
-                <a16:creationId xmlns:a16="http://schemas.microsoft.com/office/drawing/2014/main" id="{567006A6-D088-46AD-BC7D-01C3297CE5F1}"/>
+          <p:cNvPr id="29" name="Content Placeholder 28">
+            <a:extLst>
+              <a:ext uri="{FF2B5EF4-FFF2-40B4-BE49-F238E27FC236}">
+                <a16:creationId xmlns:a16="http://schemas.microsoft.com/office/drawing/2014/main" id="{FEDAF3F4-3EB5-4B0D-910B-4F3909E7BD1E}"/>
               </a:ext>
             </a:extLst>
           </p:cNvPr>
@@ -7117,15 +7250,15 @@
         </p:blipFill>
         <p:spPr>
           <a:xfrm>
-            <a:off x="1219199" y="1828800"/>
-            <a:ext cx="9878292" cy="3768436"/>
+            <a:off x="1898073" y="1801092"/>
+            <a:ext cx="8437418" cy="3948284"/>
           </a:xfrm>
         </p:spPr>
       </p:pic>
     </p:spTree>
     <p:extLst>
       <p:ext uri="{BB962C8B-B14F-4D97-AF65-F5344CB8AC3E}">
-        <p14:creationId xmlns:p14="http://schemas.microsoft.com/office/powerpoint/2010/main" val="540108133"/>
+        <p14:creationId xmlns:p14="http://schemas.microsoft.com/office/powerpoint/2010/main" val="1447738250"/>
       </p:ext>
     </p:extLst>
   </p:cSld>
@@ -7157,7 +7290,7 @@
           <p:cNvPr id="2" name="Title 1">
             <a:extLst>
               <a:ext uri="{FF2B5EF4-FFF2-40B4-BE49-F238E27FC236}">
-                <a16:creationId xmlns:a16="http://schemas.microsoft.com/office/drawing/2014/main" id="{602C162F-EDD6-4BF2-8339-3EAA34E06F29}"/>
+                <a16:creationId xmlns:a16="http://schemas.microsoft.com/office/drawing/2014/main" id="{0339D75E-8F97-4AC3-9378-EF73ECFED220}"/>
               </a:ext>
             </a:extLst>
           </p:cNvPr>
@@ -7174,372 +7307,31 @@
           <a:lstStyle/>
           <a:p>
             <a:r>
-              <a:rPr lang="id-ID" dirty="0"/>
-              <a:t>Project </a:t>
-            </a:r>
-            <a:r>
-              <a:rPr lang="id-ID" dirty="0" err="1"/>
-              <a:t>Management</a:t>
-            </a:r>
-            <a:r>
-              <a:rPr lang="id-ID" dirty="0"/>
-              <a:t> </a:t>
-            </a:r>
-            <a:r>
-              <a:rPr lang="id-ID" dirty="0" err="1"/>
-              <a:t>Tools</a:t>
-            </a:r>
-            <a:r>
-              <a:rPr lang="en-US" dirty="0"/>
-              <a:t> : </a:t>
-            </a:r>
-            <a:r>
-              <a:rPr lang="id-ID" dirty="0" err="1"/>
-              <a:t>Notion</a:t>
-            </a:r>
-            <a:endParaRPr lang="en-ID" dirty="0"/>
-          </a:p>
-        </p:txBody>
-      </p:sp>
-      <p:sp>
-        <p:nvSpPr>
-          <p:cNvPr id="3" name="Content Placeholder 2">
-            <a:extLst>
-              <a:ext uri="{FF2B5EF4-FFF2-40B4-BE49-F238E27FC236}">
-                <a16:creationId xmlns:a16="http://schemas.microsoft.com/office/drawing/2014/main" id="{5147FEA4-B9C0-4C15-9856-2831442A1BE6}"/>
-              </a:ext>
-            </a:extLst>
-          </p:cNvPr>
-          <p:cNvSpPr>
-            <a:spLocks noGrp="1"/>
-          </p:cNvSpPr>
-          <p:nvPr>
-            <p:ph idx="1"/>
-          </p:nvPr>
-        </p:nvSpPr>
-        <p:spPr>
-          <a:xfrm>
-            <a:off x="838200" y="1508126"/>
-            <a:ext cx="10515600" cy="583746"/>
-          </a:xfrm>
-        </p:spPr>
-        <p:txBody>
-          <a:bodyPr>
-            <a:normAutofit lnSpcReduction="10000"/>
-          </a:bodyPr>
-          <a:lstStyle/>
-          <a:p>
-            <a:pPr marL="0" indent="0">
-              <a:buNone/>
-            </a:pPr>
-            <a:r>
-              <a:rPr lang="en-US" sz="1800" dirty="0">
-                <a:effectLst/>
-                <a:latin typeface="Times New Roman" panose="02020603050405020304" pitchFamily="18" charset="0"/>
-                <a:ea typeface="DengXian" panose="02010600030101010101" pitchFamily="2" charset="-122"/>
-                <a:cs typeface="Times New Roman" panose="02020603050405020304" pitchFamily="18" charset="0"/>
-              </a:rPr>
-              <a:t>Tools </a:t>
-            </a:r>
-            <a:r>
-              <a:rPr lang="en-US" sz="1800" dirty="0" err="1">
-                <a:effectLst/>
-                <a:latin typeface="Times New Roman" panose="02020603050405020304" pitchFamily="18" charset="0"/>
-                <a:ea typeface="DengXian" panose="02010600030101010101" pitchFamily="2" charset="-122"/>
-                <a:cs typeface="Times New Roman" panose="02020603050405020304" pitchFamily="18" charset="0"/>
-              </a:rPr>
-              <a:t>ini</a:t>
-            </a:r>
-            <a:r>
-              <a:rPr lang="en-US" sz="1800" dirty="0">
-                <a:effectLst/>
-                <a:latin typeface="Times New Roman" panose="02020603050405020304" pitchFamily="18" charset="0"/>
-                <a:ea typeface="DengXian" panose="02010600030101010101" pitchFamily="2" charset="-122"/>
-                <a:cs typeface="Times New Roman" panose="02020603050405020304" pitchFamily="18" charset="0"/>
-              </a:rPr>
-              <a:t> </a:t>
-            </a:r>
-            <a:r>
-              <a:rPr lang="en-US" sz="1800" dirty="0" err="1">
-                <a:effectLst/>
-                <a:latin typeface="Times New Roman" panose="02020603050405020304" pitchFamily="18" charset="0"/>
-                <a:ea typeface="DengXian" panose="02010600030101010101" pitchFamily="2" charset="-122"/>
-                <a:cs typeface="Times New Roman" panose="02020603050405020304" pitchFamily="18" charset="0"/>
-              </a:rPr>
-              <a:t>dipilih</a:t>
-            </a:r>
-            <a:r>
-              <a:rPr lang="en-US" sz="1800" dirty="0">
-                <a:effectLst/>
-                <a:latin typeface="Times New Roman" panose="02020603050405020304" pitchFamily="18" charset="0"/>
-                <a:ea typeface="DengXian" panose="02010600030101010101" pitchFamily="2" charset="-122"/>
-                <a:cs typeface="Times New Roman" panose="02020603050405020304" pitchFamily="18" charset="0"/>
-              </a:rPr>
-              <a:t> </a:t>
-            </a:r>
-            <a:r>
-              <a:rPr lang="en-US" sz="1800" dirty="0" err="1">
-                <a:effectLst/>
-                <a:latin typeface="Times New Roman" panose="02020603050405020304" pitchFamily="18" charset="0"/>
-                <a:ea typeface="DengXian" panose="02010600030101010101" pitchFamily="2" charset="-122"/>
-                <a:cs typeface="Times New Roman" panose="02020603050405020304" pitchFamily="18" charset="0"/>
-              </a:rPr>
-              <a:t>karena</a:t>
-            </a:r>
-            <a:r>
-              <a:rPr lang="en-US" sz="1800" dirty="0">
-                <a:effectLst/>
-                <a:latin typeface="Times New Roman" panose="02020603050405020304" pitchFamily="18" charset="0"/>
-                <a:ea typeface="DengXian" panose="02010600030101010101" pitchFamily="2" charset="-122"/>
-                <a:cs typeface="Times New Roman" panose="02020603050405020304" pitchFamily="18" charset="0"/>
-              </a:rPr>
-              <a:t> </a:t>
-            </a:r>
-            <a:r>
-              <a:rPr lang="en-US" sz="1800" dirty="0" err="1">
-                <a:effectLst/>
-                <a:latin typeface="Times New Roman" panose="02020603050405020304" pitchFamily="18" charset="0"/>
-                <a:ea typeface="DengXian" panose="02010600030101010101" pitchFamily="2" charset="-122"/>
-                <a:cs typeface="Times New Roman" panose="02020603050405020304" pitchFamily="18" charset="0"/>
-              </a:rPr>
-              <a:t>kemudahan</a:t>
-            </a:r>
-            <a:r>
-              <a:rPr lang="en-US" sz="1800" dirty="0">
-                <a:effectLst/>
-                <a:latin typeface="Times New Roman" panose="02020603050405020304" pitchFamily="18" charset="0"/>
-                <a:ea typeface="DengXian" panose="02010600030101010101" pitchFamily="2" charset="-122"/>
-                <a:cs typeface="Times New Roman" panose="02020603050405020304" pitchFamily="18" charset="0"/>
-              </a:rPr>
-              <a:t> </a:t>
-            </a:r>
-            <a:r>
-              <a:rPr lang="en-US" sz="1800" dirty="0" err="1">
-                <a:effectLst/>
-                <a:latin typeface="Times New Roman" panose="02020603050405020304" pitchFamily="18" charset="0"/>
-                <a:ea typeface="DengXian" panose="02010600030101010101" pitchFamily="2" charset="-122"/>
-                <a:cs typeface="Times New Roman" panose="02020603050405020304" pitchFamily="18" charset="0"/>
-              </a:rPr>
-              <a:t>penggunaan</a:t>
-            </a:r>
-            <a:r>
-              <a:rPr lang="en-US" sz="1800" dirty="0">
-                <a:effectLst/>
-                <a:latin typeface="Times New Roman" panose="02020603050405020304" pitchFamily="18" charset="0"/>
-                <a:ea typeface="DengXian" panose="02010600030101010101" pitchFamily="2" charset="-122"/>
-                <a:cs typeface="Times New Roman" panose="02020603050405020304" pitchFamily="18" charset="0"/>
-              </a:rPr>
-              <a:t> </a:t>
-            </a:r>
-            <a:r>
-              <a:rPr lang="en-US" sz="1800" dirty="0" err="1">
-                <a:effectLst/>
-                <a:latin typeface="Times New Roman" panose="02020603050405020304" pitchFamily="18" charset="0"/>
-                <a:ea typeface="DengXian" panose="02010600030101010101" pitchFamily="2" charset="-122"/>
-                <a:cs typeface="Times New Roman" panose="02020603050405020304" pitchFamily="18" charset="0"/>
-              </a:rPr>
-              <a:t>bagi</a:t>
-            </a:r>
-            <a:r>
-              <a:rPr lang="en-US" sz="1800" dirty="0">
-                <a:effectLst/>
-                <a:latin typeface="Times New Roman" panose="02020603050405020304" pitchFamily="18" charset="0"/>
-                <a:ea typeface="DengXian" panose="02010600030101010101" pitchFamily="2" charset="-122"/>
-                <a:cs typeface="Times New Roman" panose="02020603050405020304" pitchFamily="18" charset="0"/>
-              </a:rPr>
-              <a:t> user. Tools </a:t>
-            </a:r>
-            <a:r>
-              <a:rPr lang="en-US" sz="1800" dirty="0" err="1">
-                <a:effectLst/>
-                <a:latin typeface="Times New Roman" panose="02020603050405020304" pitchFamily="18" charset="0"/>
-                <a:ea typeface="DengXian" panose="02010600030101010101" pitchFamily="2" charset="-122"/>
-                <a:cs typeface="Times New Roman" panose="02020603050405020304" pitchFamily="18" charset="0"/>
-              </a:rPr>
-              <a:t>ini</a:t>
-            </a:r>
-            <a:r>
-              <a:rPr lang="en-US" sz="1800" dirty="0">
-                <a:effectLst/>
-                <a:latin typeface="Times New Roman" panose="02020603050405020304" pitchFamily="18" charset="0"/>
-                <a:ea typeface="DengXian" panose="02010600030101010101" pitchFamily="2" charset="-122"/>
-                <a:cs typeface="Times New Roman" panose="02020603050405020304" pitchFamily="18" charset="0"/>
-              </a:rPr>
-              <a:t> juga </a:t>
-            </a:r>
-            <a:r>
-              <a:rPr lang="en-US" sz="1800" dirty="0" err="1">
-                <a:effectLst/>
-                <a:latin typeface="Times New Roman" panose="02020603050405020304" pitchFamily="18" charset="0"/>
-                <a:ea typeface="DengXian" panose="02010600030101010101" pitchFamily="2" charset="-122"/>
-                <a:cs typeface="Times New Roman" panose="02020603050405020304" pitchFamily="18" charset="0"/>
-              </a:rPr>
-              <a:t>dapat</a:t>
-            </a:r>
-            <a:r>
-              <a:rPr lang="en-US" sz="1800" dirty="0">
-                <a:effectLst/>
-                <a:latin typeface="Times New Roman" panose="02020603050405020304" pitchFamily="18" charset="0"/>
-                <a:ea typeface="DengXian" panose="02010600030101010101" pitchFamily="2" charset="-122"/>
-                <a:cs typeface="Times New Roman" panose="02020603050405020304" pitchFamily="18" charset="0"/>
-              </a:rPr>
-              <a:t> </a:t>
-            </a:r>
-            <a:r>
-              <a:rPr lang="en-US" sz="1800" dirty="0" err="1">
-                <a:effectLst/>
-                <a:latin typeface="Times New Roman" panose="02020603050405020304" pitchFamily="18" charset="0"/>
-                <a:ea typeface="DengXian" panose="02010600030101010101" pitchFamily="2" charset="-122"/>
-                <a:cs typeface="Times New Roman" panose="02020603050405020304" pitchFamily="18" charset="0"/>
-              </a:rPr>
-              <a:t>diinstall</a:t>
-            </a:r>
-            <a:r>
-              <a:rPr lang="en-US" sz="1800" dirty="0">
-                <a:effectLst/>
-                <a:latin typeface="Times New Roman" panose="02020603050405020304" pitchFamily="18" charset="0"/>
-                <a:ea typeface="DengXian" panose="02010600030101010101" pitchFamily="2" charset="-122"/>
-                <a:cs typeface="Times New Roman" panose="02020603050405020304" pitchFamily="18" charset="0"/>
-              </a:rPr>
-              <a:t> di android, </a:t>
-            </a:r>
-            <a:r>
-              <a:rPr lang="en-US" sz="1800" dirty="0" err="1">
-                <a:effectLst/>
-                <a:latin typeface="Times New Roman" panose="02020603050405020304" pitchFamily="18" charset="0"/>
-                <a:ea typeface="DengXian" panose="02010600030101010101" pitchFamily="2" charset="-122"/>
-                <a:cs typeface="Times New Roman" panose="02020603050405020304" pitchFamily="18" charset="0"/>
-              </a:rPr>
-              <a:t>sehingga</a:t>
-            </a:r>
-            <a:r>
-              <a:rPr lang="en-US" sz="1800" dirty="0">
-                <a:effectLst/>
-                <a:latin typeface="Times New Roman" panose="02020603050405020304" pitchFamily="18" charset="0"/>
-                <a:ea typeface="DengXian" panose="02010600030101010101" pitchFamily="2" charset="-122"/>
-                <a:cs typeface="Times New Roman" panose="02020603050405020304" pitchFamily="18" charset="0"/>
-              </a:rPr>
-              <a:t> </a:t>
-            </a:r>
-            <a:r>
-              <a:rPr lang="en-US" sz="1800" dirty="0" err="1">
-                <a:effectLst/>
-                <a:latin typeface="Times New Roman" panose="02020603050405020304" pitchFamily="18" charset="0"/>
-                <a:ea typeface="DengXian" panose="02010600030101010101" pitchFamily="2" charset="-122"/>
-                <a:cs typeface="Times New Roman" panose="02020603050405020304" pitchFamily="18" charset="0"/>
-              </a:rPr>
-              <a:t>memudahkan</a:t>
-            </a:r>
-            <a:r>
-              <a:rPr lang="en-US" sz="1800" dirty="0">
-                <a:effectLst/>
-                <a:latin typeface="Times New Roman" panose="02020603050405020304" pitchFamily="18" charset="0"/>
-                <a:ea typeface="DengXian" panose="02010600030101010101" pitchFamily="2" charset="-122"/>
-                <a:cs typeface="Times New Roman" panose="02020603050405020304" pitchFamily="18" charset="0"/>
-              </a:rPr>
-              <a:t> </a:t>
-            </a:r>
-            <a:r>
-              <a:rPr lang="en-US" sz="1800" dirty="0" err="1">
-                <a:effectLst/>
-                <a:latin typeface="Times New Roman" panose="02020603050405020304" pitchFamily="18" charset="0"/>
-                <a:ea typeface="DengXian" panose="02010600030101010101" pitchFamily="2" charset="-122"/>
-                <a:cs typeface="Times New Roman" panose="02020603050405020304" pitchFamily="18" charset="0"/>
-              </a:rPr>
-              <a:t>pengguna</a:t>
-            </a:r>
-            <a:r>
-              <a:rPr lang="en-US" sz="1800" dirty="0">
-                <a:effectLst/>
-                <a:latin typeface="Times New Roman" panose="02020603050405020304" pitchFamily="18" charset="0"/>
-                <a:ea typeface="DengXian" panose="02010600030101010101" pitchFamily="2" charset="-122"/>
-                <a:cs typeface="Times New Roman" panose="02020603050405020304" pitchFamily="18" charset="0"/>
-              </a:rPr>
-              <a:t> </a:t>
-            </a:r>
-            <a:r>
-              <a:rPr lang="en-US" sz="1800" dirty="0" err="1">
-                <a:effectLst/>
-                <a:latin typeface="Times New Roman" panose="02020603050405020304" pitchFamily="18" charset="0"/>
-                <a:ea typeface="DengXian" panose="02010600030101010101" pitchFamily="2" charset="-122"/>
-                <a:cs typeface="Times New Roman" panose="02020603050405020304" pitchFamily="18" charset="0"/>
-              </a:rPr>
-              <a:t>dalam</a:t>
-            </a:r>
-            <a:r>
-              <a:rPr lang="en-US" sz="1800" dirty="0">
-                <a:effectLst/>
-                <a:latin typeface="Times New Roman" panose="02020603050405020304" pitchFamily="18" charset="0"/>
-                <a:ea typeface="DengXian" panose="02010600030101010101" pitchFamily="2" charset="-122"/>
-                <a:cs typeface="Times New Roman" panose="02020603050405020304" pitchFamily="18" charset="0"/>
-              </a:rPr>
-              <a:t> </a:t>
-            </a:r>
-            <a:r>
-              <a:rPr lang="en-US" sz="1800" dirty="0" err="1">
-                <a:effectLst/>
-                <a:latin typeface="Times New Roman" panose="02020603050405020304" pitchFamily="18" charset="0"/>
-                <a:ea typeface="DengXian" panose="02010600030101010101" pitchFamily="2" charset="-122"/>
-                <a:cs typeface="Times New Roman" panose="02020603050405020304" pitchFamily="18" charset="0"/>
-              </a:rPr>
-              <a:t>melihat</a:t>
-            </a:r>
-            <a:r>
-              <a:rPr lang="en-US" sz="1800" dirty="0">
-                <a:effectLst/>
-                <a:latin typeface="Times New Roman" panose="02020603050405020304" pitchFamily="18" charset="0"/>
-                <a:ea typeface="DengXian" panose="02010600030101010101" pitchFamily="2" charset="-122"/>
-                <a:cs typeface="Times New Roman" panose="02020603050405020304" pitchFamily="18" charset="0"/>
-              </a:rPr>
-              <a:t> progress dan </a:t>
-            </a:r>
-            <a:r>
-              <a:rPr lang="en-US" sz="1800" dirty="0" err="1">
-                <a:effectLst/>
-                <a:latin typeface="Times New Roman" panose="02020603050405020304" pitchFamily="18" charset="0"/>
-                <a:ea typeface="DengXian" panose="02010600030101010101" pitchFamily="2" charset="-122"/>
-                <a:cs typeface="Times New Roman" panose="02020603050405020304" pitchFamily="18" charset="0"/>
-              </a:rPr>
-              <a:t>mengupdatenya</a:t>
-            </a:r>
-            <a:r>
-              <a:rPr lang="en-US" sz="1800" dirty="0">
-                <a:effectLst/>
-                <a:latin typeface="Times New Roman" panose="02020603050405020304" pitchFamily="18" charset="0"/>
-                <a:ea typeface="DengXian" panose="02010600030101010101" pitchFamily="2" charset="-122"/>
-                <a:cs typeface="Times New Roman" panose="02020603050405020304" pitchFamily="18" charset="0"/>
-              </a:rPr>
-              <a:t>.</a:t>
-            </a:r>
-            <a:endParaRPr lang="id-ID" sz="1800" dirty="0">
-              <a:effectLst/>
-              <a:latin typeface="Times New Roman" panose="02020603050405020304" pitchFamily="18" charset="0"/>
-              <a:ea typeface="DengXian" panose="02010600030101010101" pitchFamily="2" charset="-122"/>
-              <a:cs typeface="Times New Roman" panose="02020603050405020304" pitchFamily="18" charset="0"/>
-            </a:endParaRPr>
-          </a:p>
-          <a:p>
-            <a:pPr marL="0" indent="0">
-              <a:buNone/>
-            </a:pPr>
+              <a:rPr lang="en-US" b="1" dirty="0"/>
+              <a:t>Gantt Chart</a:t>
+            </a:r>
             <a:endParaRPr lang="en-ID" dirty="0"/>
           </a:p>
         </p:txBody>
       </p:sp>
       <p:pic>
         <p:nvPicPr>
-          <p:cNvPr id="4" name="Picture 3">
-            <a:extLst>
-              <a:ext uri="{FF2B5EF4-FFF2-40B4-BE49-F238E27FC236}">
-                <a16:creationId xmlns:a16="http://schemas.microsoft.com/office/drawing/2014/main" id="{E2A289EB-4469-4327-B32B-22B3CC10107A}"/>
-              </a:ext>
-            </a:extLst>
-          </p:cNvPr>
-          <p:cNvPicPr/>
-          <p:nvPr/>
+          <p:cNvPr id="5" name="Content Placeholder 4">
+            <a:extLst>
+              <a:ext uri="{FF2B5EF4-FFF2-40B4-BE49-F238E27FC236}">
+                <a16:creationId xmlns:a16="http://schemas.microsoft.com/office/drawing/2014/main" id="{567006A6-D088-46AD-BC7D-01C3297CE5F1}"/>
+              </a:ext>
+            </a:extLst>
+          </p:cNvPr>
+          <p:cNvPicPr>
+            <a:picLocks noGrp="1" noChangeAspect="1"/>
+          </p:cNvPicPr>
+          <p:nvPr>
+            <p:ph idx="1"/>
+          </p:nvPr>
         </p:nvPicPr>
         <p:blipFill>
-          <a:blip r:embed="rId2" cstate="print">
+          <a:blip r:embed="rId2">
             <a:extLst>
               <a:ext uri="{28A0092B-C50C-407E-A947-70E740481C1C}">
                 <a14:useLocalDpi xmlns:a14="http://schemas.microsoft.com/office/drawing/2010/main" val="0"/>
@@ -7552,18 +7344,15 @@
         </p:blipFill>
         <p:spPr>
           <a:xfrm>
-            <a:off x="1494971" y="2091872"/>
-            <a:ext cx="9405257" cy="4401003"/>
+            <a:off x="1219199" y="1828800"/>
+            <a:ext cx="9878292" cy="3768436"/>
           </a:xfrm>
-          <a:prstGeom prst="rect">
-            <a:avLst/>
-          </a:prstGeom>
         </p:spPr>
       </p:pic>
     </p:spTree>
     <p:extLst>
       <p:ext uri="{BB962C8B-B14F-4D97-AF65-F5344CB8AC3E}">
-        <p14:creationId xmlns:p14="http://schemas.microsoft.com/office/powerpoint/2010/main" val="1419492776"/>
+        <p14:creationId xmlns:p14="http://schemas.microsoft.com/office/powerpoint/2010/main" val="540108133"/>
       </p:ext>
     </p:extLst>
   </p:cSld>
@@ -7595,7 +7384,7 @@
           <p:cNvPr id="2" name="Title 1">
             <a:extLst>
               <a:ext uri="{FF2B5EF4-FFF2-40B4-BE49-F238E27FC236}">
-                <a16:creationId xmlns:a16="http://schemas.microsoft.com/office/drawing/2014/main" id="{455292C5-3699-4130-80A6-E328D765CBC4}"/>
+                <a16:creationId xmlns:a16="http://schemas.microsoft.com/office/drawing/2014/main" id="{602C162F-EDD6-4BF2-8339-3EAA34E06F29}"/>
               </a:ext>
             </a:extLst>
           </p:cNvPr>
@@ -7608,25 +7397,43 @@
         </p:nvSpPr>
         <p:spPr/>
         <p:txBody>
-          <a:bodyPr>
-            <a:normAutofit/>
-          </a:bodyPr>
+          <a:bodyPr/>
           <a:lstStyle/>
           <a:p>
             <a:r>
+              <a:rPr lang="id-ID" dirty="0"/>
+              <a:t>Project </a:t>
+            </a:r>
+            <a:r>
+              <a:rPr lang="id-ID" dirty="0" err="1"/>
+              <a:t>Management</a:t>
+            </a:r>
+            <a:r>
+              <a:rPr lang="id-ID" dirty="0"/>
+              <a:t> </a:t>
+            </a:r>
+            <a:r>
+              <a:rPr lang="id-ID" dirty="0" err="1"/>
+              <a:t>Tools</a:t>
+            </a:r>
+            <a:r>
               <a:rPr lang="en-US" dirty="0"/>
-              <a:t>Diagram : Draw.io</a:t>
-            </a:r>
-            <a:endParaRPr lang="id-ID" dirty="0"/>
+              <a:t> : </a:t>
+            </a:r>
+            <a:r>
+              <a:rPr lang="id-ID" dirty="0" err="1"/>
+              <a:t>Notion</a:t>
+            </a:r>
+            <a:endParaRPr lang="en-ID" dirty="0"/>
           </a:p>
         </p:txBody>
       </p:sp>
       <p:sp>
         <p:nvSpPr>
-          <p:cNvPr id="6" name="Content Placeholder 5">
-            <a:extLst>
-              <a:ext uri="{FF2B5EF4-FFF2-40B4-BE49-F238E27FC236}">
-                <a16:creationId xmlns:a16="http://schemas.microsoft.com/office/drawing/2014/main" id="{DC4E54E9-C4DE-4CD7-99EB-F29C49456BB6}"/>
+          <p:cNvPr id="3" name="Content Placeholder 2">
+            <a:extLst>
+              <a:ext uri="{FF2B5EF4-FFF2-40B4-BE49-F238E27FC236}">
+                <a16:creationId xmlns:a16="http://schemas.microsoft.com/office/drawing/2014/main" id="{5147FEA4-B9C0-4C15-9856-2831442A1BE6}"/>
               </a:ext>
             </a:extLst>
           </p:cNvPr>
@@ -7639,14 +7446,28 @@
         </p:nvSpPr>
         <p:spPr>
           <a:xfrm>
-            <a:off x="838200" y="1825625"/>
-            <a:ext cx="10515600" cy="402670"/>
+            <a:off x="838200" y="1508126"/>
+            <a:ext cx="10515600" cy="583746"/>
           </a:xfrm>
         </p:spPr>
         <p:txBody>
-          <a:bodyPr/>
+          <a:bodyPr>
+            <a:normAutofit lnSpcReduction="10000"/>
+          </a:bodyPr>
           <a:lstStyle/>
           <a:p>
+            <a:pPr marL="0" indent="0">
+              <a:buNone/>
+            </a:pPr>
+            <a:r>
+              <a:rPr lang="en-US" sz="1800" dirty="0">
+                <a:effectLst/>
+                <a:latin typeface="Times New Roman" panose="02020603050405020304" pitchFamily="18" charset="0"/>
+                <a:ea typeface="DengXian" panose="02010600030101010101" pitchFamily="2" charset="-122"/>
+                <a:cs typeface="Times New Roman" panose="02020603050405020304" pitchFamily="18" charset="0"/>
+              </a:rPr>
+              <a:t>Tools </a:t>
+            </a:r>
             <a:r>
               <a:rPr lang="en-US" sz="1800" dirty="0" err="1">
                 <a:effectLst/>
@@ -7654,7 +7475,7 @@
                 <a:ea typeface="DengXian" panose="02010600030101010101" pitchFamily="2" charset="-122"/>
                 <a:cs typeface="Times New Roman" panose="02020603050405020304" pitchFamily="18" charset="0"/>
               </a:rPr>
-              <a:t>Aplikasi</a:t>
+              <a:t>ini</a:t>
             </a:r>
             <a:r>
               <a:rPr lang="en-US" sz="1800" dirty="0">
@@ -7672,6 +7493,96 @@
                 <a:ea typeface="DengXian" panose="02010600030101010101" pitchFamily="2" charset="-122"/>
                 <a:cs typeface="Times New Roman" panose="02020603050405020304" pitchFamily="18" charset="0"/>
               </a:rPr>
+              <a:t>dipilih</a:t>
+            </a:r>
+            <a:r>
+              <a:rPr lang="en-US" sz="1800" dirty="0">
+                <a:effectLst/>
+                <a:latin typeface="Times New Roman" panose="02020603050405020304" pitchFamily="18" charset="0"/>
+                <a:ea typeface="DengXian" panose="02010600030101010101" pitchFamily="2" charset="-122"/>
+                <a:cs typeface="Times New Roman" panose="02020603050405020304" pitchFamily="18" charset="0"/>
+              </a:rPr>
+              <a:t> </a:t>
+            </a:r>
+            <a:r>
+              <a:rPr lang="en-US" sz="1800" dirty="0" err="1">
+                <a:effectLst/>
+                <a:latin typeface="Times New Roman" panose="02020603050405020304" pitchFamily="18" charset="0"/>
+                <a:ea typeface="DengXian" panose="02010600030101010101" pitchFamily="2" charset="-122"/>
+                <a:cs typeface="Times New Roman" panose="02020603050405020304" pitchFamily="18" charset="0"/>
+              </a:rPr>
+              <a:t>karena</a:t>
+            </a:r>
+            <a:r>
+              <a:rPr lang="en-US" sz="1800" dirty="0">
+                <a:effectLst/>
+                <a:latin typeface="Times New Roman" panose="02020603050405020304" pitchFamily="18" charset="0"/>
+                <a:ea typeface="DengXian" panose="02010600030101010101" pitchFamily="2" charset="-122"/>
+                <a:cs typeface="Times New Roman" panose="02020603050405020304" pitchFamily="18" charset="0"/>
+              </a:rPr>
+              <a:t> </a:t>
+            </a:r>
+            <a:r>
+              <a:rPr lang="en-US" sz="1800" dirty="0" err="1">
+                <a:effectLst/>
+                <a:latin typeface="Times New Roman" panose="02020603050405020304" pitchFamily="18" charset="0"/>
+                <a:ea typeface="DengXian" panose="02010600030101010101" pitchFamily="2" charset="-122"/>
+                <a:cs typeface="Times New Roman" panose="02020603050405020304" pitchFamily="18" charset="0"/>
+              </a:rPr>
+              <a:t>kemudahan</a:t>
+            </a:r>
+            <a:r>
+              <a:rPr lang="en-US" sz="1800" dirty="0">
+                <a:effectLst/>
+                <a:latin typeface="Times New Roman" panose="02020603050405020304" pitchFamily="18" charset="0"/>
+                <a:ea typeface="DengXian" panose="02010600030101010101" pitchFamily="2" charset="-122"/>
+                <a:cs typeface="Times New Roman" panose="02020603050405020304" pitchFamily="18" charset="0"/>
+              </a:rPr>
+              <a:t> </a:t>
+            </a:r>
+            <a:r>
+              <a:rPr lang="en-US" sz="1800" dirty="0" err="1">
+                <a:effectLst/>
+                <a:latin typeface="Times New Roman" panose="02020603050405020304" pitchFamily="18" charset="0"/>
+                <a:ea typeface="DengXian" panose="02010600030101010101" pitchFamily="2" charset="-122"/>
+                <a:cs typeface="Times New Roman" panose="02020603050405020304" pitchFamily="18" charset="0"/>
+              </a:rPr>
+              <a:t>penggunaan</a:t>
+            </a:r>
+            <a:r>
+              <a:rPr lang="en-US" sz="1800" dirty="0">
+                <a:effectLst/>
+                <a:latin typeface="Times New Roman" panose="02020603050405020304" pitchFamily="18" charset="0"/>
+                <a:ea typeface="DengXian" panose="02010600030101010101" pitchFamily="2" charset="-122"/>
+                <a:cs typeface="Times New Roman" panose="02020603050405020304" pitchFamily="18" charset="0"/>
+              </a:rPr>
+              <a:t> </a:t>
+            </a:r>
+            <a:r>
+              <a:rPr lang="en-US" sz="1800" dirty="0" err="1">
+                <a:effectLst/>
+                <a:latin typeface="Times New Roman" panose="02020603050405020304" pitchFamily="18" charset="0"/>
+                <a:ea typeface="DengXian" panose="02010600030101010101" pitchFamily="2" charset="-122"/>
+                <a:cs typeface="Times New Roman" panose="02020603050405020304" pitchFamily="18" charset="0"/>
+              </a:rPr>
+              <a:t>bagi</a:t>
+            </a:r>
+            <a:r>
+              <a:rPr lang="en-US" sz="1800" dirty="0">
+                <a:effectLst/>
+                <a:latin typeface="Times New Roman" panose="02020603050405020304" pitchFamily="18" charset="0"/>
+                <a:ea typeface="DengXian" panose="02010600030101010101" pitchFamily="2" charset="-122"/>
+                <a:cs typeface="Times New Roman" panose="02020603050405020304" pitchFamily="18" charset="0"/>
+              </a:rPr>
+              <a:t> user. Tools </a:t>
+            </a:r>
+            <a:r>
+              <a:rPr lang="en-US" sz="1800" dirty="0" err="1">
+                <a:effectLst/>
+                <a:latin typeface="Times New Roman" panose="02020603050405020304" pitchFamily="18" charset="0"/>
+                <a:ea typeface="DengXian" panose="02010600030101010101" pitchFamily="2" charset="-122"/>
+                <a:cs typeface="Times New Roman" panose="02020603050405020304" pitchFamily="18" charset="0"/>
+              </a:rPr>
               <a:t>ini</a:t>
             </a:r>
             <a:r>
@@ -7681,7 +7592,7 @@
                 <a:ea typeface="DengXian" panose="02010600030101010101" pitchFamily="2" charset="-122"/>
                 <a:cs typeface="Times New Roman" panose="02020603050405020304" pitchFamily="18" charset="0"/>
               </a:rPr>
-              <a:t> </a:t>
+              <a:t> juga </a:t>
             </a:r>
             <a:r>
               <a:rPr lang="en-US" sz="1800" dirty="0" err="1">
@@ -7690,7 +7601,7 @@
                 <a:ea typeface="DengXian" panose="02010600030101010101" pitchFamily="2" charset="-122"/>
                 <a:cs typeface="Times New Roman" panose="02020603050405020304" pitchFamily="18" charset="0"/>
               </a:rPr>
-              <a:t>dipilih</a:t>
+              <a:t>dapat</a:t>
             </a:r>
             <a:r>
               <a:rPr lang="en-US" sz="1800" dirty="0">
@@ -7708,7 +7619,7 @@
                 <a:ea typeface="DengXian" panose="02010600030101010101" pitchFamily="2" charset="-122"/>
                 <a:cs typeface="Times New Roman" panose="02020603050405020304" pitchFamily="18" charset="0"/>
               </a:rPr>
-              <a:t>karena</a:t>
+              <a:t>diinstall</a:t>
             </a:r>
             <a:r>
               <a:rPr lang="en-US" sz="1800" dirty="0">
@@ -7717,7 +7628,7 @@
                 <a:ea typeface="DengXian" panose="02010600030101010101" pitchFamily="2" charset="-122"/>
                 <a:cs typeface="Times New Roman" panose="02020603050405020304" pitchFamily="18" charset="0"/>
               </a:rPr>
-              <a:t> </a:t>
+              <a:t> di android, </a:t>
             </a:r>
             <a:r>
               <a:rPr lang="en-US" sz="1800" dirty="0" err="1">
@@ -7726,7 +7637,7 @@
                 <a:ea typeface="DengXian" panose="02010600030101010101" pitchFamily="2" charset="-122"/>
                 <a:cs typeface="Times New Roman" panose="02020603050405020304" pitchFamily="18" charset="0"/>
               </a:rPr>
-              <a:t>mudah</a:t>
+              <a:t>sehingga</a:t>
             </a:r>
             <a:r>
               <a:rPr lang="en-US" sz="1800" dirty="0">
@@ -7744,7 +7655,7 @@
                 <a:ea typeface="DengXian" panose="02010600030101010101" pitchFamily="2" charset="-122"/>
                 <a:cs typeface="Times New Roman" panose="02020603050405020304" pitchFamily="18" charset="0"/>
               </a:rPr>
-              <a:t>diakses</a:t>
+              <a:t>memudahkan</a:t>
             </a:r>
             <a:r>
               <a:rPr lang="en-US" sz="1800" dirty="0">
@@ -7753,7 +7664,7 @@
                 <a:ea typeface="DengXian" panose="02010600030101010101" pitchFamily="2" charset="-122"/>
                 <a:cs typeface="Times New Roman" panose="02020603050405020304" pitchFamily="18" charset="0"/>
               </a:rPr>
-              <a:t> dan </a:t>
+              <a:t> </a:t>
             </a:r>
             <a:r>
               <a:rPr lang="en-US" sz="1800" dirty="0" err="1">
@@ -7762,7 +7673,7 @@
                 <a:ea typeface="DengXian" panose="02010600030101010101" pitchFamily="2" charset="-122"/>
                 <a:cs typeface="Times New Roman" panose="02020603050405020304" pitchFamily="18" charset="0"/>
               </a:rPr>
-              <a:t>memiliki</a:t>
+              <a:t>pengguna</a:t>
             </a:r>
             <a:r>
               <a:rPr lang="en-US" sz="1800" dirty="0">
@@ -7780,7 +7691,7 @@
                 <a:ea typeface="DengXian" panose="02010600030101010101" pitchFamily="2" charset="-122"/>
                 <a:cs typeface="Times New Roman" panose="02020603050405020304" pitchFamily="18" charset="0"/>
               </a:rPr>
-              <a:t>banyak</a:t>
+              <a:t>dalam</a:t>
             </a:r>
             <a:r>
               <a:rPr lang="en-US" sz="1800" dirty="0">
@@ -7798,7 +7709,7 @@
                 <a:ea typeface="DengXian" panose="02010600030101010101" pitchFamily="2" charset="-122"/>
                 <a:cs typeface="Times New Roman" panose="02020603050405020304" pitchFamily="18" charset="0"/>
               </a:rPr>
-              <a:t>jenis</a:t>
+              <a:t>melihat</a:t>
             </a:r>
             <a:r>
               <a:rPr lang="en-US" sz="1800" dirty="0">
@@ -7807,7 +7718,7 @@
                 <a:ea typeface="DengXian" panose="02010600030101010101" pitchFamily="2" charset="-122"/>
                 <a:cs typeface="Times New Roman" panose="02020603050405020304" pitchFamily="18" charset="0"/>
               </a:rPr>
-              <a:t> </a:t>
+              <a:t> progress dan </a:t>
             </a:r>
             <a:r>
               <a:rPr lang="en-US" sz="1800" dirty="0" err="1">
@@ -7816,25 +7727,7 @@
                 <a:ea typeface="DengXian" panose="02010600030101010101" pitchFamily="2" charset="-122"/>
                 <a:cs typeface="Times New Roman" panose="02020603050405020304" pitchFamily="18" charset="0"/>
               </a:rPr>
-              <a:t>uml</a:t>
-            </a:r>
-            <a:r>
-              <a:rPr lang="en-US" sz="1800" dirty="0">
-                <a:effectLst/>
-                <a:latin typeface="Times New Roman" panose="02020603050405020304" pitchFamily="18" charset="0"/>
-                <a:ea typeface="DengXian" panose="02010600030101010101" pitchFamily="2" charset="-122"/>
-                <a:cs typeface="Times New Roman" panose="02020603050405020304" pitchFamily="18" charset="0"/>
-              </a:rPr>
-              <a:t> yang </a:t>
-            </a:r>
-            <a:r>
-              <a:rPr lang="en-US" sz="1800" dirty="0" err="1">
-                <a:effectLst/>
-                <a:latin typeface="Times New Roman" panose="02020603050405020304" pitchFamily="18" charset="0"/>
-                <a:ea typeface="DengXian" panose="02010600030101010101" pitchFamily="2" charset="-122"/>
-                <a:cs typeface="Times New Roman" panose="02020603050405020304" pitchFamily="18" charset="0"/>
-              </a:rPr>
-              <a:t>disediakan</a:t>
+              <a:t>mengupdatenya</a:t>
             </a:r>
             <a:r>
               <a:rPr lang="en-US" sz="1800" dirty="0">
@@ -7856,26 +7749,24 @@
             <a:pPr marL="0" indent="0">
               <a:buNone/>
             </a:pPr>
-            <a:endParaRPr lang="id-ID" dirty="0"/>
+            <a:endParaRPr lang="en-ID" dirty="0"/>
           </a:p>
         </p:txBody>
       </p:sp>
       <p:pic>
         <p:nvPicPr>
-          <p:cNvPr id="9" name="Picture 8">
-            <a:extLst>
-              <a:ext uri="{FF2B5EF4-FFF2-40B4-BE49-F238E27FC236}">
-                <a16:creationId xmlns:a16="http://schemas.microsoft.com/office/drawing/2014/main" id="{3B3CB111-0C89-484F-B7A3-EAA78B0A5929}"/>
-              </a:ext>
-            </a:extLst>
-          </p:cNvPr>
-          <p:cNvPicPr>
-            <a:picLocks noChangeAspect="1"/>
-          </p:cNvPicPr>
+          <p:cNvPr id="4" name="Picture 3">
+            <a:extLst>
+              <a:ext uri="{FF2B5EF4-FFF2-40B4-BE49-F238E27FC236}">
+                <a16:creationId xmlns:a16="http://schemas.microsoft.com/office/drawing/2014/main" id="{E2A289EB-4469-4327-B32B-22B3CC10107A}"/>
+              </a:ext>
+            </a:extLst>
+          </p:cNvPr>
+          <p:cNvPicPr/>
           <p:nvPr/>
         </p:nvPicPr>
         <p:blipFill>
-          <a:blip r:embed="rId2">
+          <a:blip r:embed="rId2" cstate="print">
             <a:extLst>
               <a:ext uri="{28A0092B-C50C-407E-A947-70E740481C1C}">
                 <a14:useLocalDpi xmlns:a14="http://schemas.microsoft.com/office/drawing/2010/main" val="0"/>
@@ -7888,8 +7779,8 @@
         </p:blipFill>
         <p:spPr>
           <a:xfrm>
-            <a:off x="2265285" y="2228295"/>
-            <a:ext cx="7661429" cy="4309554"/>
+            <a:off x="1494971" y="2091872"/>
+            <a:ext cx="9405257" cy="4401003"/>
           </a:xfrm>
           <a:prstGeom prst="rect">
             <a:avLst/>
@@ -7899,7 +7790,7 @@
     </p:spTree>
     <p:extLst>
       <p:ext uri="{BB962C8B-B14F-4D97-AF65-F5344CB8AC3E}">
-        <p14:creationId xmlns:p14="http://schemas.microsoft.com/office/powerpoint/2010/main" val="1778832632"/>
+        <p14:creationId xmlns:p14="http://schemas.microsoft.com/office/powerpoint/2010/main" val="1419492776"/>
       </p:ext>
     </p:extLst>
   </p:cSld>
@@ -7931,7 +7822,7 @@
           <p:cNvPr id="2" name="Title 1">
             <a:extLst>
               <a:ext uri="{FF2B5EF4-FFF2-40B4-BE49-F238E27FC236}">
-                <a16:creationId xmlns:a16="http://schemas.microsoft.com/office/drawing/2014/main" id="{0E8755E2-1B2C-4A56-AE48-B76DD6D13845}"/>
+                <a16:creationId xmlns:a16="http://schemas.microsoft.com/office/drawing/2014/main" id="{455292C5-3699-4130-80A6-E328D765CBC4}"/>
               </a:ext>
             </a:extLst>
           </p:cNvPr>
@@ -7942,10 +7833,41 @@
             <p:ph type="title"/>
           </p:nvPr>
         </p:nvSpPr>
+        <p:spPr/>
+        <p:txBody>
+          <a:bodyPr>
+            <a:normAutofit/>
+          </a:bodyPr>
+          <a:lstStyle/>
+          <a:p>
+            <a:r>
+              <a:rPr lang="en-US" dirty="0"/>
+              <a:t>Diagram : Draw.io</a:t>
+            </a:r>
+            <a:endParaRPr lang="id-ID" dirty="0"/>
+          </a:p>
+        </p:txBody>
+      </p:sp>
+      <p:sp>
+        <p:nvSpPr>
+          <p:cNvPr id="6" name="Content Placeholder 5">
+            <a:extLst>
+              <a:ext uri="{FF2B5EF4-FFF2-40B4-BE49-F238E27FC236}">
+                <a16:creationId xmlns:a16="http://schemas.microsoft.com/office/drawing/2014/main" id="{DC4E54E9-C4DE-4CD7-99EB-F29C49456BB6}"/>
+              </a:ext>
+            </a:extLst>
+          </p:cNvPr>
+          <p:cNvSpPr>
+            <a:spLocks noGrp="1"/>
+          </p:cNvSpPr>
+          <p:nvPr>
+            <p:ph idx="1"/>
+          </p:nvPr>
+        </p:nvSpPr>
         <p:spPr>
           <a:xfrm>
-            <a:off x="0" y="0"/>
-            <a:ext cx="10515600" cy="839561"/>
+            <a:off x="838200" y="1825625"/>
+            <a:ext cx="10515600" cy="402670"/>
           </a:xfrm>
         </p:spPr>
         <p:txBody>
@@ -7953,19 +7875,224 @@
           <a:lstStyle/>
           <a:p>
             <a:r>
-              <a:rPr lang="id-ID" dirty="0"/>
-              <a:t>Wireframe Admin</a:t>
-            </a:r>
-            <a:endParaRPr lang="en-ID" dirty="0"/>
+              <a:rPr lang="en-US" sz="1800" dirty="0" err="1">
+                <a:effectLst/>
+                <a:latin typeface="Times New Roman" panose="02020603050405020304" pitchFamily="18" charset="0"/>
+                <a:ea typeface="DengXian" panose="02010600030101010101" pitchFamily="2" charset="-122"/>
+                <a:cs typeface="Times New Roman" panose="02020603050405020304" pitchFamily="18" charset="0"/>
+              </a:rPr>
+              <a:t>Aplikasi</a:t>
+            </a:r>
+            <a:r>
+              <a:rPr lang="en-US" sz="1800" dirty="0">
+                <a:effectLst/>
+                <a:latin typeface="Times New Roman" panose="02020603050405020304" pitchFamily="18" charset="0"/>
+                <a:ea typeface="DengXian" panose="02010600030101010101" pitchFamily="2" charset="-122"/>
+                <a:cs typeface="Times New Roman" panose="02020603050405020304" pitchFamily="18" charset="0"/>
+              </a:rPr>
+              <a:t> </a:t>
+            </a:r>
+            <a:r>
+              <a:rPr lang="en-US" sz="1800" dirty="0" err="1">
+                <a:effectLst/>
+                <a:latin typeface="Times New Roman" panose="02020603050405020304" pitchFamily="18" charset="0"/>
+                <a:ea typeface="DengXian" panose="02010600030101010101" pitchFamily="2" charset="-122"/>
+                <a:cs typeface="Times New Roman" panose="02020603050405020304" pitchFamily="18" charset="0"/>
+              </a:rPr>
+              <a:t>ini</a:t>
+            </a:r>
+            <a:r>
+              <a:rPr lang="en-US" sz="1800" dirty="0">
+                <a:effectLst/>
+                <a:latin typeface="Times New Roman" panose="02020603050405020304" pitchFamily="18" charset="0"/>
+                <a:ea typeface="DengXian" panose="02010600030101010101" pitchFamily="2" charset="-122"/>
+                <a:cs typeface="Times New Roman" panose="02020603050405020304" pitchFamily="18" charset="0"/>
+              </a:rPr>
+              <a:t> </a:t>
+            </a:r>
+            <a:r>
+              <a:rPr lang="en-US" sz="1800" dirty="0" err="1">
+                <a:effectLst/>
+                <a:latin typeface="Times New Roman" panose="02020603050405020304" pitchFamily="18" charset="0"/>
+                <a:ea typeface="DengXian" panose="02010600030101010101" pitchFamily="2" charset="-122"/>
+                <a:cs typeface="Times New Roman" panose="02020603050405020304" pitchFamily="18" charset="0"/>
+              </a:rPr>
+              <a:t>dipilih</a:t>
+            </a:r>
+            <a:r>
+              <a:rPr lang="en-US" sz="1800" dirty="0">
+                <a:effectLst/>
+                <a:latin typeface="Times New Roman" panose="02020603050405020304" pitchFamily="18" charset="0"/>
+                <a:ea typeface="DengXian" panose="02010600030101010101" pitchFamily="2" charset="-122"/>
+                <a:cs typeface="Times New Roman" panose="02020603050405020304" pitchFamily="18" charset="0"/>
+              </a:rPr>
+              <a:t> </a:t>
+            </a:r>
+            <a:r>
+              <a:rPr lang="en-US" sz="1800" dirty="0" err="1">
+                <a:effectLst/>
+                <a:latin typeface="Times New Roman" panose="02020603050405020304" pitchFamily="18" charset="0"/>
+                <a:ea typeface="DengXian" panose="02010600030101010101" pitchFamily="2" charset="-122"/>
+                <a:cs typeface="Times New Roman" panose="02020603050405020304" pitchFamily="18" charset="0"/>
+              </a:rPr>
+              <a:t>karena</a:t>
+            </a:r>
+            <a:r>
+              <a:rPr lang="en-US" sz="1800" dirty="0">
+                <a:effectLst/>
+                <a:latin typeface="Times New Roman" panose="02020603050405020304" pitchFamily="18" charset="0"/>
+                <a:ea typeface="DengXian" panose="02010600030101010101" pitchFamily="2" charset="-122"/>
+                <a:cs typeface="Times New Roman" panose="02020603050405020304" pitchFamily="18" charset="0"/>
+              </a:rPr>
+              <a:t> </a:t>
+            </a:r>
+            <a:r>
+              <a:rPr lang="en-US" sz="1800" dirty="0" err="1">
+                <a:effectLst/>
+                <a:latin typeface="Times New Roman" panose="02020603050405020304" pitchFamily="18" charset="0"/>
+                <a:ea typeface="DengXian" panose="02010600030101010101" pitchFamily="2" charset="-122"/>
+                <a:cs typeface="Times New Roman" panose="02020603050405020304" pitchFamily="18" charset="0"/>
+              </a:rPr>
+              <a:t>mudah</a:t>
+            </a:r>
+            <a:r>
+              <a:rPr lang="en-US" sz="1800" dirty="0">
+                <a:effectLst/>
+                <a:latin typeface="Times New Roman" panose="02020603050405020304" pitchFamily="18" charset="0"/>
+                <a:ea typeface="DengXian" panose="02010600030101010101" pitchFamily="2" charset="-122"/>
+                <a:cs typeface="Times New Roman" panose="02020603050405020304" pitchFamily="18" charset="0"/>
+              </a:rPr>
+              <a:t> </a:t>
+            </a:r>
+            <a:r>
+              <a:rPr lang="en-US" sz="1800" dirty="0" err="1">
+                <a:effectLst/>
+                <a:latin typeface="Times New Roman" panose="02020603050405020304" pitchFamily="18" charset="0"/>
+                <a:ea typeface="DengXian" panose="02010600030101010101" pitchFamily="2" charset="-122"/>
+                <a:cs typeface="Times New Roman" panose="02020603050405020304" pitchFamily="18" charset="0"/>
+              </a:rPr>
+              <a:t>diakses</a:t>
+            </a:r>
+            <a:r>
+              <a:rPr lang="en-US" sz="1800" dirty="0">
+                <a:effectLst/>
+                <a:latin typeface="Times New Roman" panose="02020603050405020304" pitchFamily="18" charset="0"/>
+                <a:ea typeface="DengXian" panose="02010600030101010101" pitchFamily="2" charset="-122"/>
+                <a:cs typeface="Times New Roman" panose="02020603050405020304" pitchFamily="18" charset="0"/>
+              </a:rPr>
+              <a:t> dan </a:t>
+            </a:r>
+            <a:r>
+              <a:rPr lang="en-US" sz="1800" dirty="0" err="1">
+                <a:effectLst/>
+                <a:latin typeface="Times New Roman" panose="02020603050405020304" pitchFamily="18" charset="0"/>
+                <a:ea typeface="DengXian" panose="02010600030101010101" pitchFamily="2" charset="-122"/>
+                <a:cs typeface="Times New Roman" panose="02020603050405020304" pitchFamily="18" charset="0"/>
+              </a:rPr>
+              <a:t>memiliki</a:t>
+            </a:r>
+            <a:r>
+              <a:rPr lang="en-US" sz="1800" dirty="0">
+                <a:effectLst/>
+                <a:latin typeface="Times New Roman" panose="02020603050405020304" pitchFamily="18" charset="0"/>
+                <a:ea typeface="DengXian" panose="02010600030101010101" pitchFamily="2" charset="-122"/>
+                <a:cs typeface="Times New Roman" panose="02020603050405020304" pitchFamily="18" charset="0"/>
+              </a:rPr>
+              <a:t> </a:t>
+            </a:r>
+            <a:r>
+              <a:rPr lang="en-US" sz="1800" dirty="0" err="1">
+                <a:effectLst/>
+                <a:latin typeface="Times New Roman" panose="02020603050405020304" pitchFamily="18" charset="0"/>
+                <a:ea typeface="DengXian" panose="02010600030101010101" pitchFamily="2" charset="-122"/>
+                <a:cs typeface="Times New Roman" panose="02020603050405020304" pitchFamily="18" charset="0"/>
+              </a:rPr>
+              <a:t>banyak</a:t>
+            </a:r>
+            <a:r>
+              <a:rPr lang="en-US" sz="1800" dirty="0">
+                <a:effectLst/>
+                <a:latin typeface="Times New Roman" panose="02020603050405020304" pitchFamily="18" charset="0"/>
+                <a:ea typeface="DengXian" panose="02010600030101010101" pitchFamily="2" charset="-122"/>
+                <a:cs typeface="Times New Roman" panose="02020603050405020304" pitchFamily="18" charset="0"/>
+              </a:rPr>
+              <a:t> </a:t>
+            </a:r>
+            <a:r>
+              <a:rPr lang="en-US" sz="1800" dirty="0" err="1">
+                <a:effectLst/>
+                <a:latin typeface="Times New Roman" panose="02020603050405020304" pitchFamily="18" charset="0"/>
+                <a:ea typeface="DengXian" panose="02010600030101010101" pitchFamily="2" charset="-122"/>
+                <a:cs typeface="Times New Roman" panose="02020603050405020304" pitchFamily="18" charset="0"/>
+              </a:rPr>
+              <a:t>jenis</a:t>
+            </a:r>
+            <a:r>
+              <a:rPr lang="en-US" sz="1800" dirty="0">
+                <a:effectLst/>
+                <a:latin typeface="Times New Roman" panose="02020603050405020304" pitchFamily="18" charset="0"/>
+                <a:ea typeface="DengXian" panose="02010600030101010101" pitchFamily="2" charset="-122"/>
+                <a:cs typeface="Times New Roman" panose="02020603050405020304" pitchFamily="18" charset="0"/>
+              </a:rPr>
+              <a:t> </a:t>
+            </a:r>
+            <a:r>
+              <a:rPr lang="en-US" sz="1800" dirty="0" err="1">
+                <a:effectLst/>
+                <a:latin typeface="Times New Roman" panose="02020603050405020304" pitchFamily="18" charset="0"/>
+                <a:ea typeface="DengXian" panose="02010600030101010101" pitchFamily="2" charset="-122"/>
+                <a:cs typeface="Times New Roman" panose="02020603050405020304" pitchFamily="18" charset="0"/>
+              </a:rPr>
+              <a:t>uml</a:t>
+            </a:r>
+            <a:r>
+              <a:rPr lang="en-US" sz="1800" dirty="0">
+                <a:effectLst/>
+                <a:latin typeface="Times New Roman" panose="02020603050405020304" pitchFamily="18" charset="0"/>
+                <a:ea typeface="DengXian" panose="02010600030101010101" pitchFamily="2" charset="-122"/>
+                <a:cs typeface="Times New Roman" panose="02020603050405020304" pitchFamily="18" charset="0"/>
+              </a:rPr>
+              <a:t> yang </a:t>
+            </a:r>
+            <a:r>
+              <a:rPr lang="en-US" sz="1800" dirty="0" err="1">
+                <a:effectLst/>
+                <a:latin typeface="Times New Roman" panose="02020603050405020304" pitchFamily="18" charset="0"/>
+                <a:ea typeface="DengXian" panose="02010600030101010101" pitchFamily="2" charset="-122"/>
+                <a:cs typeface="Times New Roman" panose="02020603050405020304" pitchFamily="18" charset="0"/>
+              </a:rPr>
+              <a:t>disediakan</a:t>
+            </a:r>
+            <a:r>
+              <a:rPr lang="en-US" sz="1800" dirty="0">
+                <a:effectLst/>
+                <a:latin typeface="Times New Roman" panose="02020603050405020304" pitchFamily="18" charset="0"/>
+                <a:ea typeface="DengXian" panose="02010600030101010101" pitchFamily="2" charset="-122"/>
+                <a:cs typeface="Times New Roman" panose="02020603050405020304" pitchFamily="18" charset="0"/>
+              </a:rPr>
+              <a:t>.</a:t>
+            </a:r>
+            <a:endParaRPr lang="id-ID" sz="1800" dirty="0">
+              <a:effectLst/>
+              <a:latin typeface="Times New Roman" panose="02020603050405020304" pitchFamily="18" charset="0"/>
+              <a:ea typeface="DengXian" panose="02010600030101010101" pitchFamily="2" charset="-122"/>
+              <a:cs typeface="Times New Roman" panose="02020603050405020304" pitchFamily="18" charset="0"/>
+            </a:endParaRPr>
+          </a:p>
+          <a:p>
+            <a:pPr marL="0" indent="0">
+              <a:buNone/>
+            </a:pPr>
+            <a:endParaRPr lang="id-ID" dirty="0"/>
           </a:p>
         </p:txBody>
       </p:sp>
       <p:pic>
         <p:nvPicPr>
-          <p:cNvPr id="4" name="Picture 3">
-            <a:extLst>
-              <a:ext uri="{FF2B5EF4-FFF2-40B4-BE49-F238E27FC236}">
-                <a16:creationId xmlns:a16="http://schemas.microsoft.com/office/drawing/2014/main" id="{109BDD53-8C62-4367-B686-629CF127F7A0}"/>
+          <p:cNvPr id="9" name="Picture 8">
+            <a:extLst>
+              <a:ext uri="{FF2B5EF4-FFF2-40B4-BE49-F238E27FC236}">
+                <a16:creationId xmlns:a16="http://schemas.microsoft.com/office/drawing/2014/main" id="{3B3CB111-0C89-484F-B7A3-EAA78B0A5929}"/>
               </a:ext>
             </a:extLst>
           </p:cNvPr>
@@ -7988,8 +8115,8 @@
         </p:blipFill>
         <p:spPr>
           <a:xfrm>
-            <a:off x="0" y="839561"/>
-            <a:ext cx="12192000" cy="5943463"/>
+            <a:off x="2265285" y="2228295"/>
+            <a:ext cx="7661429" cy="4309554"/>
           </a:xfrm>
           <a:prstGeom prst="rect">
             <a:avLst/>
@@ -7999,7 +8126,7 @@
     </p:spTree>
     <p:extLst>
       <p:ext uri="{BB962C8B-B14F-4D97-AF65-F5344CB8AC3E}">
-        <p14:creationId xmlns:p14="http://schemas.microsoft.com/office/powerpoint/2010/main" val="1017706826"/>
+        <p14:creationId xmlns:p14="http://schemas.microsoft.com/office/powerpoint/2010/main" val="1778832632"/>
       </p:ext>
     </p:extLst>
   </p:cSld>
@@ -8031,7 +8158,7 @@
           <p:cNvPr id="2" name="Title 1">
             <a:extLst>
               <a:ext uri="{FF2B5EF4-FFF2-40B4-BE49-F238E27FC236}">
-                <a16:creationId xmlns:a16="http://schemas.microsoft.com/office/drawing/2014/main" id="{2224CC44-A963-4A1E-A1C7-3ABB1A8E1F77}"/>
+                <a16:creationId xmlns:a16="http://schemas.microsoft.com/office/drawing/2014/main" id="{0E8755E2-1B2C-4A56-AE48-B76DD6D13845}"/>
               </a:ext>
             </a:extLst>
           </p:cNvPr>
@@ -8045,7 +8172,7 @@
         <p:spPr>
           <a:xfrm>
             <a:off x="0" y="0"/>
-            <a:ext cx="10515600" cy="909493"/>
+            <a:ext cx="10515600" cy="839561"/>
           </a:xfrm>
         </p:spPr>
         <p:txBody>
@@ -8054,7 +8181,7 @@
           <a:p>
             <a:r>
               <a:rPr lang="id-ID" dirty="0"/>
-              <a:t>Wireframe Client</a:t>
+              <a:t>Wireframe Admin</a:t>
             </a:r>
             <a:endParaRPr lang="en-ID" dirty="0"/>
           </a:p>
@@ -8062,10 +8189,10 @@
       </p:sp>
       <p:pic>
         <p:nvPicPr>
-          <p:cNvPr id="5" name="Picture 4">
-            <a:extLst>
-              <a:ext uri="{FF2B5EF4-FFF2-40B4-BE49-F238E27FC236}">
-                <a16:creationId xmlns:a16="http://schemas.microsoft.com/office/drawing/2014/main" id="{5019BAA8-A96A-4ACD-B560-7494801BEFCA}"/>
+          <p:cNvPr id="4" name="Picture 3">
+            <a:extLst>
+              <a:ext uri="{FF2B5EF4-FFF2-40B4-BE49-F238E27FC236}">
+                <a16:creationId xmlns:a16="http://schemas.microsoft.com/office/drawing/2014/main" id="{109BDD53-8C62-4367-B686-629CF127F7A0}"/>
               </a:ext>
             </a:extLst>
           </p:cNvPr>
@@ -8088,8 +8215,8 @@
         </p:blipFill>
         <p:spPr>
           <a:xfrm>
-            <a:off x="0" y="909493"/>
-            <a:ext cx="12191999" cy="5948507"/>
+            <a:off x="0" y="839561"/>
+            <a:ext cx="12192000" cy="5943463"/>
           </a:xfrm>
           <a:prstGeom prst="rect">
             <a:avLst/>
@@ -8099,7 +8226,7 @@
     </p:spTree>
     <p:extLst>
       <p:ext uri="{BB962C8B-B14F-4D97-AF65-F5344CB8AC3E}">
-        <p14:creationId xmlns:p14="http://schemas.microsoft.com/office/powerpoint/2010/main" val="2838398589"/>
+        <p14:creationId xmlns:p14="http://schemas.microsoft.com/office/powerpoint/2010/main" val="1017706826"/>
       </p:ext>
     </p:extLst>
   </p:cSld>

--- a/Aplikasi Catalog Board Game.pptx
+++ b/Aplikasi Catalog Board Game.pptx
@@ -11,13 +11,14 @@
     <p:sldId id="258" r:id="rId5"/>
     <p:sldId id="259" r:id="rId6"/>
     <p:sldId id="260" r:id="rId7"/>
-    <p:sldId id="261" r:id="rId8"/>
-    <p:sldId id="266" r:id="rId9"/>
-    <p:sldId id="262" r:id="rId10"/>
-    <p:sldId id="268" r:id="rId11"/>
-    <p:sldId id="264" r:id="rId12"/>
-    <p:sldId id="265" r:id="rId13"/>
-    <p:sldId id="263" r:id="rId14"/>
+    <p:sldId id="270" r:id="rId8"/>
+    <p:sldId id="261" r:id="rId9"/>
+    <p:sldId id="266" r:id="rId10"/>
+    <p:sldId id="262" r:id="rId11"/>
+    <p:sldId id="268" r:id="rId12"/>
+    <p:sldId id="264" r:id="rId13"/>
+    <p:sldId id="265" r:id="rId14"/>
+    <p:sldId id="263" r:id="rId15"/>
   </p:sldIdLst>
   <p:sldSz cx="12192000" cy="6858000"/>
   <p:notesSz cx="6858000" cy="9144000"/>
@@ -127,6 +128,7 @@
             <p14:sldId id="258"/>
             <p14:sldId id="259"/>
             <p14:sldId id="260"/>
+            <p14:sldId id="270"/>
             <p14:sldId id="261"/>
             <p14:sldId id="266"/>
             <p14:sldId id="262"/>
@@ -150,18 +152,18 @@
   <pc:docChgLst>
     <pc:chgData name="alful falakh" userId="48e217df925ce595" providerId="LiveId" clId="{9AD53882-7CF3-4857-ADDC-F1BAE670FA97}"/>
     <pc:docChg chg="undo custSel addSld delSld modSld sldOrd addSection delSection modSection">
-      <pc:chgData name="alful falakh" userId="48e217df925ce595" providerId="LiveId" clId="{9AD53882-7CF3-4857-ADDC-F1BAE670FA97}" dt="2021-04-21T12:43:25.704" v="370" actId="1076"/>
+      <pc:chgData name="alful falakh" userId="48e217df925ce595" providerId="LiveId" clId="{9AD53882-7CF3-4857-ADDC-F1BAE670FA97}" dt="2021-04-21T14:49:20.356" v="550" actId="20577"/>
       <pc:docMkLst>
         <pc:docMk/>
       </pc:docMkLst>
       <pc:sldChg chg="modSp mod">
-        <pc:chgData name="alful falakh" userId="48e217df925ce595" providerId="LiveId" clId="{9AD53882-7CF3-4857-ADDC-F1BAE670FA97}" dt="2021-04-20T11:52:05.527" v="248" actId="123"/>
+        <pc:chgData name="alful falakh" userId="48e217df925ce595" providerId="LiveId" clId="{9AD53882-7CF3-4857-ADDC-F1BAE670FA97}" dt="2021-04-21T14:49:20.356" v="550" actId="20577"/>
         <pc:sldMkLst>
           <pc:docMk/>
           <pc:sldMk cId="389360711" sldId="257"/>
         </pc:sldMkLst>
         <pc:spChg chg="mod">
-          <ac:chgData name="alful falakh" userId="48e217df925ce595" providerId="LiveId" clId="{9AD53882-7CF3-4857-ADDC-F1BAE670FA97}" dt="2021-04-20T11:52:05.527" v="248" actId="123"/>
+          <ac:chgData name="alful falakh" userId="48e217df925ce595" providerId="LiveId" clId="{9AD53882-7CF3-4857-ADDC-F1BAE670FA97}" dt="2021-04-21T14:49:20.356" v="550" actId="20577"/>
           <ac:spMkLst>
             <pc:docMk/>
             <pc:sldMk cId="389360711" sldId="257"/>
@@ -602,6 +604,37 @@
           </ac:picMkLst>
         </pc:picChg>
       </pc:sldChg>
+      <pc:sldChg chg="addSp delSp modSp new mod">
+        <pc:chgData name="alful falakh" userId="48e217df925ce595" providerId="LiveId" clId="{9AD53882-7CF3-4857-ADDC-F1BAE670FA97}" dt="2021-04-21T14:47:37.403" v="431" actId="20577"/>
+        <pc:sldMkLst>
+          <pc:docMk/>
+          <pc:sldMk cId="3161248528" sldId="270"/>
+        </pc:sldMkLst>
+        <pc:spChg chg="mod">
+          <ac:chgData name="alful falakh" userId="48e217df925ce595" providerId="LiveId" clId="{9AD53882-7CF3-4857-ADDC-F1BAE670FA97}" dt="2021-04-21T14:47:03.237" v="382" actId="20577"/>
+          <ac:spMkLst>
+            <pc:docMk/>
+            <pc:sldMk cId="3161248528" sldId="270"/>
+            <ac:spMk id="2" creationId="{433C8EC2-879F-4D02-9B02-527EB9EDE492}"/>
+          </ac:spMkLst>
+        </pc:spChg>
+        <pc:spChg chg="del">
+          <ac:chgData name="alful falakh" userId="48e217df925ce595" providerId="LiveId" clId="{9AD53882-7CF3-4857-ADDC-F1BAE670FA97}" dt="2021-04-21T14:47:05.393" v="383"/>
+          <ac:spMkLst>
+            <pc:docMk/>
+            <pc:sldMk cId="3161248528" sldId="270"/>
+            <ac:spMk id="3" creationId="{D0CC731C-DB52-4AD1-9D92-A6B0482D2520}"/>
+          </ac:spMkLst>
+        </pc:spChg>
+        <pc:graphicFrameChg chg="add mod modGraphic">
+          <ac:chgData name="alful falakh" userId="48e217df925ce595" providerId="LiveId" clId="{9AD53882-7CF3-4857-ADDC-F1BAE670FA97}" dt="2021-04-21T14:47:37.403" v="431" actId="20577"/>
+          <ac:graphicFrameMkLst>
+            <pc:docMk/>
+            <pc:sldMk cId="3161248528" sldId="270"/>
+            <ac:graphicFrameMk id="4" creationId="{3BA313E0-E7E0-4DA6-AEA1-6B51B1BFFC7C}"/>
+          </ac:graphicFrameMkLst>
+        </pc:graphicFrameChg>
+      </pc:sldChg>
     </pc:docChg>
   </pc:docChgLst>
 </pc:chgInfo>
@@ -4089,7 +4122,7 @@
           <p:cNvPr id="2" name="Title 1">
             <a:extLst>
               <a:ext uri="{FF2B5EF4-FFF2-40B4-BE49-F238E27FC236}">
-                <a16:creationId xmlns:a16="http://schemas.microsoft.com/office/drawing/2014/main" id="{2224CC44-A963-4A1E-A1C7-3ABB1A8E1F77}"/>
+                <a16:creationId xmlns:a16="http://schemas.microsoft.com/office/drawing/2014/main" id="{0E8755E2-1B2C-4A56-AE48-B76DD6D13845}"/>
               </a:ext>
             </a:extLst>
           </p:cNvPr>
@@ -4103,7 +4136,7 @@
         <p:spPr>
           <a:xfrm>
             <a:off x="0" y="0"/>
-            <a:ext cx="10515600" cy="909493"/>
+            <a:ext cx="10515600" cy="839561"/>
           </a:xfrm>
         </p:spPr>
         <p:txBody>
@@ -4112,7 +4145,7 @@
           <a:p>
             <a:r>
               <a:rPr lang="id-ID" dirty="0"/>
-              <a:t>Wireframe Client</a:t>
+              <a:t>Wireframe Admin</a:t>
             </a:r>
             <a:endParaRPr lang="en-ID" dirty="0"/>
           </a:p>
@@ -4120,10 +4153,10 @@
       </p:sp>
       <p:pic>
         <p:nvPicPr>
-          <p:cNvPr id="5" name="Picture 4">
-            <a:extLst>
-              <a:ext uri="{FF2B5EF4-FFF2-40B4-BE49-F238E27FC236}">
-                <a16:creationId xmlns:a16="http://schemas.microsoft.com/office/drawing/2014/main" id="{5019BAA8-A96A-4ACD-B560-7494801BEFCA}"/>
+          <p:cNvPr id="4" name="Picture 3">
+            <a:extLst>
+              <a:ext uri="{FF2B5EF4-FFF2-40B4-BE49-F238E27FC236}">
+                <a16:creationId xmlns:a16="http://schemas.microsoft.com/office/drawing/2014/main" id="{109BDD53-8C62-4367-B686-629CF127F7A0}"/>
               </a:ext>
             </a:extLst>
           </p:cNvPr>
@@ -4146,8 +4179,8 @@
         </p:blipFill>
         <p:spPr>
           <a:xfrm>
-            <a:off x="0" y="909493"/>
-            <a:ext cx="12191999" cy="5948507"/>
+            <a:off x="0" y="839561"/>
+            <a:ext cx="12192000" cy="5943463"/>
           </a:xfrm>
           <a:prstGeom prst="rect">
             <a:avLst/>
@@ -4157,7 +4190,7 @@
     </p:spTree>
     <p:extLst>
       <p:ext uri="{BB962C8B-B14F-4D97-AF65-F5344CB8AC3E}">
-        <p14:creationId xmlns:p14="http://schemas.microsoft.com/office/powerpoint/2010/main" val="2838398589"/>
+        <p14:creationId xmlns:p14="http://schemas.microsoft.com/office/powerpoint/2010/main" val="1017706826"/>
       </p:ext>
     </p:extLst>
   </p:cSld>
@@ -4189,7 +4222,7 @@
           <p:cNvPr id="2" name="Title 1">
             <a:extLst>
               <a:ext uri="{FF2B5EF4-FFF2-40B4-BE49-F238E27FC236}">
-                <a16:creationId xmlns:a16="http://schemas.microsoft.com/office/drawing/2014/main" id="{43AF29C9-6D38-4335-B613-361E3C1E8854}"/>
+                <a16:creationId xmlns:a16="http://schemas.microsoft.com/office/drawing/2014/main" id="{2224CC44-A963-4A1E-A1C7-3ABB1A8E1F77}"/>
               </a:ext>
             </a:extLst>
           </p:cNvPr>
@@ -4200,34 +4233,37 @@
             <p:ph type="title"/>
           </p:nvPr>
         </p:nvSpPr>
-        <p:spPr/>
+        <p:spPr>
+          <a:xfrm>
+            <a:off x="0" y="0"/>
+            <a:ext cx="10515600" cy="909493"/>
+          </a:xfrm>
+        </p:spPr>
         <p:txBody>
           <a:bodyPr/>
           <a:lstStyle/>
           <a:p>
             <a:r>
-              <a:rPr lang="en-US" dirty="0"/>
-              <a:t>Mockup</a:t>
-            </a:r>
-            <a:endParaRPr lang="id-ID" dirty="0"/>
+              <a:rPr lang="id-ID" dirty="0"/>
+              <a:t>Wireframe Client</a:t>
+            </a:r>
+            <a:endParaRPr lang="en-ID" dirty="0"/>
           </a:p>
         </p:txBody>
       </p:sp>
       <p:pic>
         <p:nvPicPr>
-          <p:cNvPr id="23" name="Content Placeholder 22">
-            <a:extLst>
-              <a:ext uri="{FF2B5EF4-FFF2-40B4-BE49-F238E27FC236}">
-                <a16:creationId xmlns:a16="http://schemas.microsoft.com/office/drawing/2014/main" id="{82980EE3-FB68-4590-826E-91518A197E28}"/>
+          <p:cNvPr id="5" name="Picture 4">
+            <a:extLst>
+              <a:ext uri="{FF2B5EF4-FFF2-40B4-BE49-F238E27FC236}">
+                <a16:creationId xmlns:a16="http://schemas.microsoft.com/office/drawing/2014/main" id="{5019BAA8-A96A-4ACD-B560-7494801BEFCA}"/>
               </a:ext>
             </a:extLst>
           </p:cNvPr>
           <p:cNvPicPr>
-            <a:picLocks noGrp="1" noChangeAspect="1"/>
+            <a:picLocks noChangeAspect="1"/>
           </p:cNvPicPr>
-          <p:nvPr>
-            <p:ph idx="1"/>
-          </p:nvPr>
+          <p:nvPr/>
         </p:nvPicPr>
         <p:blipFill>
           <a:blip r:embed="rId2">
@@ -4243,149 +4279,8 @@
         </p:blipFill>
         <p:spPr>
           <a:xfrm>
-            <a:off x="838200" y="1690688"/>
-            <a:ext cx="2009546" cy="4351338"/>
-          </a:xfrm>
-        </p:spPr>
-      </p:pic>
-      <p:pic>
-        <p:nvPicPr>
-          <p:cNvPr id="31" name="Picture 30">
-            <a:extLst>
-              <a:ext uri="{FF2B5EF4-FFF2-40B4-BE49-F238E27FC236}">
-                <a16:creationId xmlns:a16="http://schemas.microsoft.com/office/drawing/2014/main" id="{F1054855-360A-4054-AAE7-69419DC779D4}"/>
-              </a:ext>
-            </a:extLst>
-          </p:cNvPr>
-          <p:cNvPicPr>
-            <a:picLocks noChangeAspect="1"/>
-          </p:cNvPicPr>
-          <p:nvPr/>
-        </p:nvPicPr>
-        <p:blipFill>
-          <a:blip r:embed="rId3">
-            <a:extLst>
-              <a:ext uri="{28A0092B-C50C-407E-A947-70E740481C1C}">
-                <a14:useLocalDpi xmlns:a14="http://schemas.microsoft.com/office/drawing/2010/main" val="0"/>
-              </a:ext>
-            </a:extLst>
-          </a:blip>
-          <a:stretch>
-            <a:fillRect/>
-          </a:stretch>
-        </p:blipFill>
-        <p:spPr>
-          <a:xfrm>
-            <a:off x="2914429" y="1690688"/>
-            <a:ext cx="2009546" cy="4351338"/>
-          </a:xfrm>
-          <a:prstGeom prst="rect">
-            <a:avLst/>
-          </a:prstGeom>
-        </p:spPr>
-      </p:pic>
-      <p:pic>
-        <p:nvPicPr>
-          <p:cNvPr id="35" name="Picture 34">
-            <a:extLst>
-              <a:ext uri="{FF2B5EF4-FFF2-40B4-BE49-F238E27FC236}">
-                <a16:creationId xmlns:a16="http://schemas.microsoft.com/office/drawing/2014/main" id="{49B0AF85-5DE0-4432-8BA0-1E23129088D6}"/>
-              </a:ext>
-            </a:extLst>
-          </p:cNvPr>
-          <p:cNvPicPr>
-            <a:picLocks noChangeAspect="1"/>
-          </p:cNvPicPr>
-          <p:nvPr/>
-        </p:nvPicPr>
-        <p:blipFill>
-          <a:blip r:embed="rId4">
-            <a:extLst>
-              <a:ext uri="{28A0092B-C50C-407E-A947-70E740481C1C}">
-                <a14:useLocalDpi xmlns:a14="http://schemas.microsoft.com/office/drawing/2010/main" val="0"/>
-              </a:ext>
-            </a:extLst>
-          </a:blip>
-          <a:stretch>
-            <a:fillRect/>
-          </a:stretch>
-        </p:blipFill>
-        <p:spPr>
-          <a:xfrm>
-            <a:off x="4990658" y="1690688"/>
-            <a:ext cx="2009547" cy="4351338"/>
-          </a:xfrm>
-          <a:prstGeom prst="rect">
-            <a:avLst/>
-          </a:prstGeom>
-        </p:spPr>
-      </p:pic>
-      <p:pic>
-        <p:nvPicPr>
-          <p:cNvPr id="37" name="Picture 36">
-            <a:extLst>
-              <a:ext uri="{FF2B5EF4-FFF2-40B4-BE49-F238E27FC236}">
-                <a16:creationId xmlns:a16="http://schemas.microsoft.com/office/drawing/2014/main" id="{D9B7DC25-F3CF-4B9D-8E31-485320119F08}"/>
-              </a:ext>
-            </a:extLst>
-          </p:cNvPr>
-          <p:cNvPicPr>
-            <a:picLocks noChangeAspect="1"/>
-          </p:cNvPicPr>
-          <p:nvPr/>
-        </p:nvPicPr>
-        <p:blipFill>
-          <a:blip r:embed="rId5">
-            <a:extLst>
-              <a:ext uri="{28A0092B-C50C-407E-A947-70E740481C1C}">
-                <a14:useLocalDpi xmlns:a14="http://schemas.microsoft.com/office/drawing/2010/main" val="0"/>
-              </a:ext>
-            </a:extLst>
-          </a:blip>
-          <a:stretch>
-            <a:fillRect/>
-          </a:stretch>
-        </p:blipFill>
-        <p:spPr>
-          <a:xfrm>
-            <a:off x="7140200" y="1690688"/>
-            <a:ext cx="2009546" cy="4351338"/>
-          </a:xfrm>
-          <a:prstGeom prst="rect">
-            <a:avLst/>
-          </a:prstGeom>
-        </p:spPr>
-      </p:pic>
-      <p:pic>
-        <p:nvPicPr>
-          <p:cNvPr id="39" name="Picture 38">
-            <a:extLst>
-              <a:ext uri="{FF2B5EF4-FFF2-40B4-BE49-F238E27FC236}">
-                <a16:creationId xmlns:a16="http://schemas.microsoft.com/office/drawing/2014/main" id="{AE45290E-D5B1-4EC8-B131-4590BA5C7B56}"/>
-              </a:ext>
-            </a:extLst>
-          </p:cNvPr>
-          <p:cNvPicPr>
-            <a:picLocks noChangeAspect="1"/>
-          </p:cNvPicPr>
-          <p:nvPr/>
-        </p:nvPicPr>
-        <p:blipFill>
-          <a:blip r:embed="rId6">
-            <a:extLst>
-              <a:ext uri="{28A0092B-C50C-407E-A947-70E740481C1C}">
-                <a14:useLocalDpi xmlns:a14="http://schemas.microsoft.com/office/drawing/2010/main" val="0"/>
-              </a:ext>
-            </a:extLst>
-          </a:blip>
-          <a:stretch>
-            <a:fillRect/>
-          </a:stretch>
-        </p:blipFill>
-        <p:spPr>
-          <a:xfrm>
-            <a:off x="9277571" y="1690688"/>
-            <a:ext cx="2009547" cy="4351338"/>
+            <a:off x="0" y="909493"/>
+            <a:ext cx="12191999" cy="5948507"/>
           </a:xfrm>
           <a:prstGeom prst="rect">
             <a:avLst/>
@@ -4395,7 +4290,7 @@
     </p:spTree>
     <p:extLst>
       <p:ext uri="{BB962C8B-B14F-4D97-AF65-F5344CB8AC3E}">
-        <p14:creationId xmlns:p14="http://schemas.microsoft.com/office/powerpoint/2010/main" val="3609264760"/>
+        <p14:creationId xmlns:p14="http://schemas.microsoft.com/office/powerpoint/2010/main" val="2838398589"/>
       </p:ext>
     </p:extLst>
   </p:cSld>
@@ -4427,6 +4322,244 @@
           <p:cNvPr id="2" name="Title 1">
             <a:extLst>
               <a:ext uri="{FF2B5EF4-FFF2-40B4-BE49-F238E27FC236}">
+                <a16:creationId xmlns:a16="http://schemas.microsoft.com/office/drawing/2014/main" id="{43AF29C9-6D38-4335-B613-361E3C1E8854}"/>
+              </a:ext>
+            </a:extLst>
+          </p:cNvPr>
+          <p:cNvSpPr>
+            <a:spLocks noGrp="1"/>
+          </p:cNvSpPr>
+          <p:nvPr>
+            <p:ph type="title"/>
+          </p:nvPr>
+        </p:nvSpPr>
+        <p:spPr/>
+        <p:txBody>
+          <a:bodyPr/>
+          <a:lstStyle/>
+          <a:p>
+            <a:r>
+              <a:rPr lang="en-US" dirty="0"/>
+              <a:t>Mockup</a:t>
+            </a:r>
+            <a:endParaRPr lang="id-ID" dirty="0"/>
+          </a:p>
+        </p:txBody>
+      </p:sp>
+      <p:pic>
+        <p:nvPicPr>
+          <p:cNvPr id="23" name="Content Placeholder 22">
+            <a:extLst>
+              <a:ext uri="{FF2B5EF4-FFF2-40B4-BE49-F238E27FC236}">
+                <a16:creationId xmlns:a16="http://schemas.microsoft.com/office/drawing/2014/main" id="{82980EE3-FB68-4590-826E-91518A197E28}"/>
+              </a:ext>
+            </a:extLst>
+          </p:cNvPr>
+          <p:cNvPicPr>
+            <a:picLocks noGrp="1" noChangeAspect="1"/>
+          </p:cNvPicPr>
+          <p:nvPr>
+            <p:ph idx="1"/>
+          </p:nvPr>
+        </p:nvPicPr>
+        <p:blipFill>
+          <a:blip r:embed="rId2">
+            <a:extLst>
+              <a:ext uri="{28A0092B-C50C-407E-A947-70E740481C1C}">
+                <a14:useLocalDpi xmlns:a14="http://schemas.microsoft.com/office/drawing/2010/main" val="0"/>
+              </a:ext>
+            </a:extLst>
+          </a:blip>
+          <a:stretch>
+            <a:fillRect/>
+          </a:stretch>
+        </p:blipFill>
+        <p:spPr>
+          <a:xfrm>
+            <a:off x="838200" y="1690688"/>
+            <a:ext cx="2009546" cy="4351338"/>
+          </a:xfrm>
+        </p:spPr>
+      </p:pic>
+      <p:pic>
+        <p:nvPicPr>
+          <p:cNvPr id="31" name="Picture 30">
+            <a:extLst>
+              <a:ext uri="{FF2B5EF4-FFF2-40B4-BE49-F238E27FC236}">
+                <a16:creationId xmlns:a16="http://schemas.microsoft.com/office/drawing/2014/main" id="{F1054855-360A-4054-AAE7-69419DC779D4}"/>
+              </a:ext>
+            </a:extLst>
+          </p:cNvPr>
+          <p:cNvPicPr>
+            <a:picLocks noChangeAspect="1"/>
+          </p:cNvPicPr>
+          <p:nvPr/>
+        </p:nvPicPr>
+        <p:blipFill>
+          <a:blip r:embed="rId3">
+            <a:extLst>
+              <a:ext uri="{28A0092B-C50C-407E-A947-70E740481C1C}">
+                <a14:useLocalDpi xmlns:a14="http://schemas.microsoft.com/office/drawing/2010/main" val="0"/>
+              </a:ext>
+            </a:extLst>
+          </a:blip>
+          <a:stretch>
+            <a:fillRect/>
+          </a:stretch>
+        </p:blipFill>
+        <p:spPr>
+          <a:xfrm>
+            <a:off x="2914429" y="1690688"/>
+            <a:ext cx="2009546" cy="4351338"/>
+          </a:xfrm>
+          <a:prstGeom prst="rect">
+            <a:avLst/>
+          </a:prstGeom>
+        </p:spPr>
+      </p:pic>
+      <p:pic>
+        <p:nvPicPr>
+          <p:cNvPr id="35" name="Picture 34">
+            <a:extLst>
+              <a:ext uri="{FF2B5EF4-FFF2-40B4-BE49-F238E27FC236}">
+                <a16:creationId xmlns:a16="http://schemas.microsoft.com/office/drawing/2014/main" id="{49B0AF85-5DE0-4432-8BA0-1E23129088D6}"/>
+              </a:ext>
+            </a:extLst>
+          </p:cNvPr>
+          <p:cNvPicPr>
+            <a:picLocks noChangeAspect="1"/>
+          </p:cNvPicPr>
+          <p:nvPr/>
+        </p:nvPicPr>
+        <p:blipFill>
+          <a:blip r:embed="rId4">
+            <a:extLst>
+              <a:ext uri="{28A0092B-C50C-407E-A947-70E740481C1C}">
+                <a14:useLocalDpi xmlns:a14="http://schemas.microsoft.com/office/drawing/2010/main" val="0"/>
+              </a:ext>
+            </a:extLst>
+          </a:blip>
+          <a:stretch>
+            <a:fillRect/>
+          </a:stretch>
+        </p:blipFill>
+        <p:spPr>
+          <a:xfrm>
+            <a:off x="4990658" y="1690688"/>
+            <a:ext cx="2009547" cy="4351338"/>
+          </a:xfrm>
+          <a:prstGeom prst="rect">
+            <a:avLst/>
+          </a:prstGeom>
+        </p:spPr>
+      </p:pic>
+      <p:pic>
+        <p:nvPicPr>
+          <p:cNvPr id="37" name="Picture 36">
+            <a:extLst>
+              <a:ext uri="{FF2B5EF4-FFF2-40B4-BE49-F238E27FC236}">
+                <a16:creationId xmlns:a16="http://schemas.microsoft.com/office/drawing/2014/main" id="{D9B7DC25-F3CF-4B9D-8E31-485320119F08}"/>
+              </a:ext>
+            </a:extLst>
+          </p:cNvPr>
+          <p:cNvPicPr>
+            <a:picLocks noChangeAspect="1"/>
+          </p:cNvPicPr>
+          <p:nvPr/>
+        </p:nvPicPr>
+        <p:blipFill>
+          <a:blip r:embed="rId5">
+            <a:extLst>
+              <a:ext uri="{28A0092B-C50C-407E-A947-70E740481C1C}">
+                <a14:useLocalDpi xmlns:a14="http://schemas.microsoft.com/office/drawing/2010/main" val="0"/>
+              </a:ext>
+            </a:extLst>
+          </a:blip>
+          <a:stretch>
+            <a:fillRect/>
+          </a:stretch>
+        </p:blipFill>
+        <p:spPr>
+          <a:xfrm>
+            <a:off x="7140200" y="1690688"/>
+            <a:ext cx="2009546" cy="4351338"/>
+          </a:xfrm>
+          <a:prstGeom prst="rect">
+            <a:avLst/>
+          </a:prstGeom>
+        </p:spPr>
+      </p:pic>
+      <p:pic>
+        <p:nvPicPr>
+          <p:cNvPr id="39" name="Picture 38">
+            <a:extLst>
+              <a:ext uri="{FF2B5EF4-FFF2-40B4-BE49-F238E27FC236}">
+                <a16:creationId xmlns:a16="http://schemas.microsoft.com/office/drawing/2014/main" id="{AE45290E-D5B1-4EC8-B131-4590BA5C7B56}"/>
+              </a:ext>
+            </a:extLst>
+          </p:cNvPr>
+          <p:cNvPicPr>
+            <a:picLocks noChangeAspect="1"/>
+          </p:cNvPicPr>
+          <p:nvPr/>
+        </p:nvPicPr>
+        <p:blipFill>
+          <a:blip r:embed="rId6">
+            <a:extLst>
+              <a:ext uri="{28A0092B-C50C-407E-A947-70E740481C1C}">
+                <a14:useLocalDpi xmlns:a14="http://schemas.microsoft.com/office/drawing/2010/main" val="0"/>
+              </a:ext>
+            </a:extLst>
+          </a:blip>
+          <a:stretch>
+            <a:fillRect/>
+          </a:stretch>
+        </p:blipFill>
+        <p:spPr>
+          <a:xfrm>
+            <a:off x="9277571" y="1690688"/>
+            <a:ext cx="2009547" cy="4351338"/>
+          </a:xfrm>
+          <a:prstGeom prst="rect">
+            <a:avLst/>
+          </a:prstGeom>
+        </p:spPr>
+      </p:pic>
+    </p:spTree>
+    <p:extLst>
+      <p:ext uri="{BB962C8B-B14F-4D97-AF65-F5344CB8AC3E}">
+        <p14:creationId xmlns:p14="http://schemas.microsoft.com/office/powerpoint/2010/main" val="3609264760"/>
+      </p:ext>
+    </p:extLst>
+  </p:cSld>
+  <p:clrMapOvr>
+    <a:masterClrMapping/>
+  </p:clrMapOvr>
+</p:sld>
+</file>
+
+<file path=ppt/slides/slide13.xml><?xml version="1.0" encoding="utf-8"?>
+<p:sld xmlns:a="http://schemas.openxmlformats.org/drawingml/2006/main" xmlns:r="http://schemas.openxmlformats.org/officeDocument/2006/relationships" xmlns:p="http://schemas.openxmlformats.org/presentationml/2006/main">
+  <p:cSld>
+    <p:spTree>
+      <p:nvGrpSpPr>
+        <p:cNvPr id="1" name=""/>
+        <p:cNvGrpSpPr/>
+        <p:nvPr/>
+      </p:nvGrpSpPr>
+      <p:grpSpPr>
+        <a:xfrm>
+          <a:off x="0" y="0"/>
+          <a:ext cx="0" cy="0"/>
+          <a:chOff x="0" y="0"/>
+          <a:chExt cx="0" cy="0"/>
+        </a:xfrm>
+      </p:grpSpPr>
+      <p:sp>
+        <p:nvSpPr>
+          <p:cNvPr id="2" name="Title 1">
+            <a:extLst>
+              <a:ext uri="{FF2B5EF4-FFF2-40B4-BE49-F238E27FC236}">
                 <a16:creationId xmlns:a16="http://schemas.microsoft.com/office/drawing/2014/main" id="{CD1559FC-B825-4B23-AC04-201E22B52DD0}"/>
               </a:ext>
             </a:extLst>
@@ -4603,7 +4736,7 @@
 </p:sld>
 </file>
 
-<file path=ppt/slides/slide13.xml><?xml version="1.0" encoding="utf-8"?>
+<file path=ppt/slides/slide14.xml><?xml version="1.0" encoding="utf-8"?>
 <p:sld xmlns:a="http://schemas.openxmlformats.org/drawingml/2006/main" xmlns:r="http://schemas.openxmlformats.org/officeDocument/2006/relationships" xmlns:p="http://schemas.openxmlformats.org/presentationml/2006/main">
   <p:cSld>
     <p:spTree>
@@ -5984,52 +6117,6 @@
               <a:t>Wijanarko</a:t>
             </a:r>
             <a:endParaRPr lang="en-US" sz="1900" dirty="0">
-              <a:latin typeface="Calibri (Body)"/>
-              <a:ea typeface="DengXian" panose="02010600030101010101" pitchFamily="2" charset="-122"/>
-              <a:cs typeface="Times New Roman" panose="02020603050405020304" pitchFamily="18" charset="0"/>
-            </a:endParaRPr>
-          </a:p>
-          <a:p>
-            <a:pPr marL="457200" lvl="1" indent="0" algn="just">
-              <a:buNone/>
-            </a:pPr>
-            <a:r>
-              <a:rPr lang="en-US" sz="1900" dirty="0">
-                <a:effectLst/>
-                <a:latin typeface="Calibri (Body)"/>
-                <a:ea typeface="DengXian" panose="02010600030101010101" pitchFamily="2" charset="-122"/>
-                <a:cs typeface="Times New Roman" panose="02020603050405020304" pitchFamily="18" charset="0"/>
-              </a:rPr>
-              <a:t>			Programmer	: </a:t>
-            </a:r>
-            <a:r>
-              <a:rPr lang="en-US" sz="1900" dirty="0" err="1">
-                <a:effectLst/>
-                <a:latin typeface="Calibri (Body)"/>
-                <a:ea typeface="DengXian" panose="02010600030101010101" pitchFamily="2" charset="-122"/>
-                <a:cs typeface="Times New Roman" panose="02020603050405020304" pitchFamily="18" charset="0"/>
-              </a:rPr>
-              <a:t>Habiib</a:t>
-            </a:r>
-            <a:r>
-              <a:rPr lang="en-US" sz="1900" dirty="0">
-                <a:effectLst/>
-                <a:latin typeface="Calibri (Body)"/>
-                <a:ea typeface="DengXian" panose="02010600030101010101" pitchFamily="2" charset="-122"/>
-                <a:cs typeface="Times New Roman" panose="02020603050405020304" pitchFamily="18" charset="0"/>
-              </a:rPr>
-              <a:t> Iqbal </a:t>
-            </a:r>
-            <a:r>
-              <a:rPr lang="en-US" sz="1900" dirty="0" err="1">
-                <a:effectLst/>
-                <a:latin typeface="Calibri (Body)"/>
-                <a:ea typeface="DengXian" panose="02010600030101010101" pitchFamily="2" charset="-122"/>
-                <a:cs typeface="Times New Roman" panose="02020603050405020304" pitchFamily="18" charset="0"/>
-              </a:rPr>
-              <a:t>Sobari</a:t>
-            </a:r>
-            <a:endParaRPr lang="en-US" sz="1900" dirty="0">
               <a:effectLst/>
               <a:latin typeface="Calibri (Body)"/>
               <a:ea typeface="DengXian" panose="02010600030101010101" pitchFamily="2" charset="-122"/>
@@ -6042,12 +6129,27 @@
             </a:pPr>
             <a:r>
               <a:rPr lang="en-US" sz="1900" dirty="0">
-                <a:effectLst/>
-                <a:latin typeface="Calibri (Body)"/>
-                <a:ea typeface="DengXian" panose="02010600030101010101" pitchFamily="2" charset="-122"/>
-                <a:cs typeface="Times New Roman" panose="02020603050405020304" pitchFamily="18" charset="0"/>
-              </a:rPr>
-              <a:t>					  Muhammad Alful Falakh</a:t>
+                <a:latin typeface="Calibri (Body)"/>
+                <a:ea typeface="DengXian" panose="02010600030101010101" pitchFamily="2" charset="-122"/>
+                <a:cs typeface="Times New Roman" panose="02020603050405020304" pitchFamily="18" charset="0"/>
+              </a:rPr>
+              <a:t>			</a:t>
+            </a:r>
+            <a:r>
+              <a:rPr lang="en-US" sz="1900" dirty="0" err="1">
+                <a:latin typeface="Calibri (Body)"/>
+                <a:ea typeface="DengXian" panose="02010600030101010101" pitchFamily="2" charset="-122"/>
+                <a:cs typeface="Times New Roman" panose="02020603050405020304" pitchFamily="18" charset="0"/>
+              </a:rPr>
+              <a:t>Sistem</a:t>
+            </a:r>
+            <a:r>
+              <a:rPr lang="en-US" sz="1900" dirty="0">
+                <a:latin typeface="Calibri (Body)"/>
+                <a:ea typeface="DengXian" panose="02010600030101010101" pitchFamily="2" charset="-122"/>
+                <a:cs typeface="Times New Roman" panose="02020603050405020304" pitchFamily="18" charset="0"/>
+              </a:rPr>
+              <a:t> Analyst	: Muhammad Alful Falakh</a:t>
             </a:r>
           </a:p>
           <a:p>
@@ -6056,16 +6158,30 @@
             </a:pPr>
             <a:r>
               <a:rPr lang="en-US" sz="1900" dirty="0">
-                <a:effectLst/>
-                <a:latin typeface="Calibri (Body)"/>
-                <a:ea typeface="DengXian" panose="02010600030101010101" pitchFamily="2" charset="-122"/>
-                <a:cs typeface="Times New Roman" panose="02020603050405020304" pitchFamily="18" charset="0"/>
-              </a:rPr>
-              <a:t>					  </a:t>
+                <a:latin typeface="Calibri (Body)"/>
+                <a:ea typeface="DengXian" panose="02010600030101010101" pitchFamily="2" charset="-122"/>
+                <a:cs typeface="Times New Roman" panose="02020603050405020304" pitchFamily="18" charset="0"/>
+              </a:rPr>
+              <a:t>			</a:t>
             </a:r>
             <a:r>
               <a:rPr lang="en-US" sz="1900" dirty="0" err="1">
-                <a:effectLst/>
+                <a:latin typeface="Calibri (Body)"/>
+                <a:ea typeface="DengXian" panose="02010600030101010101" pitchFamily="2" charset="-122"/>
+                <a:cs typeface="Times New Roman" panose="02020603050405020304" pitchFamily="18" charset="0"/>
+              </a:rPr>
+              <a:t>Sistem</a:t>
+            </a:r>
+            <a:r>
+              <a:rPr lang="en-US" sz="1900" dirty="0">
+                <a:latin typeface="Calibri (Body)"/>
+                <a:ea typeface="DengXian" panose="02010600030101010101" pitchFamily="2" charset="-122"/>
+                <a:cs typeface="Times New Roman" panose="02020603050405020304" pitchFamily="18" charset="0"/>
+              </a:rPr>
+              <a:t> Design	: </a:t>
+            </a:r>
+            <a:r>
+              <a:rPr lang="en-US" sz="1900" dirty="0" err="1">
                 <a:latin typeface="Calibri (Body)"/>
                 <a:ea typeface="DengXian" panose="02010600030101010101" pitchFamily="2" charset="-122"/>
                 <a:cs typeface="Times New Roman" panose="02020603050405020304" pitchFamily="18" charset="0"/>
@@ -6074,7 +6190,6 @@
             </a:r>
             <a:r>
               <a:rPr lang="en-US" sz="1900" dirty="0">
-                <a:effectLst/>
                 <a:latin typeface="Calibri (Body)"/>
                 <a:ea typeface="DengXian" panose="02010600030101010101" pitchFamily="2" charset="-122"/>
                 <a:cs typeface="Times New Roman" panose="02020603050405020304" pitchFamily="18" charset="0"/>
@@ -6083,7 +6198,6 @@
             </a:r>
             <a:r>
               <a:rPr lang="en-US" sz="1900" dirty="0" err="1">
-                <a:effectLst/>
                 <a:latin typeface="Calibri (Body)"/>
                 <a:ea typeface="DengXian" panose="02010600030101010101" pitchFamily="2" charset="-122"/>
                 <a:cs typeface="Times New Roman" panose="02020603050405020304" pitchFamily="18" charset="0"/>
@@ -6092,7 +6206,6 @@
             </a:r>
             <a:r>
               <a:rPr lang="en-US" sz="1900" dirty="0">
-                <a:effectLst/>
                 <a:latin typeface="Calibri (Body)"/>
                 <a:ea typeface="DengXian" panose="02010600030101010101" pitchFamily="2" charset="-122"/>
                 <a:cs typeface="Times New Roman" panose="02020603050405020304" pitchFamily="18" charset="0"/>
@@ -6101,12 +6214,57 @@
             </a:r>
             <a:r>
               <a:rPr lang="en-US" sz="1900" dirty="0" err="1">
-                <a:effectLst/>
                 <a:latin typeface="Calibri (Body)"/>
                 <a:ea typeface="DengXian" panose="02010600030101010101" pitchFamily="2" charset="-122"/>
                 <a:cs typeface="Times New Roman" panose="02020603050405020304" pitchFamily="18" charset="0"/>
               </a:rPr>
               <a:t>Hasani</a:t>
+            </a:r>
+            <a:endParaRPr lang="en-US" sz="1900" dirty="0">
+              <a:latin typeface="Calibri (Body)"/>
+              <a:ea typeface="DengXian" panose="02010600030101010101" pitchFamily="2" charset="-122"/>
+              <a:cs typeface="Times New Roman" panose="02020603050405020304" pitchFamily="18" charset="0"/>
+            </a:endParaRPr>
+          </a:p>
+          <a:p>
+            <a:pPr marL="457200" lvl="1" indent="0" algn="just">
+              <a:buNone/>
+            </a:pPr>
+            <a:r>
+              <a:rPr lang="en-US" sz="1900" dirty="0">
+                <a:effectLst/>
+                <a:latin typeface="Calibri (Body)"/>
+                <a:ea typeface="DengXian" panose="02010600030101010101" pitchFamily="2" charset="-122"/>
+                <a:cs typeface="Times New Roman" panose="02020603050405020304" pitchFamily="18" charset="0"/>
+              </a:rPr>
+              <a:t>			Programmer	: </a:t>
+            </a:r>
+            <a:r>
+              <a:rPr lang="en-US" sz="1900" dirty="0" err="1">
+                <a:effectLst/>
+                <a:latin typeface="Calibri (Body)"/>
+                <a:ea typeface="DengXian" panose="02010600030101010101" pitchFamily="2" charset="-122"/>
+                <a:cs typeface="Times New Roman" panose="02020603050405020304" pitchFamily="18" charset="0"/>
+              </a:rPr>
+              <a:t>Habiib</a:t>
+            </a:r>
+            <a:r>
+              <a:rPr lang="en-US" sz="1900" dirty="0">
+                <a:effectLst/>
+                <a:latin typeface="Calibri (Body)"/>
+                <a:ea typeface="DengXian" panose="02010600030101010101" pitchFamily="2" charset="-122"/>
+                <a:cs typeface="Times New Roman" panose="02020603050405020304" pitchFamily="18" charset="0"/>
+              </a:rPr>
+              <a:t> Iqbal </a:t>
+            </a:r>
+            <a:r>
+              <a:rPr lang="en-US" sz="1900" dirty="0" err="1">
+                <a:effectLst/>
+                <a:latin typeface="Calibri (Body)"/>
+                <a:ea typeface="DengXian" panose="02010600030101010101" pitchFamily="2" charset="-122"/>
+                <a:cs typeface="Times New Roman" panose="02020603050405020304" pitchFamily="18" charset="0"/>
+              </a:rPr>
+              <a:t>Sobari</a:t>
             </a:r>
             <a:endParaRPr lang="en-US" sz="1900" dirty="0">
               <a:effectLst/>
@@ -7384,7 +7542,7 @@
           <p:cNvPr id="2" name="Title 1">
             <a:extLst>
               <a:ext uri="{FF2B5EF4-FFF2-40B4-BE49-F238E27FC236}">
-                <a16:creationId xmlns:a16="http://schemas.microsoft.com/office/drawing/2014/main" id="{602C162F-EDD6-4BF2-8339-3EAA34E06F29}"/>
+                <a16:creationId xmlns:a16="http://schemas.microsoft.com/office/drawing/2014/main" id="{433C8EC2-879F-4D02-9B02-527EB9EDE492}"/>
               </a:ext>
             </a:extLst>
           </p:cNvPr>
@@ -7401,396 +7559,873 @@
           <a:lstStyle/>
           <a:p>
             <a:r>
-              <a:rPr lang="id-ID" dirty="0"/>
-              <a:t>Project </a:t>
-            </a:r>
-            <a:r>
-              <a:rPr lang="id-ID" dirty="0" err="1"/>
-              <a:t>Management</a:t>
-            </a:r>
-            <a:r>
-              <a:rPr lang="id-ID" dirty="0"/>
-              <a:t> </a:t>
-            </a:r>
-            <a:r>
-              <a:rPr lang="id-ID" dirty="0" err="1"/>
-              <a:t>Tools</a:t>
-            </a:r>
-            <a:r>
-              <a:rPr lang="en-US" dirty="0"/>
-              <a:t> : </a:t>
-            </a:r>
-            <a:r>
-              <a:rPr lang="id-ID" dirty="0" err="1"/>
-              <a:t>Notion</a:t>
-            </a:r>
-            <a:endParaRPr lang="en-ID" dirty="0"/>
+              <a:rPr lang="en-US" dirty="0" err="1"/>
+              <a:t>Penugasan</a:t>
+            </a:r>
+            <a:endParaRPr lang="id-ID" dirty="0"/>
           </a:p>
         </p:txBody>
       </p:sp>
-      <p:sp>
-        <p:nvSpPr>
-          <p:cNvPr id="3" name="Content Placeholder 2">
-            <a:extLst>
-              <a:ext uri="{FF2B5EF4-FFF2-40B4-BE49-F238E27FC236}">
-                <a16:creationId xmlns:a16="http://schemas.microsoft.com/office/drawing/2014/main" id="{5147FEA4-B9C0-4C15-9856-2831442A1BE6}"/>
-              </a:ext>
-            </a:extLst>
-          </p:cNvPr>
-          <p:cNvSpPr>
-            <a:spLocks noGrp="1"/>
-          </p:cNvSpPr>
+      <p:graphicFrame>
+        <p:nvGraphicFramePr>
+          <p:cNvPr id="4" name="Content Placeholder 3">
+            <a:extLst>
+              <a:ext uri="{FF2B5EF4-FFF2-40B4-BE49-F238E27FC236}">
+                <a16:creationId xmlns:a16="http://schemas.microsoft.com/office/drawing/2014/main" id="{3BA313E0-E7E0-4DA6-AEA1-6B51B1BFFC7C}"/>
+              </a:ext>
+            </a:extLst>
+          </p:cNvPr>
+          <p:cNvGraphicFramePr>
+            <a:graphicFrameLocks noGrp="1"/>
+          </p:cNvGraphicFramePr>
           <p:nvPr>
             <p:ph idx="1"/>
+            <p:extLst>
+              <p:ext uri="{D42A27DB-BD31-4B8C-83A1-F6EECF244321}">
+                <p14:modId xmlns:p14="http://schemas.microsoft.com/office/powerpoint/2010/main" val="3379092109"/>
+              </p:ext>
+            </p:extLst>
           </p:nvPr>
-        </p:nvSpPr>
-        <p:spPr>
-          <a:xfrm>
-            <a:off x="838200" y="1508126"/>
-            <a:ext cx="10515600" cy="583746"/>
-          </a:xfrm>
-        </p:spPr>
-        <p:txBody>
-          <a:bodyPr>
-            <a:normAutofit lnSpcReduction="10000"/>
-          </a:bodyPr>
-          <a:lstStyle/>
-          <a:p>
-            <a:pPr marL="0" indent="0">
-              <a:buNone/>
-            </a:pPr>
-            <a:r>
-              <a:rPr lang="en-US" sz="1800" dirty="0">
-                <a:effectLst/>
-                <a:latin typeface="Times New Roman" panose="02020603050405020304" pitchFamily="18" charset="0"/>
-                <a:ea typeface="DengXian" panose="02010600030101010101" pitchFamily="2" charset="-122"/>
-                <a:cs typeface="Times New Roman" panose="02020603050405020304" pitchFamily="18" charset="0"/>
-              </a:rPr>
-              <a:t>Tools </a:t>
-            </a:r>
-            <a:r>
-              <a:rPr lang="en-US" sz="1800" dirty="0" err="1">
-                <a:effectLst/>
-                <a:latin typeface="Times New Roman" panose="02020603050405020304" pitchFamily="18" charset="0"/>
-                <a:ea typeface="DengXian" panose="02010600030101010101" pitchFamily="2" charset="-122"/>
-                <a:cs typeface="Times New Roman" panose="02020603050405020304" pitchFamily="18" charset="0"/>
-              </a:rPr>
-              <a:t>ini</a:t>
-            </a:r>
-            <a:r>
-              <a:rPr lang="en-US" sz="1800" dirty="0">
-                <a:effectLst/>
-                <a:latin typeface="Times New Roman" panose="02020603050405020304" pitchFamily="18" charset="0"/>
-                <a:ea typeface="DengXian" panose="02010600030101010101" pitchFamily="2" charset="-122"/>
-                <a:cs typeface="Times New Roman" panose="02020603050405020304" pitchFamily="18" charset="0"/>
-              </a:rPr>
-              <a:t> </a:t>
-            </a:r>
-            <a:r>
-              <a:rPr lang="en-US" sz="1800" dirty="0" err="1">
-                <a:effectLst/>
-                <a:latin typeface="Times New Roman" panose="02020603050405020304" pitchFamily="18" charset="0"/>
-                <a:ea typeface="DengXian" panose="02010600030101010101" pitchFamily="2" charset="-122"/>
-                <a:cs typeface="Times New Roman" panose="02020603050405020304" pitchFamily="18" charset="0"/>
-              </a:rPr>
-              <a:t>dipilih</a:t>
-            </a:r>
-            <a:r>
-              <a:rPr lang="en-US" sz="1800" dirty="0">
-                <a:effectLst/>
-                <a:latin typeface="Times New Roman" panose="02020603050405020304" pitchFamily="18" charset="0"/>
-                <a:ea typeface="DengXian" panose="02010600030101010101" pitchFamily="2" charset="-122"/>
-                <a:cs typeface="Times New Roman" panose="02020603050405020304" pitchFamily="18" charset="0"/>
-              </a:rPr>
-              <a:t> </a:t>
-            </a:r>
-            <a:r>
-              <a:rPr lang="en-US" sz="1800" dirty="0" err="1">
-                <a:effectLst/>
-                <a:latin typeface="Times New Roman" panose="02020603050405020304" pitchFamily="18" charset="0"/>
-                <a:ea typeface="DengXian" panose="02010600030101010101" pitchFamily="2" charset="-122"/>
-                <a:cs typeface="Times New Roman" panose="02020603050405020304" pitchFamily="18" charset="0"/>
-              </a:rPr>
-              <a:t>karena</a:t>
-            </a:r>
-            <a:r>
-              <a:rPr lang="en-US" sz="1800" dirty="0">
-                <a:effectLst/>
-                <a:latin typeface="Times New Roman" panose="02020603050405020304" pitchFamily="18" charset="0"/>
-                <a:ea typeface="DengXian" panose="02010600030101010101" pitchFamily="2" charset="-122"/>
-                <a:cs typeface="Times New Roman" panose="02020603050405020304" pitchFamily="18" charset="0"/>
-              </a:rPr>
-              <a:t> </a:t>
-            </a:r>
-            <a:r>
-              <a:rPr lang="en-US" sz="1800" dirty="0" err="1">
-                <a:effectLst/>
-                <a:latin typeface="Times New Roman" panose="02020603050405020304" pitchFamily="18" charset="0"/>
-                <a:ea typeface="DengXian" panose="02010600030101010101" pitchFamily="2" charset="-122"/>
-                <a:cs typeface="Times New Roman" panose="02020603050405020304" pitchFamily="18" charset="0"/>
-              </a:rPr>
-              <a:t>kemudahan</a:t>
-            </a:r>
-            <a:r>
-              <a:rPr lang="en-US" sz="1800" dirty="0">
-                <a:effectLst/>
-                <a:latin typeface="Times New Roman" panose="02020603050405020304" pitchFamily="18" charset="0"/>
-                <a:ea typeface="DengXian" panose="02010600030101010101" pitchFamily="2" charset="-122"/>
-                <a:cs typeface="Times New Roman" panose="02020603050405020304" pitchFamily="18" charset="0"/>
-              </a:rPr>
-              <a:t> </a:t>
-            </a:r>
-            <a:r>
-              <a:rPr lang="en-US" sz="1800" dirty="0" err="1">
-                <a:effectLst/>
-                <a:latin typeface="Times New Roman" panose="02020603050405020304" pitchFamily="18" charset="0"/>
-                <a:ea typeface="DengXian" panose="02010600030101010101" pitchFamily="2" charset="-122"/>
-                <a:cs typeface="Times New Roman" panose="02020603050405020304" pitchFamily="18" charset="0"/>
-              </a:rPr>
-              <a:t>penggunaan</a:t>
-            </a:r>
-            <a:r>
-              <a:rPr lang="en-US" sz="1800" dirty="0">
-                <a:effectLst/>
-                <a:latin typeface="Times New Roman" panose="02020603050405020304" pitchFamily="18" charset="0"/>
-                <a:ea typeface="DengXian" panose="02010600030101010101" pitchFamily="2" charset="-122"/>
-                <a:cs typeface="Times New Roman" panose="02020603050405020304" pitchFamily="18" charset="0"/>
-              </a:rPr>
-              <a:t> </a:t>
-            </a:r>
-            <a:r>
-              <a:rPr lang="en-US" sz="1800" dirty="0" err="1">
-                <a:effectLst/>
-                <a:latin typeface="Times New Roman" panose="02020603050405020304" pitchFamily="18" charset="0"/>
-                <a:ea typeface="DengXian" panose="02010600030101010101" pitchFamily="2" charset="-122"/>
-                <a:cs typeface="Times New Roman" panose="02020603050405020304" pitchFamily="18" charset="0"/>
-              </a:rPr>
-              <a:t>bagi</a:t>
-            </a:r>
-            <a:r>
-              <a:rPr lang="en-US" sz="1800" dirty="0">
-                <a:effectLst/>
-                <a:latin typeface="Times New Roman" panose="02020603050405020304" pitchFamily="18" charset="0"/>
-                <a:ea typeface="DengXian" panose="02010600030101010101" pitchFamily="2" charset="-122"/>
-                <a:cs typeface="Times New Roman" panose="02020603050405020304" pitchFamily="18" charset="0"/>
-              </a:rPr>
-              <a:t> user. Tools </a:t>
-            </a:r>
-            <a:r>
-              <a:rPr lang="en-US" sz="1800" dirty="0" err="1">
-                <a:effectLst/>
-                <a:latin typeface="Times New Roman" panose="02020603050405020304" pitchFamily="18" charset="0"/>
-                <a:ea typeface="DengXian" panose="02010600030101010101" pitchFamily="2" charset="-122"/>
-                <a:cs typeface="Times New Roman" panose="02020603050405020304" pitchFamily="18" charset="0"/>
-              </a:rPr>
-              <a:t>ini</a:t>
-            </a:r>
-            <a:r>
-              <a:rPr lang="en-US" sz="1800" dirty="0">
-                <a:effectLst/>
-                <a:latin typeface="Times New Roman" panose="02020603050405020304" pitchFamily="18" charset="0"/>
-                <a:ea typeface="DengXian" panose="02010600030101010101" pitchFamily="2" charset="-122"/>
-                <a:cs typeface="Times New Roman" panose="02020603050405020304" pitchFamily="18" charset="0"/>
-              </a:rPr>
-              <a:t> juga </a:t>
-            </a:r>
-            <a:r>
-              <a:rPr lang="en-US" sz="1800" dirty="0" err="1">
-                <a:effectLst/>
-                <a:latin typeface="Times New Roman" panose="02020603050405020304" pitchFamily="18" charset="0"/>
-                <a:ea typeface="DengXian" panose="02010600030101010101" pitchFamily="2" charset="-122"/>
-                <a:cs typeface="Times New Roman" panose="02020603050405020304" pitchFamily="18" charset="0"/>
-              </a:rPr>
-              <a:t>dapat</a:t>
-            </a:r>
-            <a:r>
-              <a:rPr lang="en-US" sz="1800" dirty="0">
-                <a:effectLst/>
-                <a:latin typeface="Times New Roman" panose="02020603050405020304" pitchFamily="18" charset="0"/>
-                <a:ea typeface="DengXian" panose="02010600030101010101" pitchFamily="2" charset="-122"/>
-                <a:cs typeface="Times New Roman" panose="02020603050405020304" pitchFamily="18" charset="0"/>
-              </a:rPr>
-              <a:t> </a:t>
-            </a:r>
-            <a:r>
-              <a:rPr lang="en-US" sz="1800" dirty="0" err="1">
-                <a:effectLst/>
-                <a:latin typeface="Times New Roman" panose="02020603050405020304" pitchFamily="18" charset="0"/>
-                <a:ea typeface="DengXian" panose="02010600030101010101" pitchFamily="2" charset="-122"/>
-                <a:cs typeface="Times New Roman" panose="02020603050405020304" pitchFamily="18" charset="0"/>
-              </a:rPr>
-              <a:t>diinstall</a:t>
-            </a:r>
-            <a:r>
-              <a:rPr lang="en-US" sz="1800" dirty="0">
-                <a:effectLst/>
-                <a:latin typeface="Times New Roman" panose="02020603050405020304" pitchFamily="18" charset="0"/>
-                <a:ea typeface="DengXian" panose="02010600030101010101" pitchFamily="2" charset="-122"/>
-                <a:cs typeface="Times New Roman" panose="02020603050405020304" pitchFamily="18" charset="0"/>
-              </a:rPr>
-              <a:t> di android, </a:t>
-            </a:r>
-            <a:r>
-              <a:rPr lang="en-US" sz="1800" dirty="0" err="1">
-                <a:effectLst/>
-                <a:latin typeface="Times New Roman" panose="02020603050405020304" pitchFamily="18" charset="0"/>
-                <a:ea typeface="DengXian" panose="02010600030101010101" pitchFamily="2" charset="-122"/>
-                <a:cs typeface="Times New Roman" panose="02020603050405020304" pitchFamily="18" charset="0"/>
-              </a:rPr>
-              <a:t>sehingga</a:t>
-            </a:r>
-            <a:r>
-              <a:rPr lang="en-US" sz="1800" dirty="0">
-                <a:effectLst/>
-                <a:latin typeface="Times New Roman" panose="02020603050405020304" pitchFamily="18" charset="0"/>
-                <a:ea typeface="DengXian" panose="02010600030101010101" pitchFamily="2" charset="-122"/>
-                <a:cs typeface="Times New Roman" panose="02020603050405020304" pitchFamily="18" charset="0"/>
-              </a:rPr>
-              <a:t> </a:t>
-            </a:r>
-            <a:r>
-              <a:rPr lang="en-US" sz="1800" dirty="0" err="1">
-                <a:effectLst/>
-                <a:latin typeface="Times New Roman" panose="02020603050405020304" pitchFamily="18" charset="0"/>
-                <a:ea typeface="DengXian" panose="02010600030101010101" pitchFamily="2" charset="-122"/>
-                <a:cs typeface="Times New Roman" panose="02020603050405020304" pitchFamily="18" charset="0"/>
-              </a:rPr>
-              <a:t>memudahkan</a:t>
-            </a:r>
-            <a:r>
-              <a:rPr lang="en-US" sz="1800" dirty="0">
-                <a:effectLst/>
-                <a:latin typeface="Times New Roman" panose="02020603050405020304" pitchFamily="18" charset="0"/>
-                <a:ea typeface="DengXian" panose="02010600030101010101" pitchFamily="2" charset="-122"/>
-                <a:cs typeface="Times New Roman" panose="02020603050405020304" pitchFamily="18" charset="0"/>
-              </a:rPr>
-              <a:t> </a:t>
-            </a:r>
-            <a:r>
-              <a:rPr lang="en-US" sz="1800" dirty="0" err="1">
-                <a:effectLst/>
-                <a:latin typeface="Times New Roman" panose="02020603050405020304" pitchFamily="18" charset="0"/>
-                <a:ea typeface="DengXian" panose="02010600030101010101" pitchFamily="2" charset="-122"/>
-                <a:cs typeface="Times New Roman" panose="02020603050405020304" pitchFamily="18" charset="0"/>
-              </a:rPr>
-              <a:t>pengguna</a:t>
-            </a:r>
-            <a:r>
-              <a:rPr lang="en-US" sz="1800" dirty="0">
-                <a:effectLst/>
-                <a:latin typeface="Times New Roman" panose="02020603050405020304" pitchFamily="18" charset="0"/>
-                <a:ea typeface="DengXian" panose="02010600030101010101" pitchFamily="2" charset="-122"/>
-                <a:cs typeface="Times New Roman" panose="02020603050405020304" pitchFamily="18" charset="0"/>
-              </a:rPr>
-              <a:t> </a:t>
-            </a:r>
-            <a:r>
-              <a:rPr lang="en-US" sz="1800" dirty="0" err="1">
-                <a:effectLst/>
-                <a:latin typeface="Times New Roman" panose="02020603050405020304" pitchFamily="18" charset="0"/>
-                <a:ea typeface="DengXian" panose="02010600030101010101" pitchFamily="2" charset="-122"/>
-                <a:cs typeface="Times New Roman" panose="02020603050405020304" pitchFamily="18" charset="0"/>
-              </a:rPr>
-              <a:t>dalam</a:t>
-            </a:r>
-            <a:r>
-              <a:rPr lang="en-US" sz="1800" dirty="0">
-                <a:effectLst/>
-                <a:latin typeface="Times New Roman" panose="02020603050405020304" pitchFamily="18" charset="0"/>
-                <a:ea typeface="DengXian" panose="02010600030101010101" pitchFamily="2" charset="-122"/>
-                <a:cs typeface="Times New Roman" panose="02020603050405020304" pitchFamily="18" charset="0"/>
-              </a:rPr>
-              <a:t> </a:t>
-            </a:r>
-            <a:r>
-              <a:rPr lang="en-US" sz="1800" dirty="0" err="1">
-                <a:effectLst/>
-                <a:latin typeface="Times New Roman" panose="02020603050405020304" pitchFamily="18" charset="0"/>
-                <a:ea typeface="DengXian" panose="02010600030101010101" pitchFamily="2" charset="-122"/>
-                <a:cs typeface="Times New Roman" panose="02020603050405020304" pitchFamily="18" charset="0"/>
-              </a:rPr>
-              <a:t>melihat</a:t>
-            </a:r>
-            <a:r>
-              <a:rPr lang="en-US" sz="1800" dirty="0">
-                <a:effectLst/>
-                <a:latin typeface="Times New Roman" panose="02020603050405020304" pitchFamily="18" charset="0"/>
-                <a:ea typeface="DengXian" panose="02010600030101010101" pitchFamily="2" charset="-122"/>
-                <a:cs typeface="Times New Roman" panose="02020603050405020304" pitchFamily="18" charset="0"/>
-              </a:rPr>
-              <a:t> progress dan </a:t>
-            </a:r>
-            <a:r>
-              <a:rPr lang="en-US" sz="1800" dirty="0" err="1">
-                <a:effectLst/>
-                <a:latin typeface="Times New Roman" panose="02020603050405020304" pitchFamily="18" charset="0"/>
-                <a:ea typeface="DengXian" panose="02010600030101010101" pitchFamily="2" charset="-122"/>
-                <a:cs typeface="Times New Roman" panose="02020603050405020304" pitchFamily="18" charset="0"/>
-              </a:rPr>
-              <a:t>mengupdatenya</a:t>
-            </a:r>
-            <a:r>
-              <a:rPr lang="en-US" sz="1800" dirty="0">
-                <a:effectLst/>
-                <a:latin typeface="Times New Roman" panose="02020603050405020304" pitchFamily="18" charset="0"/>
-                <a:ea typeface="DengXian" panose="02010600030101010101" pitchFamily="2" charset="-122"/>
-                <a:cs typeface="Times New Roman" panose="02020603050405020304" pitchFamily="18" charset="0"/>
-              </a:rPr>
-              <a:t>.</a:t>
-            </a:r>
-            <a:endParaRPr lang="id-ID" sz="1800" dirty="0">
-              <a:effectLst/>
-              <a:latin typeface="Times New Roman" panose="02020603050405020304" pitchFamily="18" charset="0"/>
-              <a:ea typeface="DengXian" panose="02010600030101010101" pitchFamily="2" charset="-122"/>
-              <a:cs typeface="Times New Roman" panose="02020603050405020304" pitchFamily="18" charset="0"/>
-            </a:endParaRPr>
-          </a:p>
-          <a:p>
-            <a:pPr marL="0" indent="0">
-              <a:buNone/>
-            </a:pPr>
-            <a:endParaRPr lang="en-ID" dirty="0"/>
-          </a:p>
-        </p:txBody>
-      </p:sp>
-      <p:pic>
-        <p:nvPicPr>
-          <p:cNvPr id="4" name="Picture 3">
-            <a:extLst>
-              <a:ext uri="{FF2B5EF4-FFF2-40B4-BE49-F238E27FC236}">
-                <a16:creationId xmlns:a16="http://schemas.microsoft.com/office/drawing/2014/main" id="{E2A289EB-4469-4327-B32B-22B3CC10107A}"/>
-              </a:ext>
-            </a:extLst>
-          </p:cNvPr>
-          <p:cNvPicPr/>
-          <p:nvPr/>
-        </p:nvPicPr>
-        <p:blipFill>
-          <a:blip r:embed="rId2" cstate="print">
-            <a:extLst>
-              <a:ext uri="{28A0092B-C50C-407E-A947-70E740481C1C}">
-                <a14:useLocalDpi xmlns:a14="http://schemas.microsoft.com/office/drawing/2010/main" val="0"/>
-              </a:ext>
-            </a:extLst>
-          </a:blip>
-          <a:stretch>
-            <a:fillRect/>
-          </a:stretch>
-        </p:blipFill>
-        <p:spPr>
-          <a:xfrm>
-            <a:off x="1494971" y="2091872"/>
-            <a:ext cx="9405257" cy="4401003"/>
-          </a:xfrm>
-          <a:prstGeom prst="rect">
-            <a:avLst/>
-          </a:prstGeom>
-        </p:spPr>
-      </p:pic>
+        </p:nvGraphicFramePr>
+        <p:xfrm>
+          <a:off x="1961965" y="1690688"/>
+          <a:ext cx="7812350" cy="4221839"/>
+        </p:xfrm>
+        <a:graphic>
+          <a:graphicData uri="http://schemas.openxmlformats.org/drawingml/2006/table">
+            <a:tbl>
+              <a:tblPr firstRow="1" firstCol="1" bandRow="1">
+                <a:tableStyleId>{5C22544A-7EE6-4342-B048-85BDC9FD1C3A}</a:tableStyleId>
+              </a:tblPr>
+              <a:tblGrid>
+                <a:gridCol w="1516961">
+                  <a:extLst>
+                    <a:ext uri="{9D8B030D-6E8A-4147-A177-3AD203B41FA5}">
+                      <a16:colId xmlns:a16="http://schemas.microsoft.com/office/drawing/2014/main" val="4004728017"/>
+                    </a:ext>
+                  </a:extLst>
+                </a:gridCol>
+                <a:gridCol w="3109771">
+                  <a:extLst>
+                    <a:ext uri="{9D8B030D-6E8A-4147-A177-3AD203B41FA5}">
+                      <a16:colId xmlns:a16="http://schemas.microsoft.com/office/drawing/2014/main" val="2842062422"/>
+                    </a:ext>
+                  </a:extLst>
+                </a:gridCol>
+                <a:gridCol w="3185618">
+                  <a:extLst>
+                    <a:ext uri="{9D8B030D-6E8A-4147-A177-3AD203B41FA5}">
+                      <a16:colId xmlns:a16="http://schemas.microsoft.com/office/drawing/2014/main" val="3847026060"/>
+                    </a:ext>
+                  </a:extLst>
+                </a:gridCol>
+              </a:tblGrid>
+              <a:tr h="565378">
+                <a:tc>
+                  <a:txBody>
+                    <a:bodyPr/>
+                    <a:lstStyle/>
+                    <a:p>
+                      <a:pPr marL="0" marR="0" indent="0" algn="ctr">
+                        <a:lnSpc>
+                          <a:spcPct val="115000"/>
+                        </a:lnSpc>
+                        <a:spcBef>
+                          <a:spcPts val="0"/>
+                        </a:spcBef>
+                        <a:spcAft>
+                          <a:spcPts val="800"/>
+                        </a:spcAft>
+                      </a:pPr>
+                      <a:r>
+                        <a:rPr lang="en-US" sz="1200">
+                          <a:effectLst/>
+                        </a:rPr>
+                        <a:t>Role</a:t>
+                      </a:r>
+                      <a:endParaRPr lang="id-ID" sz="1200">
+                        <a:effectLst/>
+                        <a:latin typeface="Arial" panose="020B0604020202020204" pitchFamily="34" charset="0"/>
+                        <a:ea typeface="DengXian" panose="02010600030101010101" pitchFamily="2" charset="-122"/>
+                        <a:cs typeface="Times New Roman" panose="02020603050405020304" pitchFamily="18" charset="0"/>
+                      </a:endParaRPr>
+                    </a:p>
+                  </a:txBody>
+                  <a:tcPr marL="68580" marR="68580" marT="0" marB="0" anchor="ctr"/>
+                </a:tc>
+                <a:tc>
+                  <a:txBody>
+                    <a:bodyPr/>
+                    <a:lstStyle/>
+                    <a:p>
+                      <a:pPr marL="0" marR="0" indent="0" algn="ctr">
+                        <a:lnSpc>
+                          <a:spcPct val="115000"/>
+                        </a:lnSpc>
+                        <a:spcBef>
+                          <a:spcPts val="0"/>
+                        </a:spcBef>
+                        <a:spcAft>
+                          <a:spcPts val="800"/>
+                        </a:spcAft>
+                      </a:pPr>
+                      <a:r>
+                        <a:rPr lang="en-US" sz="1200">
+                          <a:effectLst/>
+                        </a:rPr>
+                        <a:t>Nama</a:t>
+                      </a:r>
+                      <a:endParaRPr lang="id-ID" sz="1200">
+                        <a:effectLst/>
+                        <a:latin typeface="Arial" panose="020B0604020202020204" pitchFamily="34" charset="0"/>
+                        <a:ea typeface="DengXian" panose="02010600030101010101" pitchFamily="2" charset="-122"/>
+                        <a:cs typeface="Times New Roman" panose="02020603050405020304" pitchFamily="18" charset="0"/>
+                      </a:endParaRPr>
+                    </a:p>
+                  </a:txBody>
+                  <a:tcPr marL="68580" marR="68580" marT="0" marB="0" anchor="ctr"/>
+                </a:tc>
+                <a:tc>
+                  <a:txBody>
+                    <a:bodyPr/>
+                    <a:lstStyle/>
+                    <a:p>
+                      <a:pPr marL="0" marR="0" indent="0" algn="ctr">
+                        <a:lnSpc>
+                          <a:spcPct val="115000"/>
+                        </a:lnSpc>
+                        <a:spcBef>
+                          <a:spcPts val="0"/>
+                        </a:spcBef>
+                        <a:spcAft>
+                          <a:spcPts val="800"/>
+                        </a:spcAft>
+                      </a:pPr>
+                      <a:r>
+                        <a:rPr lang="en-US" sz="1200">
+                          <a:effectLst/>
+                        </a:rPr>
+                        <a:t>Tugas</a:t>
+                      </a:r>
+                      <a:endParaRPr lang="id-ID" sz="1200">
+                        <a:effectLst/>
+                        <a:latin typeface="Arial" panose="020B0604020202020204" pitchFamily="34" charset="0"/>
+                        <a:ea typeface="DengXian" panose="02010600030101010101" pitchFamily="2" charset="-122"/>
+                        <a:cs typeface="Times New Roman" panose="02020603050405020304" pitchFamily="18" charset="0"/>
+                      </a:endParaRPr>
+                    </a:p>
+                  </a:txBody>
+                  <a:tcPr marL="68580" marR="68580" marT="0" marB="0" anchor="ctr"/>
+                </a:tc>
+                <a:extLst>
+                  <a:ext uri="{0D108BD9-81ED-4DB2-BD59-A6C34878D82A}">
+                    <a16:rowId xmlns:a16="http://schemas.microsoft.com/office/drawing/2014/main" val="1687295609"/>
+                  </a:ext>
+                </a:extLst>
+              </a:tr>
+              <a:tr h="728102">
+                <a:tc>
+                  <a:txBody>
+                    <a:bodyPr/>
+                    <a:lstStyle/>
+                    <a:p>
+                      <a:pPr marL="0" marR="0" indent="0" algn="just">
+                        <a:lnSpc>
+                          <a:spcPct val="115000"/>
+                        </a:lnSpc>
+                        <a:spcBef>
+                          <a:spcPts val="0"/>
+                        </a:spcBef>
+                        <a:spcAft>
+                          <a:spcPts val="800"/>
+                        </a:spcAft>
+                      </a:pPr>
+                      <a:r>
+                        <a:rPr lang="en-US" sz="1200" dirty="0" err="1">
+                          <a:effectLst/>
+                        </a:rPr>
+                        <a:t>Ketua</a:t>
+                      </a:r>
+                      <a:r>
+                        <a:rPr lang="en-US" sz="1200" dirty="0">
+                          <a:effectLst/>
+                        </a:rPr>
+                        <a:t> </a:t>
+                      </a:r>
+                      <a:r>
+                        <a:rPr lang="en-US" sz="1200" dirty="0" err="1">
+                          <a:effectLst/>
+                        </a:rPr>
+                        <a:t>Proyek</a:t>
+                      </a:r>
+                      <a:endParaRPr lang="id-ID" sz="1200" dirty="0">
+                        <a:effectLst/>
+                        <a:latin typeface="Arial" panose="020B0604020202020204" pitchFamily="34" charset="0"/>
+                        <a:ea typeface="DengXian" panose="02010600030101010101" pitchFamily="2" charset="-122"/>
+                        <a:cs typeface="Times New Roman" panose="02020603050405020304" pitchFamily="18" charset="0"/>
+                      </a:endParaRPr>
+                    </a:p>
+                  </a:txBody>
+                  <a:tcPr marL="68580" marR="68580" marT="0" marB="0"/>
+                </a:tc>
+                <a:tc>
+                  <a:txBody>
+                    <a:bodyPr/>
+                    <a:lstStyle/>
+                    <a:p>
+                      <a:pPr marL="0" marR="0" indent="0" algn="just">
+                        <a:lnSpc>
+                          <a:spcPct val="115000"/>
+                        </a:lnSpc>
+                        <a:spcBef>
+                          <a:spcPts val="0"/>
+                        </a:spcBef>
+                        <a:spcAft>
+                          <a:spcPts val="800"/>
+                        </a:spcAft>
+                      </a:pPr>
+                      <a:r>
+                        <a:rPr lang="en-US" sz="1200">
+                          <a:effectLst/>
+                        </a:rPr>
+                        <a:t>Maheswara Athallah Wijanarko</a:t>
+                      </a:r>
+                      <a:endParaRPr lang="id-ID" sz="1200">
+                        <a:effectLst/>
+                        <a:latin typeface="Arial" panose="020B0604020202020204" pitchFamily="34" charset="0"/>
+                        <a:ea typeface="DengXian" panose="02010600030101010101" pitchFamily="2" charset="-122"/>
+                        <a:cs typeface="Times New Roman" panose="02020603050405020304" pitchFamily="18" charset="0"/>
+                      </a:endParaRPr>
+                    </a:p>
+                  </a:txBody>
+                  <a:tcPr marL="68580" marR="68580" marT="0" marB="0"/>
+                </a:tc>
+                <a:tc>
+                  <a:txBody>
+                    <a:bodyPr/>
+                    <a:lstStyle/>
+                    <a:p>
+                      <a:pPr marL="342900" marR="0" lvl="0" indent="-342900" algn="just">
+                        <a:lnSpc>
+                          <a:spcPct val="115000"/>
+                        </a:lnSpc>
+                        <a:spcBef>
+                          <a:spcPts val="0"/>
+                        </a:spcBef>
+                        <a:spcAft>
+                          <a:spcPts val="0"/>
+                        </a:spcAft>
+                        <a:buFont typeface="Arial" panose="020B0604020202020204" pitchFamily="34" charset="0"/>
+                        <a:buChar char="-"/>
+                      </a:pPr>
+                      <a:r>
+                        <a:rPr lang="en-US" sz="1200">
+                          <a:effectLst/>
+                        </a:rPr>
+                        <a:t>Menjadwalkan pelaksanaan proyek</a:t>
+                      </a:r>
+                      <a:endParaRPr lang="id-ID" sz="1200">
+                        <a:effectLst/>
+                      </a:endParaRPr>
+                    </a:p>
+                    <a:p>
+                      <a:pPr marL="342900" marR="0" lvl="0" indent="-342900" algn="just">
+                        <a:lnSpc>
+                          <a:spcPct val="115000"/>
+                        </a:lnSpc>
+                        <a:spcBef>
+                          <a:spcPts val="0"/>
+                        </a:spcBef>
+                        <a:spcAft>
+                          <a:spcPts val="800"/>
+                        </a:spcAft>
+                        <a:buFont typeface="Arial" panose="020B0604020202020204" pitchFamily="34" charset="0"/>
+                        <a:buChar char="-"/>
+                      </a:pPr>
+                      <a:r>
+                        <a:rPr lang="en-US" sz="1200">
+                          <a:effectLst/>
+                        </a:rPr>
+                        <a:t>Memantau kerja proyek</a:t>
+                      </a:r>
+                      <a:endParaRPr lang="id-ID" sz="1200">
+                        <a:effectLst/>
+                        <a:latin typeface="Arial" panose="020B0604020202020204" pitchFamily="34" charset="0"/>
+                        <a:ea typeface="DengXian" panose="02010600030101010101" pitchFamily="2" charset="-122"/>
+                        <a:cs typeface="Times New Roman" panose="02020603050405020304" pitchFamily="18" charset="0"/>
+                      </a:endParaRPr>
+                    </a:p>
+                  </a:txBody>
+                  <a:tcPr marL="68580" marR="68580" marT="0" marB="0"/>
+                </a:tc>
+                <a:extLst>
+                  <a:ext uri="{0D108BD9-81ED-4DB2-BD59-A6C34878D82A}">
+                    <a16:rowId xmlns:a16="http://schemas.microsoft.com/office/drawing/2014/main" val="1476572539"/>
+                  </a:ext>
+                </a:extLst>
+              </a:tr>
+              <a:tr h="976119">
+                <a:tc>
+                  <a:txBody>
+                    <a:bodyPr/>
+                    <a:lstStyle/>
+                    <a:p>
+                      <a:pPr marL="0" marR="0" indent="0" algn="just">
+                        <a:lnSpc>
+                          <a:spcPct val="115000"/>
+                        </a:lnSpc>
+                        <a:spcBef>
+                          <a:spcPts val="0"/>
+                        </a:spcBef>
+                        <a:spcAft>
+                          <a:spcPts val="800"/>
+                        </a:spcAft>
+                      </a:pPr>
+                      <a:r>
+                        <a:rPr lang="en-US" sz="1200">
+                          <a:effectLst/>
+                        </a:rPr>
+                        <a:t>Sistem Analis</a:t>
+                      </a:r>
+                      <a:endParaRPr lang="id-ID" sz="1200">
+                        <a:effectLst/>
+                        <a:latin typeface="Arial" panose="020B0604020202020204" pitchFamily="34" charset="0"/>
+                        <a:ea typeface="DengXian" panose="02010600030101010101" pitchFamily="2" charset="-122"/>
+                        <a:cs typeface="Times New Roman" panose="02020603050405020304" pitchFamily="18" charset="0"/>
+                      </a:endParaRPr>
+                    </a:p>
+                  </a:txBody>
+                  <a:tcPr marL="68580" marR="68580" marT="0" marB="0"/>
+                </a:tc>
+                <a:tc>
+                  <a:txBody>
+                    <a:bodyPr/>
+                    <a:lstStyle/>
+                    <a:p>
+                      <a:pPr marL="0" marR="0" indent="0" algn="just">
+                        <a:lnSpc>
+                          <a:spcPct val="115000"/>
+                        </a:lnSpc>
+                        <a:spcBef>
+                          <a:spcPts val="0"/>
+                        </a:spcBef>
+                        <a:spcAft>
+                          <a:spcPts val="800"/>
+                        </a:spcAft>
+                      </a:pPr>
+                      <a:r>
+                        <a:rPr lang="en-US" sz="1200" dirty="0">
+                          <a:effectLst/>
+                        </a:rPr>
+                        <a:t>Muhammad Alful Falakh</a:t>
+                      </a:r>
+                      <a:endParaRPr lang="id-ID" sz="1200" dirty="0">
+                        <a:effectLst/>
+                        <a:latin typeface="Arial" panose="020B0604020202020204" pitchFamily="34" charset="0"/>
+                        <a:ea typeface="DengXian" panose="02010600030101010101" pitchFamily="2" charset="-122"/>
+                        <a:cs typeface="Times New Roman" panose="02020603050405020304" pitchFamily="18" charset="0"/>
+                      </a:endParaRPr>
+                    </a:p>
+                  </a:txBody>
+                  <a:tcPr marL="68580" marR="68580" marT="0" marB="0"/>
+                </a:tc>
+                <a:tc>
+                  <a:txBody>
+                    <a:bodyPr/>
+                    <a:lstStyle/>
+                    <a:p>
+                      <a:pPr marL="342900" marR="0" lvl="0" indent="-342900" algn="just">
+                        <a:lnSpc>
+                          <a:spcPct val="115000"/>
+                        </a:lnSpc>
+                        <a:spcBef>
+                          <a:spcPts val="0"/>
+                        </a:spcBef>
+                        <a:spcAft>
+                          <a:spcPts val="0"/>
+                        </a:spcAft>
+                        <a:buFont typeface="Arial" panose="020B0604020202020204" pitchFamily="34" charset="0"/>
+                        <a:buChar char="-"/>
+                      </a:pPr>
+                      <a:r>
+                        <a:rPr lang="en-US" sz="1200">
+                          <a:effectLst/>
+                        </a:rPr>
+                        <a:t>Menganalisis proses aplikasi</a:t>
+                      </a:r>
+                      <a:endParaRPr lang="id-ID" sz="1200">
+                        <a:effectLst/>
+                      </a:endParaRPr>
+                    </a:p>
+                    <a:p>
+                      <a:pPr marL="342900" marR="0" lvl="0" indent="-342900" algn="just">
+                        <a:lnSpc>
+                          <a:spcPct val="115000"/>
+                        </a:lnSpc>
+                        <a:spcBef>
+                          <a:spcPts val="0"/>
+                        </a:spcBef>
+                        <a:spcAft>
+                          <a:spcPts val="0"/>
+                        </a:spcAft>
+                        <a:buFont typeface="Arial" panose="020B0604020202020204" pitchFamily="34" charset="0"/>
+                        <a:buChar char="-"/>
+                      </a:pPr>
+                      <a:r>
+                        <a:rPr lang="en-US" sz="1200">
+                          <a:effectLst/>
+                        </a:rPr>
+                        <a:t>Menjelaskan isi dan kebutuhan aplikasi</a:t>
+                      </a:r>
+                      <a:endParaRPr lang="id-ID" sz="1200">
+                        <a:effectLst/>
+                      </a:endParaRPr>
+                    </a:p>
+                    <a:p>
+                      <a:pPr marL="342900" marR="0" lvl="0" indent="-342900" algn="just">
+                        <a:lnSpc>
+                          <a:spcPct val="115000"/>
+                        </a:lnSpc>
+                        <a:spcBef>
+                          <a:spcPts val="0"/>
+                        </a:spcBef>
+                        <a:spcAft>
+                          <a:spcPts val="800"/>
+                        </a:spcAft>
+                        <a:buFont typeface="Arial" panose="020B0604020202020204" pitchFamily="34" charset="0"/>
+                        <a:buChar char="-"/>
+                      </a:pPr>
+                      <a:r>
+                        <a:rPr lang="en-US" sz="1200">
+                          <a:effectLst/>
+                        </a:rPr>
+                        <a:t>Menjelaskan cara kerja aplikasi</a:t>
+                      </a:r>
+                      <a:endParaRPr lang="id-ID" sz="1200">
+                        <a:effectLst/>
+                        <a:latin typeface="Arial" panose="020B0604020202020204" pitchFamily="34" charset="0"/>
+                        <a:ea typeface="DengXian" panose="02010600030101010101" pitchFamily="2" charset="-122"/>
+                        <a:cs typeface="Times New Roman" panose="02020603050405020304" pitchFamily="18" charset="0"/>
+                      </a:endParaRPr>
+                    </a:p>
+                  </a:txBody>
+                  <a:tcPr marL="68580" marR="68580" marT="0" marB="0"/>
+                </a:tc>
+                <a:extLst>
+                  <a:ext uri="{0D108BD9-81ED-4DB2-BD59-A6C34878D82A}">
+                    <a16:rowId xmlns:a16="http://schemas.microsoft.com/office/drawing/2014/main" val="1251215149"/>
+                  </a:ext>
+                </a:extLst>
+              </a:tr>
+              <a:tr h="480085">
+                <a:tc>
+                  <a:txBody>
+                    <a:bodyPr/>
+                    <a:lstStyle/>
+                    <a:p>
+                      <a:pPr marL="0" marR="0" indent="0" algn="just">
+                        <a:lnSpc>
+                          <a:spcPct val="115000"/>
+                        </a:lnSpc>
+                        <a:spcBef>
+                          <a:spcPts val="0"/>
+                        </a:spcBef>
+                        <a:spcAft>
+                          <a:spcPts val="800"/>
+                        </a:spcAft>
+                      </a:pPr>
+                      <a:r>
+                        <a:rPr lang="en-US" sz="1200">
+                          <a:effectLst/>
+                        </a:rPr>
+                        <a:t>Sistem Design</a:t>
+                      </a:r>
+                      <a:endParaRPr lang="id-ID" sz="1200">
+                        <a:effectLst/>
+                        <a:latin typeface="Arial" panose="020B0604020202020204" pitchFamily="34" charset="0"/>
+                        <a:ea typeface="DengXian" panose="02010600030101010101" pitchFamily="2" charset="-122"/>
+                        <a:cs typeface="Times New Roman" panose="02020603050405020304" pitchFamily="18" charset="0"/>
+                      </a:endParaRPr>
+                    </a:p>
+                  </a:txBody>
+                  <a:tcPr marL="68580" marR="68580" marT="0" marB="0"/>
+                </a:tc>
+                <a:tc>
+                  <a:txBody>
+                    <a:bodyPr/>
+                    <a:lstStyle/>
+                    <a:p>
+                      <a:pPr marL="0" marR="0" indent="0" algn="just">
+                        <a:lnSpc>
+                          <a:spcPct val="115000"/>
+                        </a:lnSpc>
+                        <a:spcBef>
+                          <a:spcPts val="0"/>
+                        </a:spcBef>
+                        <a:spcAft>
+                          <a:spcPts val="800"/>
+                        </a:spcAft>
+                      </a:pPr>
+                      <a:r>
+                        <a:rPr lang="en-US" sz="1200">
+                          <a:effectLst/>
+                        </a:rPr>
+                        <a:t>Kurnia Rizqi Nur Hasani</a:t>
+                      </a:r>
+                      <a:endParaRPr lang="id-ID" sz="1200">
+                        <a:effectLst/>
+                        <a:latin typeface="Arial" panose="020B0604020202020204" pitchFamily="34" charset="0"/>
+                        <a:ea typeface="DengXian" panose="02010600030101010101" pitchFamily="2" charset="-122"/>
+                        <a:cs typeface="Times New Roman" panose="02020603050405020304" pitchFamily="18" charset="0"/>
+                      </a:endParaRPr>
+                    </a:p>
+                  </a:txBody>
+                  <a:tcPr marL="68580" marR="68580" marT="0" marB="0"/>
+                </a:tc>
+                <a:tc>
+                  <a:txBody>
+                    <a:bodyPr/>
+                    <a:lstStyle/>
+                    <a:p>
+                      <a:pPr marL="342900" marR="0" lvl="0" indent="-342900" algn="just">
+                        <a:lnSpc>
+                          <a:spcPct val="115000"/>
+                        </a:lnSpc>
+                        <a:spcBef>
+                          <a:spcPts val="0"/>
+                        </a:spcBef>
+                        <a:spcAft>
+                          <a:spcPts val="800"/>
+                        </a:spcAft>
+                        <a:buFont typeface="Arial" panose="020B0604020202020204" pitchFamily="34" charset="0"/>
+                        <a:buChar char="-"/>
+                      </a:pPr>
+                      <a:r>
+                        <a:rPr lang="en-US" sz="1200">
+                          <a:effectLst/>
+                        </a:rPr>
+                        <a:t>Memberikan gambaran design aplikasi</a:t>
+                      </a:r>
+                      <a:endParaRPr lang="id-ID" sz="1200">
+                        <a:effectLst/>
+                        <a:latin typeface="Arial" panose="020B0604020202020204" pitchFamily="34" charset="0"/>
+                        <a:ea typeface="DengXian" panose="02010600030101010101" pitchFamily="2" charset="-122"/>
+                        <a:cs typeface="Times New Roman" panose="02020603050405020304" pitchFamily="18" charset="0"/>
+                      </a:endParaRPr>
+                    </a:p>
+                  </a:txBody>
+                  <a:tcPr marL="68580" marR="68580" marT="0" marB="0"/>
+                </a:tc>
+                <a:extLst>
+                  <a:ext uri="{0D108BD9-81ED-4DB2-BD59-A6C34878D82A}">
+                    <a16:rowId xmlns:a16="http://schemas.microsoft.com/office/drawing/2014/main" val="3953677502"/>
+                  </a:ext>
+                </a:extLst>
+              </a:tr>
+              <a:tr h="1472155">
+                <a:tc>
+                  <a:txBody>
+                    <a:bodyPr/>
+                    <a:lstStyle/>
+                    <a:p>
+                      <a:pPr marL="0" marR="0" indent="0" algn="just">
+                        <a:lnSpc>
+                          <a:spcPct val="115000"/>
+                        </a:lnSpc>
+                        <a:spcBef>
+                          <a:spcPts val="0"/>
+                        </a:spcBef>
+                        <a:spcAft>
+                          <a:spcPts val="800"/>
+                        </a:spcAft>
+                      </a:pPr>
+                      <a:r>
+                        <a:rPr lang="en-US" sz="1200">
+                          <a:effectLst/>
+                        </a:rPr>
+                        <a:t>Programmer</a:t>
+                      </a:r>
+                      <a:endParaRPr lang="id-ID" sz="1200">
+                        <a:effectLst/>
+                        <a:latin typeface="Arial" panose="020B0604020202020204" pitchFamily="34" charset="0"/>
+                        <a:ea typeface="DengXian" panose="02010600030101010101" pitchFamily="2" charset="-122"/>
+                        <a:cs typeface="Times New Roman" panose="02020603050405020304" pitchFamily="18" charset="0"/>
+                      </a:endParaRPr>
+                    </a:p>
+                  </a:txBody>
+                  <a:tcPr marL="68580" marR="68580" marT="0" marB="0"/>
+                </a:tc>
+                <a:tc>
+                  <a:txBody>
+                    <a:bodyPr/>
+                    <a:lstStyle/>
+                    <a:p>
+                      <a:pPr marL="342900" marR="0" lvl="0" indent="-342900" algn="just">
+                        <a:lnSpc>
+                          <a:spcPct val="115000"/>
+                        </a:lnSpc>
+                        <a:spcBef>
+                          <a:spcPts val="0"/>
+                        </a:spcBef>
+                        <a:spcAft>
+                          <a:spcPts val="0"/>
+                        </a:spcAft>
+                        <a:buFont typeface="Arial" panose="020B0604020202020204" pitchFamily="34" charset="0"/>
+                        <a:buChar char="-"/>
+                      </a:pPr>
+                      <a:r>
+                        <a:rPr lang="en-US" sz="1200">
+                          <a:effectLst/>
+                        </a:rPr>
+                        <a:t>Habiib Iqbal Sobari</a:t>
+                      </a:r>
+                      <a:endParaRPr lang="id-ID" sz="1200">
+                        <a:effectLst/>
+                      </a:endParaRPr>
+                    </a:p>
+                    <a:p>
+                      <a:pPr marL="342900" marR="0" lvl="0" indent="-342900" algn="just">
+                        <a:lnSpc>
+                          <a:spcPct val="115000"/>
+                        </a:lnSpc>
+                        <a:spcBef>
+                          <a:spcPts val="0"/>
+                        </a:spcBef>
+                        <a:spcAft>
+                          <a:spcPts val="0"/>
+                        </a:spcAft>
+                        <a:buFont typeface="Arial" panose="020B0604020202020204" pitchFamily="34" charset="0"/>
+                        <a:buChar char="-"/>
+                      </a:pPr>
+                      <a:r>
+                        <a:rPr lang="en-US" sz="1200">
+                          <a:effectLst/>
+                        </a:rPr>
+                        <a:t>Angga Pala Raja</a:t>
+                      </a:r>
+                      <a:endParaRPr lang="id-ID" sz="1200">
+                        <a:effectLst/>
+                      </a:endParaRPr>
+                    </a:p>
+                    <a:p>
+                      <a:pPr marL="342900" marR="0" lvl="0" indent="-342900" algn="just">
+                        <a:lnSpc>
+                          <a:spcPct val="115000"/>
+                        </a:lnSpc>
+                        <a:spcBef>
+                          <a:spcPts val="0"/>
+                        </a:spcBef>
+                        <a:spcAft>
+                          <a:spcPts val="0"/>
+                        </a:spcAft>
+                        <a:buFont typeface="Arial" panose="020B0604020202020204" pitchFamily="34" charset="0"/>
+                        <a:buChar char="-"/>
+                      </a:pPr>
+                      <a:r>
+                        <a:rPr lang="en-US" sz="1200">
+                          <a:effectLst/>
+                        </a:rPr>
+                        <a:t>Muhammad Alful Falakh</a:t>
+                      </a:r>
+                      <a:endParaRPr lang="id-ID" sz="1200">
+                        <a:effectLst/>
+                      </a:endParaRPr>
+                    </a:p>
+                    <a:p>
+                      <a:pPr marL="342900" marR="0" lvl="0" indent="-342900" algn="just">
+                        <a:lnSpc>
+                          <a:spcPct val="115000"/>
+                        </a:lnSpc>
+                        <a:spcBef>
+                          <a:spcPts val="0"/>
+                        </a:spcBef>
+                        <a:spcAft>
+                          <a:spcPts val="0"/>
+                        </a:spcAft>
+                        <a:buFont typeface="Arial" panose="020B0604020202020204" pitchFamily="34" charset="0"/>
+                        <a:buChar char="-"/>
+                      </a:pPr>
+                      <a:r>
+                        <a:rPr lang="en-US" sz="1200">
+                          <a:effectLst/>
+                        </a:rPr>
+                        <a:t>Maheswara Athallah Wijanarko</a:t>
+                      </a:r>
+                      <a:endParaRPr lang="id-ID" sz="1200">
+                        <a:effectLst/>
+                      </a:endParaRPr>
+                    </a:p>
+                    <a:p>
+                      <a:pPr marL="342900" marR="0" lvl="0" indent="-342900" algn="just">
+                        <a:lnSpc>
+                          <a:spcPct val="115000"/>
+                        </a:lnSpc>
+                        <a:spcBef>
+                          <a:spcPts val="0"/>
+                        </a:spcBef>
+                        <a:spcAft>
+                          <a:spcPts val="0"/>
+                        </a:spcAft>
+                        <a:buFont typeface="Arial" panose="020B0604020202020204" pitchFamily="34" charset="0"/>
+                        <a:buChar char="-"/>
+                      </a:pPr>
+                      <a:r>
+                        <a:rPr lang="en-US" sz="1200">
+                          <a:effectLst/>
+                        </a:rPr>
+                        <a:t>Kurnia Rizqi Nur Hasani</a:t>
+                      </a:r>
+                      <a:endParaRPr lang="id-ID" sz="1200">
+                        <a:effectLst/>
+                        <a:latin typeface="Arial" panose="020B0604020202020204" pitchFamily="34" charset="0"/>
+                        <a:ea typeface="DengXian" panose="02010600030101010101" pitchFamily="2" charset="-122"/>
+                        <a:cs typeface="Times New Roman" panose="02020603050405020304" pitchFamily="18" charset="0"/>
+                      </a:endParaRPr>
+                    </a:p>
+                  </a:txBody>
+                  <a:tcPr marL="68580" marR="68580" marT="0" marB="0"/>
+                </a:tc>
+                <a:tc>
+                  <a:txBody>
+                    <a:bodyPr/>
+                    <a:lstStyle/>
+                    <a:p>
+                      <a:pPr marL="342900" marR="0" lvl="0" indent="-342900" algn="just">
+                        <a:lnSpc>
+                          <a:spcPct val="115000"/>
+                        </a:lnSpc>
+                        <a:spcBef>
+                          <a:spcPts val="0"/>
+                        </a:spcBef>
+                        <a:spcAft>
+                          <a:spcPts val="0"/>
+                        </a:spcAft>
+                        <a:buFont typeface="Arial" panose="020B0604020202020204" pitchFamily="34" charset="0"/>
+                        <a:buChar char="-"/>
+                      </a:pPr>
+                      <a:r>
+                        <a:rPr lang="en-US" sz="1200" dirty="0" err="1">
+                          <a:effectLst/>
+                        </a:rPr>
+                        <a:t>Membuat</a:t>
+                      </a:r>
+                      <a:r>
+                        <a:rPr lang="en-US" sz="1200" dirty="0">
+                          <a:effectLst/>
+                        </a:rPr>
+                        <a:t> </a:t>
+                      </a:r>
+                      <a:r>
+                        <a:rPr lang="en-US" sz="1200" dirty="0" err="1">
+                          <a:effectLst/>
+                        </a:rPr>
+                        <a:t>aplikasi</a:t>
+                      </a:r>
+                      <a:r>
+                        <a:rPr lang="en-US" sz="1200" dirty="0">
+                          <a:effectLst/>
+                        </a:rPr>
+                        <a:t> yang </a:t>
+                      </a:r>
+                      <a:r>
+                        <a:rPr lang="en-US" sz="1200" dirty="0" err="1">
+                          <a:effectLst/>
+                        </a:rPr>
+                        <a:t>telah</a:t>
+                      </a:r>
+                      <a:r>
+                        <a:rPr lang="en-US" sz="1200" dirty="0">
+                          <a:effectLst/>
+                        </a:rPr>
+                        <a:t> </a:t>
+                      </a:r>
+                      <a:r>
+                        <a:rPr lang="en-US" sz="1200" dirty="0" err="1">
+                          <a:effectLst/>
+                        </a:rPr>
+                        <a:t>dirancang</a:t>
+                      </a:r>
+                      <a:endParaRPr lang="id-ID" sz="1200" dirty="0">
+                        <a:effectLst/>
+                      </a:endParaRPr>
+                    </a:p>
+                    <a:p>
+                      <a:pPr marL="342900" marR="0" lvl="0" indent="-342900" algn="just">
+                        <a:lnSpc>
+                          <a:spcPct val="115000"/>
+                        </a:lnSpc>
+                        <a:spcBef>
+                          <a:spcPts val="0"/>
+                        </a:spcBef>
+                        <a:spcAft>
+                          <a:spcPts val="800"/>
+                        </a:spcAft>
+                        <a:buFont typeface="Arial" panose="020B0604020202020204" pitchFamily="34" charset="0"/>
+                        <a:buChar char="-"/>
+                      </a:pPr>
+                      <a:r>
+                        <a:rPr lang="en-US" sz="1200" dirty="0" err="1">
+                          <a:effectLst/>
+                        </a:rPr>
+                        <a:t>Menguji</a:t>
+                      </a:r>
+                      <a:r>
+                        <a:rPr lang="en-US" sz="1200" dirty="0">
+                          <a:effectLst/>
+                        </a:rPr>
+                        <a:t> </a:t>
+                      </a:r>
+                      <a:r>
+                        <a:rPr lang="en-US" sz="1200" dirty="0" err="1">
+                          <a:effectLst/>
+                        </a:rPr>
+                        <a:t>aplikasi</a:t>
+                      </a:r>
+                      <a:r>
+                        <a:rPr lang="en-US" sz="1200" dirty="0">
+                          <a:effectLst/>
+                        </a:rPr>
+                        <a:t> yang </a:t>
+                      </a:r>
+                      <a:r>
+                        <a:rPr lang="en-US" sz="1200" dirty="0" err="1">
+                          <a:effectLst/>
+                        </a:rPr>
+                        <a:t>telah</a:t>
+                      </a:r>
+                      <a:r>
+                        <a:rPr lang="en-US" sz="1200" dirty="0">
+                          <a:effectLst/>
+                        </a:rPr>
+                        <a:t> </a:t>
+                      </a:r>
+                      <a:r>
+                        <a:rPr lang="en-US" sz="1200" dirty="0" err="1">
+                          <a:effectLst/>
+                        </a:rPr>
+                        <a:t>dirancang</a:t>
+                      </a:r>
+                      <a:endParaRPr lang="en-US" sz="1200" dirty="0">
+                        <a:effectLst/>
+                      </a:endParaRPr>
+                    </a:p>
+                  </a:txBody>
+                  <a:tcPr marL="68580" marR="68580" marT="0" marB="0"/>
+                </a:tc>
+                <a:extLst>
+                  <a:ext uri="{0D108BD9-81ED-4DB2-BD59-A6C34878D82A}">
+                    <a16:rowId xmlns:a16="http://schemas.microsoft.com/office/drawing/2014/main" val="152176355"/>
+                  </a:ext>
+                </a:extLst>
+              </a:tr>
+            </a:tbl>
+          </a:graphicData>
+        </a:graphic>
+      </p:graphicFrame>
     </p:spTree>
     <p:extLst>
       <p:ext uri="{BB962C8B-B14F-4D97-AF65-F5344CB8AC3E}">
-        <p14:creationId xmlns:p14="http://schemas.microsoft.com/office/powerpoint/2010/main" val="1419492776"/>
+        <p14:creationId xmlns:p14="http://schemas.microsoft.com/office/powerpoint/2010/main" val="3161248528"/>
       </p:ext>
     </p:extLst>
   </p:cSld>
@@ -7822,7 +8457,7 @@
           <p:cNvPr id="2" name="Title 1">
             <a:extLst>
               <a:ext uri="{FF2B5EF4-FFF2-40B4-BE49-F238E27FC236}">
-                <a16:creationId xmlns:a16="http://schemas.microsoft.com/office/drawing/2014/main" id="{455292C5-3699-4130-80A6-E328D765CBC4}"/>
+                <a16:creationId xmlns:a16="http://schemas.microsoft.com/office/drawing/2014/main" id="{602C162F-EDD6-4BF2-8339-3EAA34E06F29}"/>
               </a:ext>
             </a:extLst>
           </p:cNvPr>
@@ -7835,25 +8470,43 @@
         </p:nvSpPr>
         <p:spPr/>
         <p:txBody>
-          <a:bodyPr>
-            <a:normAutofit/>
-          </a:bodyPr>
+          <a:bodyPr/>
           <a:lstStyle/>
           <a:p>
             <a:r>
+              <a:rPr lang="id-ID" dirty="0"/>
+              <a:t>Project </a:t>
+            </a:r>
+            <a:r>
+              <a:rPr lang="id-ID" dirty="0" err="1"/>
+              <a:t>Management</a:t>
+            </a:r>
+            <a:r>
+              <a:rPr lang="id-ID" dirty="0"/>
+              <a:t> </a:t>
+            </a:r>
+            <a:r>
+              <a:rPr lang="id-ID" dirty="0" err="1"/>
+              <a:t>Tools</a:t>
+            </a:r>
+            <a:r>
               <a:rPr lang="en-US" dirty="0"/>
-              <a:t>Diagram : Draw.io</a:t>
-            </a:r>
-            <a:endParaRPr lang="id-ID" dirty="0"/>
+              <a:t> : </a:t>
+            </a:r>
+            <a:r>
+              <a:rPr lang="id-ID" dirty="0" err="1"/>
+              <a:t>Notion</a:t>
+            </a:r>
+            <a:endParaRPr lang="en-ID" dirty="0"/>
           </a:p>
         </p:txBody>
       </p:sp>
       <p:sp>
         <p:nvSpPr>
-          <p:cNvPr id="6" name="Content Placeholder 5">
-            <a:extLst>
-              <a:ext uri="{FF2B5EF4-FFF2-40B4-BE49-F238E27FC236}">
-                <a16:creationId xmlns:a16="http://schemas.microsoft.com/office/drawing/2014/main" id="{DC4E54E9-C4DE-4CD7-99EB-F29C49456BB6}"/>
+          <p:cNvPr id="3" name="Content Placeholder 2">
+            <a:extLst>
+              <a:ext uri="{FF2B5EF4-FFF2-40B4-BE49-F238E27FC236}">
+                <a16:creationId xmlns:a16="http://schemas.microsoft.com/office/drawing/2014/main" id="{5147FEA4-B9C0-4C15-9856-2831442A1BE6}"/>
               </a:ext>
             </a:extLst>
           </p:cNvPr>
@@ -7866,14 +8519,28 @@
         </p:nvSpPr>
         <p:spPr>
           <a:xfrm>
-            <a:off x="838200" y="1825625"/>
-            <a:ext cx="10515600" cy="402670"/>
+            <a:off x="838200" y="1508126"/>
+            <a:ext cx="10515600" cy="583746"/>
           </a:xfrm>
         </p:spPr>
         <p:txBody>
-          <a:bodyPr/>
+          <a:bodyPr>
+            <a:normAutofit lnSpcReduction="10000"/>
+          </a:bodyPr>
           <a:lstStyle/>
           <a:p>
+            <a:pPr marL="0" indent="0">
+              <a:buNone/>
+            </a:pPr>
+            <a:r>
+              <a:rPr lang="en-US" sz="1800" dirty="0">
+                <a:effectLst/>
+                <a:latin typeface="Times New Roman" panose="02020603050405020304" pitchFamily="18" charset="0"/>
+                <a:ea typeface="DengXian" panose="02010600030101010101" pitchFamily="2" charset="-122"/>
+                <a:cs typeface="Times New Roman" panose="02020603050405020304" pitchFamily="18" charset="0"/>
+              </a:rPr>
+              <a:t>Tools </a:t>
+            </a:r>
             <a:r>
               <a:rPr lang="en-US" sz="1800" dirty="0" err="1">
                 <a:effectLst/>
@@ -7881,7 +8548,7 @@
                 <a:ea typeface="DengXian" panose="02010600030101010101" pitchFamily="2" charset="-122"/>
                 <a:cs typeface="Times New Roman" panose="02020603050405020304" pitchFamily="18" charset="0"/>
               </a:rPr>
-              <a:t>Aplikasi</a:t>
+              <a:t>ini</a:t>
             </a:r>
             <a:r>
               <a:rPr lang="en-US" sz="1800" dirty="0">
@@ -7899,6 +8566,96 @@
                 <a:ea typeface="DengXian" panose="02010600030101010101" pitchFamily="2" charset="-122"/>
                 <a:cs typeface="Times New Roman" panose="02020603050405020304" pitchFamily="18" charset="0"/>
               </a:rPr>
+              <a:t>dipilih</a:t>
+            </a:r>
+            <a:r>
+              <a:rPr lang="en-US" sz="1800" dirty="0">
+                <a:effectLst/>
+                <a:latin typeface="Times New Roman" panose="02020603050405020304" pitchFamily="18" charset="0"/>
+                <a:ea typeface="DengXian" panose="02010600030101010101" pitchFamily="2" charset="-122"/>
+                <a:cs typeface="Times New Roman" panose="02020603050405020304" pitchFamily="18" charset="0"/>
+              </a:rPr>
+              <a:t> </a:t>
+            </a:r>
+            <a:r>
+              <a:rPr lang="en-US" sz="1800" dirty="0" err="1">
+                <a:effectLst/>
+                <a:latin typeface="Times New Roman" panose="02020603050405020304" pitchFamily="18" charset="0"/>
+                <a:ea typeface="DengXian" panose="02010600030101010101" pitchFamily="2" charset="-122"/>
+                <a:cs typeface="Times New Roman" panose="02020603050405020304" pitchFamily="18" charset="0"/>
+              </a:rPr>
+              <a:t>karena</a:t>
+            </a:r>
+            <a:r>
+              <a:rPr lang="en-US" sz="1800" dirty="0">
+                <a:effectLst/>
+                <a:latin typeface="Times New Roman" panose="02020603050405020304" pitchFamily="18" charset="0"/>
+                <a:ea typeface="DengXian" panose="02010600030101010101" pitchFamily="2" charset="-122"/>
+                <a:cs typeface="Times New Roman" panose="02020603050405020304" pitchFamily="18" charset="0"/>
+              </a:rPr>
+              <a:t> </a:t>
+            </a:r>
+            <a:r>
+              <a:rPr lang="en-US" sz="1800" dirty="0" err="1">
+                <a:effectLst/>
+                <a:latin typeface="Times New Roman" panose="02020603050405020304" pitchFamily="18" charset="0"/>
+                <a:ea typeface="DengXian" panose="02010600030101010101" pitchFamily="2" charset="-122"/>
+                <a:cs typeface="Times New Roman" panose="02020603050405020304" pitchFamily="18" charset="0"/>
+              </a:rPr>
+              <a:t>kemudahan</a:t>
+            </a:r>
+            <a:r>
+              <a:rPr lang="en-US" sz="1800" dirty="0">
+                <a:effectLst/>
+                <a:latin typeface="Times New Roman" panose="02020603050405020304" pitchFamily="18" charset="0"/>
+                <a:ea typeface="DengXian" panose="02010600030101010101" pitchFamily="2" charset="-122"/>
+                <a:cs typeface="Times New Roman" panose="02020603050405020304" pitchFamily="18" charset="0"/>
+              </a:rPr>
+              <a:t> </a:t>
+            </a:r>
+            <a:r>
+              <a:rPr lang="en-US" sz="1800" dirty="0" err="1">
+                <a:effectLst/>
+                <a:latin typeface="Times New Roman" panose="02020603050405020304" pitchFamily="18" charset="0"/>
+                <a:ea typeface="DengXian" panose="02010600030101010101" pitchFamily="2" charset="-122"/>
+                <a:cs typeface="Times New Roman" panose="02020603050405020304" pitchFamily="18" charset="0"/>
+              </a:rPr>
+              <a:t>penggunaan</a:t>
+            </a:r>
+            <a:r>
+              <a:rPr lang="en-US" sz="1800" dirty="0">
+                <a:effectLst/>
+                <a:latin typeface="Times New Roman" panose="02020603050405020304" pitchFamily="18" charset="0"/>
+                <a:ea typeface="DengXian" panose="02010600030101010101" pitchFamily="2" charset="-122"/>
+                <a:cs typeface="Times New Roman" panose="02020603050405020304" pitchFamily="18" charset="0"/>
+              </a:rPr>
+              <a:t> </a:t>
+            </a:r>
+            <a:r>
+              <a:rPr lang="en-US" sz="1800" dirty="0" err="1">
+                <a:effectLst/>
+                <a:latin typeface="Times New Roman" panose="02020603050405020304" pitchFamily="18" charset="0"/>
+                <a:ea typeface="DengXian" panose="02010600030101010101" pitchFamily="2" charset="-122"/>
+                <a:cs typeface="Times New Roman" panose="02020603050405020304" pitchFamily="18" charset="0"/>
+              </a:rPr>
+              <a:t>bagi</a:t>
+            </a:r>
+            <a:r>
+              <a:rPr lang="en-US" sz="1800" dirty="0">
+                <a:effectLst/>
+                <a:latin typeface="Times New Roman" panose="02020603050405020304" pitchFamily="18" charset="0"/>
+                <a:ea typeface="DengXian" panose="02010600030101010101" pitchFamily="2" charset="-122"/>
+                <a:cs typeface="Times New Roman" panose="02020603050405020304" pitchFamily="18" charset="0"/>
+              </a:rPr>
+              <a:t> user. Tools </a:t>
+            </a:r>
+            <a:r>
+              <a:rPr lang="en-US" sz="1800" dirty="0" err="1">
+                <a:effectLst/>
+                <a:latin typeface="Times New Roman" panose="02020603050405020304" pitchFamily="18" charset="0"/>
+                <a:ea typeface="DengXian" panose="02010600030101010101" pitchFamily="2" charset="-122"/>
+                <a:cs typeface="Times New Roman" panose="02020603050405020304" pitchFamily="18" charset="0"/>
+              </a:rPr>
               <a:t>ini</a:t>
             </a:r>
             <a:r>
@@ -7908,6 +8665,24 @@
                 <a:ea typeface="DengXian" panose="02010600030101010101" pitchFamily="2" charset="-122"/>
                 <a:cs typeface="Times New Roman" panose="02020603050405020304" pitchFamily="18" charset="0"/>
               </a:rPr>
+              <a:t> juga </a:t>
+            </a:r>
+            <a:r>
+              <a:rPr lang="en-US" sz="1800" dirty="0" err="1">
+                <a:effectLst/>
+                <a:latin typeface="Times New Roman" panose="02020603050405020304" pitchFamily="18" charset="0"/>
+                <a:ea typeface="DengXian" panose="02010600030101010101" pitchFamily="2" charset="-122"/>
+                <a:cs typeface="Times New Roman" panose="02020603050405020304" pitchFamily="18" charset="0"/>
+              </a:rPr>
+              <a:t>dapat</a:t>
+            </a:r>
+            <a:r>
+              <a:rPr lang="en-US" sz="1800" dirty="0">
+                <a:effectLst/>
+                <a:latin typeface="Times New Roman" panose="02020603050405020304" pitchFamily="18" charset="0"/>
+                <a:ea typeface="DengXian" panose="02010600030101010101" pitchFamily="2" charset="-122"/>
+                <a:cs typeface="Times New Roman" panose="02020603050405020304" pitchFamily="18" charset="0"/>
+              </a:rPr>
               <a:t> </a:t>
             </a:r>
             <a:r>
@@ -7917,7 +8692,7 @@
                 <a:ea typeface="DengXian" panose="02010600030101010101" pitchFamily="2" charset="-122"/>
                 <a:cs typeface="Times New Roman" panose="02020603050405020304" pitchFamily="18" charset="0"/>
               </a:rPr>
-              <a:t>dipilih</a:t>
+              <a:t>diinstall</a:t>
             </a:r>
             <a:r>
               <a:rPr lang="en-US" sz="1800" dirty="0">
@@ -7926,6 +8701,24 @@
                 <a:ea typeface="DengXian" panose="02010600030101010101" pitchFamily="2" charset="-122"/>
                 <a:cs typeface="Times New Roman" panose="02020603050405020304" pitchFamily="18" charset="0"/>
               </a:rPr>
+              <a:t> di android, </a:t>
+            </a:r>
+            <a:r>
+              <a:rPr lang="en-US" sz="1800" dirty="0" err="1">
+                <a:effectLst/>
+                <a:latin typeface="Times New Roman" panose="02020603050405020304" pitchFamily="18" charset="0"/>
+                <a:ea typeface="DengXian" panose="02010600030101010101" pitchFamily="2" charset="-122"/>
+                <a:cs typeface="Times New Roman" panose="02020603050405020304" pitchFamily="18" charset="0"/>
+              </a:rPr>
+              <a:t>sehingga</a:t>
+            </a:r>
+            <a:r>
+              <a:rPr lang="en-US" sz="1800" dirty="0">
+                <a:effectLst/>
+                <a:latin typeface="Times New Roman" panose="02020603050405020304" pitchFamily="18" charset="0"/>
+                <a:ea typeface="DengXian" panose="02010600030101010101" pitchFamily="2" charset="-122"/>
+                <a:cs typeface="Times New Roman" panose="02020603050405020304" pitchFamily="18" charset="0"/>
+              </a:rPr>
               <a:t> </a:t>
             </a:r>
             <a:r>
@@ -7935,7 +8728,7 @@
                 <a:ea typeface="DengXian" panose="02010600030101010101" pitchFamily="2" charset="-122"/>
                 <a:cs typeface="Times New Roman" panose="02020603050405020304" pitchFamily="18" charset="0"/>
               </a:rPr>
-              <a:t>karena</a:t>
+              <a:t>memudahkan</a:t>
             </a:r>
             <a:r>
               <a:rPr lang="en-US" sz="1800" dirty="0">
@@ -7953,7 +8746,7 @@
                 <a:ea typeface="DengXian" panose="02010600030101010101" pitchFamily="2" charset="-122"/>
                 <a:cs typeface="Times New Roman" panose="02020603050405020304" pitchFamily="18" charset="0"/>
               </a:rPr>
-              <a:t>mudah</a:t>
+              <a:t>pengguna</a:t>
             </a:r>
             <a:r>
               <a:rPr lang="en-US" sz="1800" dirty="0">
@@ -7971,7 +8764,7 @@
                 <a:ea typeface="DengXian" panose="02010600030101010101" pitchFamily="2" charset="-122"/>
                 <a:cs typeface="Times New Roman" panose="02020603050405020304" pitchFamily="18" charset="0"/>
               </a:rPr>
-              <a:t>diakses</a:t>
+              <a:t>dalam</a:t>
             </a:r>
             <a:r>
               <a:rPr lang="en-US" sz="1800" dirty="0">
@@ -7980,7 +8773,7 @@
                 <a:ea typeface="DengXian" panose="02010600030101010101" pitchFamily="2" charset="-122"/>
                 <a:cs typeface="Times New Roman" panose="02020603050405020304" pitchFamily="18" charset="0"/>
               </a:rPr>
-              <a:t> dan </a:t>
+              <a:t> </a:t>
             </a:r>
             <a:r>
               <a:rPr lang="en-US" sz="1800" dirty="0" err="1">
@@ -7989,7 +8782,7 @@
                 <a:ea typeface="DengXian" panose="02010600030101010101" pitchFamily="2" charset="-122"/>
                 <a:cs typeface="Times New Roman" panose="02020603050405020304" pitchFamily="18" charset="0"/>
               </a:rPr>
-              <a:t>memiliki</a:t>
+              <a:t>melihat</a:t>
             </a:r>
             <a:r>
               <a:rPr lang="en-US" sz="1800" dirty="0">
@@ -7998,7 +8791,7 @@
                 <a:ea typeface="DengXian" panose="02010600030101010101" pitchFamily="2" charset="-122"/>
                 <a:cs typeface="Times New Roman" panose="02020603050405020304" pitchFamily="18" charset="0"/>
               </a:rPr>
-              <a:t> </a:t>
+              <a:t> progress dan </a:t>
             </a:r>
             <a:r>
               <a:rPr lang="en-US" sz="1800" dirty="0" err="1">
@@ -8007,61 +8800,7 @@
                 <a:ea typeface="DengXian" panose="02010600030101010101" pitchFamily="2" charset="-122"/>
                 <a:cs typeface="Times New Roman" panose="02020603050405020304" pitchFamily="18" charset="0"/>
               </a:rPr>
-              <a:t>banyak</a:t>
-            </a:r>
-            <a:r>
-              <a:rPr lang="en-US" sz="1800" dirty="0">
-                <a:effectLst/>
-                <a:latin typeface="Times New Roman" panose="02020603050405020304" pitchFamily="18" charset="0"/>
-                <a:ea typeface="DengXian" panose="02010600030101010101" pitchFamily="2" charset="-122"/>
-                <a:cs typeface="Times New Roman" panose="02020603050405020304" pitchFamily="18" charset="0"/>
-              </a:rPr>
-              <a:t> </a:t>
-            </a:r>
-            <a:r>
-              <a:rPr lang="en-US" sz="1800" dirty="0" err="1">
-                <a:effectLst/>
-                <a:latin typeface="Times New Roman" panose="02020603050405020304" pitchFamily="18" charset="0"/>
-                <a:ea typeface="DengXian" panose="02010600030101010101" pitchFamily="2" charset="-122"/>
-                <a:cs typeface="Times New Roman" panose="02020603050405020304" pitchFamily="18" charset="0"/>
-              </a:rPr>
-              <a:t>jenis</a:t>
-            </a:r>
-            <a:r>
-              <a:rPr lang="en-US" sz="1800" dirty="0">
-                <a:effectLst/>
-                <a:latin typeface="Times New Roman" panose="02020603050405020304" pitchFamily="18" charset="0"/>
-                <a:ea typeface="DengXian" panose="02010600030101010101" pitchFamily="2" charset="-122"/>
-                <a:cs typeface="Times New Roman" panose="02020603050405020304" pitchFamily="18" charset="0"/>
-              </a:rPr>
-              <a:t> </a:t>
-            </a:r>
-            <a:r>
-              <a:rPr lang="en-US" sz="1800" dirty="0" err="1">
-                <a:effectLst/>
-                <a:latin typeface="Times New Roman" panose="02020603050405020304" pitchFamily="18" charset="0"/>
-                <a:ea typeface="DengXian" panose="02010600030101010101" pitchFamily="2" charset="-122"/>
-                <a:cs typeface="Times New Roman" panose="02020603050405020304" pitchFamily="18" charset="0"/>
-              </a:rPr>
-              <a:t>uml</a:t>
-            </a:r>
-            <a:r>
-              <a:rPr lang="en-US" sz="1800" dirty="0">
-                <a:effectLst/>
-                <a:latin typeface="Times New Roman" panose="02020603050405020304" pitchFamily="18" charset="0"/>
-                <a:ea typeface="DengXian" panose="02010600030101010101" pitchFamily="2" charset="-122"/>
-                <a:cs typeface="Times New Roman" panose="02020603050405020304" pitchFamily="18" charset="0"/>
-              </a:rPr>
-              <a:t> yang </a:t>
-            </a:r>
-            <a:r>
-              <a:rPr lang="en-US" sz="1800" dirty="0" err="1">
-                <a:effectLst/>
-                <a:latin typeface="Times New Roman" panose="02020603050405020304" pitchFamily="18" charset="0"/>
-                <a:ea typeface="DengXian" panose="02010600030101010101" pitchFamily="2" charset="-122"/>
-                <a:cs typeface="Times New Roman" panose="02020603050405020304" pitchFamily="18" charset="0"/>
-              </a:rPr>
-              <a:t>disediakan</a:t>
+              <a:t>mengupdatenya</a:t>
             </a:r>
             <a:r>
               <a:rPr lang="en-US" sz="1800" dirty="0">
@@ -8083,26 +8822,24 @@
             <a:pPr marL="0" indent="0">
               <a:buNone/>
             </a:pPr>
-            <a:endParaRPr lang="id-ID" dirty="0"/>
+            <a:endParaRPr lang="en-ID" dirty="0"/>
           </a:p>
         </p:txBody>
       </p:sp>
       <p:pic>
         <p:nvPicPr>
-          <p:cNvPr id="9" name="Picture 8">
-            <a:extLst>
-              <a:ext uri="{FF2B5EF4-FFF2-40B4-BE49-F238E27FC236}">
-                <a16:creationId xmlns:a16="http://schemas.microsoft.com/office/drawing/2014/main" id="{3B3CB111-0C89-484F-B7A3-EAA78B0A5929}"/>
-              </a:ext>
-            </a:extLst>
-          </p:cNvPr>
-          <p:cNvPicPr>
-            <a:picLocks noChangeAspect="1"/>
-          </p:cNvPicPr>
+          <p:cNvPr id="4" name="Picture 3">
+            <a:extLst>
+              <a:ext uri="{FF2B5EF4-FFF2-40B4-BE49-F238E27FC236}">
+                <a16:creationId xmlns:a16="http://schemas.microsoft.com/office/drawing/2014/main" id="{E2A289EB-4469-4327-B32B-22B3CC10107A}"/>
+              </a:ext>
+            </a:extLst>
+          </p:cNvPr>
+          <p:cNvPicPr/>
           <p:nvPr/>
         </p:nvPicPr>
         <p:blipFill>
-          <a:blip r:embed="rId2">
+          <a:blip r:embed="rId2" cstate="print">
             <a:extLst>
               <a:ext uri="{28A0092B-C50C-407E-A947-70E740481C1C}">
                 <a14:useLocalDpi xmlns:a14="http://schemas.microsoft.com/office/drawing/2010/main" val="0"/>
@@ -8115,8 +8852,8 @@
         </p:blipFill>
         <p:spPr>
           <a:xfrm>
-            <a:off x="2265285" y="2228295"/>
-            <a:ext cx="7661429" cy="4309554"/>
+            <a:off x="1494971" y="2091872"/>
+            <a:ext cx="9405257" cy="4401003"/>
           </a:xfrm>
           <a:prstGeom prst="rect">
             <a:avLst/>
@@ -8126,7 +8863,7 @@
     </p:spTree>
     <p:extLst>
       <p:ext uri="{BB962C8B-B14F-4D97-AF65-F5344CB8AC3E}">
-        <p14:creationId xmlns:p14="http://schemas.microsoft.com/office/powerpoint/2010/main" val="1778832632"/>
+        <p14:creationId xmlns:p14="http://schemas.microsoft.com/office/powerpoint/2010/main" val="1419492776"/>
       </p:ext>
     </p:extLst>
   </p:cSld>
@@ -8158,7 +8895,7 @@
           <p:cNvPr id="2" name="Title 1">
             <a:extLst>
               <a:ext uri="{FF2B5EF4-FFF2-40B4-BE49-F238E27FC236}">
-                <a16:creationId xmlns:a16="http://schemas.microsoft.com/office/drawing/2014/main" id="{0E8755E2-1B2C-4A56-AE48-B76DD6D13845}"/>
+                <a16:creationId xmlns:a16="http://schemas.microsoft.com/office/drawing/2014/main" id="{455292C5-3699-4130-80A6-E328D765CBC4}"/>
               </a:ext>
             </a:extLst>
           </p:cNvPr>
@@ -8169,10 +8906,41 @@
             <p:ph type="title"/>
           </p:nvPr>
         </p:nvSpPr>
+        <p:spPr/>
+        <p:txBody>
+          <a:bodyPr>
+            <a:normAutofit/>
+          </a:bodyPr>
+          <a:lstStyle/>
+          <a:p>
+            <a:r>
+              <a:rPr lang="en-US" dirty="0"/>
+              <a:t>Diagram : Draw.io</a:t>
+            </a:r>
+            <a:endParaRPr lang="id-ID" dirty="0"/>
+          </a:p>
+        </p:txBody>
+      </p:sp>
+      <p:sp>
+        <p:nvSpPr>
+          <p:cNvPr id="6" name="Content Placeholder 5">
+            <a:extLst>
+              <a:ext uri="{FF2B5EF4-FFF2-40B4-BE49-F238E27FC236}">
+                <a16:creationId xmlns:a16="http://schemas.microsoft.com/office/drawing/2014/main" id="{DC4E54E9-C4DE-4CD7-99EB-F29C49456BB6}"/>
+              </a:ext>
+            </a:extLst>
+          </p:cNvPr>
+          <p:cNvSpPr>
+            <a:spLocks noGrp="1"/>
+          </p:cNvSpPr>
+          <p:nvPr>
+            <p:ph idx="1"/>
+          </p:nvPr>
+        </p:nvSpPr>
         <p:spPr>
           <a:xfrm>
-            <a:off x="0" y="0"/>
-            <a:ext cx="10515600" cy="839561"/>
+            <a:off x="838200" y="1825625"/>
+            <a:ext cx="10515600" cy="402670"/>
           </a:xfrm>
         </p:spPr>
         <p:txBody>
@@ -8180,19 +8948,224 @@
           <a:lstStyle/>
           <a:p>
             <a:r>
-              <a:rPr lang="id-ID" dirty="0"/>
-              <a:t>Wireframe Admin</a:t>
-            </a:r>
-            <a:endParaRPr lang="en-ID" dirty="0"/>
+              <a:rPr lang="en-US" sz="1800" dirty="0" err="1">
+                <a:effectLst/>
+                <a:latin typeface="Times New Roman" panose="02020603050405020304" pitchFamily="18" charset="0"/>
+                <a:ea typeface="DengXian" panose="02010600030101010101" pitchFamily="2" charset="-122"/>
+                <a:cs typeface="Times New Roman" panose="02020603050405020304" pitchFamily="18" charset="0"/>
+              </a:rPr>
+              <a:t>Aplikasi</a:t>
+            </a:r>
+            <a:r>
+              <a:rPr lang="en-US" sz="1800" dirty="0">
+                <a:effectLst/>
+                <a:latin typeface="Times New Roman" panose="02020603050405020304" pitchFamily="18" charset="0"/>
+                <a:ea typeface="DengXian" panose="02010600030101010101" pitchFamily="2" charset="-122"/>
+                <a:cs typeface="Times New Roman" panose="02020603050405020304" pitchFamily="18" charset="0"/>
+              </a:rPr>
+              <a:t> </a:t>
+            </a:r>
+            <a:r>
+              <a:rPr lang="en-US" sz="1800" dirty="0" err="1">
+                <a:effectLst/>
+                <a:latin typeface="Times New Roman" panose="02020603050405020304" pitchFamily="18" charset="0"/>
+                <a:ea typeface="DengXian" panose="02010600030101010101" pitchFamily="2" charset="-122"/>
+                <a:cs typeface="Times New Roman" panose="02020603050405020304" pitchFamily="18" charset="0"/>
+              </a:rPr>
+              <a:t>ini</a:t>
+            </a:r>
+            <a:r>
+              <a:rPr lang="en-US" sz="1800" dirty="0">
+                <a:effectLst/>
+                <a:latin typeface="Times New Roman" panose="02020603050405020304" pitchFamily="18" charset="0"/>
+                <a:ea typeface="DengXian" panose="02010600030101010101" pitchFamily="2" charset="-122"/>
+                <a:cs typeface="Times New Roman" panose="02020603050405020304" pitchFamily="18" charset="0"/>
+              </a:rPr>
+              <a:t> </a:t>
+            </a:r>
+            <a:r>
+              <a:rPr lang="en-US" sz="1800" dirty="0" err="1">
+                <a:effectLst/>
+                <a:latin typeface="Times New Roman" panose="02020603050405020304" pitchFamily="18" charset="0"/>
+                <a:ea typeface="DengXian" panose="02010600030101010101" pitchFamily="2" charset="-122"/>
+                <a:cs typeface="Times New Roman" panose="02020603050405020304" pitchFamily="18" charset="0"/>
+              </a:rPr>
+              <a:t>dipilih</a:t>
+            </a:r>
+            <a:r>
+              <a:rPr lang="en-US" sz="1800" dirty="0">
+                <a:effectLst/>
+                <a:latin typeface="Times New Roman" panose="02020603050405020304" pitchFamily="18" charset="0"/>
+                <a:ea typeface="DengXian" panose="02010600030101010101" pitchFamily="2" charset="-122"/>
+                <a:cs typeface="Times New Roman" panose="02020603050405020304" pitchFamily="18" charset="0"/>
+              </a:rPr>
+              <a:t> </a:t>
+            </a:r>
+            <a:r>
+              <a:rPr lang="en-US" sz="1800" dirty="0" err="1">
+                <a:effectLst/>
+                <a:latin typeface="Times New Roman" panose="02020603050405020304" pitchFamily="18" charset="0"/>
+                <a:ea typeface="DengXian" panose="02010600030101010101" pitchFamily="2" charset="-122"/>
+                <a:cs typeface="Times New Roman" panose="02020603050405020304" pitchFamily="18" charset="0"/>
+              </a:rPr>
+              <a:t>karena</a:t>
+            </a:r>
+            <a:r>
+              <a:rPr lang="en-US" sz="1800" dirty="0">
+                <a:effectLst/>
+                <a:latin typeface="Times New Roman" panose="02020603050405020304" pitchFamily="18" charset="0"/>
+                <a:ea typeface="DengXian" panose="02010600030101010101" pitchFamily="2" charset="-122"/>
+                <a:cs typeface="Times New Roman" panose="02020603050405020304" pitchFamily="18" charset="0"/>
+              </a:rPr>
+              <a:t> </a:t>
+            </a:r>
+            <a:r>
+              <a:rPr lang="en-US" sz="1800" dirty="0" err="1">
+                <a:effectLst/>
+                <a:latin typeface="Times New Roman" panose="02020603050405020304" pitchFamily="18" charset="0"/>
+                <a:ea typeface="DengXian" panose="02010600030101010101" pitchFamily="2" charset="-122"/>
+                <a:cs typeface="Times New Roman" panose="02020603050405020304" pitchFamily="18" charset="0"/>
+              </a:rPr>
+              <a:t>mudah</a:t>
+            </a:r>
+            <a:r>
+              <a:rPr lang="en-US" sz="1800" dirty="0">
+                <a:effectLst/>
+                <a:latin typeface="Times New Roman" panose="02020603050405020304" pitchFamily="18" charset="0"/>
+                <a:ea typeface="DengXian" panose="02010600030101010101" pitchFamily="2" charset="-122"/>
+                <a:cs typeface="Times New Roman" panose="02020603050405020304" pitchFamily="18" charset="0"/>
+              </a:rPr>
+              <a:t> </a:t>
+            </a:r>
+            <a:r>
+              <a:rPr lang="en-US" sz="1800" dirty="0" err="1">
+                <a:effectLst/>
+                <a:latin typeface="Times New Roman" panose="02020603050405020304" pitchFamily="18" charset="0"/>
+                <a:ea typeface="DengXian" panose="02010600030101010101" pitchFamily="2" charset="-122"/>
+                <a:cs typeface="Times New Roman" panose="02020603050405020304" pitchFamily="18" charset="0"/>
+              </a:rPr>
+              <a:t>diakses</a:t>
+            </a:r>
+            <a:r>
+              <a:rPr lang="en-US" sz="1800" dirty="0">
+                <a:effectLst/>
+                <a:latin typeface="Times New Roman" panose="02020603050405020304" pitchFamily="18" charset="0"/>
+                <a:ea typeface="DengXian" panose="02010600030101010101" pitchFamily="2" charset="-122"/>
+                <a:cs typeface="Times New Roman" panose="02020603050405020304" pitchFamily="18" charset="0"/>
+              </a:rPr>
+              <a:t> dan </a:t>
+            </a:r>
+            <a:r>
+              <a:rPr lang="en-US" sz="1800" dirty="0" err="1">
+                <a:effectLst/>
+                <a:latin typeface="Times New Roman" panose="02020603050405020304" pitchFamily="18" charset="0"/>
+                <a:ea typeface="DengXian" panose="02010600030101010101" pitchFamily="2" charset="-122"/>
+                <a:cs typeface="Times New Roman" panose="02020603050405020304" pitchFamily="18" charset="0"/>
+              </a:rPr>
+              <a:t>memiliki</a:t>
+            </a:r>
+            <a:r>
+              <a:rPr lang="en-US" sz="1800" dirty="0">
+                <a:effectLst/>
+                <a:latin typeface="Times New Roman" panose="02020603050405020304" pitchFamily="18" charset="0"/>
+                <a:ea typeface="DengXian" panose="02010600030101010101" pitchFamily="2" charset="-122"/>
+                <a:cs typeface="Times New Roman" panose="02020603050405020304" pitchFamily="18" charset="0"/>
+              </a:rPr>
+              <a:t> </a:t>
+            </a:r>
+            <a:r>
+              <a:rPr lang="en-US" sz="1800" dirty="0" err="1">
+                <a:effectLst/>
+                <a:latin typeface="Times New Roman" panose="02020603050405020304" pitchFamily="18" charset="0"/>
+                <a:ea typeface="DengXian" panose="02010600030101010101" pitchFamily="2" charset="-122"/>
+                <a:cs typeface="Times New Roman" panose="02020603050405020304" pitchFamily="18" charset="0"/>
+              </a:rPr>
+              <a:t>banyak</a:t>
+            </a:r>
+            <a:r>
+              <a:rPr lang="en-US" sz="1800" dirty="0">
+                <a:effectLst/>
+                <a:latin typeface="Times New Roman" panose="02020603050405020304" pitchFamily="18" charset="0"/>
+                <a:ea typeface="DengXian" panose="02010600030101010101" pitchFamily="2" charset="-122"/>
+                <a:cs typeface="Times New Roman" panose="02020603050405020304" pitchFamily="18" charset="0"/>
+              </a:rPr>
+              <a:t> </a:t>
+            </a:r>
+            <a:r>
+              <a:rPr lang="en-US" sz="1800" dirty="0" err="1">
+                <a:effectLst/>
+                <a:latin typeface="Times New Roman" panose="02020603050405020304" pitchFamily="18" charset="0"/>
+                <a:ea typeface="DengXian" panose="02010600030101010101" pitchFamily="2" charset="-122"/>
+                <a:cs typeface="Times New Roman" panose="02020603050405020304" pitchFamily="18" charset="0"/>
+              </a:rPr>
+              <a:t>jenis</a:t>
+            </a:r>
+            <a:r>
+              <a:rPr lang="en-US" sz="1800" dirty="0">
+                <a:effectLst/>
+                <a:latin typeface="Times New Roman" panose="02020603050405020304" pitchFamily="18" charset="0"/>
+                <a:ea typeface="DengXian" panose="02010600030101010101" pitchFamily="2" charset="-122"/>
+                <a:cs typeface="Times New Roman" panose="02020603050405020304" pitchFamily="18" charset="0"/>
+              </a:rPr>
+              <a:t> </a:t>
+            </a:r>
+            <a:r>
+              <a:rPr lang="en-US" sz="1800" dirty="0" err="1">
+                <a:effectLst/>
+                <a:latin typeface="Times New Roman" panose="02020603050405020304" pitchFamily="18" charset="0"/>
+                <a:ea typeface="DengXian" panose="02010600030101010101" pitchFamily="2" charset="-122"/>
+                <a:cs typeface="Times New Roman" panose="02020603050405020304" pitchFamily="18" charset="0"/>
+              </a:rPr>
+              <a:t>uml</a:t>
+            </a:r>
+            <a:r>
+              <a:rPr lang="en-US" sz="1800" dirty="0">
+                <a:effectLst/>
+                <a:latin typeface="Times New Roman" panose="02020603050405020304" pitchFamily="18" charset="0"/>
+                <a:ea typeface="DengXian" panose="02010600030101010101" pitchFamily="2" charset="-122"/>
+                <a:cs typeface="Times New Roman" panose="02020603050405020304" pitchFamily="18" charset="0"/>
+              </a:rPr>
+              <a:t> yang </a:t>
+            </a:r>
+            <a:r>
+              <a:rPr lang="en-US" sz="1800" dirty="0" err="1">
+                <a:effectLst/>
+                <a:latin typeface="Times New Roman" panose="02020603050405020304" pitchFamily="18" charset="0"/>
+                <a:ea typeface="DengXian" panose="02010600030101010101" pitchFamily="2" charset="-122"/>
+                <a:cs typeface="Times New Roman" panose="02020603050405020304" pitchFamily="18" charset="0"/>
+              </a:rPr>
+              <a:t>disediakan</a:t>
+            </a:r>
+            <a:r>
+              <a:rPr lang="en-US" sz="1800" dirty="0">
+                <a:effectLst/>
+                <a:latin typeface="Times New Roman" panose="02020603050405020304" pitchFamily="18" charset="0"/>
+                <a:ea typeface="DengXian" panose="02010600030101010101" pitchFamily="2" charset="-122"/>
+                <a:cs typeface="Times New Roman" panose="02020603050405020304" pitchFamily="18" charset="0"/>
+              </a:rPr>
+              <a:t>.</a:t>
+            </a:r>
+            <a:endParaRPr lang="id-ID" sz="1800" dirty="0">
+              <a:effectLst/>
+              <a:latin typeface="Times New Roman" panose="02020603050405020304" pitchFamily="18" charset="0"/>
+              <a:ea typeface="DengXian" panose="02010600030101010101" pitchFamily="2" charset="-122"/>
+              <a:cs typeface="Times New Roman" panose="02020603050405020304" pitchFamily="18" charset="0"/>
+            </a:endParaRPr>
+          </a:p>
+          <a:p>
+            <a:pPr marL="0" indent="0">
+              <a:buNone/>
+            </a:pPr>
+            <a:endParaRPr lang="id-ID" dirty="0"/>
           </a:p>
         </p:txBody>
       </p:sp>
       <p:pic>
         <p:nvPicPr>
-          <p:cNvPr id="4" name="Picture 3">
-            <a:extLst>
-              <a:ext uri="{FF2B5EF4-FFF2-40B4-BE49-F238E27FC236}">
-                <a16:creationId xmlns:a16="http://schemas.microsoft.com/office/drawing/2014/main" id="{109BDD53-8C62-4367-B686-629CF127F7A0}"/>
+          <p:cNvPr id="9" name="Picture 8">
+            <a:extLst>
+              <a:ext uri="{FF2B5EF4-FFF2-40B4-BE49-F238E27FC236}">
+                <a16:creationId xmlns:a16="http://schemas.microsoft.com/office/drawing/2014/main" id="{3B3CB111-0C89-484F-B7A3-EAA78B0A5929}"/>
               </a:ext>
             </a:extLst>
           </p:cNvPr>
@@ -8215,8 +9188,8 @@
         </p:blipFill>
         <p:spPr>
           <a:xfrm>
-            <a:off x="0" y="839561"/>
-            <a:ext cx="12192000" cy="5943463"/>
+            <a:off x="2265285" y="2228295"/>
+            <a:ext cx="7661429" cy="4309554"/>
           </a:xfrm>
           <a:prstGeom prst="rect">
             <a:avLst/>
@@ -8226,7 +9199,7 @@
     </p:spTree>
     <p:extLst>
       <p:ext uri="{BB962C8B-B14F-4D97-AF65-F5344CB8AC3E}">
-        <p14:creationId xmlns:p14="http://schemas.microsoft.com/office/powerpoint/2010/main" val="1017706826"/>
+        <p14:creationId xmlns:p14="http://schemas.microsoft.com/office/powerpoint/2010/main" val="1778832632"/>
       </p:ext>
     </p:extLst>
   </p:cSld>

--- a/Aplikasi Catalog Board Game.pptx
+++ b/Aplikasi Catalog Board Game.pptx
@@ -6653,6 +6653,24 @@
                 <a:ea typeface="DengXian" panose="02010600030101010101" pitchFamily="2" charset="-122"/>
                 <a:cs typeface="Times New Roman" panose="02020603050405020304" pitchFamily="18" charset="0"/>
               </a:rPr>
+              <a:t>suatu</a:t>
+            </a:r>
+            <a:r>
+              <a:rPr lang="en-US" sz="2100" dirty="0">
+                <a:effectLst/>
+                <a:latin typeface="Calibri (Body)"/>
+                <a:ea typeface="DengXian" panose="02010600030101010101" pitchFamily="2" charset="-122"/>
+                <a:cs typeface="Times New Roman" panose="02020603050405020304" pitchFamily="18" charset="0"/>
+              </a:rPr>
+              <a:t> </a:t>
+            </a:r>
+            <a:r>
+              <a:rPr lang="en-US" sz="2100" dirty="0" err="1">
+                <a:effectLst/>
+                <a:latin typeface="Calibri (Body)"/>
+                <a:ea typeface="DengXian" panose="02010600030101010101" pitchFamily="2" charset="-122"/>
+                <a:cs typeface="Times New Roman" panose="02020603050405020304" pitchFamily="18" charset="0"/>
+              </a:rPr>
               <a:t>permainan</a:t>
             </a:r>
             <a:r>
@@ -6662,6 +6680,24 @@
                 <a:ea typeface="DengXian" panose="02010600030101010101" pitchFamily="2" charset="-122"/>
                 <a:cs typeface="Times New Roman" panose="02020603050405020304" pitchFamily="18" charset="0"/>
               </a:rPr>
+              <a:t> </a:t>
+            </a:r>
+            <a:r>
+              <a:rPr lang="en-US" sz="2100" dirty="0" err="1">
+                <a:effectLst/>
+                <a:latin typeface="Calibri (Body)"/>
+                <a:ea typeface="DengXian" panose="02010600030101010101" pitchFamily="2" charset="-122"/>
+                <a:cs typeface="Times New Roman" panose="02020603050405020304" pitchFamily="18" charset="0"/>
+              </a:rPr>
+              <a:t>dalam</a:t>
+            </a:r>
+            <a:r>
+              <a:rPr lang="en-US" sz="2100" dirty="0">
+                <a:effectLst/>
+                <a:latin typeface="Calibri (Body)"/>
+                <a:ea typeface="DengXian" panose="02010600030101010101" pitchFamily="2" charset="-122"/>
+                <a:cs typeface="Times New Roman" panose="02020603050405020304" pitchFamily="18" charset="0"/>
+              </a:rPr>
               <a:t> board game yang </a:t>
             </a:r>
             <a:r>
@@ -6707,6 +6743,24 @@
                 <a:ea typeface="DengXian" panose="02010600030101010101" pitchFamily="2" charset="-122"/>
                 <a:cs typeface="Times New Roman" panose="02020603050405020304" pitchFamily="18" charset="0"/>
               </a:rPr>
+              <a:t>telah</a:t>
+            </a:r>
+            <a:r>
+              <a:rPr lang="en-US" sz="2100" dirty="0">
+                <a:effectLst/>
+                <a:latin typeface="Calibri (Body)"/>
+                <a:ea typeface="DengXian" panose="02010600030101010101" pitchFamily="2" charset="-122"/>
+                <a:cs typeface="Times New Roman" panose="02020603050405020304" pitchFamily="18" charset="0"/>
+              </a:rPr>
+              <a:t> </a:t>
+            </a:r>
+            <a:r>
+              <a:rPr lang="en-US" sz="2100" dirty="0" err="1">
+                <a:effectLst/>
+                <a:latin typeface="Calibri (Body)"/>
+                <a:ea typeface="DengXian" panose="02010600030101010101" pitchFamily="2" charset="-122"/>
+                <a:cs typeface="Times New Roman" panose="02020603050405020304" pitchFamily="18" charset="0"/>
+              </a:rPr>
               <a:t>ditentukan</a:t>
             </a:r>
             <a:r>
@@ -7202,7 +7256,25 @@
                 <a:ea typeface="DengXian" panose="02010600030101010101" pitchFamily="2" charset="-122"/>
                 <a:cs typeface="Times New Roman" panose="02020603050405020304" pitchFamily="18" charset="0"/>
               </a:rPr>
-              <a:t> OS Android.</a:t>
+              <a:t> OS </a:t>
+            </a:r>
+            <a:r>
+              <a:rPr lang="en-US" sz="2100">
+                <a:effectLst/>
+                <a:latin typeface="Calibri (Body)"/>
+                <a:ea typeface="DengXian" panose="02010600030101010101" pitchFamily="2" charset="-122"/>
+                <a:cs typeface="Times New Roman" panose="02020603050405020304" pitchFamily="18" charset="0"/>
+              </a:rPr>
+              <a:t>berbasis </a:t>
+            </a:r>
+            <a:r>
+              <a:rPr lang="en-US" sz="2100" dirty="0">
+                <a:effectLst/>
+                <a:latin typeface="Calibri (Body)"/>
+                <a:ea typeface="DengXian" panose="02010600030101010101" pitchFamily="2" charset="-122"/>
+                <a:cs typeface="Times New Roman" panose="02020603050405020304" pitchFamily="18" charset="0"/>
+              </a:rPr>
+              <a:t>Android.</a:t>
             </a:r>
             <a:endParaRPr lang="id-ID" sz="2100" dirty="0">
               <a:effectLst/>

--- a/Aplikasi Catalog Board Game.pptx
+++ b/Aplikasi Catalog Board Game.pptx
@@ -152,7 +152,7 @@
   <pc:docChgLst>
     <pc:chgData name="alful falakh" userId="48e217df925ce595" providerId="LiveId" clId="{9AD53882-7CF3-4857-ADDC-F1BAE670FA97}"/>
     <pc:docChg chg="undo custSel addSld delSld modSld sldOrd addSection delSection modSection">
-      <pc:chgData name="alful falakh" userId="48e217df925ce595" providerId="LiveId" clId="{9AD53882-7CF3-4857-ADDC-F1BAE670FA97}" dt="2021-04-21T14:49:20.356" v="550" actId="20577"/>
+      <pc:chgData name="alful falakh" userId="48e217df925ce595" providerId="LiveId" clId="{9AD53882-7CF3-4857-ADDC-F1BAE670FA97}" dt="2021-04-21T20:04:45.067" v="583" actId="20577"/>
       <pc:docMkLst>
         <pc:docMk/>
       </pc:docMkLst>
@@ -172,13 +172,13 @@
         </pc:spChg>
       </pc:sldChg>
       <pc:sldChg chg="modSp mod">
-        <pc:chgData name="alful falakh" userId="48e217df925ce595" providerId="LiveId" clId="{9AD53882-7CF3-4857-ADDC-F1BAE670FA97}" dt="2021-04-20T11:53:14.622" v="277" actId="123"/>
+        <pc:chgData name="alful falakh" userId="48e217df925ce595" providerId="LiveId" clId="{9AD53882-7CF3-4857-ADDC-F1BAE670FA97}" dt="2021-04-21T20:03:46.112" v="575" actId="27636"/>
         <pc:sldMkLst>
           <pc:docMk/>
           <pc:sldMk cId="1273568111" sldId="258"/>
         </pc:sldMkLst>
         <pc:spChg chg="mod">
-          <ac:chgData name="alful falakh" userId="48e217df925ce595" providerId="LiveId" clId="{9AD53882-7CF3-4857-ADDC-F1BAE670FA97}" dt="2021-04-20T11:53:14.622" v="277" actId="123"/>
+          <ac:chgData name="alful falakh" userId="48e217df925ce595" providerId="LiveId" clId="{9AD53882-7CF3-4857-ADDC-F1BAE670FA97}" dt="2021-04-21T20:03:46.112" v="575" actId="27636"/>
           <ac:spMkLst>
             <pc:docMk/>
             <pc:sldMk cId="1273568111" sldId="258"/>
@@ -605,7 +605,7 @@
         </pc:picChg>
       </pc:sldChg>
       <pc:sldChg chg="addSp delSp modSp new mod">
-        <pc:chgData name="alful falakh" userId="48e217df925ce595" providerId="LiveId" clId="{9AD53882-7CF3-4857-ADDC-F1BAE670FA97}" dt="2021-04-21T14:47:37.403" v="431" actId="20577"/>
+        <pc:chgData name="alful falakh" userId="48e217df925ce595" providerId="LiveId" clId="{9AD53882-7CF3-4857-ADDC-F1BAE670FA97}" dt="2021-04-21T20:04:45.067" v="583" actId="20577"/>
         <pc:sldMkLst>
           <pc:docMk/>
           <pc:sldMk cId="3161248528" sldId="270"/>
@@ -627,7 +627,7 @@
           </ac:spMkLst>
         </pc:spChg>
         <pc:graphicFrameChg chg="add mod modGraphic">
-          <ac:chgData name="alful falakh" userId="48e217df925ce595" providerId="LiveId" clId="{9AD53882-7CF3-4857-ADDC-F1BAE670FA97}" dt="2021-04-21T14:47:37.403" v="431" actId="20577"/>
+          <ac:chgData name="alful falakh" userId="48e217df925ce595" providerId="LiveId" clId="{9AD53882-7CF3-4857-ADDC-F1BAE670FA97}" dt="2021-04-21T20:04:45.067" v="583" actId="20577"/>
           <ac:graphicFrameMkLst>
             <pc:docMk/>
             <pc:sldMk cId="3161248528" sldId="270"/>
@@ -789,7 +789,7 @@
           <a:p>
             <a:fld id="{8F3A6B12-AECD-4200-AD56-B1EAEE23C800}" type="datetimeFigureOut">
               <a:rPr lang="en-ID" smtClean="0"/>
-              <a:t>21/04/2021</a:t>
+              <a:t>22/04/2021</a:t>
             </a:fld>
             <a:endParaRPr lang="en-ID"/>
           </a:p>
@@ -989,7 +989,7 @@
           <a:p>
             <a:fld id="{8F3A6B12-AECD-4200-AD56-B1EAEE23C800}" type="datetimeFigureOut">
               <a:rPr lang="en-ID" smtClean="0"/>
-              <a:t>21/04/2021</a:t>
+              <a:t>22/04/2021</a:t>
             </a:fld>
             <a:endParaRPr lang="en-ID"/>
           </a:p>
@@ -1199,7 +1199,7 @@
           <a:p>
             <a:fld id="{8F3A6B12-AECD-4200-AD56-B1EAEE23C800}" type="datetimeFigureOut">
               <a:rPr lang="en-ID" smtClean="0"/>
-              <a:t>21/04/2021</a:t>
+              <a:t>22/04/2021</a:t>
             </a:fld>
             <a:endParaRPr lang="en-ID"/>
           </a:p>
@@ -1399,7 +1399,7 @@
           <a:p>
             <a:fld id="{8F3A6B12-AECD-4200-AD56-B1EAEE23C800}" type="datetimeFigureOut">
               <a:rPr lang="en-ID" smtClean="0"/>
-              <a:t>21/04/2021</a:t>
+              <a:t>22/04/2021</a:t>
             </a:fld>
             <a:endParaRPr lang="en-ID"/>
           </a:p>
@@ -1675,7 +1675,7 @@
           <a:p>
             <a:fld id="{8F3A6B12-AECD-4200-AD56-B1EAEE23C800}" type="datetimeFigureOut">
               <a:rPr lang="en-ID" smtClean="0"/>
-              <a:t>21/04/2021</a:t>
+              <a:t>22/04/2021</a:t>
             </a:fld>
             <a:endParaRPr lang="en-ID"/>
           </a:p>
@@ -1943,7 +1943,7 @@
           <a:p>
             <a:fld id="{8F3A6B12-AECD-4200-AD56-B1EAEE23C800}" type="datetimeFigureOut">
               <a:rPr lang="en-ID" smtClean="0"/>
-              <a:t>21/04/2021</a:t>
+              <a:t>22/04/2021</a:t>
             </a:fld>
             <a:endParaRPr lang="en-ID"/>
           </a:p>
@@ -2358,7 +2358,7 @@
           <a:p>
             <a:fld id="{8F3A6B12-AECD-4200-AD56-B1EAEE23C800}" type="datetimeFigureOut">
               <a:rPr lang="en-ID" smtClean="0"/>
-              <a:t>21/04/2021</a:t>
+              <a:t>22/04/2021</a:t>
             </a:fld>
             <a:endParaRPr lang="en-ID"/>
           </a:p>
@@ -2500,7 +2500,7 @@
           <a:p>
             <a:fld id="{8F3A6B12-AECD-4200-AD56-B1EAEE23C800}" type="datetimeFigureOut">
               <a:rPr lang="en-ID" smtClean="0"/>
-              <a:t>21/04/2021</a:t>
+              <a:t>22/04/2021</a:t>
             </a:fld>
             <a:endParaRPr lang="en-ID"/>
           </a:p>
@@ -2613,7 +2613,7 @@
           <a:p>
             <a:fld id="{8F3A6B12-AECD-4200-AD56-B1EAEE23C800}" type="datetimeFigureOut">
               <a:rPr lang="en-ID" smtClean="0"/>
-              <a:t>21/04/2021</a:t>
+              <a:t>22/04/2021</a:t>
             </a:fld>
             <a:endParaRPr lang="en-ID"/>
           </a:p>
@@ -2926,7 +2926,7 @@
           <a:p>
             <a:fld id="{8F3A6B12-AECD-4200-AD56-B1EAEE23C800}" type="datetimeFigureOut">
               <a:rPr lang="en-ID" smtClean="0"/>
-              <a:t>21/04/2021</a:t>
+              <a:t>22/04/2021</a:t>
             </a:fld>
             <a:endParaRPr lang="en-ID"/>
           </a:p>
@@ -3215,7 +3215,7 @@
           <a:p>
             <a:fld id="{8F3A6B12-AECD-4200-AD56-B1EAEE23C800}" type="datetimeFigureOut">
               <a:rPr lang="en-ID" smtClean="0"/>
-              <a:t>21/04/2021</a:t>
+              <a:t>22/04/2021</a:t>
             </a:fld>
             <a:endParaRPr lang="en-ID"/>
           </a:p>
@@ -3458,7 +3458,7 @@
           <a:p>
             <a:fld id="{8F3A6B12-AECD-4200-AD56-B1EAEE23C800}" type="datetimeFigureOut">
               <a:rPr lang="en-ID" smtClean="0"/>
-              <a:t>21/04/2021</a:t>
+              <a:t>22/04/2021</a:t>
             </a:fld>
             <a:endParaRPr lang="en-ID"/>
           </a:p>
@@ -6503,7 +6503,7 @@
         </p:spPr>
         <p:txBody>
           <a:bodyPr>
-            <a:normAutofit fontScale="92500" lnSpcReduction="20000"/>
+            <a:normAutofit fontScale="85000" lnSpcReduction="20000"/>
           </a:bodyPr>
           <a:lstStyle/>
           <a:p>
@@ -6521,7 +6521,7 @@
               <a:buNone/>
             </a:pPr>
             <a:r>
-              <a:rPr lang="en-US" sz="2100" dirty="0" err="1">
+              <a:rPr lang="en-US" sz="2300" dirty="0" err="1">
                 <a:effectLst/>
                 <a:latin typeface="Calibri (Body)"/>
                 <a:ea typeface="DengXian" panose="02010600030101010101" pitchFamily="2" charset="-122"/>
@@ -6530,7 +6530,7 @@
               <a:t>Aplikasi</a:t>
             </a:r>
             <a:r>
-              <a:rPr lang="en-US" sz="2100" dirty="0">
+              <a:rPr lang="en-US" sz="2300" dirty="0">
                 <a:effectLst/>
                 <a:latin typeface="Calibri (Body)"/>
                 <a:ea typeface="DengXian" panose="02010600030101010101" pitchFamily="2" charset="-122"/>
@@ -6539,7 +6539,7 @@
               <a:t> Board Game Catalog </a:t>
             </a:r>
             <a:r>
-              <a:rPr lang="en-US" sz="2100" dirty="0" err="1">
+              <a:rPr lang="en-US" sz="2300" dirty="0" err="1">
                 <a:effectLst/>
                 <a:latin typeface="Calibri (Body)"/>
                 <a:ea typeface="DengXian" panose="02010600030101010101" pitchFamily="2" charset="-122"/>
@@ -6548,7 +6548,7 @@
               <a:t>adalah</a:t>
             </a:r>
             <a:r>
-              <a:rPr lang="en-US" sz="2100" dirty="0">
+              <a:rPr lang="en-US" sz="2300" dirty="0">
                 <a:effectLst/>
                 <a:latin typeface="Calibri (Body)"/>
                 <a:ea typeface="DengXian" panose="02010600030101010101" pitchFamily="2" charset="-122"/>
@@ -6557,7 +6557,7 @@
               <a:t> </a:t>
             </a:r>
             <a:r>
-              <a:rPr lang="en-US" sz="2100" dirty="0" err="1">
+              <a:rPr lang="en-US" sz="2300" dirty="0" err="1">
                 <a:effectLst/>
                 <a:latin typeface="Calibri (Body)"/>
                 <a:ea typeface="DengXian" panose="02010600030101010101" pitchFamily="2" charset="-122"/>
@@ -6566,7 +6566,7 @@
               <a:t>aplikasi</a:t>
             </a:r>
             <a:r>
-              <a:rPr lang="en-US" sz="2100" dirty="0">
+              <a:rPr lang="en-US" sz="2300" dirty="0">
                 <a:effectLst/>
                 <a:latin typeface="Calibri (Body)"/>
                 <a:ea typeface="DengXian" panose="02010600030101010101" pitchFamily="2" charset="-122"/>
@@ -6575,7 +6575,7 @@
               <a:t> yang </a:t>
             </a:r>
             <a:r>
-              <a:rPr lang="en-US" sz="2100" dirty="0" err="1">
+              <a:rPr lang="en-US" sz="2300" dirty="0" err="1">
                 <a:effectLst/>
                 <a:latin typeface="Calibri (Body)"/>
                 <a:ea typeface="DengXian" panose="02010600030101010101" pitchFamily="2" charset="-122"/>
@@ -6584,7 +6584,7 @@
               <a:t>digunakan</a:t>
             </a:r>
             <a:r>
-              <a:rPr lang="en-US" sz="2100" dirty="0">
+              <a:rPr lang="en-US" sz="2300" dirty="0">
                 <a:effectLst/>
                 <a:latin typeface="Calibri (Body)"/>
                 <a:ea typeface="DengXian" panose="02010600030101010101" pitchFamily="2" charset="-122"/>
@@ -6593,7 +6593,7 @@
               <a:t> </a:t>
             </a:r>
             <a:r>
-              <a:rPr lang="en-US" sz="2100" dirty="0" err="1">
+              <a:rPr lang="en-US" sz="2300" dirty="0" err="1">
                 <a:effectLst/>
                 <a:latin typeface="Calibri (Body)"/>
                 <a:ea typeface="DengXian" panose="02010600030101010101" pitchFamily="2" charset="-122"/>
@@ -6602,7 +6602,7 @@
               <a:t>untuk</a:t>
             </a:r>
             <a:r>
-              <a:rPr lang="en-US" sz="2100" dirty="0">
+              <a:rPr lang="en-US" sz="2300" dirty="0">
                 <a:effectLst/>
                 <a:latin typeface="Calibri (Body)"/>
                 <a:ea typeface="DengXian" panose="02010600030101010101" pitchFamily="2" charset="-122"/>
@@ -6611,7 +6611,7 @@
               <a:t> </a:t>
             </a:r>
             <a:r>
-              <a:rPr lang="en-US" sz="2100" dirty="0" err="1">
+              <a:rPr lang="en-US" sz="2300" dirty="0" err="1">
                 <a:effectLst/>
                 <a:latin typeface="Calibri (Body)"/>
                 <a:ea typeface="DengXian" panose="02010600030101010101" pitchFamily="2" charset="-122"/>
@@ -6620,7 +6620,7 @@
               <a:t>mendata</a:t>
             </a:r>
             <a:r>
-              <a:rPr lang="en-US" sz="2100" dirty="0">
+              <a:rPr lang="en-US" sz="2300" dirty="0">
                 <a:effectLst/>
                 <a:latin typeface="Calibri (Body)"/>
                 <a:ea typeface="DengXian" panose="02010600030101010101" pitchFamily="2" charset="-122"/>
@@ -6629,7 +6629,7 @@
               <a:t> history </a:t>
             </a:r>
             <a:r>
-              <a:rPr lang="en-US" sz="2100" dirty="0" err="1">
+              <a:rPr lang="en-US" sz="2300" dirty="0" err="1">
                 <a:effectLst/>
                 <a:latin typeface="Calibri (Body)"/>
                 <a:ea typeface="DengXian" panose="02010600030101010101" pitchFamily="2" charset="-122"/>
@@ -6638,7 +6638,7 @@
               <a:t>dari</a:t>
             </a:r>
             <a:r>
-              <a:rPr lang="en-US" sz="2100" dirty="0">
+              <a:rPr lang="en-US" sz="2300" dirty="0">
                 <a:effectLst/>
                 <a:latin typeface="Calibri (Body)"/>
                 <a:ea typeface="DengXian" panose="02010600030101010101" pitchFamily="2" charset="-122"/>
@@ -6647,7 +6647,7 @@
               <a:t> </a:t>
             </a:r>
             <a:r>
-              <a:rPr lang="en-US" sz="2100" dirty="0" err="1">
+              <a:rPr lang="en-US" sz="2300" dirty="0" err="1">
                 <a:effectLst/>
                 <a:latin typeface="Calibri (Body)"/>
                 <a:ea typeface="DengXian" panose="02010600030101010101" pitchFamily="2" charset="-122"/>
@@ -6656,7 +6656,7 @@
               <a:t>suatu</a:t>
             </a:r>
             <a:r>
-              <a:rPr lang="en-US" sz="2100" dirty="0">
+              <a:rPr lang="en-US" sz="2300" dirty="0">
                 <a:effectLst/>
                 <a:latin typeface="Calibri (Body)"/>
                 <a:ea typeface="DengXian" panose="02010600030101010101" pitchFamily="2" charset="-122"/>
@@ -6665,7 +6665,7 @@
               <a:t> </a:t>
             </a:r>
             <a:r>
-              <a:rPr lang="en-US" sz="2100" dirty="0" err="1">
+              <a:rPr lang="en-US" sz="2300" dirty="0" err="1">
                 <a:effectLst/>
                 <a:latin typeface="Calibri (Body)"/>
                 <a:ea typeface="DengXian" panose="02010600030101010101" pitchFamily="2" charset="-122"/>
@@ -6674,7 +6674,7 @@
               <a:t>permainan</a:t>
             </a:r>
             <a:r>
-              <a:rPr lang="en-US" sz="2100" dirty="0">
+              <a:rPr lang="en-US" sz="2300" dirty="0">
                 <a:effectLst/>
                 <a:latin typeface="Calibri (Body)"/>
                 <a:ea typeface="DengXian" panose="02010600030101010101" pitchFamily="2" charset="-122"/>
@@ -6683,7 +6683,7 @@
               <a:t> </a:t>
             </a:r>
             <a:r>
-              <a:rPr lang="en-US" sz="2100" dirty="0" err="1">
+              <a:rPr lang="en-US" sz="2300" dirty="0" err="1">
                 <a:effectLst/>
                 <a:latin typeface="Calibri (Body)"/>
                 <a:ea typeface="DengXian" panose="02010600030101010101" pitchFamily="2" charset="-122"/>
@@ -6692,7 +6692,7 @@
               <a:t>dalam</a:t>
             </a:r>
             <a:r>
-              <a:rPr lang="en-US" sz="2100" dirty="0">
+              <a:rPr lang="en-US" sz="2300" dirty="0">
                 <a:effectLst/>
                 <a:latin typeface="Calibri (Body)"/>
                 <a:ea typeface="DengXian" panose="02010600030101010101" pitchFamily="2" charset="-122"/>
@@ -6701,7 +6701,7 @@
               <a:t> board game yang </a:t>
             </a:r>
             <a:r>
-              <a:rPr lang="en-US" sz="2100" dirty="0" err="1">
+              <a:rPr lang="en-US" sz="2300" dirty="0" err="1">
                 <a:effectLst/>
                 <a:latin typeface="Calibri (Body)"/>
                 <a:ea typeface="DengXian" panose="02010600030101010101" pitchFamily="2" charset="-122"/>
@@ -6710,7 +6710,7 @@
               <a:t>dilakukan</a:t>
             </a:r>
             <a:r>
-              <a:rPr lang="en-US" sz="2100" dirty="0">
+              <a:rPr lang="en-US" sz="2300" dirty="0">
                 <a:effectLst/>
                 <a:latin typeface="Calibri (Body)"/>
                 <a:ea typeface="DengXian" panose="02010600030101010101" pitchFamily="2" charset="-122"/>
@@ -6719,7 +6719,7 @@
               <a:t> user </a:t>
             </a:r>
             <a:r>
-              <a:rPr lang="en-US" sz="2100" dirty="0" err="1">
+              <a:rPr lang="en-US" sz="2300" dirty="0" err="1">
                 <a:effectLst/>
                 <a:latin typeface="Calibri (Body)"/>
                 <a:ea typeface="DengXian" panose="02010600030101010101" pitchFamily="2" charset="-122"/>
@@ -6728,7 +6728,7 @@
               <a:t>berdasarkan</a:t>
             </a:r>
             <a:r>
-              <a:rPr lang="en-US" sz="2100" dirty="0">
+              <a:rPr lang="en-US" sz="2300" dirty="0">
                 <a:effectLst/>
                 <a:latin typeface="Calibri (Body)"/>
                 <a:ea typeface="DengXian" panose="02010600030101010101" pitchFamily="2" charset="-122"/>
@@ -6737,7 +6737,7 @@
               <a:t> game yang </a:t>
             </a:r>
             <a:r>
-              <a:rPr lang="en-US" sz="2100" dirty="0" err="1">
+              <a:rPr lang="en-US" sz="2300" dirty="0" err="1">
                 <a:effectLst/>
                 <a:latin typeface="Calibri (Body)"/>
                 <a:ea typeface="DengXian" panose="02010600030101010101" pitchFamily="2" charset="-122"/>
@@ -6746,7 +6746,7 @@
               <a:t>telah</a:t>
             </a:r>
             <a:r>
-              <a:rPr lang="en-US" sz="2100" dirty="0">
+              <a:rPr lang="en-US" sz="2300" dirty="0">
                 <a:effectLst/>
                 <a:latin typeface="Calibri (Body)"/>
                 <a:ea typeface="DengXian" panose="02010600030101010101" pitchFamily="2" charset="-122"/>
@@ -6755,7 +6755,7 @@
               <a:t> </a:t>
             </a:r>
             <a:r>
-              <a:rPr lang="en-US" sz="2100" dirty="0" err="1">
+              <a:rPr lang="en-US" sz="2300" dirty="0" err="1">
                 <a:effectLst/>
                 <a:latin typeface="Calibri (Body)"/>
                 <a:ea typeface="DengXian" panose="02010600030101010101" pitchFamily="2" charset="-122"/>
@@ -6764,7 +6764,7 @@
               <a:t>ditentukan</a:t>
             </a:r>
             <a:r>
-              <a:rPr lang="en-US" sz="2100" dirty="0">
+              <a:rPr lang="en-US" sz="2300" dirty="0">
                 <a:effectLst/>
                 <a:latin typeface="Calibri (Body)"/>
                 <a:ea typeface="DengXian" panose="02010600030101010101" pitchFamily="2" charset="-122"/>
@@ -6773,7 +6773,7 @@
               <a:t> admin dan </a:t>
             </a:r>
             <a:r>
-              <a:rPr lang="en-US" sz="2100" dirty="0" err="1">
+              <a:rPr lang="en-US" sz="2300" dirty="0" err="1">
                 <a:effectLst/>
                 <a:latin typeface="Calibri (Body)"/>
                 <a:ea typeface="DengXian" panose="02010600030101010101" pitchFamily="2" charset="-122"/>
@@ -6782,7 +6782,7 @@
               <a:t>dipilih</a:t>
             </a:r>
             <a:r>
-              <a:rPr lang="en-US" sz="2100" dirty="0">
+              <a:rPr lang="en-US" sz="2300" dirty="0">
                 <a:effectLst/>
                 <a:latin typeface="Calibri (Body)"/>
                 <a:ea typeface="DengXian" panose="02010600030101010101" pitchFamily="2" charset="-122"/>
@@ -6791,7 +6791,7 @@
               <a:t> user. </a:t>
             </a:r>
             <a:r>
-              <a:rPr lang="en-US" sz="2100" dirty="0" err="1">
+              <a:rPr lang="en-US" sz="2300" dirty="0" err="1">
                 <a:effectLst/>
                 <a:latin typeface="Calibri (Body)"/>
                 <a:ea typeface="DengXian" panose="02010600030101010101" pitchFamily="2" charset="-122"/>
@@ -6800,7 +6800,7 @@
               <a:t>Aplikasi</a:t>
             </a:r>
             <a:r>
-              <a:rPr lang="en-US" sz="2100" dirty="0">
+              <a:rPr lang="en-US" sz="2300" dirty="0">
                 <a:effectLst/>
                 <a:latin typeface="Calibri (Body)"/>
                 <a:ea typeface="DengXian" panose="02010600030101010101" pitchFamily="2" charset="-122"/>
@@ -6809,7 +6809,7 @@
               <a:t> </a:t>
             </a:r>
             <a:r>
-              <a:rPr lang="en-US" sz="2100" dirty="0" err="1">
+              <a:rPr lang="en-US" sz="2300" dirty="0" err="1">
                 <a:effectLst/>
                 <a:latin typeface="Calibri (Body)"/>
                 <a:ea typeface="DengXian" panose="02010600030101010101" pitchFamily="2" charset="-122"/>
@@ -6818,7 +6818,7 @@
               <a:t>ini</a:t>
             </a:r>
             <a:r>
-              <a:rPr lang="en-US" sz="2100" dirty="0">
+              <a:rPr lang="en-US" sz="2300" dirty="0">
                 <a:effectLst/>
                 <a:latin typeface="Calibri (Body)"/>
                 <a:ea typeface="DengXian" panose="02010600030101010101" pitchFamily="2" charset="-122"/>
@@ -6827,7 +6827,7 @@
               <a:t> </a:t>
             </a:r>
             <a:r>
-              <a:rPr lang="en-US" sz="2100" dirty="0" err="1">
+              <a:rPr lang="en-US" sz="2300" dirty="0" err="1">
                 <a:effectLst/>
                 <a:latin typeface="Calibri (Body)"/>
                 <a:ea typeface="DengXian" panose="02010600030101010101" pitchFamily="2" charset="-122"/>
@@ -6836,7 +6836,7 @@
               <a:t>dapat</a:t>
             </a:r>
             <a:r>
-              <a:rPr lang="en-US" sz="2100" dirty="0">
+              <a:rPr lang="en-US" sz="2300" dirty="0">
                 <a:effectLst/>
                 <a:latin typeface="Calibri (Body)"/>
                 <a:ea typeface="DengXian" panose="02010600030101010101" pitchFamily="2" charset="-122"/>
@@ -6845,16 +6845,16 @@
               <a:t> </a:t>
             </a:r>
             <a:r>
-              <a:rPr lang="en-US" sz="2100" dirty="0" err="1">
-                <a:effectLst/>
-                <a:latin typeface="Calibri (Body)"/>
-                <a:ea typeface="DengXian" panose="02010600030101010101" pitchFamily="2" charset="-122"/>
-                <a:cs typeface="Times New Roman" panose="02020603050405020304" pitchFamily="18" charset="0"/>
-              </a:rPr>
-              <a:t>mendata</a:t>
-            </a:r>
-            <a:r>
-              <a:rPr lang="en-US" sz="2100" dirty="0">
+              <a:rPr lang="en-US" sz="2300" dirty="0" err="1">
+                <a:effectLst/>
+                <a:latin typeface="Calibri (Body)"/>
+                <a:ea typeface="DengXian" panose="02010600030101010101" pitchFamily="2" charset="-122"/>
+                <a:cs typeface="Times New Roman" panose="02020603050405020304" pitchFamily="18" charset="0"/>
+              </a:rPr>
+              <a:t>membuat</a:t>
+            </a:r>
+            <a:r>
+              <a:rPr lang="en-US" sz="2300" dirty="0">
                 <a:effectLst/>
                 <a:latin typeface="Calibri (Body)"/>
                 <a:ea typeface="DengXian" panose="02010600030101010101" pitchFamily="2" charset="-122"/>
@@ -6863,7 +6863,7 @@
               <a:t> leaderboard </a:t>
             </a:r>
             <a:r>
-              <a:rPr lang="en-US" sz="2100" dirty="0" err="1">
+              <a:rPr lang="en-US" sz="2300" dirty="0" err="1">
                 <a:effectLst/>
                 <a:latin typeface="Calibri (Body)"/>
                 <a:ea typeface="DengXian" panose="02010600030101010101" pitchFamily="2" charset="-122"/>
@@ -6872,7 +6872,7 @@
               <a:t>berdasarkan</a:t>
             </a:r>
             <a:r>
-              <a:rPr lang="en-US" sz="2100" dirty="0">
+              <a:rPr lang="en-US" sz="2300" dirty="0">
                 <a:effectLst/>
                 <a:latin typeface="Calibri (Body)"/>
                 <a:ea typeface="DengXian" panose="02010600030101010101" pitchFamily="2" charset="-122"/>
@@ -6881,7 +6881,7 @@
               <a:t> data yang </a:t>
             </a:r>
             <a:r>
-              <a:rPr lang="en-US" sz="2100" dirty="0" err="1">
+              <a:rPr lang="en-US" sz="2300" dirty="0" err="1">
                 <a:effectLst/>
                 <a:latin typeface="Calibri (Body)"/>
                 <a:ea typeface="DengXian" panose="02010600030101010101" pitchFamily="2" charset="-122"/>
@@ -6890,7 +6890,7 @@
               <a:t>telah</a:t>
             </a:r>
             <a:r>
-              <a:rPr lang="en-US" sz="2100" dirty="0">
+              <a:rPr lang="en-US" sz="2300" dirty="0">
                 <a:effectLst/>
                 <a:latin typeface="Calibri (Body)"/>
                 <a:ea typeface="DengXian" panose="02010600030101010101" pitchFamily="2" charset="-122"/>
@@ -6899,7 +6899,7 @@
               <a:t> </a:t>
             </a:r>
             <a:r>
-              <a:rPr lang="en-US" sz="2100" dirty="0" err="1">
+              <a:rPr lang="en-US" sz="2300" dirty="0" err="1">
                 <a:effectLst/>
                 <a:latin typeface="Calibri (Body)"/>
                 <a:ea typeface="DengXian" panose="02010600030101010101" pitchFamily="2" charset="-122"/>
@@ -6908,7 +6908,25 @@
               <a:t>diberikan</a:t>
             </a:r>
             <a:r>
-              <a:rPr lang="en-US" sz="2100" dirty="0">
+              <a:rPr lang="en-US" sz="2300" dirty="0">
+                <a:effectLst/>
+                <a:latin typeface="Calibri (Body)"/>
+                <a:ea typeface="DengXian" panose="02010600030101010101" pitchFamily="2" charset="-122"/>
+                <a:cs typeface="Times New Roman" panose="02020603050405020304" pitchFamily="18" charset="0"/>
+              </a:rPr>
+              <a:t> oleh user. Admin </a:t>
+            </a:r>
+            <a:r>
+              <a:rPr lang="en-US" sz="2300" dirty="0" err="1">
+                <a:effectLst/>
+                <a:latin typeface="Calibri (Body)"/>
+                <a:ea typeface="DengXian" panose="02010600030101010101" pitchFamily="2" charset="-122"/>
+                <a:cs typeface="Times New Roman" panose="02020603050405020304" pitchFamily="18" charset="0"/>
+              </a:rPr>
+              <a:t>dapat</a:t>
+            </a:r>
+            <a:r>
+              <a:rPr lang="en-US" sz="2300" dirty="0">
                 <a:effectLst/>
                 <a:latin typeface="Calibri (Body)"/>
                 <a:ea typeface="DengXian" panose="02010600030101010101" pitchFamily="2" charset="-122"/>
@@ -6917,34 +6935,34 @@
               <a:t> </a:t>
             </a:r>
             <a:r>
-              <a:rPr lang="en-US" sz="2100" dirty="0" err="1">
-                <a:effectLst/>
-                <a:latin typeface="Calibri (Body)"/>
-                <a:ea typeface="DengXian" panose="02010600030101010101" pitchFamily="2" charset="-122"/>
-                <a:cs typeface="Times New Roman" panose="02020603050405020304" pitchFamily="18" charset="0"/>
-              </a:rPr>
-              <a:t>kepada</a:t>
-            </a:r>
-            <a:r>
-              <a:rPr lang="en-US" sz="2100" dirty="0">
-                <a:effectLst/>
-                <a:latin typeface="Calibri (Body)"/>
-                <a:ea typeface="DengXian" panose="02010600030101010101" pitchFamily="2" charset="-122"/>
-                <a:cs typeface="Times New Roman" panose="02020603050405020304" pitchFamily="18" charset="0"/>
-              </a:rPr>
-              <a:t> user. Admin </a:t>
-            </a:r>
-            <a:r>
-              <a:rPr lang="en-US" sz="2100" dirty="0" err="1">
-                <a:effectLst/>
-                <a:latin typeface="Calibri (Body)"/>
-                <a:ea typeface="DengXian" panose="02010600030101010101" pitchFamily="2" charset="-122"/>
-                <a:cs typeface="Times New Roman" panose="02020603050405020304" pitchFamily="18" charset="0"/>
-              </a:rPr>
-              <a:t>dapat</a:t>
-            </a:r>
-            <a:r>
-              <a:rPr lang="en-US" sz="2100" dirty="0">
+              <a:rPr lang="en-US" sz="2300" dirty="0" err="1">
+                <a:effectLst/>
+                <a:latin typeface="Calibri (Body)"/>
+                <a:ea typeface="DengXian" panose="02010600030101010101" pitchFamily="2" charset="-122"/>
+                <a:cs typeface="Times New Roman" panose="02020603050405020304" pitchFamily="18" charset="0"/>
+              </a:rPr>
+              <a:t>menambah</a:t>
+            </a:r>
+            <a:r>
+              <a:rPr lang="en-US" sz="2300" dirty="0">
+                <a:effectLst/>
+                <a:latin typeface="Calibri (Body)"/>
+                <a:ea typeface="DengXian" panose="02010600030101010101" pitchFamily="2" charset="-122"/>
+                <a:cs typeface="Times New Roman" panose="02020603050405020304" pitchFamily="18" charset="0"/>
+              </a:rPr>
+              <a:t> game, dan </a:t>
+            </a:r>
+            <a:r>
+              <a:rPr lang="en-US" sz="2300" dirty="0" err="1">
+                <a:effectLst/>
+                <a:latin typeface="Calibri (Body)"/>
+                <a:ea typeface="DengXian" panose="02010600030101010101" pitchFamily="2" charset="-122"/>
+                <a:cs typeface="Times New Roman" panose="02020603050405020304" pitchFamily="18" charset="0"/>
+              </a:rPr>
+              <a:t>membuat</a:t>
+            </a:r>
+            <a:r>
+              <a:rPr lang="en-US" sz="2300" dirty="0">
                 <a:effectLst/>
                 <a:latin typeface="Calibri (Body)"/>
                 <a:ea typeface="DengXian" panose="02010600030101010101" pitchFamily="2" charset="-122"/>
@@ -6953,34 +6971,16 @@
               <a:t> </a:t>
             </a:r>
             <a:r>
-              <a:rPr lang="en-US" sz="2100" dirty="0" err="1">
-                <a:effectLst/>
-                <a:latin typeface="Calibri (Body)"/>
-                <a:ea typeface="DengXian" panose="02010600030101010101" pitchFamily="2" charset="-122"/>
-                <a:cs typeface="Times New Roman" panose="02020603050405020304" pitchFamily="18" charset="0"/>
-              </a:rPr>
-              <a:t>menambah</a:t>
-            </a:r>
-            <a:r>
-              <a:rPr lang="en-US" sz="2100" dirty="0">
-                <a:effectLst/>
-                <a:latin typeface="Calibri (Body)"/>
-                <a:ea typeface="DengXian" panose="02010600030101010101" pitchFamily="2" charset="-122"/>
-                <a:cs typeface="Times New Roman" panose="02020603050405020304" pitchFamily="18" charset="0"/>
-              </a:rPr>
-              <a:t> game, dan </a:t>
-            </a:r>
-            <a:r>
-              <a:rPr lang="en-US" sz="2100" dirty="0" err="1">
-                <a:effectLst/>
-                <a:latin typeface="Calibri (Body)"/>
-                <a:ea typeface="DengXian" panose="02010600030101010101" pitchFamily="2" charset="-122"/>
-                <a:cs typeface="Times New Roman" panose="02020603050405020304" pitchFamily="18" charset="0"/>
-              </a:rPr>
-              <a:t>membuat</a:t>
-            </a:r>
-            <a:r>
-              <a:rPr lang="en-US" sz="2100" dirty="0">
+              <a:rPr lang="en-US" sz="2300" dirty="0" err="1">
+                <a:effectLst/>
+                <a:latin typeface="Calibri (Body)"/>
+                <a:ea typeface="DengXian" panose="02010600030101010101" pitchFamily="2" charset="-122"/>
+                <a:cs typeface="Times New Roman" panose="02020603050405020304" pitchFamily="18" charset="0"/>
+              </a:rPr>
+              <a:t>laporan</a:t>
+            </a:r>
+            <a:r>
+              <a:rPr lang="en-US" sz="2300" dirty="0">
                 <a:effectLst/>
                 <a:latin typeface="Calibri (Body)"/>
                 <a:ea typeface="DengXian" panose="02010600030101010101" pitchFamily="2" charset="-122"/>
@@ -6989,16 +6989,34 @@
               <a:t> </a:t>
             </a:r>
             <a:r>
-              <a:rPr lang="en-US" sz="2100" dirty="0" err="1">
-                <a:effectLst/>
-                <a:latin typeface="Calibri (Body)"/>
-                <a:ea typeface="DengXian" panose="02010600030101010101" pitchFamily="2" charset="-122"/>
-                <a:cs typeface="Times New Roman" panose="02020603050405020304" pitchFamily="18" charset="0"/>
-              </a:rPr>
-              <a:t>laporan</a:t>
-            </a:r>
-            <a:r>
-              <a:rPr lang="en-US" sz="2100" dirty="0">
+              <a:rPr lang="en-US" sz="2300" dirty="0" err="1">
+                <a:effectLst/>
+                <a:latin typeface="Calibri (Body)"/>
+                <a:ea typeface="DengXian" panose="02010600030101010101" pitchFamily="2" charset="-122"/>
+                <a:cs typeface="Times New Roman" panose="02020603050405020304" pitchFamily="18" charset="0"/>
+              </a:rPr>
+              <a:t>berdasarkan</a:t>
+            </a:r>
+            <a:r>
+              <a:rPr lang="en-US" sz="2300" dirty="0">
+                <a:effectLst/>
+                <a:latin typeface="Calibri (Body)"/>
+                <a:ea typeface="DengXian" panose="02010600030101010101" pitchFamily="2" charset="-122"/>
+                <a:cs typeface="Times New Roman" panose="02020603050405020304" pitchFamily="18" charset="0"/>
+              </a:rPr>
+              <a:t> data yang </a:t>
+            </a:r>
+            <a:r>
+              <a:rPr lang="en-US" sz="2300" dirty="0" err="1">
+                <a:effectLst/>
+                <a:latin typeface="Calibri (Body)"/>
+                <a:ea typeface="DengXian" panose="02010600030101010101" pitchFamily="2" charset="-122"/>
+                <a:cs typeface="Times New Roman" panose="02020603050405020304" pitchFamily="18" charset="0"/>
+              </a:rPr>
+              <a:t>diperoleh</a:t>
+            </a:r>
+            <a:r>
+              <a:rPr lang="en-US" sz="2300" dirty="0">
                 <a:effectLst/>
                 <a:latin typeface="Calibri (Body)"/>
                 <a:ea typeface="DengXian" panose="02010600030101010101" pitchFamily="2" charset="-122"/>
@@ -7007,34 +7025,16 @@
               <a:t> </a:t>
             </a:r>
             <a:r>
-              <a:rPr lang="en-US" sz="2100" dirty="0" err="1">
-                <a:effectLst/>
-                <a:latin typeface="Calibri (Body)"/>
-                <a:ea typeface="DengXian" panose="02010600030101010101" pitchFamily="2" charset="-122"/>
-                <a:cs typeface="Times New Roman" panose="02020603050405020304" pitchFamily="18" charset="0"/>
-              </a:rPr>
-              <a:t>berdasarkan</a:t>
-            </a:r>
-            <a:r>
-              <a:rPr lang="en-US" sz="2100" dirty="0">
-                <a:effectLst/>
-                <a:latin typeface="Calibri (Body)"/>
-                <a:ea typeface="DengXian" panose="02010600030101010101" pitchFamily="2" charset="-122"/>
-                <a:cs typeface="Times New Roman" panose="02020603050405020304" pitchFamily="18" charset="0"/>
-              </a:rPr>
-              <a:t> data yang </a:t>
-            </a:r>
-            <a:r>
-              <a:rPr lang="en-US" sz="2100" dirty="0" err="1">
-                <a:effectLst/>
-                <a:latin typeface="Calibri (Body)"/>
-                <a:ea typeface="DengXian" panose="02010600030101010101" pitchFamily="2" charset="-122"/>
-                <a:cs typeface="Times New Roman" panose="02020603050405020304" pitchFamily="18" charset="0"/>
-              </a:rPr>
-              <a:t>diperoleh</a:t>
-            </a:r>
-            <a:r>
-              <a:rPr lang="en-US" sz="2100" dirty="0">
+              <a:rPr lang="en-US" sz="2300" dirty="0" err="1">
+                <a:effectLst/>
+                <a:latin typeface="Calibri (Body)"/>
+                <a:ea typeface="DengXian" panose="02010600030101010101" pitchFamily="2" charset="-122"/>
+                <a:cs typeface="Times New Roman" panose="02020603050405020304" pitchFamily="18" charset="0"/>
+              </a:rPr>
+              <a:t>dari</a:t>
+            </a:r>
+            <a:r>
+              <a:rPr lang="en-US" sz="2300" dirty="0">
                 <a:effectLst/>
                 <a:latin typeface="Calibri (Body)"/>
                 <a:ea typeface="DengXian" panose="02010600030101010101" pitchFamily="2" charset="-122"/>
@@ -7043,16 +7043,16 @@
               <a:t> </a:t>
             </a:r>
             <a:r>
-              <a:rPr lang="en-US" sz="2100" dirty="0" err="1">
-                <a:effectLst/>
-                <a:latin typeface="Calibri (Body)"/>
-                <a:ea typeface="DengXian" panose="02010600030101010101" pitchFamily="2" charset="-122"/>
-                <a:cs typeface="Times New Roman" panose="02020603050405020304" pitchFamily="18" charset="0"/>
-              </a:rPr>
-              <a:t>dari</a:t>
-            </a:r>
-            <a:r>
-              <a:rPr lang="en-US" sz="2100" dirty="0">
+              <a:rPr lang="en-US" sz="2300" dirty="0" err="1">
+                <a:effectLst/>
+                <a:latin typeface="Calibri (Body)"/>
+                <a:ea typeface="DengXian" panose="02010600030101010101" pitchFamily="2" charset="-122"/>
+                <a:cs typeface="Times New Roman" panose="02020603050405020304" pitchFamily="18" charset="0"/>
+              </a:rPr>
+              <a:t>aplikasi</a:t>
+            </a:r>
+            <a:r>
+              <a:rPr lang="en-US" sz="2300" dirty="0">
                 <a:effectLst/>
                 <a:latin typeface="Calibri (Body)"/>
                 <a:ea typeface="DengXian" panose="02010600030101010101" pitchFamily="2" charset="-122"/>
@@ -7061,16 +7061,16 @@
               <a:t> </a:t>
             </a:r>
             <a:r>
-              <a:rPr lang="en-US" sz="2100" dirty="0" err="1">
-                <a:effectLst/>
-                <a:latin typeface="Calibri (Body)"/>
-                <a:ea typeface="DengXian" panose="02010600030101010101" pitchFamily="2" charset="-122"/>
-                <a:cs typeface="Times New Roman" panose="02020603050405020304" pitchFamily="18" charset="0"/>
-              </a:rPr>
-              <a:t>aplikasi</a:t>
-            </a:r>
-            <a:r>
-              <a:rPr lang="en-US" sz="2100" dirty="0">
+              <a:rPr lang="en-US" sz="2300" dirty="0" err="1">
+                <a:effectLst/>
+                <a:latin typeface="Calibri (Body)"/>
+                <a:ea typeface="DengXian" panose="02010600030101010101" pitchFamily="2" charset="-122"/>
+                <a:cs typeface="Times New Roman" panose="02020603050405020304" pitchFamily="18" charset="0"/>
+              </a:rPr>
+              <a:t>ke</a:t>
+            </a:r>
+            <a:r>
+              <a:rPr lang="en-US" sz="2300" dirty="0">
                 <a:effectLst/>
                 <a:latin typeface="Calibri (Body)"/>
                 <a:ea typeface="DengXian" panose="02010600030101010101" pitchFamily="2" charset="-122"/>
@@ -7079,16 +7079,34 @@
               <a:t> </a:t>
             </a:r>
             <a:r>
-              <a:rPr lang="en-US" sz="2100" dirty="0" err="1">
-                <a:effectLst/>
-                <a:latin typeface="Calibri (Body)"/>
-                <a:ea typeface="DengXian" panose="02010600030101010101" pitchFamily="2" charset="-122"/>
-                <a:cs typeface="Times New Roman" panose="02020603050405020304" pitchFamily="18" charset="0"/>
-              </a:rPr>
-              <a:t>ke</a:t>
-            </a:r>
-            <a:r>
-              <a:rPr lang="en-US" sz="2100" dirty="0">
+              <a:rPr lang="en-US" sz="2300" dirty="0" err="1">
+                <a:effectLst/>
+                <a:latin typeface="Calibri (Body)"/>
+                <a:ea typeface="DengXian" panose="02010600030101010101" pitchFamily="2" charset="-122"/>
+                <a:cs typeface="Times New Roman" panose="02020603050405020304" pitchFamily="18" charset="0"/>
+              </a:rPr>
+              <a:t>bentuk</a:t>
+            </a:r>
+            <a:r>
+              <a:rPr lang="en-US" sz="2300" dirty="0">
+                <a:effectLst/>
+                <a:latin typeface="Calibri (Body)"/>
+                <a:ea typeface="DengXian" panose="02010600030101010101" pitchFamily="2" charset="-122"/>
+                <a:cs typeface="Times New Roman" panose="02020603050405020304" pitchFamily="18" charset="0"/>
+              </a:rPr>
+              <a:t> csv. </a:t>
+            </a:r>
+            <a:r>
+              <a:rPr lang="en-US" sz="2300" dirty="0" err="1">
+                <a:effectLst/>
+                <a:latin typeface="Calibri (Body)"/>
+                <a:ea typeface="DengXian" panose="02010600030101010101" pitchFamily="2" charset="-122"/>
+                <a:cs typeface="Times New Roman" panose="02020603050405020304" pitchFamily="18" charset="0"/>
+              </a:rPr>
+              <a:t>Aplikasi</a:t>
+            </a:r>
+            <a:r>
+              <a:rPr lang="en-US" sz="2300" dirty="0">
                 <a:effectLst/>
                 <a:latin typeface="Calibri (Body)"/>
                 <a:ea typeface="DengXian" panose="02010600030101010101" pitchFamily="2" charset="-122"/>
@@ -7097,34 +7115,16 @@
               <a:t> </a:t>
             </a:r>
             <a:r>
-              <a:rPr lang="en-US" sz="2100" dirty="0" err="1">
-                <a:effectLst/>
-                <a:latin typeface="Calibri (Body)"/>
-                <a:ea typeface="DengXian" panose="02010600030101010101" pitchFamily="2" charset="-122"/>
-                <a:cs typeface="Times New Roman" panose="02020603050405020304" pitchFamily="18" charset="0"/>
-              </a:rPr>
-              <a:t>bentuk</a:t>
-            </a:r>
-            <a:r>
-              <a:rPr lang="en-US" sz="2100" dirty="0">
-                <a:effectLst/>
-                <a:latin typeface="Calibri (Body)"/>
-                <a:ea typeface="DengXian" panose="02010600030101010101" pitchFamily="2" charset="-122"/>
-                <a:cs typeface="Times New Roman" panose="02020603050405020304" pitchFamily="18" charset="0"/>
-              </a:rPr>
-              <a:t> csv. </a:t>
-            </a:r>
-            <a:r>
-              <a:rPr lang="en-US" sz="2100" dirty="0" err="1">
-                <a:effectLst/>
-                <a:latin typeface="Calibri (Body)"/>
-                <a:ea typeface="DengXian" panose="02010600030101010101" pitchFamily="2" charset="-122"/>
-                <a:cs typeface="Times New Roman" panose="02020603050405020304" pitchFamily="18" charset="0"/>
-              </a:rPr>
-              <a:t>Aplikasi</a:t>
-            </a:r>
-            <a:r>
-              <a:rPr lang="en-US" sz="2100" dirty="0">
+              <a:rPr lang="en-US" sz="2300" dirty="0" err="1">
+                <a:effectLst/>
+                <a:latin typeface="Calibri (Body)"/>
+                <a:ea typeface="DengXian" panose="02010600030101010101" pitchFamily="2" charset="-122"/>
+                <a:cs typeface="Times New Roman" panose="02020603050405020304" pitchFamily="18" charset="0"/>
+              </a:rPr>
+              <a:t>ini</a:t>
+            </a:r>
+            <a:r>
+              <a:rPr lang="en-US" sz="2300" dirty="0">
                 <a:effectLst/>
                 <a:latin typeface="Calibri (Body)"/>
                 <a:ea typeface="DengXian" panose="02010600030101010101" pitchFamily="2" charset="-122"/>
@@ -7133,16 +7133,16 @@
               <a:t> </a:t>
             </a:r>
             <a:r>
-              <a:rPr lang="en-US" sz="2100" dirty="0" err="1">
-                <a:effectLst/>
-                <a:latin typeface="Calibri (Body)"/>
-                <a:ea typeface="DengXian" panose="02010600030101010101" pitchFamily="2" charset="-122"/>
-                <a:cs typeface="Times New Roman" panose="02020603050405020304" pitchFamily="18" charset="0"/>
-              </a:rPr>
-              <a:t>ini</a:t>
-            </a:r>
-            <a:r>
-              <a:rPr lang="en-US" sz="2100" dirty="0">
+              <a:rPr lang="en-US" sz="2300" dirty="0" err="1">
+                <a:effectLst/>
+                <a:latin typeface="Calibri (Body)"/>
+                <a:ea typeface="DengXian" panose="02010600030101010101" pitchFamily="2" charset="-122"/>
+                <a:cs typeface="Times New Roman" panose="02020603050405020304" pitchFamily="18" charset="0"/>
+              </a:rPr>
+              <a:t>dibuat</a:t>
+            </a:r>
+            <a:r>
+              <a:rPr lang="en-US" sz="2300" dirty="0">
                 <a:effectLst/>
                 <a:latin typeface="Calibri (Body)"/>
                 <a:ea typeface="DengXian" panose="02010600030101010101" pitchFamily="2" charset="-122"/>
@@ -7151,7 +7151,61 @@
               <a:t> </a:t>
             </a:r>
             <a:r>
-              <a:rPr lang="en-US" sz="2100" dirty="0" err="1">
+              <a:rPr lang="en-US" sz="2300" dirty="0" err="1">
+                <a:effectLst/>
+                <a:latin typeface="Calibri (Body)"/>
+                <a:ea typeface="DengXian" panose="02010600030101010101" pitchFamily="2" charset="-122"/>
+                <a:cs typeface="Times New Roman" panose="02020603050405020304" pitchFamily="18" charset="0"/>
+              </a:rPr>
+              <a:t>dengan</a:t>
+            </a:r>
+            <a:r>
+              <a:rPr lang="en-US" sz="2300" dirty="0">
+                <a:effectLst/>
+                <a:latin typeface="Calibri (Body)"/>
+                <a:ea typeface="DengXian" panose="02010600030101010101" pitchFamily="2" charset="-122"/>
+                <a:cs typeface="Times New Roman" panose="02020603050405020304" pitchFamily="18" charset="0"/>
+              </a:rPr>
+              <a:t> </a:t>
+            </a:r>
+            <a:r>
+              <a:rPr lang="en-US" sz="2300" dirty="0" err="1">
+                <a:effectLst/>
+                <a:latin typeface="Calibri (Body)"/>
+                <a:ea typeface="DengXian" panose="02010600030101010101" pitchFamily="2" charset="-122"/>
+                <a:cs typeface="Times New Roman" panose="02020603050405020304" pitchFamily="18" charset="0"/>
+              </a:rPr>
+              <a:t>menggunakan</a:t>
+            </a:r>
+            <a:r>
+              <a:rPr lang="en-US" sz="2300" dirty="0">
+                <a:effectLst/>
+                <a:latin typeface="Calibri (Body)"/>
+                <a:ea typeface="DengXian" panose="02010600030101010101" pitchFamily="2" charset="-122"/>
+                <a:cs typeface="Times New Roman" panose="02020603050405020304" pitchFamily="18" charset="0"/>
+              </a:rPr>
+              <a:t> Bahasa </a:t>
+            </a:r>
+            <a:r>
+              <a:rPr lang="en-US" sz="2300" dirty="0" err="1">
+                <a:effectLst/>
+                <a:latin typeface="Calibri (Body)"/>
+                <a:ea typeface="DengXian" panose="02010600030101010101" pitchFamily="2" charset="-122"/>
+                <a:cs typeface="Times New Roman" panose="02020603050405020304" pitchFamily="18" charset="0"/>
+              </a:rPr>
+              <a:t>pemrograman</a:t>
+            </a:r>
+            <a:r>
+              <a:rPr lang="en-US" sz="2300" dirty="0">
+                <a:effectLst/>
+                <a:latin typeface="Calibri (Body)"/>
+                <a:ea typeface="DengXian" panose="02010600030101010101" pitchFamily="2" charset="-122"/>
+                <a:cs typeface="Times New Roman" panose="02020603050405020304" pitchFamily="18" charset="0"/>
+              </a:rPr>
+              <a:t> java dan </a:t>
+            </a:r>
+            <a:r>
+              <a:rPr lang="en-US" sz="2300" dirty="0" err="1">
                 <a:effectLst/>
                 <a:latin typeface="Calibri (Body)"/>
                 <a:ea typeface="DengXian" panose="02010600030101010101" pitchFamily="2" charset="-122"/>
@@ -7160,7 +7214,7 @@
               <a:t>dibuat</a:t>
             </a:r>
             <a:r>
-              <a:rPr lang="en-US" sz="2100" dirty="0">
+              <a:rPr lang="en-US" sz="2300" dirty="0">
                 <a:effectLst/>
                 <a:latin typeface="Calibri (Body)"/>
                 <a:ea typeface="DengXian" panose="02010600030101010101" pitchFamily="2" charset="-122"/>
@@ -7169,79 +7223,7 @@
               <a:t> </a:t>
             </a:r>
             <a:r>
-              <a:rPr lang="en-US" sz="2100" dirty="0" err="1">
-                <a:effectLst/>
-                <a:latin typeface="Calibri (Body)"/>
-                <a:ea typeface="DengXian" panose="02010600030101010101" pitchFamily="2" charset="-122"/>
-                <a:cs typeface="Times New Roman" panose="02020603050405020304" pitchFamily="18" charset="0"/>
-              </a:rPr>
-              <a:t>dengan</a:t>
-            </a:r>
-            <a:r>
-              <a:rPr lang="en-US" sz="2100" dirty="0">
-                <a:effectLst/>
-                <a:latin typeface="Calibri (Body)"/>
-                <a:ea typeface="DengXian" panose="02010600030101010101" pitchFamily="2" charset="-122"/>
-                <a:cs typeface="Times New Roman" panose="02020603050405020304" pitchFamily="18" charset="0"/>
-              </a:rPr>
-              <a:t> </a:t>
-            </a:r>
-            <a:r>
-              <a:rPr lang="en-US" sz="2100" dirty="0" err="1">
-                <a:effectLst/>
-                <a:latin typeface="Calibri (Body)"/>
-                <a:ea typeface="DengXian" panose="02010600030101010101" pitchFamily="2" charset="-122"/>
-                <a:cs typeface="Times New Roman" panose="02020603050405020304" pitchFamily="18" charset="0"/>
-              </a:rPr>
-              <a:t>menggunakan</a:t>
-            </a:r>
-            <a:r>
-              <a:rPr lang="en-US" sz="2100" dirty="0">
-                <a:effectLst/>
-                <a:latin typeface="Calibri (Body)"/>
-                <a:ea typeface="DengXian" panose="02010600030101010101" pitchFamily="2" charset="-122"/>
-                <a:cs typeface="Times New Roman" panose="02020603050405020304" pitchFamily="18" charset="0"/>
-              </a:rPr>
-              <a:t> Bahasa </a:t>
-            </a:r>
-            <a:r>
-              <a:rPr lang="en-US" sz="2100" dirty="0" err="1">
-                <a:effectLst/>
-                <a:latin typeface="Calibri (Body)"/>
-                <a:ea typeface="DengXian" panose="02010600030101010101" pitchFamily="2" charset="-122"/>
-                <a:cs typeface="Times New Roman" panose="02020603050405020304" pitchFamily="18" charset="0"/>
-              </a:rPr>
-              <a:t>pemrograman</a:t>
-            </a:r>
-            <a:r>
-              <a:rPr lang="en-US" sz="2100" dirty="0">
-                <a:effectLst/>
-                <a:latin typeface="Calibri (Body)"/>
-                <a:ea typeface="DengXian" panose="02010600030101010101" pitchFamily="2" charset="-122"/>
-                <a:cs typeface="Times New Roman" panose="02020603050405020304" pitchFamily="18" charset="0"/>
-              </a:rPr>
-              <a:t> java dan </a:t>
-            </a:r>
-            <a:r>
-              <a:rPr lang="en-US" sz="2100" dirty="0" err="1">
-                <a:effectLst/>
-                <a:latin typeface="Calibri (Body)"/>
-                <a:ea typeface="DengXian" panose="02010600030101010101" pitchFamily="2" charset="-122"/>
-                <a:cs typeface="Times New Roman" panose="02020603050405020304" pitchFamily="18" charset="0"/>
-              </a:rPr>
-              <a:t>dibuat</a:t>
-            </a:r>
-            <a:r>
-              <a:rPr lang="en-US" sz="2100" dirty="0">
-                <a:effectLst/>
-                <a:latin typeface="Calibri (Body)"/>
-                <a:ea typeface="DengXian" panose="02010600030101010101" pitchFamily="2" charset="-122"/>
-                <a:cs typeface="Times New Roman" panose="02020603050405020304" pitchFamily="18" charset="0"/>
-              </a:rPr>
-              <a:t> </a:t>
-            </a:r>
-            <a:r>
-              <a:rPr lang="en-US" sz="2100" dirty="0" err="1">
+              <a:rPr lang="en-US" sz="2300" dirty="0" err="1">
                 <a:effectLst/>
                 <a:latin typeface="Calibri (Body)"/>
                 <a:ea typeface="DengXian" panose="02010600030101010101" pitchFamily="2" charset="-122"/>
@@ -7250,7 +7232,7 @@
               <a:t>untuk</a:t>
             </a:r>
             <a:r>
-              <a:rPr lang="en-US" sz="2100" dirty="0">
+              <a:rPr lang="en-US" sz="2300" dirty="0">
                 <a:effectLst/>
                 <a:latin typeface="Calibri (Body)"/>
                 <a:ea typeface="DengXian" panose="02010600030101010101" pitchFamily="2" charset="-122"/>
@@ -7259,24 +7241,24 @@
               <a:t> OS </a:t>
             </a:r>
             <a:r>
-              <a:rPr lang="en-US" sz="2100">
-                <a:effectLst/>
-                <a:latin typeface="Calibri (Body)"/>
-                <a:ea typeface="DengXian" panose="02010600030101010101" pitchFamily="2" charset="-122"/>
-                <a:cs typeface="Times New Roman" panose="02020603050405020304" pitchFamily="18" charset="0"/>
-              </a:rPr>
-              <a:t>berbasis </a:t>
-            </a:r>
-            <a:r>
-              <a:rPr lang="en-US" sz="2100" dirty="0">
-                <a:effectLst/>
-                <a:latin typeface="Calibri (Body)"/>
-                <a:ea typeface="DengXian" panose="02010600030101010101" pitchFamily="2" charset="-122"/>
-                <a:cs typeface="Times New Roman" panose="02020603050405020304" pitchFamily="18" charset="0"/>
-              </a:rPr>
-              <a:t>Android.</a:t>
-            </a:r>
-            <a:endParaRPr lang="id-ID" sz="2100" dirty="0">
+              <a:rPr lang="en-US" sz="2300" dirty="0" err="1">
+                <a:effectLst/>
+                <a:latin typeface="Calibri (Body)"/>
+                <a:ea typeface="DengXian" panose="02010600030101010101" pitchFamily="2" charset="-122"/>
+                <a:cs typeface="Times New Roman" panose="02020603050405020304" pitchFamily="18" charset="0"/>
+              </a:rPr>
+              <a:t>berbasis</a:t>
+            </a:r>
+            <a:r>
+              <a:rPr lang="en-US" sz="2300" dirty="0">
+                <a:effectLst/>
+                <a:latin typeface="Calibri (Body)"/>
+                <a:ea typeface="DengXian" panose="02010600030101010101" pitchFamily="2" charset="-122"/>
+                <a:cs typeface="Times New Roman" panose="02020603050405020304" pitchFamily="18" charset="0"/>
+              </a:rPr>
+              <a:t> Android.</a:t>
+            </a:r>
+            <a:endParaRPr lang="id-ID" sz="2300" dirty="0">
               <a:effectLst/>
               <a:latin typeface="Calibri (Body)"/>
               <a:ea typeface="DengXian" panose="02010600030101010101" pitchFamily="2" charset="-122"/>
@@ -7654,14 +7636,14 @@
             <p:ph idx="1"/>
             <p:extLst>
               <p:ext uri="{D42A27DB-BD31-4B8C-83A1-F6EECF244321}">
-                <p14:modId xmlns:p14="http://schemas.microsoft.com/office/powerpoint/2010/main" val="3379092109"/>
+                <p14:modId xmlns:p14="http://schemas.microsoft.com/office/powerpoint/2010/main" val="3138995434"/>
               </p:ext>
             </p:extLst>
           </p:nvPr>
         </p:nvGraphicFramePr>
         <p:xfrm>
           <a:off x="1961965" y="1690688"/>
-          <a:ext cx="7812350" cy="4221839"/>
+          <a:ext cx="7812350" cy="4382712"/>
         </p:xfrm>
         <a:graphic>
           <a:graphicData uri="http://schemas.openxmlformats.org/drawingml/2006/table">
@@ -7710,17 +7692,10 @@
                         </a:spcAft>
                       </a:pPr>
                       <a:r>
-                        <a:rPr lang="en-US" sz="1200">
-                          <a:effectLst/>
-                        </a:rPr>
+                        <a:rPr lang="en-US" sz="1600"/>
                         <a:t>Role</a:t>
                       </a:r>
-                      <a:endParaRPr lang="id-ID" sz="1200">
-                        <a:effectLst/>
-                        <a:latin typeface="Arial" panose="020B0604020202020204" pitchFamily="34" charset="0"/>
-                        <a:ea typeface="DengXian" panose="02010600030101010101" pitchFamily="2" charset="-122"/>
-                        <a:cs typeface="Times New Roman" panose="02020603050405020304" pitchFamily="18" charset="0"/>
-                      </a:endParaRPr>
+                      <a:endParaRPr lang="id-ID" sz="1600"/>
                     </a:p>
                   </a:txBody>
                   <a:tcPr marL="68580" marR="68580" marT="0" marB="0" anchor="ctr"/>
@@ -7742,17 +7717,10 @@
                         </a:spcAft>
                       </a:pPr>
                       <a:r>
-                        <a:rPr lang="en-US" sz="1200">
-                          <a:effectLst/>
-                        </a:rPr>
+                        <a:rPr lang="en-US" sz="1600"/>
                         <a:t>Nama</a:t>
                       </a:r>
-                      <a:endParaRPr lang="id-ID" sz="1200">
-                        <a:effectLst/>
-                        <a:latin typeface="Arial" panose="020B0604020202020204" pitchFamily="34" charset="0"/>
-                        <a:ea typeface="DengXian" panose="02010600030101010101" pitchFamily="2" charset="-122"/>
-                        <a:cs typeface="Times New Roman" panose="02020603050405020304" pitchFamily="18" charset="0"/>
-                      </a:endParaRPr>
+                      <a:endParaRPr lang="id-ID" sz="1600"/>
                     </a:p>
                   </a:txBody>
                   <a:tcPr marL="68580" marR="68580" marT="0" marB="0" anchor="ctr"/>
@@ -7774,17 +7742,10 @@
                         </a:spcAft>
                       </a:pPr>
                       <a:r>
-                        <a:rPr lang="en-US" sz="1200">
-                          <a:effectLst/>
-                        </a:rPr>
+                        <a:rPr lang="en-US" sz="1600"/>
                         <a:t>Tugas</a:t>
                       </a:r>
-                      <a:endParaRPr lang="id-ID" sz="1200">
-                        <a:effectLst/>
-                        <a:latin typeface="Arial" panose="020B0604020202020204" pitchFamily="34" charset="0"/>
-                        <a:ea typeface="DengXian" panose="02010600030101010101" pitchFamily="2" charset="-122"/>
-                        <a:cs typeface="Times New Roman" panose="02020603050405020304" pitchFamily="18" charset="0"/>
-                      </a:endParaRPr>
+                      <a:endParaRPr lang="id-ID" sz="1600"/>
                     </a:p>
                   </a:txBody>
                   <a:tcPr marL="68580" marR="68580" marT="0" marB="0" anchor="ctr"/>
@@ -7813,29 +7774,18 @@
                         </a:spcAft>
                       </a:pPr>
                       <a:r>
-                        <a:rPr lang="en-US" sz="1200" dirty="0" err="1">
-                          <a:effectLst/>
-                        </a:rPr>
+                        <a:rPr lang="en-US" sz="1600" dirty="0" err="1"/>
                         <a:t>Ketua</a:t>
                       </a:r>
                       <a:r>
-                        <a:rPr lang="en-US" sz="1200" dirty="0">
-                          <a:effectLst/>
-                        </a:rPr>
+                        <a:rPr lang="en-US" sz="1600" dirty="0"/>
                         <a:t> </a:t>
                       </a:r>
                       <a:r>
-                        <a:rPr lang="en-US" sz="1200" dirty="0" err="1">
-                          <a:effectLst/>
-                        </a:rPr>
+                        <a:rPr lang="en-US" sz="1600" dirty="0" err="1"/>
                         <a:t>Proyek</a:t>
                       </a:r>
-                      <a:endParaRPr lang="id-ID" sz="1200" dirty="0">
-                        <a:effectLst/>
-                        <a:latin typeface="Arial" panose="020B0604020202020204" pitchFamily="34" charset="0"/>
-                        <a:ea typeface="DengXian" panose="02010600030101010101" pitchFamily="2" charset="-122"/>
-                        <a:cs typeface="Times New Roman" panose="02020603050405020304" pitchFamily="18" charset="0"/>
-                      </a:endParaRPr>
+                      <a:endParaRPr lang="id-ID" sz="1600" dirty="0"/>
                     </a:p>
                   </a:txBody>
                   <a:tcPr marL="68580" marR="68580" marT="0" marB="0"/>
@@ -7857,17 +7807,10 @@
                         </a:spcAft>
                       </a:pPr>
                       <a:r>
-                        <a:rPr lang="en-US" sz="1200">
-                          <a:effectLst/>
-                        </a:rPr>
+                        <a:rPr lang="en-US" sz="1600"/>
                         <a:t>Maheswara Athallah Wijanarko</a:t>
                       </a:r>
-                      <a:endParaRPr lang="id-ID" sz="1200">
-                        <a:effectLst/>
-                        <a:latin typeface="Arial" panose="020B0604020202020204" pitchFamily="34" charset="0"/>
-                        <a:ea typeface="DengXian" panose="02010600030101010101" pitchFamily="2" charset="-122"/>
-                        <a:cs typeface="Times New Roman" panose="02020603050405020304" pitchFamily="18" charset="0"/>
-                      </a:endParaRPr>
+                      <a:endParaRPr lang="id-ID" sz="1600"/>
                     </a:p>
                   </a:txBody>
                   <a:tcPr marL="68580" marR="68580" marT="0" marB="0"/>
@@ -7891,14 +7834,10 @@
                         <a:buChar char="-"/>
                       </a:pPr>
                       <a:r>
-                        <a:rPr lang="en-US" sz="1200">
-                          <a:effectLst/>
-                        </a:rPr>
+                        <a:rPr lang="en-US" sz="1600"/>
                         <a:t>Menjadwalkan pelaksanaan proyek</a:t>
                       </a:r>
-                      <a:endParaRPr lang="id-ID" sz="1200">
-                        <a:effectLst/>
-                      </a:endParaRPr>
+                      <a:endParaRPr lang="id-ID" sz="1600"/>
                     </a:p>
                     <a:p>
                       <a:pPr marL="342900" marR="0" lvl="0" indent="-342900" algn="just">
@@ -7915,17 +7854,10 @@
                         <a:buChar char="-"/>
                       </a:pPr>
                       <a:r>
-                        <a:rPr lang="en-US" sz="1200">
-                          <a:effectLst/>
-                        </a:rPr>
+                        <a:rPr lang="en-US" sz="1600"/>
                         <a:t>Memantau kerja proyek</a:t>
                       </a:r>
-                      <a:endParaRPr lang="id-ID" sz="1200">
-                        <a:effectLst/>
-                        <a:latin typeface="Arial" panose="020B0604020202020204" pitchFamily="34" charset="0"/>
-                        <a:ea typeface="DengXian" panose="02010600030101010101" pitchFamily="2" charset="-122"/>
-                        <a:cs typeface="Times New Roman" panose="02020603050405020304" pitchFamily="18" charset="0"/>
-                      </a:endParaRPr>
+                      <a:endParaRPr lang="id-ID" sz="1600"/>
                     </a:p>
                   </a:txBody>
                   <a:tcPr marL="68580" marR="68580" marT="0" marB="0"/>
@@ -7954,17 +7886,10 @@
                         </a:spcAft>
                       </a:pPr>
                       <a:r>
-                        <a:rPr lang="en-US" sz="1200">
-                          <a:effectLst/>
-                        </a:rPr>
+                        <a:rPr lang="en-US" sz="1600"/>
                         <a:t>Sistem Analis</a:t>
                       </a:r>
-                      <a:endParaRPr lang="id-ID" sz="1200">
-                        <a:effectLst/>
-                        <a:latin typeface="Arial" panose="020B0604020202020204" pitchFamily="34" charset="0"/>
-                        <a:ea typeface="DengXian" panose="02010600030101010101" pitchFamily="2" charset="-122"/>
-                        <a:cs typeface="Times New Roman" panose="02020603050405020304" pitchFamily="18" charset="0"/>
-                      </a:endParaRPr>
+                      <a:endParaRPr lang="id-ID" sz="1600"/>
                     </a:p>
                   </a:txBody>
                   <a:tcPr marL="68580" marR="68580" marT="0" marB="0"/>
@@ -7986,17 +7911,10 @@
                         </a:spcAft>
                       </a:pPr>
                       <a:r>
-                        <a:rPr lang="en-US" sz="1200" dirty="0">
-                          <a:effectLst/>
-                        </a:rPr>
+                        <a:rPr lang="en-US" sz="1600" dirty="0"/>
                         <a:t>Muhammad Alful Falakh</a:t>
                       </a:r>
-                      <a:endParaRPr lang="id-ID" sz="1200" dirty="0">
-                        <a:effectLst/>
-                        <a:latin typeface="Arial" panose="020B0604020202020204" pitchFamily="34" charset="0"/>
-                        <a:ea typeface="DengXian" panose="02010600030101010101" pitchFamily="2" charset="-122"/>
-                        <a:cs typeface="Times New Roman" panose="02020603050405020304" pitchFamily="18" charset="0"/>
-                      </a:endParaRPr>
+                      <a:endParaRPr lang="id-ID" sz="1600" dirty="0"/>
                     </a:p>
                   </a:txBody>
                   <a:tcPr marL="68580" marR="68580" marT="0" marB="0"/>
@@ -8020,38 +7938,34 @@
                         <a:buChar char="-"/>
                       </a:pPr>
                       <a:r>
-                        <a:rPr lang="en-US" sz="1200">
-                          <a:effectLst/>
-                        </a:rPr>
-                        <a:t>Menganalisis proses aplikasi</a:t>
+                        <a:rPr lang="en-US" sz="1600" dirty="0" err="1"/>
+                        <a:t>Menjelaskan</a:t>
                       </a:r>
-                      <a:endParaRPr lang="id-ID" sz="1200">
-                        <a:effectLst/>
-                      </a:endParaRPr>
-                    </a:p>
-                    <a:p>
-                      <a:pPr marL="342900" marR="0" lvl="0" indent="-342900" algn="just">
-                        <a:lnSpc>
-                          <a:spcPct val="115000"/>
-                        </a:lnSpc>
-                        <a:spcBef>
-                          <a:spcPts val="0"/>
-                        </a:spcBef>
-                        <a:spcAft>
-                          <a:spcPts val="0"/>
-                        </a:spcAft>
-                        <a:buFont typeface="Arial" panose="020B0604020202020204" pitchFamily="34" charset="0"/>
-                        <a:buChar char="-"/>
-                      </a:pPr>
                       <a:r>
-                        <a:rPr lang="en-US" sz="1200">
-                          <a:effectLst/>
-                        </a:rPr>
-                        <a:t>Menjelaskan isi dan kebutuhan aplikasi</a:t>
+                        <a:rPr lang="en-US" sz="1600" dirty="0"/>
+                        <a:t> </a:t>
                       </a:r>
-                      <a:endParaRPr lang="id-ID" sz="1200">
-                        <a:effectLst/>
-                      </a:endParaRPr>
+                      <a:r>
+                        <a:rPr lang="en-US" sz="1600" dirty="0" err="1"/>
+                        <a:t>isi</a:t>
+                      </a:r>
+                      <a:r>
+                        <a:rPr lang="en-US" sz="1600" dirty="0"/>
+                        <a:t> dan </a:t>
+                      </a:r>
+                      <a:r>
+                        <a:rPr lang="en-US" sz="1600" dirty="0" err="1"/>
+                        <a:t>kebutuhan</a:t>
+                      </a:r>
+                      <a:r>
+                        <a:rPr lang="en-US" sz="1600" dirty="0"/>
+                        <a:t> </a:t>
+                      </a:r>
+                      <a:r>
+                        <a:rPr lang="en-US" sz="1600" dirty="0" err="1"/>
+                        <a:t>aplikasi</a:t>
+                      </a:r>
+                      <a:endParaRPr lang="id-ID" sz="1600" dirty="0"/>
                     </a:p>
                     <a:p>
                       <a:pPr marL="342900" marR="0" lvl="0" indent="-342900" algn="just">
@@ -8068,17 +7982,34 @@
                         <a:buChar char="-"/>
                       </a:pPr>
                       <a:r>
-                        <a:rPr lang="en-US" sz="1200">
-                          <a:effectLst/>
-                        </a:rPr>
-                        <a:t>Menjelaskan cara kerja aplikasi</a:t>
+                        <a:rPr lang="en-US" sz="1600" dirty="0" err="1"/>
+                        <a:t>Menjelaskan</a:t>
                       </a:r>
-                      <a:endParaRPr lang="id-ID" sz="1200">
-                        <a:effectLst/>
-                        <a:latin typeface="Arial" panose="020B0604020202020204" pitchFamily="34" charset="0"/>
-                        <a:ea typeface="DengXian" panose="02010600030101010101" pitchFamily="2" charset="-122"/>
-                        <a:cs typeface="Times New Roman" panose="02020603050405020304" pitchFamily="18" charset="0"/>
-                      </a:endParaRPr>
+                      <a:r>
+                        <a:rPr lang="en-US" sz="1600" dirty="0"/>
+                        <a:t> </a:t>
+                      </a:r>
+                      <a:r>
+                        <a:rPr lang="en-US" sz="1600" dirty="0" err="1"/>
+                        <a:t>cara</a:t>
+                      </a:r>
+                      <a:r>
+                        <a:rPr lang="en-US" sz="1600" dirty="0"/>
+                        <a:t> </a:t>
+                      </a:r>
+                      <a:r>
+                        <a:rPr lang="en-US" sz="1600" dirty="0" err="1"/>
+                        <a:t>kerja</a:t>
+                      </a:r>
+                      <a:r>
+                        <a:rPr lang="en-US" sz="1600" dirty="0"/>
+                        <a:t> </a:t>
+                      </a:r>
+                      <a:r>
+                        <a:rPr lang="en-US" sz="1600" dirty="0" err="1"/>
+                        <a:t>aplikasi</a:t>
+                      </a:r>
+                      <a:endParaRPr lang="id-ID" sz="1600" dirty="0"/>
                     </a:p>
                   </a:txBody>
                   <a:tcPr marL="68580" marR="68580" marT="0" marB="0"/>
@@ -8107,17 +8038,10 @@
                         </a:spcAft>
                       </a:pPr>
                       <a:r>
-                        <a:rPr lang="en-US" sz="1200">
-                          <a:effectLst/>
-                        </a:rPr>
+                        <a:rPr lang="en-US" sz="1600"/>
                         <a:t>Sistem Design</a:t>
                       </a:r>
-                      <a:endParaRPr lang="id-ID" sz="1200">
-                        <a:effectLst/>
-                        <a:latin typeface="Arial" panose="020B0604020202020204" pitchFamily="34" charset="0"/>
-                        <a:ea typeface="DengXian" panose="02010600030101010101" pitchFamily="2" charset="-122"/>
-                        <a:cs typeface="Times New Roman" panose="02020603050405020304" pitchFamily="18" charset="0"/>
-                      </a:endParaRPr>
+                      <a:endParaRPr lang="id-ID" sz="1600"/>
                     </a:p>
                   </a:txBody>
                   <a:tcPr marL="68580" marR="68580" marT="0" marB="0"/>
@@ -8139,17 +8063,10 @@
                         </a:spcAft>
                       </a:pPr>
                       <a:r>
-                        <a:rPr lang="en-US" sz="1200">
-                          <a:effectLst/>
-                        </a:rPr>
+                        <a:rPr lang="en-US" sz="1600"/>
                         <a:t>Kurnia Rizqi Nur Hasani</a:t>
                       </a:r>
-                      <a:endParaRPr lang="id-ID" sz="1200">
-                        <a:effectLst/>
-                        <a:latin typeface="Arial" panose="020B0604020202020204" pitchFamily="34" charset="0"/>
-                        <a:ea typeface="DengXian" panose="02010600030101010101" pitchFamily="2" charset="-122"/>
-                        <a:cs typeface="Times New Roman" panose="02020603050405020304" pitchFamily="18" charset="0"/>
-                      </a:endParaRPr>
+                      <a:endParaRPr lang="id-ID" sz="1600"/>
                     </a:p>
                   </a:txBody>
                   <a:tcPr marL="68580" marR="68580" marT="0" marB="0"/>
@@ -8173,17 +8090,10 @@
                         <a:buChar char="-"/>
                       </a:pPr>
                       <a:r>
-                        <a:rPr lang="en-US" sz="1200">
-                          <a:effectLst/>
-                        </a:rPr>
+                        <a:rPr lang="en-US" sz="1600"/>
                         <a:t>Memberikan gambaran design aplikasi</a:t>
                       </a:r>
-                      <a:endParaRPr lang="id-ID" sz="1200">
-                        <a:effectLst/>
-                        <a:latin typeface="Arial" panose="020B0604020202020204" pitchFamily="34" charset="0"/>
-                        <a:ea typeface="DengXian" panose="02010600030101010101" pitchFamily="2" charset="-122"/>
-                        <a:cs typeface="Times New Roman" panose="02020603050405020304" pitchFamily="18" charset="0"/>
-                      </a:endParaRPr>
+                      <a:endParaRPr lang="id-ID" sz="1600"/>
                     </a:p>
                   </a:txBody>
                   <a:tcPr marL="68580" marR="68580" marT="0" marB="0"/>
@@ -8212,17 +8122,10 @@
                         </a:spcAft>
                       </a:pPr>
                       <a:r>
-                        <a:rPr lang="en-US" sz="1200">
-                          <a:effectLst/>
-                        </a:rPr>
+                        <a:rPr lang="en-US" sz="1600"/>
                         <a:t>Programmer</a:t>
                       </a:r>
-                      <a:endParaRPr lang="id-ID" sz="1200">
-                        <a:effectLst/>
-                        <a:latin typeface="Arial" panose="020B0604020202020204" pitchFamily="34" charset="0"/>
-                        <a:ea typeface="DengXian" panose="02010600030101010101" pitchFamily="2" charset="-122"/>
-                        <a:cs typeface="Times New Roman" panose="02020603050405020304" pitchFamily="18" charset="0"/>
-                      </a:endParaRPr>
+                      <a:endParaRPr lang="id-ID" sz="1600"/>
                     </a:p>
                   </a:txBody>
                   <a:tcPr marL="68580" marR="68580" marT="0" marB="0"/>
@@ -8246,14 +8149,18 @@
                         <a:buChar char="-"/>
                       </a:pPr>
                       <a:r>
-                        <a:rPr lang="en-US" sz="1200">
-                          <a:effectLst/>
-                        </a:rPr>
-                        <a:t>Habiib Iqbal Sobari</a:t>
+                        <a:rPr lang="en-US" sz="1600" dirty="0" err="1"/>
+                        <a:t>Habiib</a:t>
                       </a:r>
-                      <a:endParaRPr lang="id-ID" sz="1200">
-                        <a:effectLst/>
-                      </a:endParaRPr>
+                      <a:r>
+                        <a:rPr lang="en-US" sz="1600" dirty="0"/>
+                        <a:t> Iqbal </a:t>
+                      </a:r>
+                      <a:r>
+                        <a:rPr lang="en-US" sz="1600" dirty="0" err="1"/>
+                        <a:t>Sobari</a:t>
+                      </a:r>
+                      <a:endParaRPr lang="id-ID" sz="1600" dirty="0"/>
                     </a:p>
                     <a:p>
                       <a:pPr marL="342900" marR="0" lvl="0" indent="-342900" algn="just">
@@ -8270,14 +8177,14 @@
                         <a:buChar char="-"/>
                       </a:pPr>
                       <a:r>
-                        <a:rPr lang="en-US" sz="1200">
-                          <a:effectLst/>
-                        </a:rPr>
-                        <a:t>Angga Pala Raja</a:t>
+                        <a:rPr lang="en-US" sz="1600" dirty="0" err="1"/>
+                        <a:t>Angga</a:t>
                       </a:r>
-                      <a:endParaRPr lang="id-ID" sz="1200">
-                        <a:effectLst/>
-                      </a:endParaRPr>
+                      <a:r>
+                        <a:rPr lang="en-US" sz="1600" dirty="0"/>
+                        <a:t> Pala Raja</a:t>
+                      </a:r>
+                      <a:endParaRPr lang="id-ID" sz="1600" dirty="0"/>
                     </a:p>
                     <a:p>
                       <a:pPr marL="342900" marR="0" lvl="0" indent="-342900" algn="just">
@@ -8294,14 +8201,10 @@
                         <a:buChar char="-"/>
                       </a:pPr>
                       <a:r>
-                        <a:rPr lang="en-US" sz="1200">
-                          <a:effectLst/>
-                        </a:rPr>
+                        <a:rPr lang="en-US" sz="1600" dirty="0"/>
                         <a:t>Muhammad Alful Falakh</a:t>
                       </a:r>
-                      <a:endParaRPr lang="id-ID" sz="1200">
-                        <a:effectLst/>
-                      </a:endParaRPr>
+                      <a:endParaRPr lang="id-ID" sz="1600" dirty="0"/>
                     </a:p>
                     <a:p>
                       <a:pPr marL="342900" marR="0" lvl="0" indent="-342900" algn="just">
@@ -8318,14 +8221,26 @@
                         <a:buChar char="-"/>
                       </a:pPr>
                       <a:r>
-                        <a:rPr lang="en-US" sz="1200">
-                          <a:effectLst/>
-                        </a:rPr>
-                        <a:t>Maheswara Athallah Wijanarko</a:t>
+                        <a:rPr lang="en-US" sz="1600" dirty="0" err="1"/>
+                        <a:t>Maheswara</a:t>
                       </a:r>
-                      <a:endParaRPr lang="id-ID" sz="1200">
-                        <a:effectLst/>
-                      </a:endParaRPr>
+                      <a:r>
+                        <a:rPr lang="en-US" sz="1600" dirty="0"/>
+                        <a:t> </a:t>
+                      </a:r>
+                      <a:r>
+                        <a:rPr lang="en-US" sz="1600" dirty="0" err="1"/>
+                        <a:t>Athallah</a:t>
+                      </a:r>
+                      <a:r>
+                        <a:rPr lang="en-US" sz="1600" dirty="0"/>
+                        <a:t> </a:t>
+                      </a:r>
+                      <a:r>
+                        <a:rPr lang="en-US" sz="1600" dirty="0" err="1"/>
+                        <a:t>Wijanarko</a:t>
+                      </a:r>
+                      <a:endParaRPr lang="id-ID" sz="1600" dirty="0"/>
                     </a:p>
                     <a:p>
                       <a:pPr marL="342900" marR="0" lvl="0" indent="-342900" algn="just">
@@ -8342,17 +8257,26 @@
                         <a:buChar char="-"/>
                       </a:pPr>
                       <a:r>
-                        <a:rPr lang="en-US" sz="1200">
-                          <a:effectLst/>
-                        </a:rPr>
-                        <a:t>Kurnia Rizqi Nur Hasani</a:t>
+                        <a:rPr lang="en-US" sz="1600" dirty="0" err="1"/>
+                        <a:t>Kurnia</a:t>
                       </a:r>
-                      <a:endParaRPr lang="id-ID" sz="1200">
-                        <a:effectLst/>
-                        <a:latin typeface="Arial" panose="020B0604020202020204" pitchFamily="34" charset="0"/>
-                        <a:ea typeface="DengXian" panose="02010600030101010101" pitchFamily="2" charset="-122"/>
-                        <a:cs typeface="Times New Roman" panose="02020603050405020304" pitchFamily="18" charset="0"/>
-                      </a:endParaRPr>
+                      <a:r>
+                        <a:rPr lang="en-US" sz="1600" dirty="0"/>
+                        <a:t> </a:t>
+                      </a:r>
+                      <a:r>
+                        <a:rPr lang="en-US" sz="1600" dirty="0" err="1"/>
+                        <a:t>Rizqi</a:t>
+                      </a:r>
+                      <a:r>
+                        <a:rPr lang="en-US" sz="1600" dirty="0"/>
+                        <a:t> Nur </a:t>
+                      </a:r>
+                      <a:r>
+                        <a:rPr lang="en-US" sz="1600" dirty="0" err="1"/>
+                        <a:t>Hasani</a:t>
+                      </a:r>
+                      <a:endParaRPr lang="id-ID" sz="1600" dirty="0"/>
                     </a:p>
                   </a:txBody>
                   <a:tcPr marL="68580" marR="68580" marT="0" marB="0"/>
@@ -8376,50 +8300,34 @@
                         <a:buChar char="-"/>
                       </a:pPr>
                       <a:r>
-                        <a:rPr lang="en-US" sz="1200" dirty="0" err="1">
-                          <a:effectLst/>
-                        </a:rPr>
+                        <a:rPr lang="en-US" sz="1600" dirty="0" err="1"/>
                         <a:t>Membuat</a:t>
                       </a:r>
                       <a:r>
-                        <a:rPr lang="en-US" sz="1200" dirty="0">
-                          <a:effectLst/>
-                        </a:rPr>
+                        <a:rPr lang="en-US" sz="1600" dirty="0"/>
                         <a:t> </a:t>
                       </a:r>
                       <a:r>
-                        <a:rPr lang="en-US" sz="1200" dirty="0" err="1">
-                          <a:effectLst/>
-                        </a:rPr>
+                        <a:rPr lang="en-US" sz="1600" dirty="0" err="1"/>
                         <a:t>aplikasi</a:t>
                       </a:r>
                       <a:r>
-                        <a:rPr lang="en-US" sz="1200" dirty="0">
-                          <a:effectLst/>
-                        </a:rPr>
+                        <a:rPr lang="en-US" sz="1600" dirty="0"/>
                         <a:t> yang </a:t>
                       </a:r>
                       <a:r>
-                        <a:rPr lang="en-US" sz="1200" dirty="0" err="1">
-                          <a:effectLst/>
-                        </a:rPr>
+                        <a:rPr lang="en-US" sz="1600" dirty="0" err="1"/>
                         <a:t>telah</a:t>
                       </a:r>
                       <a:r>
-                        <a:rPr lang="en-US" sz="1200" dirty="0">
-                          <a:effectLst/>
-                        </a:rPr>
+                        <a:rPr lang="en-US" sz="1600" dirty="0"/>
                         <a:t> </a:t>
                       </a:r>
                       <a:r>
-                        <a:rPr lang="en-US" sz="1200" dirty="0" err="1">
-                          <a:effectLst/>
-                        </a:rPr>
+                        <a:rPr lang="en-US" sz="1600" dirty="0" err="1"/>
                         <a:t>dirancang</a:t>
                       </a:r>
-                      <a:endParaRPr lang="id-ID" sz="1200" dirty="0">
-                        <a:effectLst/>
-                      </a:endParaRPr>
+                      <a:endParaRPr lang="id-ID" sz="1600" dirty="0"/>
                     </a:p>
                     <a:p>
                       <a:pPr marL="342900" marR="0" lvl="0" indent="-342900" algn="just">
@@ -8436,50 +8344,34 @@
                         <a:buChar char="-"/>
                       </a:pPr>
                       <a:r>
-                        <a:rPr lang="en-US" sz="1200" dirty="0" err="1">
-                          <a:effectLst/>
-                        </a:rPr>
+                        <a:rPr lang="en-US" sz="1600" dirty="0" err="1"/>
                         <a:t>Menguji</a:t>
                       </a:r>
                       <a:r>
-                        <a:rPr lang="en-US" sz="1200" dirty="0">
-                          <a:effectLst/>
-                        </a:rPr>
+                        <a:rPr lang="en-US" sz="1600" dirty="0"/>
                         <a:t> </a:t>
                       </a:r>
                       <a:r>
-                        <a:rPr lang="en-US" sz="1200" dirty="0" err="1">
-                          <a:effectLst/>
-                        </a:rPr>
+                        <a:rPr lang="en-US" sz="1600" dirty="0" err="1"/>
                         <a:t>aplikasi</a:t>
                       </a:r>
                       <a:r>
-                        <a:rPr lang="en-US" sz="1200" dirty="0">
-                          <a:effectLst/>
-                        </a:rPr>
+                        <a:rPr lang="en-US" sz="1600" dirty="0"/>
                         <a:t> yang </a:t>
                       </a:r>
                       <a:r>
-                        <a:rPr lang="en-US" sz="1200" dirty="0" err="1">
-                          <a:effectLst/>
-                        </a:rPr>
+                        <a:rPr lang="en-US" sz="1600" dirty="0" err="1"/>
                         <a:t>telah</a:t>
                       </a:r>
                       <a:r>
-                        <a:rPr lang="en-US" sz="1200" dirty="0">
-                          <a:effectLst/>
-                        </a:rPr>
+                        <a:rPr lang="en-US" sz="1600" dirty="0"/>
                         <a:t> </a:t>
                       </a:r>
                       <a:r>
-                        <a:rPr lang="en-US" sz="1200" dirty="0" err="1">
-                          <a:effectLst/>
-                        </a:rPr>
+                        <a:rPr lang="en-US" sz="1600" dirty="0" err="1"/>
                         <a:t>dirancang</a:t>
                       </a:r>
-                      <a:endParaRPr lang="en-US" sz="1200" dirty="0">
-                        <a:effectLst/>
-                      </a:endParaRPr>
+                      <a:endParaRPr lang="en-US" sz="1600" dirty="0"/>
                     </a:p>
                   </a:txBody>
                   <a:tcPr marL="68580" marR="68580" marT="0" marB="0"/>

--- a/Aplikasi Catalog Board Game.pptx
+++ b/Aplikasi Catalog Board Game.pptx
@@ -152,7 +152,7 @@
   <pc:docChgLst>
     <pc:chgData name="alful falakh" userId="48e217df925ce595" providerId="LiveId" clId="{9AD53882-7CF3-4857-ADDC-F1BAE670FA97}"/>
     <pc:docChg chg="undo custSel addSld delSld modSld sldOrd addSection delSection modSection">
-      <pc:chgData name="alful falakh" userId="48e217df925ce595" providerId="LiveId" clId="{9AD53882-7CF3-4857-ADDC-F1BAE670FA97}" dt="2021-04-21T20:04:45.067" v="583" actId="20577"/>
+      <pc:chgData name="alful falakh" userId="48e217df925ce595" providerId="LiveId" clId="{9AD53882-7CF3-4857-ADDC-F1BAE670FA97}" dt="2021-04-21T20:52:52.429" v="585" actId="20577"/>
       <pc:docMkLst>
         <pc:docMk/>
       </pc:docMkLst>
@@ -172,13 +172,13 @@
         </pc:spChg>
       </pc:sldChg>
       <pc:sldChg chg="modSp mod">
-        <pc:chgData name="alful falakh" userId="48e217df925ce595" providerId="LiveId" clId="{9AD53882-7CF3-4857-ADDC-F1BAE670FA97}" dt="2021-04-21T20:03:46.112" v="575" actId="27636"/>
+        <pc:chgData name="alful falakh" userId="48e217df925ce595" providerId="LiveId" clId="{9AD53882-7CF3-4857-ADDC-F1BAE670FA97}" dt="2021-04-21T20:52:52.429" v="585" actId="20577"/>
         <pc:sldMkLst>
           <pc:docMk/>
           <pc:sldMk cId="1273568111" sldId="258"/>
         </pc:sldMkLst>
         <pc:spChg chg="mod">
-          <ac:chgData name="alful falakh" userId="48e217df925ce595" providerId="LiveId" clId="{9AD53882-7CF3-4857-ADDC-F1BAE670FA97}" dt="2021-04-21T20:03:46.112" v="575" actId="27636"/>
+          <ac:chgData name="alful falakh" userId="48e217df925ce595" providerId="LiveId" clId="{9AD53882-7CF3-4857-ADDC-F1BAE670FA97}" dt="2021-04-21T20:52:52.429" v="585" actId="20577"/>
           <ac:spMkLst>
             <pc:docMk/>
             <pc:sldMk cId="1273568111" sldId="258"/>
@@ -7088,175 +7088,13 @@
               <a:t>bentuk</a:t>
             </a:r>
             <a:r>
-              <a:rPr lang="en-US" sz="2300" dirty="0">
-                <a:effectLst/>
-                <a:latin typeface="Calibri (Body)"/>
-                <a:ea typeface="DengXian" panose="02010600030101010101" pitchFamily="2" charset="-122"/>
-                <a:cs typeface="Times New Roman" panose="02020603050405020304" pitchFamily="18" charset="0"/>
-              </a:rPr>
-              <a:t> csv. </a:t>
-            </a:r>
-            <a:r>
-              <a:rPr lang="en-US" sz="2300" dirty="0" err="1">
-                <a:effectLst/>
-                <a:latin typeface="Calibri (Body)"/>
-                <a:ea typeface="DengXian" panose="02010600030101010101" pitchFamily="2" charset="-122"/>
-                <a:cs typeface="Times New Roman" panose="02020603050405020304" pitchFamily="18" charset="0"/>
-              </a:rPr>
-              <a:t>Aplikasi</a:t>
-            </a:r>
-            <a:r>
-              <a:rPr lang="en-US" sz="2300" dirty="0">
-                <a:effectLst/>
-                <a:latin typeface="Calibri (Body)"/>
-                <a:ea typeface="DengXian" panose="02010600030101010101" pitchFamily="2" charset="-122"/>
-                <a:cs typeface="Times New Roman" panose="02020603050405020304" pitchFamily="18" charset="0"/>
-              </a:rPr>
-              <a:t> </a:t>
-            </a:r>
-            <a:r>
-              <a:rPr lang="en-US" sz="2300" dirty="0" err="1">
-                <a:effectLst/>
-                <a:latin typeface="Calibri (Body)"/>
-                <a:ea typeface="DengXian" panose="02010600030101010101" pitchFamily="2" charset="-122"/>
-                <a:cs typeface="Times New Roman" panose="02020603050405020304" pitchFamily="18" charset="0"/>
-              </a:rPr>
-              <a:t>ini</a:t>
-            </a:r>
-            <a:r>
-              <a:rPr lang="en-US" sz="2300" dirty="0">
-                <a:effectLst/>
-                <a:latin typeface="Calibri (Body)"/>
-                <a:ea typeface="DengXian" panose="02010600030101010101" pitchFamily="2" charset="-122"/>
-                <a:cs typeface="Times New Roman" panose="02020603050405020304" pitchFamily="18" charset="0"/>
-              </a:rPr>
-              <a:t> </a:t>
-            </a:r>
-            <a:r>
-              <a:rPr lang="en-US" sz="2300" dirty="0" err="1">
-                <a:effectLst/>
-                <a:latin typeface="Calibri (Body)"/>
-                <a:ea typeface="DengXian" panose="02010600030101010101" pitchFamily="2" charset="-122"/>
-                <a:cs typeface="Times New Roman" panose="02020603050405020304" pitchFamily="18" charset="0"/>
-              </a:rPr>
-              <a:t>dibuat</a:t>
-            </a:r>
-            <a:r>
-              <a:rPr lang="en-US" sz="2300" dirty="0">
-                <a:effectLst/>
-                <a:latin typeface="Calibri (Body)"/>
-                <a:ea typeface="DengXian" panose="02010600030101010101" pitchFamily="2" charset="-122"/>
-                <a:cs typeface="Times New Roman" panose="02020603050405020304" pitchFamily="18" charset="0"/>
-              </a:rPr>
-              <a:t> </a:t>
-            </a:r>
-            <a:r>
-              <a:rPr lang="en-US" sz="2300" dirty="0" err="1">
-                <a:effectLst/>
-                <a:latin typeface="Calibri (Body)"/>
-                <a:ea typeface="DengXian" panose="02010600030101010101" pitchFamily="2" charset="-122"/>
-                <a:cs typeface="Times New Roman" panose="02020603050405020304" pitchFamily="18" charset="0"/>
-              </a:rPr>
-              <a:t>dengan</a:t>
-            </a:r>
-            <a:r>
-              <a:rPr lang="en-US" sz="2300" dirty="0">
-                <a:effectLst/>
-                <a:latin typeface="Calibri (Body)"/>
-                <a:ea typeface="DengXian" panose="02010600030101010101" pitchFamily="2" charset="-122"/>
-                <a:cs typeface="Times New Roman" panose="02020603050405020304" pitchFamily="18" charset="0"/>
-              </a:rPr>
-              <a:t> </a:t>
-            </a:r>
-            <a:r>
-              <a:rPr lang="en-US" sz="2300" dirty="0" err="1">
-                <a:effectLst/>
-                <a:latin typeface="Calibri (Body)"/>
-                <a:ea typeface="DengXian" panose="02010600030101010101" pitchFamily="2" charset="-122"/>
-                <a:cs typeface="Times New Roman" panose="02020603050405020304" pitchFamily="18" charset="0"/>
-              </a:rPr>
-              <a:t>menggunakan</a:t>
-            </a:r>
-            <a:r>
-              <a:rPr lang="en-US" sz="2300" dirty="0">
-                <a:effectLst/>
-                <a:latin typeface="Calibri (Body)"/>
-                <a:ea typeface="DengXian" panose="02010600030101010101" pitchFamily="2" charset="-122"/>
-                <a:cs typeface="Times New Roman" panose="02020603050405020304" pitchFamily="18" charset="0"/>
-              </a:rPr>
-              <a:t> Bahasa </a:t>
-            </a:r>
-            <a:r>
-              <a:rPr lang="en-US" sz="2300" dirty="0" err="1">
-                <a:effectLst/>
-                <a:latin typeface="Calibri (Body)"/>
-                <a:ea typeface="DengXian" panose="02010600030101010101" pitchFamily="2" charset="-122"/>
-                <a:cs typeface="Times New Roman" panose="02020603050405020304" pitchFamily="18" charset="0"/>
-              </a:rPr>
-              <a:t>pemrograman</a:t>
-            </a:r>
-            <a:r>
-              <a:rPr lang="en-US" sz="2300" dirty="0">
-                <a:effectLst/>
-                <a:latin typeface="Calibri (Body)"/>
-                <a:ea typeface="DengXian" panose="02010600030101010101" pitchFamily="2" charset="-122"/>
-                <a:cs typeface="Times New Roman" panose="02020603050405020304" pitchFamily="18" charset="0"/>
-              </a:rPr>
-              <a:t> java dan </a:t>
-            </a:r>
-            <a:r>
-              <a:rPr lang="en-US" sz="2300" dirty="0" err="1">
-                <a:effectLst/>
-                <a:latin typeface="Calibri (Body)"/>
-                <a:ea typeface="DengXian" panose="02010600030101010101" pitchFamily="2" charset="-122"/>
-                <a:cs typeface="Times New Roman" panose="02020603050405020304" pitchFamily="18" charset="0"/>
-              </a:rPr>
-              <a:t>dibuat</a:t>
-            </a:r>
-            <a:r>
-              <a:rPr lang="en-US" sz="2300" dirty="0">
-                <a:effectLst/>
-                <a:latin typeface="Calibri (Body)"/>
-                <a:ea typeface="DengXian" panose="02010600030101010101" pitchFamily="2" charset="-122"/>
-                <a:cs typeface="Times New Roman" panose="02020603050405020304" pitchFamily="18" charset="0"/>
-              </a:rPr>
-              <a:t> </a:t>
-            </a:r>
-            <a:r>
-              <a:rPr lang="en-US" sz="2300" dirty="0" err="1">
-                <a:effectLst/>
-                <a:latin typeface="Calibri (Body)"/>
-                <a:ea typeface="DengXian" panose="02010600030101010101" pitchFamily="2" charset="-122"/>
-                <a:cs typeface="Times New Roman" panose="02020603050405020304" pitchFamily="18" charset="0"/>
-              </a:rPr>
-              <a:t>untuk</a:t>
-            </a:r>
-            <a:r>
-              <a:rPr lang="en-US" sz="2300" dirty="0">
-                <a:effectLst/>
-                <a:latin typeface="Calibri (Body)"/>
-                <a:ea typeface="DengXian" panose="02010600030101010101" pitchFamily="2" charset="-122"/>
-                <a:cs typeface="Times New Roman" panose="02020603050405020304" pitchFamily="18" charset="0"/>
-              </a:rPr>
-              <a:t> OS </a:t>
-            </a:r>
-            <a:r>
-              <a:rPr lang="en-US" sz="2300" dirty="0" err="1">
-                <a:effectLst/>
-                <a:latin typeface="Calibri (Body)"/>
-                <a:ea typeface="DengXian" panose="02010600030101010101" pitchFamily="2" charset="-122"/>
-                <a:cs typeface="Times New Roman" panose="02020603050405020304" pitchFamily="18" charset="0"/>
-              </a:rPr>
-              <a:t>berbasis</a:t>
-            </a:r>
-            <a:r>
-              <a:rPr lang="en-US" sz="2300" dirty="0">
-                <a:effectLst/>
-                <a:latin typeface="Calibri (Body)"/>
-                <a:ea typeface="DengXian" panose="02010600030101010101" pitchFamily="2" charset="-122"/>
-                <a:cs typeface="Times New Roman" panose="02020603050405020304" pitchFamily="18" charset="0"/>
-              </a:rPr>
-              <a:t> Android.</a:t>
+              <a:rPr lang="en-US" sz="2300">
+                <a:effectLst/>
+                <a:latin typeface="Calibri (Body)"/>
+                <a:ea typeface="DengXian" panose="02010600030101010101" pitchFamily="2" charset="-122"/>
+                <a:cs typeface="Times New Roman" panose="02020603050405020304" pitchFamily="18" charset="0"/>
+              </a:rPr>
+              <a:t> csv.</a:t>
             </a:r>
             <a:endParaRPr lang="id-ID" sz="2300" dirty="0">
               <a:effectLst/>

--- a/Aplikasi Catalog Board Game.pptx
+++ b/Aplikasi Catalog Board Game.pptx
@@ -7264,7 +7264,11 @@
           <a:p>
             <a:r>
               <a:rPr lang="en-US" dirty="0"/>
-              <a:t>Work Breakdown Structure</a:t>
+              <a:t>Work </a:t>
+            </a:r>
+            <a:r>
+              <a:rPr lang="en-US"/>
+              <a:t>Breakdown Structures</a:t>
             </a:r>
             <a:endParaRPr lang="en-ID" dirty="0"/>
           </a:p>
@@ -7303,7 +7307,34 @@
             <a:off x="1898073" y="1801092"/>
             <a:ext cx="8437418" cy="3948284"/>
           </a:xfrm>
+          <a:solidFill>
+            <a:schemeClr val="tx1">
+              <a:lumMod val="95000"/>
+              <a:lumOff val="5000"/>
+            </a:schemeClr>
+          </a:solidFill>
+          <a:ln>
+            <a:solidFill>
+              <a:srgbClr val="FF0000"/>
+            </a:solidFill>
+          </a:ln>
         </p:spPr>
+        <p:style>
+          <a:lnRef idx="2">
+            <a:schemeClr val="dk1">
+              <a:shade val="50000"/>
+            </a:schemeClr>
+          </a:lnRef>
+          <a:fillRef idx="1">
+            <a:schemeClr val="dk1"/>
+          </a:fillRef>
+          <a:effectRef idx="0">
+            <a:schemeClr val="dk1"/>
+          </a:effectRef>
+          <a:fontRef idx="minor">
+            <a:schemeClr val="lt1"/>
+          </a:fontRef>
+        </p:style>
       </p:pic>
     </p:spTree>
     <p:extLst>

--- a/Aplikasi Catalog Board Game.pptx
+++ b/Aplikasi Catalog Board Game.pptx
@@ -7264,11 +7264,11 @@
           <a:p>
             <a:r>
               <a:rPr lang="en-US" dirty="0"/>
-              <a:t>Work </a:t>
+              <a:t>Work Breakdown </a:t>
             </a:r>
             <a:r>
               <a:rPr lang="en-US"/>
-              <a:t>Breakdown Structures</a:t>
+              <a:t>Structuret</a:t>
             </a:r>
             <a:endParaRPr lang="en-ID" dirty="0"/>
           </a:p>

--- a/Aplikasi Catalog Board Game.pptx
+++ b/Aplikasi Catalog Board Game.pptx
@@ -7264,11 +7264,11 @@
           <a:p>
             <a:r>
               <a:rPr lang="en-US" dirty="0"/>
-              <a:t>Work Breakdown </a:t>
+              <a:t>Work </a:t>
             </a:r>
             <a:r>
               <a:rPr lang="en-US"/>
-              <a:t>Structuret</a:t>
+              <a:t>Breakdown Structures</a:t>
             </a:r>
             <a:endParaRPr lang="en-ID" dirty="0"/>
           </a:p>
